--- a/assets/img/Images.pptx
+++ b/assets/img/Images.pptx
@@ -219,7 +219,7 @@
           <a:p>
             <a:fld id="{0CC1478D-87B6-451A-8696-61271112EFBC}" type="datetimeFigureOut">
               <a:rPr lang="en-US" smtClean="0"/>
-              <a:t>3/18/2018</a:t>
+              <a:t>5/5/2018</a:t>
             </a:fld>
             <a:endParaRPr lang="en-US"/>
           </a:p>
@@ -377,7 +377,7 @@
           <a:p>
             <a:fld id="{7E2FC2BD-A5B6-4DBB-BAF8-AB16095C304E}" type="slidenum">
               <a:rPr lang="en-US" smtClean="0"/>
-              <a:t>‹nr.›</a:t>
+              <a:t>‹#›</a:t>
             </a:fld>
             <a:endParaRPr lang="en-US"/>
           </a:p>
@@ -714,7 +714,7 @@
           <a:p>
             <a:fld id="{788667A8-8BE1-4384-8E52-CA6CA56C077B}" type="datetimeFigureOut">
               <a:rPr lang="en-US" smtClean="0"/>
-              <a:t>3/18/2018</a:t>
+              <a:t>5/5/2018</a:t>
             </a:fld>
             <a:endParaRPr lang="en-US"/>
           </a:p>
@@ -756,7 +756,7 @@
           <a:p>
             <a:fld id="{A50B7793-5ADB-4896-83B0-DF67F8F54EE6}" type="slidenum">
               <a:rPr lang="en-US" smtClean="0"/>
-              <a:t>‹nr.›</a:t>
+              <a:t>‹#›</a:t>
             </a:fld>
             <a:endParaRPr lang="en-US"/>
           </a:p>
@@ -884,7 +884,7 @@
           <a:p>
             <a:fld id="{788667A8-8BE1-4384-8E52-CA6CA56C077B}" type="datetimeFigureOut">
               <a:rPr lang="en-US" smtClean="0"/>
-              <a:t>3/18/2018</a:t>
+              <a:t>5/5/2018</a:t>
             </a:fld>
             <a:endParaRPr lang="en-US"/>
           </a:p>
@@ -926,7 +926,7 @@
           <a:p>
             <a:fld id="{A50B7793-5ADB-4896-83B0-DF67F8F54EE6}" type="slidenum">
               <a:rPr lang="en-US" smtClean="0"/>
-              <a:t>‹nr.›</a:t>
+              <a:t>‹#›</a:t>
             </a:fld>
             <a:endParaRPr lang="en-US"/>
           </a:p>
@@ -1064,7 +1064,7 @@
           <a:p>
             <a:fld id="{788667A8-8BE1-4384-8E52-CA6CA56C077B}" type="datetimeFigureOut">
               <a:rPr lang="en-US" smtClean="0"/>
-              <a:t>3/18/2018</a:t>
+              <a:t>5/5/2018</a:t>
             </a:fld>
             <a:endParaRPr lang="en-US"/>
           </a:p>
@@ -1106,7 +1106,7 @@
           <a:p>
             <a:fld id="{A50B7793-5ADB-4896-83B0-DF67F8F54EE6}" type="slidenum">
               <a:rPr lang="en-US" smtClean="0"/>
-              <a:t>‹nr.›</a:t>
+              <a:t>‹#›</a:t>
             </a:fld>
             <a:endParaRPr lang="en-US"/>
           </a:p>
@@ -1294,7 +1294,7 @@
           <a:p>
             <a:fld id="{788667A8-8BE1-4384-8E52-CA6CA56C077B}" type="datetimeFigureOut">
               <a:rPr lang="en-US" smtClean="0"/>
-              <a:t>3/18/2018</a:t>
+              <a:t>5/5/2018</a:t>
             </a:fld>
             <a:endParaRPr lang="en-US"/>
           </a:p>
@@ -1336,7 +1336,7 @@
           <a:p>
             <a:fld id="{A50B7793-5ADB-4896-83B0-DF67F8F54EE6}" type="slidenum">
               <a:rPr lang="en-US" smtClean="0"/>
-              <a:t>‹nr.›</a:t>
+              <a:t>‹#›</a:t>
             </a:fld>
             <a:endParaRPr lang="en-US"/>
           </a:p>
@@ -1538,7 +1538,7 @@
           <a:p>
             <a:fld id="{788667A8-8BE1-4384-8E52-CA6CA56C077B}" type="datetimeFigureOut">
               <a:rPr lang="en-US" smtClean="0"/>
-              <a:t>3/18/2018</a:t>
+              <a:t>5/5/2018</a:t>
             </a:fld>
             <a:endParaRPr lang="en-US"/>
           </a:p>
@@ -1580,7 +1580,7 @@
           <a:p>
             <a:fld id="{A50B7793-5ADB-4896-83B0-DF67F8F54EE6}" type="slidenum">
               <a:rPr lang="en-US" smtClean="0"/>
-              <a:t>‹nr.›</a:t>
+              <a:t>‹#›</a:t>
             </a:fld>
             <a:endParaRPr lang="en-US"/>
           </a:p>
@@ -1770,7 +1770,7 @@
           <a:p>
             <a:fld id="{788667A8-8BE1-4384-8E52-CA6CA56C077B}" type="datetimeFigureOut">
               <a:rPr lang="en-US" smtClean="0"/>
-              <a:t>3/18/2018</a:t>
+              <a:t>5/5/2018</a:t>
             </a:fld>
             <a:endParaRPr lang="en-US"/>
           </a:p>
@@ -1812,7 +1812,7 @@
           <a:p>
             <a:fld id="{A50B7793-5ADB-4896-83B0-DF67F8F54EE6}" type="slidenum">
               <a:rPr lang="en-US" smtClean="0"/>
-              <a:t>‹nr.›</a:t>
+              <a:t>‹#›</a:t>
             </a:fld>
             <a:endParaRPr lang="en-US"/>
           </a:p>
@@ -2137,7 +2137,7 @@
           <a:p>
             <a:fld id="{788667A8-8BE1-4384-8E52-CA6CA56C077B}" type="datetimeFigureOut">
               <a:rPr lang="en-US" smtClean="0"/>
-              <a:t>3/18/2018</a:t>
+              <a:t>5/5/2018</a:t>
             </a:fld>
             <a:endParaRPr lang="en-US"/>
           </a:p>
@@ -2179,7 +2179,7 @@
           <a:p>
             <a:fld id="{A50B7793-5ADB-4896-83B0-DF67F8F54EE6}" type="slidenum">
               <a:rPr lang="en-US" smtClean="0"/>
-              <a:t>‹nr.›</a:t>
+              <a:t>‹#›</a:t>
             </a:fld>
             <a:endParaRPr lang="en-US"/>
           </a:p>
@@ -2255,7 +2255,7 @@
           <a:p>
             <a:fld id="{788667A8-8BE1-4384-8E52-CA6CA56C077B}" type="datetimeFigureOut">
               <a:rPr lang="en-US" smtClean="0"/>
-              <a:t>3/18/2018</a:t>
+              <a:t>5/5/2018</a:t>
             </a:fld>
             <a:endParaRPr lang="en-US"/>
           </a:p>
@@ -2297,7 +2297,7 @@
           <a:p>
             <a:fld id="{A50B7793-5ADB-4896-83B0-DF67F8F54EE6}" type="slidenum">
               <a:rPr lang="en-US" smtClean="0"/>
-              <a:t>‹nr.›</a:t>
+              <a:t>‹#›</a:t>
             </a:fld>
             <a:endParaRPr lang="en-US"/>
           </a:p>
@@ -2350,7 +2350,7 @@
           <a:p>
             <a:fld id="{788667A8-8BE1-4384-8E52-CA6CA56C077B}" type="datetimeFigureOut">
               <a:rPr lang="en-US" smtClean="0"/>
-              <a:t>3/18/2018</a:t>
+              <a:t>5/5/2018</a:t>
             </a:fld>
             <a:endParaRPr lang="en-US"/>
           </a:p>
@@ -2392,7 +2392,7 @@
           <a:p>
             <a:fld id="{A50B7793-5ADB-4896-83B0-DF67F8F54EE6}" type="slidenum">
               <a:rPr lang="en-US" smtClean="0"/>
-              <a:t>‹nr.›</a:t>
+              <a:t>‹#›</a:t>
             </a:fld>
             <a:endParaRPr lang="en-US"/>
           </a:p>
@@ -2627,7 +2627,7 @@
           <a:p>
             <a:fld id="{788667A8-8BE1-4384-8E52-CA6CA56C077B}" type="datetimeFigureOut">
               <a:rPr lang="en-US" smtClean="0"/>
-              <a:t>3/18/2018</a:t>
+              <a:t>5/5/2018</a:t>
             </a:fld>
             <a:endParaRPr lang="en-US"/>
           </a:p>
@@ -2669,7 +2669,7 @@
           <a:p>
             <a:fld id="{A50B7793-5ADB-4896-83B0-DF67F8F54EE6}" type="slidenum">
               <a:rPr lang="en-US" smtClean="0"/>
-              <a:t>‹nr.›</a:t>
+              <a:t>‹#›</a:t>
             </a:fld>
             <a:endParaRPr lang="en-US"/>
           </a:p>
@@ -2884,7 +2884,7 @@
           <a:p>
             <a:fld id="{788667A8-8BE1-4384-8E52-CA6CA56C077B}" type="datetimeFigureOut">
               <a:rPr lang="en-US" smtClean="0"/>
-              <a:t>3/18/2018</a:t>
+              <a:t>5/5/2018</a:t>
             </a:fld>
             <a:endParaRPr lang="en-US"/>
           </a:p>
@@ -2926,7 +2926,7 @@
           <a:p>
             <a:fld id="{A50B7793-5ADB-4896-83B0-DF67F8F54EE6}" type="slidenum">
               <a:rPr lang="en-US" smtClean="0"/>
-              <a:t>‹nr.›</a:t>
+              <a:t>‹#›</a:t>
             </a:fld>
             <a:endParaRPr lang="en-US"/>
           </a:p>
@@ -3097,7 +3097,7 @@
           <a:p>
             <a:fld id="{788667A8-8BE1-4384-8E52-CA6CA56C077B}" type="datetimeFigureOut">
               <a:rPr lang="en-US" smtClean="0"/>
-              <a:t>3/18/2018</a:t>
+              <a:t>5/5/2018</a:t>
             </a:fld>
             <a:endParaRPr lang="en-US"/>
           </a:p>
@@ -3175,7 +3175,7 @@
           <a:p>
             <a:fld id="{A50B7793-5ADB-4896-83B0-DF67F8F54EE6}" type="slidenum">
               <a:rPr lang="en-US" smtClean="0"/>
-              <a:t>‹nr.›</a:t>
+              <a:t>‹#›</a:t>
             </a:fld>
             <a:endParaRPr lang="en-US"/>
           </a:p>
@@ -3816,7 +3816,7 @@
         <p:spPr>
           <a:xfrm>
             <a:off x="665806" y="2808496"/>
-            <a:ext cx="1865594" cy="507831"/>
+            <a:ext cx="1865594" cy="715581"/>
           </a:xfrm>
           <a:prstGeom prst="rect">
             <a:avLst/>
@@ -3835,7 +3835,23 @@
             </a:r>
             <a:r>
               <a:rPr lang="en-US" sz="1350" dirty="0"/>
-              <a:t>, Java, C++, Visual Studio and UML</a:t>
+              <a:t>, Java, C++, Visual </a:t>
+            </a:r>
+            <a:r>
+              <a:rPr lang="en-US" sz="1350" dirty="0" smtClean="0"/>
+              <a:t>Studio, </a:t>
+            </a:r>
+            <a:r>
+              <a:rPr lang="en-US" sz="1350" dirty="0" err="1" smtClean="0"/>
+              <a:t>GrapML</a:t>
+            </a:r>
+            <a:r>
+              <a:rPr lang="en-US" sz="1350" dirty="0" smtClean="0"/>
+              <a:t> </a:t>
+            </a:r>
+            <a:r>
+              <a:rPr lang="en-US" sz="1350" dirty="0"/>
+              <a:t>and UML</a:t>
             </a:r>
           </a:p>
         </p:txBody>
@@ -4325,7 +4341,7 @@
         <p:spPr>
           <a:xfrm>
             <a:off x="3531289" y="2813359"/>
-            <a:ext cx="891002" cy="300082"/>
+            <a:ext cx="1127624" cy="300082"/>
           </a:xfrm>
           <a:prstGeom prst="rect">
             <a:avLst/>
@@ -4339,9 +4355,10 @@
           <a:lstStyle/>
           <a:p>
             <a:r>
-              <a:rPr lang="en-US" sz="1350" dirty="0"/>
-              <a:t>Conforms</a:t>
-            </a:r>
+              <a:rPr lang="en-US" sz="1350" dirty="0" smtClean="0"/>
+              <a:t>Conforms To</a:t>
+            </a:r>
+            <a:endParaRPr lang="en-US" sz="1350" dirty="0"/>
           </a:p>
         </p:txBody>
       </p:sp>
@@ -4475,7 +4492,7 @@
         </p:nvSpPr>
         <p:spPr>
           <a:xfrm>
-            <a:off x="4596795" y="713458"/>
+            <a:off x="4596795" y="637723"/>
             <a:ext cx="685800" cy="685800"/>
           </a:xfrm>
           <a:prstGeom prst="rect">
@@ -4540,8 +4557,8 @@
         </p:nvCxnSpPr>
         <p:spPr>
           <a:xfrm flipV="1">
-            <a:off x="4939695" y="1399258"/>
-            <a:ext cx="0" cy="587929"/>
+            <a:off x="4939695" y="1323523"/>
+            <a:ext cx="0" cy="663664"/>
           </a:xfrm>
           <a:prstGeom prst="straightConnector1">
             <a:avLst/>
@@ -4614,7 +4631,7 @@
         </p:nvSpPr>
         <p:spPr>
           <a:xfrm>
-            <a:off x="5352958" y="804260"/>
+            <a:off x="5317430" y="650099"/>
             <a:ext cx="963952" cy="519263"/>
           </a:xfrm>
           <a:prstGeom prst="rect">
@@ -4632,6 +4649,142 @@
               <a:rPr lang="en-US" sz="1350" dirty="0"/>
               <a:t>Future extension</a:t>
             </a:r>
+          </a:p>
+        </p:txBody>
+      </p:sp>
+      <p:sp>
+        <p:nvSpPr>
+          <p:cNvPr id="31" name="Rectangle 30"/>
+          <p:cNvSpPr/>
+          <p:nvPr/>
+        </p:nvSpPr>
+        <p:spPr>
+          <a:xfrm>
+            <a:off x="3188387" y="615587"/>
+            <a:ext cx="696839" cy="685800"/>
+          </a:xfrm>
+          <a:prstGeom prst="rect">
+            <a:avLst/>
+          </a:prstGeom>
+          <a:ln>
+            <a:solidFill>
+              <a:schemeClr val="accent1">
+                <a:shade val="50000"/>
+              </a:schemeClr>
+            </a:solidFill>
+          </a:ln>
+        </p:spPr>
+        <p:style>
+          <a:lnRef idx="2">
+            <a:schemeClr val="accent1">
+              <a:shade val="50000"/>
+            </a:schemeClr>
+          </a:lnRef>
+          <a:fillRef idx="1">
+            <a:schemeClr val="accent1"/>
+          </a:fillRef>
+          <a:effectRef idx="0">
+            <a:schemeClr val="accent1"/>
+          </a:effectRef>
+          <a:fontRef idx="minor">
+            <a:schemeClr val="lt1"/>
+          </a:fontRef>
+        </p:style>
+        <p:txBody>
+          <a:bodyPr rtlCol="0" anchor="ctr"/>
+          <a:lstStyle/>
+          <a:p>
+            <a:pPr algn="ctr"/>
+            <a:r>
+              <a:rPr lang="en-US" sz="1350" dirty="0" smtClean="0"/>
+              <a:t>Trans</a:t>
+            </a:r>
+          </a:p>
+          <a:p>
+            <a:pPr algn="ctr"/>
+            <a:r>
+              <a:rPr lang="en-US" sz="1350" dirty="0" smtClean="0"/>
+              <a:t>former</a:t>
+            </a:r>
+            <a:endParaRPr lang="en-US" sz="1350" dirty="0"/>
+          </a:p>
+        </p:txBody>
+      </p:sp>
+      <p:cxnSp>
+        <p:nvCxnSpPr>
+          <p:cNvPr id="35" name="Straight Arrow Connector 29">
+            <a:extLst>
+              <a:ext uri="{FF2B5EF4-FFF2-40B4-BE49-F238E27FC236}">
+                <a16:creationId xmlns:a16="http://schemas.microsoft.com/office/drawing/2014/main" id="{93AFFDAA-7869-403C-A599-386E74E7AE75}"/>
+              </a:ext>
+            </a:extLst>
+          </p:cNvPr>
+          <p:cNvCxnSpPr>
+            <a:cxnSpLocks/>
+            <a:stCxn id="31" idx="2"/>
+          </p:cNvCxnSpPr>
+          <p:nvPr/>
+        </p:nvCxnSpPr>
+        <p:spPr>
+          <a:xfrm flipH="1">
+            <a:off x="3531289" y="1301387"/>
+            <a:ext cx="5518" cy="685800"/>
+          </a:xfrm>
+          <a:prstGeom prst="straightConnector1">
+            <a:avLst/>
+          </a:prstGeom>
+          <a:ln>
+            <a:tailEnd type="triangle"/>
+          </a:ln>
+        </p:spPr>
+        <p:style>
+          <a:lnRef idx="1">
+            <a:schemeClr val="accent1"/>
+          </a:lnRef>
+          <a:fillRef idx="0">
+            <a:schemeClr val="accent1"/>
+          </a:fillRef>
+          <a:effectRef idx="0">
+            <a:schemeClr val="accent1"/>
+          </a:effectRef>
+          <a:fontRef idx="minor">
+            <a:schemeClr val="tx1"/>
+          </a:fontRef>
+        </p:style>
+      </p:cxnSp>
+      <p:sp>
+        <p:nvSpPr>
+          <p:cNvPr id="40" name="TextBox 54">
+            <a:extLst>
+              <a:ext uri="{FF2B5EF4-FFF2-40B4-BE49-F238E27FC236}">
+                <a16:creationId xmlns:a16="http://schemas.microsoft.com/office/drawing/2014/main" id="{2F3B357D-556F-46BB-9DCB-0BF79C25C0AB}"/>
+              </a:ext>
+            </a:extLst>
+          </p:cNvPr>
+          <p:cNvSpPr txBox="1"/>
+          <p:nvPr/>
+        </p:nvSpPr>
+        <p:spPr>
+          <a:xfrm>
+            <a:off x="3562461" y="1505103"/>
+            <a:ext cx="977505" cy="300082"/>
+          </a:xfrm>
+          <a:prstGeom prst="rect">
+            <a:avLst/>
+          </a:prstGeom>
+          <a:noFill/>
+        </p:spPr>
+        <p:txBody>
+          <a:bodyPr wrap="square" rtlCol="0">
+            <a:spAutoFit/>
+          </a:bodyPr>
+          <a:lstStyle/>
+          <a:p>
+            <a:r>
+              <a:rPr lang="en-US" sz="1350" dirty="0" smtClean="0"/>
+              <a:t>Transforms</a:t>
+            </a:r>
+            <a:endParaRPr lang="en-US" sz="1350" dirty="0"/>
           </a:p>
         </p:txBody>
       </p:sp>
@@ -4645,6 +4798,13 @@
   <p:clrMapOvr>
     <a:masterClrMapping/>
   </p:clrMapOvr>
+  <p:timing>
+    <p:tnLst>
+      <p:par>
+        <p:cTn id="1" dur="indefinite" restart="never" nodeType="tmRoot"/>
+      </p:par>
+    </p:tnLst>
+  </p:timing>
 </p:sld>
 </file>
 
@@ -9648,6 +9808,13 @@
   <p:clrMapOvr>
     <a:masterClrMapping/>
   </p:clrMapOvr>
+  <p:timing>
+    <p:tnLst>
+      <p:par>
+        <p:cTn id="1" dur="indefinite" restart="never" nodeType="tmRoot"/>
+      </p:par>
+    </p:tnLst>
+  </p:timing>
 </p:sld>
 </file>
 

--- a/assets/img/Images.pptx
+++ b/assets/img/Images.pptx
@@ -219,7 +219,7 @@
           <a:p>
             <a:fld id="{0CC1478D-87B6-451A-8696-61271112EFBC}" type="datetimeFigureOut">
               <a:rPr lang="en-US" smtClean="0"/>
-              <a:t>5/5/2018</a:t>
+              <a:t>6/15/2018</a:t>
             </a:fld>
             <a:endParaRPr lang="en-US"/>
           </a:p>
@@ -377,7 +377,7 @@
           <a:p>
             <a:fld id="{7E2FC2BD-A5B6-4DBB-BAF8-AB16095C304E}" type="slidenum">
               <a:rPr lang="en-US" smtClean="0"/>
-              <a:t>‹#›</a:t>
+              <a:t>‹nr.›</a:t>
             </a:fld>
             <a:endParaRPr lang="en-US"/>
           </a:p>
@@ -714,7 +714,7 @@
           <a:p>
             <a:fld id="{788667A8-8BE1-4384-8E52-CA6CA56C077B}" type="datetimeFigureOut">
               <a:rPr lang="en-US" smtClean="0"/>
-              <a:t>5/5/2018</a:t>
+              <a:t>6/15/2018</a:t>
             </a:fld>
             <a:endParaRPr lang="en-US"/>
           </a:p>
@@ -756,7 +756,7 @@
           <a:p>
             <a:fld id="{A50B7793-5ADB-4896-83B0-DF67F8F54EE6}" type="slidenum">
               <a:rPr lang="en-US" smtClean="0"/>
-              <a:t>‹#›</a:t>
+              <a:t>‹nr.›</a:t>
             </a:fld>
             <a:endParaRPr lang="en-US"/>
           </a:p>
@@ -884,7 +884,7 @@
           <a:p>
             <a:fld id="{788667A8-8BE1-4384-8E52-CA6CA56C077B}" type="datetimeFigureOut">
               <a:rPr lang="en-US" smtClean="0"/>
-              <a:t>5/5/2018</a:t>
+              <a:t>6/15/2018</a:t>
             </a:fld>
             <a:endParaRPr lang="en-US"/>
           </a:p>
@@ -926,7 +926,7 @@
           <a:p>
             <a:fld id="{A50B7793-5ADB-4896-83B0-DF67F8F54EE6}" type="slidenum">
               <a:rPr lang="en-US" smtClean="0"/>
-              <a:t>‹#›</a:t>
+              <a:t>‹nr.›</a:t>
             </a:fld>
             <a:endParaRPr lang="en-US"/>
           </a:p>
@@ -1064,7 +1064,7 @@
           <a:p>
             <a:fld id="{788667A8-8BE1-4384-8E52-CA6CA56C077B}" type="datetimeFigureOut">
               <a:rPr lang="en-US" smtClean="0"/>
-              <a:t>5/5/2018</a:t>
+              <a:t>6/15/2018</a:t>
             </a:fld>
             <a:endParaRPr lang="en-US"/>
           </a:p>
@@ -1106,7 +1106,7 @@
           <a:p>
             <a:fld id="{A50B7793-5ADB-4896-83B0-DF67F8F54EE6}" type="slidenum">
               <a:rPr lang="en-US" smtClean="0"/>
-              <a:t>‹#›</a:t>
+              <a:t>‹nr.›</a:t>
             </a:fld>
             <a:endParaRPr lang="en-US"/>
           </a:p>
@@ -1294,7 +1294,7 @@
           <a:p>
             <a:fld id="{788667A8-8BE1-4384-8E52-CA6CA56C077B}" type="datetimeFigureOut">
               <a:rPr lang="en-US" smtClean="0"/>
-              <a:t>5/5/2018</a:t>
+              <a:t>6/15/2018</a:t>
             </a:fld>
             <a:endParaRPr lang="en-US"/>
           </a:p>
@@ -1336,7 +1336,7 @@
           <a:p>
             <a:fld id="{A50B7793-5ADB-4896-83B0-DF67F8F54EE6}" type="slidenum">
               <a:rPr lang="en-US" smtClean="0"/>
-              <a:t>‹#›</a:t>
+              <a:t>‹nr.›</a:t>
             </a:fld>
             <a:endParaRPr lang="en-US"/>
           </a:p>
@@ -1538,7 +1538,7 @@
           <a:p>
             <a:fld id="{788667A8-8BE1-4384-8E52-CA6CA56C077B}" type="datetimeFigureOut">
               <a:rPr lang="en-US" smtClean="0"/>
-              <a:t>5/5/2018</a:t>
+              <a:t>6/15/2018</a:t>
             </a:fld>
             <a:endParaRPr lang="en-US"/>
           </a:p>
@@ -1580,7 +1580,7 @@
           <a:p>
             <a:fld id="{A50B7793-5ADB-4896-83B0-DF67F8F54EE6}" type="slidenum">
               <a:rPr lang="en-US" smtClean="0"/>
-              <a:t>‹#›</a:t>
+              <a:t>‹nr.›</a:t>
             </a:fld>
             <a:endParaRPr lang="en-US"/>
           </a:p>
@@ -1770,7 +1770,7 @@
           <a:p>
             <a:fld id="{788667A8-8BE1-4384-8E52-CA6CA56C077B}" type="datetimeFigureOut">
               <a:rPr lang="en-US" smtClean="0"/>
-              <a:t>5/5/2018</a:t>
+              <a:t>6/15/2018</a:t>
             </a:fld>
             <a:endParaRPr lang="en-US"/>
           </a:p>
@@ -1812,7 +1812,7 @@
           <a:p>
             <a:fld id="{A50B7793-5ADB-4896-83B0-DF67F8F54EE6}" type="slidenum">
               <a:rPr lang="en-US" smtClean="0"/>
-              <a:t>‹#›</a:t>
+              <a:t>‹nr.›</a:t>
             </a:fld>
             <a:endParaRPr lang="en-US"/>
           </a:p>
@@ -2137,7 +2137,7 @@
           <a:p>
             <a:fld id="{788667A8-8BE1-4384-8E52-CA6CA56C077B}" type="datetimeFigureOut">
               <a:rPr lang="en-US" smtClean="0"/>
-              <a:t>5/5/2018</a:t>
+              <a:t>6/15/2018</a:t>
             </a:fld>
             <a:endParaRPr lang="en-US"/>
           </a:p>
@@ -2179,7 +2179,7 @@
           <a:p>
             <a:fld id="{A50B7793-5ADB-4896-83B0-DF67F8F54EE6}" type="slidenum">
               <a:rPr lang="en-US" smtClean="0"/>
-              <a:t>‹#›</a:t>
+              <a:t>‹nr.›</a:t>
             </a:fld>
             <a:endParaRPr lang="en-US"/>
           </a:p>
@@ -2255,7 +2255,7 @@
           <a:p>
             <a:fld id="{788667A8-8BE1-4384-8E52-CA6CA56C077B}" type="datetimeFigureOut">
               <a:rPr lang="en-US" smtClean="0"/>
-              <a:t>5/5/2018</a:t>
+              <a:t>6/15/2018</a:t>
             </a:fld>
             <a:endParaRPr lang="en-US"/>
           </a:p>
@@ -2297,7 +2297,7 @@
           <a:p>
             <a:fld id="{A50B7793-5ADB-4896-83B0-DF67F8F54EE6}" type="slidenum">
               <a:rPr lang="en-US" smtClean="0"/>
-              <a:t>‹#›</a:t>
+              <a:t>‹nr.›</a:t>
             </a:fld>
             <a:endParaRPr lang="en-US"/>
           </a:p>
@@ -2350,7 +2350,7 @@
           <a:p>
             <a:fld id="{788667A8-8BE1-4384-8E52-CA6CA56C077B}" type="datetimeFigureOut">
               <a:rPr lang="en-US" smtClean="0"/>
-              <a:t>5/5/2018</a:t>
+              <a:t>6/15/2018</a:t>
             </a:fld>
             <a:endParaRPr lang="en-US"/>
           </a:p>
@@ -2392,7 +2392,7 @@
           <a:p>
             <a:fld id="{A50B7793-5ADB-4896-83B0-DF67F8F54EE6}" type="slidenum">
               <a:rPr lang="en-US" smtClean="0"/>
-              <a:t>‹#›</a:t>
+              <a:t>‹nr.›</a:t>
             </a:fld>
             <a:endParaRPr lang="en-US"/>
           </a:p>
@@ -2627,7 +2627,7 @@
           <a:p>
             <a:fld id="{788667A8-8BE1-4384-8E52-CA6CA56C077B}" type="datetimeFigureOut">
               <a:rPr lang="en-US" smtClean="0"/>
-              <a:t>5/5/2018</a:t>
+              <a:t>6/15/2018</a:t>
             </a:fld>
             <a:endParaRPr lang="en-US"/>
           </a:p>
@@ -2669,7 +2669,7 @@
           <a:p>
             <a:fld id="{A50B7793-5ADB-4896-83B0-DF67F8F54EE6}" type="slidenum">
               <a:rPr lang="en-US" smtClean="0"/>
-              <a:t>‹#›</a:t>
+              <a:t>‹nr.›</a:t>
             </a:fld>
             <a:endParaRPr lang="en-US"/>
           </a:p>
@@ -2884,7 +2884,7 @@
           <a:p>
             <a:fld id="{788667A8-8BE1-4384-8E52-CA6CA56C077B}" type="datetimeFigureOut">
               <a:rPr lang="en-US" smtClean="0"/>
-              <a:t>5/5/2018</a:t>
+              <a:t>6/15/2018</a:t>
             </a:fld>
             <a:endParaRPr lang="en-US"/>
           </a:p>
@@ -2926,7 +2926,7 @@
           <a:p>
             <a:fld id="{A50B7793-5ADB-4896-83B0-DF67F8F54EE6}" type="slidenum">
               <a:rPr lang="en-US" smtClean="0"/>
-              <a:t>‹#›</a:t>
+              <a:t>‹nr.›</a:t>
             </a:fld>
             <a:endParaRPr lang="en-US"/>
           </a:p>
@@ -3097,7 +3097,7 @@
           <a:p>
             <a:fld id="{788667A8-8BE1-4384-8E52-CA6CA56C077B}" type="datetimeFigureOut">
               <a:rPr lang="en-US" smtClean="0"/>
-              <a:t>5/5/2018</a:t>
+              <a:t>6/15/2018</a:t>
             </a:fld>
             <a:endParaRPr lang="en-US"/>
           </a:p>
@@ -3175,7 +3175,7 @@
           <a:p>
             <a:fld id="{A50B7793-5ADB-4896-83B0-DF67F8F54EE6}" type="slidenum">
               <a:rPr lang="en-US" smtClean="0"/>
-              <a:t>‹#›</a:t>
+              <a:t>‹nr.›</a:t>
             </a:fld>
             <a:endParaRPr lang="en-US"/>
           </a:p>
@@ -3835,23 +3835,15 @@
             </a:r>
             <a:r>
               <a:rPr lang="en-US" sz="1350" dirty="0"/>
-              <a:t>, Java, C++, Visual </a:t>
-            </a:r>
-            <a:r>
-              <a:rPr lang="en-US" sz="1350" dirty="0" smtClean="0"/>
-              <a:t>Studio, </a:t>
-            </a:r>
-            <a:r>
-              <a:rPr lang="en-US" sz="1350" dirty="0" err="1" smtClean="0"/>
+              <a:t>, Java, C++, Visual Studio, </a:t>
+            </a:r>
+            <a:r>
+              <a:rPr lang="en-US" sz="1350" dirty="0" err="1"/>
               <a:t>GrapML</a:t>
             </a:r>
             <a:r>
-              <a:rPr lang="en-US" sz="1350" dirty="0" smtClean="0"/>
-              <a:t> </a:t>
-            </a:r>
-            <a:r>
               <a:rPr lang="en-US" sz="1350" dirty="0"/>
-              <a:t>and UML</a:t>
+              <a:t> and UML</a:t>
             </a:r>
           </a:p>
         </p:txBody>
@@ -4219,13 +4211,6 @@
             <a:pPr algn="ctr"/>
             <a:r>
               <a:rPr lang="en-US" sz="1350" dirty="0"/>
-              <a:t>Standard</a:t>
-            </a:r>
-          </a:p>
-          <a:p>
-            <a:pPr algn="ctr"/>
-            <a:r>
-              <a:rPr lang="en-US" sz="1350" dirty="0"/>
               <a:t>Analyzer</a:t>
             </a:r>
           </a:p>
@@ -4355,10 +4340,9 @@
           <a:lstStyle/>
           <a:p>
             <a:r>
-              <a:rPr lang="en-US" sz="1350" dirty="0" smtClean="0"/>
+              <a:rPr lang="en-US" sz="1350" dirty="0"/>
               <a:t>Conforms To</a:t>
             </a:r>
-            <a:endParaRPr lang="en-US" sz="1350" dirty="0"/>
           </a:p>
         </p:txBody>
       </p:sp>
@@ -4696,17 +4680,16 @@
           <a:p>
             <a:pPr algn="ctr"/>
             <a:r>
-              <a:rPr lang="en-US" sz="1350" dirty="0" smtClean="0"/>
+              <a:rPr lang="en-US" sz="1350" dirty="0"/>
               <a:t>Trans</a:t>
             </a:r>
           </a:p>
           <a:p>
             <a:pPr algn="ctr"/>
             <a:r>
-              <a:rPr lang="en-US" sz="1350" dirty="0" smtClean="0"/>
+              <a:rPr lang="en-US" sz="1350" dirty="0"/>
               <a:t>former</a:t>
             </a:r>
-            <a:endParaRPr lang="en-US" sz="1350" dirty="0"/>
           </a:p>
         </p:txBody>
       </p:sp>
@@ -4721,13 +4704,12 @@
           </p:cNvPr>
           <p:cNvCxnSpPr>
             <a:cxnSpLocks/>
-            <a:stCxn id="31" idx="2"/>
           </p:cNvCxnSpPr>
           <p:nvPr/>
         </p:nvCxnSpPr>
         <p:spPr>
           <a:xfrm flipH="1">
-            <a:off x="3531289" y="1301387"/>
+            <a:off x="3646409" y="1312455"/>
             <a:ext cx="5518" cy="685800"/>
           </a:xfrm>
           <a:prstGeom prst="straightConnector1">
@@ -4766,7 +4748,7 @@
         </p:nvSpPr>
         <p:spPr>
           <a:xfrm>
-            <a:off x="3562461" y="1505103"/>
+            <a:off x="3641130" y="1527585"/>
             <a:ext cx="977505" cy="300082"/>
           </a:xfrm>
           <a:prstGeom prst="rect">
@@ -4781,13 +4763,53 @@
           <a:lstStyle/>
           <a:p>
             <a:r>
-              <a:rPr lang="en-US" sz="1350" dirty="0" smtClean="0"/>
+              <a:rPr lang="en-US" sz="1350" dirty="0"/>
               <a:t>Transforms</a:t>
             </a:r>
-            <a:endParaRPr lang="en-US" sz="1350" dirty="0"/>
-          </a:p>
-        </p:txBody>
-      </p:sp>
+          </a:p>
+        </p:txBody>
+      </p:sp>
+      <p:cxnSp>
+        <p:nvCxnSpPr>
+          <p:cNvPr id="36" name="Straight Arrow Connector 29">
+            <a:extLst>
+              <a:ext uri="{FF2B5EF4-FFF2-40B4-BE49-F238E27FC236}">
+                <a16:creationId xmlns:a16="http://schemas.microsoft.com/office/drawing/2014/main" id="{CC57334C-5E4D-49B0-BCD9-034DF102CE19}"/>
+              </a:ext>
+            </a:extLst>
+          </p:cNvPr>
+          <p:cNvCxnSpPr>
+            <a:cxnSpLocks/>
+          </p:cNvCxnSpPr>
+          <p:nvPr/>
+        </p:nvCxnSpPr>
+        <p:spPr>
+          <a:xfrm flipV="1">
+            <a:off x="3424146" y="1299704"/>
+            <a:ext cx="0" cy="685801"/>
+          </a:xfrm>
+          <a:prstGeom prst="straightConnector1">
+            <a:avLst/>
+          </a:prstGeom>
+          <a:ln>
+            <a:tailEnd type="triangle"/>
+          </a:ln>
+        </p:spPr>
+        <p:style>
+          <a:lnRef idx="1">
+            <a:schemeClr val="accent1"/>
+          </a:lnRef>
+          <a:fillRef idx="0">
+            <a:schemeClr val="accent1"/>
+          </a:fillRef>
+          <a:effectRef idx="0">
+            <a:schemeClr val="accent1"/>
+          </a:effectRef>
+          <a:fontRef idx="minor">
+            <a:schemeClr val="tx1"/>
+          </a:fontRef>
+        </p:style>
+      </p:cxnSp>
     </p:spTree>
     <p:extLst>
       <p:ext uri="{BB962C8B-B14F-4D97-AF65-F5344CB8AC3E}">
@@ -4798,13 +4820,6 @@
   <p:clrMapOvr>
     <a:masterClrMapping/>
   </p:clrMapOvr>
-  <p:timing>
-    <p:tnLst>
-      <p:par>
-        <p:cTn id="1" dur="indefinite" restart="never" nodeType="tmRoot"/>
-      </p:par>
-    </p:tnLst>
-  </p:timing>
 </p:sld>
 </file>
 
@@ -9808,13 +9823,6 @@
   <p:clrMapOvr>
     <a:masterClrMapping/>
   </p:clrMapOvr>
-  <p:timing>
-    <p:tnLst>
-      <p:par>
-        <p:cTn id="1" dur="indefinite" restart="never" nodeType="tmRoot"/>
-      </p:par>
-    </p:tnLst>
-  </p:timing>
 </p:sld>
 </file>
 

--- a/assets/img/Images.pptx
+++ b/assets/img/Images.pptx
@@ -219,7 +219,7 @@
           <a:p>
             <a:fld id="{0CC1478D-87B6-451A-8696-61271112EFBC}" type="datetimeFigureOut">
               <a:rPr lang="en-US" smtClean="0"/>
-              <a:t>6/15/2018</a:t>
+              <a:t>6/16/2018</a:t>
             </a:fld>
             <a:endParaRPr lang="en-US"/>
           </a:p>
@@ -377,7 +377,7 @@
           <a:p>
             <a:fld id="{7E2FC2BD-A5B6-4DBB-BAF8-AB16095C304E}" type="slidenum">
               <a:rPr lang="en-US" smtClean="0"/>
-              <a:t>‹nr.›</a:t>
+              <a:t>‹#›</a:t>
             </a:fld>
             <a:endParaRPr lang="en-US"/>
           </a:p>
@@ -714,7 +714,7 @@
           <a:p>
             <a:fld id="{788667A8-8BE1-4384-8E52-CA6CA56C077B}" type="datetimeFigureOut">
               <a:rPr lang="en-US" smtClean="0"/>
-              <a:t>6/15/2018</a:t>
+              <a:t>6/16/2018</a:t>
             </a:fld>
             <a:endParaRPr lang="en-US"/>
           </a:p>
@@ -756,7 +756,7 @@
           <a:p>
             <a:fld id="{A50B7793-5ADB-4896-83B0-DF67F8F54EE6}" type="slidenum">
               <a:rPr lang="en-US" smtClean="0"/>
-              <a:t>‹nr.›</a:t>
+              <a:t>‹#›</a:t>
             </a:fld>
             <a:endParaRPr lang="en-US"/>
           </a:p>
@@ -884,7 +884,7 @@
           <a:p>
             <a:fld id="{788667A8-8BE1-4384-8E52-CA6CA56C077B}" type="datetimeFigureOut">
               <a:rPr lang="en-US" smtClean="0"/>
-              <a:t>6/15/2018</a:t>
+              <a:t>6/16/2018</a:t>
             </a:fld>
             <a:endParaRPr lang="en-US"/>
           </a:p>
@@ -926,7 +926,7 @@
           <a:p>
             <a:fld id="{A50B7793-5ADB-4896-83B0-DF67F8F54EE6}" type="slidenum">
               <a:rPr lang="en-US" smtClean="0"/>
-              <a:t>‹nr.›</a:t>
+              <a:t>‹#›</a:t>
             </a:fld>
             <a:endParaRPr lang="en-US"/>
           </a:p>
@@ -1064,7 +1064,7 @@
           <a:p>
             <a:fld id="{788667A8-8BE1-4384-8E52-CA6CA56C077B}" type="datetimeFigureOut">
               <a:rPr lang="en-US" smtClean="0"/>
-              <a:t>6/15/2018</a:t>
+              <a:t>6/16/2018</a:t>
             </a:fld>
             <a:endParaRPr lang="en-US"/>
           </a:p>
@@ -1106,7 +1106,7 @@
           <a:p>
             <a:fld id="{A50B7793-5ADB-4896-83B0-DF67F8F54EE6}" type="slidenum">
               <a:rPr lang="en-US" smtClean="0"/>
-              <a:t>‹nr.›</a:t>
+              <a:t>‹#›</a:t>
             </a:fld>
             <a:endParaRPr lang="en-US"/>
           </a:p>
@@ -1294,7 +1294,7 @@
           <a:p>
             <a:fld id="{788667A8-8BE1-4384-8E52-CA6CA56C077B}" type="datetimeFigureOut">
               <a:rPr lang="en-US" smtClean="0"/>
-              <a:t>6/15/2018</a:t>
+              <a:t>6/16/2018</a:t>
             </a:fld>
             <a:endParaRPr lang="en-US"/>
           </a:p>
@@ -1336,7 +1336,7 @@
           <a:p>
             <a:fld id="{A50B7793-5ADB-4896-83B0-DF67F8F54EE6}" type="slidenum">
               <a:rPr lang="en-US" smtClean="0"/>
-              <a:t>‹nr.›</a:t>
+              <a:t>‹#›</a:t>
             </a:fld>
             <a:endParaRPr lang="en-US"/>
           </a:p>
@@ -1538,7 +1538,7 @@
           <a:p>
             <a:fld id="{788667A8-8BE1-4384-8E52-CA6CA56C077B}" type="datetimeFigureOut">
               <a:rPr lang="en-US" smtClean="0"/>
-              <a:t>6/15/2018</a:t>
+              <a:t>6/16/2018</a:t>
             </a:fld>
             <a:endParaRPr lang="en-US"/>
           </a:p>
@@ -1580,7 +1580,7 @@
           <a:p>
             <a:fld id="{A50B7793-5ADB-4896-83B0-DF67F8F54EE6}" type="slidenum">
               <a:rPr lang="en-US" smtClean="0"/>
-              <a:t>‹nr.›</a:t>
+              <a:t>‹#›</a:t>
             </a:fld>
             <a:endParaRPr lang="en-US"/>
           </a:p>
@@ -1770,7 +1770,7 @@
           <a:p>
             <a:fld id="{788667A8-8BE1-4384-8E52-CA6CA56C077B}" type="datetimeFigureOut">
               <a:rPr lang="en-US" smtClean="0"/>
-              <a:t>6/15/2018</a:t>
+              <a:t>6/16/2018</a:t>
             </a:fld>
             <a:endParaRPr lang="en-US"/>
           </a:p>
@@ -1812,7 +1812,7 @@
           <a:p>
             <a:fld id="{A50B7793-5ADB-4896-83B0-DF67F8F54EE6}" type="slidenum">
               <a:rPr lang="en-US" smtClean="0"/>
-              <a:t>‹nr.›</a:t>
+              <a:t>‹#›</a:t>
             </a:fld>
             <a:endParaRPr lang="en-US"/>
           </a:p>
@@ -2137,7 +2137,7 @@
           <a:p>
             <a:fld id="{788667A8-8BE1-4384-8E52-CA6CA56C077B}" type="datetimeFigureOut">
               <a:rPr lang="en-US" smtClean="0"/>
-              <a:t>6/15/2018</a:t>
+              <a:t>6/16/2018</a:t>
             </a:fld>
             <a:endParaRPr lang="en-US"/>
           </a:p>
@@ -2179,7 +2179,7 @@
           <a:p>
             <a:fld id="{A50B7793-5ADB-4896-83B0-DF67F8F54EE6}" type="slidenum">
               <a:rPr lang="en-US" smtClean="0"/>
-              <a:t>‹nr.›</a:t>
+              <a:t>‹#›</a:t>
             </a:fld>
             <a:endParaRPr lang="en-US"/>
           </a:p>
@@ -2255,7 +2255,7 @@
           <a:p>
             <a:fld id="{788667A8-8BE1-4384-8E52-CA6CA56C077B}" type="datetimeFigureOut">
               <a:rPr lang="en-US" smtClean="0"/>
-              <a:t>6/15/2018</a:t>
+              <a:t>6/16/2018</a:t>
             </a:fld>
             <a:endParaRPr lang="en-US"/>
           </a:p>
@@ -2297,7 +2297,7 @@
           <a:p>
             <a:fld id="{A50B7793-5ADB-4896-83B0-DF67F8F54EE6}" type="slidenum">
               <a:rPr lang="en-US" smtClean="0"/>
-              <a:t>‹nr.›</a:t>
+              <a:t>‹#›</a:t>
             </a:fld>
             <a:endParaRPr lang="en-US"/>
           </a:p>
@@ -2350,7 +2350,7 @@
           <a:p>
             <a:fld id="{788667A8-8BE1-4384-8E52-CA6CA56C077B}" type="datetimeFigureOut">
               <a:rPr lang="en-US" smtClean="0"/>
-              <a:t>6/15/2018</a:t>
+              <a:t>6/16/2018</a:t>
             </a:fld>
             <a:endParaRPr lang="en-US"/>
           </a:p>
@@ -2392,7 +2392,7 @@
           <a:p>
             <a:fld id="{A50B7793-5ADB-4896-83B0-DF67F8F54EE6}" type="slidenum">
               <a:rPr lang="en-US" smtClean="0"/>
-              <a:t>‹nr.›</a:t>
+              <a:t>‹#›</a:t>
             </a:fld>
             <a:endParaRPr lang="en-US"/>
           </a:p>
@@ -2627,7 +2627,7 @@
           <a:p>
             <a:fld id="{788667A8-8BE1-4384-8E52-CA6CA56C077B}" type="datetimeFigureOut">
               <a:rPr lang="en-US" smtClean="0"/>
-              <a:t>6/15/2018</a:t>
+              <a:t>6/16/2018</a:t>
             </a:fld>
             <a:endParaRPr lang="en-US"/>
           </a:p>
@@ -2669,7 +2669,7 @@
           <a:p>
             <a:fld id="{A50B7793-5ADB-4896-83B0-DF67F8F54EE6}" type="slidenum">
               <a:rPr lang="en-US" smtClean="0"/>
-              <a:t>‹nr.›</a:t>
+              <a:t>‹#›</a:t>
             </a:fld>
             <a:endParaRPr lang="en-US"/>
           </a:p>
@@ -2884,7 +2884,7 @@
           <a:p>
             <a:fld id="{788667A8-8BE1-4384-8E52-CA6CA56C077B}" type="datetimeFigureOut">
               <a:rPr lang="en-US" smtClean="0"/>
-              <a:t>6/15/2018</a:t>
+              <a:t>6/16/2018</a:t>
             </a:fld>
             <a:endParaRPr lang="en-US"/>
           </a:p>
@@ -2926,7 +2926,7 @@
           <a:p>
             <a:fld id="{A50B7793-5ADB-4896-83B0-DF67F8F54EE6}" type="slidenum">
               <a:rPr lang="en-US" smtClean="0"/>
-              <a:t>‹nr.›</a:t>
+              <a:t>‹#›</a:t>
             </a:fld>
             <a:endParaRPr lang="en-US"/>
           </a:p>
@@ -3097,7 +3097,7 @@
           <a:p>
             <a:fld id="{788667A8-8BE1-4384-8E52-CA6CA56C077B}" type="datetimeFigureOut">
               <a:rPr lang="en-US" smtClean="0"/>
-              <a:t>6/15/2018</a:t>
+              <a:t>6/16/2018</a:t>
             </a:fld>
             <a:endParaRPr lang="en-US"/>
           </a:p>
@@ -3175,7 +3175,7 @@
           <a:p>
             <a:fld id="{A50B7793-5ADB-4896-83B0-DF67F8F54EE6}" type="slidenum">
               <a:rPr lang="en-US" smtClean="0"/>
-              <a:t>‹nr.›</a:t>
+              <a:t>‹#›</a:t>
             </a:fld>
             <a:endParaRPr lang="en-US"/>
           </a:p>
@@ -3540,16 +3540,10 @@
           <a:p>
             <a:pPr algn="ctr"/>
             <a:r>
-              <a:rPr lang="en-US" sz="1350" dirty="0"/>
-              <a:t>DSM</a:t>
-            </a:r>
-          </a:p>
-          <a:p>
-            <a:pPr algn="ctr"/>
-            <a:r>
-              <a:rPr lang="en-US" sz="1350" dirty="0"/>
+              <a:rPr lang="en-US" sz="1350" dirty="0" smtClean="0"/>
               <a:t>Viewer</a:t>
             </a:r>
+            <a:endParaRPr lang="en-US" sz="1350" dirty="0"/>
           </a:p>
         </p:txBody>
       </p:sp>
@@ -3597,9 +3591,10 @@
           <a:p>
             <a:pPr algn="ctr"/>
             <a:r>
-              <a:rPr lang="en-US" sz="1350" dirty="0"/>
-              <a:t>DSM Builder</a:t>
-            </a:r>
+              <a:rPr lang="en-US" sz="1350" dirty="0" smtClean="0"/>
+              <a:t>Builder</a:t>
+            </a:r>
+            <a:endParaRPr lang="en-US" sz="1350" dirty="0"/>
           </a:p>
         </p:txBody>
       </p:sp>
@@ -3647,8 +3642,13 @@
             <a:pPr algn="ctr"/>
             <a:r>
               <a:rPr lang="en-US" sz="1350" dirty="0"/>
-              <a:t>DSI Schema</a:t>
-            </a:r>
+              <a:t>d</a:t>
+            </a:r>
+            <a:r>
+              <a:rPr lang="en-US" sz="1350" dirty="0" smtClean="0"/>
+              <a:t>si.xsd</a:t>
+            </a:r>
+            <a:endParaRPr lang="en-US" sz="1350" dirty="0"/>
           </a:p>
         </p:txBody>
       </p:sp>
@@ -3759,8 +3759,13 @@
             <a:pPr algn="ctr"/>
             <a:r>
               <a:rPr lang="en-US" sz="1350" dirty="0"/>
-              <a:t>File</a:t>
-            </a:r>
+              <a:t>f</a:t>
+            </a:r>
+            <a:r>
+              <a:rPr lang="en-US" sz="1350" dirty="0" smtClean="0"/>
+              <a:t>ile</a:t>
+            </a:r>
+            <a:endParaRPr lang="en-US" sz="1350" dirty="0"/>
           </a:p>
         </p:txBody>
       </p:sp>
@@ -3816,7 +3821,7 @@
         <p:spPr>
           <a:xfrm>
             <a:off x="665806" y="2808496"/>
-            <a:ext cx="1865594" cy="715581"/>
+            <a:ext cx="1865594" cy="507831"/>
           </a:xfrm>
           <a:prstGeom prst="rect">
             <a:avLst/>
@@ -3835,15 +3840,15 @@
             </a:r>
             <a:r>
               <a:rPr lang="en-US" sz="1350" dirty="0"/>
-              <a:t>, Java, C++, Visual Studio, </a:t>
-            </a:r>
-            <a:r>
-              <a:rPr lang="en-US" sz="1350" dirty="0" err="1"/>
-              <a:t>GrapML</a:t>
+              <a:t>, Java, C++, Visual </a:t>
+            </a:r>
+            <a:r>
+              <a:rPr lang="en-US" sz="1350" dirty="0" smtClean="0"/>
+              <a:t>Studio and </a:t>
             </a:r>
             <a:r>
               <a:rPr lang="en-US" sz="1350" dirty="0"/>
-              <a:t> and UML</a:t>
+              <a:t>UML</a:t>
             </a:r>
           </a:p>
         </p:txBody>

--- a/assets/img/Images.pptx
+++ b/assets/img/Images.pptx
@@ -133,10 +133,6 @@
 </p:presentation>
 </file>
 
-<file path=ppt/revisionInfo.xml><?xml version="1.0" encoding="utf-8"?>
-<p1510:revInfo xmlns:a="http://schemas.openxmlformats.org/drawingml/2006/main" xmlns:r="http://schemas.openxmlformats.org/officeDocument/2006/relationships" xmlns:p1510="http://schemas.microsoft.com/office/powerpoint/2015/10/main"/>
-</file>
-
 <file path=ppt/notesMasters/notesMaster1.xml><?xml version="1.0" encoding="utf-8"?>
 <p:notesMaster xmlns:a="http://schemas.openxmlformats.org/drawingml/2006/main" xmlns:r="http://schemas.openxmlformats.org/officeDocument/2006/relationships" xmlns:p="http://schemas.openxmlformats.org/presentationml/2006/main">
   <p:cSld>
@@ -219,7 +215,7 @@
           <a:p>
             <a:fld id="{0CC1478D-87B6-451A-8696-61271112EFBC}" type="datetimeFigureOut">
               <a:rPr lang="en-US" smtClean="0"/>
-              <a:t>6/16/2018</a:t>
+              <a:t>12/26/2020</a:t>
             </a:fld>
             <a:endParaRPr lang="en-US"/>
           </a:p>
@@ -714,7 +710,7 @@
           <a:p>
             <a:fld id="{788667A8-8BE1-4384-8E52-CA6CA56C077B}" type="datetimeFigureOut">
               <a:rPr lang="en-US" smtClean="0"/>
-              <a:t>6/16/2018</a:t>
+              <a:t>12/26/2020</a:t>
             </a:fld>
             <a:endParaRPr lang="en-US"/>
           </a:p>
@@ -884,7 +880,7 @@
           <a:p>
             <a:fld id="{788667A8-8BE1-4384-8E52-CA6CA56C077B}" type="datetimeFigureOut">
               <a:rPr lang="en-US" smtClean="0"/>
-              <a:t>6/16/2018</a:t>
+              <a:t>12/26/2020</a:t>
             </a:fld>
             <a:endParaRPr lang="en-US"/>
           </a:p>
@@ -1064,7 +1060,7 @@
           <a:p>
             <a:fld id="{788667A8-8BE1-4384-8E52-CA6CA56C077B}" type="datetimeFigureOut">
               <a:rPr lang="en-US" smtClean="0"/>
-              <a:t>6/16/2018</a:t>
+              <a:t>12/26/2020</a:t>
             </a:fld>
             <a:endParaRPr lang="en-US"/>
           </a:p>
@@ -1294,7 +1290,7 @@
           <a:p>
             <a:fld id="{788667A8-8BE1-4384-8E52-CA6CA56C077B}" type="datetimeFigureOut">
               <a:rPr lang="en-US" smtClean="0"/>
-              <a:t>6/16/2018</a:t>
+              <a:t>12/26/2020</a:t>
             </a:fld>
             <a:endParaRPr lang="en-US"/>
           </a:p>
@@ -1538,7 +1534,7 @@
           <a:p>
             <a:fld id="{788667A8-8BE1-4384-8E52-CA6CA56C077B}" type="datetimeFigureOut">
               <a:rPr lang="en-US" smtClean="0"/>
-              <a:t>6/16/2018</a:t>
+              <a:t>12/26/2020</a:t>
             </a:fld>
             <a:endParaRPr lang="en-US"/>
           </a:p>
@@ -1770,7 +1766,7 @@
           <a:p>
             <a:fld id="{788667A8-8BE1-4384-8E52-CA6CA56C077B}" type="datetimeFigureOut">
               <a:rPr lang="en-US" smtClean="0"/>
-              <a:t>6/16/2018</a:t>
+              <a:t>12/26/2020</a:t>
             </a:fld>
             <a:endParaRPr lang="en-US"/>
           </a:p>
@@ -2137,7 +2133,7 @@
           <a:p>
             <a:fld id="{788667A8-8BE1-4384-8E52-CA6CA56C077B}" type="datetimeFigureOut">
               <a:rPr lang="en-US" smtClean="0"/>
-              <a:t>6/16/2018</a:t>
+              <a:t>12/26/2020</a:t>
             </a:fld>
             <a:endParaRPr lang="en-US"/>
           </a:p>
@@ -2255,7 +2251,7 @@
           <a:p>
             <a:fld id="{788667A8-8BE1-4384-8E52-CA6CA56C077B}" type="datetimeFigureOut">
               <a:rPr lang="en-US" smtClean="0"/>
-              <a:t>6/16/2018</a:t>
+              <a:t>12/26/2020</a:t>
             </a:fld>
             <a:endParaRPr lang="en-US"/>
           </a:p>
@@ -2350,7 +2346,7 @@
           <a:p>
             <a:fld id="{788667A8-8BE1-4384-8E52-CA6CA56C077B}" type="datetimeFigureOut">
               <a:rPr lang="en-US" smtClean="0"/>
-              <a:t>6/16/2018</a:t>
+              <a:t>12/26/2020</a:t>
             </a:fld>
             <a:endParaRPr lang="en-US"/>
           </a:p>
@@ -2627,7 +2623,7 @@
           <a:p>
             <a:fld id="{788667A8-8BE1-4384-8E52-CA6CA56C077B}" type="datetimeFigureOut">
               <a:rPr lang="en-US" smtClean="0"/>
-              <a:t>6/16/2018</a:t>
+              <a:t>12/26/2020</a:t>
             </a:fld>
             <a:endParaRPr lang="en-US"/>
           </a:p>
@@ -2884,7 +2880,7 @@
           <a:p>
             <a:fld id="{788667A8-8BE1-4384-8E52-CA6CA56C077B}" type="datetimeFigureOut">
               <a:rPr lang="en-US" smtClean="0"/>
-              <a:t>6/16/2018</a:t>
+              <a:t>12/26/2020</a:t>
             </a:fld>
             <a:endParaRPr lang="en-US"/>
           </a:p>
@@ -3097,7 +3093,7 @@
           <a:p>
             <a:fld id="{788667A8-8BE1-4384-8E52-CA6CA56C077B}" type="datetimeFigureOut">
               <a:rPr lang="en-US" smtClean="0"/>
-              <a:t>6/16/2018</a:t>
+              <a:t>12/26/2020</a:t>
             </a:fld>
             <a:endParaRPr lang="en-US"/>
           </a:p>
@@ -3540,10 +3536,9 @@
           <a:p>
             <a:pPr algn="ctr"/>
             <a:r>
-              <a:rPr lang="en-US" sz="1350" dirty="0" smtClean="0"/>
+              <a:rPr lang="en-US" sz="1350" dirty="0"/>
               <a:t>Viewer</a:t>
             </a:r>
-            <a:endParaRPr lang="en-US" sz="1350" dirty="0"/>
           </a:p>
         </p:txBody>
       </p:sp>
@@ -3591,10 +3586,9 @@
           <a:p>
             <a:pPr algn="ctr"/>
             <a:r>
-              <a:rPr lang="en-US" sz="1350" dirty="0" smtClean="0"/>
+              <a:rPr lang="en-US" sz="1350" dirty="0"/>
               <a:t>Builder</a:t>
             </a:r>
-            <a:endParaRPr lang="en-US" sz="1350" dirty="0"/>
           </a:p>
         </p:txBody>
       </p:sp>
@@ -3642,13 +3636,8 @@
             <a:pPr algn="ctr"/>
             <a:r>
               <a:rPr lang="en-US" sz="1350" dirty="0"/>
-              <a:t>d</a:t>
+              <a:t>dsi.xsd</a:t>
             </a:r>
-            <a:r>
-              <a:rPr lang="en-US" sz="1350" dirty="0" smtClean="0"/>
-              <a:t>si.xsd</a:t>
-            </a:r>
-            <a:endParaRPr lang="en-US" sz="1350" dirty="0"/>
           </a:p>
         </p:txBody>
       </p:sp>
@@ -3759,13 +3748,8 @@
             <a:pPr algn="ctr"/>
             <a:r>
               <a:rPr lang="en-US" sz="1350" dirty="0"/>
-              <a:t>f</a:t>
+              <a:t>file</a:t>
             </a:r>
-            <a:r>
-              <a:rPr lang="en-US" sz="1350" dirty="0" smtClean="0"/>
-              <a:t>ile</a:t>
-            </a:r>
-            <a:endParaRPr lang="en-US" sz="1350" dirty="0"/>
           </a:p>
         </p:txBody>
       </p:sp>
@@ -3840,15 +3824,7 @@
             </a:r>
             <a:r>
               <a:rPr lang="en-US" sz="1350" dirty="0"/>
-              <a:t>, Java, C++, Visual </a:t>
-            </a:r>
-            <a:r>
-              <a:rPr lang="en-US" sz="1350" dirty="0" smtClean="0"/>
-              <a:t>Studio and </a:t>
-            </a:r>
-            <a:r>
-              <a:rPr lang="en-US" sz="1350" dirty="0"/>
-              <a:t>UML</a:t>
+              <a:t>, Java, C++, Visual Studio and UML</a:t>
             </a:r>
           </a:p>
         </p:txBody>
@@ -4467,354 +4443,6 @@
           </a:p>
         </p:txBody>
       </p:sp>
-      <p:sp>
-        <p:nvSpPr>
-          <p:cNvPr id="26" name="Rectangle 7">
-            <a:extLst>
-              <a:ext uri="{FF2B5EF4-FFF2-40B4-BE49-F238E27FC236}">
-                <a16:creationId xmlns:a16="http://schemas.microsoft.com/office/drawing/2014/main" id="{33FFD1DC-FAC0-40E8-A4BC-075390C2E92B}"/>
-              </a:ext>
-            </a:extLst>
-          </p:cNvPr>
-          <p:cNvSpPr/>
-          <p:nvPr/>
-        </p:nvSpPr>
-        <p:spPr>
-          <a:xfrm>
-            <a:off x="4596795" y="637723"/>
-            <a:ext cx="685800" cy="685800"/>
-          </a:xfrm>
-          <a:prstGeom prst="rect">
-            <a:avLst/>
-          </a:prstGeom>
-          <a:solidFill>
-            <a:schemeClr val="bg1"/>
-          </a:solidFill>
-          <a:ln>
-            <a:solidFill>
-              <a:srgbClr val="7030A0"/>
-            </a:solidFill>
-          </a:ln>
-        </p:spPr>
-        <p:style>
-          <a:lnRef idx="2">
-            <a:schemeClr val="accent4">
-              <a:shade val="50000"/>
-            </a:schemeClr>
-          </a:lnRef>
-          <a:fillRef idx="1">
-            <a:schemeClr val="accent4"/>
-          </a:fillRef>
-          <a:effectRef idx="0">
-            <a:schemeClr val="accent4"/>
-          </a:effectRef>
-          <a:fontRef idx="minor">
-            <a:schemeClr val="lt1"/>
-          </a:fontRef>
-        </p:style>
-        <p:txBody>
-          <a:bodyPr rtlCol="0" anchor="ctr"/>
-          <a:lstStyle/>
-          <a:p>
-            <a:pPr algn="ctr"/>
-            <a:r>
-              <a:rPr lang="en-US" sz="1350" dirty="0">
-                <a:solidFill>
-                  <a:srgbClr val="7030A0"/>
-                </a:solidFill>
-              </a:rPr>
-              <a:t>Rule file</a:t>
-            </a:r>
-          </a:p>
-        </p:txBody>
-      </p:sp>
-      <p:cxnSp>
-        <p:nvCxnSpPr>
-          <p:cNvPr id="27" name="Straight Arrow Connector 29">
-            <a:extLst>
-              <a:ext uri="{FF2B5EF4-FFF2-40B4-BE49-F238E27FC236}">
-                <a16:creationId xmlns:a16="http://schemas.microsoft.com/office/drawing/2014/main" id="{93AFFDAA-7869-403C-A599-386E74E7AE75}"/>
-              </a:ext>
-            </a:extLst>
-          </p:cNvPr>
-          <p:cNvCxnSpPr>
-            <a:cxnSpLocks/>
-            <a:stCxn id="6" idx="0"/>
-            <a:endCxn id="26" idx="2"/>
-          </p:cNvCxnSpPr>
-          <p:nvPr/>
-        </p:nvCxnSpPr>
-        <p:spPr>
-          <a:xfrm flipV="1">
-            <a:off x="4939695" y="1323523"/>
-            <a:ext cx="0" cy="663664"/>
-          </a:xfrm>
-          <a:prstGeom prst="straightConnector1">
-            <a:avLst/>
-          </a:prstGeom>
-          <a:ln>
-            <a:tailEnd type="triangle"/>
-          </a:ln>
-        </p:spPr>
-        <p:style>
-          <a:lnRef idx="1">
-            <a:schemeClr val="accent1"/>
-          </a:lnRef>
-          <a:fillRef idx="0">
-            <a:schemeClr val="accent1"/>
-          </a:fillRef>
-          <a:effectRef idx="0">
-            <a:schemeClr val="accent1"/>
-          </a:effectRef>
-          <a:fontRef idx="minor">
-            <a:schemeClr val="tx1"/>
-          </a:fontRef>
-        </p:style>
-      </p:cxnSp>
-      <p:sp>
-        <p:nvSpPr>
-          <p:cNvPr id="32" name="TextBox 54">
-            <a:extLst>
-              <a:ext uri="{FF2B5EF4-FFF2-40B4-BE49-F238E27FC236}">
-                <a16:creationId xmlns:a16="http://schemas.microsoft.com/office/drawing/2014/main" id="{2F3B357D-556F-46BB-9DCB-0BF79C25C0AB}"/>
-              </a:ext>
-            </a:extLst>
-          </p:cNvPr>
-          <p:cNvSpPr txBox="1"/>
-          <p:nvPr/>
-        </p:nvSpPr>
-        <p:spPr>
-          <a:xfrm>
-            <a:off x="4939695" y="1534463"/>
-            <a:ext cx="773686" cy="300082"/>
-          </a:xfrm>
-          <a:prstGeom prst="rect">
-            <a:avLst/>
-          </a:prstGeom>
-          <a:noFill/>
-        </p:spPr>
-        <p:txBody>
-          <a:bodyPr wrap="square" rtlCol="0">
-            <a:spAutoFit/>
-          </a:bodyPr>
-          <a:lstStyle/>
-          <a:p>
-            <a:r>
-              <a:rPr lang="en-US" sz="1350" dirty="0"/>
-              <a:t>Imports</a:t>
-            </a:r>
-          </a:p>
-        </p:txBody>
-      </p:sp>
-      <p:sp>
-        <p:nvSpPr>
-          <p:cNvPr id="34" name="TextBox 14">
-            <a:extLst>
-              <a:ext uri="{FF2B5EF4-FFF2-40B4-BE49-F238E27FC236}">
-                <a16:creationId xmlns:a16="http://schemas.microsoft.com/office/drawing/2014/main" id="{3F048715-559A-413A-98D5-B3AD72C41FAF}"/>
-              </a:ext>
-            </a:extLst>
-          </p:cNvPr>
-          <p:cNvSpPr txBox="1"/>
-          <p:nvPr/>
-        </p:nvSpPr>
-        <p:spPr>
-          <a:xfrm>
-            <a:off x="5317430" y="650099"/>
-            <a:ext cx="963952" cy="519263"/>
-          </a:xfrm>
-          <a:prstGeom prst="rect">
-            <a:avLst/>
-          </a:prstGeom>
-          <a:noFill/>
-        </p:spPr>
-        <p:txBody>
-          <a:bodyPr wrap="square" rtlCol="0">
-            <a:spAutoFit/>
-          </a:bodyPr>
-          <a:lstStyle/>
-          <a:p>
-            <a:r>
-              <a:rPr lang="en-US" sz="1350" dirty="0"/>
-              <a:t>Future extension</a:t>
-            </a:r>
-          </a:p>
-        </p:txBody>
-      </p:sp>
-      <p:sp>
-        <p:nvSpPr>
-          <p:cNvPr id="31" name="Rectangle 30"/>
-          <p:cNvSpPr/>
-          <p:nvPr/>
-        </p:nvSpPr>
-        <p:spPr>
-          <a:xfrm>
-            <a:off x="3188387" y="615587"/>
-            <a:ext cx="696839" cy="685800"/>
-          </a:xfrm>
-          <a:prstGeom prst="rect">
-            <a:avLst/>
-          </a:prstGeom>
-          <a:ln>
-            <a:solidFill>
-              <a:schemeClr val="accent1">
-                <a:shade val="50000"/>
-              </a:schemeClr>
-            </a:solidFill>
-          </a:ln>
-        </p:spPr>
-        <p:style>
-          <a:lnRef idx="2">
-            <a:schemeClr val="accent1">
-              <a:shade val="50000"/>
-            </a:schemeClr>
-          </a:lnRef>
-          <a:fillRef idx="1">
-            <a:schemeClr val="accent1"/>
-          </a:fillRef>
-          <a:effectRef idx="0">
-            <a:schemeClr val="accent1"/>
-          </a:effectRef>
-          <a:fontRef idx="minor">
-            <a:schemeClr val="lt1"/>
-          </a:fontRef>
-        </p:style>
-        <p:txBody>
-          <a:bodyPr rtlCol="0" anchor="ctr"/>
-          <a:lstStyle/>
-          <a:p>
-            <a:pPr algn="ctr"/>
-            <a:r>
-              <a:rPr lang="en-US" sz="1350" dirty="0"/>
-              <a:t>Trans</a:t>
-            </a:r>
-          </a:p>
-          <a:p>
-            <a:pPr algn="ctr"/>
-            <a:r>
-              <a:rPr lang="en-US" sz="1350" dirty="0"/>
-              <a:t>former</a:t>
-            </a:r>
-          </a:p>
-        </p:txBody>
-      </p:sp>
-      <p:cxnSp>
-        <p:nvCxnSpPr>
-          <p:cNvPr id="35" name="Straight Arrow Connector 29">
-            <a:extLst>
-              <a:ext uri="{FF2B5EF4-FFF2-40B4-BE49-F238E27FC236}">
-                <a16:creationId xmlns:a16="http://schemas.microsoft.com/office/drawing/2014/main" id="{93AFFDAA-7869-403C-A599-386E74E7AE75}"/>
-              </a:ext>
-            </a:extLst>
-          </p:cNvPr>
-          <p:cNvCxnSpPr>
-            <a:cxnSpLocks/>
-          </p:cNvCxnSpPr>
-          <p:nvPr/>
-        </p:nvCxnSpPr>
-        <p:spPr>
-          <a:xfrm flipH="1">
-            <a:off x="3646409" y="1312455"/>
-            <a:ext cx="5518" cy="685800"/>
-          </a:xfrm>
-          <a:prstGeom prst="straightConnector1">
-            <a:avLst/>
-          </a:prstGeom>
-          <a:ln>
-            <a:tailEnd type="triangle"/>
-          </a:ln>
-        </p:spPr>
-        <p:style>
-          <a:lnRef idx="1">
-            <a:schemeClr val="accent1"/>
-          </a:lnRef>
-          <a:fillRef idx="0">
-            <a:schemeClr val="accent1"/>
-          </a:fillRef>
-          <a:effectRef idx="0">
-            <a:schemeClr val="accent1"/>
-          </a:effectRef>
-          <a:fontRef idx="minor">
-            <a:schemeClr val="tx1"/>
-          </a:fontRef>
-        </p:style>
-      </p:cxnSp>
-      <p:sp>
-        <p:nvSpPr>
-          <p:cNvPr id="40" name="TextBox 54">
-            <a:extLst>
-              <a:ext uri="{FF2B5EF4-FFF2-40B4-BE49-F238E27FC236}">
-                <a16:creationId xmlns:a16="http://schemas.microsoft.com/office/drawing/2014/main" id="{2F3B357D-556F-46BB-9DCB-0BF79C25C0AB}"/>
-              </a:ext>
-            </a:extLst>
-          </p:cNvPr>
-          <p:cNvSpPr txBox="1"/>
-          <p:nvPr/>
-        </p:nvSpPr>
-        <p:spPr>
-          <a:xfrm>
-            <a:off x="3641130" y="1527585"/>
-            <a:ext cx="977505" cy="300082"/>
-          </a:xfrm>
-          <a:prstGeom prst="rect">
-            <a:avLst/>
-          </a:prstGeom>
-          <a:noFill/>
-        </p:spPr>
-        <p:txBody>
-          <a:bodyPr wrap="square" rtlCol="0">
-            <a:spAutoFit/>
-          </a:bodyPr>
-          <a:lstStyle/>
-          <a:p>
-            <a:r>
-              <a:rPr lang="en-US" sz="1350" dirty="0"/>
-              <a:t>Transforms</a:t>
-            </a:r>
-          </a:p>
-        </p:txBody>
-      </p:sp>
-      <p:cxnSp>
-        <p:nvCxnSpPr>
-          <p:cNvPr id="36" name="Straight Arrow Connector 29">
-            <a:extLst>
-              <a:ext uri="{FF2B5EF4-FFF2-40B4-BE49-F238E27FC236}">
-                <a16:creationId xmlns:a16="http://schemas.microsoft.com/office/drawing/2014/main" id="{CC57334C-5E4D-49B0-BCD9-034DF102CE19}"/>
-              </a:ext>
-            </a:extLst>
-          </p:cNvPr>
-          <p:cNvCxnSpPr>
-            <a:cxnSpLocks/>
-          </p:cNvCxnSpPr>
-          <p:nvPr/>
-        </p:nvCxnSpPr>
-        <p:spPr>
-          <a:xfrm flipV="1">
-            <a:off x="3424146" y="1299704"/>
-            <a:ext cx="0" cy="685801"/>
-          </a:xfrm>
-          <a:prstGeom prst="straightConnector1">
-            <a:avLst/>
-          </a:prstGeom>
-          <a:ln>
-            <a:tailEnd type="triangle"/>
-          </a:ln>
-        </p:spPr>
-        <p:style>
-          <a:lnRef idx="1">
-            <a:schemeClr val="accent1"/>
-          </a:lnRef>
-          <a:fillRef idx="0">
-            <a:schemeClr val="accent1"/>
-          </a:fillRef>
-          <a:effectRef idx="0">
-            <a:schemeClr val="accent1"/>
-          </a:effectRef>
-          <a:fontRef idx="minor">
-            <a:schemeClr val="tx1"/>
-          </a:fontRef>
-        </p:style>
-      </p:cxnSp>
     </p:spTree>
     <p:extLst>
       <p:ext uri="{BB962C8B-B14F-4D97-AF65-F5344CB8AC3E}">

--- a/assets/img/Images.pptx
+++ b/assets/img/Images.pptx
@@ -5,7 +5,7 @@
     <p:sldMasterId id="2147483663" r:id="rId1"/>
   </p:sldMasterIdLst>
   <p:notesMasterIdLst>
-    <p:notesMasterId r:id="rId21"/>
+    <p:notesMasterId r:id="rId17"/>
   </p:notesMasterIdLst>
   <p:sldIdLst>
     <p:sldId id="286" r:id="rId2"/>
@@ -14,19 +14,15 @@
     <p:sldId id="270" r:id="rId5"/>
     <p:sldId id="271" r:id="rId6"/>
     <p:sldId id="272" r:id="rId7"/>
-    <p:sldId id="273" r:id="rId8"/>
-    <p:sldId id="274" r:id="rId9"/>
-    <p:sldId id="275" r:id="rId10"/>
-    <p:sldId id="276" r:id="rId11"/>
-    <p:sldId id="277" r:id="rId12"/>
-    <p:sldId id="278" r:id="rId13"/>
-    <p:sldId id="279" r:id="rId14"/>
-    <p:sldId id="280" r:id="rId15"/>
-    <p:sldId id="281" r:id="rId16"/>
-    <p:sldId id="282" r:id="rId17"/>
-    <p:sldId id="283" r:id="rId18"/>
-    <p:sldId id="284" r:id="rId19"/>
-    <p:sldId id="285" r:id="rId20"/>
+    <p:sldId id="274" r:id="rId8"/>
+    <p:sldId id="275" r:id="rId9"/>
+    <p:sldId id="276" r:id="rId10"/>
+    <p:sldId id="279" r:id="rId11"/>
+    <p:sldId id="280" r:id="rId12"/>
+    <p:sldId id="281" r:id="rId13"/>
+    <p:sldId id="283" r:id="rId14"/>
+    <p:sldId id="284" r:id="rId15"/>
+    <p:sldId id="285" r:id="rId16"/>
   </p:sldIdLst>
   <p:sldSz cx="9144000" cy="6858000" type="screen4x3"/>
   <p:notesSz cx="6858000" cy="9144000"/>
@@ -215,7 +211,7 @@
           <a:p>
             <a:fld id="{0CC1478D-87B6-451A-8696-61271112EFBC}" type="datetimeFigureOut">
               <a:rPr lang="en-US" smtClean="0"/>
-              <a:t>12/26/2020</a:t>
+              <a:t>1/3/2021</a:t>
             </a:fld>
             <a:endParaRPr lang="en-US"/>
           </a:p>
@@ -482,103 +478,6 @@
 </p:notesMaster>
 </file>
 
-<file path=ppt/notesSlides/notesSlide1.xml><?xml version="1.0" encoding="utf-8"?>
-<p:notes xmlns:a="http://schemas.openxmlformats.org/drawingml/2006/main" xmlns:r="http://schemas.openxmlformats.org/officeDocument/2006/relationships" xmlns:p="http://schemas.openxmlformats.org/presentationml/2006/main">
-  <p:cSld>
-    <p:spTree>
-      <p:nvGrpSpPr>
-        <p:cNvPr id="1" name=""/>
-        <p:cNvGrpSpPr/>
-        <p:nvPr/>
-      </p:nvGrpSpPr>
-      <p:grpSpPr>
-        <a:xfrm>
-          <a:off x="0" y="0"/>
-          <a:ext cx="0" cy="0"/>
-          <a:chOff x="0" y="0"/>
-          <a:chExt cx="0" cy="0"/>
-        </a:xfrm>
-      </p:grpSpPr>
-      <p:sp>
-        <p:nvSpPr>
-          <p:cNvPr id="2" name="Slide Image Placeholder 1"/>
-          <p:cNvSpPr>
-            <a:spLocks noGrp="1" noRot="1" noChangeAspect="1"/>
-          </p:cNvSpPr>
-          <p:nvPr>
-            <p:ph type="sldImg"/>
-          </p:nvPr>
-        </p:nvSpPr>
-        <p:spPr>
-          <a:xfrm>
-            <a:off x="1371600" y="1143000"/>
-            <a:ext cx="4114800" cy="3086100"/>
-          </a:xfrm>
-        </p:spPr>
-      </p:sp>
-      <p:sp>
-        <p:nvSpPr>
-          <p:cNvPr id="3" name="Notes Placeholder 2"/>
-          <p:cNvSpPr>
-            <a:spLocks noGrp="1"/>
-          </p:cNvSpPr>
-          <p:nvPr>
-            <p:ph type="body" idx="1"/>
-          </p:nvPr>
-        </p:nvSpPr>
-        <p:spPr/>
-        <p:txBody>
-          <a:bodyPr>
-            <a:normAutofit/>
-          </a:bodyPr>
-          <a:lstStyle/>
-          <a:p>
-            <a:endParaRPr lang="nl-NL" dirty="0"/>
-          </a:p>
-        </p:txBody>
-      </p:sp>
-      <p:sp>
-        <p:nvSpPr>
-          <p:cNvPr id="4" name="Slide Number Placeholder 3"/>
-          <p:cNvSpPr>
-            <a:spLocks noGrp="1"/>
-          </p:cNvSpPr>
-          <p:nvPr>
-            <p:ph type="sldNum" sz="quarter" idx="10"/>
-          </p:nvPr>
-        </p:nvSpPr>
-        <p:spPr/>
-        <p:txBody>
-          <a:bodyPr/>
-          <a:lstStyle/>
-          <a:p>
-            <a:pPr>
-              <a:defRPr/>
-            </a:pPr>
-            <a:fld id="{30F2FDF5-EBF0-449A-8AEA-350B27AD01A8}" type="slidenum">
-              <a:rPr lang="de-DE" smtClean="0"/>
-              <a:pPr>
-                <a:defRPr/>
-              </a:pPr>
-              <a:t>16</a:t>
-            </a:fld>
-            <a:endParaRPr lang="de-DE"/>
-          </a:p>
-        </p:txBody>
-      </p:sp>
-    </p:spTree>
-    <p:extLst>
-      <p:ext uri="{BB962C8B-B14F-4D97-AF65-F5344CB8AC3E}">
-        <p14:creationId xmlns:p14="http://schemas.microsoft.com/office/powerpoint/2010/main" val="579869741"/>
-      </p:ext>
-    </p:extLst>
-  </p:cSld>
-  <p:clrMapOvr>
-    <a:masterClrMapping/>
-  </p:clrMapOvr>
-</p:notes>
-</file>
-
 <file path=ppt/slideLayouts/slideLayout1.xml><?xml version="1.0" encoding="utf-8"?>
 <p:sldLayout xmlns:a="http://schemas.openxmlformats.org/drawingml/2006/main" xmlns:r="http://schemas.openxmlformats.org/officeDocument/2006/relationships" xmlns:p="http://schemas.openxmlformats.org/presentationml/2006/main" type="title" preserve="1">
   <p:cSld name="Title Slide">
@@ -710,7 +609,7 @@
           <a:p>
             <a:fld id="{788667A8-8BE1-4384-8E52-CA6CA56C077B}" type="datetimeFigureOut">
               <a:rPr lang="en-US" smtClean="0"/>
-              <a:t>12/26/2020</a:t>
+              <a:t>1/3/2021</a:t>
             </a:fld>
             <a:endParaRPr lang="en-US"/>
           </a:p>
@@ -880,7 +779,7 @@
           <a:p>
             <a:fld id="{788667A8-8BE1-4384-8E52-CA6CA56C077B}" type="datetimeFigureOut">
               <a:rPr lang="en-US" smtClean="0"/>
-              <a:t>12/26/2020</a:t>
+              <a:t>1/3/2021</a:t>
             </a:fld>
             <a:endParaRPr lang="en-US"/>
           </a:p>
@@ -1060,7 +959,7 @@
           <a:p>
             <a:fld id="{788667A8-8BE1-4384-8E52-CA6CA56C077B}" type="datetimeFigureOut">
               <a:rPr lang="en-US" smtClean="0"/>
-              <a:t>12/26/2020</a:t>
+              <a:t>1/3/2021</a:t>
             </a:fld>
             <a:endParaRPr lang="en-US"/>
           </a:p>
@@ -1290,7 +1189,7 @@
           <a:p>
             <a:fld id="{788667A8-8BE1-4384-8E52-CA6CA56C077B}" type="datetimeFigureOut">
               <a:rPr lang="en-US" smtClean="0"/>
-              <a:t>12/26/2020</a:t>
+              <a:t>1/3/2021</a:t>
             </a:fld>
             <a:endParaRPr lang="en-US"/>
           </a:p>
@@ -1534,7 +1433,7 @@
           <a:p>
             <a:fld id="{788667A8-8BE1-4384-8E52-CA6CA56C077B}" type="datetimeFigureOut">
               <a:rPr lang="en-US" smtClean="0"/>
-              <a:t>12/26/2020</a:t>
+              <a:t>1/3/2021</a:t>
             </a:fld>
             <a:endParaRPr lang="en-US"/>
           </a:p>
@@ -1766,7 +1665,7 @@
           <a:p>
             <a:fld id="{788667A8-8BE1-4384-8E52-CA6CA56C077B}" type="datetimeFigureOut">
               <a:rPr lang="en-US" smtClean="0"/>
-              <a:t>12/26/2020</a:t>
+              <a:t>1/3/2021</a:t>
             </a:fld>
             <a:endParaRPr lang="en-US"/>
           </a:p>
@@ -2133,7 +2032,7 @@
           <a:p>
             <a:fld id="{788667A8-8BE1-4384-8E52-CA6CA56C077B}" type="datetimeFigureOut">
               <a:rPr lang="en-US" smtClean="0"/>
-              <a:t>12/26/2020</a:t>
+              <a:t>1/3/2021</a:t>
             </a:fld>
             <a:endParaRPr lang="en-US"/>
           </a:p>
@@ -2251,7 +2150,7 @@
           <a:p>
             <a:fld id="{788667A8-8BE1-4384-8E52-CA6CA56C077B}" type="datetimeFigureOut">
               <a:rPr lang="en-US" smtClean="0"/>
-              <a:t>12/26/2020</a:t>
+              <a:t>1/3/2021</a:t>
             </a:fld>
             <a:endParaRPr lang="en-US"/>
           </a:p>
@@ -2346,7 +2245,7 @@
           <a:p>
             <a:fld id="{788667A8-8BE1-4384-8E52-CA6CA56C077B}" type="datetimeFigureOut">
               <a:rPr lang="en-US" smtClean="0"/>
-              <a:t>12/26/2020</a:t>
+              <a:t>1/3/2021</a:t>
             </a:fld>
             <a:endParaRPr lang="en-US"/>
           </a:p>
@@ -2623,7 +2522,7 @@
           <a:p>
             <a:fld id="{788667A8-8BE1-4384-8E52-CA6CA56C077B}" type="datetimeFigureOut">
               <a:rPr lang="en-US" smtClean="0"/>
-              <a:t>12/26/2020</a:t>
+              <a:t>1/3/2021</a:t>
             </a:fld>
             <a:endParaRPr lang="en-US"/>
           </a:p>
@@ -2880,7 +2779,7 @@
           <a:p>
             <a:fld id="{788667A8-8BE1-4384-8E52-CA6CA56C077B}" type="datetimeFigureOut">
               <a:rPr lang="en-US" smtClean="0"/>
-              <a:t>12/26/2020</a:t>
+              <a:t>1/3/2021</a:t>
             </a:fld>
             <a:endParaRPr lang="en-US"/>
           </a:p>
@@ -3093,7 +2992,7 @@
           <a:p>
             <a:fld id="{788667A8-8BE1-4384-8E52-CA6CA56C077B}" type="datetimeFigureOut">
               <a:rPr lang="en-US" smtClean="0"/>
-              <a:t>12/26/2020</a:t>
+              <a:t>1/3/2021</a:t>
             </a:fld>
             <a:endParaRPr lang="en-US"/>
           </a:p>
@@ -3507,7 +3406,7 @@
         </p:nvSpPr>
         <p:spPr>
           <a:xfrm>
-            <a:off x="7449985" y="1987187"/>
+            <a:off x="4707824" y="1975697"/>
             <a:ext cx="685800" cy="685800"/>
           </a:xfrm>
           <a:prstGeom prst="rect">
@@ -3538,56 +3437,6 @@
             <a:r>
               <a:rPr lang="en-US" sz="1350" dirty="0"/>
               <a:t>Viewer</a:t>
-            </a:r>
-          </a:p>
-        </p:txBody>
-      </p:sp>
-      <p:sp>
-        <p:nvSpPr>
-          <p:cNvPr id="6" name="Rectangle 5"/>
-          <p:cNvSpPr/>
-          <p:nvPr/>
-        </p:nvSpPr>
-        <p:spPr>
-          <a:xfrm>
-            <a:off x="4596795" y="1987187"/>
-            <a:ext cx="685800" cy="685800"/>
-          </a:xfrm>
-          <a:prstGeom prst="rect">
-            <a:avLst/>
-          </a:prstGeom>
-          <a:ln>
-            <a:solidFill>
-              <a:schemeClr val="accent1">
-                <a:shade val="50000"/>
-              </a:schemeClr>
-            </a:solidFill>
-          </a:ln>
-        </p:spPr>
-        <p:style>
-          <a:lnRef idx="2">
-            <a:schemeClr val="accent1">
-              <a:shade val="50000"/>
-            </a:schemeClr>
-          </a:lnRef>
-          <a:fillRef idx="1">
-            <a:schemeClr val="accent1"/>
-          </a:fillRef>
-          <a:effectRef idx="0">
-            <a:schemeClr val="accent1"/>
-          </a:effectRef>
-          <a:fontRef idx="minor">
-            <a:schemeClr val="lt1"/>
-          </a:fontRef>
-        </p:style>
-        <p:txBody>
-          <a:bodyPr rtlCol="0" anchor="ctr"/>
-          <a:lstStyle/>
-          <a:p>
-            <a:pPr algn="ctr"/>
-            <a:r>
-              <a:rPr lang="en-US" sz="1350" dirty="0"/>
-              <a:t>Builder</a:t>
             </a:r>
           </a:p>
         </p:txBody>
@@ -3705,7 +3554,7 @@
         </p:nvSpPr>
         <p:spPr>
           <a:xfrm>
-            <a:off x="5942855" y="1987187"/>
+            <a:off x="6249798" y="1975697"/>
             <a:ext cx="685800" cy="685800"/>
           </a:xfrm>
           <a:prstGeom prst="rect">
@@ -3883,88 +3732,15 @@
           <p:cNvPr id="19" name="Straight Arrow Connector 18"/>
           <p:cNvCxnSpPr>
             <a:cxnSpLocks/>
-            <a:stCxn id="6" idx="1"/>
+            <a:stCxn id="5" idx="1"/>
             <a:endCxn id="8" idx="3"/>
           </p:cNvCxnSpPr>
           <p:nvPr/>
         </p:nvCxnSpPr>
         <p:spPr>
           <a:xfrm flipH="1">
-            <a:off x="3936535" y="2330087"/>
-            <a:ext cx="660260" cy="0"/>
-          </a:xfrm>
-          <a:prstGeom prst="straightConnector1">
-            <a:avLst/>
-          </a:prstGeom>
-          <a:ln>
-            <a:tailEnd type="triangle"/>
-          </a:ln>
-        </p:spPr>
-        <p:style>
-          <a:lnRef idx="1">
-            <a:schemeClr val="accent1"/>
-          </a:lnRef>
-          <a:fillRef idx="0">
-            <a:schemeClr val="accent1"/>
-          </a:fillRef>
-          <a:effectRef idx="0">
-            <a:schemeClr val="accent1"/>
-          </a:effectRef>
-          <a:fontRef idx="minor">
-            <a:schemeClr val="tx1"/>
-          </a:fontRef>
-        </p:style>
-      </p:cxnSp>
-      <p:cxnSp>
-        <p:nvCxnSpPr>
-          <p:cNvPr id="21" name="Straight Arrow Connector 20"/>
-          <p:cNvCxnSpPr>
-            <a:stCxn id="6" idx="3"/>
-            <a:endCxn id="9" idx="1"/>
-          </p:cNvCxnSpPr>
-          <p:nvPr/>
-        </p:nvCxnSpPr>
-        <p:spPr>
-          <a:xfrm>
-            <a:off x="5282595" y="2330087"/>
-            <a:ext cx="660260" cy="0"/>
-          </a:xfrm>
-          <a:prstGeom prst="straightConnector1">
-            <a:avLst/>
-          </a:prstGeom>
-          <a:ln>
-            <a:tailEnd type="triangle"/>
-          </a:ln>
-        </p:spPr>
-        <p:style>
-          <a:lnRef idx="1">
-            <a:schemeClr val="accent1"/>
-          </a:lnRef>
-          <a:fillRef idx="0">
-            <a:schemeClr val="accent1"/>
-          </a:fillRef>
-          <a:effectRef idx="0">
-            <a:schemeClr val="accent1"/>
-          </a:effectRef>
-          <a:fontRef idx="minor">
-            <a:schemeClr val="tx1"/>
-          </a:fontRef>
-        </p:style>
-      </p:cxnSp>
-      <p:cxnSp>
-        <p:nvCxnSpPr>
-          <p:cNvPr id="23" name="Straight Arrow Connector 22"/>
-          <p:cNvCxnSpPr>
-            <a:cxnSpLocks/>
-            <a:stCxn id="5" idx="1"/>
-            <a:endCxn id="9" idx="3"/>
-          </p:cNvCxnSpPr>
-          <p:nvPr/>
-        </p:nvCxnSpPr>
-        <p:spPr>
-          <a:xfrm flipH="1">
-            <a:off x="6628655" y="2330087"/>
-            <a:ext cx="821330" cy="0"/>
+            <a:off x="3936535" y="2318597"/>
+            <a:ext cx="771289" cy="11490"/>
           </a:xfrm>
           <a:prstGeom prst="straightConnector1">
             <a:avLst/>
@@ -4335,7 +4111,7 @@
         </p:nvSpPr>
         <p:spPr>
           <a:xfrm>
-            <a:off x="6593819" y="2063344"/>
+            <a:off x="5378943" y="2019137"/>
             <a:ext cx="891002" cy="300082"/>
           </a:xfrm>
           <a:prstGeom prst="rect">
@@ -4358,14 +4134,14 @@
       </p:sp>
       <p:sp>
         <p:nvSpPr>
-          <p:cNvPr id="54" name="TextBox 53"/>
+          <p:cNvPr id="55" name="TextBox 54"/>
           <p:cNvSpPr txBox="1"/>
           <p:nvPr/>
         </p:nvSpPr>
         <p:spPr>
           <a:xfrm>
-            <a:off x="5257055" y="2045484"/>
-            <a:ext cx="729146" cy="300082"/>
+            <a:off x="3885227" y="2019137"/>
+            <a:ext cx="773686" cy="300082"/>
           </a:xfrm>
           <a:prstGeom prst="rect">
             <a:avLst/>
@@ -4380,21 +4156,21 @@
           <a:p>
             <a:r>
               <a:rPr lang="en-US" sz="1350" dirty="0"/>
-              <a:t>Exports</a:t>
+              <a:t>Imports</a:t>
             </a:r>
           </a:p>
         </p:txBody>
       </p:sp>
       <p:sp>
         <p:nvSpPr>
-          <p:cNvPr id="55" name="TextBox 54"/>
+          <p:cNvPr id="58" name="TextBox 57"/>
           <p:cNvSpPr txBox="1"/>
           <p:nvPr/>
         </p:nvSpPr>
         <p:spPr>
           <a:xfrm>
-            <a:off x="3885227" y="2063344"/>
-            <a:ext cx="773686" cy="300082"/>
+            <a:off x="2339145" y="2025423"/>
+            <a:ext cx="711839" cy="300082"/>
           </a:xfrm>
           <a:prstGeom prst="rect">
             <a:avLst/>
@@ -4409,21 +4185,167 @@
           <a:p>
             <a:r>
               <a:rPr lang="en-US" sz="1350" dirty="0"/>
-              <a:t>Imports</a:t>
+              <a:t>Exports</a:t>
             </a:r>
           </a:p>
         </p:txBody>
       </p:sp>
       <p:sp>
         <p:nvSpPr>
-          <p:cNvPr id="58" name="TextBox 57"/>
+          <p:cNvPr id="26" name="Rectangle 25">
+            <a:extLst>
+              <a:ext uri="{FF2B5EF4-FFF2-40B4-BE49-F238E27FC236}">
+                <a16:creationId xmlns:a16="http://schemas.microsoft.com/office/drawing/2014/main" id="{E41A7C78-39B6-48AC-AA40-776067CA3894}"/>
+              </a:ext>
+            </a:extLst>
+          </p:cNvPr>
+          <p:cNvSpPr/>
+          <p:nvPr/>
+        </p:nvSpPr>
+        <p:spPr>
+          <a:xfrm>
+            <a:off x="3028198" y="765287"/>
+            <a:ext cx="999890" cy="685800"/>
+          </a:xfrm>
+          <a:prstGeom prst="rect">
+            <a:avLst/>
+          </a:prstGeom>
+          <a:ln>
+            <a:solidFill>
+              <a:schemeClr val="accent1">
+                <a:shade val="50000"/>
+              </a:schemeClr>
+            </a:solidFill>
+          </a:ln>
+        </p:spPr>
+        <p:style>
+          <a:lnRef idx="2">
+            <a:schemeClr val="accent1">
+              <a:shade val="50000"/>
+            </a:schemeClr>
+          </a:lnRef>
+          <a:fillRef idx="1">
+            <a:schemeClr val="accent1"/>
+          </a:fillRef>
+          <a:effectRef idx="0">
+            <a:schemeClr val="accent1"/>
+          </a:effectRef>
+          <a:fontRef idx="minor">
+            <a:schemeClr val="lt1"/>
+          </a:fontRef>
+        </p:style>
+        <p:txBody>
+          <a:bodyPr rtlCol="0" anchor="ctr"/>
+          <a:lstStyle/>
+          <a:p>
+            <a:pPr algn="ctr"/>
+            <a:r>
+              <a:rPr lang="en-US" sz="1350" dirty="0"/>
+              <a:t>Comparer</a:t>
+            </a:r>
+          </a:p>
+        </p:txBody>
+      </p:sp>
+      <p:cxnSp>
+        <p:nvCxnSpPr>
+          <p:cNvPr id="27" name="Straight Arrow Connector 26">
+            <a:extLst>
+              <a:ext uri="{FF2B5EF4-FFF2-40B4-BE49-F238E27FC236}">
+                <a16:creationId xmlns:a16="http://schemas.microsoft.com/office/drawing/2014/main" id="{1080CBDA-3D8E-491B-B177-FE5C9DCDE901}"/>
+              </a:ext>
+            </a:extLst>
+          </p:cNvPr>
+          <p:cNvCxnSpPr>
+            <a:cxnSpLocks/>
+          </p:cNvCxnSpPr>
+          <p:nvPr/>
+        </p:nvCxnSpPr>
+        <p:spPr>
+          <a:xfrm>
+            <a:off x="3528143" y="1453224"/>
+            <a:ext cx="3145" cy="557745"/>
+          </a:xfrm>
+          <a:prstGeom prst="straightConnector1">
+            <a:avLst/>
+          </a:prstGeom>
+          <a:ln>
+            <a:tailEnd type="triangle"/>
+          </a:ln>
+        </p:spPr>
+        <p:style>
+          <a:lnRef idx="1">
+            <a:schemeClr val="accent1"/>
+          </a:lnRef>
+          <a:fillRef idx="0">
+            <a:schemeClr val="accent1"/>
+          </a:fillRef>
+          <a:effectRef idx="0">
+            <a:schemeClr val="accent1"/>
+          </a:effectRef>
+          <a:fontRef idx="minor">
+            <a:schemeClr val="tx1"/>
+          </a:fontRef>
+        </p:style>
+      </p:cxnSp>
+      <p:cxnSp>
+        <p:nvCxnSpPr>
+          <p:cNvPr id="31" name="Straight Arrow Connector 30">
+            <a:extLst>
+              <a:ext uri="{FF2B5EF4-FFF2-40B4-BE49-F238E27FC236}">
+                <a16:creationId xmlns:a16="http://schemas.microsoft.com/office/drawing/2014/main" id="{E2569B88-1712-4258-B144-748201ABFDFD}"/>
+              </a:ext>
+            </a:extLst>
+          </p:cNvPr>
+          <p:cNvCxnSpPr>
+            <a:cxnSpLocks/>
+            <a:stCxn id="5" idx="3"/>
+            <a:endCxn id="9" idx="1"/>
+          </p:cNvCxnSpPr>
+          <p:nvPr/>
+        </p:nvCxnSpPr>
+        <p:spPr>
+          <a:xfrm>
+            <a:off x="5393624" y="2318597"/>
+            <a:ext cx="856174" cy="0"/>
+          </a:xfrm>
+          <a:prstGeom prst="straightConnector1">
+            <a:avLst/>
+          </a:prstGeom>
+          <a:ln>
+            <a:tailEnd type="triangle"/>
+          </a:ln>
+        </p:spPr>
+        <p:style>
+          <a:lnRef idx="1">
+            <a:schemeClr val="accent1"/>
+          </a:lnRef>
+          <a:fillRef idx="0">
+            <a:schemeClr val="accent1"/>
+          </a:fillRef>
+          <a:effectRef idx="0">
+            <a:schemeClr val="accent1"/>
+          </a:effectRef>
+          <a:fontRef idx="minor">
+            <a:schemeClr val="tx1"/>
+          </a:fontRef>
+        </p:style>
+      </p:cxnSp>
+      <p:sp>
+        <p:nvSpPr>
+          <p:cNvPr id="35" name="TextBox 34">
+            <a:extLst>
+              <a:ext uri="{FF2B5EF4-FFF2-40B4-BE49-F238E27FC236}">
+                <a16:creationId xmlns:a16="http://schemas.microsoft.com/office/drawing/2014/main" id="{17B0C379-9B45-44A0-A515-57F16875BB77}"/>
+              </a:ext>
+            </a:extLst>
+          </p:cNvPr>
           <p:cNvSpPr txBox="1"/>
           <p:nvPr/>
         </p:nvSpPr>
         <p:spPr>
           <a:xfrm>
-            <a:off x="2358785" y="2055925"/>
-            <a:ext cx="711839" cy="300082"/>
+            <a:off x="3528143" y="1603112"/>
+            <a:ext cx="891002" cy="300082"/>
           </a:xfrm>
           <a:prstGeom prst="rect">
             <a:avLst/>
@@ -4438,7 +4360,7 @@
           <a:p>
             <a:r>
               <a:rPr lang="en-US" sz="1350" dirty="0"/>
-              <a:t>Exports</a:t>
+              <a:t>Compares</a:t>
             </a:r>
           </a:p>
         </p:txBody>
@@ -4475,45 +4397,236 @@
       </p:grpSpPr>
       <p:pic>
         <p:nvPicPr>
-          <p:cNvPr id="6146" name="Picture 2" descr="d:\Users\Johan\Desktop\DSM\05_dsm_example_parttioned.png"/>
+          <p:cNvPr id="2" name="Picture 1">
+            <a:extLst>
+              <a:ext uri="{FF2B5EF4-FFF2-40B4-BE49-F238E27FC236}">
+                <a16:creationId xmlns:a16="http://schemas.microsoft.com/office/drawing/2014/main" id="{A9D4C000-0032-45C3-892A-6BCC8506B079}"/>
+              </a:ext>
+            </a:extLst>
+          </p:cNvPr>
           <p:cNvPicPr>
-            <a:picLocks noChangeAspect="1" noChangeArrowheads="1"/>
+            <a:picLocks noChangeAspect="1"/>
           </p:cNvPicPr>
           <p:nvPr/>
         </p:nvPicPr>
         <p:blipFill>
-          <a:blip r:embed="rId2" cstate="print"/>
-          <a:srcRect/>
+          <a:blip r:embed="rId2"/>
           <a:stretch>
             <a:fillRect/>
           </a:stretch>
         </p:blipFill>
-        <p:spPr bwMode="auto">
+        <p:spPr>
           <a:xfrm>
-            <a:off x="2590201" y="3101866"/>
-            <a:ext cx="3838575" cy="1952625"/>
+            <a:off x="2057400" y="1676400"/>
+            <a:ext cx="5029200" cy="3505200"/>
+          </a:xfrm>
+          <a:prstGeom prst="rect">
+            <a:avLst/>
+          </a:prstGeom>
+        </p:spPr>
+      </p:pic>
+      <p:sp>
+        <p:nvSpPr>
+          <p:cNvPr id="7" name="Rectangle 6"/>
+          <p:cNvSpPr/>
+          <p:nvPr/>
+        </p:nvSpPr>
+        <p:spPr>
+          <a:xfrm>
+            <a:off x="4333875" y="3953558"/>
+            <a:ext cx="266700" cy="582723"/>
           </a:xfrm>
           <a:prstGeom prst="rect">
             <a:avLst/>
           </a:prstGeom>
           <a:noFill/>
-        </p:spPr>
-      </p:pic>
-      <p:sp>
-        <p:nvSpPr>
-          <p:cNvPr id="9" name="Rounded Rectangular Callout 8"/>
+          <a:ln w="19050">
+            <a:solidFill>
+              <a:srgbClr val="FF0000"/>
+            </a:solidFill>
+          </a:ln>
+        </p:spPr>
+        <p:style>
+          <a:lnRef idx="1">
+            <a:schemeClr val="accent1"/>
+          </a:lnRef>
+          <a:fillRef idx="3">
+            <a:schemeClr val="accent1"/>
+          </a:fillRef>
+          <a:effectRef idx="2">
+            <a:schemeClr val="accent1"/>
+          </a:effectRef>
+          <a:fontRef idx="minor">
+            <a:schemeClr val="lt1"/>
+          </a:fontRef>
+        </p:style>
+        <p:txBody>
+          <a:bodyPr rtlCol="0" anchor="ctr"/>
+          <a:lstStyle/>
+          <a:p>
+            <a:pPr algn="ctr"/>
+            <a:endParaRPr lang="en-US"/>
+          </a:p>
+        </p:txBody>
+      </p:sp>
+      <p:sp>
+        <p:nvSpPr>
+          <p:cNvPr id="9" name="Rectangle 8"/>
           <p:cNvSpPr/>
           <p:nvPr/>
         </p:nvSpPr>
         <p:spPr>
           <a:xfrm>
-            <a:off x="725401" y="2456761"/>
-            <a:ext cx="1798820" cy="772664"/>
+            <a:off x="4626772" y="3015386"/>
+            <a:ext cx="1835942" cy="901770"/>
+          </a:xfrm>
+          <a:prstGeom prst="rect">
+            <a:avLst/>
+          </a:prstGeom>
+          <a:noFill/>
+          <a:ln w="19050">
+            <a:solidFill>
+              <a:srgbClr val="FF0000"/>
+            </a:solidFill>
+          </a:ln>
+        </p:spPr>
+        <p:style>
+          <a:lnRef idx="1">
+            <a:schemeClr val="accent1"/>
+          </a:lnRef>
+          <a:fillRef idx="3">
+            <a:schemeClr val="accent1"/>
+          </a:fillRef>
+          <a:effectRef idx="2">
+            <a:schemeClr val="accent1"/>
+          </a:effectRef>
+          <a:fontRef idx="minor">
+            <a:schemeClr val="lt1"/>
+          </a:fontRef>
+        </p:style>
+        <p:txBody>
+          <a:bodyPr rtlCol="0" anchor="ctr"/>
+          <a:lstStyle/>
+          <a:p>
+            <a:pPr algn="ctr"/>
+            <a:endParaRPr lang="en-US"/>
+          </a:p>
+        </p:txBody>
+      </p:sp>
+      <p:sp>
+        <p:nvSpPr>
+          <p:cNvPr id="11" name="Rounded Rectangular Callout 10"/>
+          <p:cNvSpPr/>
+          <p:nvPr/>
+        </p:nvSpPr>
+        <p:spPr>
+          <a:xfrm>
+            <a:off x="7339794" y="3525531"/>
+            <a:ext cx="1608945" cy="941881"/>
           </a:xfrm>
           <a:prstGeom prst="wedgeRoundRectCallout">
             <a:avLst>
-              <a:gd name="adj1" fmla="val 60156"/>
-              <a:gd name="adj2" fmla="val 123725"/>
+              <a:gd name="adj1" fmla="val -126995"/>
+              <a:gd name="adj2" fmla="val -51167"/>
+              <a:gd name="adj3" fmla="val 16667"/>
+            </a:avLst>
+          </a:prstGeom>
+          <a:solidFill>
+            <a:schemeClr val="accent1"/>
+          </a:solidFill>
+          <a:ln>
+            <a:noFill/>
+          </a:ln>
+        </p:spPr>
+        <p:style>
+          <a:lnRef idx="1">
+            <a:schemeClr val="accent1"/>
+          </a:lnRef>
+          <a:fillRef idx="3">
+            <a:schemeClr val="accent1"/>
+          </a:fillRef>
+          <a:effectRef idx="2">
+            <a:schemeClr val="accent1"/>
+          </a:effectRef>
+          <a:fontRef idx="minor">
+            <a:schemeClr val="lt1"/>
+          </a:fontRef>
+        </p:style>
+        <p:txBody>
+          <a:bodyPr rtlCol="0" anchor="ctr"/>
+          <a:lstStyle/>
+          <a:p>
+            <a:pPr algn="ctr"/>
+            <a:r>
+              <a:rPr lang="en-US" sz="1400" dirty="0">
+                <a:solidFill>
+                  <a:schemeClr val="bg1"/>
+                </a:solidFill>
+              </a:rPr>
+              <a:t>Encapsulated</a:t>
+            </a:r>
+          </a:p>
+        </p:txBody>
+      </p:sp>
+      <p:sp>
+        <p:nvSpPr>
+          <p:cNvPr id="13" name="Rectangle 12"/>
+          <p:cNvSpPr/>
+          <p:nvPr/>
+        </p:nvSpPr>
+        <p:spPr>
+          <a:xfrm>
+            <a:off x="4333875" y="2708184"/>
+            <a:ext cx="2752725" cy="275502"/>
+          </a:xfrm>
+          <a:prstGeom prst="rect">
+            <a:avLst/>
+          </a:prstGeom>
+          <a:noFill/>
+          <a:ln w="19050">
+            <a:solidFill>
+              <a:srgbClr val="FF0000"/>
+            </a:solidFill>
+          </a:ln>
+        </p:spPr>
+        <p:style>
+          <a:lnRef idx="1">
+            <a:schemeClr val="accent1"/>
+          </a:lnRef>
+          <a:fillRef idx="3">
+            <a:schemeClr val="accent1"/>
+          </a:fillRef>
+          <a:effectRef idx="2">
+            <a:schemeClr val="accent1"/>
+          </a:effectRef>
+          <a:fontRef idx="minor">
+            <a:schemeClr val="lt1"/>
+          </a:fontRef>
+        </p:style>
+        <p:txBody>
+          <a:bodyPr rtlCol="0" anchor="ctr"/>
+          <a:lstStyle/>
+          <a:p>
+            <a:pPr algn="ctr"/>
+            <a:endParaRPr lang="en-US"/>
+          </a:p>
+        </p:txBody>
+      </p:sp>
+      <p:sp>
+        <p:nvSpPr>
+          <p:cNvPr id="12" name="Rounded Rectangular Callout 11"/>
+          <p:cNvSpPr/>
+          <p:nvPr/>
+        </p:nvSpPr>
+        <p:spPr>
+          <a:xfrm>
+            <a:off x="7517556" y="2153930"/>
+            <a:ext cx="1608945" cy="941881"/>
+          </a:xfrm>
+          <a:prstGeom prst="wedgeRoundRectCallout">
+            <a:avLst>
+              <a:gd name="adj1" fmla="val -84411"/>
+              <a:gd name="adj2" fmla="val 24016"/>
               <a:gd name="adj3" fmla="val 16667"/>
             </a:avLst>
           </a:prstGeom>
@@ -4549,26 +4662,826 @@
                   <a:schemeClr val="bg1"/>
                 </a:solidFill>
               </a:rPr>
-              <a:t>Consumers to top</a:t>
+              <a:t>Not used</a:t>
             </a:r>
           </a:p>
         </p:txBody>
       </p:sp>
       <p:sp>
         <p:nvSpPr>
-          <p:cNvPr id="10" name="Rounded Rectangular Callout 9"/>
+          <p:cNvPr id="16" name="Rounded Rectangular Callout 15"/>
           <p:cNvSpPr/>
           <p:nvPr/>
         </p:nvSpPr>
         <p:spPr>
           <a:xfrm>
-            <a:off x="637936" y="5180969"/>
-            <a:ext cx="1798820" cy="768772"/>
+            <a:off x="5477655" y="4313555"/>
+            <a:ext cx="1608945" cy="941881"/>
           </a:xfrm>
           <a:prstGeom prst="wedgeRoundRectCallout">
             <a:avLst>
-              <a:gd name="adj1" fmla="val 66526"/>
-              <a:gd name="adj2" fmla="val -91598"/>
+              <a:gd name="adj1" fmla="val -109357"/>
+              <a:gd name="adj2" fmla="val -54515"/>
+              <a:gd name="adj3" fmla="val 16667"/>
+            </a:avLst>
+          </a:prstGeom>
+          <a:solidFill>
+            <a:schemeClr val="accent1"/>
+          </a:solidFill>
+          <a:ln>
+            <a:noFill/>
+          </a:ln>
+        </p:spPr>
+        <p:style>
+          <a:lnRef idx="1">
+            <a:schemeClr val="accent1"/>
+          </a:lnRef>
+          <a:fillRef idx="3">
+            <a:schemeClr val="accent1"/>
+          </a:fillRef>
+          <a:effectRef idx="2">
+            <a:schemeClr val="accent1"/>
+          </a:effectRef>
+          <a:fontRef idx="minor">
+            <a:schemeClr val="lt1"/>
+          </a:fontRef>
+        </p:style>
+        <p:txBody>
+          <a:bodyPr rtlCol="0" anchor="ctr"/>
+          <a:lstStyle/>
+          <a:p>
+            <a:pPr algn="ctr"/>
+            <a:r>
+              <a:rPr lang="en-US" sz="1400">
+                <a:solidFill>
+                  <a:schemeClr val="bg1"/>
+                </a:solidFill>
+              </a:rPr>
+              <a:t>Public interface</a:t>
+            </a:r>
+          </a:p>
+        </p:txBody>
+      </p:sp>
+      <p:sp>
+        <p:nvSpPr>
+          <p:cNvPr id="14" name="Rectangle 13"/>
+          <p:cNvSpPr/>
+          <p:nvPr/>
+        </p:nvSpPr>
+        <p:spPr>
+          <a:xfrm>
+            <a:off x="1370330" y="5992593"/>
+            <a:ext cx="2232919" cy="369332"/>
+          </a:xfrm>
+          <a:prstGeom prst="rect">
+            <a:avLst/>
+          </a:prstGeom>
+        </p:spPr>
+        <p:txBody>
+          <a:bodyPr wrap="none">
+            <a:spAutoFit/>
+          </a:bodyPr>
+          <a:lstStyle/>
+          <a:p>
+            <a:r>
+              <a:rPr lang="en-US" dirty="0"/>
+              <a:t>Encapsulation Pattern</a:t>
+            </a:r>
+          </a:p>
+        </p:txBody>
+      </p:sp>
+    </p:spTree>
+  </p:cSld>
+  <p:clrMapOvr>
+    <a:masterClrMapping/>
+  </p:clrMapOvr>
+  <p:timing>
+    <p:tnLst>
+      <p:par>
+        <p:cTn id="1" dur="indefinite" restart="never" nodeType="tmRoot">
+          <p:childTnLst>
+            <p:seq concurrent="1" nextAc="seek">
+              <p:cTn id="2" dur="indefinite" nodeType="mainSeq">
+                <p:childTnLst>
+                  <p:par>
+                    <p:cTn id="3" fill="hold">
+                      <p:stCondLst>
+                        <p:cond delay="indefinite"/>
+                      </p:stCondLst>
+                      <p:childTnLst>
+                        <p:par>
+                          <p:cTn id="4" fill="hold">
+                            <p:stCondLst>
+                              <p:cond delay="0"/>
+                            </p:stCondLst>
+                            <p:childTnLst>
+                              <p:par>
+                                <p:cTn id="5" presetID="2" presetClass="entr" presetSubtype="4" fill="hold" grpId="0" nodeType="clickEffect">
+                                  <p:stCondLst>
+                                    <p:cond delay="0"/>
+                                  </p:stCondLst>
+                                  <p:childTnLst>
+                                    <p:set>
+                                      <p:cBhvr>
+                                        <p:cTn id="6" dur="1" fill="hold">
+                                          <p:stCondLst>
+                                            <p:cond delay="0"/>
+                                          </p:stCondLst>
+                                        </p:cTn>
+                                        <p:tgtEl>
+                                          <p:spTgt spid="7"/>
+                                        </p:tgtEl>
+                                        <p:attrNameLst>
+                                          <p:attrName>style.visibility</p:attrName>
+                                        </p:attrNameLst>
+                                      </p:cBhvr>
+                                      <p:to>
+                                        <p:strVal val="visible"/>
+                                      </p:to>
+                                    </p:set>
+                                    <p:anim calcmode="lin" valueType="num">
+                                      <p:cBhvr additive="base">
+                                        <p:cTn id="7" dur="500" fill="hold"/>
+                                        <p:tgtEl>
+                                          <p:spTgt spid="7"/>
+                                        </p:tgtEl>
+                                        <p:attrNameLst>
+                                          <p:attrName>ppt_x</p:attrName>
+                                        </p:attrNameLst>
+                                      </p:cBhvr>
+                                      <p:tavLst>
+                                        <p:tav tm="0">
+                                          <p:val>
+                                            <p:strVal val="#ppt_x"/>
+                                          </p:val>
+                                        </p:tav>
+                                        <p:tav tm="100000">
+                                          <p:val>
+                                            <p:strVal val="#ppt_x"/>
+                                          </p:val>
+                                        </p:tav>
+                                      </p:tavLst>
+                                    </p:anim>
+                                    <p:anim calcmode="lin" valueType="num">
+                                      <p:cBhvr additive="base">
+                                        <p:cTn id="8" dur="500" fill="hold"/>
+                                        <p:tgtEl>
+                                          <p:spTgt spid="7"/>
+                                        </p:tgtEl>
+                                        <p:attrNameLst>
+                                          <p:attrName>ppt_y</p:attrName>
+                                        </p:attrNameLst>
+                                      </p:cBhvr>
+                                      <p:tavLst>
+                                        <p:tav tm="0">
+                                          <p:val>
+                                            <p:strVal val="1+#ppt_h/2"/>
+                                          </p:val>
+                                        </p:tav>
+                                        <p:tav tm="100000">
+                                          <p:val>
+                                            <p:strVal val="#ppt_y"/>
+                                          </p:val>
+                                        </p:tav>
+                                      </p:tavLst>
+                                    </p:anim>
+                                  </p:childTnLst>
+                                </p:cTn>
+                              </p:par>
+                            </p:childTnLst>
+                          </p:cTn>
+                        </p:par>
+                      </p:childTnLst>
+                    </p:cTn>
+                  </p:par>
+                  <p:par>
+                    <p:cTn id="9" fill="hold">
+                      <p:stCondLst>
+                        <p:cond delay="indefinite"/>
+                      </p:stCondLst>
+                      <p:childTnLst>
+                        <p:par>
+                          <p:cTn id="10" fill="hold">
+                            <p:stCondLst>
+                              <p:cond delay="0"/>
+                            </p:stCondLst>
+                            <p:childTnLst>
+                              <p:par>
+                                <p:cTn id="11" presetID="2" presetClass="entr" presetSubtype="4" fill="hold" grpId="0" nodeType="clickEffect">
+                                  <p:stCondLst>
+                                    <p:cond delay="0"/>
+                                  </p:stCondLst>
+                                  <p:childTnLst>
+                                    <p:set>
+                                      <p:cBhvr>
+                                        <p:cTn id="12" dur="1" fill="hold">
+                                          <p:stCondLst>
+                                            <p:cond delay="0"/>
+                                          </p:stCondLst>
+                                        </p:cTn>
+                                        <p:tgtEl>
+                                          <p:spTgt spid="16"/>
+                                        </p:tgtEl>
+                                        <p:attrNameLst>
+                                          <p:attrName>style.visibility</p:attrName>
+                                        </p:attrNameLst>
+                                      </p:cBhvr>
+                                      <p:to>
+                                        <p:strVal val="visible"/>
+                                      </p:to>
+                                    </p:set>
+                                    <p:anim calcmode="lin" valueType="num">
+                                      <p:cBhvr additive="base">
+                                        <p:cTn id="13" dur="500" fill="hold"/>
+                                        <p:tgtEl>
+                                          <p:spTgt spid="16"/>
+                                        </p:tgtEl>
+                                        <p:attrNameLst>
+                                          <p:attrName>ppt_x</p:attrName>
+                                        </p:attrNameLst>
+                                      </p:cBhvr>
+                                      <p:tavLst>
+                                        <p:tav tm="0">
+                                          <p:val>
+                                            <p:strVal val="#ppt_x"/>
+                                          </p:val>
+                                        </p:tav>
+                                        <p:tav tm="100000">
+                                          <p:val>
+                                            <p:strVal val="#ppt_x"/>
+                                          </p:val>
+                                        </p:tav>
+                                      </p:tavLst>
+                                    </p:anim>
+                                    <p:anim calcmode="lin" valueType="num">
+                                      <p:cBhvr additive="base">
+                                        <p:cTn id="14" dur="500" fill="hold"/>
+                                        <p:tgtEl>
+                                          <p:spTgt spid="16"/>
+                                        </p:tgtEl>
+                                        <p:attrNameLst>
+                                          <p:attrName>ppt_y</p:attrName>
+                                        </p:attrNameLst>
+                                      </p:cBhvr>
+                                      <p:tavLst>
+                                        <p:tav tm="0">
+                                          <p:val>
+                                            <p:strVal val="1+#ppt_h/2"/>
+                                          </p:val>
+                                        </p:tav>
+                                        <p:tav tm="100000">
+                                          <p:val>
+                                            <p:strVal val="#ppt_y"/>
+                                          </p:val>
+                                        </p:tav>
+                                      </p:tavLst>
+                                    </p:anim>
+                                  </p:childTnLst>
+                                </p:cTn>
+                              </p:par>
+                            </p:childTnLst>
+                          </p:cTn>
+                        </p:par>
+                      </p:childTnLst>
+                    </p:cTn>
+                  </p:par>
+                  <p:par>
+                    <p:cTn id="15" fill="hold">
+                      <p:stCondLst>
+                        <p:cond delay="indefinite"/>
+                      </p:stCondLst>
+                      <p:childTnLst>
+                        <p:par>
+                          <p:cTn id="16" fill="hold">
+                            <p:stCondLst>
+                              <p:cond delay="0"/>
+                            </p:stCondLst>
+                            <p:childTnLst>
+                              <p:par>
+                                <p:cTn id="17" presetID="2" presetClass="entr" presetSubtype="4" fill="hold" grpId="0" nodeType="clickEffect">
+                                  <p:stCondLst>
+                                    <p:cond delay="0"/>
+                                  </p:stCondLst>
+                                  <p:childTnLst>
+                                    <p:set>
+                                      <p:cBhvr>
+                                        <p:cTn id="18" dur="1" fill="hold">
+                                          <p:stCondLst>
+                                            <p:cond delay="0"/>
+                                          </p:stCondLst>
+                                        </p:cTn>
+                                        <p:tgtEl>
+                                          <p:spTgt spid="9"/>
+                                        </p:tgtEl>
+                                        <p:attrNameLst>
+                                          <p:attrName>style.visibility</p:attrName>
+                                        </p:attrNameLst>
+                                      </p:cBhvr>
+                                      <p:to>
+                                        <p:strVal val="visible"/>
+                                      </p:to>
+                                    </p:set>
+                                    <p:anim calcmode="lin" valueType="num">
+                                      <p:cBhvr additive="base">
+                                        <p:cTn id="19" dur="500" fill="hold"/>
+                                        <p:tgtEl>
+                                          <p:spTgt spid="9"/>
+                                        </p:tgtEl>
+                                        <p:attrNameLst>
+                                          <p:attrName>ppt_x</p:attrName>
+                                        </p:attrNameLst>
+                                      </p:cBhvr>
+                                      <p:tavLst>
+                                        <p:tav tm="0">
+                                          <p:val>
+                                            <p:strVal val="#ppt_x"/>
+                                          </p:val>
+                                        </p:tav>
+                                        <p:tav tm="100000">
+                                          <p:val>
+                                            <p:strVal val="#ppt_x"/>
+                                          </p:val>
+                                        </p:tav>
+                                      </p:tavLst>
+                                    </p:anim>
+                                    <p:anim calcmode="lin" valueType="num">
+                                      <p:cBhvr additive="base">
+                                        <p:cTn id="20" dur="500" fill="hold"/>
+                                        <p:tgtEl>
+                                          <p:spTgt spid="9"/>
+                                        </p:tgtEl>
+                                        <p:attrNameLst>
+                                          <p:attrName>ppt_y</p:attrName>
+                                        </p:attrNameLst>
+                                      </p:cBhvr>
+                                      <p:tavLst>
+                                        <p:tav tm="0">
+                                          <p:val>
+                                            <p:strVal val="1+#ppt_h/2"/>
+                                          </p:val>
+                                        </p:tav>
+                                        <p:tav tm="100000">
+                                          <p:val>
+                                            <p:strVal val="#ppt_y"/>
+                                          </p:val>
+                                        </p:tav>
+                                      </p:tavLst>
+                                    </p:anim>
+                                  </p:childTnLst>
+                                </p:cTn>
+                              </p:par>
+                            </p:childTnLst>
+                          </p:cTn>
+                        </p:par>
+                      </p:childTnLst>
+                    </p:cTn>
+                  </p:par>
+                  <p:par>
+                    <p:cTn id="21" fill="hold">
+                      <p:stCondLst>
+                        <p:cond delay="indefinite"/>
+                      </p:stCondLst>
+                      <p:childTnLst>
+                        <p:par>
+                          <p:cTn id="22" fill="hold">
+                            <p:stCondLst>
+                              <p:cond delay="0"/>
+                            </p:stCondLst>
+                            <p:childTnLst>
+                              <p:par>
+                                <p:cTn id="23" presetID="2" presetClass="entr" presetSubtype="4" fill="hold" grpId="0" nodeType="clickEffect">
+                                  <p:stCondLst>
+                                    <p:cond delay="0"/>
+                                  </p:stCondLst>
+                                  <p:childTnLst>
+                                    <p:set>
+                                      <p:cBhvr>
+                                        <p:cTn id="24" dur="1" fill="hold">
+                                          <p:stCondLst>
+                                            <p:cond delay="0"/>
+                                          </p:stCondLst>
+                                        </p:cTn>
+                                        <p:tgtEl>
+                                          <p:spTgt spid="11"/>
+                                        </p:tgtEl>
+                                        <p:attrNameLst>
+                                          <p:attrName>style.visibility</p:attrName>
+                                        </p:attrNameLst>
+                                      </p:cBhvr>
+                                      <p:to>
+                                        <p:strVal val="visible"/>
+                                      </p:to>
+                                    </p:set>
+                                    <p:anim calcmode="lin" valueType="num">
+                                      <p:cBhvr additive="base">
+                                        <p:cTn id="25" dur="500" fill="hold"/>
+                                        <p:tgtEl>
+                                          <p:spTgt spid="11"/>
+                                        </p:tgtEl>
+                                        <p:attrNameLst>
+                                          <p:attrName>ppt_x</p:attrName>
+                                        </p:attrNameLst>
+                                      </p:cBhvr>
+                                      <p:tavLst>
+                                        <p:tav tm="0">
+                                          <p:val>
+                                            <p:strVal val="#ppt_x"/>
+                                          </p:val>
+                                        </p:tav>
+                                        <p:tav tm="100000">
+                                          <p:val>
+                                            <p:strVal val="#ppt_x"/>
+                                          </p:val>
+                                        </p:tav>
+                                      </p:tavLst>
+                                    </p:anim>
+                                    <p:anim calcmode="lin" valueType="num">
+                                      <p:cBhvr additive="base">
+                                        <p:cTn id="26" dur="500" fill="hold"/>
+                                        <p:tgtEl>
+                                          <p:spTgt spid="11"/>
+                                        </p:tgtEl>
+                                        <p:attrNameLst>
+                                          <p:attrName>ppt_y</p:attrName>
+                                        </p:attrNameLst>
+                                      </p:cBhvr>
+                                      <p:tavLst>
+                                        <p:tav tm="0">
+                                          <p:val>
+                                            <p:strVal val="1+#ppt_h/2"/>
+                                          </p:val>
+                                        </p:tav>
+                                        <p:tav tm="100000">
+                                          <p:val>
+                                            <p:strVal val="#ppt_y"/>
+                                          </p:val>
+                                        </p:tav>
+                                      </p:tavLst>
+                                    </p:anim>
+                                  </p:childTnLst>
+                                </p:cTn>
+                              </p:par>
+                            </p:childTnLst>
+                          </p:cTn>
+                        </p:par>
+                      </p:childTnLst>
+                    </p:cTn>
+                  </p:par>
+                  <p:par>
+                    <p:cTn id="27" fill="hold">
+                      <p:stCondLst>
+                        <p:cond delay="indefinite"/>
+                      </p:stCondLst>
+                      <p:childTnLst>
+                        <p:par>
+                          <p:cTn id="28" fill="hold">
+                            <p:stCondLst>
+                              <p:cond delay="0"/>
+                            </p:stCondLst>
+                            <p:childTnLst>
+                              <p:par>
+                                <p:cTn id="29" presetID="2" presetClass="entr" presetSubtype="4" fill="hold" grpId="0" nodeType="clickEffect">
+                                  <p:stCondLst>
+                                    <p:cond delay="0"/>
+                                  </p:stCondLst>
+                                  <p:childTnLst>
+                                    <p:set>
+                                      <p:cBhvr>
+                                        <p:cTn id="30" dur="1" fill="hold">
+                                          <p:stCondLst>
+                                            <p:cond delay="0"/>
+                                          </p:stCondLst>
+                                        </p:cTn>
+                                        <p:tgtEl>
+                                          <p:spTgt spid="13"/>
+                                        </p:tgtEl>
+                                        <p:attrNameLst>
+                                          <p:attrName>style.visibility</p:attrName>
+                                        </p:attrNameLst>
+                                      </p:cBhvr>
+                                      <p:to>
+                                        <p:strVal val="visible"/>
+                                      </p:to>
+                                    </p:set>
+                                    <p:anim calcmode="lin" valueType="num">
+                                      <p:cBhvr additive="base">
+                                        <p:cTn id="31" dur="500" fill="hold"/>
+                                        <p:tgtEl>
+                                          <p:spTgt spid="13"/>
+                                        </p:tgtEl>
+                                        <p:attrNameLst>
+                                          <p:attrName>ppt_x</p:attrName>
+                                        </p:attrNameLst>
+                                      </p:cBhvr>
+                                      <p:tavLst>
+                                        <p:tav tm="0">
+                                          <p:val>
+                                            <p:strVal val="#ppt_x"/>
+                                          </p:val>
+                                        </p:tav>
+                                        <p:tav tm="100000">
+                                          <p:val>
+                                            <p:strVal val="#ppt_x"/>
+                                          </p:val>
+                                        </p:tav>
+                                      </p:tavLst>
+                                    </p:anim>
+                                    <p:anim calcmode="lin" valueType="num">
+                                      <p:cBhvr additive="base">
+                                        <p:cTn id="32" dur="500" fill="hold"/>
+                                        <p:tgtEl>
+                                          <p:spTgt spid="13"/>
+                                        </p:tgtEl>
+                                        <p:attrNameLst>
+                                          <p:attrName>ppt_y</p:attrName>
+                                        </p:attrNameLst>
+                                      </p:cBhvr>
+                                      <p:tavLst>
+                                        <p:tav tm="0">
+                                          <p:val>
+                                            <p:strVal val="1+#ppt_h/2"/>
+                                          </p:val>
+                                        </p:tav>
+                                        <p:tav tm="100000">
+                                          <p:val>
+                                            <p:strVal val="#ppt_y"/>
+                                          </p:val>
+                                        </p:tav>
+                                      </p:tavLst>
+                                    </p:anim>
+                                  </p:childTnLst>
+                                </p:cTn>
+                              </p:par>
+                            </p:childTnLst>
+                          </p:cTn>
+                        </p:par>
+                      </p:childTnLst>
+                    </p:cTn>
+                  </p:par>
+                  <p:par>
+                    <p:cTn id="33" fill="hold">
+                      <p:stCondLst>
+                        <p:cond delay="indefinite"/>
+                      </p:stCondLst>
+                      <p:childTnLst>
+                        <p:par>
+                          <p:cTn id="34" fill="hold">
+                            <p:stCondLst>
+                              <p:cond delay="0"/>
+                            </p:stCondLst>
+                            <p:childTnLst>
+                              <p:par>
+                                <p:cTn id="35" presetID="2" presetClass="entr" presetSubtype="4" fill="hold" grpId="0" nodeType="clickEffect">
+                                  <p:stCondLst>
+                                    <p:cond delay="0"/>
+                                  </p:stCondLst>
+                                  <p:childTnLst>
+                                    <p:set>
+                                      <p:cBhvr>
+                                        <p:cTn id="36" dur="1" fill="hold">
+                                          <p:stCondLst>
+                                            <p:cond delay="0"/>
+                                          </p:stCondLst>
+                                        </p:cTn>
+                                        <p:tgtEl>
+                                          <p:spTgt spid="12"/>
+                                        </p:tgtEl>
+                                        <p:attrNameLst>
+                                          <p:attrName>style.visibility</p:attrName>
+                                        </p:attrNameLst>
+                                      </p:cBhvr>
+                                      <p:to>
+                                        <p:strVal val="visible"/>
+                                      </p:to>
+                                    </p:set>
+                                    <p:anim calcmode="lin" valueType="num">
+                                      <p:cBhvr additive="base">
+                                        <p:cTn id="37" dur="500" fill="hold"/>
+                                        <p:tgtEl>
+                                          <p:spTgt spid="12"/>
+                                        </p:tgtEl>
+                                        <p:attrNameLst>
+                                          <p:attrName>ppt_x</p:attrName>
+                                        </p:attrNameLst>
+                                      </p:cBhvr>
+                                      <p:tavLst>
+                                        <p:tav tm="0">
+                                          <p:val>
+                                            <p:strVal val="#ppt_x"/>
+                                          </p:val>
+                                        </p:tav>
+                                        <p:tav tm="100000">
+                                          <p:val>
+                                            <p:strVal val="#ppt_x"/>
+                                          </p:val>
+                                        </p:tav>
+                                      </p:tavLst>
+                                    </p:anim>
+                                    <p:anim calcmode="lin" valueType="num">
+                                      <p:cBhvr additive="base">
+                                        <p:cTn id="38" dur="500" fill="hold"/>
+                                        <p:tgtEl>
+                                          <p:spTgt spid="12"/>
+                                        </p:tgtEl>
+                                        <p:attrNameLst>
+                                          <p:attrName>ppt_y</p:attrName>
+                                        </p:attrNameLst>
+                                      </p:cBhvr>
+                                      <p:tavLst>
+                                        <p:tav tm="0">
+                                          <p:val>
+                                            <p:strVal val="1+#ppt_h/2"/>
+                                          </p:val>
+                                        </p:tav>
+                                        <p:tav tm="100000">
+                                          <p:val>
+                                            <p:strVal val="#ppt_y"/>
+                                          </p:val>
+                                        </p:tav>
+                                      </p:tavLst>
+                                    </p:anim>
+                                  </p:childTnLst>
+                                </p:cTn>
+                              </p:par>
+                            </p:childTnLst>
+                          </p:cTn>
+                        </p:par>
+                      </p:childTnLst>
+                    </p:cTn>
+                  </p:par>
+                </p:childTnLst>
+              </p:cTn>
+              <p:prevCondLst>
+                <p:cond evt="onPrev" delay="0">
+                  <p:tgtEl>
+                    <p:sldTgt/>
+                  </p:tgtEl>
+                </p:cond>
+              </p:prevCondLst>
+              <p:nextCondLst>
+                <p:cond evt="onNext" delay="0">
+                  <p:tgtEl>
+                    <p:sldTgt/>
+                  </p:tgtEl>
+                </p:cond>
+              </p:nextCondLst>
+            </p:seq>
+          </p:childTnLst>
+        </p:cTn>
+      </p:par>
+    </p:tnLst>
+    <p:bldLst>
+      <p:bldP spid="7" grpId="0" animBg="1"/>
+      <p:bldP spid="9" grpId="0" animBg="1"/>
+      <p:bldP spid="11" grpId="0" animBg="1"/>
+      <p:bldP spid="13" grpId="0" animBg="1"/>
+      <p:bldP spid="12" grpId="0" animBg="1"/>
+      <p:bldP spid="16" grpId="0" animBg="1"/>
+    </p:bldLst>
+  </p:timing>
+</p:sld>
+</file>
+
+<file path=ppt/slides/slide11.xml><?xml version="1.0" encoding="utf-8"?>
+<p:sld xmlns:a="http://schemas.openxmlformats.org/drawingml/2006/main" xmlns:r="http://schemas.openxmlformats.org/officeDocument/2006/relationships" xmlns:p="http://schemas.openxmlformats.org/presentationml/2006/main">
+  <p:cSld>
+    <p:spTree>
+      <p:nvGrpSpPr>
+        <p:cNvPr id="1" name=""/>
+        <p:cNvGrpSpPr/>
+        <p:nvPr/>
+      </p:nvGrpSpPr>
+      <p:grpSpPr>
+        <a:xfrm>
+          <a:off x="0" y="0"/>
+          <a:ext cx="0" cy="0"/>
+          <a:chOff x="0" y="0"/>
+          <a:chExt cx="0" cy="0"/>
+        </a:xfrm>
+      </p:grpSpPr>
+      <p:pic>
+        <p:nvPicPr>
+          <p:cNvPr id="4" name="Picture 3">
+            <a:extLst>
+              <a:ext uri="{FF2B5EF4-FFF2-40B4-BE49-F238E27FC236}">
+                <a16:creationId xmlns:a16="http://schemas.microsoft.com/office/drawing/2014/main" id="{0B44C10D-D730-4A29-8B49-890F150DCF1D}"/>
+              </a:ext>
+            </a:extLst>
+          </p:cNvPr>
+          <p:cNvPicPr>
+            <a:picLocks noChangeAspect="1"/>
+          </p:cNvPicPr>
+          <p:nvPr/>
+        </p:nvPicPr>
+        <p:blipFill>
+          <a:blip r:embed="rId2"/>
+          <a:stretch>
+            <a:fillRect/>
+          </a:stretch>
+        </p:blipFill>
+        <p:spPr>
+          <a:xfrm>
+            <a:off x="1568963" y="1214437"/>
+            <a:ext cx="5648325" cy="4124325"/>
+          </a:xfrm>
+          <a:prstGeom prst="rect">
+            <a:avLst/>
+          </a:prstGeom>
+        </p:spPr>
+      </p:pic>
+      <p:sp>
+        <p:nvSpPr>
+          <p:cNvPr id="7" name="Rectangle 6"/>
+          <p:cNvSpPr/>
+          <p:nvPr/>
+        </p:nvSpPr>
+        <p:spPr>
+          <a:xfrm>
+            <a:off x="1359817" y="6003104"/>
+            <a:ext cx="1915909" cy="369332"/>
+          </a:xfrm>
+          <a:prstGeom prst="rect">
+            <a:avLst/>
+          </a:prstGeom>
+        </p:spPr>
+        <p:txBody>
+          <a:bodyPr wrap="none">
+            <a:spAutoFit/>
+          </a:bodyPr>
+          <a:lstStyle/>
+          <a:p>
+            <a:r>
+              <a:rPr lang="en-US" dirty="0"/>
+              <a:t>Bus/Utility Pattern</a:t>
+            </a:r>
+          </a:p>
+        </p:txBody>
+      </p:sp>
+      <p:sp>
+        <p:nvSpPr>
+          <p:cNvPr id="9" name="Rectangle 8">
+            <a:extLst>
+              <a:ext uri="{FF2B5EF4-FFF2-40B4-BE49-F238E27FC236}">
+                <a16:creationId xmlns:a16="http://schemas.microsoft.com/office/drawing/2014/main" id="{1C6ABFB2-1E65-45D9-BC49-AEBD18C1993F}"/>
+              </a:ext>
+            </a:extLst>
+          </p:cNvPr>
+          <p:cNvSpPr/>
+          <p:nvPr/>
+        </p:nvSpPr>
+        <p:spPr>
+          <a:xfrm>
+            <a:off x="3845722" y="4410075"/>
+            <a:ext cx="2135978" cy="928687"/>
+          </a:xfrm>
+          <a:prstGeom prst="rect">
+            <a:avLst/>
+          </a:prstGeom>
+          <a:noFill/>
+          <a:ln w="19050">
+            <a:solidFill>
+              <a:srgbClr val="FF0000"/>
+            </a:solidFill>
+          </a:ln>
+        </p:spPr>
+        <p:style>
+          <a:lnRef idx="1">
+            <a:schemeClr val="accent1"/>
+          </a:lnRef>
+          <a:fillRef idx="3">
+            <a:schemeClr val="accent1"/>
+          </a:fillRef>
+          <a:effectRef idx="2">
+            <a:schemeClr val="accent1"/>
+          </a:effectRef>
+          <a:fontRef idx="minor">
+            <a:schemeClr val="lt1"/>
+          </a:fontRef>
+        </p:style>
+        <p:txBody>
+          <a:bodyPr rtlCol="0" anchor="ctr"/>
+          <a:lstStyle/>
+          <a:p>
+            <a:pPr algn="ctr"/>
+            <a:endParaRPr lang="en-US"/>
+          </a:p>
+        </p:txBody>
+      </p:sp>
+      <p:sp>
+        <p:nvSpPr>
+          <p:cNvPr id="5" name="Rounded Rectangular Callout 4"/>
+          <p:cNvSpPr/>
+          <p:nvPr/>
+        </p:nvSpPr>
+        <p:spPr>
+          <a:xfrm>
+            <a:off x="7312538" y="3429000"/>
+            <a:ext cx="1608945" cy="1473686"/>
+          </a:xfrm>
+          <a:prstGeom prst="wedgeRoundRectCallout">
+            <a:avLst>
+              <a:gd name="adj1" fmla="val -140898"/>
+              <a:gd name="adj2" fmla="val 52877"/>
               <a:gd name="adj3" fmla="val 16667"/>
             </a:avLst>
           </a:prstGeom>
@@ -4604,386 +5517,17 @@
                   <a:schemeClr val="bg1"/>
                 </a:solidFill>
               </a:rPr>
-              <a:t>Providers to bottom</a:t>
+              <a:t>Elements used in entire software</a:t>
             </a:r>
-          </a:p>
-        </p:txBody>
-      </p:sp>
-      <p:sp>
-        <p:nvSpPr>
-          <p:cNvPr id="11" name="Rectangle 10"/>
-          <p:cNvSpPr/>
-          <p:nvPr/>
-        </p:nvSpPr>
-        <p:spPr>
-          <a:xfrm>
-            <a:off x="2463403" y="5067683"/>
-            <a:ext cx="2285562" cy="369332"/>
-          </a:xfrm>
-          <a:prstGeom prst="rect">
-            <a:avLst/>
-          </a:prstGeom>
-        </p:spPr>
-        <p:txBody>
-          <a:bodyPr wrap="none">
-            <a:spAutoFit/>
-          </a:bodyPr>
-          <a:lstStyle/>
-          <a:p>
             <a:r>
-              <a:rPr lang="en-US" dirty="0"/>
-              <a:t>DSM after partitioning</a:t>
+              <a:rPr lang="en-US" sz="1400" dirty="0"/>
+              <a:t> like utilities and data access objects</a:t>
             </a:r>
-          </a:p>
-        </p:txBody>
-      </p:sp>
-      <p:grpSp>
-        <p:nvGrpSpPr>
-          <p:cNvPr id="39" name="Group 38"/>
-          <p:cNvGrpSpPr/>
-          <p:nvPr/>
-        </p:nvGrpSpPr>
-        <p:grpSpPr>
-          <a:xfrm>
-            <a:off x="5305426" y="3557590"/>
-            <a:ext cx="1121569" cy="1114425"/>
-            <a:chOff x="5305425" y="3559969"/>
-            <a:chExt cx="1121569" cy="1114425"/>
-          </a:xfrm>
-        </p:grpSpPr>
-        <p:cxnSp>
-          <p:nvCxnSpPr>
-            <p:cNvPr id="5" name="Straight Connector 4"/>
-            <p:cNvCxnSpPr/>
-            <p:nvPr/>
-          </p:nvCxnSpPr>
-          <p:spPr>
-            <a:xfrm flipV="1">
-              <a:off x="5307806" y="3569496"/>
-              <a:ext cx="1109663" cy="7142"/>
-            </a:xfrm>
-            <a:prstGeom prst="line">
-              <a:avLst/>
-            </a:prstGeom>
-            <a:ln w="19050">
+            <a:endParaRPr lang="en-US" sz="1400" dirty="0">
               <a:solidFill>
-                <a:srgbClr val="FF0000"/>
+                <a:schemeClr val="bg1"/>
               </a:solidFill>
-            </a:ln>
-          </p:spPr>
-          <p:style>
-            <a:lnRef idx="1">
-              <a:schemeClr val="accent1"/>
-            </a:lnRef>
-            <a:fillRef idx="0">
-              <a:schemeClr val="accent1"/>
-            </a:fillRef>
-            <a:effectRef idx="0">
-              <a:schemeClr val="accent1"/>
-            </a:effectRef>
-            <a:fontRef idx="minor">
-              <a:schemeClr val="tx1"/>
-            </a:fontRef>
-          </p:style>
-        </p:cxnSp>
-        <p:cxnSp>
-          <p:nvCxnSpPr>
-            <p:cNvPr id="18" name="Straight Connector 17"/>
-            <p:cNvCxnSpPr/>
-            <p:nvPr/>
-          </p:nvCxnSpPr>
-          <p:spPr>
-            <a:xfrm>
-              <a:off x="5314950" y="3581400"/>
-              <a:ext cx="0" cy="354806"/>
-            </a:xfrm>
-            <a:prstGeom prst="line">
-              <a:avLst/>
-            </a:prstGeom>
-            <a:ln w="19050">
-              <a:solidFill>
-                <a:srgbClr val="FF0000"/>
-              </a:solidFill>
-            </a:ln>
-          </p:spPr>
-          <p:style>
-            <a:lnRef idx="1">
-              <a:schemeClr val="accent1"/>
-            </a:lnRef>
-            <a:fillRef idx="0">
-              <a:schemeClr val="accent1"/>
-            </a:fillRef>
-            <a:effectRef idx="0">
-              <a:schemeClr val="accent1"/>
-            </a:effectRef>
-            <a:fontRef idx="minor">
-              <a:schemeClr val="tx1"/>
-            </a:fontRef>
-          </p:style>
-        </p:cxnSp>
-        <p:cxnSp>
-          <p:nvCxnSpPr>
-            <p:cNvPr id="20" name="Straight Connector 19"/>
-            <p:cNvCxnSpPr/>
-            <p:nvPr/>
-          </p:nvCxnSpPr>
-          <p:spPr>
-            <a:xfrm>
-              <a:off x="5305425" y="3929063"/>
-              <a:ext cx="378619" cy="2381"/>
-            </a:xfrm>
-            <a:prstGeom prst="line">
-              <a:avLst/>
-            </a:prstGeom>
-            <a:ln w="19050">
-              <a:solidFill>
-                <a:srgbClr val="FF0000"/>
-              </a:solidFill>
-            </a:ln>
-          </p:spPr>
-          <p:style>
-            <a:lnRef idx="1">
-              <a:schemeClr val="accent1"/>
-            </a:lnRef>
-            <a:fillRef idx="0">
-              <a:schemeClr val="accent1"/>
-            </a:fillRef>
-            <a:effectRef idx="0">
-              <a:schemeClr val="accent1"/>
-            </a:effectRef>
-            <a:fontRef idx="minor">
-              <a:schemeClr val="tx1"/>
-            </a:fontRef>
-          </p:style>
-        </p:cxnSp>
-        <p:cxnSp>
-          <p:nvCxnSpPr>
-            <p:cNvPr id="23" name="Straight Connector 22"/>
-            <p:cNvCxnSpPr/>
-            <p:nvPr/>
-          </p:nvCxnSpPr>
-          <p:spPr>
-            <a:xfrm flipH="1">
-              <a:off x="6417469" y="3559969"/>
-              <a:ext cx="2381" cy="1114425"/>
-            </a:xfrm>
-            <a:prstGeom prst="line">
-              <a:avLst/>
-            </a:prstGeom>
-            <a:ln w="19050">
-              <a:solidFill>
-                <a:srgbClr val="FF0000"/>
-              </a:solidFill>
-            </a:ln>
-          </p:spPr>
-          <p:style>
-            <a:lnRef idx="1">
-              <a:schemeClr val="accent1"/>
-            </a:lnRef>
-            <a:fillRef idx="0">
-              <a:schemeClr val="accent1"/>
-            </a:fillRef>
-            <a:effectRef idx="0">
-              <a:schemeClr val="accent1"/>
-            </a:effectRef>
-            <a:fontRef idx="minor">
-              <a:schemeClr val="tx1"/>
-            </a:fontRef>
-          </p:style>
-        </p:cxnSp>
-        <p:cxnSp>
-          <p:nvCxnSpPr>
-            <p:cNvPr id="29" name="Straight Connector 28"/>
-            <p:cNvCxnSpPr/>
-            <p:nvPr/>
-          </p:nvCxnSpPr>
-          <p:spPr>
-            <a:xfrm flipH="1">
-              <a:off x="5679281" y="3926681"/>
-              <a:ext cx="2381" cy="381000"/>
-            </a:xfrm>
-            <a:prstGeom prst="line">
-              <a:avLst/>
-            </a:prstGeom>
-            <a:ln w="19050">
-              <a:solidFill>
-                <a:srgbClr val="FF0000"/>
-              </a:solidFill>
-            </a:ln>
-          </p:spPr>
-          <p:style>
-            <a:lnRef idx="1">
-              <a:schemeClr val="accent1"/>
-            </a:lnRef>
-            <a:fillRef idx="0">
-              <a:schemeClr val="accent1"/>
-            </a:fillRef>
-            <a:effectRef idx="0">
-              <a:schemeClr val="accent1"/>
-            </a:effectRef>
-            <a:fontRef idx="minor">
-              <a:schemeClr val="tx1"/>
-            </a:fontRef>
-          </p:style>
-        </p:cxnSp>
-        <p:cxnSp>
-          <p:nvCxnSpPr>
-            <p:cNvPr id="31" name="Straight Connector 30"/>
-            <p:cNvCxnSpPr/>
-            <p:nvPr/>
-          </p:nvCxnSpPr>
-          <p:spPr>
-            <a:xfrm flipV="1">
-              <a:off x="5684044" y="4300537"/>
-              <a:ext cx="378619" cy="2382"/>
-            </a:xfrm>
-            <a:prstGeom prst="line">
-              <a:avLst/>
-            </a:prstGeom>
-            <a:ln w="19050">
-              <a:solidFill>
-                <a:srgbClr val="FF0000"/>
-              </a:solidFill>
-            </a:ln>
-          </p:spPr>
-          <p:style>
-            <a:lnRef idx="1">
-              <a:schemeClr val="accent1"/>
-            </a:lnRef>
-            <a:fillRef idx="0">
-              <a:schemeClr val="accent1"/>
-            </a:fillRef>
-            <a:effectRef idx="0">
-              <a:schemeClr val="accent1"/>
-            </a:effectRef>
-            <a:fontRef idx="minor">
-              <a:schemeClr val="tx1"/>
-            </a:fontRef>
-          </p:style>
-        </p:cxnSp>
-        <p:cxnSp>
-          <p:nvCxnSpPr>
-            <p:cNvPr id="32" name="Straight Connector 31"/>
-            <p:cNvCxnSpPr/>
-            <p:nvPr/>
-          </p:nvCxnSpPr>
-          <p:spPr>
-            <a:xfrm>
-              <a:off x="6053137" y="4310063"/>
-              <a:ext cx="0" cy="354806"/>
-            </a:xfrm>
-            <a:prstGeom prst="line">
-              <a:avLst/>
-            </a:prstGeom>
-            <a:ln w="19050">
-              <a:solidFill>
-                <a:srgbClr val="FF0000"/>
-              </a:solidFill>
-            </a:ln>
-          </p:spPr>
-          <p:style>
-            <a:lnRef idx="1">
-              <a:schemeClr val="accent1"/>
-            </a:lnRef>
-            <a:fillRef idx="0">
-              <a:schemeClr val="accent1"/>
-            </a:fillRef>
-            <a:effectRef idx="0">
-              <a:schemeClr val="accent1"/>
-            </a:effectRef>
-            <a:fontRef idx="minor">
-              <a:schemeClr val="tx1"/>
-            </a:fontRef>
-          </p:style>
-        </p:cxnSp>
-        <p:cxnSp>
-          <p:nvCxnSpPr>
-            <p:cNvPr id="33" name="Straight Connector 32"/>
-            <p:cNvCxnSpPr/>
-            <p:nvPr/>
-          </p:nvCxnSpPr>
-          <p:spPr>
-            <a:xfrm flipV="1">
-              <a:off x="6048375" y="4667250"/>
-              <a:ext cx="378619" cy="2382"/>
-            </a:xfrm>
-            <a:prstGeom prst="line">
-              <a:avLst/>
-            </a:prstGeom>
-            <a:ln w="19050">
-              <a:solidFill>
-                <a:srgbClr val="FF0000"/>
-              </a:solidFill>
-            </a:ln>
-          </p:spPr>
-          <p:style>
-            <a:lnRef idx="1">
-              <a:schemeClr val="accent1"/>
-            </a:lnRef>
-            <a:fillRef idx="0">
-              <a:schemeClr val="accent1"/>
-            </a:fillRef>
-            <a:effectRef idx="0">
-              <a:schemeClr val="accent1"/>
-            </a:effectRef>
-            <a:fontRef idx="minor">
-              <a:schemeClr val="tx1"/>
-            </a:fontRef>
-          </p:style>
-        </p:cxnSp>
-      </p:grpSp>
-      <p:sp>
-        <p:nvSpPr>
-          <p:cNvPr id="16" name="Rounded Rectangular Callout 15"/>
-          <p:cNvSpPr/>
-          <p:nvPr/>
-        </p:nvSpPr>
-        <p:spPr>
-          <a:xfrm>
-            <a:off x="4663931" y="2064161"/>
-            <a:ext cx="1798820" cy="745714"/>
-          </a:xfrm>
-          <a:prstGeom prst="wedgeRoundRectCallout">
-            <a:avLst>
-              <a:gd name="adj1" fmla="val 13097"/>
-              <a:gd name="adj2" fmla="val 165589"/>
-              <a:gd name="adj3" fmla="val 16667"/>
-            </a:avLst>
-          </a:prstGeom>
-          <a:solidFill>
-            <a:schemeClr val="accent1"/>
-          </a:solidFill>
-          <a:ln>
-            <a:noFill/>
-          </a:ln>
-        </p:spPr>
-        <p:style>
-          <a:lnRef idx="1">
-            <a:schemeClr val="accent1"/>
-          </a:lnRef>
-          <a:fillRef idx="3">
-            <a:schemeClr val="accent1"/>
-          </a:fillRef>
-          <a:effectRef idx="2">
-            <a:schemeClr val="accent1"/>
-          </a:effectRef>
-          <a:fontRef idx="minor">
-            <a:schemeClr val="lt1"/>
-          </a:fontRef>
-        </p:style>
-        <p:txBody>
-          <a:bodyPr rtlCol="0" anchor="ctr"/>
-          <a:lstStyle/>
-          <a:p>
-            <a:pPr algn="ctr"/>
-            <a:r>
-              <a:rPr lang="en-US" sz="1400" dirty="0">
-                <a:solidFill>
-                  <a:schemeClr val="bg1"/>
-                </a:solidFill>
-              </a:rPr>
-              <a:t>Cycle easily visible</a:t>
-            </a:r>
+            </a:endParaRPr>
           </a:p>
         </p:txBody>
       </p:sp>
@@ -5091,188 +5635,6 @@
                       </p:childTnLst>
                     </p:cTn>
                   </p:par>
-                  <p:par>
-                    <p:cTn id="9" fill="hold">
-                      <p:stCondLst>
-                        <p:cond delay="indefinite"/>
-                      </p:stCondLst>
-                      <p:childTnLst>
-                        <p:par>
-                          <p:cTn id="10" fill="hold">
-                            <p:stCondLst>
-                              <p:cond delay="0"/>
-                            </p:stCondLst>
-                            <p:childTnLst>
-                              <p:par>
-                                <p:cTn id="11" presetID="2" presetClass="entr" presetSubtype="4" fill="hold" grpId="0" nodeType="clickEffect">
-                                  <p:stCondLst>
-                                    <p:cond delay="0"/>
-                                  </p:stCondLst>
-                                  <p:childTnLst>
-                                    <p:set>
-                                      <p:cBhvr>
-                                        <p:cTn id="12" dur="1" fill="hold">
-                                          <p:stCondLst>
-                                            <p:cond delay="0"/>
-                                          </p:stCondLst>
-                                        </p:cTn>
-                                        <p:tgtEl>
-                                          <p:spTgt spid="10"/>
-                                        </p:tgtEl>
-                                        <p:attrNameLst>
-                                          <p:attrName>style.visibility</p:attrName>
-                                        </p:attrNameLst>
-                                      </p:cBhvr>
-                                      <p:to>
-                                        <p:strVal val="visible"/>
-                                      </p:to>
-                                    </p:set>
-                                    <p:anim calcmode="lin" valueType="num">
-                                      <p:cBhvr additive="base">
-                                        <p:cTn id="13" dur="500" fill="hold"/>
-                                        <p:tgtEl>
-                                          <p:spTgt spid="10"/>
-                                        </p:tgtEl>
-                                        <p:attrNameLst>
-                                          <p:attrName>ppt_x</p:attrName>
-                                        </p:attrNameLst>
-                                      </p:cBhvr>
-                                      <p:tavLst>
-                                        <p:tav tm="0">
-                                          <p:val>
-                                            <p:strVal val="#ppt_x"/>
-                                          </p:val>
-                                        </p:tav>
-                                        <p:tav tm="100000">
-                                          <p:val>
-                                            <p:strVal val="#ppt_x"/>
-                                          </p:val>
-                                        </p:tav>
-                                      </p:tavLst>
-                                    </p:anim>
-                                    <p:anim calcmode="lin" valueType="num">
-                                      <p:cBhvr additive="base">
-                                        <p:cTn id="14" dur="500" fill="hold"/>
-                                        <p:tgtEl>
-                                          <p:spTgt spid="10"/>
-                                        </p:tgtEl>
-                                        <p:attrNameLst>
-                                          <p:attrName>ppt_y</p:attrName>
-                                        </p:attrNameLst>
-                                      </p:cBhvr>
-                                      <p:tavLst>
-                                        <p:tav tm="0">
-                                          <p:val>
-                                            <p:strVal val="1+#ppt_h/2"/>
-                                          </p:val>
-                                        </p:tav>
-                                        <p:tav tm="100000">
-                                          <p:val>
-                                            <p:strVal val="#ppt_y"/>
-                                          </p:val>
-                                        </p:tav>
-                                      </p:tavLst>
-                                    </p:anim>
-                                  </p:childTnLst>
-                                </p:cTn>
-                              </p:par>
-                            </p:childTnLst>
-                          </p:cTn>
-                        </p:par>
-                      </p:childTnLst>
-                    </p:cTn>
-                  </p:par>
-                  <p:par>
-                    <p:cTn id="15" fill="hold">
-                      <p:stCondLst>
-                        <p:cond delay="indefinite"/>
-                      </p:stCondLst>
-                      <p:childTnLst>
-                        <p:par>
-                          <p:cTn id="16" fill="hold">
-                            <p:stCondLst>
-                              <p:cond delay="0"/>
-                            </p:stCondLst>
-                            <p:childTnLst>
-                              <p:par>
-                                <p:cTn id="17" presetID="2" presetClass="entr" presetSubtype="4" fill="hold" grpId="0" nodeType="clickEffect">
-                                  <p:stCondLst>
-                                    <p:cond delay="0"/>
-                                  </p:stCondLst>
-                                  <p:childTnLst>
-                                    <p:set>
-                                      <p:cBhvr>
-                                        <p:cTn id="18" dur="1" fill="hold">
-                                          <p:stCondLst>
-                                            <p:cond delay="0"/>
-                                          </p:stCondLst>
-                                        </p:cTn>
-                                        <p:tgtEl>
-                                          <p:spTgt spid="16"/>
-                                        </p:tgtEl>
-                                        <p:attrNameLst>
-                                          <p:attrName>style.visibility</p:attrName>
-                                        </p:attrNameLst>
-                                      </p:cBhvr>
-                                      <p:to>
-                                        <p:strVal val="visible"/>
-                                      </p:to>
-                                    </p:set>
-                                    <p:anim calcmode="lin" valueType="num">
-                                      <p:cBhvr additive="base">
-                                        <p:cTn id="19" dur="500" fill="hold"/>
-                                        <p:tgtEl>
-                                          <p:spTgt spid="16"/>
-                                        </p:tgtEl>
-                                        <p:attrNameLst>
-                                          <p:attrName>ppt_x</p:attrName>
-                                        </p:attrNameLst>
-                                      </p:cBhvr>
-                                      <p:tavLst>
-                                        <p:tav tm="0">
-                                          <p:val>
-                                            <p:strVal val="#ppt_x"/>
-                                          </p:val>
-                                        </p:tav>
-                                        <p:tav tm="100000">
-                                          <p:val>
-                                            <p:strVal val="#ppt_x"/>
-                                          </p:val>
-                                        </p:tav>
-                                      </p:tavLst>
-                                    </p:anim>
-                                    <p:anim calcmode="lin" valueType="num">
-                                      <p:cBhvr additive="base">
-                                        <p:cTn id="20" dur="500" fill="hold"/>
-                                        <p:tgtEl>
-                                          <p:spTgt spid="16"/>
-                                        </p:tgtEl>
-                                        <p:attrNameLst>
-                                          <p:attrName>ppt_y</p:attrName>
-                                        </p:attrNameLst>
-                                      </p:cBhvr>
-                                      <p:tavLst>
-                                        <p:tav tm="0">
-                                          <p:val>
-                                            <p:strVal val="1+#ppt_h/2"/>
-                                          </p:val>
-                                        </p:tav>
-                                        <p:tav tm="100000">
-                                          <p:val>
-                                            <p:strVal val="#ppt_y"/>
-                                          </p:val>
-                                        </p:tav>
-                                      </p:tavLst>
-                                    </p:anim>
-                                  </p:childTnLst>
-                                </p:cTn>
-                              </p:par>
-                            </p:childTnLst>
-                          </p:cTn>
-                        </p:par>
-                      </p:childTnLst>
-                    </p:cTn>
-                  </p:par>
                 </p:childTnLst>
               </p:cTn>
               <p:prevCondLst>
@@ -5296,291 +5658,8 @@
     </p:tnLst>
     <p:bldLst>
       <p:bldP spid="9" grpId="0" animBg="1"/>
-      <p:bldP spid="10" grpId="0" animBg="1"/>
-      <p:bldP spid="16" grpId="0" animBg="1"/>
     </p:bldLst>
   </p:timing>
-</p:sld>
-</file>
-
-<file path=ppt/slides/slide11.xml><?xml version="1.0" encoding="utf-8"?>
-<p:sld xmlns:a="http://schemas.openxmlformats.org/drawingml/2006/main" xmlns:r="http://schemas.openxmlformats.org/officeDocument/2006/relationships" xmlns:p="http://schemas.openxmlformats.org/presentationml/2006/main">
-  <p:cSld>
-    <p:spTree>
-      <p:nvGrpSpPr>
-        <p:cNvPr id="1" name=""/>
-        <p:cNvGrpSpPr/>
-        <p:nvPr/>
-      </p:nvGrpSpPr>
-      <p:grpSpPr>
-        <a:xfrm>
-          <a:off x="0" y="0"/>
-          <a:ext cx="0" cy="0"/>
-          <a:chOff x="0" y="0"/>
-          <a:chExt cx="0" cy="0"/>
-        </a:xfrm>
-      </p:grpSpPr>
-      <p:grpSp>
-        <p:nvGrpSpPr>
-          <p:cNvPr id="2" name="Group 14"/>
-          <p:cNvGrpSpPr/>
-          <p:nvPr/>
-        </p:nvGrpSpPr>
-        <p:grpSpPr>
-          <a:xfrm>
-            <a:off x="2578610" y="3099818"/>
-            <a:ext cx="3838575" cy="1952625"/>
-            <a:chOff x="2578608" y="3099816"/>
-            <a:chExt cx="3838575" cy="1952625"/>
-          </a:xfrm>
-        </p:grpSpPr>
-        <p:pic>
-          <p:nvPicPr>
-            <p:cNvPr id="1027" name="Picture 3" descr="d:\Users\Johan\Desktop\DSM\06_dsm_example_strict_layering.png"/>
-            <p:cNvPicPr>
-              <a:picLocks noChangeAspect="1" noChangeArrowheads="1"/>
-            </p:cNvPicPr>
-            <p:nvPr/>
-          </p:nvPicPr>
-          <p:blipFill>
-            <a:blip r:embed="rId2" cstate="print"/>
-            <a:srcRect/>
-            <a:stretch>
-              <a:fillRect/>
-            </a:stretch>
-          </p:blipFill>
-          <p:spPr bwMode="auto">
-            <a:xfrm>
-              <a:off x="2578608" y="3099816"/>
-              <a:ext cx="3838575" cy="1952625"/>
-            </a:xfrm>
-            <a:prstGeom prst="rect">
-              <a:avLst/>
-            </a:prstGeom>
-            <a:noFill/>
-          </p:spPr>
-        </p:pic>
-        <p:sp>
-          <p:nvSpPr>
-            <p:cNvPr id="7" name="Rectangle 6"/>
-            <p:cNvSpPr/>
-            <p:nvPr/>
-          </p:nvSpPr>
-          <p:spPr>
-            <a:xfrm>
-              <a:off x="4928499" y="3932864"/>
-              <a:ext cx="362640" cy="381961"/>
-            </a:xfrm>
-            <a:prstGeom prst="rect">
-              <a:avLst/>
-            </a:prstGeom>
-            <a:noFill/>
-            <a:ln w="19050">
-              <a:solidFill>
-                <a:srgbClr val="FF0000"/>
-              </a:solidFill>
-            </a:ln>
-          </p:spPr>
-          <p:style>
-            <a:lnRef idx="1">
-              <a:schemeClr val="accent1"/>
-            </a:lnRef>
-            <a:fillRef idx="3">
-              <a:schemeClr val="accent1"/>
-            </a:fillRef>
-            <a:effectRef idx="2">
-              <a:schemeClr val="accent1"/>
-            </a:effectRef>
-            <a:fontRef idx="minor">
-              <a:schemeClr val="lt1"/>
-            </a:fontRef>
-          </p:style>
-          <p:txBody>
-            <a:bodyPr rtlCol="0" anchor="ctr"/>
-            <a:lstStyle/>
-            <a:p>
-              <a:pPr algn="ctr"/>
-              <a:endParaRPr lang="en-US" dirty="0"/>
-            </a:p>
-          </p:txBody>
-        </p:sp>
-        <p:sp>
-          <p:nvSpPr>
-            <p:cNvPr id="8" name="Rectangle 7"/>
-            <p:cNvSpPr/>
-            <p:nvPr/>
-          </p:nvSpPr>
-          <p:spPr>
-            <a:xfrm>
-              <a:off x="5297163" y="4302231"/>
-              <a:ext cx="374976" cy="379307"/>
-            </a:xfrm>
-            <a:prstGeom prst="rect">
-              <a:avLst/>
-            </a:prstGeom>
-            <a:noFill/>
-            <a:ln w="19050">
-              <a:solidFill>
-                <a:srgbClr val="FF0000"/>
-              </a:solidFill>
-            </a:ln>
-          </p:spPr>
-          <p:style>
-            <a:lnRef idx="1">
-              <a:schemeClr val="accent1"/>
-            </a:lnRef>
-            <a:fillRef idx="3">
-              <a:schemeClr val="accent1"/>
-            </a:fillRef>
-            <a:effectRef idx="2">
-              <a:schemeClr val="accent1"/>
-            </a:effectRef>
-            <a:fontRef idx="minor">
-              <a:schemeClr val="lt1"/>
-            </a:fontRef>
-          </p:style>
-          <p:txBody>
-            <a:bodyPr rtlCol="0" anchor="ctr"/>
-            <a:lstStyle/>
-            <a:p>
-              <a:pPr algn="ctr"/>
-              <a:endParaRPr lang="en-US"/>
-            </a:p>
-          </p:txBody>
-        </p:sp>
-        <p:sp>
-          <p:nvSpPr>
-            <p:cNvPr id="9" name="Rectangle 8"/>
-            <p:cNvSpPr/>
-            <p:nvPr/>
-          </p:nvSpPr>
-          <p:spPr>
-            <a:xfrm>
-              <a:off x="5678507" y="4674261"/>
-              <a:ext cx="360344" cy="369227"/>
-            </a:xfrm>
-            <a:prstGeom prst="rect">
-              <a:avLst/>
-            </a:prstGeom>
-            <a:noFill/>
-            <a:ln w="19050">
-              <a:solidFill>
-                <a:srgbClr val="FF0000"/>
-              </a:solidFill>
-            </a:ln>
-          </p:spPr>
-          <p:style>
-            <a:lnRef idx="1">
-              <a:schemeClr val="accent1"/>
-            </a:lnRef>
-            <a:fillRef idx="3">
-              <a:schemeClr val="accent1"/>
-            </a:fillRef>
-            <a:effectRef idx="2">
-              <a:schemeClr val="accent1"/>
-            </a:effectRef>
-            <a:fontRef idx="minor">
-              <a:schemeClr val="lt1"/>
-            </a:fontRef>
-          </p:style>
-          <p:txBody>
-            <a:bodyPr rtlCol="0" anchor="ctr"/>
-            <a:lstStyle/>
-            <a:p>
-              <a:pPr algn="ctr"/>
-              <a:endParaRPr lang="en-US"/>
-            </a:p>
-          </p:txBody>
-        </p:sp>
-      </p:grpSp>
-      <p:sp>
-        <p:nvSpPr>
-          <p:cNvPr id="10" name="Rectangle 9"/>
-          <p:cNvSpPr/>
-          <p:nvPr/>
-        </p:nvSpPr>
-        <p:spPr>
-          <a:xfrm>
-            <a:off x="2579019" y="5036152"/>
-            <a:ext cx="2253437" cy="369332"/>
-          </a:xfrm>
-          <a:prstGeom prst="rect">
-            <a:avLst/>
-          </a:prstGeom>
-        </p:spPr>
-        <p:txBody>
-          <a:bodyPr wrap="none">
-            <a:spAutoFit/>
-          </a:bodyPr>
-          <a:lstStyle/>
-          <a:p>
-            <a:r>
-              <a:rPr lang="en-US" dirty="0"/>
-              <a:t>Strict Layering Pattern</a:t>
-            </a:r>
-          </a:p>
-        </p:txBody>
-      </p:sp>
-      <p:sp>
-        <p:nvSpPr>
-          <p:cNvPr id="6" name="Rounded Rectangular Callout 5"/>
-          <p:cNvSpPr/>
-          <p:nvPr/>
-        </p:nvSpPr>
-        <p:spPr>
-          <a:xfrm>
-            <a:off x="6920375" y="3596004"/>
-            <a:ext cx="1608945" cy="941881"/>
-          </a:xfrm>
-          <a:prstGeom prst="wedgeRoundRectCallout">
-            <a:avLst>
-              <a:gd name="adj1" fmla="val -136407"/>
-              <a:gd name="adj2" fmla="val 49043"/>
-              <a:gd name="adj3" fmla="val 16667"/>
-            </a:avLst>
-          </a:prstGeom>
-          <a:solidFill>
-            <a:schemeClr val="accent1"/>
-          </a:solidFill>
-          <a:ln>
-            <a:noFill/>
-          </a:ln>
-        </p:spPr>
-        <p:style>
-          <a:lnRef idx="1">
-            <a:schemeClr val="accent1"/>
-          </a:lnRef>
-          <a:fillRef idx="3">
-            <a:schemeClr val="accent1"/>
-          </a:fillRef>
-          <a:effectRef idx="2">
-            <a:schemeClr val="accent1"/>
-          </a:effectRef>
-          <a:fontRef idx="minor">
-            <a:schemeClr val="lt1"/>
-          </a:fontRef>
-        </p:style>
-        <p:txBody>
-          <a:bodyPr rtlCol="0" anchor="ctr"/>
-          <a:lstStyle/>
-          <a:p>
-            <a:pPr algn="ctr"/>
-            <a:r>
-              <a:rPr lang="en-US" sz="1400" dirty="0">
-                <a:solidFill>
-                  <a:schemeClr val="bg1"/>
-                </a:solidFill>
-              </a:rPr>
-              <a:t>Only dependencies on layer below</a:t>
-            </a:r>
-          </a:p>
-        </p:txBody>
-      </p:sp>
-    </p:spTree>
-  </p:cSld>
-  <p:clrMapOvr>
-    <a:masterClrMapping/>
-  </p:clrMapOvr>
 </p:sld>
 </file>
 
@@ -5603,332 +5682,44 @@
       </p:grpSpPr>
       <p:pic>
         <p:nvPicPr>
-          <p:cNvPr id="7171" name="Picture 3" descr="d:\Users\Johan\Desktop\DSM\07_dsm_example_relaxed_layering.png"/>
+          <p:cNvPr id="4" name="Picture 3">
+            <a:extLst>
+              <a:ext uri="{FF2B5EF4-FFF2-40B4-BE49-F238E27FC236}">
+                <a16:creationId xmlns:a16="http://schemas.microsoft.com/office/drawing/2014/main" id="{41914C5B-C69A-43B9-B55A-1456254A94B0}"/>
+              </a:ext>
+            </a:extLst>
+          </p:cNvPr>
           <p:cNvPicPr>
-            <a:picLocks noChangeAspect="1" noChangeArrowheads="1"/>
+            <a:picLocks noChangeAspect="1"/>
           </p:cNvPicPr>
           <p:nvPr/>
         </p:nvPicPr>
         <p:blipFill>
-          <a:blip r:embed="rId2" cstate="print"/>
-          <a:srcRect/>
+          <a:blip r:embed="rId2"/>
           <a:stretch>
             <a:fillRect/>
           </a:stretch>
         </p:blipFill>
-        <p:spPr bwMode="auto">
+        <p:spPr>
           <a:xfrm>
-            <a:off x="2585754" y="3094692"/>
-            <a:ext cx="3838575" cy="1952625"/>
+            <a:off x="1643062" y="1223962"/>
+            <a:ext cx="5648325" cy="4124325"/>
           </a:xfrm>
           <a:prstGeom prst="rect">
             <a:avLst/>
           </a:prstGeom>
-          <a:noFill/>
         </p:spPr>
       </p:pic>
-      <p:cxnSp>
-        <p:nvCxnSpPr>
-          <p:cNvPr id="23" name="Straight Connector 22"/>
-          <p:cNvCxnSpPr>
-            <a:cxnSpLocks/>
-          </p:cNvCxnSpPr>
-          <p:nvPr/>
-        </p:nvCxnSpPr>
-        <p:spPr>
-          <a:xfrm>
-            <a:off x="4931245" y="5031666"/>
-            <a:ext cx="1114133" cy="10804"/>
-          </a:xfrm>
-          <a:prstGeom prst="line">
-            <a:avLst/>
-          </a:prstGeom>
-          <a:ln w="19050">
-            <a:solidFill>
-              <a:srgbClr val="FF0000"/>
-            </a:solidFill>
-          </a:ln>
-        </p:spPr>
-        <p:style>
-          <a:lnRef idx="2">
-            <a:schemeClr val="accent1"/>
-          </a:lnRef>
-          <a:fillRef idx="0">
-            <a:schemeClr val="accent1"/>
-          </a:fillRef>
-          <a:effectRef idx="1">
-            <a:schemeClr val="accent1"/>
-          </a:effectRef>
-          <a:fontRef idx="minor">
-            <a:schemeClr val="tx1"/>
-          </a:fontRef>
-        </p:style>
-      </p:cxnSp>
-      <p:cxnSp>
-        <p:nvCxnSpPr>
-          <p:cNvPr id="16" name="Straight Connector 15"/>
-          <p:cNvCxnSpPr/>
-          <p:nvPr/>
-        </p:nvCxnSpPr>
-        <p:spPr>
-          <a:xfrm flipH="1">
-            <a:off x="4931245" y="3926572"/>
-            <a:ext cx="2378" cy="1097735"/>
-          </a:xfrm>
-          <a:prstGeom prst="line">
-            <a:avLst/>
-          </a:prstGeom>
-          <a:ln w="19050">
-            <a:solidFill>
-              <a:srgbClr val="FF0000"/>
-            </a:solidFill>
-          </a:ln>
-        </p:spPr>
-        <p:style>
-          <a:lnRef idx="2">
-            <a:schemeClr val="accent1"/>
-          </a:lnRef>
-          <a:fillRef idx="0">
-            <a:schemeClr val="accent1"/>
-          </a:fillRef>
-          <a:effectRef idx="1">
-            <a:schemeClr val="accent1"/>
-          </a:effectRef>
-          <a:fontRef idx="minor">
-            <a:schemeClr val="tx1"/>
-          </a:fontRef>
-        </p:style>
-      </p:cxnSp>
-      <p:cxnSp>
-        <p:nvCxnSpPr>
-          <p:cNvPr id="25" name="Straight Connector 24"/>
-          <p:cNvCxnSpPr>
-            <a:cxnSpLocks/>
-          </p:cNvCxnSpPr>
-          <p:nvPr/>
-        </p:nvCxnSpPr>
-        <p:spPr>
-          <a:xfrm>
-            <a:off x="6045378" y="4674965"/>
-            <a:ext cx="0" cy="367505"/>
-          </a:xfrm>
-          <a:prstGeom prst="line">
-            <a:avLst/>
-          </a:prstGeom>
-          <a:ln w="19050">
-            <a:solidFill>
-              <a:srgbClr val="FF0000"/>
-            </a:solidFill>
-          </a:ln>
-        </p:spPr>
-        <p:style>
-          <a:lnRef idx="2">
-            <a:schemeClr val="accent1"/>
-          </a:lnRef>
-          <a:fillRef idx="0">
-            <a:schemeClr val="accent1"/>
-          </a:fillRef>
-          <a:effectRef idx="1">
-            <a:schemeClr val="accent1"/>
-          </a:effectRef>
-          <a:fontRef idx="minor">
-            <a:schemeClr val="tx1"/>
-          </a:fontRef>
-        </p:style>
-      </p:cxnSp>
-      <p:cxnSp>
-        <p:nvCxnSpPr>
-          <p:cNvPr id="26" name="Straight Connector 25"/>
-          <p:cNvCxnSpPr/>
-          <p:nvPr/>
-        </p:nvCxnSpPr>
-        <p:spPr>
-          <a:xfrm flipH="1">
-            <a:off x="5666333" y="4287369"/>
-            <a:ext cx="2462" cy="376142"/>
-          </a:xfrm>
-          <a:prstGeom prst="line">
-            <a:avLst/>
-          </a:prstGeom>
-          <a:ln w="19050">
-            <a:solidFill>
-              <a:srgbClr val="FF0000"/>
-            </a:solidFill>
-          </a:ln>
-        </p:spPr>
-        <p:style>
-          <a:lnRef idx="2">
-            <a:schemeClr val="accent1"/>
-          </a:lnRef>
-          <a:fillRef idx="0">
-            <a:schemeClr val="accent1"/>
-          </a:fillRef>
-          <a:effectRef idx="1">
-            <a:schemeClr val="accent1"/>
-          </a:effectRef>
-          <a:fontRef idx="minor">
-            <a:schemeClr val="tx1"/>
-          </a:fontRef>
-        </p:style>
-      </p:cxnSp>
-      <p:cxnSp>
-        <p:nvCxnSpPr>
-          <p:cNvPr id="27" name="Straight Connector 26"/>
-          <p:cNvCxnSpPr>
-            <a:cxnSpLocks/>
-          </p:cNvCxnSpPr>
-          <p:nvPr/>
-        </p:nvCxnSpPr>
-        <p:spPr>
-          <a:xfrm>
-            <a:off x="5296656" y="3931529"/>
-            <a:ext cx="0" cy="361579"/>
-          </a:xfrm>
-          <a:prstGeom prst="line">
-            <a:avLst/>
-          </a:prstGeom>
-          <a:ln w="19050">
-            <a:solidFill>
-              <a:srgbClr val="FF0000"/>
-            </a:solidFill>
-          </a:ln>
-        </p:spPr>
-        <p:style>
-          <a:lnRef idx="2">
-            <a:schemeClr val="accent1"/>
-          </a:lnRef>
-          <a:fillRef idx="0">
-            <a:schemeClr val="accent1"/>
-          </a:fillRef>
-          <a:effectRef idx="1">
-            <a:schemeClr val="accent1"/>
-          </a:effectRef>
-          <a:fontRef idx="minor">
-            <a:schemeClr val="tx1"/>
-          </a:fontRef>
-        </p:style>
-      </p:cxnSp>
-      <p:cxnSp>
-        <p:nvCxnSpPr>
-          <p:cNvPr id="30" name="Straight Connector 29"/>
-          <p:cNvCxnSpPr>
-            <a:cxnSpLocks/>
-          </p:cNvCxnSpPr>
-          <p:nvPr/>
-        </p:nvCxnSpPr>
-        <p:spPr>
-          <a:xfrm flipV="1">
-            <a:off x="5666333" y="4669008"/>
-            <a:ext cx="379045" cy="1"/>
-          </a:xfrm>
-          <a:prstGeom prst="line">
-            <a:avLst/>
-          </a:prstGeom>
-          <a:ln w="19050">
-            <a:solidFill>
-              <a:srgbClr val="FF0000"/>
-            </a:solidFill>
-          </a:ln>
-        </p:spPr>
-        <p:style>
-          <a:lnRef idx="2">
-            <a:schemeClr val="accent1"/>
-          </a:lnRef>
-          <a:fillRef idx="0">
-            <a:schemeClr val="accent1"/>
-          </a:fillRef>
-          <a:effectRef idx="1">
-            <a:schemeClr val="accent1"/>
-          </a:effectRef>
-          <a:fontRef idx="minor">
-            <a:schemeClr val="tx1"/>
-          </a:fontRef>
-        </p:style>
-      </p:cxnSp>
-      <p:cxnSp>
-        <p:nvCxnSpPr>
-          <p:cNvPr id="31" name="Straight Connector 30"/>
-          <p:cNvCxnSpPr>
-            <a:cxnSpLocks/>
-          </p:cNvCxnSpPr>
-          <p:nvPr/>
-        </p:nvCxnSpPr>
-        <p:spPr>
-          <a:xfrm>
-            <a:off x="5288843" y="4293108"/>
-            <a:ext cx="377490" cy="0"/>
-          </a:xfrm>
-          <a:prstGeom prst="line">
-            <a:avLst/>
-          </a:prstGeom>
-          <a:ln w="19050">
-            <a:solidFill>
-              <a:srgbClr val="FF0000"/>
-            </a:solidFill>
-          </a:ln>
-        </p:spPr>
-        <p:style>
-          <a:lnRef idx="2">
-            <a:schemeClr val="accent1"/>
-          </a:lnRef>
-          <a:fillRef idx="0">
-            <a:schemeClr val="accent1"/>
-          </a:fillRef>
-          <a:effectRef idx="1">
-            <a:schemeClr val="accent1"/>
-          </a:effectRef>
-          <a:fontRef idx="minor">
-            <a:schemeClr val="tx1"/>
-          </a:fontRef>
-        </p:style>
-      </p:cxnSp>
-      <p:cxnSp>
-        <p:nvCxnSpPr>
-          <p:cNvPr id="32" name="Straight Connector 31"/>
-          <p:cNvCxnSpPr>
-            <a:cxnSpLocks/>
-          </p:cNvCxnSpPr>
-          <p:nvPr/>
-        </p:nvCxnSpPr>
-        <p:spPr>
-          <a:xfrm>
-            <a:off x="4931245" y="3931529"/>
-            <a:ext cx="368143" cy="0"/>
-          </a:xfrm>
-          <a:prstGeom prst="line">
-            <a:avLst/>
-          </a:prstGeom>
-          <a:ln w="19050">
-            <a:solidFill>
-              <a:srgbClr val="FF0000"/>
-            </a:solidFill>
-          </a:ln>
-        </p:spPr>
-        <p:style>
-          <a:lnRef idx="2">
-            <a:schemeClr val="accent1"/>
-          </a:lnRef>
-          <a:fillRef idx="0">
-            <a:schemeClr val="accent1"/>
-          </a:fillRef>
-          <a:effectRef idx="1">
-            <a:schemeClr val="accent1"/>
-          </a:effectRef>
-          <a:fontRef idx="minor">
-            <a:schemeClr val="tx1"/>
-          </a:fontRef>
-        </p:style>
-      </p:cxnSp>
-      <p:sp>
-        <p:nvSpPr>
-          <p:cNvPr id="18" name="Rectangle 17"/>
+      <p:sp>
+        <p:nvSpPr>
+          <p:cNvPr id="8" name="Rectangle 7"/>
           <p:cNvSpPr/>
           <p:nvPr/>
         </p:nvSpPr>
         <p:spPr>
           <a:xfrm>
-            <a:off x="2557999" y="5057172"/>
-            <a:ext cx="2491259" cy="369332"/>
+            <a:off x="1349310" y="6045144"/>
+            <a:ext cx="2717539" cy="369332"/>
           </a:xfrm>
           <a:prstGeom prst="rect">
             <a:avLst/>
@@ -5942,127 +5733,27 @@
           <a:p>
             <a:r>
               <a:rPr lang="en-US" dirty="0"/>
-              <a:t>Relaxed Layering Pattern</a:t>
+              <a:t>Change Propagator Pattern</a:t>
             </a:r>
           </a:p>
         </p:txBody>
       </p:sp>
       <p:sp>
         <p:nvSpPr>
-          <p:cNvPr id="5" name="Rounded Rectangular Callout 4"/>
+          <p:cNvPr id="10" name="Rectangle 9">
+            <a:extLst>
+              <a:ext uri="{FF2B5EF4-FFF2-40B4-BE49-F238E27FC236}">
+                <a16:creationId xmlns:a16="http://schemas.microsoft.com/office/drawing/2014/main" id="{5158BA36-F410-4C8A-B6E4-8F52D3DDF4FB}"/>
+              </a:ext>
+            </a:extLst>
+          </p:cNvPr>
           <p:cNvSpPr/>
           <p:nvPr/>
         </p:nvSpPr>
         <p:spPr>
           <a:xfrm>
-            <a:off x="7225850" y="3510234"/>
-            <a:ext cx="1608945" cy="941881"/>
-          </a:xfrm>
-          <a:prstGeom prst="wedgeRoundRectCallout">
-            <a:avLst>
-              <a:gd name="adj1" fmla="val -155351"/>
-              <a:gd name="adj2" fmla="val 68013"/>
-              <a:gd name="adj3" fmla="val 16667"/>
-            </a:avLst>
-          </a:prstGeom>
-          <a:solidFill>
-            <a:schemeClr val="accent1"/>
-          </a:solidFill>
-          <a:ln>
-            <a:noFill/>
-          </a:ln>
-        </p:spPr>
-        <p:style>
-          <a:lnRef idx="1">
-            <a:schemeClr val="accent1"/>
-          </a:lnRef>
-          <a:fillRef idx="3">
-            <a:schemeClr val="accent1"/>
-          </a:fillRef>
-          <a:effectRef idx="2">
-            <a:schemeClr val="accent1"/>
-          </a:effectRef>
-          <a:fontRef idx="minor">
-            <a:schemeClr val="lt1"/>
-          </a:fontRef>
-        </p:style>
-        <p:txBody>
-          <a:bodyPr rtlCol="0" anchor="ctr"/>
-          <a:lstStyle/>
-          <a:p>
-            <a:pPr algn="ctr"/>
-            <a:r>
-              <a:rPr lang="en-US" sz="1400" dirty="0">
-                <a:solidFill>
-                  <a:schemeClr val="bg1"/>
-                </a:solidFill>
-              </a:rPr>
-              <a:t>Dependencies on multiple layers below</a:t>
-            </a:r>
-          </a:p>
-        </p:txBody>
-      </p:sp>
-    </p:spTree>
-  </p:cSld>
-  <p:clrMapOvr>
-    <a:masterClrMapping/>
-  </p:clrMapOvr>
-</p:sld>
-</file>
-
-<file path=ppt/slides/slide13.xml><?xml version="1.0" encoding="utf-8"?>
-<p:sld xmlns:a="http://schemas.openxmlformats.org/drawingml/2006/main" xmlns:r="http://schemas.openxmlformats.org/officeDocument/2006/relationships" xmlns:p="http://schemas.openxmlformats.org/presentationml/2006/main">
-  <p:cSld>
-    <p:spTree>
-      <p:nvGrpSpPr>
-        <p:cNvPr id="1" name=""/>
-        <p:cNvGrpSpPr/>
-        <p:nvPr/>
-      </p:nvGrpSpPr>
-      <p:grpSpPr>
-        <a:xfrm>
-          <a:off x="0" y="0"/>
-          <a:ext cx="0" cy="0"/>
-          <a:chOff x="0" y="0"/>
-          <a:chExt cx="0" cy="0"/>
-        </a:xfrm>
-      </p:grpSpPr>
-      <p:pic>
-        <p:nvPicPr>
-          <p:cNvPr id="9218" name="Picture 2" descr="d:\Users\Johan\Desktop\DSM\09_dsm_example_public_api.png"/>
-          <p:cNvPicPr>
-            <a:picLocks noChangeAspect="1" noChangeArrowheads="1"/>
-          </p:cNvPicPr>
-          <p:nvPr/>
-        </p:nvPicPr>
-        <p:blipFill>
-          <a:blip r:embed="rId2" cstate="print"/>
-          <a:srcRect/>
-          <a:stretch>
-            <a:fillRect/>
-          </a:stretch>
-        </p:blipFill>
-        <p:spPr bwMode="auto">
-          <a:xfrm>
-            <a:off x="1367221" y="2152377"/>
-            <a:ext cx="5695950" cy="3810000"/>
-          </a:xfrm>
-          <a:prstGeom prst="rect">
-            <a:avLst/>
-          </a:prstGeom>
-          <a:noFill/>
-        </p:spPr>
-      </p:pic>
-      <p:sp>
-        <p:nvSpPr>
-          <p:cNvPr id="7" name="Rectangle 6"/>
-          <p:cNvSpPr/>
-          <p:nvPr/>
-        </p:nvSpPr>
-        <p:spPr>
-          <a:xfrm>
-            <a:off x="3734972" y="4476750"/>
-            <a:ext cx="365542" cy="738188"/>
+            <a:off x="3905250" y="4731544"/>
+            <a:ext cx="3386137" cy="288130"/>
           </a:xfrm>
           <a:prstGeom prst="rect">
             <a:avLst/>
@@ -6099,14 +5790,20 @@
       </p:sp>
       <p:sp>
         <p:nvSpPr>
-          <p:cNvPr id="9" name="Rectangle 8"/>
+          <p:cNvPr id="11" name="Rectangle 10">
+            <a:extLst>
+              <a:ext uri="{FF2B5EF4-FFF2-40B4-BE49-F238E27FC236}">
+                <a16:creationId xmlns:a16="http://schemas.microsoft.com/office/drawing/2014/main" id="{8FE3AE06-C51F-487F-B252-CAEAE70763F8}"/>
+              </a:ext>
+            </a:extLst>
+          </p:cNvPr>
           <p:cNvSpPr/>
           <p:nvPr/>
         </p:nvSpPr>
         <p:spPr>
           <a:xfrm>
-            <a:off x="4467227" y="3351890"/>
-            <a:ext cx="1849491" cy="1104496"/>
+            <a:off x="6700837" y="1935956"/>
+            <a:ext cx="276225" cy="3371850"/>
           </a:xfrm>
           <a:prstGeom prst="rect">
             <a:avLst/>
@@ -6143,19 +5840,19 @@
       </p:sp>
       <p:sp>
         <p:nvSpPr>
-          <p:cNvPr id="11" name="Rounded Rectangular Callout 10"/>
+          <p:cNvPr id="7" name="Rounded Rectangular Callout 6"/>
           <p:cNvSpPr/>
           <p:nvPr/>
         </p:nvSpPr>
         <p:spPr>
           <a:xfrm>
-            <a:off x="7294211" y="3842615"/>
+            <a:off x="7395043" y="1873575"/>
             <a:ext cx="1608945" cy="941881"/>
           </a:xfrm>
           <a:prstGeom prst="wedgeRoundRectCallout">
             <a:avLst>
-              <a:gd name="adj1" fmla="val -126995"/>
-              <a:gd name="adj2" fmla="val -51167"/>
+              <a:gd name="adj1" fmla="val -93390"/>
+              <a:gd name="adj2" fmla="val 85007"/>
               <a:gd name="adj3" fmla="val 16667"/>
             </a:avLst>
           </a:prstGeom>
@@ -6191,189 +5888,7 @@
                   <a:schemeClr val="bg1"/>
                 </a:solidFill>
               </a:rPr>
-              <a:t>Encapsulated</a:t>
-            </a:r>
-          </a:p>
-        </p:txBody>
-      </p:sp>
-      <p:sp>
-        <p:nvSpPr>
-          <p:cNvPr id="13" name="Rectangle 12"/>
-          <p:cNvSpPr/>
-          <p:nvPr/>
-        </p:nvSpPr>
-        <p:spPr>
-          <a:xfrm>
-            <a:off x="3724275" y="2982353"/>
-            <a:ext cx="3333750" cy="359939"/>
-          </a:xfrm>
-          <a:prstGeom prst="rect">
-            <a:avLst/>
-          </a:prstGeom>
-          <a:noFill/>
-          <a:ln w="19050">
-            <a:solidFill>
-              <a:srgbClr val="FF0000"/>
-            </a:solidFill>
-          </a:ln>
-        </p:spPr>
-        <p:style>
-          <a:lnRef idx="1">
-            <a:schemeClr val="accent1"/>
-          </a:lnRef>
-          <a:fillRef idx="3">
-            <a:schemeClr val="accent1"/>
-          </a:fillRef>
-          <a:effectRef idx="2">
-            <a:schemeClr val="accent1"/>
-          </a:effectRef>
-          <a:fontRef idx="minor">
-            <a:schemeClr val="lt1"/>
-          </a:fontRef>
-        </p:style>
-        <p:txBody>
-          <a:bodyPr rtlCol="0" anchor="ctr"/>
-          <a:lstStyle/>
-          <a:p>
-            <a:pPr algn="ctr"/>
-            <a:endParaRPr lang="en-US"/>
-          </a:p>
-        </p:txBody>
-      </p:sp>
-      <p:sp>
-        <p:nvSpPr>
-          <p:cNvPr id="12" name="Rounded Rectangular Callout 11"/>
-          <p:cNvSpPr/>
-          <p:nvPr/>
-        </p:nvSpPr>
-        <p:spPr>
-          <a:xfrm>
-            <a:off x="7288956" y="2775815"/>
-            <a:ext cx="1608945" cy="941881"/>
-          </a:xfrm>
-          <a:prstGeom prst="wedgeRoundRectCallout">
-            <a:avLst>
-              <a:gd name="adj1" fmla="val -83227"/>
-              <a:gd name="adj2" fmla="val -4300"/>
-              <a:gd name="adj3" fmla="val 16667"/>
-            </a:avLst>
-          </a:prstGeom>
-          <a:solidFill>
-            <a:schemeClr val="accent1"/>
-          </a:solidFill>
-          <a:ln>
-            <a:noFill/>
-          </a:ln>
-        </p:spPr>
-        <p:style>
-          <a:lnRef idx="1">
-            <a:schemeClr val="accent1"/>
-          </a:lnRef>
-          <a:fillRef idx="3">
-            <a:schemeClr val="accent1"/>
-          </a:fillRef>
-          <a:effectRef idx="2">
-            <a:schemeClr val="accent1"/>
-          </a:effectRef>
-          <a:fontRef idx="minor">
-            <a:schemeClr val="lt1"/>
-          </a:fontRef>
-        </p:style>
-        <p:txBody>
-          <a:bodyPr rtlCol="0" anchor="ctr"/>
-          <a:lstStyle/>
-          <a:p>
-            <a:pPr algn="ctr"/>
-            <a:r>
-              <a:rPr lang="en-US" sz="1400">
-                <a:solidFill>
-                  <a:schemeClr val="bg1"/>
-                </a:solidFill>
-              </a:rPr>
-              <a:t>Not used</a:t>
-            </a:r>
-          </a:p>
-        </p:txBody>
-      </p:sp>
-      <p:sp>
-        <p:nvSpPr>
-          <p:cNvPr id="16" name="Rounded Rectangular Callout 15"/>
-          <p:cNvSpPr/>
-          <p:nvPr/>
-        </p:nvSpPr>
-        <p:spPr>
-          <a:xfrm>
-            <a:off x="4955659" y="4751760"/>
-            <a:ext cx="1608945" cy="941881"/>
-          </a:xfrm>
-          <a:prstGeom prst="wedgeRoundRectCallout">
-            <a:avLst>
-              <a:gd name="adj1" fmla="val -109357"/>
-              <a:gd name="adj2" fmla="val -54515"/>
-              <a:gd name="adj3" fmla="val 16667"/>
-            </a:avLst>
-          </a:prstGeom>
-          <a:solidFill>
-            <a:schemeClr val="accent1"/>
-          </a:solidFill>
-          <a:ln>
-            <a:noFill/>
-          </a:ln>
-        </p:spPr>
-        <p:style>
-          <a:lnRef idx="1">
-            <a:schemeClr val="accent1"/>
-          </a:lnRef>
-          <a:fillRef idx="3">
-            <a:schemeClr val="accent1"/>
-          </a:fillRef>
-          <a:effectRef idx="2">
-            <a:schemeClr val="accent1"/>
-          </a:effectRef>
-          <a:fontRef idx="minor">
-            <a:schemeClr val="lt1"/>
-          </a:fontRef>
-        </p:style>
-        <p:txBody>
-          <a:bodyPr rtlCol="0" anchor="ctr"/>
-          <a:lstStyle/>
-          <a:p>
-            <a:pPr algn="ctr"/>
-            <a:r>
-              <a:rPr lang="en-US" sz="1400">
-                <a:solidFill>
-                  <a:schemeClr val="bg1"/>
-                </a:solidFill>
-              </a:rPr>
-              <a:t>Public interface</a:t>
-            </a:r>
-          </a:p>
-        </p:txBody>
-      </p:sp>
-      <p:sp>
-        <p:nvSpPr>
-          <p:cNvPr id="14" name="Rectangle 13"/>
-          <p:cNvSpPr/>
-          <p:nvPr/>
-        </p:nvSpPr>
-        <p:spPr>
-          <a:xfrm>
-            <a:off x="1370330" y="5992593"/>
-            <a:ext cx="2232919" cy="369332"/>
-          </a:xfrm>
-          <a:prstGeom prst="rect">
-            <a:avLst/>
-          </a:prstGeom>
-        </p:spPr>
-        <p:txBody>
-          <a:bodyPr wrap="none">
-            <a:spAutoFit/>
-          </a:bodyPr>
-          <a:lstStyle/>
-          <a:p>
-            <a:r>
-              <a:rPr lang="en-US" dirty="0"/>
-              <a:t>Encapsulation Pattern</a:t>
+              <a:t>U2 has many in and out going dependencies</a:t>
             </a:r>
           </a:p>
         </p:txBody>
@@ -6417,7 +5932,7 @@
                                           </p:stCondLst>
                                         </p:cTn>
                                         <p:tgtEl>
-                                          <p:spTgt spid="7"/>
+                                          <p:spTgt spid="10"/>
                                         </p:tgtEl>
                                         <p:attrNameLst>
                                           <p:attrName>style.visibility</p:attrName>
@@ -6431,7 +5946,7 @@
                                       <p:cBhvr additive="base">
                                         <p:cTn id="7" dur="500" fill="hold"/>
                                         <p:tgtEl>
-                                          <p:spTgt spid="7"/>
+                                          <p:spTgt spid="10"/>
                                         </p:tgtEl>
                                         <p:attrNameLst>
                                           <p:attrName>ppt_x</p:attrName>
@@ -6454,7 +5969,7 @@
                                       <p:cBhvr additive="base">
                                         <p:cTn id="8" dur="500" fill="hold"/>
                                         <p:tgtEl>
-                                          <p:spTgt spid="7"/>
+                                          <p:spTgt spid="10"/>
                                         </p:tgtEl>
                                         <p:attrNameLst>
                                           <p:attrName>ppt_y</p:attrName>
@@ -6508,7 +6023,7 @@
                                           </p:stCondLst>
                                         </p:cTn>
                                         <p:tgtEl>
-                                          <p:spTgt spid="16"/>
+                                          <p:spTgt spid="11"/>
                                         </p:tgtEl>
                                         <p:attrNameLst>
                                           <p:attrName>style.visibility</p:attrName>
@@ -6522,188 +6037,6 @@
                                       <p:cBhvr additive="base">
                                         <p:cTn id="13" dur="500" fill="hold"/>
                                         <p:tgtEl>
-                                          <p:spTgt spid="16"/>
-                                        </p:tgtEl>
-                                        <p:attrNameLst>
-                                          <p:attrName>ppt_x</p:attrName>
-                                        </p:attrNameLst>
-                                      </p:cBhvr>
-                                      <p:tavLst>
-                                        <p:tav tm="0">
-                                          <p:val>
-                                            <p:strVal val="#ppt_x"/>
-                                          </p:val>
-                                        </p:tav>
-                                        <p:tav tm="100000">
-                                          <p:val>
-                                            <p:strVal val="#ppt_x"/>
-                                          </p:val>
-                                        </p:tav>
-                                      </p:tavLst>
-                                    </p:anim>
-                                    <p:anim calcmode="lin" valueType="num">
-                                      <p:cBhvr additive="base">
-                                        <p:cTn id="14" dur="500" fill="hold"/>
-                                        <p:tgtEl>
-                                          <p:spTgt spid="16"/>
-                                        </p:tgtEl>
-                                        <p:attrNameLst>
-                                          <p:attrName>ppt_y</p:attrName>
-                                        </p:attrNameLst>
-                                      </p:cBhvr>
-                                      <p:tavLst>
-                                        <p:tav tm="0">
-                                          <p:val>
-                                            <p:strVal val="1+#ppt_h/2"/>
-                                          </p:val>
-                                        </p:tav>
-                                        <p:tav tm="100000">
-                                          <p:val>
-                                            <p:strVal val="#ppt_y"/>
-                                          </p:val>
-                                        </p:tav>
-                                      </p:tavLst>
-                                    </p:anim>
-                                  </p:childTnLst>
-                                </p:cTn>
-                              </p:par>
-                            </p:childTnLst>
-                          </p:cTn>
-                        </p:par>
-                      </p:childTnLst>
-                    </p:cTn>
-                  </p:par>
-                  <p:par>
-                    <p:cTn id="15" fill="hold">
-                      <p:stCondLst>
-                        <p:cond delay="indefinite"/>
-                      </p:stCondLst>
-                      <p:childTnLst>
-                        <p:par>
-                          <p:cTn id="16" fill="hold">
-                            <p:stCondLst>
-                              <p:cond delay="0"/>
-                            </p:stCondLst>
-                            <p:childTnLst>
-                              <p:par>
-                                <p:cTn id="17" presetID="2" presetClass="entr" presetSubtype="4" fill="hold" grpId="0" nodeType="clickEffect">
-                                  <p:stCondLst>
-                                    <p:cond delay="0"/>
-                                  </p:stCondLst>
-                                  <p:childTnLst>
-                                    <p:set>
-                                      <p:cBhvr>
-                                        <p:cTn id="18" dur="1" fill="hold">
-                                          <p:stCondLst>
-                                            <p:cond delay="0"/>
-                                          </p:stCondLst>
-                                        </p:cTn>
-                                        <p:tgtEl>
-                                          <p:spTgt spid="9"/>
-                                        </p:tgtEl>
-                                        <p:attrNameLst>
-                                          <p:attrName>style.visibility</p:attrName>
-                                        </p:attrNameLst>
-                                      </p:cBhvr>
-                                      <p:to>
-                                        <p:strVal val="visible"/>
-                                      </p:to>
-                                    </p:set>
-                                    <p:anim calcmode="lin" valueType="num">
-                                      <p:cBhvr additive="base">
-                                        <p:cTn id="19" dur="500" fill="hold"/>
-                                        <p:tgtEl>
-                                          <p:spTgt spid="9"/>
-                                        </p:tgtEl>
-                                        <p:attrNameLst>
-                                          <p:attrName>ppt_x</p:attrName>
-                                        </p:attrNameLst>
-                                      </p:cBhvr>
-                                      <p:tavLst>
-                                        <p:tav tm="0">
-                                          <p:val>
-                                            <p:strVal val="#ppt_x"/>
-                                          </p:val>
-                                        </p:tav>
-                                        <p:tav tm="100000">
-                                          <p:val>
-                                            <p:strVal val="#ppt_x"/>
-                                          </p:val>
-                                        </p:tav>
-                                      </p:tavLst>
-                                    </p:anim>
-                                    <p:anim calcmode="lin" valueType="num">
-                                      <p:cBhvr additive="base">
-                                        <p:cTn id="20" dur="500" fill="hold"/>
-                                        <p:tgtEl>
-                                          <p:spTgt spid="9"/>
-                                        </p:tgtEl>
-                                        <p:attrNameLst>
-                                          <p:attrName>ppt_y</p:attrName>
-                                        </p:attrNameLst>
-                                      </p:cBhvr>
-                                      <p:tavLst>
-                                        <p:tav tm="0">
-                                          <p:val>
-                                            <p:strVal val="1+#ppt_h/2"/>
-                                          </p:val>
-                                        </p:tav>
-                                        <p:tav tm="100000">
-                                          <p:val>
-                                            <p:strVal val="#ppt_y"/>
-                                          </p:val>
-                                        </p:tav>
-                                      </p:tavLst>
-                                    </p:anim>
-                                  </p:childTnLst>
-                                </p:cTn>
-                              </p:par>
-                            </p:childTnLst>
-                          </p:cTn>
-                        </p:par>
-                      </p:childTnLst>
-                    </p:cTn>
-                  </p:par>
-                  <p:par>
-                    <p:cTn id="21" fill="hold">
-                      <p:stCondLst>
-                        <p:cond delay="indefinite"/>
-                      </p:stCondLst>
-                      <p:childTnLst>
-                        <p:par>
-                          <p:cTn id="22" fill="hold">
-                            <p:stCondLst>
-                              <p:cond delay="0"/>
-                            </p:stCondLst>
-                            <p:childTnLst>
-                              <p:par>
-                                <p:cTn id="23" presetID="2" presetClass="entr" presetSubtype="4" fill="hold" grpId="0" nodeType="clickEffect">
-                                  <p:stCondLst>
-                                    <p:cond delay="0"/>
-                                  </p:stCondLst>
-                                  <p:childTnLst>
-                                    <p:set>
-                                      <p:cBhvr>
-                                        <p:cTn id="24" dur="1" fill="hold">
-                                          <p:stCondLst>
-                                            <p:cond delay="0"/>
-                                          </p:stCondLst>
-                                        </p:cTn>
-                                        <p:tgtEl>
-                                          <p:spTgt spid="11"/>
-                                        </p:tgtEl>
-                                        <p:attrNameLst>
-                                          <p:attrName>style.visibility</p:attrName>
-                                        </p:attrNameLst>
-                                      </p:cBhvr>
-                                      <p:to>
-                                        <p:strVal val="visible"/>
-                                      </p:to>
-                                    </p:set>
-                                    <p:anim calcmode="lin" valueType="num">
-                                      <p:cBhvr additive="base">
-                                        <p:cTn id="25" dur="500" fill="hold"/>
-                                        <p:tgtEl>
                                           <p:spTgt spid="11"/>
                                         </p:tgtEl>
                                         <p:attrNameLst>
@@ -6725,191 +6058,9 @@
                                     </p:anim>
                                     <p:anim calcmode="lin" valueType="num">
                                       <p:cBhvr additive="base">
-                                        <p:cTn id="26" dur="500" fill="hold"/>
+                                        <p:cTn id="14" dur="500" fill="hold"/>
                                         <p:tgtEl>
                                           <p:spTgt spid="11"/>
-                                        </p:tgtEl>
-                                        <p:attrNameLst>
-                                          <p:attrName>ppt_y</p:attrName>
-                                        </p:attrNameLst>
-                                      </p:cBhvr>
-                                      <p:tavLst>
-                                        <p:tav tm="0">
-                                          <p:val>
-                                            <p:strVal val="1+#ppt_h/2"/>
-                                          </p:val>
-                                        </p:tav>
-                                        <p:tav tm="100000">
-                                          <p:val>
-                                            <p:strVal val="#ppt_y"/>
-                                          </p:val>
-                                        </p:tav>
-                                      </p:tavLst>
-                                    </p:anim>
-                                  </p:childTnLst>
-                                </p:cTn>
-                              </p:par>
-                            </p:childTnLst>
-                          </p:cTn>
-                        </p:par>
-                      </p:childTnLst>
-                    </p:cTn>
-                  </p:par>
-                  <p:par>
-                    <p:cTn id="27" fill="hold">
-                      <p:stCondLst>
-                        <p:cond delay="indefinite"/>
-                      </p:stCondLst>
-                      <p:childTnLst>
-                        <p:par>
-                          <p:cTn id="28" fill="hold">
-                            <p:stCondLst>
-                              <p:cond delay="0"/>
-                            </p:stCondLst>
-                            <p:childTnLst>
-                              <p:par>
-                                <p:cTn id="29" presetID="2" presetClass="entr" presetSubtype="4" fill="hold" grpId="0" nodeType="clickEffect">
-                                  <p:stCondLst>
-                                    <p:cond delay="0"/>
-                                  </p:stCondLst>
-                                  <p:childTnLst>
-                                    <p:set>
-                                      <p:cBhvr>
-                                        <p:cTn id="30" dur="1" fill="hold">
-                                          <p:stCondLst>
-                                            <p:cond delay="0"/>
-                                          </p:stCondLst>
-                                        </p:cTn>
-                                        <p:tgtEl>
-                                          <p:spTgt spid="13"/>
-                                        </p:tgtEl>
-                                        <p:attrNameLst>
-                                          <p:attrName>style.visibility</p:attrName>
-                                        </p:attrNameLst>
-                                      </p:cBhvr>
-                                      <p:to>
-                                        <p:strVal val="visible"/>
-                                      </p:to>
-                                    </p:set>
-                                    <p:anim calcmode="lin" valueType="num">
-                                      <p:cBhvr additive="base">
-                                        <p:cTn id="31" dur="500" fill="hold"/>
-                                        <p:tgtEl>
-                                          <p:spTgt spid="13"/>
-                                        </p:tgtEl>
-                                        <p:attrNameLst>
-                                          <p:attrName>ppt_x</p:attrName>
-                                        </p:attrNameLst>
-                                      </p:cBhvr>
-                                      <p:tavLst>
-                                        <p:tav tm="0">
-                                          <p:val>
-                                            <p:strVal val="#ppt_x"/>
-                                          </p:val>
-                                        </p:tav>
-                                        <p:tav tm="100000">
-                                          <p:val>
-                                            <p:strVal val="#ppt_x"/>
-                                          </p:val>
-                                        </p:tav>
-                                      </p:tavLst>
-                                    </p:anim>
-                                    <p:anim calcmode="lin" valueType="num">
-                                      <p:cBhvr additive="base">
-                                        <p:cTn id="32" dur="500" fill="hold"/>
-                                        <p:tgtEl>
-                                          <p:spTgt spid="13"/>
-                                        </p:tgtEl>
-                                        <p:attrNameLst>
-                                          <p:attrName>ppt_y</p:attrName>
-                                        </p:attrNameLst>
-                                      </p:cBhvr>
-                                      <p:tavLst>
-                                        <p:tav tm="0">
-                                          <p:val>
-                                            <p:strVal val="1+#ppt_h/2"/>
-                                          </p:val>
-                                        </p:tav>
-                                        <p:tav tm="100000">
-                                          <p:val>
-                                            <p:strVal val="#ppt_y"/>
-                                          </p:val>
-                                        </p:tav>
-                                      </p:tavLst>
-                                    </p:anim>
-                                  </p:childTnLst>
-                                </p:cTn>
-                              </p:par>
-                            </p:childTnLst>
-                          </p:cTn>
-                        </p:par>
-                      </p:childTnLst>
-                    </p:cTn>
-                  </p:par>
-                  <p:par>
-                    <p:cTn id="33" fill="hold">
-                      <p:stCondLst>
-                        <p:cond delay="indefinite"/>
-                      </p:stCondLst>
-                      <p:childTnLst>
-                        <p:par>
-                          <p:cTn id="34" fill="hold">
-                            <p:stCondLst>
-                              <p:cond delay="0"/>
-                            </p:stCondLst>
-                            <p:childTnLst>
-                              <p:par>
-                                <p:cTn id="35" presetID="2" presetClass="entr" presetSubtype="4" fill="hold" grpId="0" nodeType="clickEffect">
-                                  <p:stCondLst>
-                                    <p:cond delay="0"/>
-                                  </p:stCondLst>
-                                  <p:childTnLst>
-                                    <p:set>
-                                      <p:cBhvr>
-                                        <p:cTn id="36" dur="1" fill="hold">
-                                          <p:stCondLst>
-                                            <p:cond delay="0"/>
-                                          </p:stCondLst>
-                                        </p:cTn>
-                                        <p:tgtEl>
-                                          <p:spTgt spid="12"/>
-                                        </p:tgtEl>
-                                        <p:attrNameLst>
-                                          <p:attrName>style.visibility</p:attrName>
-                                        </p:attrNameLst>
-                                      </p:cBhvr>
-                                      <p:to>
-                                        <p:strVal val="visible"/>
-                                      </p:to>
-                                    </p:set>
-                                    <p:anim calcmode="lin" valueType="num">
-                                      <p:cBhvr additive="base">
-                                        <p:cTn id="37" dur="500" fill="hold"/>
-                                        <p:tgtEl>
-                                          <p:spTgt spid="12"/>
-                                        </p:tgtEl>
-                                        <p:attrNameLst>
-                                          <p:attrName>ppt_x</p:attrName>
-                                        </p:attrNameLst>
-                                      </p:cBhvr>
-                                      <p:tavLst>
-                                        <p:tav tm="0">
-                                          <p:val>
-                                            <p:strVal val="#ppt_x"/>
-                                          </p:val>
-                                        </p:tav>
-                                        <p:tav tm="100000">
-                                          <p:val>
-                                            <p:strVal val="#ppt_x"/>
-                                          </p:val>
-                                        </p:tav>
-                                      </p:tavLst>
-                                    </p:anim>
-                                    <p:anim calcmode="lin" valueType="num">
-                                      <p:cBhvr additive="base">
-                                        <p:cTn id="38" dur="500" fill="hold"/>
-                                        <p:tgtEl>
-                                          <p:spTgt spid="12"/>
                                         </p:tgtEl>
                                         <p:attrNameLst>
                                           <p:attrName>ppt_y</p:attrName>
@@ -6959,952 +6110,14 @@
       </p:par>
     </p:tnLst>
     <p:bldLst>
-      <p:bldP spid="7" grpId="0" animBg="1"/>
-      <p:bldP spid="9" grpId="0" animBg="1"/>
+      <p:bldP spid="10" grpId="0" animBg="1"/>
       <p:bldP spid="11" grpId="0" animBg="1"/>
-      <p:bldP spid="13" grpId="0" animBg="1"/>
-      <p:bldP spid="12" grpId="0" animBg="1"/>
-      <p:bldP spid="16" grpId="0" animBg="1"/>
     </p:bldLst>
   </p:timing>
 </p:sld>
 </file>
 
-<file path=ppt/slides/slide14.xml><?xml version="1.0" encoding="utf-8"?>
-<p:sld xmlns:a="http://schemas.openxmlformats.org/drawingml/2006/main" xmlns:r="http://schemas.openxmlformats.org/officeDocument/2006/relationships" xmlns:p="http://schemas.openxmlformats.org/presentationml/2006/main">
-  <p:cSld>
-    <p:spTree>
-      <p:nvGrpSpPr>
-        <p:cNvPr id="1" name=""/>
-        <p:cNvGrpSpPr/>
-        <p:nvPr/>
-      </p:nvGrpSpPr>
-      <p:grpSpPr>
-        <a:xfrm>
-          <a:off x="0" y="0"/>
-          <a:ext cx="0" cy="0"/>
-          <a:chOff x="0" y="0"/>
-          <a:chExt cx="0" cy="0"/>
-        </a:xfrm>
-      </p:grpSpPr>
-      <p:grpSp>
-        <p:nvGrpSpPr>
-          <p:cNvPr id="2" name="Group 11"/>
-          <p:cNvGrpSpPr/>
-          <p:nvPr/>
-        </p:nvGrpSpPr>
-        <p:grpSpPr>
-          <a:xfrm>
-            <a:off x="1353042" y="2022531"/>
-            <a:ext cx="5646848" cy="3992889"/>
-            <a:chOff x="1353042" y="2022529"/>
-            <a:chExt cx="5646848" cy="3992889"/>
-          </a:xfrm>
-        </p:grpSpPr>
-        <p:pic>
-          <p:nvPicPr>
-            <p:cNvPr id="10242" name="Picture 2" descr="d:\Users\Johan\Desktop\DSM\10_dsm_example_bus_pattern.png"/>
-            <p:cNvPicPr>
-              <a:picLocks noChangeAspect="1" noChangeArrowheads="1"/>
-            </p:cNvPicPr>
-            <p:nvPr/>
-          </p:nvPicPr>
-          <p:blipFill>
-            <a:blip r:embed="rId2" cstate="print"/>
-            <a:srcRect/>
-            <a:stretch>
-              <a:fillRect/>
-            </a:stretch>
-          </p:blipFill>
-          <p:spPr bwMode="auto">
-            <a:xfrm>
-              <a:off x="1353042" y="2022529"/>
-              <a:ext cx="5646848" cy="3992889"/>
-            </a:xfrm>
-            <a:prstGeom prst="rect">
-              <a:avLst/>
-            </a:prstGeom>
-            <a:noFill/>
-          </p:spPr>
-        </p:pic>
-        <p:sp>
-          <p:nvSpPr>
-            <p:cNvPr id="11" name="Rectangle 10"/>
-            <p:cNvSpPr/>
-            <p:nvPr/>
-          </p:nvSpPr>
-          <p:spPr>
-            <a:xfrm>
-              <a:off x="3412112" y="5676455"/>
-              <a:ext cx="2610315" cy="324952"/>
-            </a:xfrm>
-            <a:prstGeom prst="rect">
-              <a:avLst/>
-            </a:prstGeom>
-            <a:noFill/>
-            <a:ln w="19050">
-              <a:solidFill>
-                <a:srgbClr val="FF0000"/>
-              </a:solidFill>
-            </a:ln>
-          </p:spPr>
-          <p:style>
-            <a:lnRef idx="1">
-              <a:schemeClr val="accent1"/>
-            </a:lnRef>
-            <a:fillRef idx="3">
-              <a:schemeClr val="accent1"/>
-            </a:fillRef>
-            <a:effectRef idx="2">
-              <a:schemeClr val="accent1"/>
-            </a:effectRef>
-            <a:fontRef idx="minor">
-              <a:schemeClr val="lt1"/>
-            </a:fontRef>
-          </p:style>
-          <p:txBody>
-            <a:bodyPr rtlCol="0" anchor="ctr"/>
-            <a:lstStyle/>
-            <a:p>
-              <a:pPr algn="ctr"/>
-              <a:endParaRPr lang="en-US"/>
-            </a:p>
-          </p:txBody>
-        </p:sp>
-      </p:grpSp>
-      <p:sp>
-        <p:nvSpPr>
-          <p:cNvPr id="7" name="Rectangle 6"/>
-          <p:cNvSpPr/>
-          <p:nvPr/>
-        </p:nvSpPr>
-        <p:spPr>
-          <a:xfrm>
-            <a:off x="1359817" y="6003104"/>
-            <a:ext cx="1915909" cy="369332"/>
-          </a:xfrm>
-          <a:prstGeom prst="rect">
-            <a:avLst/>
-          </a:prstGeom>
-        </p:spPr>
-        <p:txBody>
-          <a:bodyPr wrap="none">
-            <a:spAutoFit/>
-          </a:bodyPr>
-          <a:lstStyle/>
-          <a:p>
-            <a:r>
-              <a:rPr lang="en-US" dirty="0"/>
-              <a:t>Bus/Utility Pattern</a:t>
-            </a:r>
-          </a:p>
-        </p:txBody>
-      </p:sp>
-      <p:sp>
-        <p:nvSpPr>
-          <p:cNvPr id="5" name="Rounded Rectangular Callout 4"/>
-          <p:cNvSpPr/>
-          <p:nvPr/>
-        </p:nvSpPr>
-        <p:spPr>
-          <a:xfrm>
-            <a:off x="7217288" y="3469460"/>
-            <a:ext cx="1608945" cy="1473686"/>
-          </a:xfrm>
-          <a:prstGeom prst="wedgeRoundRectCallout">
-            <a:avLst>
-              <a:gd name="adj1" fmla="val -152738"/>
-              <a:gd name="adj2" fmla="val 96828"/>
-              <a:gd name="adj3" fmla="val 16667"/>
-            </a:avLst>
-          </a:prstGeom>
-          <a:solidFill>
-            <a:schemeClr val="accent1"/>
-          </a:solidFill>
-          <a:ln>
-            <a:noFill/>
-          </a:ln>
-        </p:spPr>
-        <p:style>
-          <a:lnRef idx="1">
-            <a:schemeClr val="accent1"/>
-          </a:lnRef>
-          <a:fillRef idx="3">
-            <a:schemeClr val="accent1"/>
-          </a:fillRef>
-          <a:effectRef idx="2">
-            <a:schemeClr val="accent1"/>
-          </a:effectRef>
-          <a:fontRef idx="minor">
-            <a:schemeClr val="lt1"/>
-          </a:fontRef>
-        </p:style>
-        <p:txBody>
-          <a:bodyPr rtlCol="0" anchor="ctr"/>
-          <a:lstStyle/>
-          <a:p>
-            <a:pPr algn="ctr"/>
-            <a:r>
-              <a:rPr lang="en-US" sz="1400" dirty="0">
-                <a:solidFill>
-                  <a:schemeClr val="bg1"/>
-                </a:solidFill>
-              </a:rPr>
-              <a:t>Elements used in entire software</a:t>
-            </a:r>
-            <a:r>
-              <a:rPr lang="en-US" sz="1400" dirty="0"/>
-              <a:t> like utilities and data access objects</a:t>
-            </a:r>
-            <a:endParaRPr lang="en-US" sz="1400" dirty="0">
-              <a:solidFill>
-                <a:schemeClr val="bg1"/>
-              </a:solidFill>
-            </a:endParaRPr>
-          </a:p>
-        </p:txBody>
-      </p:sp>
-    </p:spTree>
-  </p:cSld>
-  <p:clrMapOvr>
-    <a:masterClrMapping/>
-  </p:clrMapOvr>
-</p:sld>
-</file>
-
-<file path=ppt/slides/slide15.xml><?xml version="1.0" encoding="utf-8"?>
-<p:sld xmlns:a="http://schemas.openxmlformats.org/drawingml/2006/main" xmlns:r="http://schemas.openxmlformats.org/officeDocument/2006/relationships" xmlns:p="http://schemas.openxmlformats.org/presentationml/2006/main">
-  <p:cSld>
-    <p:spTree>
-      <p:nvGrpSpPr>
-        <p:cNvPr id="1" name=""/>
-        <p:cNvGrpSpPr/>
-        <p:nvPr/>
-      </p:nvGrpSpPr>
-      <p:grpSpPr>
-        <a:xfrm>
-          <a:off x="0" y="0"/>
-          <a:ext cx="0" cy="0"/>
-          <a:chOff x="0" y="0"/>
-          <a:chExt cx="0" cy="0"/>
-        </a:xfrm>
-      </p:grpSpPr>
-      <p:grpSp>
-        <p:nvGrpSpPr>
-          <p:cNvPr id="2" name="Group 13"/>
-          <p:cNvGrpSpPr/>
-          <p:nvPr/>
-        </p:nvGrpSpPr>
-        <p:grpSpPr>
-          <a:xfrm>
-            <a:off x="1345801" y="2054079"/>
-            <a:ext cx="5650992" cy="3995928"/>
-            <a:chOff x="1345802" y="2054079"/>
-            <a:chExt cx="5489137" cy="3881372"/>
-          </a:xfrm>
-        </p:grpSpPr>
-        <p:pic>
-          <p:nvPicPr>
-            <p:cNvPr id="11266" name="Picture 2" descr="d:\Users\Johan\Desktop\DSM\11_dsm_example_change_propagator_pattern.png"/>
-            <p:cNvPicPr>
-              <a:picLocks noChangeAspect="1" noChangeArrowheads="1"/>
-            </p:cNvPicPr>
-            <p:nvPr/>
-          </p:nvPicPr>
-          <p:blipFill>
-            <a:blip r:embed="rId2" cstate="print"/>
-            <a:srcRect/>
-            <a:stretch>
-              <a:fillRect/>
-            </a:stretch>
-          </p:blipFill>
-          <p:spPr bwMode="auto">
-            <a:xfrm>
-              <a:off x="1345802" y="2054079"/>
-              <a:ext cx="5489137" cy="3881372"/>
-            </a:xfrm>
-            <a:prstGeom prst="rect">
-              <a:avLst/>
-            </a:prstGeom>
-            <a:noFill/>
-          </p:spPr>
-        </p:pic>
-        <p:sp>
-          <p:nvSpPr>
-            <p:cNvPr id="12" name="Rectangle 11"/>
-            <p:cNvSpPr/>
-            <p:nvPr/>
-          </p:nvSpPr>
-          <p:spPr>
-            <a:xfrm>
-              <a:off x="6186845" y="2460290"/>
-              <a:ext cx="318730" cy="2836924"/>
-            </a:xfrm>
-            <a:prstGeom prst="rect">
-              <a:avLst/>
-            </a:prstGeom>
-            <a:noFill/>
-            <a:ln w="19050">
-              <a:solidFill>
-                <a:srgbClr val="FF0000"/>
-              </a:solidFill>
-            </a:ln>
-          </p:spPr>
-          <p:style>
-            <a:lnRef idx="1">
-              <a:schemeClr val="accent1"/>
-            </a:lnRef>
-            <a:fillRef idx="3">
-              <a:schemeClr val="accent1"/>
-            </a:fillRef>
-            <a:effectRef idx="2">
-              <a:schemeClr val="accent1"/>
-            </a:effectRef>
-            <a:fontRef idx="minor">
-              <a:schemeClr val="lt1"/>
-            </a:fontRef>
-          </p:style>
-          <p:txBody>
-            <a:bodyPr rtlCol="0" anchor="ctr"/>
-            <a:lstStyle/>
-            <a:p>
-              <a:pPr algn="ctr"/>
-              <a:endParaRPr lang="en-US"/>
-            </a:p>
-          </p:txBody>
-        </p:sp>
-        <p:sp>
-          <p:nvSpPr>
-            <p:cNvPr id="13" name="Rectangle 12"/>
-            <p:cNvSpPr/>
-            <p:nvPr/>
-          </p:nvSpPr>
-          <p:spPr>
-            <a:xfrm>
-              <a:off x="3354307" y="5292826"/>
-              <a:ext cx="2825776" cy="309187"/>
-            </a:xfrm>
-            <a:prstGeom prst="rect">
-              <a:avLst/>
-            </a:prstGeom>
-            <a:noFill/>
-            <a:ln w="19050">
-              <a:solidFill>
-                <a:srgbClr val="FF0000"/>
-              </a:solidFill>
-            </a:ln>
-          </p:spPr>
-          <p:style>
-            <a:lnRef idx="1">
-              <a:schemeClr val="accent1"/>
-            </a:lnRef>
-            <a:fillRef idx="3">
-              <a:schemeClr val="accent1"/>
-            </a:fillRef>
-            <a:effectRef idx="2">
-              <a:schemeClr val="accent1"/>
-            </a:effectRef>
-            <a:fontRef idx="minor">
-              <a:schemeClr val="lt1"/>
-            </a:fontRef>
-          </p:style>
-          <p:txBody>
-            <a:bodyPr rtlCol="0" anchor="ctr"/>
-            <a:lstStyle/>
-            <a:p>
-              <a:pPr algn="ctr"/>
-              <a:endParaRPr lang="en-US"/>
-            </a:p>
-          </p:txBody>
-        </p:sp>
-      </p:grpSp>
-      <p:sp>
-        <p:nvSpPr>
-          <p:cNvPr id="7" name="Rounded Rectangular Callout 6"/>
-          <p:cNvSpPr/>
-          <p:nvPr/>
-        </p:nvSpPr>
-        <p:spPr>
-          <a:xfrm>
-            <a:off x="7128343" y="4161842"/>
-            <a:ext cx="1608945" cy="941881"/>
-          </a:xfrm>
-          <a:prstGeom prst="wedgeRoundRectCallout">
-            <a:avLst>
-              <a:gd name="adj1" fmla="val -93390"/>
-              <a:gd name="adj2" fmla="val 85007"/>
-              <a:gd name="adj3" fmla="val 16667"/>
-            </a:avLst>
-          </a:prstGeom>
-          <a:solidFill>
-            <a:schemeClr val="accent1"/>
-          </a:solidFill>
-          <a:ln>
-            <a:noFill/>
-          </a:ln>
-        </p:spPr>
-        <p:style>
-          <a:lnRef idx="1">
-            <a:schemeClr val="accent1"/>
-          </a:lnRef>
-          <a:fillRef idx="3">
-            <a:schemeClr val="accent1"/>
-          </a:fillRef>
-          <a:effectRef idx="2">
-            <a:schemeClr val="accent1"/>
-          </a:effectRef>
-          <a:fontRef idx="minor">
-            <a:schemeClr val="lt1"/>
-          </a:fontRef>
-        </p:style>
-        <p:txBody>
-          <a:bodyPr rtlCol="0" anchor="ctr"/>
-          <a:lstStyle/>
-          <a:p>
-            <a:pPr algn="ctr"/>
-            <a:r>
-              <a:rPr lang="en-US" sz="1400" dirty="0">
-                <a:solidFill>
-                  <a:schemeClr val="bg1"/>
-                </a:solidFill>
-              </a:rPr>
-              <a:t>U2 has many in and out going dependencies</a:t>
-            </a:r>
-          </a:p>
-        </p:txBody>
-      </p:sp>
-      <p:sp>
-        <p:nvSpPr>
-          <p:cNvPr id="8" name="Rectangle 7"/>
-          <p:cNvSpPr/>
-          <p:nvPr/>
-        </p:nvSpPr>
-        <p:spPr>
-          <a:xfrm>
-            <a:off x="1349310" y="6045144"/>
-            <a:ext cx="2717539" cy="369332"/>
-          </a:xfrm>
-          <a:prstGeom prst="rect">
-            <a:avLst/>
-          </a:prstGeom>
-        </p:spPr>
-        <p:txBody>
-          <a:bodyPr wrap="none">
-            <a:spAutoFit/>
-          </a:bodyPr>
-          <a:lstStyle/>
-          <a:p>
-            <a:r>
-              <a:rPr lang="en-US" dirty="0"/>
-              <a:t>Change Propagator Pattern</a:t>
-            </a:r>
-          </a:p>
-        </p:txBody>
-      </p:sp>
-    </p:spTree>
-  </p:cSld>
-  <p:clrMapOvr>
-    <a:masterClrMapping/>
-  </p:clrMapOvr>
-</p:sld>
-</file>
-
-<file path=ppt/slides/slide16.xml><?xml version="1.0" encoding="utf-8"?>
-<p:sld xmlns:a="http://schemas.openxmlformats.org/drawingml/2006/main" xmlns:r="http://schemas.openxmlformats.org/officeDocument/2006/relationships" xmlns:p="http://schemas.openxmlformats.org/presentationml/2006/main">
-  <p:cSld>
-    <p:spTree>
-      <p:nvGrpSpPr>
-        <p:cNvPr id="1" name=""/>
-        <p:cNvGrpSpPr/>
-        <p:nvPr/>
-      </p:nvGrpSpPr>
-      <p:grpSpPr>
-        <a:xfrm>
-          <a:off x="0" y="0"/>
-          <a:ext cx="0" cy="0"/>
-          <a:chOff x="0" y="0"/>
-          <a:chExt cx="0" cy="0"/>
-        </a:xfrm>
-      </p:grpSpPr>
-      <p:grpSp>
-        <p:nvGrpSpPr>
-          <p:cNvPr id="2" name="Group 8"/>
-          <p:cNvGrpSpPr/>
-          <p:nvPr/>
-        </p:nvGrpSpPr>
-        <p:grpSpPr>
-          <a:xfrm>
-            <a:off x="680413" y="4068554"/>
-            <a:ext cx="8092213" cy="1929384"/>
-            <a:chOff x="575307" y="3931920"/>
-            <a:chExt cx="8092213" cy="1929384"/>
-          </a:xfrm>
-        </p:grpSpPr>
-        <p:grpSp>
-          <p:nvGrpSpPr>
-            <p:cNvPr id="3" name="Group 10"/>
-            <p:cNvGrpSpPr/>
-            <p:nvPr/>
-          </p:nvGrpSpPr>
-          <p:grpSpPr>
-            <a:xfrm>
-              <a:off x="575307" y="3931920"/>
-              <a:ext cx="8092213" cy="1929384"/>
-              <a:chOff x="575307" y="3931920"/>
-              <a:chExt cx="8092213" cy="1929384"/>
-            </a:xfrm>
-          </p:grpSpPr>
-          <p:pic>
-            <p:nvPicPr>
-              <p:cNvPr id="17" name="Picture 2" descr="D:\Users\Johan\My Work\Projects\Bits and Chips 2012\Presentation\Resources\15-DSM Cycles\1_system_cycle.png"/>
-              <p:cNvPicPr>
-                <a:picLocks noChangeAspect="1" noChangeArrowheads="1"/>
-              </p:cNvPicPr>
-              <p:nvPr/>
-            </p:nvPicPr>
-            <p:blipFill>
-              <a:blip r:embed="rId3" cstate="screen"/>
-              <a:srcRect/>
-              <a:stretch>
-                <a:fillRect/>
-              </a:stretch>
-            </p:blipFill>
-            <p:spPr bwMode="auto">
-              <a:xfrm>
-                <a:off x="575307" y="3931920"/>
-                <a:ext cx="2641619" cy="1925859"/>
-              </a:xfrm>
-              <a:prstGeom prst="rect">
-                <a:avLst/>
-              </a:prstGeom>
-              <a:noFill/>
-            </p:spPr>
-          </p:pic>
-          <p:pic>
-            <p:nvPicPr>
-              <p:cNvPr id="18" name="Picture 3" descr="D:\Users\Johan\My Work\Projects\Bits and Chips 2012\Presentation\Resources\15-DSM Cycles\2_intercomponent_cycle.png"/>
-              <p:cNvPicPr>
-                <a:picLocks noChangeAspect="1" noChangeArrowheads="1"/>
-              </p:cNvPicPr>
-              <p:nvPr/>
-            </p:nvPicPr>
-            <p:blipFill>
-              <a:blip r:embed="rId4" cstate="screen"/>
-              <a:srcRect/>
-              <a:stretch>
-                <a:fillRect/>
-              </a:stretch>
-            </p:blipFill>
-            <p:spPr bwMode="auto">
-              <a:xfrm>
-                <a:off x="3305253" y="3931920"/>
-                <a:ext cx="2643855" cy="1927489"/>
-              </a:xfrm>
-              <a:prstGeom prst="rect">
-                <a:avLst/>
-              </a:prstGeom>
-              <a:noFill/>
-            </p:spPr>
-          </p:pic>
-          <p:pic>
-            <p:nvPicPr>
-              <p:cNvPr id="20" name="Picture 4" descr="D:\Users\Johan\My Work\Projects\Bits and Chips 2012\Presentation\Resources\15-DSM Cycles\3_hierachical_cycle.png"/>
-              <p:cNvPicPr>
-                <a:picLocks noChangeAspect="1" noChangeArrowheads="1"/>
-              </p:cNvPicPr>
-              <p:nvPr/>
-            </p:nvPicPr>
-            <p:blipFill>
-              <a:blip r:embed="rId5" cstate="screen"/>
-              <a:srcRect/>
-              <a:stretch>
-                <a:fillRect/>
-              </a:stretch>
-            </p:blipFill>
-            <p:spPr bwMode="auto">
-              <a:xfrm>
-                <a:off x="6021065" y="3931920"/>
-                <a:ext cx="2646455" cy="1929384"/>
-              </a:xfrm>
-              <a:prstGeom prst="rect">
-                <a:avLst/>
-              </a:prstGeom>
-              <a:noFill/>
-            </p:spPr>
-          </p:pic>
-        </p:grpSp>
-        <p:sp>
-          <p:nvSpPr>
-            <p:cNvPr id="11" name="Rectangle 10"/>
-            <p:cNvSpPr/>
-            <p:nvPr/>
-          </p:nvSpPr>
-          <p:spPr>
-            <a:xfrm>
-              <a:off x="1445089" y="4301836"/>
-              <a:ext cx="219075" cy="221636"/>
-            </a:xfrm>
-            <a:prstGeom prst="rect">
-              <a:avLst/>
-            </a:prstGeom>
-            <a:noFill/>
-            <a:ln w="19050">
-              <a:solidFill>
-                <a:srgbClr val="FF0000"/>
-              </a:solidFill>
-            </a:ln>
-          </p:spPr>
-          <p:style>
-            <a:lnRef idx="1">
-              <a:schemeClr val="accent1"/>
-            </a:lnRef>
-            <a:fillRef idx="3">
-              <a:schemeClr val="accent1"/>
-            </a:fillRef>
-            <a:effectRef idx="2">
-              <a:schemeClr val="accent1"/>
-            </a:effectRef>
-            <a:fontRef idx="minor">
-              <a:schemeClr val="lt1"/>
-            </a:fontRef>
-          </p:style>
-          <p:txBody>
-            <a:bodyPr rtlCol="0" anchor="ctr"/>
-            <a:lstStyle/>
-            <a:p>
-              <a:pPr algn="ctr"/>
-              <a:endParaRPr lang="en-US"/>
-            </a:p>
-          </p:txBody>
-        </p:sp>
-        <p:sp>
-          <p:nvSpPr>
-            <p:cNvPr id="12" name="Rectangle 11"/>
-            <p:cNvSpPr/>
-            <p:nvPr/>
-          </p:nvSpPr>
-          <p:spPr>
-            <a:xfrm>
-              <a:off x="1661707" y="4085935"/>
-              <a:ext cx="223913" cy="218461"/>
-            </a:xfrm>
-            <a:prstGeom prst="rect">
-              <a:avLst/>
-            </a:prstGeom>
-            <a:noFill/>
-            <a:ln w="19050">
-              <a:solidFill>
-                <a:srgbClr val="FF0000"/>
-              </a:solidFill>
-            </a:ln>
-          </p:spPr>
-          <p:style>
-            <a:lnRef idx="1">
-              <a:schemeClr val="accent1"/>
-            </a:lnRef>
-            <a:fillRef idx="3">
-              <a:schemeClr val="accent1"/>
-            </a:fillRef>
-            <a:effectRef idx="2">
-              <a:schemeClr val="accent1"/>
-            </a:effectRef>
-            <a:fontRef idx="minor">
-              <a:schemeClr val="lt1"/>
-            </a:fontRef>
-          </p:style>
-          <p:txBody>
-            <a:bodyPr rtlCol="0" anchor="ctr"/>
-            <a:lstStyle/>
-            <a:p>
-              <a:pPr algn="ctr"/>
-              <a:endParaRPr lang="en-US"/>
-            </a:p>
-          </p:txBody>
-        </p:sp>
-        <p:sp>
-          <p:nvSpPr>
-            <p:cNvPr id="13" name="Rectangle 12"/>
-            <p:cNvSpPr/>
-            <p:nvPr/>
-          </p:nvSpPr>
-          <p:spPr>
-            <a:xfrm>
-              <a:off x="4173927" y="5637897"/>
-              <a:ext cx="217892" cy="212834"/>
-            </a:xfrm>
-            <a:prstGeom prst="rect">
-              <a:avLst/>
-            </a:prstGeom>
-            <a:noFill/>
-            <a:ln w="19050">
-              <a:solidFill>
-                <a:srgbClr val="FF0000"/>
-              </a:solidFill>
-            </a:ln>
-          </p:spPr>
-          <p:style>
-            <a:lnRef idx="1">
-              <a:schemeClr val="accent1"/>
-            </a:lnRef>
-            <a:fillRef idx="3">
-              <a:schemeClr val="accent1"/>
-            </a:fillRef>
-            <a:effectRef idx="2">
-              <a:schemeClr val="accent1"/>
-            </a:effectRef>
-            <a:fontRef idx="minor">
-              <a:schemeClr val="lt1"/>
-            </a:fontRef>
-          </p:style>
-          <p:txBody>
-            <a:bodyPr rtlCol="0" anchor="ctr"/>
-            <a:lstStyle/>
-            <a:p>
-              <a:pPr algn="ctr"/>
-              <a:endParaRPr lang="en-US"/>
-            </a:p>
-          </p:txBody>
-        </p:sp>
-        <p:sp>
-          <p:nvSpPr>
-            <p:cNvPr id="14" name="Rectangle 13"/>
-            <p:cNvSpPr/>
-            <p:nvPr/>
-          </p:nvSpPr>
-          <p:spPr>
-            <a:xfrm>
-              <a:off x="5728958" y="4095461"/>
-              <a:ext cx="208291" cy="206664"/>
-            </a:xfrm>
-            <a:prstGeom prst="rect">
-              <a:avLst/>
-            </a:prstGeom>
-            <a:noFill/>
-            <a:ln w="19050">
-              <a:solidFill>
-                <a:srgbClr val="FF0000"/>
-              </a:solidFill>
-            </a:ln>
-          </p:spPr>
-          <p:style>
-            <a:lnRef idx="1">
-              <a:schemeClr val="accent1"/>
-            </a:lnRef>
-            <a:fillRef idx="3">
-              <a:schemeClr val="accent1"/>
-            </a:fillRef>
-            <a:effectRef idx="2">
-              <a:schemeClr val="accent1"/>
-            </a:effectRef>
-            <a:fontRef idx="minor">
-              <a:schemeClr val="lt1"/>
-            </a:fontRef>
-          </p:style>
-          <p:txBody>
-            <a:bodyPr rtlCol="0" anchor="ctr"/>
-            <a:lstStyle/>
-            <a:p>
-              <a:pPr algn="ctr"/>
-              <a:endParaRPr lang="en-US"/>
-            </a:p>
-          </p:txBody>
-        </p:sp>
-        <p:sp>
-          <p:nvSpPr>
-            <p:cNvPr id="15" name="Rectangle 14"/>
-            <p:cNvSpPr/>
-            <p:nvPr/>
-          </p:nvSpPr>
-          <p:spPr>
-            <a:xfrm>
-              <a:off x="6891727" y="5640279"/>
-              <a:ext cx="217892" cy="211246"/>
-            </a:xfrm>
-            <a:prstGeom prst="rect">
-              <a:avLst/>
-            </a:prstGeom>
-            <a:noFill/>
-            <a:ln w="19050">
-              <a:solidFill>
-                <a:srgbClr val="FF0000"/>
-              </a:solidFill>
-            </a:ln>
-          </p:spPr>
-          <p:style>
-            <a:lnRef idx="1">
-              <a:schemeClr val="accent1"/>
-            </a:lnRef>
-            <a:fillRef idx="3">
-              <a:schemeClr val="accent1"/>
-            </a:fillRef>
-            <a:effectRef idx="2">
-              <a:schemeClr val="accent1"/>
-            </a:effectRef>
-            <a:fontRef idx="minor">
-              <a:schemeClr val="lt1"/>
-            </a:fontRef>
-          </p:style>
-          <p:txBody>
-            <a:bodyPr rtlCol="0" anchor="ctr"/>
-            <a:lstStyle/>
-            <a:p>
-              <a:pPr algn="ctr"/>
-              <a:endParaRPr lang="en-US"/>
-            </a:p>
-          </p:txBody>
-        </p:sp>
-        <p:sp>
-          <p:nvSpPr>
-            <p:cNvPr id="16" name="Rectangle 15"/>
-            <p:cNvSpPr/>
-            <p:nvPr/>
-          </p:nvSpPr>
-          <p:spPr>
-            <a:xfrm>
-              <a:off x="8222052" y="4306597"/>
-              <a:ext cx="219150" cy="221637"/>
-            </a:xfrm>
-            <a:prstGeom prst="rect">
-              <a:avLst/>
-            </a:prstGeom>
-            <a:noFill/>
-            <a:ln w="19050">
-              <a:solidFill>
-                <a:srgbClr val="FF0000"/>
-              </a:solidFill>
-            </a:ln>
-          </p:spPr>
-          <p:style>
-            <a:lnRef idx="1">
-              <a:schemeClr val="accent1"/>
-            </a:lnRef>
-            <a:fillRef idx="3">
-              <a:schemeClr val="accent1"/>
-            </a:fillRef>
-            <a:effectRef idx="2">
-              <a:schemeClr val="accent1"/>
-            </a:effectRef>
-            <a:fontRef idx="minor">
-              <a:schemeClr val="lt1"/>
-            </a:fontRef>
-          </p:style>
-          <p:txBody>
-            <a:bodyPr rtlCol="0" anchor="ctr"/>
-            <a:lstStyle/>
-            <a:p>
-              <a:pPr algn="ctr"/>
-              <a:endParaRPr lang="en-US"/>
-            </a:p>
-          </p:txBody>
-        </p:sp>
-      </p:grpSp>
-      <p:sp>
-        <p:nvSpPr>
-          <p:cNvPr id="21" name="Rectangle 20"/>
-          <p:cNvSpPr/>
-          <p:nvPr/>
-        </p:nvSpPr>
-        <p:spPr>
-          <a:xfrm>
-            <a:off x="690364" y="5987929"/>
-            <a:ext cx="1595309" cy="369332"/>
-          </a:xfrm>
-          <a:prstGeom prst="rect">
-            <a:avLst/>
-          </a:prstGeom>
-        </p:spPr>
-        <p:txBody>
-          <a:bodyPr wrap="none">
-            <a:spAutoFit/>
-          </a:bodyPr>
-          <a:lstStyle/>
-          <a:p>
-            <a:r>
-              <a:rPr lang="en-US" dirty="0">
-                <a:latin typeface="Arial" pitchFamily="34" charset="0"/>
-                <a:cs typeface="Arial" pitchFamily="34" charset="0"/>
-              </a:rPr>
-              <a:t>System Cycle</a:t>
-            </a:r>
-          </a:p>
-        </p:txBody>
-      </p:sp>
-      <p:sp>
-        <p:nvSpPr>
-          <p:cNvPr id="22" name="Rectangle 21"/>
-          <p:cNvSpPr/>
-          <p:nvPr/>
-        </p:nvSpPr>
-        <p:spPr>
-          <a:xfrm>
-            <a:off x="3417797" y="5993184"/>
-            <a:ext cx="2428870" cy="369332"/>
-          </a:xfrm>
-          <a:prstGeom prst="rect">
-            <a:avLst/>
-          </a:prstGeom>
-        </p:spPr>
-        <p:txBody>
-          <a:bodyPr wrap="none">
-            <a:spAutoFit/>
-          </a:bodyPr>
-          <a:lstStyle/>
-          <a:p>
-            <a:r>
-              <a:rPr lang="en-US" dirty="0">
-                <a:latin typeface="Arial" pitchFamily="34" charset="0"/>
-                <a:cs typeface="Arial" pitchFamily="34" charset="0"/>
-              </a:rPr>
-              <a:t>Intercomponent Cycle</a:t>
-            </a:r>
-          </a:p>
-        </p:txBody>
-      </p:sp>
-      <p:sp>
-        <p:nvSpPr>
-          <p:cNvPr id="23" name="Rectangle 22"/>
-          <p:cNvSpPr/>
-          <p:nvPr/>
-        </p:nvSpPr>
-        <p:spPr>
-          <a:xfrm>
-            <a:off x="6118957" y="5982673"/>
-            <a:ext cx="2044149" cy="369332"/>
-          </a:xfrm>
-          <a:prstGeom prst="rect">
-            <a:avLst/>
-          </a:prstGeom>
-        </p:spPr>
-        <p:txBody>
-          <a:bodyPr wrap="none">
-            <a:spAutoFit/>
-          </a:bodyPr>
-          <a:lstStyle/>
-          <a:p>
-            <a:r>
-              <a:rPr lang="en-US" dirty="0">
-                <a:latin typeface="Arial" pitchFamily="34" charset="0"/>
-                <a:cs typeface="Arial" pitchFamily="34" charset="0"/>
-              </a:rPr>
-              <a:t>Hierarchical Cycle</a:t>
-            </a:r>
-          </a:p>
-        </p:txBody>
-      </p:sp>
-    </p:spTree>
-    <p:extLst>
-      <p:ext uri="{BB962C8B-B14F-4D97-AF65-F5344CB8AC3E}">
-        <p14:creationId xmlns:p14="http://schemas.microsoft.com/office/powerpoint/2010/main" val="859481416"/>
-      </p:ext>
-    </p:extLst>
-  </p:cSld>
-  <p:clrMapOvr>
-    <a:masterClrMapping/>
-  </p:clrMapOvr>
-</p:sld>
-</file>
-
-<file path=ppt/slides/slide17.xml><?xml version="1.0" encoding="utf-8"?>
+<file path=ppt/slides/slide13.xml><?xml version="1.0" encoding="utf-8"?>
 <p:sld xmlns:a="http://schemas.openxmlformats.org/drawingml/2006/main" xmlns:r="http://schemas.openxmlformats.org/officeDocument/2006/relationships" xmlns:p="http://schemas.openxmlformats.org/presentationml/2006/main">
   <p:cSld>
     <p:spTree>
@@ -7923,28 +6136,32 @@
       </p:grpSpPr>
       <p:pic>
         <p:nvPicPr>
-          <p:cNvPr id="12291" name="Picture 3" descr="d:\Users\Johan\Desktop\DSM\12_dsm_example_refactor_hierarchical_cycle_before.png"/>
+          <p:cNvPr id="2" name="Picture 1">
+            <a:extLst>
+              <a:ext uri="{FF2B5EF4-FFF2-40B4-BE49-F238E27FC236}">
+                <a16:creationId xmlns:a16="http://schemas.microsoft.com/office/drawing/2014/main" id="{40528D40-B51E-4FC0-B86A-000535293B6C}"/>
+              </a:ext>
+            </a:extLst>
+          </p:cNvPr>
           <p:cNvPicPr>
-            <a:picLocks noChangeAspect="1" noChangeArrowheads="1"/>
+            <a:picLocks noChangeAspect="1"/>
           </p:cNvPicPr>
           <p:nvPr/>
         </p:nvPicPr>
         <p:blipFill>
-          <a:blip r:embed="rId2" cstate="print"/>
-          <a:srcRect/>
+          <a:blip r:embed="rId2"/>
           <a:stretch>
             <a:fillRect/>
           </a:stretch>
         </p:blipFill>
-        <p:spPr bwMode="auto">
+        <p:spPr>
           <a:xfrm>
-            <a:off x="1381236" y="2060304"/>
-            <a:ext cx="5429469" cy="4003693"/>
+            <a:off x="1438275" y="1057275"/>
+            <a:ext cx="6267450" cy="4743450"/>
           </a:xfrm>
           <a:prstGeom prst="rect">
             <a:avLst/>
           </a:prstGeom>
-          <a:noFill/>
         </p:spPr>
       </p:pic>
       <p:sp>
@@ -7983,8 +6200,8 @@
         </p:nvSpPr>
         <p:spPr>
           <a:xfrm>
-            <a:off x="5399216" y="2976564"/>
-            <a:ext cx="282449" cy="261936"/>
+            <a:off x="6178804" y="2396655"/>
+            <a:ext cx="283909" cy="279870"/>
           </a:xfrm>
           <a:prstGeom prst="rect">
             <a:avLst/>
@@ -8104,8 +6321,8 @@
         </p:nvSpPr>
         <p:spPr>
           <a:xfrm>
-            <a:off x="1671640" y="2975298"/>
-            <a:ext cx="1457325" cy="287017"/>
+            <a:off x="2066928" y="2396655"/>
+            <a:ext cx="1564478" cy="287017"/>
           </a:xfrm>
           <a:prstGeom prst="rect">
             <a:avLst/>
@@ -8456,7 +6673,7 @@
 </p:sld>
 </file>
 
-<file path=ppt/slides/slide18.xml><?xml version="1.0" encoding="utf-8"?>
+<file path=ppt/slides/slide14.xml><?xml version="1.0" encoding="utf-8"?>
 <p:sld xmlns:a="http://schemas.openxmlformats.org/drawingml/2006/main" xmlns:r="http://schemas.openxmlformats.org/officeDocument/2006/relationships" xmlns:p="http://schemas.openxmlformats.org/presentationml/2006/main">
   <p:cSld>
     <p:spTree>
@@ -8475,28 +6692,32 @@
       </p:grpSpPr>
       <p:pic>
         <p:nvPicPr>
-          <p:cNvPr id="13316" name="Picture 4" descr="d:\Users\Johan\Desktop\DSM\13_dsm_example_refactor_hierarchical_cycle_after.png"/>
+          <p:cNvPr id="2" name="Picture 1">
+            <a:extLst>
+              <a:ext uri="{FF2B5EF4-FFF2-40B4-BE49-F238E27FC236}">
+                <a16:creationId xmlns:a16="http://schemas.microsoft.com/office/drawing/2014/main" id="{924E1183-7D24-41DA-A800-89D2791AE513}"/>
+              </a:ext>
+            </a:extLst>
+          </p:cNvPr>
           <p:cNvPicPr>
-            <a:picLocks noChangeAspect="1" noChangeArrowheads="1"/>
+            <a:picLocks noChangeAspect="1"/>
           </p:cNvPicPr>
           <p:nvPr/>
         </p:nvPicPr>
         <p:blipFill>
-          <a:blip r:embed="rId2" cstate="print"/>
-          <a:srcRect/>
+          <a:blip r:embed="rId2"/>
           <a:stretch>
             <a:fillRect/>
           </a:stretch>
         </p:blipFill>
-        <p:spPr bwMode="auto">
+        <p:spPr>
           <a:xfrm>
-            <a:off x="1380747" y="2057400"/>
-            <a:ext cx="5150407" cy="4005072"/>
+            <a:off x="1438275" y="1057275"/>
+            <a:ext cx="6267450" cy="4743450"/>
           </a:xfrm>
           <a:prstGeom prst="rect">
             <a:avLst/>
           </a:prstGeom>
-          <a:noFill/>
         </p:spPr>
       </p:pic>
       <p:sp>
@@ -8540,8 +6761,8 @@
           </a:xfrm>
           <a:prstGeom prst="wedgeRoundRectCallout">
             <a:avLst>
-              <a:gd name="adj1" fmla="val -155769"/>
-              <a:gd name="adj2" fmla="val 52554"/>
+              <a:gd name="adj1" fmla="val -93844"/>
+              <a:gd name="adj2" fmla="val 18851"/>
               <a:gd name="adj3" fmla="val 16667"/>
             </a:avLst>
           </a:prstGeom>
@@ -8590,8 +6811,8 @@
         </p:nvSpPr>
         <p:spPr>
           <a:xfrm>
-            <a:off x="4840374" y="5229249"/>
-            <a:ext cx="274553" cy="266676"/>
+            <a:off x="5873837" y="4869774"/>
+            <a:ext cx="276932" cy="273726"/>
           </a:xfrm>
           <a:prstGeom prst="rect">
             <a:avLst/>
@@ -8634,8 +6855,8 @@
         </p:nvSpPr>
         <p:spPr>
           <a:xfrm>
-            <a:off x="1666876" y="5234398"/>
-            <a:ext cx="1181100" cy="258736"/>
+            <a:off x="2076451" y="4869774"/>
+            <a:ext cx="1552574" cy="285632"/>
           </a:xfrm>
           <a:prstGeom prst="rect">
             <a:avLst/>
@@ -8986,7 +7207,7 @@
 </p:sld>
 </file>
 
-<file path=ppt/slides/slide19.xml><?xml version="1.0" encoding="utf-8"?>
+<file path=ppt/slides/slide15.xml><?xml version="1.0" encoding="utf-8"?>
 <p:sld xmlns:a="http://schemas.openxmlformats.org/drawingml/2006/main" xmlns:r="http://schemas.openxmlformats.org/officeDocument/2006/relationships" xmlns:p="http://schemas.openxmlformats.org/presentationml/2006/main">
   <p:cSld>
     <p:spTree>
@@ -9003,32 +7224,6 @@
           <a:chExt cx="0" cy="0"/>
         </a:xfrm>
       </p:grpSpPr>
-      <p:pic>
-        <p:nvPicPr>
-          <p:cNvPr id="5" name="Picture 3" descr="d:\Users\Johan\Desktop\DSM\06_dsm_example_strict_layering.png"/>
-          <p:cNvPicPr>
-            <a:picLocks noChangeAspect="1" noChangeArrowheads="1"/>
-          </p:cNvPicPr>
-          <p:nvPr/>
-        </p:nvPicPr>
-        <p:blipFill>
-          <a:blip r:embed="rId2" cstate="print"/>
-          <a:srcRect/>
-          <a:stretch>
-            <a:fillRect/>
-          </a:stretch>
-        </p:blipFill>
-        <p:spPr bwMode="auto">
-          <a:xfrm>
-            <a:off x="2578610" y="3099818"/>
-            <a:ext cx="3838575" cy="1952625"/>
-          </a:xfrm>
-          <a:prstGeom prst="rect">
-            <a:avLst/>
-          </a:prstGeom>
-          <a:noFill/>
-        </p:spPr>
-      </p:pic>
       <p:sp>
         <p:nvSpPr>
           <p:cNvPr id="6" name="Rectangle 5"/>
@@ -9158,6 +7353,306 @@
             <a:schemeClr val="accent1"/>
           </a:fillRef>
           <a:effectRef idx="2">
+            <a:schemeClr val="accent1"/>
+          </a:effectRef>
+          <a:fontRef idx="minor">
+            <a:schemeClr val="lt1"/>
+          </a:fontRef>
+        </p:style>
+        <p:txBody>
+          <a:bodyPr rtlCol="0" anchor="ctr"/>
+          <a:lstStyle/>
+          <a:p>
+            <a:pPr algn="ctr"/>
+            <a:endParaRPr lang="en-US"/>
+          </a:p>
+        </p:txBody>
+      </p:sp>
+      <p:pic>
+        <p:nvPicPr>
+          <p:cNvPr id="3" name="Picture 2">
+            <a:extLst>
+              <a:ext uri="{FF2B5EF4-FFF2-40B4-BE49-F238E27FC236}">
+                <a16:creationId xmlns:a16="http://schemas.microsoft.com/office/drawing/2014/main" id="{FECACCCE-BB6E-4A50-BF19-9FDD18561DAC}"/>
+              </a:ext>
+            </a:extLst>
+          </p:cNvPr>
+          <p:cNvPicPr>
+            <a:picLocks noChangeAspect="1"/>
+          </p:cNvPicPr>
+          <p:nvPr/>
+        </p:nvPicPr>
+        <p:blipFill>
+          <a:blip r:embed="rId2"/>
+          <a:stretch>
+            <a:fillRect/>
+          </a:stretch>
+        </p:blipFill>
+        <p:spPr>
+          <a:xfrm>
+            <a:off x="1442351" y="587405"/>
+            <a:ext cx="3486150" cy="1952625"/>
+          </a:xfrm>
+          <a:prstGeom prst="rect">
+            <a:avLst/>
+          </a:prstGeom>
+        </p:spPr>
+      </p:pic>
+      <p:sp>
+        <p:nvSpPr>
+          <p:cNvPr id="4" name="Rectangle 3">
+            <a:extLst>
+              <a:ext uri="{FF2B5EF4-FFF2-40B4-BE49-F238E27FC236}">
+                <a16:creationId xmlns:a16="http://schemas.microsoft.com/office/drawing/2014/main" id="{39CB8303-F15B-437E-A89C-A7288ADF8C66}"/>
+              </a:ext>
+            </a:extLst>
+          </p:cNvPr>
+          <p:cNvSpPr/>
+          <p:nvPr/>
+        </p:nvSpPr>
+        <p:spPr>
+          <a:xfrm>
+            <a:off x="3703171" y="1616869"/>
+            <a:ext cx="285423" cy="285750"/>
+          </a:xfrm>
+          <a:prstGeom prst="rect">
+            <a:avLst/>
+          </a:prstGeom>
+          <a:solidFill>
+            <a:srgbClr val="92D050">
+              <a:alpha val="48000"/>
+            </a:srgbClr>
+          </a:solidFill>
+          <a:ln>
+            <a:noFill/>
+          </a:ln>
+        </p:spPr>
+        <p:style>
+          <a:lnRef idx="2">
+            <a:schemeClr val="accent1">
+              <a:shade val="50000"/>
+            </a:schemeClr>
+          </a:lnRef>
+          <a:fillRef idx="1">
+            <a:schemeClr val="accent1"/>
+          </a:fillRef>
+          <a:effectRef idx="0">
+            <a:schemeClr val="accent1"/>
+          </a:effectRef>
+          <a:fontRef idx="minor">
+            <a:schemeClr val="lt1"/>
+          </a:fontRef>
+        </p:style>
+        <p:txBody>
+          <a:bodyPr rtlCol="0" anchor="ctr"/>
+          <a:lstStyle/>
+          <a:p>
+            <a:pPr algn="ctr"/>
+            <a:endParaRPr lang="en-US"/>
+          </a:p>
+        </p:txBody>
+      </p:sp>
+      <p:sp>
+        <p:nvSpPr>
+          <p:cNvPr id="9" name="Rectangle 8">
+            <a:extLst>
+              <a:ext uri="{FF2B5EF4-FFF2-40B4-BE49-F238E27FC236}">
+                <a16:creationId xmlns:a16="http://schemas.microsoft.com/office/drawing/2014/main" id="{86809E02-6474-4272-90D4-4054BB86C50C}"/>
+              </a:ext>
+            </a:extLst>
+          </p:cNvPr>
+          <p:cNvSpPr/>
+          <p:nvPr/>
+        </p:nvSpPr>
+        <p:spPr>
+          <a:xfrm>
+            <a:off x="4010352" y="1921669"/>
+            <a:ext cx="285423" cy="285750"/>
+          </a:xfrm>
+          <a:prstGeom prst="rect">
+            <a:avLst/>
+          </a:prstGeom>
+          <a:solidFill>
+            <a:srgbClr val="92D050">
+              <a:alpha val="48000"/>
+            </a:srgbClr>
+          </a:solidFill>
+          <a:ln>
+            <a:noFill/>
+          </a:ln>
+        </p:spPr>
+        <p:style>
+          <a:lnRef idx="2">
+            <a:schemeClr val="accent1">
+              <a:shade val="50000"/>
+            </a:schemeClr>
+          </a:lnRef>
+          <a:fillRef idx="1">
+            <a:schemeClr val="accent1"/>
+          </a:fillRef>
+          <a:effectRef idx="0">
+            <a:schemeClr val="accent1"/>
+          </a:effectRef>
+          <a:fontRef idx="minor">
+            <a:schemeClr val="lt1"/>
+          </a:fontRef>
+        </p:style>
+        <p:txBody>
+          <a:bodyPr rtlCol="0" anchor="ctr"/>
+          <a:lstStyle/>
+          <a:p>
+            <a:pPr algn="ctr"/>
+            <a:endParaRPr lang="en-US"/>
+          </a:p>
+        </p:txBody>
+      </p:sp>
+      <p:sp>
+        <p:nvSpPr>
+          <p:cNvPr id="10" name="Rectangle 9">
+            <a:extLst>
+              <a:ext uri="{FF2B5EF4-FFF2-40B4-BE49-F238E27FC236}">
+                <a16:creationId xmlns:a16="http://schemas.microsoft.com/office/drawing/2014/main" id="{BFBF1717-0283-4FDF-98B7-C8CBB5440F1E}"/>
+              </a:ext>
+            </a:extLst>
+          </p:cNvPr>
+          <p:cNvSpPr/>
+          <p:nvPr/>
+        </p:nvSpPr>
+        <p:spPr>
+          <a:xfrm>
+            <a:off x="3703171" y="2224088"/>
+            <a:ext cx="285423" cy="285750"/>
+          </a:xfrm>
+          <a:prstGeom prst="rect">
+            <a:avLst/>
+          </a:prstGeom>
+          <a:solidFill>
+            <a:srgbClr val="92D050">
+              <a:alpha val="48000"/>
+            </a:srgbClr>
+          </a:solidFill>
+          <a:ln>
+            <a:noFill/>
+          </a:ln>
+        </p:spPr>
+        <p:style>
+          <a:lnRef idx="2">
+            <a:schemeClr val="accent1">
+              <a:shade val="50000"/>
+            </a:schemeClr>
+          </a:lnRef>
+          <a:fillRef idx="1">
+            <a:schemeClr val="accent1"/>
+          </a:fillRef>
+          <a:effectRef idx="0">
+            <a:schemeClr val="accent1"/>
+          </a:effectRef>
+          <a:fontRef idx="minor">
+            <a:schemeClr val="lt1"/>
+          </a:fontRef>
+        </p:style>
+        <p:txBody>
+          <a:bodyPr rtlCol="0" anchor="ctr"/>
+          <a:lstStyle/>
+          <a:p>
+            <a:pPr algn="ctr"/>
+            <a:endParaRPr lang="en-US"/>
+          </a:p>
+        </p:txBody>
+      </p:sp>
+      <p:sp>
+        <p:nvSpPr>
+          <p:cNvPr id="11" name="Rectangle 10">
+            <a:extLst>
+              <a:ext uri="{FF2B5EF4-FFF2-40B4-BE49-F238E27FC236}">
+                <a16:creationId xmlns:a16="http://schemas.microsoft.com/office/drawing/2014/main" id="{62B958E0-89FD-4349-9DB8-8C11D4C3A654}"/>
+              </a:ext>
+            </a:extLst>
+          </p:cNvPr>
+          <p:cNvSpPr/>
+          <p:nvPr/>
+        </p:nvSpPr>
+        <p:spPr>
+          <a:xfrm>
+            <a:off x="4010351" y="2230849"/>
+            <a:ext cx="285423" cy="285750"/>
+          </a:xfrm>
+          <a:prstGeom prst="rect">
+            <a:avLst/>
+          </a:prstGeom>
+          <a:solidFill>
+            <a:srgbClr val="92D050">
+              <a:alpha val="48000"/>
+            </a:srgbClr>
+          </a:solidFill>
+          <a:ln>
+            <a:noFill/>
+          </a:ln>
+        </p:spPr>
+        <p:style>
+          <a:lnRef idx="2">
+            <a:schemeClr val="accent1">
+              <a:shade val="50000"/>
+            </a:schemeClr>
+          </a:lnRef>
+          <a:fillRef idx="1">
+            <a:schemeClr val="accent1"/>
+          </a:fillRef>
+          <a:effectRef idx="0">
+            <a:schemeClr val="accent1"/>
+          </a:effectRef>
+          <a:fontRef idx="minor">
+            <a:schemeClr val="lt1"/>
+          </a:fontRef>
+        </p:style>
+        <p:txBody>
+          <a:bodyPr rtlCol="0" anchor="ctr"/>
+          <a:lstStyle/>
+          <a:p>
+            <a:pPr algn="ctr"/>
+            <a:endParaRPr lang="en-US"/>
+          </a:p>
+        </p:txBody>
+      </p:sp>
+      <p:sp>
+        <p:nvSpPr>
+          <p:cNvPr id="12" name="Rectangle 11">
+            <a:extLst>
+              <a:ext uri="{FF2B5EF4-FFF2-40B4-BE49-F238E27FC236}">
+                <a16:creationId xmlns:a16="http://schemas.microsoft.com/office/drawing/2014/main" id="{FBD43AB0-AF73-4DCE-9667-30124EB1CCE5}"/>
+              </a:ext>
+            </a:extLst>
+          </p:cNvPr>
+          <p:cNvSpPr/>
+          <p:nvPr/>
+        </p:nvSpPr>
+        <p:spPr>
+          <a:xfrm>
+            <a:off x="4326714" y="2230849"/>
+            <a:ext cx="285423" cy="285750"/>
+          </a:xfrm>
+          <a:prstGeom prst="rect">
+            <a:avLst/>
+          </a:prstGeom>
+          <a:solidFill>
+            <a:srgbClr val="92D050">
+              <a:alpha val="48000"/>
+            </a:srgbClr>
+          </a:solidFill>
+          <a:ln>
+            <a:noFill/>
+          </a:ln>
+        </p:spPr>
+        <p:style>
+          <a:lnRef idx="2">
+            <a:schemeClr val="accent1">
+              <a:shade val="50000"/>
+            </a:schemeClr>
+          </a:lnRef>
+          <a:fillRef idx="1">
+            <a:schemeClr val="accent1"/>
+          </a:fillRef>
+          <a:effectRef idx="0">
             <a:schemeClr val="accent1"/>
           </a:effectRef>
           <a:fontRef idx="minor">
@@ -10082,28 +8577,32 @@
       </p:grpSpPr>
       <p:pic>
         <p:nvPicPr>
-          <p:cNvPr id="2050" name="Picture 2" descr="d:\Users\Johan\Desktop\DSM\01_dsm_example_initial.png"/>
+          <p:cNvPr id="3" name="Picture 2">
+            <a:extLst>
+              <a:ext uri="{FF2B5EF4-FFF2-40B4-BE49-F238E27FC236}">
+                <a16:creationId xmlns:a16="http://schemas.microsoft.com/office/drawing/2014/main" id="{AEC0B7A7-6D0C-4EC1-875E-7B4C38F55CE7}"/>
+              </a:ext>
+            </a:extLst>
+          </p:cNvPr>
           <p:cNvPicPr>
-            <a:picLocks noChangeAspect="1" noChangeArrowheads="1"/>
+            <a:picLocks noChangeAspect="1"/>
           </p:cNvPicPr>
           <p:nvPr/>
         </p:nvPicPr>
         <p:blipFill>
-          <a:blip r:embed="rId2" cstate="print"/>
-          <a:srcRect/>
+          <a:blip r:embed="rId2"/>
           <a:stretch>
             <a:fillRect/>
           </a:stretch>
         </p:blipFill>
-        <p:spPr bwMode="auto">
+        <p:spPr>
           <a:xfrm>
-            <a:off x="1835698" y="1268762"/>
-            <a:ext cx="6025547" cy="4714493"/>
+            <a:off x="819150" y="438150"/>
+            <a:ext cx="7505700" cy="5981700"/>
           </a:xfrm>
           <a:prstGeom prst="rect">
             <a:avLst/>
           </a:prstGeom>
-          <a:noFill/>
         </p:spPr>
       </p:pic>
       <p:sp>
@@ -10114,8 +8613,8 @@
         </p:nvSpPr>
         <p:spPr>
           <a:xfrm>
-            <a:off x="2110140" y="2370761"/>
-            <a:ext cx="1333276" cy="265053"/>
+            <a:off x="1445188" y="2090844"/>
+            <a:ext cx="1549682" cy="265053"/>
           </a:xfrm>
           <a:prstGeom prst="rect">
             <a:avLst/>
@@ -10158,7 +8657,7 @@
         </p:nvSpPr>
         <p:spPr>
           <a:xfrm>
-            <a:off x="4542028" y="4442197"/>
+            <a:off x="4382557" y="4502104"/>
             <a:ext cx="1266669" cy="612648"/>
           </a:xfrm>
           <a:prstGeom prst="wedgeRoundRectCallout">
@@ -10213,13 +8712,13 @@
         </p:nvSpPr>
         <p:spPr>
           <a:xfrm>
-            <a:off x="274078" y="2211491"/>
-            <a:ext cx="1266669" cy="612648"/>
+            <a:off x="2664271" y="5368828"/>
+            <a:ext cx="1345667" cy="612648"/>
           </a:xfrm>
           <a:prstGeom prst="wedgeRoundRectCallout">
             <a:avLst>
-              <a:gd name="adj1" fmla="val 90498"/>
-              <a:gd name="adj2" fmla="val -46691"/>
+              <a:gd name="adj1" fmla="val -77061"/>
+              <a:gd name="adj2" fmla="val -28890"/>
               <a:gd name="adj3" fmla="val 16667"/>
             </a:avLst>
           </a:prstGeom>
@@ -10268,13 +8767,13 @@
         </p:nvSpPr>
         <p:spPr>
           <a:xfrm>
-            <a:off x="6871625" y="3693547"/>
-            <a:ext cx="1266669" cy="612648"/>
+            <a:off x="6403669" y="3195757"/>
+            <a:ext cx="1674927" cy="612648"/>
           </a:xfrm>
           <a:prstGeom prst="wedgeRoundRectCallout">
             <a:avLst>
-              <a:gd name="adj1" fmla="val -103306"/>
-              <a:gd name="adj2" fmla="val 55307"/>
+              <a:gd name="adj1" fmla="val -70249"/>
+              <a:gd name="adj2" fmla="val 79954"/>
               <a:gd name="adj3" fmla="val 16667"/>
             </a:avLst>
           </a:prstGeom>
@@ -10318,13 +8817,15 @@
       <p:cxnSp>
         <p:nvCxnSpPr>
           <p:cNvPr id="13" name="Straight Connector 12"/>
-          <p:cNvCxnSpPr/>
+          <p:cNvCxnSpPr>
+            <a:cxnSpLocks/>
+          </p:cNvCxnSpPr>
           <p:nvPr/>
         </p:nvCxnSpPr>
         <p:spPr>
-          <a:xfrm rot="16200000" flipH="1">
-            <a:off x="3458641" y="1593935"/>
-            <a:ext cx="4399816" cy="4397679"/>
+          <a:xfrm>
+            <a:off x="3115888" y="1182848"/>
+            <a:ext cx="5147268" cy="5150840"/>
           </a:xfrm>
           <a:prstGeom prst="line">
             <a:avLst/>
@@ -10358,8 +8859,8 @@
         </p:nvSpPr>
         <p:spPr>
           <a:xfrm>
-            <a:off x="2097219" y="3661339"/>
-            <a:ext cx="1362490" cy="262873"/>
+            <a:off x="1445188" y="3633625"/>
+            <a:ext cx="1545838" cy="262873"/>
           </a:xfrm>
           <a:prstGeom prst="rect">
             <a:avLst/>
@@ -10402,13 +8903,13 @@
         </p:nvSpPr>
         <p:spPr>
           <a:xfrm>
-            <a:off x="6588226" y="814353"/>
-            <a:ext cx="2211533" cy="612648"/>
+            <a:off x="6403669" y="1326081"/>
+            <a:ext cx="1674930" cy="612647"/>
           </a:xfrm>
           <a:prstGeom prst="wedgeRoundRectCallout">
             <a:avLst>
-              <a:gd name="adj1" fmla="val -77099"/>
-              <a:gd name="adj2" fmla="val 47850"/>
+              <a:gd name="adj1" fmla="val -50053"/>
+              <a:gd name="adj2" fmla="val -97296"/>
               <a:gd name="adj3" fmla="val 16667"/>
             </a:avLst>
           </a:prstGeom>
@@ -10436,25 +8937,6 @@
         <p:txBody>
           <a:bodyPr rtlCol="0" anchor="ctr"/>
           <a:lstStyle/>
-          <a:p>
-            <a:pPr algn="ctr"/>
-            <a:r>
-              <a:rPr lang="en-US" sz="1400" dirty="0" err="1">
-                <a:solidFill>
-                  <a:schemeClr val="bg1"/>
-                </a:solidFill>
-              </a:rPr>
-              <a:t>NxN</a:t>
-            </a:r>
-            <a:r>
-              <a:rPr lang="en-US" sz="1400" dirty="0">
-                <a:solidFill>
-                  <a:schemeClr val="bg1"/>
-                </a:solidFill>
-              </a:rPr>
-              <a:t> matrix</a:t>
-            </a:r>
-          </a:p>
           <a:p>
             <a:pPr algn="ctr"/>
             <a:r>
@@ -10463,18 +8945,7 @@
                   <a:schemeClr val="bg1"/>
                 </a:solidFill>
               </a:rPr>
-              <a:t>Same rows and columns</a:t>
-            </a:r>
-          </a:p>
-          <a:p>
-            <a:pPr algn="ctr"/>
-            <a:r>
-              <a:rPr lang="en-US" sz="1400" dirty="0">
-                <a:solidFill>
-                  <a:schemeClr val="bg1"/>
-                </a:solidFill>
-              </a:rPr>
-              <a:t> </a:t>
+              <a:t>Same rows and columns </a:t>
             </a:r>
           </a:p>
         </p:txBody>
@@ -10487,7 +8958,7 @@
         </p:nvSpPr>
         <p:spPr>
           <a:xfrm>
-            <a:off x="2843809" y="4439853"/>
+            <a:off x="2664271" y="4502104"/>
             <a:ext cx="1365858" cy="612648"/>
           </a:xfrm>
           <a:prstGeom prst="wedgeRoundRectCallout">
@@ -10542,8 +9013,8 @@
         </p:nvSpPr>
         <p:spPr>
           <a:xfrm>
-            <a:off x="4252798" y="3658439"/>
-            <a:ext cx="245061" cy="238059"/>
+            <a:off x="4009938" y="3633625"/>
+            <a:ext cx="285225" cy="262873"/>
           </a:xfrm>
           <a:prstGeom prst="rect">
             <a:avLst/>
@@ -10578,6 +9049,138 @@
           </a:p>
         </p:txBody>
       </p:sp>
+      <p:cxnSp>
+        <p:nvCxnSpPr>
+          <p:cNvPr id="8" name="Straight Arrow Connector 7">
+            <a:extLst>
+              <a:ext uri="{FF2B5EF4-FFF2-40B4-BE49-F238E27FC236}">
+                <a16:creationId xmlns:a16="http://schemas.microsoft.com/office/drawing/2014/main" id="{0FDDABF5-E931-4FCC-9D68-1AA23741BAFE}"/>
+              </a:ext>
+            </a:extLst>
+          </p:cNvPr>
+          <p:cNvCxnSpPr>
+            <a:cxnSpLocks/>
+          </p:cNvCxnSpPr>
+          <p:nvPr/>
+        </p:nvCxnSpPr>
+        <p:spPr>
+          <a:xfrm>
+            <a:off x="3115888" y="2206305"/>
+            <a:ext cx="815052" cy="0"/>
+          </a:xfrm>
+          <a:prstGeom prst="straightConnector1">
+            <a:avLst/>
+          </a:prstGeom>
+          <a:ln w="19050">
+            <a:solidFill>
+              <a:srgbClr val="FF0000"/>
+            </a:solidFill>
+            <a:tailEnd type="triangle"/>
+          </a:ln>
+        </p:spPr>
+        <p:style>
+          <a:lnRef idx="1">
+            <a:schemeClr val="accent1"/>
+          </a:lnRef>
+          <a:fillRef idx="0">
+            <a:schemeClr val="accent1"/>
+          </a:fillRef>
+          <a:effectRef idx="0">
+            <a:schemeClr val="accent1"/>
+          </a:effectRef>
+          <a:fontRef idx="minor">
+            <a:schemeClr val="tx1"/>
+          </a:fontRef>
+        </p:style>
+      </p:cxnSp>
+      <p:cxnSp>
+        <p:nvCxnSpPr>
+          <p:cNvPr id="19" name="Straight Arrow Connector 18">
+            <a:extLst>
+              <a:ext uri="{FF2B5EF4-FFF2-40B4-BE49-F238E27FC236}">
+                <a16:creationId xmlns:a16="http://schemas.microsoft.com/office/drawing/2014/main" id="{28C97DB0-A35D-467F-B95E-93EAAEEA1665}"/>
+              </a:ext>
+            </a:extLst>
+          </p:cNvPr>
+          <p:cNvCxnSpPr>
+            <a:cxnSpLocks/>
+          </p:cNvCxnSpPr>
+          <p:nvPr/>
+        </p:nvCxnSpPr>
+        <p:spPr>
+          <a:xfrm>
+            <a:off x="4156823" y="2449575"/>
+            <a:ext cx="0" cy="1124445"/>
+          </a:xfrm>
+          <a:prstGeom prst="straightConnector1">
+            <a:avLst/>
+          </a:prstGeom>
+          <a:ln w="19050">
+            <a:solidFill>
+              <a:srgbClr val="FF0000"/>
+            </a:solidFill>
+            <a:tailEnd type="triangle"/>
+          </a:ln>
+        </p:spPr>
+        <p:style>
+          <a:lnRef idx="1">
+            <a:schemeClr val="accent1"/>
+          </a:lnRef>
+          <a:fillRef idx="0">
+            <a:schemeClr val="accent1"/>
+          </a:fillRef>
+          <a:effectRef idx="0">
+            <a:schemeClr val="accent1"/>
+          </a:effectRef>
+          <a:fontRef idx="minor">
+            <a:schemeClr val="tx1"/>
+          </a:fontRef>
+        </p:style>
+      </p:cxnSp>
+      <p:cxnSp>
+        <p:nvCxnSpPr>
+          <p:cNvPr id="22" name="Straight Arrow Connector 21">
+            <a:extLst>
+              <a:ext uri="{FF2B5EF4-FFF2-40B4-BE49-F238E27FC236}">
+                <a16:creationId xmlns:a16="http://schemas.microsoft.com/office/drawing/2014/main" id="{9B46F3CD-BC63-4F16-A495-C77B065FC481}"/>
+              </a:ext>
+            </a:extLst>
+          </p:cNvPr>
+          <p:cNvCxnSpPr>
+            <a:cxnSpLocks/>
+          </p:cNvCxnSpPr>
+          <p:nvPr/>
+        </p:nvCxnSpPr>
+        <p:spPr>
+          <a:xfrm flipH="1">
+            <a:off x="3115889" y="3768056"/>
+            <a:ext cx="815051" cy="0"/>
+          </a:xfrm>
+          <a:prstGeom prst="straightConnector1">
+            <a:avLst/>
+          </a:prstGeom>
+          <a:ln w="19050">
+            <a:solidFill>
+              <a:srgbClr val="FF0000"/>
+            </a:solidFill>
+            <a:tailEnd type="triangle"/>
+          </a:ln>
+        </p:spPr>
+        <p:style>
+          <a:lnRef idx="1">
+            <a:schemeClr val="accent1"/>
+          </a:lnRef>
+          <a:fillRef idx="0">
+            <a:schemeClr val="accent1"/>
+          </a:fillRef>
+          <a:effectRef idx="0">
+            <a:schemeClr val="accent1"/>
+          </a:effectRef>
+          <a:fontRef idx="minor">
+            <a:schemeClr val="tx1"/>
+          </a:fontRef>
+        </p:style>
+      </p:cxnSp>
     </p:spTree>
   </p:cSld>
   <p:clrMapOvr>
@@ -11467,28 +10070,32 @@
       </p:grpSpPr>
       <p:pic>
         <p:nvPicPr>
-          <p:cNvPr id="24" name="Picture 2" descr="d:\Users\Johan\Desktop\DSM\01_dsm_example_initial.png"/>
+          <p:cNvPr id="3" name="Picture 2">
+            <a:extLst>
+              <a:ext uri="{FF2B5EF4-FFF2-40B4-BE49-F238E27FC236}">
+                <a16:creationId xmlns:a16="http://schemas.microsoft.com/office/drawing/2014/main" id="{45FF8766-E39D-4045-BFE2-F1237FBC9377}"/>
+              </a:ext>
+            </a:extLst>
+          </p:cNvPr>
           <p:cNvPicPr>
-            <a:picLocks noChangeAspect="1" noChangeArrowheads="1"/>
+            <a:picLocks noChangeAspect="1"/>
           </p:cNvPicPr>
           <p:nvPr/>
         </p:nvPicPr>
         <p:blipFill>
-          <a:blip r:embed="rId2" cstate="print"/>
-          <a:srcRect/>
+          <a:blip r:embed="rId2"/>
           <a:stretch>
             <a:fillRect/>
           </a:stretch>
         </p:blipFill>
-        <p:spPr bwMode="auto">
+        <p:spPr>
           <a:xfrm>
-            <a:off x="1835698" y="1268762"/>
-            <a:ext cx="6025547" cy="4714493"/>
+            <a:off x="819150" y="438150"/>
+            <a:ext cx="7505700" cy="5981700"/>
           </a:xfrm>
           <a:prstGeom prst="rect">
             <a:avLst/>
           </a:prstGeom>
-          <a:noFill/>
         </p:spPr>
       </p:pic>
       <p:sp>
@@ -11499,8 +10106,8 @@
         </p:nvSpPr>
         <p:spPr>
           <a:xfrm>
-            <a:off x="7596338" y="1589833"/>
-            <a:ext cx="261053" cy="759048"/>
+            <a:off x="8036653" y="1165201"/>
+            <a:ext cx="288197" cy="890100"/>
           </a:xfrm>
           <a:prstGeom prst="rect">
             <a:avLst/>
@@ -11548,8 +10155,8 @@
           </a:xfrm>
           <a:prstGeom prst="wedgeRoundRectCallout">
             <a:avLst>
-              <a:gd name="adj1" fmla="val 72738"/>
-              <a:gd name="adj2" fmla="val -34242"/>
+              <a:gd name="adj1" fmla="val 86847"/>
+              <a:gd name="adj2" fmla="val -51926"/>
               <a:gd name="adj3" fmla="val 16667"/>
             </a:avLst>
           </a:prstGeom>
@@ -11609,8 +10216,8 @@
         </p:nvSpPr>
         <p:spPr>
           <a:xfrm>
-            <a:off x="1833711" y="1580308"/>
-            <a:ext cx="1604814" cy="759048"/>
+            <a:off x="1447818" y="1165201"/>
+            <a:ext cx="1563830" cy="890101"/>
           </a:xfrm>
           <a:prstGeom prst="rect">
             <a:avLst/>
@@ -11983,28 +10590,32 @@
       </p:grpSpPr>
       <p:pic>
         <p:nvPicPr>
-          <p:cNvPr id="3074" name="Picture 2" descr="d:\Users\Johan\Desktop\DSM\02_dsm_example_collapse_one.png"/>
+          <p:cNvPr id="3" name="Picture 2">
+            <a:extLst>
+              <a:ext uri="{FF2B5EF4-FFF2-40B4-BE49-F238E27FC236}">
+                <a16:creationId xmlns:a16="http://schemas.microsoft.com/office/drawing/2014/main" id="{09EAAFAE-74C1-41FF-B727-7BBE1B8385FF}"/>
+              </a:ext>
+            </a:extLst>
+          </p:cNvPr>
           <p:cNvPicPr>
-            <a:picLocks noChangeAspect="1" noChangeArrowheads="1"/>
+            <a:picLocks noChangeAspect="1"/>
           </p:cNvPicPr>
           <p:nvPr/>
         </p:nvPicPr>
         <p:blipFill>
-          <a:blip r:embed="rId2" cstate="print"/>
-          <a:srcRect/>
+          <a:blip r:embed="rId2"/>
           <a:stretch>
             <a:fillRect/>
           </a:stretch>
         </p:blipFill>
-        <p:spPr bwMode="auto">
+        <p:spPr>
           <a:xfrm>
-            <a:off x="1835698" y="1279578"/>
-            <a:ext cx="3953725" cy="2644632"/>
+            <a:off x="1128712" y="747712"/>
+            <a:ext cx="6886575" cy="5362575"/>
           </a:xfrm>
           <a:prstGeom prst="rect">
             <a:avLst/>
           </a:prstGeom>
-          <a:noFill/>
         </p:spPr>
       </p:pic>
       <p:sp>
@@ -12015,13 +10626,13 @@
         </p:nvSpPr>
         <p:spPr>
           <a:xfrm>
-            <a:off x="6444208" y="1340770"/>
+            <a:off x="5806644" y="1956241"/>
             <a:ext cx="1843200" cy="996215"/>
           </a:xfrm>
           <a:prstGeom prst="wedgeRoundRectCallout">
             <a:avLst>
-              <a:gd name="adj1" fmla="val -85214"/>
-              <a:gd name="adj2" fmla="val -8921"/>
+              <a:gd name="adj1" fmla="val 58608"/>
+              <a:gd name="adj2" fmla="val -68709"/>
               <a:gd name="adj3" fmla="val 16667"/>
             </a:avLst>
           </a:prstGeom>
@@ -12081,8 +10692,8 @@
         </p:nvSpPr>
         <p:spPr>
           <a:xfrm>
-            <a:off x="5529263" y="1602583"/>
-            <a:ext cx="252412" cy="245269"/>
+            <a:off x="7709483" y="1479948"/>
+            <a:ext cx="305804" cy="256573"/>
           </a:xfrm>
           <a:prstGeom prst="rect">
             <a:avLst/>
@@ -12125,8 +10736,8 @@
         </p:nvSpPr>
         <p:spPr>
           <a:xfrm>
-            <a:off x="1843089" y="1602583"/>
-            <a:ext cx="1595437" cy="245269"/>
+            <a:off x="1434517" y="1479948"/>
+            <a:ext cx="1907824" cy="256573"/>
           </a:xfrm>
           <a:prstGeom prst="rect">
             <a:avLst/>
@@ -12496,40 +11107,44 @@
       </p:grpSpPr>
       <p:pic>
         <p:nvPicPr>
-          <p:cNvPr id="3074" name="Picture 2" descr="d:\Users\Johan\Desktop\DSM\02_dsm_example_collapse_one.png"/>
+          <p:cNvPr id="2" name="Picture 1">
+            <a:extLst>
+              <a:ext uri="{FF2B5EF4-FFF2-40B4-BE49-F238E27FC236}">
+                <a16:creationId xmlns:a16="http://schemas.microsoft.com/office/drawing/2014/main" id="{7118D8A2-1880-4A5D-87D3-485F882C9273}"/>
+              </a:ext>
+            </a:extLst>
+          </p:cNvPr>
           <p:cNvPicPr>
-            <a:picLocks noChangeAspect="1" noChangeArrowheads="1"/>
+            <a:picLocks noChangeAspect="1"/>
           </p:cNvPicPr>
           <p:nvPr/>
         </p:nvPicPr>
         <p:blipFill>
-          <a:blip r:embed="rId2" cstate="print"/>
-          <a:srcRect/>
+          <a:blip r:embed="rId2"/>
           <a:stretch>
             <a:fillRect/>
           </a:stretch>
         </p:blipFill>
-        <p:spPr bwMode="auto">
+        <p:spPr>
           <a:xfrm>
-            <a:off x="1835698" y="1279578"/>
-            <a:ext cx="3953725" cy="2644632"/>
+            <a:off x="1537020" y="1104575"/>
+            <a:ext cx="3486150" cy="1952625"/>
           </a:xfrm>
           <a:prstGeom prst="rect">
             <a:avLst/>
           </a:prstGeom>
-          <a:noFill/>
         </p:spPr>
       </p:pic>
       <p:sp>
         <p:nvSpPr>
-          <p:cNvPr id="16" name="Rectangle 15"/>
+          <p:cNvPr id="15" name="Rectangle 14"/>
           <p:cNvSpPr/>
           <p:nvPr/>
         </p:nvSpPr>
         <p:spPr>
-          <a:xfrm>
-            <a:off x="4243388" y="2378871"/>
-            <a:ext cx="1535906" cy="1540669"/>
+          <a:xfrm flipV="1">
+            <a:off x="4723001" y="1823709"/>
+            <a:ext cx="300169" cy="281924"/>
           </a:xfrm>
           <a:prstGeom prst="rect">
             <a:avLst/>
@@ -12566,143 +11181,14 @@
       </p:sp>
       <p:sp>
         <p:nvSpPr>
-          <p:cNvPr id="7" name="Rectangle 6"/>
+          <p:cNvPr id="19" name="Rectangle 18"/>
           <p:cNvSpPr/>
           <p:nvPr/>
         </p:nvSpPr>
         <p:spPr>
-          <a:xfrm>
-            <a:off x="1691682" y="3933056"/>
-            <a:ext cx="2372765" cy="369332"/>
-          </a:xfrm>
-          <a:prstGeom prst="rect">
-            <a:avLst/>
-          </a:prstGeom>
-        </p:spPr>
-        <p:txBody>
-          <a:bodyPr wrap="none">
-            <a:spAutoFit/>
-          </a:bodyPr>
-          <a:lstStyle/>
-          <a:p>
-            <a:r>
-              <a:rPr lang="en-US" dirty="0"/>
-              <a:t>Partially collapsed DSM</a:t>
-            </a:r>
-          </a:p>
-        </p:txBody>
-      </p:sp>
-      <p:sp>
-        <p:nvSpPr>
-          <p:cNvPr id="9" name="Rounded Rectangular Callout 8"/>
-          <p:cNvSpPr/>
-          <p:nvPr/>
-        </p:nvSpPr>
-        <p:spPr>
-          <a:xfrm>
-            <a:off x="6425158" y="2612903"/>
-            <a:ext cx="1798820" cy="1054859"/>
-          </a:xfrm>
-          <a:prstGeom prst="wedgeRoundRectCallout">
-            <a:avLst>
-              <a:gd name="adj1" fmla="val -91754"/>
-              <a:gd name="adj2" fmla="val -15633"/>
-              <a:gd name="adj3" fmla="val 16667"/>
-            </a:avLst>
-          </a:prstGeom>
-          <a:solidFill>
-            <a:schemeClr val="accent1"/>
-          </a:solidFill>
-          <a:ln>
-            <a:noFill/>
-          </a:ln>
-        </p:spPr>
-        <p:style>
-          <a:lnRef idx="1">
-            <a:schemeClr val="accent1"/>
-          </a:lnRef>
-          <a:fillRef idx="3">
-            <a:schemeClr val="accent1"/>
-          </a:fillRef>
-          <a:effectRef idx="2">
-            <a:schemeClr val="accent1"/>
-          </a:effectRef>
-          <a:fontRef idx="minor">
-            <a:schemeClr val="lt1"/>
-          </a:fontRef>
-        </p:style>
-        <p:txBody>
-          <a:bodyPr rtlCol="0" anchor="ctr"/>
-          <a:lstStyle/>
-          <a:p>
-            <a:pPr algn="ctr"/>
-            <a:r>
-              <a:rPr lang="en-US" sz="1400" dirty="0">
-                <a:solidFill>
-                  <a:schemeClr val="bg1"/>
-                </a:solidFill>
-              </a:rPr>
-              <a:t>Internal dependencies shown</a:t>
-            </a:r>
-          </a:p>
-        </p:txBody>
-      </p:sp>
-      <p:sp>
-        <p:nvSpPr>
-          <p:cNvPr id="10" name="Title 1"/>
-          <p:cNvSpPr txBox="1">
-            <a:spLocks/>
-          </p:cNvSpPr>
-          <p:nvPr/>
-        </p:nvSpPr>
-        <p:spPr>
-          <a:xfrm>
-            <a:off x="442687" y="358218"/>
-            <a:ext cx="7487110" cy="747713"/>
-          </a:xfrm>
-          <a:prstGeom prst="rect">
-            <a:avLst/>
-          </a:prstGeom>
-        </p:spPr>
-        <p:txBody>
-          <a:bodyPr/>
-          <a:lstStyle>
-            <a:lvl1pPr algn="ctr" defTabSz="914400" rtl="0" eaLnBrk="1" latinLnBrk="0" hangingPunct="1">
-              <a:spcBef>
-                <a:spcPct val="0"/>
-              </a:spcBef>
-              <a:buNone/>
-              <a:defRPr sz="4400" kern="1200">
-                <a:solidFill>
-                  <a:schemeClr val="tx1"/>
-                </a:solidFill>
-                <a:latin typeface="+mj-lt"/>
-                <a:ea typeface="+mj-ea"/>
-                <a:cs typeface="+mj-cs"/>
-              </a:defRPr>
-            </a:lvl1pPr>
-          </a:lstStyle>
-          <a:p>
-            <a:pPr algn="l"/>
-            <a:r>
-              <a:rPr lang="en-US" sz="3600" dirty="0">
-                <a:latin typeface="Calibri" pitchFamily="34" charset="0"/>
-              </a:rPr>
-              <a:t>Key Strength - Concise</a:t>
-            </a:r>
-          </a:p>
-        </p:txBody>
-      </p:sp>
-      <p:sp>
-        <p:nvSpPr>
-          <p:cNvPr id="14" name="Rectangle 13"/>
-          <p:cNvSpPr/>
-          <p:nvPr/>
-        </p:nvSpPr>
-        <p:spPr>
-          <a:xfrm>
-            <a:off x="1843089" y="2378871"/>
-            <a:ext cx="1595437" cy="1540669"/>
+          <a:xfrm flipV="1">
+            <a:off x="1853966" y="1823709"/>
+            <a:ext cx="1876340" cy="281925"/>
           </a:xfrm>
           <a:prstGeom prst="rect">
             <a:avLst/>
@@ -12737,458 +11223,6 @@
           </a:p>
         </p:txBody>
       </p:sp>
-    </p:spTree>
-    <p:extLst>
-      <p:ext uri="{BB962C8B-B14F-4D97-AF65-F5344CB8AC3E}">
-        <p14:creationId xmlns:p14="http://schemas.microsoft.com/office/powerpoint/2010/main" val="2955961295"/>
-      </p:ext>
-    </p:extLst>
-  </p:cSld>
-  <p:clrMapOvr>
-    <a:masterClrMapping/>
-  </p:clrMapOvr>
-  <p:timing>
-    <p:tnLst>
-      <p:par>
-        <p:cTn id="1" dur="indefinite" restart="never" nodeType="tmRoot">
-          <p:childTnLst>
-            <p:seq concurrent="1" nextAc="seek">
-              <p:cTn id="2" dur="indefinite" nodeType="mainSeq">
-                <p:childTnLst>
-                  <p:par>
-                    <p:cTn id="3" fill="hold">
-                      <p:stCondLst>
-                        <p:cond delay="indefinite"/>
-                      </p:stCondLst>
-                      <p:childTnLst>
-                        <p:par>
-                          <p:cTn id="4" fill="hold">
-                            <p:stCondLst>
-                              <p:cond delay="0"/>
-                            </p:stCondLst>
-                            <p:childTnLst>
-                              <p:par>
-                                <p:cTn id="5" presetID="2" presetClass="entr" presetSubtype="4" fill="hold" grpId="0" nodeType="clickEffect">
-                                  <p:stCondLst>
-                                    <p:cond delay="0"/>
-                                  </p:stCondLst>
-                                  <p:childTnLst>
-                                    <p:set>
-                                      <p:cBhvr>
-                                        <p:cTn id="6" dur="1" fill="hold">
-                                          <p:stCondLst>
-                                            <p:cond delay="0"/>
-                                          </p:stCondLst>
-                                        </p:cTn>
-                                        <p:tgtEl>
-                                          <p:spTgt spid="16"/>
-                                        </p:tgtEl>
-                                        <p:attrNameLst>
-                                          <p:attrName>style.visibility</p:attrName>
-                                        </p:attrNameLst>
-                                      </p:cBhvr>
-                                      <p:to>
-                                        <p:strVal val="visible"/>
-                                      </p:to>
-                                    </p:set>
-                                    <p:anim calcmode="lin" valueType="num">
-                                      <p:cBhvr additive="base">
-                                        <p:cTn id="7" dur="500" fill="hold"/>
-                                        <p:tgtEl>
-                                          <p:spTgt spid="16"/>
-                                        </p:tgtEl>
-                                        <p:attrNameLst>
-                                          <p:attrName>ppt_x</p:attrName>
-                                        </p:attrNameLst>
-                                      </p:cBhvr>
-                                      <p:tavLst>
-                                        <p:tav tm="0">
-                                          <p:val>
-                                            <p:strVal val="#ppt_x"/>
-                                          </p:val>
-                                        </p:tav>
-                                        <p:tav tm="100000">
-                                          <p:val>
-                                            <p:strVal val="#ppt_x"/>
-                                          </p:val>
-                                        </p:tav>
-                                      </p:tavLst>
-                                    </p:anim>
-                                    <p:anim calcmode="lin" valueType="num">
-                                      <p:cBhvr additive="base">
-                                        <p:cTn id="8" dur="500" fill="hold"/>
-                                        <p:tgtEl>
-                                          <p:spTgt spid="16"/>
-                                        </p:tgtEl>
-                                        <p:attrNameLst>
-                                          <p:attrName>ppt_y</p:attrName>
-                                        </p:attrNameLst>
-                                      </p:cBhvr>
-                                      <p:tavLst>
-                                        <p:tav tm="0">
-                                          <p:val>
-                                            <p:strVal val="1+#ppt_h/2"/>
-                                          </p:val>
-                                        </p:tav>
-                                        <p:tav tm="100000">
-                                          <p:val>
-                                            <p:strVal val="#ppt_y"/>
-                                          </p:val>
-                                        </p:tav>
-                                      </p:tavLst>
-                                    </p:anim>
-                                  </p:childTnLst>
-                                </p:cTn>
-                              </p:par>
-                            </p:childTnLst>
-                          </p:cTn>
-                        </p:par>
-                      </p:childTnLst>
-                    </p:cTn>
-                  </p:par>
-                  <p:par>
-                    <p:cTn id="9" fill="hold">
-                      <p:stCondLst>
-                        <p:cond delay="indefinite"/>
-                      </p:stCondLst>
-                      <p:childTnLst>
-                        <p:par>
-                          <p:cTn id="10" fill="hold">
-                            <p:stCondLst>
-                              <p:cond delay="0"/>
-                            </p:stCondLst>
-                            <p:childTnLst>
-                              <p:par>
-                                <p:cTn id="11" presetID="2" presetClass="entr" presetSubtype="4" fill="hold" grpId="0" nodeType="clickEffect">
-                                  <p:stCondLst>
-                                    <p:cond delay="0"/>
-                                  </p:stCondLst>
-                                  <p:childTnLst>
-                                    <p:set>
-                                      <p:cBhvr>
-                                        <p:cTn id="12" dur="1" fill="hold">
-                                          <p:stCondLst>
-                                            <p:cond delay="0"/>
-                                          </p:stCondLst>
-                                        </p:cTn>
-                                        <p:tgtEl>
-                                          <p:spTgt spid="9"/>
-                                        </p:tgtEl>
-                                        <p:attrNameLst>
-                                          <p:attrName>style.visibility</p:attrName>
-                                        </p:attrNameLst>
-                                      </p:cBhvr>
-                                      <p:to>
-                                        <p:strVal val="visible"/>
-                                      </p:to>
-                                    </p:set>
-                                    <p:anim calcmode="lin" valueType="num">
-                                      <p:cBhvr additive="base">
-                                        <p:cTn id="13" dur="500" fill="hold"/>
-                                        <p:tgtEl>
-                                          <p:spTgt spid="9"/>
-                                        </p:tgtEl>
-                                        <p:attrNameLst>
-                                          <p:attrName>ppt_x</p:attrName>
-                                        </p:attrNameLst>
-                                      </p:cBhvr>
-                                      <p:tavLst>
-                                        <p:tav tm="0">
-                                          <p:val>
-                                            <p:strVal val="#ppt_x"/>
-                                          </p:val>
-                                        </p:tav>
-                                        <p:tav tm="100000">
-                                          <p:val>
-                                            <p:strVal val="#ppt_x"/>
-                                          </p:val>
-                                        </p:tav>
-                                      </p:tavLst>
-                                    </p:anim>
-                                    <p:anim calcmode="lin" valueType="num">
-                                      <p:cBhvr additive="base">
-                                        <p:cTn id="14" dur="500" fill="hold"/>
-                                        <p:tgtEl>
-                                          <p:spTgt spid="9"/>
-                                        </p:tgtEl>
-                                        <p:attrNameLst>
-                                          <p:attrName>ppt_y</p:attrName>
-                                        </p:attrNameLst>
-                                      </p:cBhvr>
-                                      <p:tavLst>
-                                        <p:tav tm="0">
-                                          <p:val>
-                                            <p:strVal val="1+#ppt_h/2"/>
-                                          </p:val>
-                                        </p:tav>
-                                        <p:tav tm="100000">
-                                          <p:val>
-                                            <p:strVal val="#ppt_y"/>
-                                          </p:val>
-                                        </p:tav>
-                                      </p:tavLst>
-                                    </p:anim>
-                                  </p:childTnLst>
-                                </p:cTn>
-                              </p:par>
-                            </p:childTnLst>
-                          </p:cTn>
-                        </p:par>
-                      </p:childTnLst>
-                    </p:cTn>
-                  </p:par>
-                  <p:par>
-                    <p:cTn id="15" fill="hold">
-                      <p:stCondLst>
-                        <p:cond delay="indefinite"/>
-                      </p:stCondLst>
-                      <p:childTnLst>
-                        <p:par>
-                          <p:cTn id="16" fill="hold">
-                            <p:stCondLst>
-                              <p:cond delay="0"/>
-                            </p:stCondLst>
-                            <p:childTnLst>
-                              <p:par>
-                                <p:cTn id="17" presetID="2" presetClass="entr" presetSubtype="4" fill="hold" grpId="0" nodeType="clickEffect">
-                                  <p:stCondLst>
-                                    <p:cond delay="0"/>
-                                  </p:stCondLst>
-                                  <p:childTnLst>
-                                    <p:set>
-                                      <p:cBhvr>
-                                        <p:cTn id="18" dur="1" fill="hold">
-                                          <p:stCondLst>
-                                            <p:cond delay="0"/>
-                                          </p:stCondLst>
-                                        </p:cTn>
-                                        <p:tgtEl>
-                                          <p:spTgt spid="14"/>
-                                        </p:tgtEl>
-                                        <p:attrNameLst>
-                                          <p:attrName>style.visibility</p:attrName>
-                                        </p:attrNameLst>
-                                      </p:cBhvr>
-                                      <p:to>
-                                        <p:strVal val="visible"/>
-                                      </p:to>
-                                    </p:set>
-                                    <p:anim calcmode="lin" valueType="num">
-                                      <p:cBhvr additive="base">
-                                        <p:cTn id="19" dur="500" fill="hold"/>
-                                        <p:tgtEl>
-                                          <p:spTgt spid="14"/>
-                                        </p:tgtEl>
-                                        <p:attrNameLst>
-                                          <p:attrName>ppt_x</p:attrName>
-                                        </p:attrNameLst>
-                                      </p:cBhvr>
-                                      <p:tavLst>
-                                        <p:tav tm="0">
-                                          <p:val>
-                                            <p:strVal val="#ppt_x"/>
-                                          </p:val>
-                                        </p:tav>
-                                        <p:tav tm="100000">
-                                          <p:val>
-                                            <p:strVal val="#ppt_x"/>
-                                          </p:val>
-                                        </p:tav>
-                                      </p:tavLst>
-                                    </p:anim>
-                                    <p:anim calcmode="lin" valueType="num">
-                                      <p:cBhvr additive="base">
-                                        <p:cTn id="20" dur="500" fill="hold"/>
-                                        <p:tgtEl>
-                                          <p:spTgt spid="14"/>
-                                        </p:tgtEl>
-                                        <p:attrNameLst>
-                                          <p:attrName>ppt_y</p:attrName>
-                                        </p:attrNameLst>
-                                      </p:cBhvr>
-                                      <p:tavLst>
-                                        <p:tav tm="0">
-                                          <p:val>
-                                            <p:strVal val="1+#ppt_h/2"/>
-                                          </p:val>
-                                        </p:tav>
-                                        <p:tav tm="100000">
-                                          <p:val>
-                                            <p:strVal val="#ppt_y"/>
-                                          </p:val>
-                                        </p:tav>
-                                      </p:tavLst>
-                                    </p:anim>
-                                  </p:childTnLst>
-                                </p:cTn>
-                              </p:par>
-                            </p:childTnLst>
-                          </p:cTn>
-                        </p:par>
-                      </p:childTnLst>
-                    </p:cTn>
-                  </p:par>
-                </p:childTnLst>
-              </p:cTn>
-              <p:prevCondLst>
-                <p:cond evt="onPrev" delay="0">
-                  <p:tgtEl>
-                    <p:sldTgt/>
-                  </p:tgtEl>
-                </p:cond>
-              </p:prevCondLst>
-              <p:nextCondLst>
-                <p:cond evt="onNext" delay="0">
-                  <p:tgtEl>
-                    <p:sldTgt/>
-                  </p:tgtEl>
-                </p:cond>
-              </p:nextCondLst>
-            </p:seq>
-          </p:childTnLst>
-        </p:cTn>
-      </p:par>
-    </p:tnLst>
-    <p:bldLst>
-      <p:bldP spid="16" grpId="0" animBg="1"/>
-      <p:bldP spid="9" grpId="0" animBg="1"/>
-      <p:bldP spid="14" grpId="0" animBg="1"/>
-    </p:bldLst>
-  </p:timing>
-</p:sld>
-</file>
-
-<file path=ppt/slides/slide8.xml><?xml version="1.0" encoding="utf-8"?>
-<p:sld xmlns:a="http://schemas.openxmlformats.org/drawingml/2006/main" xmlns:r="http://schemas.openxmlformats.org/officeDocument/2006/relationships" xmlns:p="http://schemas.openxmlformats.org/presentationml/2006/main">
-  <p:cSld>
-    <p:spTree>
-      <p:nvGrpSpPr>
-        <p:cNvPr id="1" name=""/>
-        <p:cNvGrpSpPr/>
-        <p:nvPr/>
-      </p:nvGrpSpPr>
-      <p:grpSpPr>
-        <a:xfrm>
-          <a:off x="0" y="0"/>
-          <a:ext cx="0" cy="0"/>
-          <a:chOff x="0" y="0"/>
-          <a:chExt cx="0" cy="0"/>
-        </a:xfrm>
-      </p:grpSpPr>
-      <p:pic>
-        <p:nvPicPr>
-          <p:cNvPr id="4098" name="Picture 2" descr="d:\Users\Johan\Desktop\DSM\03_dsm_example_collapse_all.png"/>
-          <p:cNvPicPr>
-            <a:picLocks noChangeAspect="1" noChangeArrowheads="1"/>
-          </p:cNvPicPr>
-          <p:nvPr/>
-        </p:nvPicPr>
-        <p:blipFill>
-          <a:blip r:embed="rId2" cstate="print"/>
-          <a:srcRect/>
-          <a:stretch>
-            <a:fillRect/>
-          </a:stretch>
-        </p:blipFill>
-        <p:spPr bwMode="auto">
-          <a:xfrm>
-            <a:off x="1827646" y="2037140"/>
-            <a:ext cx="2689587" cy="1368152"/>
-          </a:xfrm>
-          <a:prstGeom prst="rect">
-            <a:avLst/>
-          </a:prstGeom>
-          <a:noFill/>
-        </p:spPr>
-      </p:pic>
-      <p:sp>
-        <p:nvSpPr>
-          <p:cNvPr id="15" name="Rectangle 14"/>
-          <p:cNvSpPr/>
-          <p:nvPr/>
-        </p:nvSpPr>
-        <p:spPr>
-          <a:xfrm flipV="1">
-            <a:off x="4267202" y="2371724"/>
-            <a:ext cx="250031" cy="257176"/>
-          </a:xfrm>
-          <a:prstGeom prst="rect">
-            <a:avLst/>
-          </a:prstGeom>
-          <a:noFill/>
-          <a:ln w="19050">
-            <a:solidFill>
-              <a:srgbClr val="FF0000"/>
-            </a:solidFill>
-          </a:ln>
-        </p:spPr>
-        <p:style>
-          <a:lnRef idx="1">
-            <a:schemeClr val="accent1"/>
-          </a:lnRef>
-          <a:fillRef idx="3">
-            <a:schemeClr val="accent1"/>
-          </a:fillRef>
-          <a:effectRef idx="2">
-            <a:schemeClr val="accent1"/>
-          </a:effectRef>
-          <a:fontRef idx="minor">
-            <a:schemeClr val="lt1"/>
-          </a:fontRef>
-        </p:style>
-        <p:txBody>
-          <a:bodyPr rtlCol="0" anchor="ctr"/>
-          <a:lstStyle/>
-          <a:p>
-            <a:pPr algn="ctr"/>
-            <a:endParaRPr lang="en-US"/>
-          </a:p>
-        </p:txBody>
-      </p:sp>
-      <p:sp>
-        <p:nvSpPr>
-          <p:cNvPr id="19" name="Rectangle 18"/>
-          <p:cNvSpPr/>
-          <p:nvPr/>
-        </p:nvSpPr>
-        <p:spPr>
-          <a:xfrm flipV="1">
-            <a:off x="1847850" y="2381249"/>
-            <a:ext cx="1619250" cy="257176"/>
-          </a:xfrm>
-          <a:prstGeom prst="rect">
-            <a:avLst/>
-          </a:prstGeom>
-          <a:noFill/>
-          <a:ln w="19050">
-            <a:solidFill>
-              <a:srgbClr val="FF0000"/>
-            </a:solidFill>
-          </a:ln>
-        </p:spPr>
-        <p:style>
-          <a:lnRef idx="1">
-            <a:schemeClr val="accent1"/>
-          </a:lnRef>
-          <a:fillRef idx="3">
-            <a:schemeClr val="accent1"/>
-          </a:fillRef>
-          <a:effectRef idx="2">
-            <a:schemeClr val="accent1"/>
-          </a:effectRef>
-          <a:fontRef idx="minor">
-            <a:schemeClr val="lt1"/>
-          </a:fontRef>
-        </p:style>
-        <p:txBody>
-          <a:bodyPr rtlCol="0" anchor="ctr"/>
-          <a:lstStyle/>
-          <a:p>
-            <a:pPr algn="ctr"/>
-            <a:endParaRPr lang="en-US"/>
-          </a:p>
-        </p:txBody>
-      </p:sp>
       <p:sp>
         <p:nvSpPr>
           <p:cNvPr id="23" name="Rounded Rectangular Callout 22"/>
@@ -13197,13 +11231,13 @@
         </p:nvSpPr>
         <p:spPr>
           <a:xfrm>
-            <a:off x="5186908" y="2574803"/>
+            <a:off x="5533157" y="1823709"/>
             <a:ext cx="1798820" cy="1054859"/>
           </a:xfrm>
           <a:prstGeom prst="wedgeRoundRectCallout">
             <a:avLst>
-              <a:gd name="adj1" fmla="val -86459"/>
-              <a:gd name="adj2" fmla="val -55363"/>
+              <a:gd name="adj1" fmla="val -76665"/>
+              <a:gd name="adj2" fmla="val -37072"/>
               <a:gd name="adj3" fmla="val 16667"/>
             </a:avLst>
           </a:prstGeom>
@@ -13560,7 +11594,7 @@
 </p:sld>
 </file>
 
-<file path=ppt/slides/slide9.xml><?xml version="1.0" encoding="utf-8"?>
+<file path=ppt/slides/slide8.xml><?xml version="1.0" encoding="utf-8"?>
 <p:sld xmlns:a="http://schemas.openxmlformats.org/drawingml/2006/main" xmlns:r="http://schemas.openxmlformats.org/officeDocument/2006/relationships" xmlns:p="http://schemas.openxmlformats.org/presentationml/2006/main">
   <p:cSld>
     <p:spTree>
@@ -13577,58 +11611,34 @@
           <a:chExt cx="0" cy="0"/>
         </a:xfrm>
       </p:grpSpPr>
-      <p:sp>
-        <p:nvSpPr>
-          <p:cNvPr id="5" name="Rectangle 4"/>
-          <p:cNvSpPr/>
-          <p:nvPr/>
-        </p:nvSpPr>
-        <p:spPr>
-          <a:xfrm>
-            <a:off x="2579017" y="5078193"/>
-            <a:ext cx="2450992" cy="369332"/>
-          </a:xfrm>
-          <a:prstGeom prst="rect">
-            <a:avLst/>
-          </a:prstGeom>
-        </p:spPr>
-        <p:txBody>
-          <a:bodyPr wrap="none">
-            <a:spAutoFit/>
-          </a:bodyPr>
-          <a:lstStyle/>
-          <a:p>
-            <a:r>
-              <a:rPr lang="en-US" dirty="0"/>
-              <a:t>DSM before partitioning</a:t>
-            </a:r>
-          </a:p>
-        </p:txBody>
-      </p:sp>
       <p:pic>
         <p:nvPicPr>
-          <p:cNvPr id="5122" name="Picture 2" descr="d:\Users\Johan\Desktop\DSM\04_dsm_example_not_partioned.png"/>
+          <p:cNvPr id="2" name="Picture 1">
+            <a:extLst>
+              <a:ext uri="{FF2B5EF4-FFF2-40B4-BE49-F238E27FC236}">
+                <a16:creationId xmlns:a16="http://schemas.microsoft.com/office/drawing/2014/main" id="{0837A558-58E1-49BC-AFBA-DAD0EF43E29C}"/>
+              </a:ext>
+            </a:extLst>
+          </p:cNvPr>
           <p:cNvPicPr>
-            <a:picLocks noChangeAspect="1" noChangeArrowheads="1"/>
+            <a:picLocks noChangeAspect="1"/>
           </p:cNvPicPr>
           <p:nvPr/>
         </p:nvPicPr>
         <p:blipFill>
-          <a:blip r:embed="rId2" cstate="print"/>
-          <a:srcRect/>
+          <a:blip r:embed="rId2"/>
           <a:stretch>
             <a:fillRect/>
           </a:stretch>
         </p:blipFill>
-        <p:spPr bwMode="auto">
+        <p:spPr>
           <a:xfrm>
-            <a:off x="2578610" y="3099818"/>
-            <a:ext cx="3838575" cy="1952625"/>
+            <a:off x="1897747" y="867168"/>
+            <a:ext cx="3486150" cy="1952625"/>
           </a:xfrm>
           <a:prstGeom prst="rect">
             <a:avLst/>
           </a:prstGeom>
-          <a:noFill/>
         </p:spPr>
       </p:pic>
       <p:sp>
@@ -13639,13 +11649,13 @@
         </p:nvSpPr>
         <p:spPr>
           <a:xfrm>
-            <a:off x="6705787" y="2740540"/>
+            <a:off x="5925611" y="962074"/>
             <a:ext cx="1798820" cy="772664"/>
           </a:xfrm>
           <a:prstGeom prst="wedgeRoundRectCallout">
             <a:avLst>
-              <a:gd name="adj1" fmla="val -71309"/>
-              <a:gd name="adj2" fmla="val 122365"/>
+              <a:gd name="adj1" fmla="val -85300"/>
+              <a:gd name="adj2" fmla="val 81108"/>
               <a:gd name="adj3" fmla="val 16667"/>
             </a:avLst>
           </a:prstGeom>
@@ -13813,6 +11823,876 @@
     </p:tnLst>
     <p:bldLst>
       <p:bldP spid="6" grpId="0" animBg="1"/>
+    </p:bldLst>
+  </p:timing>
+</p:sld>
+</file>
+
+<file path=ppt/slides/slide9.xml><?xml version="1.0" encoding="utf-8"?>
+<p:sld xmlns:a="http://schemas.openxmlformats.org/drawingml/2006/main" xmlns:r="http://schemas.openxmlformats.org/officeDocument/2006/relationships" xmlns:p="http://schemas.openxmlformats.org/presentationml/2006/main">
+  <p:cSld>
+    <p:spTree>
+      <p:nvGrpSpPr>
+        <p:cNvPr id="1" name=""/>
+        <p:cNvGrpSpPr/>
+        <p:nvPr/>
+      </p:nvGrpSpPr>
+      <p:grpSpPr>
+        <a:xfrm>
+          <a:off x="0" y="0"/>
+          <a:ext cx="0" cy="0"/>
+          <a:chOff x="0" y="0"/>
+          <a:chExt cx="0" cy="0"/>
+        </a:xfrm>
+      </p:grpSpPr>
+      <p:pic>
+        <p:nvPicPr>
+          <p:cNvPr id="3" name="Picture 2">
+            <a:extLst>
+              <a:ext uri="{FF2B5EF4-FFF2-40B4-BE49-F238E27FC236}">
+                <a16:creationId xmlns:a16="http://schemas.microsoft.com/office/drawing/2014/main" id="{9E736449-165D-4EBA-B12E-9321539AF305}"/>
+              </a:ext>
+            </a:extLst>
+          </p:cNvPr>
+          <p:cNvPicPr>
+            <a:picLocks noChangeAspect="1"/>
+          </p:cNvPicPr>
+          <p:nvPr/>
+        </p:nvPicPr>
+        <p:blipFill>
+          <a:blip r:embed="rId2"/>
+          <a:stretch>
+            <a:fillRect/>
+          </a:stretch>
+        </p:blipFill>
+        <p:spPr>
+          <a:xfrm>
+            <a:off x="1890809" y="2931316"/>
+            <a:ext cx="3486150" cy="1952625"/>
+          </a:xfrm>
+          <a:prstGeom prst="rect">
+            <a:avLst/>
+          </a:prstGeom>
+        </p:spPr>
+      </p:pic>
+      <p:sp>
+        <p:nvSpPr>
+          <p:cNvPr id="9" name="Rounded Rectangular Callout 8"/>
+          <p:cNvSpPr/>
+          <p:nvPr/>
+        </p:nvSpPr>
+        <p:spPr>
+          <a:xfrm>
+            <a:off x="2076028" y="1873968"/>
+            <a:ext cx="1798820" cy="772664"/>
+          </a:xfrm>
+          <a:prstGeom prst="wedgeRoundRectCallout">
+            <a:avLst>
+              <a:gd name="adj1" fmla="val 20049"/>
+              <a:gd name="adj2" fmla="val 191040"/>
+              <a:gd name="adj3" fmla="val 16667"/>
+            </a:avLst>
+          </a:prstGeom>
+          <a:solidFill>
+            <a:schemeClr val="accent1"/>
+          </a:solidFill>
+          <a:ln>
+            <a:noFill/>
+          </a:ln>
+        </p:spPr>
+        <p:style>
+          <a:lnRef idx="1">
+            <a:schemeClr val="accent1"/>
+          </a:lnRef>
+          <a:fillRef idx="3">
+            <a:schemeClr val="accent1"/>
+          </a:fillRef>
+          <a:effectRef idx="2">
+            <a:schemeClr val="accent1"/>
+          </a:effectRef>
+          <a:fontRef idx="minor">
+            <a:schemeClr val="lt1"/>
+          </a:fontRef>
+        </p:style>
+        <p:txBody>
+          <a:bodyPr rtlCol="0" anchor="ctr"/>
+          <a:lstStyle/>
+          <a:p>
+            <a:pPr algn="ctr"/>
+            <a:r>
+              <a:rPr lang="en-US" sz="1400">
+                <a:solidFill>
+                  <a:schemeClr val="bg1"/>
+                </a:solidFill>
+              </a:rPr>
+              <a:t>Consumers to top</a:t>
+            </a:r>
+          </a:p>
+        </p:txBody>
+      </p:sp>
+      <p:sp>
+        <p:nvSpPr>
+          <p:cNvPr id="10" name="Rounded Rectangular Callout 9"/>
+          <p:cNvSpPr/>
+          <p:nvPr/>
+        </p:nvSpPr>
+        <p:spPr>
+          <a:xfrm>
+            <a:off x="2076028" y="5411905"/>
+            <a:ext cx="1798820" cy="768772"/>
+          </a:xfrm>
+          <a:prstGeom prst="wedgeRoundRectCallout">
+            <a:avLst>
+              <a:gd name="adj1" fmla="val 22222"/>
+              <a:gd name="adj2" fmla="val -148342"/>
+              <a:gd name="adj3" fmla="val 16667"/>
+            </a:avLst>
+          </a:prstGeom>
+          <a:solidFill>
+            <a:schemeClr val="accent1"/>
+          </a:solidFill>
+          <a:ln>
+            <a:noFill/>
+          </a:ln>
+        </p:spPr>
+        <p:style>
+          <a:lnRef idx="1">
+            <a:schemeClr val="accent1"/>
+          </a:lnRef>
+          <a:fillRef idx="3">
+            <a:schemeClr val="accent1"/>
+          </a:fillRef>
+          <a:effectRef idx="2">
+            <a:schemeClr val="accent1"/>
+          </a:effectRef>
+          <a:fontRef idx="minor">
+            <a:schemeClr val="lt1"/>
+          </a:fontRef>
+        </p:style>
+        <p:txBody>
+          <a:bodyPr rtlCol="0" anchor="ctr"/>
+          <a:lstStyle/>
+          <a:p>
+            <a:pPr algn="ctr"/>
+            <a:r>
+              <a:rPr lang="en-US" sz="1400" dirty="0">
+                <a:solidFill>
+                  <a:schemeClr val="bg1"/>
+                </a:solidFill>
+              </a:rPr>
+              <a:t>Providers to bottom</a:t>
+            </a:r>
+          </a:p>
+        </p:txBody>
+      </p:sp>
+      <p:cxnSp>
+        <p:nvCxnSpPr>
+          <p:cNvPr id="6" name="Straight Connector 5">
+            <a:extLst>
+              <a:ext uri="{FF2B5EF4-FFF2-40B4-BE49-F238E27FC236}">
+                <a16:creationId xmlns:a16="http://schemas.microsoft.com/office/drawing/2014/main" id="{36FC0596-E482-4793-93B7-B2125FE3AB5F}"/>
+              </a:ext>
+            </a:extLst>
+          </p:cNvPr>
+          <p:cNvCxnSpPr/>
+          <p:nvPr/>
+        </p:nvCxnSpPr>
+        <p:spPr>
+          <a:xfrm>
+            <a:off x="4448175" y="3640931"/>
+            <a:ext cx="912019" cy="0"/>
+          </a:xfrm>
+          <a:prstGeom prst="line">
+            <a:avLst/>
+          </a:prstGeom>
+          <a:ln w="19050">
+            <a:solidFill>
+              <a:srgbClr val="FF3300"/>
+            </a:solidFill>
+          </a:ln>
+        </p:spPr>
+        <p:style>
+          <a:lnRef idx="1">
+            <a:schemeClr val="accent2"/>
+          </a:lnRef>
+          <a:fillRef idx="0">
+            <a:schemeClr val="accent2"/>
+          </a:fillRef>
+          <a:effectRef idx="0">
+            <a:schemeClr val="accent2"/>
+          </a:effectRef>
+          <a:fontRef idx="minor">
+            <a:schemeClr val="tx1"/>
+          </a:fontRef>
+        </p:style>
+      </p:cxnSp>
+      <p:cxnSp>
+        <p:nvCxnSpPr>
+          <p:cNvPr id="21" name="Straight Connector 20">
+            <a:extLst>
+              <a:ext uri="{FF2B5EF4-FFF2-40B4-BE49-F238E27FC236}">
+                <a16:creationId xmlns:a16="http://schemas.microsoft.com/office/drawing/2014/main" id="{5A24F1A4-8805-4D2D-88AD-D9C6E147C53A}"/>
+              </a:ext>
+            </a:extLst>
+          </p:cNvPr>
+          <p:cNvCxnSpPr>
+            <a:cxnSpLocks/>
+          </p:cNvCxnSpPr>
+          <p:nvPr/>
+        </p:nvCxnSpPr>
+        <p:spPr>
+          <a:xfrm>
+            <a:off x="4448175" y="3945731"/>
+            <a:ext cx="319088" cy="0"/>
+          </a:xfrm>
+          <a:prstGeom prst="line">
+            <a:avLst/>
+          </a:prstGeom>
+          <a:ln w="19050">
+            <a:solidFill>
+              <a:srgbClr val="FF3300"/>
+            </a:solidFill>
+          </a:ln>
+        </p:spPr>
+        <p:style>
+          <a:lnRef idx="1">
+            <a:schemeClr val="accent2"/>
+          </a:lnRef>
+          <a:fillRef idx="0">
+            <a:schemeClr val="accent2"/>
+          </a:fillRef>
+          <a:effectRef idx="0">
+            <a:schemeClr val="accent2"/>
+          </a:effectRef>
+          <a:fontRef idx="minor">
+            <a:schemeClr val="tx1"/>
+          </a:fontRef>
+        </p:style>
+      </p:cxnSp>
+      <p:cxnSp>
+        <p:nvCxnSpPr>
+          <p:cNvPr id="22" name="Straight Connector 21">
+            <a:extLst>
+              <a:ext uri="{FF2B5EF4-FFF2-40B4-BE49-F238E27FC236}">
+                <a16:creationId xmlns:a16="http://schemas.microsoft.com/office/drawing/2014/main" id="{815D64CB-0DE0-4B0B-85DA-7F5646334CF9}"/>
+              </a:ext>
+            </a:extLst>
+          </p:cNvPr>
+          <p:cNvCxnSpPr>
+            <a:cxnSpLocks/>
+          </p:cNvCxnSpPr>
+          <p:nvPr/>
+        </p:nvCxnSpPr>
+        <p:spPr>
+          <a:xfrm>
+            <a:off x="5072063" y="4541043"/>
+            <a:ext cx="288131" cy="0"/>
+          </a:xfrm>
+          <a:prstGeom prst="line">
+            <a:avLst/>
+          </a:prstGeom>
+          <a:ln w="19050">
+            <a:solidFill>
+              <a:srgbClr val="FF3300"/>
+            </a:solidFill>
+          </a:ln>
+        </p:spPr>
+        <p:style>
+          <a:lnRef idx="1">
+            <a:schemeClr val="accent2"/>
+          </a:lnRef>
+          <a:fillRef idx="0">
+            <a:schemeClr val="accent2"/>
+          </a:fillRef>
+          <a:effectRef idx="0">
+            <a:schemeClr val="accent2"/>
+          </a:effectRef>
+          <a:fontRef idx="minor">
+            <a:schemeClr val="tx1"/>
+          </a:fontRef>
+        </p:style>
+      </p:cxnSp>
+      <p:cxnSp>
+        <p:nvCxnSpPr>
+          <p:cNvPr id="24" name="Straight Connector 23">
+            <a:extLst>
+              <a:ext uri="{FF2B5EF4-FFF2-40B4-BE49-F238E27FC236}">
+                <a16:creationId xmlns:a16="http://schemas.microsoft.com/office/drawing/2014/main" id="{2E0166DA-152C-419C-B56A-E82752D25462}"/>
+              </a:ext>
+            </a:extLst>
+          </p:cNvPr>
+          <p:cNvCxnSpPr>
+            <a:cxnSpLocks/>
+          </p:cNvCxnSpPr>
+          <p:nvPr/>
+        </p:nvCxnSpPr>
+        <p:spPr>
+          <a:xfrm>
+            <a:off x="4767263" y="4250531"/>
+            <a:ext cx="314421" cy="0"/>
+          </a:xfrm>
+          <a:prstGeom prst="line">
+            <a:avLst/>
+          </a:prstGeom>
+          <a:ln w="19050">
+            <a:solidFill>
+              <a:srgbClr val="FF3300"/>
+            </a:solidFill>
+          </a:ln>
+        </p:spPr>
+        <p:style>
+          <a:lnRef idx="1">
+            <a:schemeClr val="accent2"/>
+          </a:lnRef>
+          <a:fillRef idx="0">
+            <a:schemeClr val="accent2"/>
+          </a:fillRef>
+          <a:effectRef idx="0">
+            <a:schemeClr val="accent2"/>
+          </a:effectRef>
+          <a:fontRef idx="minor">
+            <a:schemeClr val="tx1"/>
+          </a:fontRef>
+        </p:style>
+      </p:cxnSp>
+      <p:cxnSp>
+        <p:nvCxnSpPr>
+          <p:cNvPr id="25" name="Straight Connector 24">
+            <a:extLst>
+              <a:ext uri="{FF2B5EF4-FFF2-40B4-BE49-F238E27FC236}">
+                <a16:creationId xmlns:a16="http://schemas.microsoft.com/office/drawing/2014/main" id="{F04C83F6-FD92-46D6-960E-294958DC5FD3}"/>
+              </a:ext>
+            </a:extLst>
+          </p:cNvPr>
+          <p:cNvCxnSpPr>
+            <a:cxnSpLocks/>
+          </p:cNvCxnSpPr>
+          <p:nvPr/>
+        </p:nvCxnSpPr>
+        <p:spPr>
+          <a:xfrm flipV="1">
+            <a:off x="4448175" y="3640932"/>
+            <a:ext cx="0" cy="304799"/>
+          </a:xfrm>
+          <a:prstGeom prst="line">
+            <a:avLst/>
+          </a:prstGeom>
+          <a:ln w="19050">
+            <a:solidFill>
+              <a:srgbClr val="FF3300"/>
+            </a:solidFill>
+          </a:ln>
+        </p:spPr>
+        <p:style>
+          <a:lnRef idx="1">
+            <a:schemeClr val="accent2"/>
+          </a:lnRef>
+          <a:fillRef idx="0">
+            <a:schemeClr val="accent2"/>
+          </a:fillRef>
+          <a:effectRef idx="0">
+            <a:schemeClr val="accent2"/>
+          </a:effectRef>
+          <a:fontRef idx="minor">
+            <a:schemeClr val="tx1"/>
+          </a:fontRef>
+        </p:style>
+      </p:cxnSp>
+      <p:cxnSp>
+        <p:nvCxnSpPr>
+          <p:cNvPr id="26" name="Straight Connector 25">
+            <a:extLst>
+              <a:ext uri="{FF2B5EF4-FFF2-40B4-BE49-F238E27FC236}">
+                <a16:creationId xmlns:a16="http://schemas.microsoft.com/office/drawing/2014/main" id="{A173F84B-104F-4B26-8DB8-142B127CB033}"/>
+              </a:ext>
+            </a:extLst>
+          </p:cNvPr>
+          <p:cNvCxnSpPr>
+            <a:cxnSpLocks/>
+          </p:cNvCxnSpPr>
+          <p:nvPr/>
+        </p:nvCxnSpPr>
+        <p:spPr>
+          <a:xfrm flipV="1">
+            <a:off x="4767263" y="3945731"/>
+            <a:ext cx="0" cy="304801"/>
+          </a:xfrm>
+          <a:prstGeom prst="line">
+            <a:avLst/>
+          </a:prstGeom>
+          <a:ln w="19050">
+            <a:solidFill>
+              <a:srgbClr val="FF3300"/>
+            </a:solidFill>
+          </a:ln>
+        </p:spPr>
+        <p:style>
+          <a:lnRef idx="1">
+            <a:schemeClr val="accent2"/>
+          </a:lnRef>
+          <a:fillRef idx="0">
+            <a:schemeClr val="accent2"/>
+          </a:fillRef>
+          <a:effectRef idx="0">
+            <a:schemeClr val="accent2"/>
+          </a:effectRef>
+          <a:fontRef idx="minor">
+            <a:schemeClr val="tx1"/>
+          </a:fontRef>
+        </p:style>
+      </p:cxnSp>
+      <p:cxnSp>
+        <p:nvCxnSpPr>
+          <p:cNvPr id="27" name="Straight Connector 26">
+            <a:extLst>
+              <a:ext uri="{FF2B5EF4-FFF2-40B4-BE49-F238E27FC236}">
+                <a16:creationId xmlns:a16="http://schemas.microsoft.com/office/drawing/2014/main" id="{D7DC400D-D85F-46B5-99AF-2151CEE209F7}"/>
+              </a:ext>
+            </a:extLst>
+          </p:cNvPr>
+          <p:cNvCxnSpPr>
+            <a:cxnSpLocks/>
+          </p:cNvCxnSpPr>
+          <p:nvPr/>
+        </p:nvCxnSpPr>
+        <p:spPr>
+          <a:xfrm flipV="1">
+            <a:off x="5081684" y="4250531"/>
+            <a:ext cx="0" cy="290513"/>
+          </a:xfrm>
+          <a:prstGeom prst="line">
+            <a:avLst/>
+          </a:prstGeom>
+          <a:ln w="19050">
+            <a:solidFill>
+              <a:srgbClr val="FF3300"/>
+            </a:solidFill>
+          </a:ln>
+        </p:spPr>
+        <p:style>
+          <a:lnRef idx="1">
+            <a:schemeClr val="accent2"/>
+          </a:lnRef>
+          <a:fillRef idx="0">
+            <a:schemeClr val="accent2"/>
+          </a:fillRef>
+          <a:effectRef idx="0">
+            <a:schemeClr val="accent2"/>
+          </a:effectRef>
+          <a:fontRef idx="minor">
+            <a:schemeClr val="tx1"/>
+          </a:fontRef>
+        </p:style>
+      </p:cxnSp>
+      <p:cxnSp>
+        <p:nvCxnSpPr>
+          <p:cNvPr id="28" name="Straight Connector 27">
+            <a:extLst>
+              <a:ext uri="{FF2B5EF4-FFF2-40B4-BE49-F238E27FC236}">
+                <a16:creationId xmlns:a16="http://schemas.microsoft.com/office/drawing/2014/main" id="{886D67F6-AD5C-4304-997A-738B88B5E1B1}"/>
+              </a:ext>
+            </a:extLst>
+          </p:cNvPr>
+          <p:cNvCxnSpPr>
+            <a:cxnSpLocks/>
+          </p:cNvCxnSpPr>
+          <p:nvPr/>
+        </p:nvCxnSpPr>
+        <p:spPr>
+          <a:xfrm>
+            <a:off x="5360194" y="3633787"/>
+            <a:ext cx="0" cy="907256"/>
+          </a:xfrm>
+          <a:prstGeom prst="line">
+            <a:avLst/>
+          </a:prstGeom>
+          <a:ln w="19050">
+            <a:solidFill>
+              <a:srgbClr val="FF3300"/>
+            </a:solidFill>
+          </a:ln>
+        </p:spPr>
+        <p:style>
+          <a:lnRef idx="1">
+            <a:schemeClr val="accent2"/>
+          </a:lnRef>
+          <a:fillRef idx="0">
+            <a:schemeClr val="accent2"/>
+          </a:fillRef>
+          <a:effectRef idx="0">
+            <a:schemeClr val="accent2"/>
+          </a:effectRef>
+          <a:fontRef idx="minor">
+            <a:schemeClr val="tx1"/>
+          </a:fontRef>
+        </p:style>
+      </p:cxnSp>
+      <p:sp>
+        <p:nvSpPr>
+          <p:cNvPr id="16" name="Rounded Rectangular Callout 15"/>
+          <p:cNvSpPr/>
+          <p:nvPr/>
+        </p:nvSpPr>
+        <p:spPr>
+          <a:xfrm>
+            <a:off x="5731208" y="3056143"/>
+            <a:ext cx="1798820" cy="745714"/>
+          </a:xfrm>
+          <a:prstGeom prst="wedgeRoundRectCallout">
+            <a:avLst>
+              <a:gd name="adj1" fmla="val -67583"/>
+              <a:gd name="adj2" fmla="val 71092"/>
+              <a:gd name="adj3" fmla="val 16667"/>
+            </a:avLst>
+          </a:prstGeom>
+          <a:solidFill>
+            <a:schemeClr val="accent1"/>
+          </a:solidFill>
+          <a:ln>
+            <a:noFill/>
+          </a:ln>
+        </p:spPr>
+        <p:style>
+          <a:lnRef idx="1">
+            <a:schemeClr val="accent1"/>
+          </a:lnRef>
+          <a:fillRef idx="3">
+            <a:schemeClr val="accent1"/>
+          </a:fillRef>
+          <a:effectRef idx="2">
+            <a:schemeClr val="accent1"/>
+          </a:effectRef>
+          <a:fontRef idx="minor">
+            <a:schemeClr val="lt1"/>
+          </a:fontRef>
+        </p:style>
+        <p:txBody>
+          <a:bodyPr rtlCol="0" anchor="ctr"/>
+          <a:lstStyle/>
+          <a:p>
+            <a:pPr algn="ctr"/>
+            <a:r>
+              <a:rPr lang="en-US" sz="1400" dirty="0">
+                <a:solidFill>
+                  <a:schemeClr val="bg1"/>
+                </a:solidFill>
+              </a:rPr>
+              <a:t>Cycle easily visible</a:t>
+            </a:r>
+          </a:p>
+        </p:txBody>
+      </p:sp>
+    </p:spTree>
+  </p:cSld>
+  <p:clrMapOvr>
+    <a:masterClrMapping/>
+  </p:clrMapOvr>
+  <p:timing>
+    <p:tnLst>
+      <p:par>
+        <p:cTn id="1" dur="indefinite" restart="never" nodeType="tmRoot">
+          <p:childTnLst>
+            <p:seq concurrent="1" nextAc="seek">
+              <p:cTn id="2" dur="indefinite" nodeType="mainSeq">
+                <p:childTnLst>
+                  <p:par>
+                    <p:cTn id="3" fill="hold">
+                      <p:stCondLst>
+                        <p:cond delay="indefinite"/>
+                      </p:stCondLst>
+                      <p:childTnLst>
+                        <p:par>
+                          <p:cTn id="4" fill="hold">
+                            <p:stCondLst>
+                              <p:cond delay="0"/>
+                            </p:stCondLst>
+                            <p:childTnLst>
+                              <p:par>
+                                <p:cTn id="5" presetID="2" presetClass="entr" presetSubtype="4" fill="hold" grpId="0" nodeType="clickEffect">
+                                  <p:stCondLst>
+                                    <p:cond delay="0"/>
+                                  </p:stCondLst>
+                                  <p:childTnLst>
+                                    <p:set>
+                                      <p:cBhvr>
+                                        <p:cTn id="6" dur="1" fill="hold">
+                                          <p:stCondLst>
+                                            <p:cond delay="0"/>
+                                          </p:stCondLst>
+                                        </p:cTn>
+                                        <p:tgtEl>
+                                          <p:spTgt spid="9"/>
+                                        </p:tgtEl>
+                                        <p:attrNameLst>
+                                          <p:attrName>style.visibility</p:attrName>
+                                        </p:attrNameLst>
+                                      </p:cBhvr>
+                                      <p:to>
+                                        <p:strVal val="visible"/>
+                                      </p:to>
+                                    </p:set>
+                                    <p:anim calcmode="lin" valueType="num">
+                                      <p:cBhvr additive="base">
+                                        <p:cTn id="7" dur="500" fill="hold"/>
+                                        <p:tgtEl>
+                                          <p:spTgt spid="9"/>
+                                        </p:tgtEl>
+                                        <p:attrNameLst>
+                                          <p:attrName>ppt_x</p:attrName>
+                                        </p:attrNameLst>
+                                      </p:cBhvr>
+                                      <p:tavLst>
+                                        <p:tav tm="0">
+                                          <p:val>
+                                            <p:strVal val="#ppt_x"/>
+                                          </p:val>
+                                        </p:tav>
+                                        <p:tav tm="100000">
+                                          <p:val>
+                                            <p:strVal val="#ppt_x"/>
+                                          </p:val>
+                                        </p:tav>
+                                      </p:tavLst>
+                                    </p:anim>
+                                    <p:anim calcmode="lin" valueType="num">
+                                      <p:cBhvr additive="base">
+                                        <p:cTn id="8" dur="500" fill="hold"/>
+                                        <p:tgtEl>
+                                          <p:spTgt spid="9"/>
+                                        </p:tgtEl>
+                                        <p:attrNameLst>
+                                          <p:attrName>ppt_y</p:attrName>
+                                        </p:attrNameLst>
+                                      </p:cBhvr>
+                                      <p:tavLst>
+                                        <p:tav tm="0">
+                                          <p:val>
+                                            <p:strVal val="1+#ppt_h/2"/>
+                                          </p:val>
+                                        </p:tav>
+                                        <p:tav tm="100000">
+                                          <p:val>
+                                            <p:strVal val="#ppt_y"/>
+                                          </p:val>
+                                        </p:tav>
+                                      </p:tavLst>
+                                    </p:anim>
+                                  </p:childTnLst>
+                                </p:cTn>
+                              </p:par>
+                            </p:childTnLst>
+                          </p:cTn>
+                        </p:par>
+                      </p:childTnLst>
+                    </p:cTn>
+                  </p:par>
+                  <p:par>
+                    <p:cTn id="9" fill="hold">
+                      <p:stCondLst>
+                        <p:cond delay="indefinite"/>
+                      </p:stCondLst>
+                      <p:childTnLst>
+                        <p:par>
+                          <p:cTn id="10" fill="hold">
+                            <p:stCondLst>
+                              <p:cond delay="0"/>
+                            </p:stCondLst>
+                            <p:childTnLst>
+                              <p:par>
+                                <p:cTn id="11" presetID="2" presetClass="entr" presetSubtype="4" fill="hold" grpId="0" nodeType="clickEffect">
+                                  <p:stCondLst>
+                                    <p:cond delay="0"/>
+                                  </p:stCondLst>
+                                  <p:childTnLst>
+                                    <p:set>
+                                      <p:cBhvr>
+                                        <p:cTn id="12" dur="1" fill="hold">
+                                          <p:stCondLst>
+                                            <p:cond delay="0"/>
+                                          </p:stCondLst>
+                                        </p:cTn>
+                                        <p:tgtEl>
+                                          <p:spTgt spid="10"/>
+                                        </p:tgtEl>
+                                        <p:attrNameLst>
+                                          <p:attrName>style.visibility</p:attrName>
+                                        </p:attrNameLst>
+                                      </p:cBhvr>
+                                      <p:to>
+                                        <p:strVal val="visible"/>
+                                      </p:to>
+                                    </p:set>
+                                    <p:anim calcmode="lin" valueType="num">
+                                      <p:cBhvr additive="base">
+                                        <p:cTn id="13" dur="500" fill="hold"/>
+                                        <p:tgtEl>
+                                          <p:spTgt spid="10"/>
+                                        </p:tgtEl>
+                                        <p:attrNameLst>
+                                          <p:attrName>ppt_x</p:attrName>
+                                        </p:attrNameLst>
+                                      </p:cBhvr>
+                                      <p:tavLst>
+                                        <p:tav tm="0">
+                                          <p:val>
+                                            <p:strVal val="#ppt_x"/>
+                                          </p:val>
+                                        </p:tav>
+                                        <p:tav tm="100000">
+                                          <p:val>
+                                            <p:strVal val="#ppt_x"/>
+                                          </p:val>
+                                        </p:tav>
+                                      </p:tavLst>
+                                    </p:anim>
+                                    <p:anim calcmode="lin" valueType="num">
+                                      <p:cBhvr additive="base">
+                                        <p:cTn id="14" dur="500" fill="hold"/>
+                                        <p:tgtEl>
+                                          <p:spTgt spid="10"/>
+                                        </p:tgtEl>
+                                        <p:attrNameLst>
+                                          <p:attrName>ppt_y</p:attrName>
+                                        </p:attrNameLst>
+                                      </p:cBhvr>
+                                      <p:tavLst>
+                                        <p:tav tm="0">
+                                          <p:val>
+                                            <p:strVal val="1+#ppt_h/2"/>
+                                          </p:val>
+                                        </p:tav>
+                                        <p:tav tm="100000">
+                                          <p:val>
+                                            <p:strVal val="#ppt_y"/>
+                                          </p:val>
+                                        </p:tav>
+                                      </p:tavLst>
+                                    </p:anim>
+                                  </p:childTnLst>
+                                </p:cTn>
+                              </p:par>
+                            </p:childTnLst>
+                          </p:cTn>
+                        </p:par>
+                      </p:childTnLst>
+                    </p:cTn>
+                  </p:par>
+                  <p:par>
+                    <p:cTn id="15" fill="hold">
+                      <p:stCondLst>
+                        <p:cond delay="indefinite"/>
+                      </p:stCondLst>
+                      <p:childTnLst>
+                        <p:par>
+                          <p:cTn id="16" fill="hold">
+                            <p:stCondLst>
+                              <p:cond delay="0"/>
+                            </p:stCondLst>
+                            <p:childTnLst>
+                              <p:par>
+                                <p:cTn id="17" presetID="2" presetClass="entr" presetSubtype="4" fill="hold" grpId="0" nodeType="clickEffect">
+                                  <p:stCondLst>
+                                    <p:cond delay="0"/>
+                                  </p:stCondLst>
+                                  <p:childTnLst>
+                                    <p:set>
+                                      <p:cBhvr>
+                                        <p:cTn id="18" dur="1" fill="hold">
+                                          <p:stCondLst>
+                                            <p:cond delay="0"/>
+                                          </p:stCondLst>
+                                        </p:cTn>
+                                        <p:tgtEl>
+                                          <p:spTgt spid="16"/>
+                                        </p:tgtEl>
+                                        <p:attrNameLst>
+                                          <p:attrName>style.visibility</p:attrName>
+                                        </p:attrNameLst>
+                                      </p:cBhvr>
+                                      <p:to>
+                                        <p:strVal val="visible"/>
+                                      </p:to>
+                                    </p:set>
+                                    <p:anim calcmode="lin" valueType="num">
+                                      <p:cBhvr additive="base">
+                                        <p:cTn id="19" dur="500" fill="hold"/>
+                                        <p:tgtEl>
+                                          <p:spTgt spid="16"/>
+                                        </p:tgtEl>
+                                        <p:attrNameLst>
+                                          <p:attrName>ppt_x</p:attrName>
+                                        </p:attrNameLst>
+                                      </p:cBhvr>
+                                      <p:tavLst>
+                                        <p:tav tm="0">
+                                          <p:val>
+                                            <p:strVal val="#ppt_x"/>
+                                          </p:val>
+                                        </p:tav>
+                                        <p:tav tm="100000">
+                                          <p:val>
+                                            <p:strVal val="#ppt_x"/>
+                                          </p:val>
+                                        </p:tav>
+                                      </p:tavLst>
+                                    </p:anim>
+                                    <p:anim calcmode="lin" valueType="num">
+                                      <p:cBhvr additive="base">
+                                        <p:cTn id="20" dur="500" fill="hold"/>
+                                        <p:tgtEl>
+                                          <p:spTgt spid="16"/>
+                                        </p:tgtEl>
+                                        <p:attrNameLst>
+                                          <p:attrName>ppt_y</p:attrName>
+                                        </p:attrNameLst>
+                                      </p:cBhvr>
+                                      <p:tavLst>
+                                        <p:tav tm="0">
+                                          <p:val>
+                                            <p:strVal val="1+#ppt_h/2"/>
+                                          </p:val>
+                                        </p:tav>
+                                        <p:tav tm="100000">
+                                          <p:val>
+                                            <p:strVal val="#ppt_y"/>
+                                          </p:val>
+                                        </p:tav>
+                                      </p:tavLst>
+                                    </p:anim>
+                                  </p:childTnLst>
+                                </p:cTn>
+                              </p:par>
+                            </p:childTnLst>
+                          </p:cTn>
+                        </p:par>
+                      </p:childTnLst>
+                    </p:cTn>
+                  </p:par>
+                </p:childTnLst>
+              </p:cTn>
+              <p:prevCondLst>
+                <p:cond evt="onPrev" delay="0">
+                  <p:tgtEl>
+                    <p:sldTgt/>
+                  </p:tgtEl>
+                </p:cond>
+              </p:prevCondLst>
+              <p:nextCondLst>
+                <p:cond evt="onNext" delay="0">
+                  <p:tgtEl>
+                    <p:sldTgt/>
+                  </p:tgtEl>
+                </p:cond>
+              </p:nextCondLst>
+            </p:seq>
+          </p:childTnLst>
+        </p:cTn>
+      </p:par>
+    </p:tnLst>
+    <p:bldLst>
+      <p:bldP spid="9" grpId="0" animBg="1"/>
+      <p:bldP spid="10" grpId="0" animBg="1"/>
+      <p:bldP spid="16" grpId="0" animBg="1"/>
     </p:bldLst>
   </p:timing>
 </p:sld>

--- a/assets/img/Images.pptx
+++ b/assets/img/Images.pptx
@@ -5,7 +5,7 @@
     <p:sldMasterId id="2147483663" r:id="rId1"/>
   </p:sldMasterIdLst>
   <p:notesMasterIdLst>
-    <p:notesMasterId r:id="rId17"/>
+    <p:notesMasterId r:id="rId18"/>
   </p:notesMasterIdLst>
   <p:sldIdLst>
     <p:sldId id="286" r:id="rId2"/>
@@ -23,6 +23,7 @@
     <p:sldId id="283" r:id="rId14"/>
     <p:sldId id="284" r:id="rId15"/>
     <p:sldId id="285" r:id="rId16"/>
+    <p:sldId id="287" r:id="rId17"/>
   </p:sldIdLst>
   <p:sldSz cx="9144000" cy="6858000" type="screen4x3"/>
   <p:notesSz cx="6858000" cy="9144000"/>
@@ -7224,150 +7225,6 @@
           <a:chExt cx="0" cy="0"/>
         </a:xfrm>
       </p:grpSpPr>
-      <p:sp>
-        <p:nvSpPr>
-          <p:cNvPr id="6" name="Rectangle 5"/>
-          <p:cNvSpPr/>
-          <p:nvPr/>
-        </p:nvSpPr>
-        <p:spPr>
-          <a:xfrm>
-            <a:off x="4928501" y="3932866"/>
-            <a:ext cx="362640" cy="381961"/>
-          </a:xfrm>
-          <a:prstGeom prst="rect">
-            <a:avLst/>
-          </a:prstGeom>
-          <a:solidFill>
-            <a:schemeClr val="accent6">
-              <a:lumMod val="40000"/>
-              <a:lumOff val="60000"/>
-              <a:alpha val="50000"/>
-            </a:schemeClr>
-          </a:solidFill>
-          <a:ln w="19050">
-            <a:noFill/>
-          </a:ln>
-        </p:spPr>
-        <p:style>
-          <a:lnRef idx="1">
-            <a:schemeClr val="accent1"/>
-          </a:lnRef>
-          <a:fillRef idx="3">
-            <a:schemeClr val="accent1"/>
-          </a:fillRef>
-          <a:effectRef idx="2">
-            <a:schemeClr val="accent1"/>
-          </a:effectRef>
-          <a:fontRef idx="minor">
-            <a:schemeClr val="lt1"/>
-          </a:fontRef>
-        </p:style>
-        <p:txBody>
-          <a:bodyPr rtlCol="0" anchor="ctr"/>
-          <a:lstStyle/>
-          <a:p>
-            <a:pPr algn="ctr"/>
-            <a:endParaRPr lang="en-US"/>
-          </a:p>
-        </p:txBody>
-      </p:sp>
-      <p:sp>
-        <p:nvSpPr>
-          <p:cNvPr id="7" name="Rectangle 6"/>
-          <p:cNvSpPr/>
-          <p:nvPr/>
-        </p:nvSpPr>
-        <p:spPr>
-          <a:xfrm>
-            <a:off x="5297165" y="4302233"/>
-            <a:ext cx="374976" cy="379307"/>
-          </a:xfrm>
-          <a:prstGeom prst="rect">
-            <a:avLst/>
-          </a:prstGeom>
-          <a:solidFill>
-            <a:schemeClr val="accent6">
-              <a:lumMod val="40000"/>
-              <a:lumOff val="60000"/>
-              <a:alpha val="50000"/>
-            </a:schemeClr>
-          </a:solidFill>
-          <a:ln w="19050">
-            <a:noFill/>
-          </a:ln>
-        </p:spPr>
-        <p:style>
-          <a:lnRef idx="1">
-            <a:schemeClr val="accent1"/>
-          </a:lnRef>
-          <a:fillRef idx="3">
-            <a:schemeClr val="accent1"/>
-          </a:fillRef>
-          <a:effectRef idx="2">
-            <a:schemeClr val="accent1"/>
-          </a:effectRef>
-          <a:fontRef idx="minor">
-            <a:schemeClr val="lt1"/>
-          </a:fontRef>
-        </p:style>
-        <p:txBody>
-          <a:bodyPr rtlCol="0" anchor="ctr"/>
-          <a:lstStyle/>
-          <a:p>
-            <a:pPr algn="ctr"/>
-            <a:endParaRPr lang="en-US"/>
-          </a:p>
-        </p:txBody>
-      </p:sp>
-      <p:sp>
-        <p:nvSpPr>
-          <p:cNvPr id="8" name="Rectangle 7"/>
-          <p:cNvSpPr/>
-          <p:nvPr/>
-        </p:nvSpPr>
-        <p:spPr>
-          <a:xfrm>
-            <a:off x="4942703" y="4674263"/>
-            <a:ext cx="1096150" cy="369227"/>
-          </a:xfrm>
-          <a:prstGeom prst="rect">
-            <a:avLst/>
-          </a:prstGeom>
-          <a:solidFill>
-            <a:schemeClr val="accent6">
-              <a:lumMod val="40000"/>
-              <a:lumOff val="60000"/>
-              <a:alpha val="50000"/>
-            </a:schemeClr>
-          </a:solidFill>
-          <a:ln w="19050">
-            <a:noFill/>
-          </a:ln>
-        </p:spPr>
-        <p:style>
-          <a:lnRef idx="1">
-            <a:schemeClr val="accent1"/>
-          </a:lnRef>
-          <a:fillRef idx="3">
-            <a:schemeClr val="accent1"/>
-          </a:fillRef>
-          <a:effectRef idx="2">
-            <a:schemeClr val="accent1"/>
-          </a:effectRef>
-          <a:fontRef idx="minor">
-            <a:schemeClr val="lt1"/>
-          </a:fontRef>
-        </p:style>
-        <p:txBody>
-          <a:bodyPr rtlCol="0" anchor="ctr"/>
-          <a:lstStyle/>
-          <a:p>
-            <a:pPr algn="ctr"/>
-            <a:endParaRPr lang="en-US"/>
-          </a:p>
-        </p:txBody>
-      </p:sp>
       <p:pic>
         <p:nvPicPr>
           <p:cNvPr id="3" name="Picture 2">
@@ -7673,6 +7530,1278 @@
   <p:clrMapOvr>
     <a:masterClrMapping/>
   </p:clrMapOvr>
+</p:sld>
+</file>
+
+<file path=ppt/slides/slide16.xml><?xml version="1.0" encoding="utf-8"?>
+<p:sld xmlns:a="http://schemas.openxmlformats.org/drawingml/2006/main" xmlns:r="http://schemas.openxmlformats.org/officeDocument/2006/relationships" xmlns:p="http://schemas.openxmlformats.org/presentationml/2006/main">
+  <p:cSld>
+    <p:spTree>
+      <p:nvGrpSpPr>
+        <p:cNvPr id="1" name=""/>
+        <p:cNvGrpSpPr/>
+        <p:nvPr/>
+      </p:nvGrpSpPr>
+      <p:grpSpPr>
+        <a:xfrm>
+          <a:off x="0" y="0"/>
+          <a:ext cx="0" cy="0"/>
+          <a:chOff x="0" y="0"/>
+          <a:chExt cx="0" cy="0"/>
+        </a:xfrm>
+      </p:grpSpPr>
+      <p:pic>
+        <p:nvPicPr>
+          <p:cNvPr id="4" name="Picture 3">
+            <a:extLst>
+              <a:ext uri="{FF2B5EF4-FFF2-40B4-BE49-F238E27FC236}">
+                <a16:creationId xmlns:a16="http://schemas.microsoft.com/office/drawing/2014/main" id="{A8C55014-1A09-4F00-9702-6C40C7FA9DC9}"/>
+              </a:ext>
+            </a:extLst>
+          </p:cNvPr>
+          <p:cNvPicPr>
+            <a:picLocks noChangeAspect="1"/>
+          </p:cNvPicPr>
+          <p:nvPr/>
+        </p:nvPicPr>
+        <p:blipFill>
+          <a:blip r:embed="rId2"/>
+          <a:stretch>
+            <a:fillRect/>
+          </a:stretch>
+        </p:blipFill>
+        <p:spPr>
+          <a:xfrm>
+            <a:off x="701180" y="579103"/>
+            <a:ext cx="6248400" cy="4743450"/>
+          </a:xfrm>
+          <a:prstGeom prst="rect">
+            <a:avLst/>
+          </a:prstGeom>
+        </p:spPr>
+      </p:pic>
+      <p:sp>
+        <p:nvSpPr>
+          <p:cNvPr id="5" name="Rectangle 4">
+            <a:extLst>
+              <a:ext uri="{FF2B5EF4-FFF2-40B4-BE49-F238E27FC236}">
+                <a16:creationId xmlns:a16="http://schemas.microsoft.com/office/drawing/2014/main" id="{CA1D5C4D-7D7E-4A7B-AD50-6A9D9B298AD3}"/>
+              </a:ext>
+            </a:extLst>
+          </p:cNvPr>
+          <p:cNvSpPr/>
+          <p:nvPr/>
+        </p:nvSpPr>
+        <p:spPr>
+          <a:xfrm>
+            <a:off x="4491037" y="1310094"/>
+            <a:ext cx="2135982" cy="1502162"/>
+          </a:xfrm>
+          <a:prstGeom prst="rect">
+            <a:avLst/>
+          </a:prstGeom>
+          <a:noFill/>
+          <a:ln w="19050">
+            <a:solidFill>
+              <a:srgbClr val="FF0000"/>
+            </a:solidFill>
+          </a:ln>
+        </p:spPr>
+        <p:style>
+          <a:lnRef idx="1">
+            <a:schemeClr val="accent1"/>
+          </a:lnRef>
+          <a:fillRef idx="3">
+            <a:schemeClr val="accent1"/>
+          </a:fillRef>
+          <a:effectRef idx="2">
+            <a:schemeClr val="accent1"/>
+          </a:effectRef>
+          <a:fontRef idx="minor">
+            <a:schemeClr val="lt1"/>
+          </a:fontRef>
+        </p:style>
+        <p:txBody>
+          <a:bodyPr rtlCol="0" anchor="ctr"/>
+          <a:lstStyle/>
+          <a:p>
+            <a:pPr algn="ctr"/>
+            <a:endParaRPr lang="en-US"/>
+          </a:p>
+        </p:txBody>
+      </p:sp>
+      <p:sp>
+        <p:nvSpPr>
+          <p:cNvPr id="6" name="Rectangle 5">
+            <a:extLst>
+              <a:ext uri="{FF2B5EF4-FFF2-40B4-BE49-F238E27FC236}">
+                <a16:creationId xmlns:a16="http://schemas.microsoft.com/office/drawing/2014/main" id="{B1F7B5E3-4FF2-46BC-8040-596031835452}"/>
+              </a:ext>
+            </a:extLst>
+          </p:cNvPr>
+          <p:cNvSpPr/>
+          <p:nvPr/>
+        </p:nvSpPr>
+        <p:spPr>
+          <a:xfrm>
+            <a:off x="2944899" y="2857500"/>
+            <a:ext cx="1508040" cy="1785937"/>
+          </a:xfrm>
+          <a:prstGeom prst="rect">
+            <a:avLst/>
+          </a:prstGeom>
+          <a:noFill/>
+          <a:ln w="19050">
+            <a:solidFill>
+              <a:srgbClr val="FF0000"/>
+            </a:solidFill>
+          </a:ln>
+        </p:spPr>
+        <p:style>
+          <a:lnRef idx="1">
+            <a:schemeClr val="accent1"/>
+          </a:lnRef>
+          <a:fillRef idx="3">
+            <a:schemeClr val="accent1"/>
+          </a:fillRef>
+          <a:effectRef idx="2">
+            <a:schemeClr val="accent1"/>
+          </a:effectRef>
+          <a:fontRef idx="minor">
+            <a:schemeClr val="lt1"/>
+          </a:fontRef>
+        </p:style>
+        <p:txBody>
+          <a:bodyPr rtlCol="0" anchor="ctr"/>
+          <a:lstStyle/>
+          <a:p>
+            <a:pPr algn="ctr"/>
+            <a:endParaRPr lang="en-US"/>
+          </a:p>
+        </p:txBody>
+      </p:sp>
+      <p:sp>
+        <p:nvSpPr>
+          <p:cNvPr id="7" name="Rectangle 6">
+            <a:extLst>
+              <a:ext uri="{FF2B5EF4-FFF2-40B4-BE49-F238E27FC236}">
+                <a16:creationId xmlns:a16="http://schemas.microsoft.com/office/drawing/2014/main" id="{B48B1591-B653-43DB-BE69-529368D0A740}"/>
+              </a:ext>
+            </a:extLst>
+          </p:cNvPr>
+          <p:cNvSpPr/>
+          <p:nvPr/>
+        </p:nvSpPr>
+        <p:spPr>
+          <a:xfrm>
+            <a:off x="5107075" y="3155274"/>
+            <a:ext cx="276932" cy="273726"/>
+          </a:xfrm>
+          <a:prstGeom prst="rect">
+            <a:avLst/>
+          </a:prstGeom>
+          <a:noFill/>
+          <a:ln w="19050">
+            <a:solidFill>
+              <a:srgbClr val="FF0000"/>
+            </a:solidFill>
+          </a:ln>
+        </p:spPr>
+        <p:style>
+          <a:lnRef idx="1">
+            <a:schemeClr val="accent1"/>
+          </a:lnRef>
+          <a:fillRef idx="3">
+            <a:schemeClr val="accent1"/>
+          </a:fillRef>
+          <a:effectRef idx="2">
+            <a:schemeClr val="accent1"/>
+          </a:effectRef>
+          <a:fontRef idx="minor">
+            <a:schemeClr val="lt1"/>
+          </a:fontRef>
+        </p:style>
+        <p:txBody>
+          <a:bodyPr rtlCol="0" anchor="ctr"/>
+          <a:lstStyle/>
+          <a:p>
+            <a:pPr algn="ctr"/>
+            <a:endParaRPr lang="en-US"/>
+          </a:p>
+        </p:txBody>
+      </p:sp>
+      <p:sp>
+        <p:nvSpPr>
+          <p:cNvPr id="8" name="Rectangle 7">
+            <a:extLst>
+              <a:ext uri="{FF2B5EF4-FFF2-40B4-BE49-F238E27FC236}">
+                <a16:creationId xmlns:a16="http://schemas.microsoft.com/office/drawing/2014/main" id="{A39CF62F-E4E0-4EC6-BFAA-6DB14D5AF198}"/>
+              </a:ext>
+            </a:extLst>
+          </p:cNvPr>
+          <p:cNvSpPr/>
+          <p:nvPr/>
+        </p:nvSpPr>
+        <p:spPr>
+          <a:xfrm>
+            <a:off x="4797512" y="3476742"/>
+            <a:ext cx="276932" cy="273726"/>
+          </a:xfrm>
+          <a:prstGeom prst="rect">
+            <a:avLst/>
+          </a:prstGeom>
+          <a:noFill/>
+          <a:ln w="19050">
+            <a:solidFill>
+              <a:srgbClr val="FF0000"/>
+            </a:solidFill>
+          </a:ln>
+        </p:spPr>
+        <p:style>
+          <a:lnRef idx="1">
+            <a:schemeClr val="accent1"/>
+          </a:lnRef>
+          <a:fillRef idx="3">
+            <a:schemeClr val="accent1"/>
+          </a:fillRef>
+          <a:effectRef idx="2">
+            <a:schemeClr val="accent1"/>
+          </a:effectRef>
+          <a:fontRef idx="minor">
+            <a:schemeClr val="lt1"/>
+          </a:fontRef>
+        </p:style>
+        <p:txBody>
+          <a:bodyPr rtlCol="0" anchor="ctr"/>
+          <a:lstStyle/>
+          <a:p>
+            <a:pPr algn="ctr"/>
+            <a:endParaRPr lang="en-US"/>
+          </a:p>
+        </p:txBody>
+      </p:sp>
+      <p:sp>
+        <p:nvSpPr>
+          <p:cNvPr id="9" name="Rounded Rectangular Callout 10">
+            <a:extLst>
+              <a:ext uri="{FF2B5EF4-FFF2-40B4-BE49-F238E27FC236}">
+                <a16:creationId xmlns:a16="http://schemas.microsoft.com/office/drawing/2014/main" id="{B3F77F2A-6A15-439D-BF78-5382C56BD79D}"/>
+              </a:ext>
+            </a:extLst>
+          </p:cNvPr>
+          <p:cNvSpPr/>
+          <p:nvPr/>
+        </p:nvSpPr>
+        <p:spPr>
+          <a:xfrm>
+            <a:off x="5230708" y="4045745"/>
+            <a:ext cx="1718872" cy="996215"/>
+          </a:xfrm>
+          <a:prstGeom prst="wedgeRoundRectCallout">
+            <a:avLst>
+              <a:gd name="adj1" fmla="val -54312"/>
+              <a:gd name="adj2" fmla="val -105778"/>
+              <a:gd name="adj3" fmla="val 16667"/>
+            </a:avLst>
+          </a:prstGeom>
+          <a:solidFill>
+            <a:schemeClr val="accent1"/>
+          </a:solidFill>
+          <a:ln>
+            <a:noFill/>
+          </a:ln>
+        </p:spPr>
+        <p:style>
+          <a:lnRef idx="1">
+            <a:schemeClr val="accent1"/>
+          </a:lnRef>
+          <a:fillRef idx="3">
+            <a:schemeClr val="accent1"/>
+          </a:fillRef>
+          <a:effectRef idx="2">
+            <a:schemeClr val="accent1"/>
+          </a:effectRef>
+          <a:fontRef idx="minor">
+            <a:schemeClr val="lt1"/>
+          </a:fontRef>
+        </p:style>
+        <p:txBody>
+          <a:bodyPr rtlCol="0" anchor="ctr"/>
+          <a:lstStyle/>
+          <a:p>
+            <a:pPr algn="ctr"/>
+            <a:r>
+              <a:rPr lang="en-US" sz="1400" dirty="0">
+                <a:solidFill>
+                  <a:schemeClr val="bg1"/>
+                </a:solidFill>
+              </a:rPr>
+              <a:t>Cycle removed by moving P3</a:t>
+            </a:r>
+          </a:p>
+        </p:txBody>
+      </p:sp>
+      <p:sp>
+        <p:nvSpPr>
+          <p:cNvPr id="10" name="Rounded Rectangular Callout 10">
+            <a:extLst>
+              <a:ext uri="{FF2B5EF4-FFF2-40B4-BE49-F238E27FC236}">
+                <a16:creationId xmlns:a16="http://schemas.microsoft.com/office/drawing/2014/main" id="{00D8F98D-8C20-454E-906A-5D13EF79B16C}"/>
+              </a:ext>
+            </a:extLst>
+          </p:cNvPr>
+          <p:cNvSpPr/>
+          <p:nvPr/>
+        </p:nvSpPr>
+        <p:spPr>
+          <a:xfrm>
+            <a:off x="2194420" y="1413000"/>
+            <a:ext cx="1718872" cy="996215"/>
+          </a:xfrm>
+          <a:prstGeom prst="wedgeRoundRectCallout">
+            <a:avLst>
+              <a:gd name="adj1" fmla="val 93080"/>
+              <a:gd name="adj2" fmla="val -8938"/>
+              <a:gd name="adj3" fmla="val 16667"/>
+            </a:avLst>
+          </a:prstGeom>
+          <a:solidFill>
+            <a:schemeClr val="accent1"/>
+          </a:solidFill>
+          <a:ln>
+            <a:noFill/>
+          </a:ln>
+        </p:spPr>
+        <p:style>
+          <a:lnRef idx="1">
+            <a:schemeClr val="accent1"/>
+          </a:lnRef>
+          <a:fillRef idx="3">
+            <a:schemeClr val="accent1"/>
+          </a:fillRef>
+          <a:effectRef idx="2">
+            <a:schemeClr val="accent1"/>
+          </a:effectRef>
+          <a:fontRef idx="minor">
+            <a:schemeClr val="lt1"/>
+          </a:fontRef>
+        </p:style>
+        <p:txBody>
+          <a:bodyPr rtlCol="0" anchor="ctr"/>
+          <a:lstStyle/>
+          <a:p>
+            <a:pPr algn="ctr"/>
+            <a:r>
+              <a:rPr lang="en-US" sz="1400" dirty="0">
+                <a:solidFill>
+                  <a:schemeClr val="bg1"/>
+                </a:solidFill>
+              </a:rPr>
+              <a:t>Cycle removed by moving P3</a:t>
+            </a:r>
+          </a:p>
+        </p:txBody>
+      </p:sp>
+      <p:sp>
+        <p:nvSpPr>
+          <p:cNvPr id="11" name="Rounded Rectangular Callout 10">
+            <a:extLst>
+              <a:ext uri="{FF2B5EF4-FFF2-40B4-BE49-F238E27FC236}">
+                <a16:creationId xmlns:a16="http://schemas.microsoft.com/office/drawing/2014/main" id="{7C4DD407-1785-4A1F-8FB7-43A4BCD8DEFF}"/>
+              </a:ext>
+            </a:extLst>
+          </p:cNvPr>
+          <p:cNvSpPr/>
+          <p:nvPr/>
+        </p:nvSpPr>
+        <p:spPr>
+          <a:xfrm>
+            <a:off x="2194420" y="1412999"/>
+            <a:ext cx="1718872" cy="996215"/>
+          </a:xfrm>
+          <a:prstGeom prst="wedgeRoundRectCallout">
+            <a:avLst>
+              <a:gd name="adj1" fmla="val 24265"/>
+              <a:gd name="adj2" fmla="val 110638"/>
+              <a:gd name="adj3" fmla="val 16667"/>
+            </a:avLst>
+          </a:prstGeom>
+          <a:solidFill>
+            <a:schemeClr val="accent1"/>
+          </a:solidFill>
+          <a:ln>
+            <a:noFill/>
+          </a:ln>
+        </p:spPr>
+        <p:style>
+          <a:lnRef idx="1">
+            <a:schemeClr val="accent1"/>
+          </a:lnRef>
+          <a:fillRef idx="3">
+            <a:schemeClr val="accent1"/>
+          </a:fillRef>
+          <a:effectRef idx="2">
+            <a:schemeClr val="accent1"/>
+          </a:effectRef>
+          <a:fontRef idx="minor">
+            <a:schemeClr val="lt1"/>
+          </a:fontRef>
+        </p:style>
+        <p:txBody>
+          <a:bodyPr rtlCol="0" anchor="ctr"/>
+          <a:lstStyle/>
+          <a:p>
+            <a:pPr algn="ctr"/>
+            <a:r>
+              <a:rPr lang="en-US" sz="1400" dirty="0">
+                <a:solidFill>
+                  <a:schemeClr val="bg1"/>
+                </a:solidFill>
+              </a:rPr>
+              <a:t>Hierarchical Cycle</a:t>
+            </a:r>
+          </a:p>
+        </p:txBody>
+      </p:sp>
+      <p:sp>
+        <p:nvSpPr>
+          <p:cNvPr id="12" name="Rounded Rectangular Callout 10">
+            <a:extLst>
+              <a:ext uri="{FF2B5EF4-FFF2-40B4-BE49-F238E27FC236}">
+                <a16:creationId xmlns:a16="http://schemas.microsoft.com/office/drawing/2014/main" id="{DD1A0868-A564-4319-9D5C-1F714B7B63DF}"/>
+              </a:ext>
+            </a:extLst>
+          </p:cNvPr>
+          <p:cNvSpPr/>
+          <p:nvPr/>
+        </p:nvSpPr>
+        <p:spPr>
+          <a:xfrm>
+            <a:off x="5245541" y="4045745"/>
+            <a:ext cx="1718872" cy="996215"/>
+          </a:xfrm>
+          <a:prstGeom prst="wedgeRoundRectCallout">
+            <a:avLst>
+              <a:gd name="adj1" fmla="val -68465"/>
+              <a:gd name="adj2" fmla="val -77989"/>
+              <a:gd name="adj3" fmla="val 16667"/>
+            </a:avLst>
+          </a:prstGeom>
+          <a:solidFill>
+            <a:schemeClr val="accent1"/>
+          </a:solidFill>
+          <a:ln>
+            <a:noFill/>
+          </a:ln>
+        </p:spPr>
+        <p:style>
+          <a:lnRef idx="1">
+            <a:schemeClr val="accent1"/>
+          </a:lnRef>
+          <a:fillRef idx="3">
+            <a:schemeClr val="accent1"/>
+          </a:fillRef>
+          <a:effectRef idx="2">
+            <a:schemeClr val="accent1"/>
+          </a:effectRef>
+          <a:fontRef idx="minor">
+            <a:schemeClr val="lt1"/>
+          </a:fontRef>
+        </p:style>
+        <p:txBody>
+          <a:bodyPr rtlCol="0" anchor="ctr"/>
+          <a:lstStyle/>
+          <a:p>
+            <a:pPr algn="ctr"/>
+            <a:r>
+              <a:rPr lang="en-US" sz="1400" dirty="0">
+                <a:solidFill>
+                  <a:schemeClr val="bg1"/>
+                </a:solidFill>
+              </a:rPr>
+              <a:t>System Cycle</a:t>
+            </a:r>
+          </a:p>
+        </p:txBody>
+      </p:sp>
+    </p:spTree>
+    <p:extLst>
+      <p:ext uri="{BB962C8B-B14F-4D97-AF65-F5344CB8AC3E}">
+        <p14:creationId xmlns:p14="http://schemas.microsoft.com/office/powerpoint/2010/main" val="1496317465"/>
+      </p:ext>
+    </p:extLst>
+  </p:cSld>
+  <p:clrMapOvr>
+    <a:masterClrMapping/>
+  </p:clrMapOvr>
+  <p:timing>
+    <p:tnLst>
+      <p:par>
+        <p:cTn id="1" dur="indefinite" restart="never" nodeType="tmRoot">
+          <p:childTnLst>
+            <p:seq concurrent="1" nextAc="seek">
+              <p:cTn id="2" dur="indefinite" nodeType="mainSeq">
+                <p:childTnLst>
+                  <p:par>
+                    <p:cTn id="3" fill="hold">
+                      <p:stCondLst>
+                        <p:cond delay="indefinite"/>
+                      </p:stCondLst>
+                      <p:childTnLst>
+                        <p:par>
+                          <p:cTn id="4" fill="hold">
+                            <p:stCondLst>
+                              <p:cond delay="0"/>
+                            </p:stCondLst>
+                            <p:childTnLst>
+                              <p:par>
+                                <p:cTn id="5" presetID="2" presetClass="entr" presetSubtype="4" fill="hold" grpId="0" nodeType="clickEffect">
+                                  <p:stCondLst>
+                                    <p:cond delay="0"/>
+                                  </p:stCondLst>
+                                  <p:childTnLst>
+                                    <p:set>
+                                      <p:cBhvr>
+                                        <p:cTn id="6" dur="1" fill="hold">
+                                          <p:stCondLst>
+                                            <p:cond delay="0"/>
+                                          </p:stCondLst>
+                                        </p:cTn>
+                                        <p:tgtEl>
+                                          <p:spTgt spid="5"/>
+                                        </p:tgtEl>
+                                        <p:attrNameLst>
+                                          <p:attrName>style.visibility</p:attrName>
+                                        </p:attrNameLst>
+                                      </p:cBhvr>
+                                      <p:to>
+                                        <p:strVal val="visible"/>
+                                      </p:to>
+                                    </p:set>
+                                    <p:anim calcmode="lin" valueType="num">
+                                      <p:cBhvr additive="base">
+                                        <p:cTn id="7" dur="500" fill="hold"/>
+                                        <p:tgtEl>
+                                          <p:spTgt spid="5"/>
+                                        </p:tgtEl>
+                                        <p:attrNameLst>
+                                          <p:attrName>ppt_x</p:attrName>
+                                        </p:attrNameLst>
+                                      </p:cBhvr>
+                                      <p:tavLst>
+                                        <p:tav tm="0">
+                                          <p:val>
+                                            <p:strVal val="#ppt_x"/>
+                                          </p:val>
+                                        </p:tav>
+                                        <p:tav tm="100000">
+                                          <p:val>
+                                            <p:strVal val="#ppt_x"/>
+                                          </p:val>
+                                        </p:tav>
+                                      </p:tavLst>
+                                    </p:anim>
+                                    <p:anim calcmode="lin" valueType="num">
+                                      <p:cBhvr additive="base">
+                                        <p:cTn id="8" dur="500" fill="hold"/>
+                                        <p:tgtEl>
+                                          <p:spTgt spid="5"/>
+                                        </p:tgtEl>
+                                        <p:attrNameLst>
+                                          <p:attrName>ppt_y</p:attrName>
+                                        </p:attrNameLst>
+                                      </p:cBhvr>
+                                      <p:tavLst>
+                                        <p:tav tm="0">
+                                          <p:val>
+                                            <p:strVal val="1+#ppt_h/2"/>
+                                          </p:val>
+                                        </p:tav>
+                                        <p:tav tm="100000">
+                                          <p:val>
+                                            <p:strVal val="#ppt_y"/>
+                                          </p:val>
+                                        </p:tav>
+                                      </p:tavLst>
+                                    </p:anim>
+                                  </p:childTnLst>
+                                </p:cTn>
+                              </p:par>
+                            </p:childTnLst>
+                          </p:cTn>
+                        </p:par>
+                      </p:childTnLst>
+                    </p:cTn>
+                  </p:par>
+                  <p:par>
+                    <p:cTn id="9" fill="hold">
+                      <p:stCondLst>
+                        <p:cond delay="indefinite"/>
+                      </p:stCondLst>
+                      <p:childTnLst>
+                        <p:par>
+                          <p:cTn id="10" fill="hold">
+                            <p:stCondLst>
+                              <p:cond delay="0"/>
+                            </p:stCondLst>
+                            <p:childTnLst>
+                              <p:par>
+                                <p:cTn id="11" presetID="2" presetClass="entr" presetSubtype="4" fill="hold" grpId="0" nodeType="clickEffect">
+                                  <p:stCondLst>
+                                    <p:cond delay="0"/>
+                                  </p:stCondLst>
+                                  <p:childTnLst>
+                                    <p:set>
+                                      <p:cBhvr>
+                                        <p:cTn id="12" dur="1" fill="hold">
+                                          <p:stCondLst>
+                                            <p:cond delay="0"/>
+                                          </p:stCondLst>
+                                        </p:cTn>
+                                        <p:tgtEl>
+                                          <p:spTgt spid="6"/>
+                                        </p:tgtEl>
+                                        <p:attrNameLst>
+                                          <p:attrName>style.visibility</p:attrName>
+                                        </p:attrNameLst>
+                                      </p:cBhvr>
+                                      <p:to>
+                                        <p:strVal val="visible"/>
+                                      </p:to>
+                                    </p:set>
+                                    <p:anim calcmode="lin" valueType="num">
+                                      <p:cBhvr additive="base">
+                                        <p:cTn id="13" dur="500" fill="hold"/>
+                                        <p:tgtEl>
+                                          <p:spTgt spid="6"/>
+                                        </p:tgtEl>
+                                        <p:attrNameLst>
+                                          <p:attrName>ppt_x</p:attrName>
+                                        </p:attrNameLst>
+                                      </p:cBhvr>
+                                      <p:tavLst>
+                                        <p:tav tm="0">
+                                          <p:val>
+                                            <p:strVal val="#ppt_x"/>
+                                          </p:val>
+                                        </p:tav>
+                                        <p:tav tm="100000">
+                                          <p:val>
+                                            <p:strVal val="#ppt_x"/>
+                                          </p:val>
+                                        </p:tav>
+                                      </p:tavLst>
+                                    </p:anim>
+                                    <p:anim calcmode="lin" valueType="num">
+                                      <p:cBhvr additive="base">
+                                        <p:cTn id="14" dur="500" fill="hold"/>
+                                        <p:tgtEl>
+                                          <p:spTgt spid="6"/>
+                                        </p:tgtEl>
+                                        <p:attrNameLst>
+                                          <p:attrName>ppt_y</p:attrName>
+                                        </p:attrNameLst>
+                                      </p:cBhvr>
+                                      <p:tavLst>
+                                        <p:tav tm="0">
+                                          <p:val>
+                                            <p:strVal val="1+#ppt_h/2"/>
+                                          </p:val>
+                                        </p:tav>
+                                        <p:tav tm="100000">
+                                          <p:val>
+                                            <p:strVal val="#ppt_y"/>
+                                          </p:val>
+                                        </p:tav>
+                                      </p:tavLst>
+                                    </p:anim>
+                                  </p:childTnLst>
+                                </p:cTn>
+                              </p:par>
+                            </p:childTnLst>
+                          </p:cTn>
+                        </p:par>
+                      </p:childTnLst>
+                    </p:cTn>
+                  </p:par>
+                  <p:par>
+                    <p:cTn id="15" fill="hold">
+                      <p:stCondLst>
+                        <p:cond delay="indefinite"/>
+                      </p:stCondLst>
+                      <p:childTnLst>
+                        <p:par>
+                          <p:cTn id="16" fill="hold">
+                            <p:stCondLst>
+                              <p:cond delay="0"/>
+                            </p:stCondLst>
+                            <p:childTnLst>
+                              <p:par>
+                                <p:cTn id="17" presetID="2" presetClass="entr" presetSubtype="4" fill="hold" grpId="0" nodeType="clickEffect">
+                                  <p:stCondLst>
+                                    <p:cond delay="0"/>
+                                  </p:stCondLst>
+                                  <p:childTnLst>
+                                    <p:set>
+                                      <p:cBhvr>
+                                        <p:cTn id="18" dur="1" fill="hold">
+                                          <p:stCondLst>
+                                            <p:cond delay="0"/>
+                                          </p:stCondLst>
+                                        </p:cTn>
+                                        <p:tgtEl>
+                                          <p:spTgt spid="7"/>
+                                        </p:tgtEl>
+                                        <p:attrNameLst>
+                                          <p:attrName>style.visibility</p:attrName>
+                                        </p:attrNameLst>
+                                      </p:cBhvr>
+                                      <p:to>
+                                        <p:strVal val="visible"/>
+                                      </p:to>
+                                    </p:set>
+                                    <p:anim calcmode="lin" valueType="num">
+                                      <p:cBhvr additive="base">
+                                        <p:cTn id="19" dur="500" fill="hold"/>
+                                        <p:tgtEl>
+                                          <p:spTgt spid="7"/>
+                                        </p:tgtEl>
+                                        <p:attrNameLst>
+                                          <p:attrName>ppt_x</p:attrName>
+                                        </p:attrNameLst>
+                                      </p:cBhvr>
+                                      <p:tavLst>
+                                        <p:tav tm="0">
+                                          <p:val>
+                                            <p:strVal val="#ppt_x"/>
+                                          </p:val>
+                                        </p:tav>
+                                        <p:tav tm="100000">
+                                          <p:val>
+                                            <p:strVal val="#ppt_x"/>
+                                          </p:val>
+                                        </p:tav>
+                                      </p:tavLst>
+                                    </p:anim>
+                                    <p:anim calcmode="lin" valueType="num">
+                                      <p:cBhvr additive="base">
+                                        <p:cTn id="20" dur="500" fill="hold"/>
+                                        <p:tgtEl>
+                                          <p:spTgt spid="7"/>
+                                        </p:tgtEl>
+                                        <p:attrNameLst>
+                                          <p:attrName>ppt_y</p:attrName>
+                                        </p:attrNameLst>
+                                      </p:cBhvr>
+                                      <p:tavLst>
+                                        <p:tav tm="0">
+                                          <p:val>
+                                            <p:strVal val="1+#ppt_h/2"/>
+                                          </p:val>
+                                        </p:tav>
+                                        <p:tav tm="100000">
+                                          <p:val>
+                                            <p:strVal val="#ppt_y"/>
+                                          </p:val>
+                                        </p:tav>
+                                      </p:tavLst>
+                                    </p:anim>
+                                  </p:childTnLst>
+                                </p:cTn>
+                              </p:par>
+                            </p:childTnLst>
+                          </p:cTn>
+                        </p:par>
+                      </p:childTnLst>
+                    </p:cTn>
+                  </p:par>
+                  <p:par>
+                    <p:cTn id="21" fill="hold">
+                      <p:stCondLst>
+                        <p:cond delay="indefinite"/>
+                      </p:stCondLst>
+                      <p:childTnLst>
+                        <p:par>
+                          <p:cTn id="22" fill="hold">
+                            <p:stCondLst>
+                              <p:cond delay="0"/>
+                            </p:stCondLst>
+                            <p:childTnLst>
+                              <p:par>
+                                <p:cTn id="23" presetID="2" presetClass="entr" presetSubtype="4" fill="hold" grpId="0" nodeType="clickEffect">
+                                  <p:stCondLst>
+                                    <p:cond delay="0"/>
+                                  </p:stCondLst>
+                                  <p:childTnLst>
+                                    <p:set>
+                                      <p:cBhvr>
+                                        <p:cTn id="24" dur="1" fill="hold">
+                                          <p:stCondLst>
+                                            <p:cond delay="0"/>
+                                          </p:stCondLst>
+                                        </p:cTn>
+                                        <p:tgtEl>
+                                          <p:spTgt spid="8"/>
+                                        </p:tgtEl>
+                                        <p:attrNameLst>
+                                          <p:attrName>style.visibility</p:attrName>
+                                        </p:attrNameLst>
+                                      </p:cBhvr>
+                                      <p:to>
+                                        <p:strVal val="visible"/>
+                                      </p:to>
+                                    </p:set>
+                                    <p:anim calcmode="lin" valueType="num">
+                                      <p:cBhvr additive="base">
+                                        <p:cTn id="25" dur="500" fill="hold"/>
+                                        <p:tgtEl>
+                                          <p:spTgt spid="8"/>
+                                        </p:tgtEl>
+                                        <p:attrNameLst>
+                                          <p:attrName>ppt_x</p:attrName>
+                                        </p:attrNameLst>
+                                      </p:cBhvr>
+                                      <p:tavLst>
+                                        <p:tav tm="0">
+                                          <p:val>
+                                            <p:strVal val="#ppt_x"/>
+                                          </p:val>
+                                        </p:tav>
+                                        <p:tav tm="100000">
+                                          <p:val>
+                                            <p:strVal val="#ppt_x"/>
+                                          </p:val>
+                                        </p:tav>
+                                      </p:tavLst>
+                                    </p:anim>
+                                    <p:anim calcmode="lin" valueType="num">
+                                      <p:cBhvr additive="base">
+                                        <p:cTn id="26" dur="500" fill="hold"/>
+                                        <p:tgtEl>
+                                          <p:spTgt spid="8"/>
+                                        </p:tgtEl>
+                                        <p:attrNameLst>
+                                          <p:attrName>ppt_y</p:attrName>
+                                        </p:attrNameLst>
+                                      </p:cBhvr>
+                                      <p:tavLst>
+                                        <p:tav tm="0">
+                                          <p:val>
+                                            <p:strVal val="1+#ppt_h/2"/>
+                                          </p:val>
+                                        </p:tav>
+                                        <p:tav tm="100000">
+                                          <p:val>
+                                            <p:strVal val="#ppt_y"/>
+                                          </p:val>
+                                        </p:tav>
+                                      </p:tavLst>
+                                    </p:anim>
+                                  </p:childTnLst>
+                                </p:cTn>
+                              </p:par>
+                            </p:childTnLst>
+                          </p:cTn>
+                        </p:par>
+                      </p:childTnLst>
+                    </p:cTn>
+                  </p:par>
+                  <p:par>
+                    <p:cTn id="27" fill="hold">
+                      <p:stCondLst>
+                        <p:cond delay="indefinite"/>
+                      </p:stCondLst>
+                      <p:childTnLst>
+                        <p:par>
+                          <p:cTn id="28" fill="hold">
+                            <p:stCondLst>
+                              <p:cond delay="0"/>
+                            </p:stCondLst>
+                            <p:childTnLst>
+                              <p:par>
+                                <p:cTn id="29" presetID="2" presetClass="entr" presetSubtype="4" fill="hold" grpId="0" nodeType="clickEffect">
+                                  <p:stCondLst>
+                                    <p:cond delay="0"/>
+                                  </p:stCondLst>
+                                  <p:childTnLst>
+                                    <p:set>
+                                      <p:cBhvr>
+                                        <p:cTn id="30" dur="1" fill="hold">
+                                          <p:stCondLst>
+                                            <p:cond delay="0"/>
+                                          </p:stCondLst>
+                                        </p:cTn>
+                                        <p:tgtEl>
+                                          <p:spTgt spid="9"/>
+                                        </p:tgtEl>
+                                        <p:attrNameLst>
+                                          <p:attrName>style.visibility</p:attrName>
+                                        </p:attrNameLst>
+                                      </p:cBhvr>
+                                      <p:to>
+                                        <p:strVal val="visible"/>
+                                      </p:to>
+                                    </p:set>
+                                    <p:anim calcmode="lin" valueType="num">
+                                      <p:cBhvr additive="base">
+                                        <p:cTn id="31" dur="500" fill="hold"/>
+                                        <p:tgtEl>
+                                          <p:spTgt spid="9"/>
+                                        </p:tgtEl>
+                                        <p:attrNameLst>
+                                          <p:attrName>ppt_x</p:attrName>
+                                        </p:attrNameLst>
+                                      </p:cBhvr>
+                                      <p:tavLst>
+                                        <p:tav tm="0">
+                                          <p:val>
+                                            <p:strVal val="#ppt_x"/>
+                                          </p:val>
+                                        </p:tav>
+                                        <p:tav tm="100000">
+                                          <p:val>
+                                            <p:strVal val="#ppt_x"/>
+                                          </p:val>
+                                        </p:tav>
+                                      </p:tavLst>
+                                    </p:anim>
+                                    <p:anim calcmode="lin" valueType="num">
+                                      <p:cBhvr additive="base">
+                                        <p:cTn id="32" dur="500" fill="hold"/>
+                                        <p:tgtEl>
+                                          <p:spTgt spid="9"/>
+                                        </p:tgtEl>
+                                        <p:attrNameLst>
+                                          <p:attrName>ppt_y</p:attrName>
+                                        </p:attrNameLst>
+                                      </p:cBhvr>
+                                      <p:tavLst>
+                                        <p:tav tm="0">
+                                          <p:val>
+                                            <p:strVal val="1+#ppt_h/2"/>
+                                          </p:val>
+                                        </p:tav>
+                                        <p:tav tm="100000">
+                                          <p:val>
+                                            <p:strVal val="#ppt_y"/>
+                                          </p:val>
+                                        </p:tav>
+                                      </p:tavLst>
+                                    </p:anim>
+                                  </p:childTnLst>
+                                </p:cTn>
+                              </p:par>
+                            </p:childTnLst>
+                          </p:cTn>
+                        </p:par>
+                      </p:childTnLst>
+                    </p:cTn>
+                  </p:par>
+                  <p:par>
+                    <p:cTn id="33" fill="hold">
+                      <p:stCondLst>
+                        <p:cond delay="indefinite"/>
+                      </p:stCondLst>
+                      <p:childTnLst>
+                        <p:par>
+                          <p:cTn id="34" fill="hold">
+                            <p:stCondLst>
+                              <p:cond delay="0"/>
+                            </p:stCondLst>
+                            <p:childTnLst>
+                              <p:par>
+                                <p:cTn id="35" presetID="2" presetClass="entr" presetSubtype="4" fill="hold" grpId="0" nodeType="clickEffect">
+                                  <p:stCondLst>
+                                    <p:cond delay="0"/>
+                                  </p:stCondLst>
+                                  <p:childTnLst>
+                                    <p:set>
+                                      <p:cBhvr>
+                                        <p:cTn id="36" dur="1" fill="hold">
+                                          <p:stCondLst>
+                                            <p:cond delay="0"/>
+                                          </p:stCondLst>
+                                        </p:cTn>
+                                        <p:tgtEl>
+                                          <p:spTgt spid="10"/>
+                                        </p:tgtEl>
+                                        <p:attrNameLst>
+                                          <p:attrName>style.visibility</p:attrName>
+                                        </p:attrNameLst>
+                                      </p:cBhvr>
+                                      <p:to>
+                                        <p:strVal val="visible"/>
+                                      </p:to>
+                                    </p:set>
+                                    <p:anim calcmode="lin" valueType="num">
+                                      <p:cBhvr additive="base">
+                                        <p:cTn id="37" dur="500" fill="hold"/>
+                                        <p:tgtEl>
+                                          <p:spTgt spid="10"/>
+                                        </p:tgtEl>
+                                        <p:attrNameLst>
+                                          <p:attrName>ppt_x</p:attrName>
+                                        </p:attrNameLst>
+                                      </p:cBhvr>
+                                      <p:tavLst>
+                                        <p:tav tm="0">
+                                          <p:val>
+                                            <p:strVal val="#ppt_x"/>
+                                          </p:val>
+                                        </p:tav>
+                                        <p:tav tm="100000">
+                                          <p:val>
+                                            <p:strVal val="#ppt_x"/>
+                                          </p:val>
+                                        </p:tav>
+                                      </p:tavLst>
+                                    </p:anim>
+                                    <p:anim calcmode="lin" valueType="num">
+                                      <p:cBhvr additive="base">
+                                        <p:cTn id="38" dur="500" fill="hold"/>
+                                        <p:tgtEl>
+                                          <p:spTgt spid="10"/>
+                                        </p:tgtEl>
+                                        <p:attrNameLst>
+                                          <p:attrName>ppt_y</p:attrName>
+                                        </p:attrNameLst>
+                                      </p:cBhvr>
+                                      <p:tavLst>
+                                        <p:tav tm="0">
+                                          <p:val>
+                                            <p:strVal val="1+#ppt_h/2"/>
+                                          </p:val>
+                                        </p:tav>
+                                        <p:tav tm="100000">
+                                          <p:val>
+                                            <p:strVal val="#ppt_y"/>
+                                          </p:val>
+                                        </p:tav>
+                                      </p:tavLst>
+                                    </p:anim>
+                                  </p:childTnLst>
+                                </p:cTn>
+                              </p:par>
+                            </p:childTnLst>
+                          </p:cTn>
+                        </p:par>
+                      </p:childTnLst>
+                    </p:cTn>
+                  </p:par>
+                  <p:par>
+                    <p:cTn id="39" fill="hold">
+                      <p:stCondLst>
+                        <p:cond delay="indefinite"/>
+                      </p:stCondLst>
+                      <p:childTnLst>
+                        <p:par>
+                          <p:cTn id="40" fill="hold">
+                            <p:stCondLst>
+                              <p:cond delay="0"/>
+                            </p:stCondLst>
+                            <p:childTnLst>
+                              <p:par>
+                                <p:cTn id="41" presetID="2" presetClass="entr" presetSubtype="4" fill="hold" grpId="0" nodeType="clickEffect">
+                                  <p:stCondLst>
+                                    <p:cond delay="0"/>
+                                  </p:stCondLst>
+                                  <p:childTnLst>
+                                    <p:set>
+                                      <p:cBhvr>
+                                        <p:cTn id="42" dur="1" fill="hold">
+                                          <p:stCondLst>
+                                            <p:cond delay="0"/>
+                                          </p:stCondLst>
+                                        </p:cTn>
+                                        <p:tgtEl>
+                                          <p:spTgt spid="11"/>
+                                        </p:tgtEl>
+                                        <p:attrNameLst>
+                                          <p:attrName>style.visibility</p:attrName>
+                                        </p:attrNameLst>
+                                      </p:cBhvr>
+                                      <p:to>
+                                        <p:strVal val="visible"/>
+                                      </p:to>
+                                    </p:set>
+                                    <p:anim calcmode="lin" valueType="num">
+                                      <p:cBhvr additive="base">
+                                        <p:cTn id="43" dur="500" fill="hold"/>
+                                        <p:tgtEl>
+                                          <p:spTgt spid="11"/>
+                                        </p:tgtEl>
+                                        <p:attrNameLst>
+                                          <p:attrName>ppt_x</p:attrName>
+                                        </p:attrNameLst>
+                                      </p:cBhvr>
+                                      <p:tavLst>
+                                        <p:tav tm="0">
+                                          <p:val>
+                                            <p:strVal val="#ppt_x"/>
+                                          </p:val>
+                                        </p:tav>
+                                        <p:tav tm="100000">
+                                          <p:val>
+                                            <p:strVal val="#ppt_x"/>
+                                          </p:val>
+                                        </p:tav>
+                                      </p:tavLst>
+                                    </p:anim>
+                                    <p:anim calcmode="lin" valueType="num">
+                                      <p:cBhvr additive="base">
+                                        <p:cTn id="44" dur="500" fill="hold"/>
+                                        <p:tgtEl>
+                                          <p:spTgt spid="11"/>
+                                        </p:tgtEl>
+                                        <p:attrNameLst>
+                                          <p:attrName>ppt_y</p:attrName>
+                                        </p:attrNameLst>
+                                      </p:cBhvr>
+                                      <p:tavLst>
+                                        <p:tav tm="0">
+                                          <p:val>
+                                            <p:strVal val="1+#ppt_h/2"/>
+                                          </p:val>
+                                        </p:tav>
+                                        <p:tav tm="100000">
+                                          <p:val>
+                                            <p:strVal val="#ppt_y"/>
+                                          </p:val>
+                                        </p:tav>
+                                      </p:tavLst>
+                                    </p:anim>
+                                  </p:childTnLst>
+                                </p:cTn>
+                              </p:par>
+                            </p:childTnLst>
+                          </p:cTn>
+                        </p:par>
+                      </p:childTnLst>
+                    </p:cTn>
+                  </p:par>
+                  <p:par>
+                    <p:cTn id="45" fill="hold">
+                      <p:stCondLst>
+                        <p:cond delay="indefinite"/>
+                      </p:stCondLst>
+                      <p:childTnLst>
+                        <p:par>
+                          <p:cTn id="46" fill="hold">
+                            <p:stCondLst>
+                              <p:cond delay="0"/>
+                            </p:stCondLst>
+                            <p:childTnLst>
+                              <p:par>
+                                <p:cTn id="47" presetID="2" presetClass="entr" presetSubtype="4" fill="hold" grpId="0" nodeType="clickEffect">
+                                  <p:stCondLst>
+                                    <p:cond delay="0"/>
+                                  </p:stCondLst>
+                                  <p:childTnLst>
+                                    <p:set>
+                                      <p:cBhvr>
+                                        <p:cTn id="48" dur="1" fill="hold">
+                                          <p:stCondLst>
+                                            <p:cond delay="0"/>
+                                          </p:stCondLst>
+                                        </p:cTn>
+                                        <p:tgtEl>
+                                          <p:spTgt spid="12"/>
+                                        </p:tgtEl>
+                                        <p:attrNameLst>
+                                          <p:attrName>style.visibility</p:attrName>
+                                        </p:attrNameLst>
+                                      </p:cBhvr>
+                                      <p:to>
+                                        <p:strVal val="visible"/>
+                                      </p:to>
+                                    </p:set>
+                                    <p:anim calcmode="lin" valueType="num">
+                                      <p:cBhvr additive="base">
+                                        <p:cTn id="49" dur="500" fill="hold"/>
+                                        <p:tgtEl>
+                                          <p:spTgt spid="12"/>
+                                        </p:tgtEl>
+                                        <p:attrNameLst>
+                                          <p:attrName>ppt_x</p:attrName>
+                                        </p:attrNameLst>
+                                      </p:cBhvr>
+                                      <p:tavLst>
+                                        <p:tav tm="0">
+                                          <p:val>
+                                            <p:strVal val="#ppt_x"/>
+                                          </p:val>
+                                        </p:tav>
+                                        <p:tav tm="100000">
+                                          <p:val>
+                                            <p:strVal val="#ppt_x"/>
+                                          </p:val>
+                                        </p:tav>
+                                      </p:tavLst>
+                                    </p:anim>
+                                    <p:anim calcmode="lin" valueType="num">
+                                      <p:cBhvr additive="base">
+                                        <p:cTn id="50" dur="500" fill="hold"/>
+                                        <p:tgtEl>
+                                          <p:spTgt spid="12"/>
+                                        </p:tgtEl>
+                                        <p:attrNameLst>
+                                          <p:attrName>ppt_y</p:attrName>
+                                        </p:attrNameLst>
+                                      </p:cBhvr>
+                                      <p:tavLst>
+                                        <p:tav tm="0">
+                                          <p:val>
+                                            <p:strVal val="1+#ppt_h/2"/>
+                                          </p:val>
+                                        </p:tav>
+                                        <p:tav tm="100000">
+                                          <p:val>
+                                            <p:strVal val="#ppt_y"/>
+                                          </p:val>
+                                        </p:tav>
+                                      </p:tavLst>
+                                    </p:anim>
+                                  </p:childTnLst>
+                                </p:cTn>
+                              </p:par>
+                            </p:childTnLst>
+                          </p:cTn>
+                        </p:par>
+                      </p:childTnLst>
+                    </p:cTn>
+                  </p:par>
+                </p:childTnLst>
+              </p:cTn>
+              <p:prevCondLst>
+                <p:cond evt="onPrev" delay="0">
+                  <p:tgtEl>
+                    <p:sldTgt/>
+                  </p:tgtEl>
+                </p:cond>
+              </p:prevCondLst>
+              <p:nextCondLst>
+                <p:cond evt="onNext" delay="0">
+                  <p:tgtEl>
+                    <p:sldTgt/>
+                  </p:tgtEl>
+                </p:cond>
+              </p:nextCondLst>
+            </p:seq>
+          </p:childTnLst>
+        </p:cTn>
+      </p:par>
+    </p:tnLst>
+    <p:bldLst>
+      <p:bldP spid="5" grpId="0" animBg="1"/>
+      <p:bldP spid="6" grpId="0" animBg="1"/>
+      <p:bldP spid="7" grpId="0" animBg="1"/>
+      <p:bldP spid="8" grpId="0" animBg="1"/>
+      <p:bldP spid="9" grpId="0" animBg="1"/>
+      <p:bldP spid="10" grpId="0" animBg="1"/>
+      <p:bldP spid="11" grpId="0" animBg="1"/>
+      <p:bldP spid="12" grpId="0" animBg="1"/>
+    </p:bldLst>
+  </p:timing>
 </p:sld>
 </file>
 

--- a/assets/img/Images.pptx
+++ b/assets/img/Images.pptx
@@ -6250,8 +6250,8 @@
           </a:xfrm>
           <a:prstGeom prst="wedgeRoundRectCallout">
             <a:avLst>
-              <a:gd name="adj1" fmla="val -146100"/>
-              <a:gd name="adj2" fmla="val 15842"/>
+              <a:gd name="adj1" fmla="val -88022"/>
+              <a:gd name="adj2" fmla="val -31130"/>
               <a:gd name="adj3" fmla="val 16667"/>
             </a:avLst>
           </a:prstGeom>

--- a/assets/img/Images.pptx
+++ b/assets/img/Images.pptx
@@ -212,7 +212,7 @@
           <a:p>
             <a:fld id="{0CC1478D-87B6-451A-8696-61271112EFBC}" type="datetimeFigureOut">
               <a:rPr lang="en-US" smtClean="0"/>
-              <a:t>1/3/2021</a:t>
+              <a:t>1/12/2021</a:t>
             </a:fld>
             <a:endParaRPr lang="en-US"/>
           </a:p>
@@ -610,7 +610,7 @@
           <a:p>
             <a:fld id="{788667A8-8BE1-4384-8E52-CA6CA56C077B}" type="datetimeFigureOut">
               <a:rPr lang="en-US" smtClean="0"/>
-              <a:t>1/3/2021</a:t>
+              <a:t>1/12/2021</a:t>
             </a:fld>
             <a:endParaRPr lang="en-US"/>
           </a:p>
@@ -780,7 +780,7 @@
           <a:p>
             <a:fld id="{788667A8-8BE1-4384-8E52-CA6CA56C077B}" type="datetimeFigureOut">
               <a:rPr lang="en-US" smtClean="0"/>
-              <a:t>1/3/2021</a:t>
+              <a:t>1/12/2021</a:t>
             </a:fld>
             <a:endParaRPr lang="en-US"/>
           </a:p>
@@ -960,7 +960,7 @@
           <a:p>
             <a:fld id="{788667A8-8BE1-4384-8E52-CA6CA56C077B}" type="datetimeFigureOut">
               <a:rPr lang="en-US" smtClean="0"/>
-              <a:t>1/3/2021</a:t>
+              <a:t>1/12/2021</a:t>
             </a:fld>
             <a:endParaRPr lang="en-US"/>
           </a:p>
@@ -1190,7 +1190,7 @@
           <a:p>
             <a:fld id="{788667A8-8BE1-4384-8E52-CA6CA56C077B}" type="datetimeFigureOut">
               <a:rPr lang="en-US" smtClean="0"/>
-              <a:t>1/3/2021</a:t>
+              <a:t>1/12/2021</a:t>
             </a:fld>
             <a:endParaRPr lang="en-US"/>
           </a:p>
@@ -1434,7 +1434,7 @@
           <a:p>
             <a:fld id="{788667A8-8BE1-4384-8E52-CA6CA56C077B}" type="datetimeFigureOut">
               <a:rPr lang="en-US" smtClean="0"/>
-              <a:t>1/3/2021</a:t>
+              <a:t>1/12/2021</a:t>
             </a:fld>
             <a:endParaRPr lang="en-US"/>
           </a:p>
@@ -1666,7 +1666,7 @@
           <a:p>
             <a:fld id="{788667A8-8BE1-4384-8E52-CA6CA56C077B}" type="datetimeFigureOut">
               <a:rPr lang="en-US" smtClean="0"/>
-              <a:t>1/3/2021</a:t>
+              <a:t>1/12/2021</a:t>
             </a:fld>
             <a:endParaRPr lang="en-US"/>
           </a:p>
@@ -2033,7 +2033,7 @@
           <a:p>
             <a:fld id="{788667A8-8BE1-4384-8E52-CA6CA56C077B}" type="datetimeFigureOut">
               <a:rPr lang="en-US" smtClean="0"/>
-              <a:t>1/3/2021</a:t>
+              <a:t>1/12/2021</a:t>
             </a:fld>
             <a:endParaRPr lang="en-US"/>
           </a:p>
@@ -2151,7 +2151,7 @@
           <a:p>
             <a:fld id="{788667A8-8BE1-4384-8E52-CA6CA56C077B}" type="datetimeFigureOut">
               <a:rPr lang="en-US" smtClean="0"/>
-              <a:t>1/3/2021</a:t>
+              <a:t>1/12/2021</a:t>
             </a:fld>
             <a:endParaRPr lang="en-US"/>
           </a:p>
@@ -2246,7 +2246,7 @@
           <a:p>
             <a:fld id="{788667A8-8BE1-4384-8E52-CA6CA56C077B}" type="datetimeFigureOut">
               <a:rPr lang="en-US" smtClean="0"/>
-              <a:t>1/3/2021</a:t>
+              <a:t>1/12/2021</a:t>
             </a:fld>
             <a:endParaRPr lang="en-US"/>
           </a:p>
@@ -2523,7 +2523,7 @@
           <a:p>
             <a:fld id="{788667A8-8BE1-4384-8E52-CA6CA56C077B}" type="datetimeFigureOut">
               <a:rPr lang="en-US" smtClean="0"/>
-              <a:t>1/3/2021</a:t>
+              <a:t>1/12/2021</a:t>
             </a:fld>
             <a:endParaRPr lang="en-US"/>
           </a:p>
@@ -2780,7 +2780,7 @@
           <a:p>
             <a:fld id="{788667A8-8BE1-4384-8E52-CA6CA56C077B}" type="datetimeFigureOut">
               <a:rPr lang="en-US" smtClean="0"/>
-              <a:t>1/3/2021</a:t>
+              <a:t>1/12/2021</a:t>
             </a:fld>
             <a:endParaRPr lang="en-US"/>
           </a:p>
@@ -2993,7 +2993,7 @@
           <a:p>
             <a:fld id="{788667A8-8BE1-4384-8E52-CA6CA56C077B}" type="datetimeFigureOut">
               <a:rPr lang="en-US" smtClean="0"/>
-              <a:t>1/3/2021</a:t>
+              <a:t>1/12/2021</a:t>
             </a:fld>
             <a:endParaRPr lang="en-US"/>
           </a:p>
@@ -7595,7 +7595,7 @@
         <p:spPr>
           <a:xfrm>
             <a:off x="4491037" y="1310094"/>
-            <a:ext cx="2135982" cy="1502162"/>
+            <a:ext cx="1833563" cy="1502162"/>
           </a:xfrm>
           <a:prstGeom prst="rect">
             <a:avLst/>

--- a/assets/img/Images.pptx
+++ b/assets/img/Images.pptx
@@ -5,25 +5,24 @@
     <p:sldMasterId id="2147483663" r:id="rId1"/>
   </p:sldMasterIdLst>
   <p:notesMasterIdLst>
-    <p:notesMasterId r:id="rId18"/>
+    <p:notesMasterId r:id="rId17"/>
   </p:notesMasterIdLst>
   <p:sldIdLst>
     <p:sldId id="286" r:id="rId2"/>
-    <p:sldId id="268" r:id="rId3"/>
-    <p:sldId id="269" r:id="rId4"/>
-    <p:sldId id="270" r:id="rId5"/>
-    <p:sldId id="271" r:id="rId6"/>
-    <p:sldId id="272" r:id="rId7"/>
-    <p:sldId id="274" r:id="rId8"/>
-    <p:sldId id="275" r:id="rId9"/>
-    <p:sldId id="276" r:id="rId10"/>
-    <p:sldId id="279" r:id="rId11"/>
-    <p:sldId id="280" r:id="rId12"/>
-    <p:sldId id="281" r:id="rId13"/>
-    <p:sldId id="283" r:id="rId14"/>
-    <p:sldId id="284" r:id="rId15"/>
-    <p:sldId id="285" r:id="rId16"/>
-    <p:sldId id="287" r:id="rId17"/>
+    <p:sldId id="269" r:id="rId3"/>
+    <p:sldId id="270" r:id="rId4"/>
+    <p:sldId id="271" r:id="rId5"/>
+    <p:sldId id="272" r:id="rId6"/>
+    <p:sldId id="274" r:id="rId7"/>
+    <p:sldId id="275" r:id="rId8"/>
+    <p:sldId id="276" r:id="rId9"/>
+    <p:sldId id="279" r:id="rId10"/>
+    <p:sldId id="280" r:id="rId11"/>
+    <p:sldId id="281" r:id="rId12"/>
+    <p:sldId id="283" r:id="rId13"/>
+    <p:sldId id="284" r:id="rId14"/>
+    <p:sldId id="285" r:id="rId15"/>
+    <p:sldId id="287" r:id="rId16"/>
   </p:sldIdLst>
   <p:sldSz cx="9144000" cy="6858000" type="screen4x3"/>
   <p:notesSz cx="6858000" cy="9144000"/>
@@ -212,7 +211,7 @@
           <a:p>
             <a:fld id="{0CC1478D-87B6-451A-8696-61271112EFBC}" type="datetimeFigureOut">
               <a:rPr lang="en-US" smtClean="0"/>
-              <a:t>1/12/2021</a:t>
+              <a:t>1/13/2021</a:t>
             </a:fld>
             <a:endParaRPr lang="en-US"/>
           </a:p>
@@ -610,7 +609,7 @@
           <a:p>
             <a:fld id="{788667A8-8BE1-4384-8E52-CA6CA56C077B}" type="datetimeFigureOut">
               <a:rPr lang="en-US" smtClean="0"/>
-              <a:t>1/12/2021</a:t>
+              <a:t>1/13/2021</a:t>
             </a:fld>
             <a:endParaRPr lang="en-US"/>
           </a:p>
@@ -780,7 +779,7 @@
           <a:p>
             <a:fld id="{788667A8-8BE1-4384-8E52-CA6CA56C077B}" type="datetimeFigureOut">
               <a:rPr lang="en-US" smtClean="0"/>
-              <a:t>1/12/2021</a:t>
+              <a:t>1/13/2021</a:t>
             </a:fld>
             <a:endParaRPr lang="en-US"/>
           </a:p>
@@ -960,7 +959,7 @@
           <a:p>
             <a:fld id="{788667A8-8BE1-4384-8E52-CA6CA56C077B}" type="datetimeFigureOut">
               <a:rPr lang="en-US" smtClean="0"/>
-              <a:t>1/12/2021</a:t>
+              <a:t>1/13/2021</a:t>
             </a:fld>
             <a:endParaRPr lang="en-US"/>
           </a:p>
@@ -1190,7 +1189,7 @@
           <a:p>
             <a:fld id="{788667A8-8BE1-4384-8E52-CA6CA56C077B}" type="datetimeFigureOut">
               <a:rPr lang="en-US" smtClean="0"/>
-              <a:t>1/12/2021</a:t>
+              <a:t>1/13/2021</a:t>
             </a:fld>
             <a:endParaRPr lang="en-US"/>
           </a:p>
@@ -1434,7 +1433,7 @@
           <a:p>
             <a:fld id="{788667A8-8BE1-4384-8E52-CA6CA56C077B}" type="datetimeFigureOut">
               <a:rPr lang="en-US" smtClean="0"/>
-              <a:t>1/12/2021</a:t>
+              <a:t>1/13/2021</a:t>
             </a:fld>
             <a:endParaRPr lang="en-US"/>
           </a:p>
@@ -1666,7 +1665,7 @@
           <a:p>
             <a:fld id="{788667A8-8BE1-4384-8E52-CA6CA56C077B}" type="datetimeFigureOut">
               <a:rPr lang="en-US" smtClean="0"/>
-              <a:t>1/12/2021</a:t>
+              <a:t>1/13/2021</a:t>
             </a:fld>
             <a:endParaRPr lang="en-US"/>
           </a:p>
@@ -2033,7 +2032,7 @@
           <a:p>
             <a:fld id="{788667A8-8BE1-4384-8E52-CA6CA56C077B}" type="datetimeFigureOut">
               <a:rPr lang="en-US" smtClean="0"/>
-              <a:t>1/12/2021</a:t>
+              <a:t>1/13/2021</a:t>
             </a:fld>
             <a:endParaRPr lang="en-US"/>
           </a:p>
@@ -2151,7 +2150,7 @@
           <a:p>
             <a:fld id="{788667A8-8BE1-4384-8E52-CA6CA56C077B}" type="datetimeFigureOut">
               <a:rPr lang="en-US" smtClean="0"/>
-              <a:t>1/12/2021</a:t>
+              <a:t>1/13/2021</a:t>
             </a:fld>
             <a:endParaRPr lang="en-US"/>
           </a:p>
@@ -2246,7 +2245,7 @@
           <a:p>
             <a:fld id="{788667A8-8BE1-4384-8E52-CA6CA56C077B}" type="datetimeFigureOut">
               <a:rPr lang="en-US" smtClean="0"/>
-              <a:t>1/12/2021</a:t>
+              <a:t>1/13/2021</a:t>
             </a:fld>
             <a:endParaRPr lang="en-US"/>
           </a:p>
@@ -2523,7 +2522,7 @@
           <a:p>
             <a:fld id="{788667A8-8BE1-4384-8E52-CA6CA56C077B}" type="datetimeFigureOut">
               <a:rPr lang="en-US" smtClean="0"/>
-              <a:t>1/12/2021</a:t>
+              <a:t>1/13/2021</a:t>
             </a:fld>
             <a:endParaRPr lang="en-US"/>
           </a:p>
@@ -2780,7 +2779,7 @@
           <a:p>
             <a:fld id="{788667A8-8BE1-4384-8E52-CA6CA56C077B}" type="datetimeFigureOut">
               <a:rPr lang="en-US" smtClean="0"/>
-              <a:t>1/12/2021</a:t>
+              <a:t>1/13/2021</a:t>
             </a:fld>
             <a:endParaRPr lang="en-US"/>
           </a:p>
@@ -2993,7 +2992,7 @@
           <a:p>
             <a:fld id="{788667A8-8BE1-4384-8E52-CA6CA56C077B}" type="datetimeFigureOut">
               <a:rPr lang="en-US" smtClean="0"/>
-              <a:t>1/12/2021</a:t>
+              <a:t>1/13/2021</a:t>
             </a:fld>
             <a:endParaRPr lang="en-US"/>
           </a:p>
@@ -4398,970 +4397,6 @@
       </p:grpSpPr>
       <p:pic>
         <p:nvPicPr>
-          <p:cNvPr id="2" name="Picture 1">
-            <a:extLst>
-              <a:ext uri="{FF2B5EF4-FFF2-40B4-BE49-F238E27FC236}">
-                <a16:creationId xmlns:a16="http://schemas.microsoft.com/office/drawing/2014/main" id="{A9D4C000-0032-45C3-892A-6BCC8506B079}"/>
-              </a:ext>
-            </a:extLst>
-          </p:cNvPr>
-          <p:cNvPicPr>
-            <a:picLocks noChangeAspect="1"/>
-          </p:cNvPicPr>
-          <p:nvPr/>
-        </p:nvPicPr>
-        <p:blipFill>
-          <a:blip r:embed="rId2"/>
-          <a:stretch>
-            <a:fillRect/>
-          </a:stretch>
-        </p:blipFill>
-        <p:spPr>
-          <a:xfrm>
-            <a:off x="2057400" y="1676400"/>
-            <a:ext cx="5029200" cy="3505200"/>
-          </a:xfrm>
-          <a:prstGeom prst="rect">
-            <a:avLst/>
-          </a:prstGeom>
-        </p:spPr>
-      </p:pic>
-      <p:sp>
-        <p:nvSpPr>
-          <p:cNvPr id="7" name="Rectangle 6"/>
-          <p:cNvSpPr/>
-          <p:nvPr/>
-        </p:nvSpPr>
-        <p:spPr>
-          <a:xfrm>
-            <a:off x="4333875" y="3953558"/>
-            <a:ext cx="266700" cy="582723"/>
-          </a:xfrm>
-          <a:prstGeom prst="rect">
-            <a:avLst/>
-          </a:prstGeom>
-          <a:noFill/>
-          <a:ln w="19050">
-            <a:solidFill>
-              <a:srgbClr val="FF0000"/>
-            </a:solidFill>
-          </a:ln>
-        </p:spPr>
-        <p:style>
-          <a:lnRef idx="1">
-            <a:schemeClr val="accent1"/>
-          </a:lnRef>
-          <a:fillRef idx="3">
-            <a:schemeClr val="accent1"/>
-          </a:fillRef>
-          <a:effectRef idx="2">
-            <a:schemeClr val="accent1"/>
-          </a:effectRef>
-          <a:fontRef idx="minor">
-            <a:schemeClr val="lt1"/>
-          </a:fontRef>
-        </p:style>
-        <p:txBody>
-          <a:bodyPr rtlCol="0" anchor="ctr"/>
-          <a:lstStyle/>
-          <a:p>
-            <a:pPr algn="ctr"/>
-            <a:endParaRPr lang="en-US"/>
-          </a:p>
-        </p:txBody>
-      </p:sp>
-      <p:sp>
-        <p:nvSpPr>
-          <p:cNvPr id="9" name="Rectangle 8"/>
-          <p:cNvSpPr/>
-          <p:nvPr/>
-        </p:nvSpPr>
-        <p:spPr>
-          <a:xfrm>
-            <a:off x="4626772" y="3015386"/>
-            <a:ext cx="1835942" cy="901770"/>
-          </a:xfrm>
-          <a:prstGeom prst="rect">
-            <a:avLst/>
-          </a:prstGeom>
-          <a:noFill/>
-          <a:ln w="19050">
-            <a:solidFill>
-              <a:srgbClr val="FF0000"/>
-            </a:solidFill>
-          </a:ln>
-        </p:spPr>
-        <p:style>
-          <a:lnRef idx="1">
-            <a:schemeClr val="accent1"/>
-          </a:lnRef>
-          <a:fillRef idx="3">
-            <a:schemeClr val="accent1"/>
-          </a:fillRef>
-          <a:effectRef idx="2">
-            <a:schemeClr val="accent1"/>
-          </a:effectRef>
-          <a:fontRef idx="minor">
-            <a:schemeClr val="lt1"/>
-          </a:fontRef>
-        </p:style>
-        <p:txBody>
-          <a:bodyPr rtlCol="0" anchor="ctr"/>
-          <a:lstStyle/>
-          <a:p>
-            <a:pPr algn="ctr"/>
-            <a:endParaRPr lang="en-US"/>
-          </a:p>
-        </p:txBody>
-      </p:sp>
-      <p:sp>
-        <p:nvSpPr>
-          <p:cNvPr id="11" name="Rounded Rectangular Callout 10"/>
-          <p:cNvSpPr/>
-          <p:nvPr/>
-        </p:nvSpPr>
-        <p:spPr>
-          <a:xfrm>
-            <a:off x="7339794" y="3525531"/>
-            <a:ext cx="1608945" cy="941881"/>
-          </a:xfrm>
-          <a:prstGeom prst="wedgeRoundRectCallout">
-            <a:avLst>
-              <a:gd name="adj1" fmla="val -126995"/>
-              <a:gd name="adj2" fmla="val -51167"/>
-              <a:gd name="adj3" fmla="val 16667"/>
-            </a:avLst>
-          </a:prstGeom>
-          <a:solidFill>
-            <a:schemeClr val="accent1"/>
-          </a:solidFill>
-          <a:ln>
-            <a:noFill/>
-          </a:ln>
-        </p:spPr>
-        <p:style>
-          <a:lnRef idx="1">
-            <a:schemeClr val="accent1"/>
-          </a:lnRef>
-          <a:fillRef idx="3">
-            <a:schemeClr val="accent1"/>
-          </a:fillRef>
-          <a:effectRef idx="2">
-            <a:schemeClr val="accent1"/>
-          </a:effectRef>
-          <a:fontRef idx="minor">
-            <a:schemeClr val="lt1"/>
-          </a:fontRef>
-        </p:style>
-        <p:txBody>
-          <a:bodyPr rtlCol="0" anchor="ctr"/>
-          <a:lstStyle/>
-          <a:p>
-            <a:pPr algn="ctr"/>
-            <a:r>
-              <a:rPr lang="en-US" sz="1400" dirty="0">
-                <a:solidFill>
-                  <a:schemeClr val="bg1"/>
-                </a:solidFill>
-              </a:rPr>
-              <a:t>Encapsulated</a:t>
-            </a:r>
-          </a:p>
-        </p:txBody>
-      </p:sp>
-      <p:sp>
-        <p:nvSpPr>
-          <p:cNvPr id="13" name="Rectangle 12"/>
-          <p:cNvSpPr/>
-          <p:nvPr/>
-        </p:nvSpPr>
-        <p:spPr>
-          <a:xfrm>
-            <a:off x="4333875" y="2708184"/>
-            <a:ext cx="2752725" cy="275502"/>
-          </a:xfrm>
-          <a:prstGeom prst="rect">
-            <a:avLst/>
-          </a:prstGeom>
-          <a:noFill/>
-          <a:ln w="19050">
-            <a:solidFill>
-              <a:srgbClr val="FF0000"/>
-            </a:solidFill>
-          </a:ln>
-        </p:spPr>
-        <p:style>
-          <a:lnRef idx="1">
-            <a:schemeClr val="accent1"/>
-          </a:lnRef>
-          <a:fillRef idx="3">
-            <a:schemeClr val="accent1"/>
-          </a:fillRef>
-          <a:effectRef idx="2">
-            <a:schemeClr val="accent1"/>
-          </a:effectRef>
-          <a:fontRef idx="minor">
-            <a:schemeClr val="lt1"/>
-          </a:fontRef>
-        </p:style>
-        <p:txBody>
-          <a:bodyPr rtlCol="0" anchor="ctr"/>
-          <a:lstStyle/>
-          <a:p>
-            <a:pPr algn="ctr"/>
-            <a:endParaRPr lang="en-US"/>
-          </a:p>
-        </p:txBody>
-      </p:sp>
-      <p:sp>
-        <p:nvSpPr>
-          <p:cNvPr id="12" name="Rounded Rectangular Callout 11"/>
-          <p:cNvSpPr/>
-          <p:nvPr/>
-        </p:nvSpPr>
-        <p:spPr>
-          <a:xfrm>
-            <a:off x="7517556" y="2153930"/>
-            <a:ext cx="1608945" cy="941881"/>
-          </a:xfrm>
-          <a:prstGeom prst="wedgeRoundRectCallout">
-            <a:avLst>
-              <a:gd name="adj1" fmla="val -84411"/>
-              <a:gd name="adj2" fmla="val 24016"/>
-              <a:gd name="adj3" fmla="val 16667"/>
-            </a:avLst>
-          </a:prstGeom>
-          <a:solidFill>
-            <a:schemeClr val="accent1"/>
-          </a:solidFill>
-          <a:ln>
-            <a:noFill/>
-          </a:ln>
-        </p:spPr>
-        <p:style>
-          <a:lnRef idx="1">
-            <a:schemeClr val="accent1"/>
-          </a:lnRef>
-          <a:fillRef idx="3">
-            <a:schemeClr val="accent1"/>
-          </a:fillRef>
-          <a:effectRef idx="2">
-            <a:schemeClr val="accent1"/>
-          </a:effectRef>
-          <a:fontRef idx="minor">
-            <a:schemeClr val="lt1"/>
-          </a:fontRef>
-        </p:style>
-        <p:txBody>
-          <a:bodyPr rtlCol="0" anchor="ctr"/>
-          <a:lstStyle/>
-          <a:p>
-            <a:pPr algn="ctr"/>
-            <a:r>
-              <a:rPr lang="en-US" sz="1400">
-                <a:solidFill>
-                  <a:schemeClr val="bg1"/>
-                </a:solidFill>
-              </a:rPr>
-              <a:t>Not used</a:t>
-            </a:r>
-          </a:p>
-        </p:txBody>
-      </p:sp>
-      <p:sp>
-        <p:nvSpPr>
-          <p:cNvPr id="16" name="Rounded Rectangular Callout 15"/>
-          <p:cNvSpPr/>
-          <p:nvPr/>
-        </p:nvSpPr>
-        <p:spPr>
-          <a:xfrm>
-            <a:off x="5477655" y="4313555"/>
-            <a:ext cx="1608945" cy="941881"/>
-          </a:xfrm>
-          <a:prstGeom prst="wedgeRoundRectCallout">
-            <a:avLst>
-              <a:gd name="adj1" fmla="val -109357"/>
-              <a:gd name="adj2" fmla="val -54515"/>
-              <a:gd name="adj3" fmla="val 16667"/>
-            </a:avLst>
-          </a:prstGeom>
-          <a:solidFill>
-            <a:schemeClr val="accent1"/>
-          </a:solidFill>
-          <a:ln>
-            <a:noFill/>
-          </a:ln>
-        </p:spPr>
-        <p:style>
-          <a:lnRef idx="1">
-            <a:schemeClr val="accent1"/>
-          </a:lnRef>
-          <a:fillRef idx="3">
-            <a:schemeClr val="accent1"/>
-          </a:fillRef>
-          <a:effectRef idx="2">
-            <a:schemeClr val="accent1"/>
-          </a:effectRef>
-          <a:fontRef idx="minor">
-            <a:schemeClr val="lt1"/>
-          </a:fontRef>
-        </p:style>
-        <p:txBody>
-          <a:bodyPr rtlCol="0" anchor="ctr"/>
-          <a:lstStyle/>
-          <a:p>
-            <a:pPr algn="ctr"/>
-            <a:r>
-              <a:rPr lang="en-US" sz="1400">
-                <a:solidFill>
-                  <a:schemeClr val="bg1"/>
-                </a:solidFill>
-              </a:rPr>
-              <a:t>Public interface</a:t>
-            </a:r>
-          </a:p>
-        </p:txBody>
-      </p:sp>
-      <p:sp>
-        <p:nvSpPr>
-          <p:cNvPr id="14" name="Rectangle 13"/>
-          <p:cNvSpPr/>
-          <p:nvPr/>
-        </p:nvSpPr>
-        <p:spPr>
-          <a:xfrm>
-            <a:off x="1370330" y="5992593"/>
-            <a:ext cx="2232919" cy="369332"/>
-          </a:xfrm>
-          <a:prstGeom prst="rect">
-            <a:avLst/>
-          </a:prstGeom>
-        </p:spPr>
-        <p:txBody>
-          <a:bodyPr wrap="none">
-            <a:spAutoFit/>
-          </a:bodyPr>
-          <a:lstStyle/>
-          <a:p>
-            <a:r>
-              <a:rPr lang="en-US" dirty="0"/>
-              <a:t>Encapsulation Pattern</a:t>
-            </a:r>
-          </a:p>
-        </p:txBody>
-      </p:sp>
-    </p:spTree>
-  </p:cSld>
-  <p:clrMapOvr>
-    <a:masterClrMapping/>
-  </p:clrMapOvr>
-  <p:timing>
-    <p:tnLst>
-      <p:par>
-        <p:cTn id="1" dur="indefinite" restart="never" nodeType="tmRoot">
-          <p:childTnLst>
-            <p:seq concurrent="1" nextAc="seek">
-              <p:cTn id="2" dur="indefinite" nodeType="mainSeq">
-                <p:childTnLst>
-                  <p:par>
-                    <p:cTn id="3" fill="hold">
-                      <p:stCondLst>
-                        <p:cond delay="indefinite"/>
-                      </p:stCondLst>
-                      <p:childTnLst>
-                        <p:par>
-                          <p:cTn id="4" fill="hold">
-                            <p:stCondLst>
-                              <p:cond delay="0"/>
-                            </p:stCondLst>
-                            <p:childTnLst>
-                              <p:par>
-                                <p:cTn id="5" presetID="2" presetClass="entr" presetSubtype="4" fill="hold" grpId="0" nodeType="clickEffect">
-                                  <p:stCondLst>
-                                    <p:cond delay="0"/>
-                                  </p:stCondLst>
-                                  <p:childTnLst>
-                                    <p:set>
-                                      <p:cBhvr>
-                                        <p:cTn id="6" dur="1" fill="hold">
-                                          <p:stCondLst>
-                                            <p:cond delay="0"/>
-                                          </p:stCondLst>
-                                        </p:cTn>
-                                        <p:tgtEl>
-                                          <p:spTgt spid="7"/>
-                                        </p:tgtEl>
-                                        <p:attrNameLst>
-                                          <p:attrName>style.visibility</p:attrName>
-                                        </p:attrNameLst>
-                                      </p:cBhvr>
-                                      <p:to>
-                                        <p:strVal val="visible"/>
-                                      </p:to>
-                                    </p:set>
-                                    <p:anim calcmode="lin" valueType="num">
-                                      <p:cBhvr additive="base">
-                                        <p:cTn id="7" dur="500" fill="hold"/>
-                                        <p:tgtEl>
-                                          <p:spTgt spid="7"/>
-                                        </p:tgtEl>
-                                        <p:attrNameLst>
-                                          <p:attrName>ppt_x</p:attrName>
-                                        </p:attrNameLst>
-                                      </p:cBhvr>
-                                      <p:tavLst>
-                                        <p:tav tm="0">
-                                          <p:val>
-                                            <p:strVal val="#ppt_x"/>
-                                          </p:val>
-                                        </p:tav>
-                                        <p:tav tm="100000">
-                                          <p:val>
-                                            <p:strVal val="#ppt_x"/>
-                                          </p:val>
-                                        </p:tav>
-                                      </p:tavLst>
-                                    </p:anim>
-                                    <p:anim calcmode="lin" valueType="num">
-                                      <p:cBhvr additive="base">
-                                        <p:cTn id="8" dur="500" fill="hold"/>
-                                        <p:tgtEl>
-                                          <p:spTgt spid="7"/>
-                                        </p:tgtEl>
-                                        <p:attrNameLst>
-                                          <p:attrName>ppt_y</p:attrName>
-                                        </p:attrNameLst>
-                                      </p:cBhvr>
-                                      <p:tavLst>
-                                        <p:tav tm="0">
-                                          <p:val>
-                                            <p:strVal val="1+#ppt_h/2"/>
-                                          </p:val>
-                                        </p:tav>
-                                        <p:tav tm="100000">
-                                          <p:val>
-                                            <p:strVal val="#ppt_y"/>
-                                          </p:val>
-                                        </p:tav>
-                                      </p:tavLst>
-                                    </p:anim>
-                                  </p:childTnLst>
-                                </p:cTn>
-                              </p:par>
-                            </p:childTnLst>
-                          </p:cTn>
-                        </p:par>
-                      </p:childTnLst>
-                    </p:cTn>
-                  </p:par>
-                  <p:par>
-                    <p:cTn id="9" fill="hold">
-                      <p:stCondLst>
-                        <p:cond delay="indefinite"/>
-                      </p:stCondLst>
-                      <p:childTnLst>
-                        <p:par>
-                          <p:cTn id="10" fill="hold">
-                            <p:stCondLst>
-                              <p:cond delay="0"/>
-                            </p:stCondLst>
-                            <p:childTnLst>
-                              <p:par>
-                                <p:cTn id="11" presetID="2" presetClass="entr" presetSubtype="4" fill="hold" grpId="0" nodeType="clickEffect">
-                                  <p:stCondLst>
-                                    <p:cond delay="0"/>
-                                  </p:stCondLst>
-                                  <p:childTnLst>
-                                    <p:set>
-                                      <p:cBhvr>
-                                        <p:cTn id="12" dur="1" fill="hold">
-                                          <p:stCondLst>
-                                            <p:cond delay="0"/>
-                                          </p:stCondLst>
-                                        </p:cTn>
-                                        <p:tgtEl>
-                                          <p:spTgt spid="16"/>
-                                        </p:tgtEl>
-                                        <p:attrNameLst>
-                                          <p:attrName>style.visibility</p:attrName>
-                                        </p:attrNameLst>
-                                      </p:cBhvr>
-                                      <p:to>
-                                        <p:strVal val="visible"/>
-                                      </p:to>
-                                    </p:set>
-                                    <p:anim calcmode="lin" valueType="num">
-                                      <p:cBhvr additive="base">
-                                        <p:cTn id="13" dur="500" fill="hold"/>
-                                        <p:tgtEl>
-                                          <p:spTgt spid="16"/>
-                                        </p:tgtEl>
-                                        <p:attrNameLst>
-                                          <p:attrName>ppt_x</p:attrName>
-                                        </p:attrNameLst>
-                                      </p:cBhvr>
-                                      <p:tavLst>
-                                        <p:tav tm="0">
-                                          <p:val>
-                                            <p:strVal val="#ppt_x"/>
-                                          </p:val>
-                                        </p:tav>
-                                        <p:tav tm="100000">
-                                          <p:val>
-                                            <p:strVal val="#ppt_x"/>
-                                          </p:val>
-                                        </p:tav>
-                                      </p:tavLst>
-                                    </p:anim>
-                                    <p:anim calcmode="lin" valueType="num">
-                                      <p:cBhvr additive="base">
-                                        <p:cTn id="14" dur="500" fill="hold"/>
-                                        <p:tgtEl>
-                                          <p:spTgt spid="16"/>
-                                        </p:tgtEl>
-                                        <p:attrNameLst>
-                                          <p:attrName>ppt_y</p:attrName>
-                                        </p:attrNameLst>
-                                      </p:cBhvr>
-                                      <p:tavLst>
-                                        <p:tav tm="0">
-                                          <p:val>
-                                            <p:strVal val="1+#ppt_h/2"/>
-                                          </p:val>
-                                        </p:tav>
-                                        <p:tav tm="100000">
-                                          <p:val>
-                                            <p:strVal val="#ppt_y"/>
-                                          </p:val>
-                                        </p:tav>
-                                      </p:tavLst>
-                                    </p:anim>
-                                  </p:childTnLst>
-                                </p:cTn>
-                              </p:par>
-                            </p:childTnLst>
-                          </p:cTn>
-                        </p:par>
-                      </p:childTnLst>
-                    </p:cTn>
-                  </p:par>
-                  <p:par>
-                    <p:cTn id="15" fill="hold">
-                      <p:stCondLst>
-                        <p:cond delay="indefinite"/>
-                      </p:stCondLst>
-                      <p:childTnLst>
-                        <p:par>
-                          <p:cTn id="16" fill="hold">
-                            <p:stCondLst>
-                              <p:cond delay="0"/>
-                            </p:stCondLst>
-                            <p:childTnLst>
-                              <p:par>
-                                <p:cTn id="17" presetID="2" presetClass="entr" presetSubtype="4" fill="hold" grpId="0" nodeType="clickEffect">
-                                  <p:stCondLst>
-                                    <p:cond delay="0"/>
-                                  </p:stCondLst>
-                                  <p:childTnLst>
-                                    <p:set>
-                                      <p:cBhvr>
-                                        <p:cTn id="18" dur="1" fill="hold">
-                                          <p:stCondLst>
-                                            <p:cond delay="0"/>
-                                          </p:stCondLst>
-                                        </p:cTn>
-                                        <p:tgtEl>
-                                          <p:spTgt spid="9"/>
-                                        </p:tgtEl>
-                                        <p:attrNameLst>
-                                          <p:attrName>style.visibility</p:attrName>
-                                        </p:attrNameLst>
-                                      </p:cBhvr>
-                                      <p:to>
-                                        <p:strVal val="visible"/>
-                                      </p:to>
-                                    </p:set>
-                                    <p:anim calcmode="lin" valueType="num">
-                                      <p:cBhvr additive="base">
-                                        <p:cTn id="19" dur="500" fill="hold"/>
-                                        <p:tgtEl>
-                                          <p:spTgt spid="9"/>
-                                        </p:tgtEl>
-                                        <p:attrNameLst>
-                                          <p:attrName>ppt_x</p:attrName>
-                                        </p:attrNameLst>
-                                      </p:cBhvr>
-                                      <p:tavLst>
-                                        <p:tav tm="0">
-                                          <p:val>
-                                            <p:strVal val="#ppt_x"/>
-                                          </p:val>
-                                        </p:tav>
-                                        <p:tav tm="100000">
-                                          <p:val>
-                                            <p:strVal val="#ppt_x"/>
-                                          </p:val>
-                                        </p:tav>
-                                      </p:tavLst>
-                                    </p:anim>
-                                    <p:anim calcmode="lin" valueType="num">
-                                      <p:cBhvr additive="base">
-                                        <p:cTn id="20" dur="500" fill="hold"/>
-                                        <p:tgtEl>
-                                          <p:spTgt spid="9"/>
-                                        </p:tgtEl>
-                                        <p:attrNameLst>
-                                          <p:attrName>ppt_y</p:attrName>
-                                        </p:attrNameLst>
-                                      </p:cBhvr>
-                                      <p:tavLst>
-                                        <p:tav tm="0">
-                                          <p:val>
-                                            <p:strVal val="1+#ppt_h/2"/>
-                                          </p:val>
-                                        </p:tav>
-                                        <p:tav tm="100000">
-                                          <p:val>
-                                            <p:strVal val="#ppt_y"/>
-                                          </p:val>
-                                        </p:tav>
-                                      </p:tavLst>
-                                    </p:anim>
-                                  </p:childTnLst>
-                                </p:cTn>
-                              </p:par>
-                            </p:childTnLst>
-                          </p:cTn>
-                        </p:par>
-                      </p:childTnLst>
-                    </p:cTn>
-                  </p:par>
-                  <p:par>
-                    <p:cTn id="21" fill="hold">
-                      <p:stCondLst>
-                        <p:cond delay="indefinite"/>
-                      </p:stCondLst>
-                      <p:childTnLst>
-                        <p:par>
-                          <p:cTn id="22" fill="hold">
-                            <p:stCondLst>
-                              <p:cond delay="0"/>
-                            </p:stCondLst>
-                            <p:childTnLst>
-                              <p:par>
-                                <p:cTn id="23" presetID="2" presetClass="entr" presetSubtype="4" fill="hold" grpId="0" nodeType="clickEffect">
-                                  <p:stCondLst>
-                                    <p:cond delay="0"/>
-                                  </p:stCondLst>
-                                  <p:childTnLst>
-                                    <p:set>
-                                      <p:cBhvr>
-                                        <p:cTn id="24" dur="1" fill="hold">
-                                          <p:stCondLst>
-                                            <p:cond delay="0"/>
-                                          </p:stCondLst>
-                                        </p:cTn>
-                                        <p:tgtEl>
-                                          <p:spTgt spid="11"/>
-                                        </p:tgtEl>
-                                        <p:attrNameLst>
-                                          <p:attrName>style.visibility</p:attrName>
-                                        </p:attrNameLst>
-                                      </p:cBhvr>
-                                      <p:to>
-                                        <p:strVal val="visible"/>
-                                      </p:to>
-                                    </p:set>
-                                    <p:anim calcmode="lin" valueType="num">
-                                      <p:cBhvr additive="base">
-                                        <p:cTn id="25" dur="500" fill="hold"/>
-                                        <p:tgtEl>
-                                          <p:spTgt spid="11"/>
-                                        </p:tgtEl>
-                                        <p:attrNameLst>
-                                          <p:attrName>ppt_x</p:attrName>
-                                        </p:attrNameLst>
-                                      </p:cBhvr>
-                                      <p:tavLst>
-                                        <p:tav tm="0">
-                                          <p:val>
-                                            <p:strVal val="#ppt_x"/>
-                                          </p:val>
-                                        </p:tav>
-                                        <p:tav tm="100000">
-                                          <p:val>
-                                            <p:strVal val="#ppt_x"/>
-                                          </p:val>
-                                        </p:tav>
-                                      </p:tavLst>
-                                    </p:anim>
-                                    <p:anim calcmode="lin" valueType="num">
-                                      <p:cBhvr additive="base">
-                                        <p:cTn id="26" dur="500" fill="hold"/>
-                                        <p:tgtEl>
-                                          <p:spTgt spid="11"/>
-                                        </p:tgtEl>
-                                        <p:attrNameLst>
-                                          <p:attrName>ppt_y</p:attrName>
-                                        </p:attrNameLst>
-                                      </p:cBhvr>
-                                      <p:tavLst>
-                                        <p:tav tm="0">
-                                          <p:val>
-                                            <p:strVal val="1+#ppt_h/2"/>
-                                          </p:val>
-                                        </p:tav>
-                                        <p:tav tm="100000">
-                                          <p:val>
-                                            <p:strVal val="#ppt_y"/>
-                                          </p:val>
-                                        </p:tav>
-                                      </p:tavLst>
-                                    </p:anim>
-                                  </p:childTnLst>
-                                </p:cTn>
-                              </p:par>
-                            </p:childTnLst>
-                          </p:cTn>
-                        </p:par>
-                      </p:childTnLst>
-                    </p:cTn>
-                  </p:par>
-                  <p:par>
-                    <p:cTn id="27" fill="hold">
-                      <p:stCondLst>
-                        <p:cond delay="indefinite"/>
-                      </p:stCondLst>
-                      <p:childTnLst>
-                        <p:par>
-                          <p:cTn id="28" fill="hold">
-                            <p:stCondLst>
-                              <p:cond delay="0"/>
-                            </p:stCondLst>
-                            <p:childTnLst>
-                              <p:par>
-                                <p:cTn id="29" presetID="2" presetClass="entr" presetSubtype="4" fill="hold" grpId="0" nodeType="clickEffect">
-                                  <p:stCondLst>
-                                    <p:cond delay="0"/>
-                                  </p:stCondLst>
-                                  <p:childTnLst>
-                                    <p:set>
-                                      <p:cBhvr>
-                                        <p:cTn id="30" dur="1" fill="hold">
-                                          <p:stCondLst>
-                                            <p:cond delay="0"/>
-                                          </p:stCondLst>
-                                        </p:cTn>
-                                        <p:tgtEl>
-                                          <p:spTgt spid="13"/>
-                                        </p:tgtEl>
-                                        <p:attrNameLst>
-                                          <p:attrName>style.visibility</p:attrName>
-                                        </p:attrNameLst>
-                                      </p:cBhvr>
-                                      <p:to>
-                                        <p:strVal val="visible"/>
-                                      </p:to>
-                                    </p:set>
-                                    <p:anim calcmode="lin" valueType="num">
-                                      <p:cBhvr additive="base">
-                                        <p:cTn id="31" dur="500" fill="hold"/>
-                                        <p:tgtEl>
-                                          <p:spTgt spid="13"/>
-                                        </p:tgtEl>
-                                        <p:attrNameLst>
-                                          <p:attrName>ppt_x</p:attrName>
-                                        </p:attrNameLst>
-                                      </p:cBhvr>
-                                      <p:tavLst>
-                                        <p:tav tm="0">
-                                          <p:val>
-                                            <p:strVal val="#ppt_x"/>
-                                          </p:val>
-                                        </p:tav>
-                                        <p:tav tm="100000">
-                                          <p:val>
-                                            <p:strVal val="#ppt_x"/>
-                                          </p:val>
-                                        </p:tav>
-                                      </p:tavLst>
-                                    </p:anim>
-                                    <p:anim calcmode="lin" valueType="num">
-                                      <p:cBhvr additive="base">
-                                        <p:cTn id="32" dur="500" fill="hold"/>
-                                        <p:tgtEl>
-                                          <p:spTgt spid="13"/>
-                                        </p:tgtEl>
-                                        <p:attrNameLst>
-                                          <p:attrName>ppt_y</p:attrName>
-                                        </p:attrNameLst>
-                                      </p:cBhvr>
-                                      <p:tavLst>
-                                        <p:tav tm="0">
-                                          <p:val>
-                                            <p:strVal val="1+#ppt_h/2"/>
-                                          </p:val>
-                                        </p:tav>
-                                        <p:tav tm="100000">
-                                          <p:val>
-                                            <p:strVal val="#ppt_y"/>
-                                          </p:val>
-                                        </p:tav>
-                                      </p:tavLst>
-                                    </p:anim>
-                                  </p:childTnLst>
-                                </p:cTn>
-                              </p:par>
-                            </p:childTnLst>
-                          </p:cTn>
-                        </p:par>
-                      </p:childTnLst>
-                    </p:cTn>
-                  </p:par>
-                  <p:par>
-                    <p:cTn id="33" fill="hold">
-                      <p:stCondLst>
-                        <p:cond delay="indefinite"/>
-                      </p:stCondLst>
-                      <p:childTnLst>
-                        <p:par>
-                          <p:cTn id="34" fill="hold">
-                            <p:stCondLst>
-                              <p:cond delay="0"/>
-                            </p:stCondLst>
-                            <p:childTnLst>
-                              <p:par>
-                                <p:cTn id="35" presetID="2" presetClass="entr" presetSubtype="4" fill="hold" grpId="0" nodeType="clickEffect">
-                                  <p:stCondLst>
-                                    <p:cond delay="0"/>
-                                  </p:stCondLst>
-                                  <p:childTnLst>
-                                    <p:set>
-                                      <p:cBhvr>
-                                        <p:cTn id="36" dur="1" fill="hold">
-                                          <p:stCondLst>
-                                            <p:cond delay="0"/>
-                                          </p:stCondLst>
-                                        </p:cTn>
-                                        <p:tgtEl>
-                                          <p:spTgt spid="12"/>
-                                        </p:tgtEl>
-                                        <p:attrNameLst>
-                                          <p:attrName>style.visibility</p:attrName>
-                                        </p:attrNameLst>
-                                      </p:cBhvr>
-                                      <p:to>
-                                        <p:strVal val="visible"/>
-                                      </p:to>
-                                    </p:set>
-                                    <p:anim calcmode="lin" valueType="num">
-                                      <p:cBhvr additive="base">
-                                        <p:cTn id="37" dur="500" fill="hold"/>
-                                        <p:tgtEl>
-                                          <p:spTgt spid="12"/>
-                                        </p:tgtEl>
-                                        <p:attrNameLst>
-                                          <p:attrName>ppt_x</p:attrName>
-                                        </p:attrNameLst>
-                                      </p:cBhvr>
-                                      <p:tavLst>
-                                        <p:tav tm="0">
-                                          <p:val>
-                                            <p:strVal val="#ppt_x"/>
-                                          </p:val>
-                                        </p:tav>
-                                        <p:tav tm="100000">
-                                          <p:val>
-                                            <p:strVal val="#ppt_x"/>
-                                          </p:val>
-                                        </p:tav>
-                                      </p:tavLst>
-                                    </p:anim>
-                                    <p:anim calcmode="lin" valueType="num">
-                                      <p:cBhvr additive="base">
-                                        <p:cTn id="38" dur="500" fill="hold"/>
-                                        <p:tgtEl>
-                                          <p:spTgt spid="12"/>
-                                        </p:tgtEl>
-                                        <p:attrNameLst>
-                                          <p:attrName>ppt_y</p:attrName>
-                                        </p:attrNameLst>
-                                      </p:cBhvr>
-                                      <p:tavLst>
-                                        <p:tav tm="0">
-                                          <p:val>
-                                            <p:strVal val="1+#ppt_h/2"/>
-                                          </p:val>
-                                        </p:tav>
-                                        <p:tav tm="100000">
-                                          <p:val>
-                                            <p:strVal val="#ppt_y"/>
-                                          </p:val>
-                                        </p:tav>
-                                      </p:tavLst>
-                                    </p:anim>
-                                  </p:childTnLst>
-                                </p:cTn>
-                              </p:par>
-                            </p:childTnLst>
-                          </p:cTn>
-                        </p:par>
-                      </p:childTnLst>
-                    </p:cTn>
-                  </p:par>
-                </p:childTnLst>
-              </p:cTn>
-              <p:prevCondLst>
-                <p:cond evt="onPrev" delay="0">
-                  <p:tgtEl>
-                    <p:sldTgt/>
-                  </p:tgtEl>
-                </p:cond>
-              </p:prevCondLst>
-              <p:nextCondLst>
-                <p:cond evt="onNext" delay="0">
-                  <p:tgtEl>
-                    <p:sldTgt/>
-                  </p:tgtEl>
-                </p:cond>
-              </p:nextCondLst>
-            </p:seq>
-          </p:childTnLst>
-        </p:cTn>
-      </p:par>
-    </p:tnLst>
-    <p:bldLst>
-      <p:bldP spid="7" grpId="0" animBg="1"/>
-      <p:bldP spid="9" grpId="0" animBg="1"/>
-      <p:bldP spid="11" grpId="0" animBg="1"/>
-      <p:bldP spid="13" grpId="0" animBg="1"/>
-      <p:bldP spid="12" grpId="0" animBg="1"/>
-      <p:bldP spid="16" grpId="0" animBg="1"/>
-    </p:bldLst>
-  </p:timing>
-</p:sld>
-</file>
-
-<file path=ppt/slides/slide11.xml><?xml version="1.0" encoding="utf-8"?>
-<p:sld xmlns:a="http://schemas.openxmlformats.org/drawingml/2006/main" xmlns:r="http://schemas.openxmlformats.org/officeDocument/2006/relationships" xmlns:p="http://schemas.openxmlformats.org/presentationml/2006/main">
-  <p:cSld>
-    <p:spTree>
-      <p:nvGrpSpPr>
-        <p:cNvPr id="1" name=""/>
-        <p:cNvGrpSpPr/>
-        <p:nvPr/>
-      </p:nvGrpSpPr>
-      <p:grpSpPr>
-        <a:xfrm>
-          <a:off x="0" y="0"/>
-          <a:ext cx="0" cy="0"/>
-          <a:chOff x="0" y="0"/>
-          <a:chExt cx="0" cy="0"/>
-        </a:xfrm>
-      </p:grpSpPr>
-      <p:pic>
-        <p:nvPicPr>
           <p:cNvPr id="4" name="Picture 3">
             <a:extLst>
               <a:ext uri="{FF2B5EF4-FFF2-40B4-BE49-F238E27FC236}">
@@ -5487,7 +4522,7 @@
             </a:avLst>
           </a:prstGeom>
           <a:solidFill>
-            <a:schemeClr val="accent1"/>
+            <a:srgbClr val="15965A"/>
           </a:solidFill>
           <a:ln>
             <a:noFill/>
@@ -5537,134 +4572,10 @@
   <p:clrMapOvr>
     <a:masterClrMapping/>
   </p:clrMapOvr>
-  <p:timing>
-    <p:tnLst>
-      <p:par>
-        <p:cTn id="1" dur="indefinite" restart="never" nodeType="tmRoot">
-          <p:childTnLst>
-            <p:seq concurrent="1" nextAc="seek">
-              <p:cTn id="2" dur="indefinite" nodeType="mainSeq">
-                <p:childTnLst>
-                  <p:par>
-                    <p:cTn id="3" fill="hold">
-                      <p:stCondLst>
-                        <p:cond delay="indefinite"/>
-                      </p:stCondLst>
-                      <p:childTnLst>
-                        <p:par>
-                          <p:cTn id="4" fill="hold">
-                            <p:stCondLst>
-                              <p:cond delay="0"/>
-                            </p:stCondLst>
-                            <p:childTnLst>
-                              <p:par>
-                                <p:cTn id="5" presetID="2" presetClass="entr" presetSubtype="4" fill="hold" grpId="0" nodeType="clickEffect">
-                                  <p:stCondLst>
-                                    <p:cond delay="0"/>
-                                  </p:stCondLst>
-                                  <p:childTnLst>
-                                    <p:set>
-                                      <p:cBhvr>
-                                        <p:cTn id="6" dur="1" fill="hold">
-                                          <p:stCondLst>
-                                            <p:cond delay="0"/>
-                                          </p:stCondLst>
-                                        </p:cTn>
-                                        <p:tgtEl>
-                                          <p:spTgt spid="9"/>
-                                        </p:tgtEl>
-                                        <p:attrNameLst>
-                                          <p:attrName>style.visibility</p:attrName>
-                                        </p:attrNameLst>
-                                      </p:cBhvr>
-                                      <p:to>
-                                        <p:strVal val="visible"/>
-                                      </p:to>
-                                    </p:set>
-                                    <p:anim calcmode="lin" valueType="num">
-                                      <p:cBhvr additive="base">
-                                        <p:cTn id="7" dur="500" fill="hold"/>
-                                        <p:tgtEl>
-                                          <p:spTgt spid="9"/>
-                                        </p:tgtEl>
-                                        <p:attrNameLst>
-                                          <p:attrName>ppt_x</p:attrName>
-                                        </p:attrNameLst>
-                                      </p:cBhvr>
-                                      <p:tavLst>
-                                        <p:tav tm="0">
-                                          <p:val>
-                                            <p:strVal val="#ppt_x"/>
-                                          </p:val>
-                                        </p:tav>
-                                        <p:tav tm="100000">
-                                          <p:val>
-                                            <p:strVal val="#ppt_x"/>
-                                          </p:val>
-                                        </p:tav>
-                                      </p:tavLst>
-                                    </p:anim>
-                                    <p:anim calcmode="lin" valueType="num">
-                                      <p:cBhvr additive="base">
-                                        <p:cTn id="8" dur="500" fill="hold"/>
-                                        <p:tgtEl>
-                                          <p:spTgt spid="9"/>
-                                        </p:tgtEl>
-                                        <p:attrNameLst>
-                                          <p:attrName>ppt_y</p:attrName>
-                                        </p:attrNameLst>
-                                      </p:cBhvr>
-                                      <p:tavLst>
-                                        <p:tav tm="0">
-                                          <p:val>
-                                            <p:strVal val="1+#ppt_h/2"/>
-                                          </p:val>
-                                        </p:tav>
-                                        <p:tav tm="100000">
-                                          <p:val>
-                                            <p:strVal val="#ppt_y"/>
-                                          </p:val>
-                                        </p:tav>
-                                      </p:tavLst>
-                                    </p:anim>
-                                  </p:childTnLst>
-                                </p:cTn>
-                              </p:par>
-                            </p:childTnLst>
-                          </p:cTn>
-                        </p:par>
-                      </p:childTnLst>
-                    </p:cTn>
-                  </p:par>
-                </p:childTnLst>
-              </p:cTn>
-              <p:prevCondLst>
-                <p:cond evt="onPrev" delay="0">
-                  <p:tgtEl>
-                    <p:sldTgt/>
-                  </p:tgtEl>
-                </p:cond>
-              </p:prevCondLst>
-              <p:nextCondLst>
-                <p:cond evt="onNext" delay="0">
-                  <p:tgtEl>
-                    <p:sldTgt/>
-                  </p:tgtEl>
-                </p:cond>
-              </p:nextCondLst>
-            </p:seq>
-          </p:childTnLst>
-        </p:cTn>
-      </p:par>
-    </p:tnLst>
-    <p:bldLst>
-      <p:bldP spid="9" grpId="0" animBg="1"/>
-    </p:bldLst>
-  </p:timing>
 </p:sld>
 </file>
 
-<file path=ppt/slides/slide12.xml><?xml version="1.0" encoding="utf-8"?>
+<file path=ppt/slides/slide11.xml><?xml version="1.0" encoding="utf-8"?>
 <p:sld xmlns:a="http://schemas.openxmlformats.org/drawingml/2006/main" xmlns:r="http://schemas.openxmlformats.org/officeDocument/2006/relationships" xmlns:p="http://schemas.openxmlformats.org/presentationml/2006/main">
   <p:cSld>
     <p:spTree>
@@ -5858,7 +4769,7 @@
             </a:avLst>
           </a:prstGeom>
           <a:solidFill>
-            <a:schemeClr val="accent1"/>
+            <a:srgbClr val="15965A"/>
           </a:solidFill>
           <a:ln>
             <a:noFill/>
@@ -5899,226 +4810,10 @@
   <p:clrMapOvr>
     <a:masterClrMapping/>
   </p:clrMapOvr>
-  <p:timing>
-    <p:tnLst>
-      <p:par>
-        <p:cTn id="1" dur="indefinite" restart="never" nodeType="tmRoot">
-          <p:childTnLst>
-            <p:seq concurrent="1" nextAc="seek">
-              <p:cTn id="2" dur="indefinite" nodeType="mainSeq">
-                <p:childTnLst>
-                  <p:par>
-                    <p:cTn id="3" fill="hold">
-                      <p:stCondLst>
-                        <p:cond delay="indefinite"/>
-                      </p:stCondLst>
-                      <p:childTnLst>
-                        <p:par>
-                          <p:cTn id="4" fill="hold">
-                            <p:stCondLst>
-                              <p:cond delay="0"/>
-                            </p:stCondLst>
-                            <p:childTnLst>
-                              <p:par>
-                                <p:cTn id="5" presetID="2" presetClass="entr" presetSubtype="4" fill="hold" grpId="0" nodeType="clickEffect">
-                                  <p:stCondLst>
-                                    <p:cond delay="0"/>
-                                  </p:stCondLst>
-                                  <p:childTnLst>
-                                    <p:set>
-                                      <p:cBhvr>
-                                        <p:cTn id="6" dur="1" fill="hold">
-                                          <p:stCondLst>
-                                            <p:cond delay="0"/>
-                                          </p:stCondLst>
-                                        </p:cTn>
-                                        <p:tgtEl>
-                                          <p:spTgt spid="10"/>
-                                        </p:tgtEl>
-                                        <p:attrNameLst>
-                                          <p:attrName>style.visibility</p:attrName>
-                                        </p:attrNameLst>
-                                      </p:cBhvr>
-                                      <p:to>
-                                        <p:strVal val="visible"/>
-                                      </p:to>
-                                    </p:set>
-                                    <p:anim calcmode="lin" valueType="num">
-                                      <p:cBhvr additive="base">
-                                        <p:cTn id="7" dur="500" fill="hold"/>
-                                        <p:tgtEl>
-                                          <p:spTgt spid="10"/>
-                                        </p:tgtEl>
-                                        <p:attrNameLst>
-                                          <p:attrName>ppt_x</p:attrName>
-                                        </p:attrNameLst>
-                                      </p:cBhvr>
-                                      <p:tavLst>
-                                        <p:tav tm="0">
-                                          <p:val>
-                                            <p:strVal val="#ppt_x"/>
-                                          </p:val>
-                                        </p:tav>
-                                        <p:tav tm="100000">
-                                          <p:val>
-                                            <p:strVal val="#ppt_x"/>
-                                          </p:val>
-                                        </p:tav>
-                                      </p:tavLst>
-                                    </p:anim>
-                                    <p:anim calcmode="lin" valueType="num">
-                                      <p:cBhvr additive="base">
-                                        <p:cTn id="8" dur="500" fill="hold"/>
-                                        <p:tgtEl>
-                                          <p:spTgt spid="10"/>
-                                        </p:tgtEl>
-                                        <p:attrNameLst>
-                                          <p:attrName>ppt_y</p:attrName>
-                                        </p:attrNameLst>
-                                      </p:cBhvr>
-                                      <p:tavLst>
-                                        <p:tav tm="0">
-                                          <p:val>
-                                            <p:strVal val="1+#ppt_h/2"/>
-                                          </p:val>
-                                        </p:tav>
-                                        <p:tav tm="100000">
-                                          <p:val>
-                                            <p:strVal val="#ppt_y"/>
-                                          </p:val>
-                                        </p:tav>
-                                      </p:tavLst>
-                                    </p:anim>
-                                  </p:childTnLst>
-                                </p:cTn>
-                              </p:par>
-                            </p:childTnLst>
-                          </p:cTn>
-                        </p:par>
-                      </p:childTnLst>
-                    </p:cTn>
-                  </p:par>
-                  <p:par>
-                    <p:cTn id="9" fill="hold">
-                      <p:stCondLst>
-                        <p:cond delay="indefinite"/>
-                      </p:stCondLst>
-                      <p:childTnLst>
-                        <p:par>
-                          <p:cTn id="10" fill="hold">
-                            <p:stCondLst>
-                              <p:cond delay="0"/>
-                            </p:stCondLst>
-                            <p:childTnLst>
-                              <p:par>
-                                <p:cTn id="11" presetID="2" presetClass="entr" presetSubtype="4" fill="hold" grpId="0" nodeType="clickEffect">
-                                  <p:stCondLst>
-                                    <p:cond delay="0"/>
-                                  </p:stCondLst>
-                                  <p:childTnLst>
-                                    <p:set>
-                                      <p:cBhvr>
-                                        <p:cTn id="12" dur="1" fill="hold">
-                                          <p:stCondLst>
-                                            <p:cond delay="0"/>
-                                          </p:stCondLst>
-                                        </p:cTn>
-                                        <p:tgtEl>
-                                          <p:spTgt spid="11"/>
-                                        </p:tgtEl>
-                                        <p:attrNameLst>
-                                          <p:attrName>style.visibility</p:attrName>
-                                        </p:attrNameLst>
-                                      </p:cBhvr>
-                                      <p:to>
-                                        <p:strVal val="visible"/>
-                                      </p:to>
-                                    </p:set>
-                                    <p:anim calcmode="lin" valueType="num">
-                                      <p:cBhvr additive="base">
-                                        <p:cTn id="13" dur="500" fill="hold"/>
-                                        <p:tgtEl>
-                                          <p:spTgt spid="11"/>
-                                        </p:tgtEl>
-                                        <p:attrNameLst>
-                                          <p:attrName>ppt_x</p:attrName>
-                                        </p:attrNameLst>
-                                      </p:cBhvr>
-                                      <p:tavLst>
-                                        <p:tav tm="0">
-                                          <p:val>
-                                            <p:strVal val="#ppt_x"/>
-                                          </p:val>
-                                        </p:tav>
-                                        <p:tav tm="100000">
-                                          <p:val>
-                                            <p:strVal val="#ppt_x"/>
-                                          </p:val>
-                                        </p:tav>
-                                      </p:tavLst>
-                                    </p:anim>
-                                    <p:anim calcmode="lin" valueType="num">
-                                      <p:cBhvr additive="base">
-                                        <p:cTn id="14" dur="500" fill="hold"/>
-                                        <p:tgtEl>
-                                          <p:spTgt spid="11"/>
-                                        </p:tgtEl>
-                                        <p:attrNameLst>
-                                          <p:attrName>ppt_y</p:attrName>
-                                        </p:attrNameLst>
-                                      </p:cBhvr>
-                                      <p:tavLst>
-                                        <p:tav tm="0">
-                                          <p:val>
-                                            <p:strVal val="1+#ppt_h/2"/>
-                                          </p:val>
-                                        </p:tav>
-                                        <p:tav tm="100000">
-                                          <p:val>
-                                            <p:strVal val="#ppt_y"/>
-                                          </p:val>
-                                        </p:tav>
-                                      </p:tavLst>
-                                    </p:anim>
-                                  </p:childTnLst>
-                                </p:cTn>
-                              </p:par>
-                            </p:childTnLst>
-                          </p:cTn>
-                        </p:par>
-                      </p:childTnLst>
-                    </p:cTn>
-                  </p:par>
-                </p:childTnLst>
-              </p:cTn>
-              <p:prevCondLst>
-                <p:cond evt="onPrev" delay="0">
-                  <p:tgtEl>
-                    <p:sldTgt/>
-                  </p:tgtEl>
-                </p:cond>
-              </p:prevCondLst>
-              <p:nextCondLst>
-                <p:cond evt="onNext" delay="0">
-                  <p:tgtEl>
-                    <p:sldTgt/>
-                  </p:tgtEl>
-                </p:cond>
-              </p:nextCondLst>
-            </p:seq>
-          </p:childTnLst>
-        </p:cTn>
-      </p:par>
-    </p:tnLst>
-    <p:bldLst>
-      <p:bldP spid="10" grpId="0" animBg="1"/>
-      <p:bldP spid="11" grpId="0" animBg="1"/>
-    </p:bldLst>
-  </p:timing>
 </p:sld>
 </file>
 
-<file path=ppt/slides/slide13.xml><?xml version="1.0" encoding="utf-8"?>
+<file path=ppt/slides/slide12.xml><?xml version="1.0" encoding="utf-8"?>
 <p:sld xmlns:a="http://schemas.openxmlformats.org/drawingml/2006/main" xmlns:r="http://schemas.openxmlformats.org/officeDocument/2006/relationships" xmlns:p="http://schemas.openxmlformats.org/presentationml/2006/main">
   <p:cSld>
     <p:spTree>
@@ -6256,7 +4951,7 @@
             </a:avLst>
           </a:prstGeom>
           <a:solidFill>
-            <a:schemeClr val="accent1"/>
+            <a:srgbClr val="15965A"/>
           </a:solidFill>
           <a:ln>
             <a:noFill/>
@@ -6363,318 +5058,10 @@
   <p:clrMapOvr>
     <a:masterClrMapping/>
   </p:clrMapOvr>
-  <p:timing>
-    <p:tnLst>
-      <p:par>
-        <p:cTn id="1" dur="indefinite" restart="never" nodeType="tmRoot">
-          <p:childTnLst>
-            <p:seq concurrent="1" nextAc="seek">
-              <p:cTn id="2" dur="indefinite" nodeType="mainSeq">
-                <p:childTnLst>
-                  <p:par>
-                    <p:cTn id="3" fill="hold">
-                      <p:stCondLst>
-                        <p:cond delay="indefinite"/>
-                      </p:stCondLst>
-                      <p:childTnLst>
-                        <p:par>
-                          <p:cTn id="4" fill="hold">
-                            <p:stCondLst>
-                              <p:cond delay="0"/>
-                            </p:stCondLst>
-                            <p:childTnLst>
-                              <p:par>
-                                <p:cTn id="5" presetID="2" presetClass="entr" presetSubtype="4" fill="hold" grpId="0" nodeType="clickEffect">
-                                  <p:stCondLst>
-                                    <p:cond delay="0"/>
-                                  </p:stCondLst>
-                                  <p:childTnLst>
-                                    <p:set>
-                                      <p:cBhvr>
-                                        <p:cTn id="6" dur="1" fill="hold">
-                                          <p:stCondLst>
-                                            <p:cond delay="0"/>
-                                          </p:stCondLst>
-                                        </p:cTn>
-                                        <p:tgtEl>
-                                          <p:spTgt spid="12"/>
-                                        </p:tgtEl>
-                                        <p:attrNameLst>
-                                          <p:attrName>style.visibility</p:attrName>
-                                        </p:attrNameLst>
-                                      </p:cBhvr>
-                                      <p:to>
-                                        <p:strVal val="visible"/>
-                                      </p:to>
-                                    </p:set>
-                                    <p:anim calcmode="lin" valueType="num">
-                                      <p:cBhvr additive="base">
-                                        <p:cTn id="7" dur="500" fill="hold"/>
-                                        <p:tgtEl>
-                                          <p:spTgt spid="12"/>
-                                        </p:tgtEl>
-                                        <p:attrNameLst>
-                                          <p:attrName>ppt_x</p:attrName>
-                                        </p:attrNameLst>
-                                      </p:cBhvr>
-                                      <p:tavLst>
-                                        <p:tav tm="0">
-                                          <p:val>
-                                            <p:strVal val="#ppt_x"/>
-                                          </p:val>
-                                        </p:tav>
-                                        <p:tav tm="100000">
-                                          <p:val>
-                                            <p:strVal val="#ppt_x"/>
-                                          </p:val>
-                                        </p:tav>
-                                      </p:tavLst>
-                                    </p:anim>
-                                    <p:anim calcmode="lin" valueType="num">
-                                      <p:cBhvr additive="base">
-                                        <p:cTn id="8" dur="500" fill="hold"/>
-                                        <p:tgtEl>
-                                          <p:spTgt spid="12"/>
-                                        </p:tgtEl>
-                                        <p:attrNameLst>
-                                          <p:attrName>ppt_y</p:attrName>
-                                        </p:attrNameLst>
-                                      </p:cBhvr>
-                                      <p:tavLst>
-                                        <p:tav tm="0">
-                                          <p:val>
-                                            <p:strVal val="1+#ppt_h/2"/>
-                                          </p:val>
-                                        </p:tav>
-                                        <p:tav tm="100000">
-                                          <p:val>
-                                            <p:strVal val="#ppt_y"/>
-                                          </p:val>
-                                        </p:tav>
-                                      </p:tavLst>
-                                    </p:anim>
-                                  </p:childTnLst>
-                                </p:cTn>
-                              </p:par>
-                            </p:childTnLst>
-                          </p:cTn>
-                        </p:par>
-                      </p:childTnLst>
-                    </p:cTn>
-                  </p:par>
-                  <p:par>
-                    <p:cTn id="9" fill="hold">
-                      <p:stCondLst>
-                        <p:cond delay="indefinite"/>
-                      </p:stCondLst>
-                      <p:childTnLst>
-                        <p:par>
-                          <p:cTn id="10" fill="hold">
-                            <p:stCondLst>
-                              <p:cond delay="0"/>
-                            </p:stCondLst>
-                            <p:childTnLst>
-                              <p:par>
-                                <p:cTn id="11" presetID="2" presetClass="entr" presetSubtype="4" fill="hold" grpId="0" nodeType="clickEffect">
-                                  <p:stCondLst>
-                                    <p:cond delay="0"/>
-                                  </p:stCondLst>
-                                  <p:childTnLst>
-                                    <p:set>
-                                      <p:cBhvr>
-                                        <p:cTn id="12" dur="1" fill="hold">
-                                          <p:stCondLst>
-                                            <p:cond delay="0"/>
-                                          </p:stCondLst>
-                                        </p:cTn>
-                                        <p:tgtEl>
-                                          <p:spTgt spid="8"/>
-                                        </p:tgtEl>
-                                        <p:attrNameLst>
-                                          <p:attrName>style.visibility</p:attrName>
-                                        </p:attrNameLst>
-                                      </p:cBhvr>
-                                      <p:to>
-                                        <p:strVal val="visible"/>
-                                      </p:to>
-                                    </p:set>
-                                    <p:anim calcmode="lin" valueType="num">
-                                      <p:cBhvr additive="base">
-                                        <p:cTn id="13" dur="500" fill="hold"/>
-                                        <p:tgtEl>
-                                          <p:spTgt spid="8"/>
-                                        </p:tgtEl>
-                                        <p:attrNameLst>
-                                          <p:attrName>ppt_x</p:attrName>
-                                        </p:attrNameLst>
-                                      </p:cBhvr>
-                                      <p:tavLst>
-                                        <p:tav tm="0">
-                                          <p:val>
-                                            <p:strVal val="#ppt_x"/>
-                                          </p:val>
-                                        </p:tav>
-                                        <p:tav tm="100000">
-                                          <p:val>
-                                            <p:strVal val="#ppt_x"/>
-                                          </p:val>
-                                        </p:tav>
-                                      </p:tavLst>
-                                    </p:anim>
-                                    <p:anim calcmode="lin" valueType="num">
-                                      <p:cBhvr additive="base">
-                                        <p:cTn id="14" dur="500" fill="hold"/>
-                                        <p:tgtEl>
-                                          <p:spTgt spid="8"/>
-                                        </p:tgtEl>
-                                        <p:attrNameLst>
-                                          <p:attrName>ppt_y</p:attrName>
-                                        </p:attrNameLst>
-                                      </p:cBhvr>
-                                      <p:tavLst>
-                                        <p:tav tm="0">
-                                          <p:val>
-                                            <p:strVal val="1+#ppt_h/2"/>
-                                          </p:val>
-                                        </p:tav>
-                                        <p:tav tm="100000">
-                                          <p:val>
-                                            <p:strVal val="#ppt_y"/>
-                                          </p:val>
-                                        </p:tav>
-                                      </p:tavLst>
-                                    </p:anim>
-                                  </p:childTnLst>
-                                </p:cTn>
-                              </p:par>
-                            </p:childTnLst>
-                          </p:cTn>
-                        </p:par>
-                      </p:childTnLst>
-                    </p:cTn>
-                  </p:par>
-                  <p:par>
-                    <p:cTn id="15" fill="hold">
-                      <p:stCondLst>
-                        <p:cond delay="indefinite"/>
-                      </p:stCondLst>
-                      <p:childTnLst>
-                        <p:par>
-                          <p:cTn id="16" fill="hold">
-                            <p:stCondLst>
-                              <p:cond delay="0"/>
-                            </p:stCondLst>
-                            <p:childTnLst>
-                              <p:par>
-                                <p:cTn id="17" presetID="2" presetClass="entr" presetSubtype="4" fill="hold" grpId="0" nodeType="clickEffect">
-                                  <p:stCondLst>
-                                    <p:cond delay="0"/>
-                                  </p:stCondLst>
-                                  <p:childTnLst>
-                                    <p:set>
-                                      <p:cBhvr>
-                                        <p:cTn id="18" dur="1" fill="hold">
-                                          <p:stCondLst>
-                                            <p:cond delay="0"/>
-                                          </p:stCondLst>
-                                        </p:cTn>
-                                        <p:tgtEl>
-                                          <p:spTgt spid="13"/>
-                                        </p:tgtEl>
-                                        <p:attrNameLst>
-                                          <p:attrName>style.visibility</p:attrName>
-                                        </p:attrNameLst>
-                                      </p:cBhvr>
-                                      <p:to>
-                                        <p:strVal val="visible"/>
-                                      </p:to>
-                                    </p:set>
-                                    <p:anim calcmode="lin" valueType="num">
-                                      <p:cBhvr additive="base">
-                                        <p:cTn id="19" dur="500" fill="hold"/>
-                                        <p:tgtEl>
-                                          <p:spTgt spid="13"/>
-                                        </p:tgtEl>
-                                        <p:attrNameLst>
-                                          <p:attrName>ppt_x</p:attrName>
-                                        </p:attrNameLst>
-                                      </p:cBhvr>
-                                      <p:tavLst>
-                                        <p:tav tm="0">
-                                          <p:val>
-                                            <p:strVal val="#ppt_x"/>
-                                          </p:val>
-                                        </p:tav>
-                                        <p:tav tm="100000">
-                                          <p:val>
-                                            <p:strVal val="#ppt_x"/>
-                                          </p:val>
-                                        </p:tav>
-                                      </p:tavLst>
-                                    </p:anim>
-                                    <p:anim calcmode="lin" valueType="num">
-                                      <p:cBhvr additive="base">
-                                        <p:cTn id="20" dur="500" fill="hold"/>
-                                        <p:tgtEl>
-                                          <p:spTgt spid="13"/>
-                                        </p:tgtEl>
-                                        <p:attrNameLst>
-                                          <p:attrName>ppt_y</p:attrName>
-                                        </p:attrNameLst>
-                                      </p:cBhvr>
-                                      <p:tavLst>
-                                        <p:tav tm="0">
-                                          <p:val>
-                                            <p:strVal val="1+#ppt_h/2"/>
-                                          </p:val>
-                                        </p:tav>
-                                        <p:tav tm="100000">
-                                          <p:val>
-                                            <p:strVal val="#ppt_y"/>
-                                          </p:val>
-                                        </p:tav>
-                                      </p:tavLst>
-                                    </p:anim>
-                                  </p:childTnLst>
-                                </p:cTn>
-                              </p:par>
-                            </p:childTnLst>
-                          </p:cTn>
-                        </p:par>
-                      </p:childTnLst>
-                    </p:cTn>
-                  </p:par>
-                </p:childTnLst>
-              </p:cTn>
-              <p:prevCondLst>
-                <p:cond evt="onPrev" delay="0">
-                  <p:tgtEl>
-                    <p:sldTgt/>
-                  </p:tgtEl>
-                </p:cond>
-              </p:prevCondLst>
-              <p:nextCondLst>
-                <p:cond evt="onNext" delay="0">
-                  <p:tgtEl>
-                    <p:sldTgt/>
-                  </p:tgtEl>
-                </p:cond>
-              </p:nextCondLst>
-            </p:seq>
-          </p:childTnLst>
-        </p:cTn>
-      </p:par>
-    </p:tnLst>
-    <p:bldLst>
-      <p:bldP spid="12" grpId="0" animBg="1"/>
-      <p:bldP spid="13" grpId="0" animBg="1"/>
-      <p:bldP spid="8" grpId="0" animBg="1"/>
-    </p:bldLst>
-  </p:timing>
 </p:sld>
 </file>
 
-<file path=ppt/slides/slide14.xml><?xml version="1.0" encoding="utf-8"?>
+<file path=ppt/slides/slide13.xml><?xml version="1.0" encoding="utf-8"?>
 <p:sld xmlns:a="http://schemas.openxmlformats.org/drawingml/2006/main" xmlns:r="http://schemas.openxmlformats.org/officeDocument/2006/relationships" xmlns:p="http://schemas.openxmlformats.org/presentationml/2006/main">
   <p:cSld>
     <p:spTree>
@@ -6768,7 +5155,7 @@
             </a:avLst>
           </a:prstGeom>
           <a:solidFill>
-            <a:schemeClr val="accent1"/>
+            <a:srgbClr val="15965A"/>
           </a:solidFill>
           <a:ln>
             <a:noFill/>
@@ -6897,318 +5284,10 @@
   <p:clrMapOvr>
     <a:masterClrMapping/>
   </p:clrMapOvr>
-  <p:timing>
-    <p:tnLst>
-      <p:par>
-        <p:cTn id="1" dur="indefinite" restart="never" nodeType="tmRoot">
-          <p:childTnLst>
-            <p:seq concurrent="1" nextAc="seek">
-              <p:cTn id="2" dur="indefinite" nodeType="mainSeq">
-                <p:childTnLst>
-                  <p:par>
-                    <p:cTn id="3" fill="hold">
-                      <p:stCondLst>
-                        <p:cond delay="indefinite"/>
-                      </p:stCondLst>
-                      <p:childTnLst>
-                        <p:par>
-                          <p:cTn id="4" fill="hold">
-                            <p:stCondLst>
-                              <p:cond delay="0"/>
-                            </p:stCondLst>
-                            <p:childTnLst>
-                              <p:par>
-                                <p:cTn id="5" presetID="2" presetClass="entr" presetSubtype="4" fill="hold" grpId="0" nodeType="clickEffect">
-                                  <p:stCondLst>
-                                    <p:cond delay="0"/>
-                                  </p:stCondLst>
-                                  <p:childTnLst>
-                                    <p:set>
-                                      <p:cBhvr>
-                                        <p:cTn id="6" dur="1" fill="hold">
-                                          <p:stCondLst>
-                                            <p:cond delay="0"/>
-                                          </p:stCondLst>
-                                        </p:cTn>
-                                        <p:tgtEl>
-                                          <p:spTgt spid="8"/>
-                                        </p:tgtEl>
-                                        <p:attrNameLst>
-                                          <p:attrName>style.visibility</p:attrName>
-                                        </p:attrNameLst>
-                                      </p:cBhvr>
-                                      <p:to>
-                                        <p:strVal val="visible"/>
-                                      </p:to>
-                                    </p:set>
-                                    <p:anim calcmode="lin" valueType="num">
-                                      <p:cBhvr additive="base">
-                                        <p:cTn id="7" dur="500" fill="hold"/>
-                                        <p:tgtEl>
-                                          <p:spTgt spid="8"/>
-                                        </p:tgtEl>
-                                        <p:attrNameLst>
-                                          <p:attrName>ppt_x</p:attrName>
-                                        </p:attrNameLst>
-                                      </p:cBhvr>
-                                      <p:tavLst>
-                                        <p:tav tm="0">
-                                          <p:val>
-                                            <p:strVal val="#ppt_x"/>
-                                          </p:val>
-                                        </p:tav>
-                                        <p:tav tm="100000">
-                                          <p:val>
-                                            <p:strVal val="#ppt_x"/>
-                                          </p:val>
-                                        </p:tav>
-                                      </p:tavLst>
-                                    </p:anim>
-                                    <p:anim calcmode="lin" valueType="num">
-                                      <p:cBhvr additive="base">
-                                        <p:cTn id="8" dur="500" fill="hold"/>
-                                        <p:tgtEl>
-                                          <p:spTgt spid="8"/>
-                                        </p:tgtEl>
-                                        <p:attrNameLst>
-                                          <p:attrName>ppt_y</p:attrName>
-                                        </p:attrNameLst>
-                                      </p:cBhvr>
-                                      <p:tavLst>
-                                        <p:tav tm="0">
-                                          <p:val>
-                                            <p:strVal val="1+#ppt_h/2"/>
-                                          </p:val>
-                                        </p:tav>
-                                        <p:tav tm="100000">
-                                          <p:val>
-                                            <p:strVal val="#ppt_y"/>
-                                          </p:val>
-                                        </p:tav>
-                                      </p:tavLst>
-                                    </p:anim>
-                                  </p:childTnLst>
-                                </p:cTn>
-                              </p:par>
-                            </p:childTnLst>
-                          </p:cTn>
-                        </p:par>
-                      </p:childTnLst>
-                    </p:cTn>
-                  </p:par>
-                  <p:par>
-                    <p:cTn id="9" fill="hold">
-                      <p:stCondLst>
-                        <p:cond delay="indefinite"/>
-                      </p:stCondLst>
-                      <p:childTnLst>
-                        <p:par>
-                          <p:cTn id="10" fill="hold">
-                            <p:stCondLst>
-                              <p:cond delay="0"/>
-                            </p:stCondLst>
-                            <p:childTnLst>
-                              <p:par>
-                                <p:cTn id="11" presetID="2" presetClass="entr" presetSubtype="4" fill="hold" grpId="0" nodeType="clickEffect">
-                                  <p:stCondLst>
-                                    <p:cond delay="0"/>
-                                  </p:stCondLst>
-                                  <p:childTnLst>
-                                    <p:set>
-                                      <p:cBhvr>
-                                        <p:cTn id="12" dur="1" fill="hold">
-                                          <p:stCondLst>
-                                            <p:cond delay="0"/>
-                                          </p:stCondLst>
-                                        </p:cTn>
-                                        <p:tgtEl>
-                                          <p:spTgt spid="9"/>
-                                        </p:tgtEl>
-                                        <p:attrNameLst>
-                                          <p:attrName>style.visibility</p:attrName>
-                                        </p:attrNameLst>
-                                      </p:cBhvr>
-                                      <p:to>
-                                        <p:strVal val="visible"/>
-                                      </p:to>
-                                    </p:set>
-                                    <p:anim calcmode="lin" valueType="num">
-                                      <p:cBhvr additive="base">
-                                        <p:cTn id="13" dur="500" fill="hold"/>
-                                        <p:tgtEl>
-                                          <p:spTgt spid="9"/>
-                                        </p:tgtEl>
-                                        <p:attrNameLst>
-                                          <p:attrName>ppt_x</p:attrName>
-                                        </p:attrNameLst>
-                                      </p:cBhvr>
-                                      <p:tavLst>
-                                        <p:tav tm="0">
-                                          <p:val>
-                                            <p:strVal val="#ppt_x"/>
-                                          </p:val>
-                                        </p:tav>
-                                        <p:tav tm="100000">
-                                          <p:val>
-                                            <p:strVal val="#ppt_x"/>
-                                          </p:val>
-                                        </p:tav>
-                                      </p:tavLst>
-                                    </p:anim>
-                                    <p:anim calcmode="lin" valueType="num">
-                                      <p:cBhvr additive="base">
-                                        <p:cTn id="14" dur="500" fill="hold"/>
-                                        <p:tgtEl>
-                                          <p:spTgt spid="9"/>
-                                        </p:tgtEl>
-                                        <p:attrNameLst>
-                                          <p:attrName>ppt_y</p:attrName>
-                                        </p:attrNameLst>
-                                      </p:cBhvr>
-                                      <p:tavLst>
-                                        <p:tav tm="0">
-                                          <p:val>
-                                            <p:strVal val="1+#ppt_h/2"/>
-                                          </p:val>
-                                        </p:tav>
-                                        <p:tav tm="100000">
-                                          <p:val>
-                                            <p:strVal val="#ppt_y"/>
-                                          </p:val>
-                                        </p:tav>
-                                      </p:tavLst>
-                                    </p:anim>
-                                  </p:childTnLst>
-                                </p:cTn>
-                              </p:par>
-                            </p:childTnLst>
-                          </p:cTn>
-                        </p:par>
-                      </p:childTnLst>
-                    </p:cTn>
-                  </p:par>
-                  <p:par>
-                    <p:cTn id="15" fill="hold">
-                      <p:stCondLst>
-                        <p:cond delay="indefinite"/>
-                      </p:stCondLst>
-                      <p:childTnLst>
-                        <p:par>
-                          <p:cTn id="16" fill="hold">
-                            <p:stCondLst>
-                              <p:cond delay="0"/>
-                            </p:stCondLst>
-                            <p:childTnLst>
-                              <p:par>
-                                <p:cTn id="17" presetID="2" presetClass="entr" presetSubtype="4" fill="hold" grpId="0" nodeType="clickEffect">
-                                  <p:stCondLst>
-                                    <p:cond delay="0"/>
-                                  </p:stCondLst>
-                                  <p:childTnLst>
-                                    <p:set>
-                                      <p:cBhvr>
-                                        <p:cTn id="18" dur="1" fill="hold">
-                                          <p:stCondLst>
-                                            <p:cond delay="0"/>
-                                          </p:stCondLst>
-                                        </p:cTn>
-                                        <p:tgtEl>
-                                          <p:spTgt spid="11"/>
-                                        </p:tgtEl>
-                                        <p:attrNameLst>
-                                          <p:attrName>style.visibility</p:attrName>
-                                        </p:attrNameLst>
-                                      </p:cBhvr>
-                                      <p:to>
-                                        <p:strVal val="visible"/>
-                                      </p:to>
-                                    </p:set>
-                                    <p:anim calcmode="lin" valueType="num">
-                                      <p:cBhvr additive="base">
-                                        <p:cTn id="19" dur="500" fill="hold"/>
-                                        <p:tgtEl>
-                                          <p:spTgt spid="11"/>
-                                        </p:tgtEl>
-                                        <p:attrNameLst>
-                                          <p:attrName>ppt_x</p:attrName>
-                                        </p:attrNameLst>
-                                      </p:cBhvr>
-                                      <p:tavLst>
-                                        <p:tav tm="0">
-                                          <p:val>
-                                            <p:strVal val="#ppt_x"/>
-                                          </p:val>
-                                        </p:tav>
-                                        <p:tav tm="100000">
-                                          <p:val>
-                                            <p:strVal val="#ppt_x"/>
-                                          </p:val>
-                                        </p:tav>
-                                      </p:tavLst>
-                                    </p:anim>
-                                    <p:anim calcmode="lin" valueType="num">
-                                      <p:cBhvr additive="base">
-                                        <p:cTn id="20" dur="500" fill="hold"/>
-                                        <p:tgtEl>
-                                          <p:spTgt spid="11"/>
-                                        </p:tgtEl>
-                                        <p:attrNameLst>
-                                          <p:attrName>ppt_y</p:attrName>
-                                        </p:attrNameLst>
-                                      </p:cBhvr>
-                                      <p:tavLst>
-                                        <p:tav tm="0">
-                                          <p:val>
-                                            <p:strVal val="1+#ppt_h/2"/>
-                                          </p:val>
-                                        </p:tav>
-                                        <p:tav tm="100000">
-                                          <p:val>
-                                            <p:strVal val="#ppt_y"/>
-                                          </p:val>
-                                        </p:tav>
-                                      </p:tavLst>
-                                    </p:anim>
-                                  </p:childTnLst>
-                                </p:cTn>
-                              </p:par>
-                            </p:childTnLst>
-                          </p:cTn>
-                        </p:par>
-                      </p:childTnLst>
-                    </p:cTn>
-                  </p:par>
-                </p:childTnLst>
-              </p:cTn>
-              <p:prevCondLst>
-                <p:cond evt="onPrev" delay="0">
-                  <p:tgtEl>
-                    <p:sldTgt/>
-                  </p:tgtEl>
-                </p:cond>
-              </p:prevCondLst>
-              <p:nextCondLst>
-                <p:cond evt="onNext" delay="0">
-                  <p:tgtEl>
-                    <p:sldTgt/>
-                  </p:tgtEl>
-                </p:cond>
-              </p:nextCondLst>
-            </p:seq>
-          </p:childTnLst>
-        </p:cTn>
-      </p:par>
-    </p:tnLst>
-    <p:bldLst>
-      <p:bldP spid="11" grpId="0" animBg="1"/>
-      <p:bldP spid="8" grpId="0" animBg="1"/>
-      <p:bldP spid="9" grpId="0" animBg="1"/>
-    </p:bldLst>
-  </p:timing>
 </p:sld>
 </file>
 
-<file path=ppt/slides/slide15.xml><?xml version="1.0" encoding="utf-8"?>
+<file path=ppt/slides/slide14.xml><?xml version="1.0" encoding="utf-8"?>
 <p:sld xmlns:a="http://schemas.openxmlformats.org/drawingml/2006/main" xmlns:r="http://schemas.openxmlformats.org/officeDocument/2006/relationships" xmlns:p="http://schemas.openxmlformats.org/presentationml/2006/main">
   <p:cSld>
     <p:spTree>
@@ -7533,7 +5612,7 @@
 </p:sld>
 </file>
 
-<file path=ppt/slides/slide16.xml><?xml version="1.0" encoding="utf-8"?>
+<file path=ppt/slides/slide15.xml><?xml version="1.0" encoding="utf-8"?>
 <p:sld xmlns:a="http://schemas.openxmlformats.org/drawingml/2006/main" xmlns:r="http://schemas.openxmlformats.org/officeDocument/2006/relationships" xmlns:p="http://schemas.openxmlformats.org/presentationml/2006/main">
   <p:cSld>
     <p:spTree>
@@ -7805,7 +5884,7 @@
             </a:avLst>
           </a:prstGeom>
           <a:solidFill>
-            <a:schemeClr val="accent1"/>
+            <a:srgbClr val="15965A"/>
           </a:solidFill>
           <a:ln>
             <a:noFill/>
@@ -7866,7 +5945,7 @@
             </a:avLst>
           </a:prstGeom>
           <a:solidFill>
-            <a:schemeClr val="accent1"/>
+            <a:srgbClr val="15965A"/>
           </a:solidFill>
           <a:ln>
             <a:noFill/>
@@ -7927,7 +6006,7 @@
             </a:avLst>
           </a:prstGeom>
           <a:solidFill>
-            <a:schemeClr val="accent1"/>
+            <a:srgbClr val="15965A"/>
           </a:solidFill>
           <a:ln>
             <a:noFill/>
@@ -7988,7 +6067,7 @@
             </a:avLst>
           </a:prstGeom>
           <a:solidFill>
-            <a:schemeClr val="accent1"/>
+            <a:srgbClr val="15965A"/>
           </a:solidFill>
           <a:ln>
             <a:noFill/>
@@ -8034,774 +6113,6 @@
   <p:clrMapOvr>
     <a:masterClrMapping/>
   </p:clrMapOvr>
-  <p:timing>
-    <p:tnLst>
-      <p:par>
-        <p:cTn id="1" dur="indefinite" restart="never" nodeType="tmRoot">
-          <p:childTnLst>
-            <p:seq concurrent="1" nextAc="seek">
-              <p:cTn id="2" dur="indefinite" nodeType="mainSeq">
-                <p:childTnLst>
-                  <p:par>
-                    <p:cTn id="3" fill="hold">
-                      <p:stCondLst>
-                        <p:cond delay="indefinite"/>
-                      </p:stCondLst>
-                      <p:childTnLst>
-                        <p:par>
-                          <p:cTn id="4" fill="hold">
-                            <p:stCondLst>
-                              <p:cond delay="0"/>
-                            </p:stCondLst>
-                            <p:childTnLst>
-                              <p:par>
-                                <p:cTn id="5" presetID="2" presetClass="entr" presetSubtype="4" fill="hold" grpId="0" nodeType="clickEffect">
-                                  <p:stCondLst>
-                                    <p:cond delay="0"/>
-                                  </p:stCondLst>
-                                  <p:childTnLst>
-                                    <p:set>
-                                      <p:cBhvr>
-                                        <p:cTn id="6" dur="1" fill="hold">
-                                          <p:stCondLst>
-                                            <p:cond delay="0"/>
-                                          </p:stCondLst>
-                                        </p:cTn>
-                                        <p:tgtEl>
-                                          <p:spTgt spid="5"/>
-                                        </p:tgtEl>
-                                        <p:attrNameLst>
-                                          <p:attrName>style.visibility</p:attrName>
-                                        </p:attrNameLst>
-                                      </p:cBhvr>
-                                      <p:to>
-                                        <p:strVal val="visible"/>
-                                      </p:to>
-                                    </p:set>
-                                    <p:anim calcmode="lin" valueType="num">
-                                      <p:cBhvr additive="base">
-                                        <p:cTn id="7" dur="500" fill="hold"/>
-                                        <p:tgtEl>
-                                          <p:spTgt spid="5"/>
-                                        </p:tgtEl>
-                                        <p:attrNameLst>
-                                          <p:attrName>ppt_x</p:attrName>
-                                        </p:attrNameLst>
-                                      </p:cBhvr>
-                                      <p:tavLst>
-                                        <p:tav tm="0">
-                                          <p:val>
-                                            <p:strVal val="#ppt_x"/>
-                                          </p:val>
-                                        </p:tav>
-                                        <p:tav tm="100000">
-                                          <p:val>
-                                            <p:strVal val="#ppt_x"/>
-                                          </p:val>
-                                        </p:tav>
-                                      </p:tavLst>
-                                    </p:anim>
-                                    <p:anim calcmode="lin" valueType="num">
-                                      <p:cBhvr additive="base">
-                                        <p:cTn id="8" dur="500" fill="hold"/>
-                                        <p:tgtEl>
-                                          <p:spTgt spid="5"/>
-                                        </p:tgtEl>
-                                        <p:attrNameLst>
-                                          <p:attrName>ppt_y</p:attrName>
-                                        </p:attrNameLst>
-                                      </p:cBhvr>
-                                      <p:tavLst>
-                                        <p:tav tm="0">
-                                          <p:val>
-                                            <p:strVal val="1+#ppt_h/2"/>
-                                          </p:val>
-                                        </p:tav>
-                                        <p:tav tm="100000">
-                                          <p:val>
-                                            <p:strVal val="#ppt_y"/>
-                                          </p:val>
-                                        </p:tav>
-                                      </p:tavLst>
-                                    </p:anim>
-                                  </p:childTnLst>
-                                </p:cTn>
-                              </p:par>
-                            </p:childTnLst>
-                          </p:cTn>
-                        </p:par>
-                      </p:childTnLst>
-                    </p:cTn>
-                  </p:par>
-                  <p:par>
-                    <p:cTn id="9" fill="hold">
-                      <p:stCondLst>
-                        <p:cond delay="indefinite"/>
-                      </p:stCondLst>
-                      <p:childTnLst>
-                        <p:par>
-                          <p:cTn id="10" fill="hold">
-                            <p:stCondLst>
-                              <p:cond delay="0"/>
-                            </p:stCondLst>
-                            <p:childTnLst>
-                              <p:par>
-                                <p:cTn id="11" presetID="2" presetClass="entr" presetSubtype="4" fill="hold" grpId="0" nodeType="clickEffect">
-                                  <p:stCondLst>
-                                    <p:cond delay="0"/>
-                                  </p:stCondLst>
-                                  <p:childTnLst>
-                                    <p:set>
-                                      <p:cBhvr>
-                                        <p:cTn id="12" dur="1" fill="hold">
-                                          <p:stCondLst>
-                                            <p:cond delay="0"/>
-                                          </p:stCondLst>
-                                        </p:cTn>
-                                        <p:tgtEl>
-                                          <p:spTgt spid="6"/>
-                                        </p:tgtEl>
-                                        <p:attrNameLst>
-                                          <p:attrName>style.visibility</p:attrName>
-                                        </p:attrNameLst>
-                                      </p:cBhvr>
-                                      <p:to>
-                                        <p:strVal val="visible"/>
-                                      </p:to>
-                                    </p:set>
-                                    <p:anim calcmode="lin" valueType="num">
-                                      <p:cBhvr additive="base">
-                                        <p:cTn id="13" dur="500" fill="hold"/>
-                                        <p:tgtEl>
-                                          <p:spTgt spid="6"/>
-                                        </p:tgtEl>
-                                        <p:attrNameLst>
-                                          <p:attrName>ppt_x</p:attrName>
-                                        </p:attrNameLst>
-                                      </p:cBhvr>
-                                      <p:tavLst>
-                                        <p:tav tm="0">
-                                          <p:val>
-                                            <p:strVal val="#ppt_x"/>
-                                          </p:val>
-                                        </p:tav>
-                                        <p:tav tm="100000">
-                                          <p:val>
-                                            <p:strVal val="#ppt_x"/>
-                                          </p:val>
-                                        </p:tav>
-                                      </p:tavLst>
-                                    </p:anim>
-                                    <p:anim calcmode="lin" valueType="num">
-                                      <p:cBhvr additive="base">
-                                        <p:cTn id="14" dur="500" fill="hold"/>
-                                        <p:tgtEl>
-                                          <p:spTgt spid="6"/>
-                                        </p:tgtEl>
-                                        <p:attrNameLst>
-                                          <p:attrName>ppt_y</p:attrName>
-                                        </p:attrNameLst>
-                                      </p:cBhvr>
-                                      <p:tavLst>
-                                        <p:tav tm="0">
-                                          <p:val>
-                                            <p:strVal val="1+#ppt_h/2"/>
-                                          </p:val>
-                                        </p:tav>
-                                        <p:tav tm="100000">
-                                          <p:val>
-                                            <p:strVal val="#ppt_y"/>
-                                          </p:val>
-                                        </p:tav>
-                                      </p:tavLst>
-                                    </p:anim>
-                                  </p:childTnLst>
-                                </p:cTn>
-                              </p:par>
-                            </p:childTnLst>
-                          </p:cTn>
-                        </p:par>
-                      </p:childTnLst>
-                    </p:cTn>
-                  </p:par>
-                  <p:par>
-                    <p:cTn id="15" fill="hold">
-                      <p:stCondLst>
-                        <p:cond delay="indefinite"/>
-                      </p:stCondLst>
-                      <p:childTnLst>
-                        <p:par>
-                          <p:cTn id="16" fill="hold">
-                            <p:stCondLst>
-                              <p:cond delay="0"/>
-                            </p:stCondLst>
-                            <p:childTnLst>
-                              <p:par>
-                                <p:cTn id="17" presetID="2" presetClass="entr" presetSubtype="4" fill="hold" grpId="0" nodeType="clickEffect">
-                                  <p:stCondLst>
-                                    <p:cond delay="0"/>
-                                  </p:stCondLst>
-                                  <p:childTnLst>
-                                    <p:set>
-                                      <p:cBhvr>
-                                        <p:cTn id="18" dur="1" fill="hold">
-                                          <p:stCondLst>
-                                            <p:cond delay="0"/>
-                                          </p:stCondLst>
-                                        </p:cTn>
-                                        <p:tgtEl>
-                                          <p:spTgt spid="7"/>
-                                        </p:tgtEl>
-                                        <p:attrNameLst>
-                                          <p:attrName>style.visibility</p:attrName>
-                                        </p:attrNameLst>
-                                      </p:cBhvr>
-                                      <p:to>
-                                        <p:strVal val="visible"/>
-                                      </p:to>
-                                    </p:set>
-                                    <p:anim calcmode="lin" valueType="num">
-                                      <p:cBhvr additive="base">
-                                        <p:cTn id="19" dur="500" fill="hold"/>
-                                        <p:tgtEl>
-                                          <p:spTgt spid="7"/>
-                                        </p:tgtEl>
-                                        <p:attrNameLst>
-                                          <p:attrName>ppt_x</p:attrName>
-                                        </p:attrNameLst>
-                                      </p:cBhvr>
-                                      <p:tavLst>
-                                        <p:tav tm="0">
-                                          <p:val>
-                                            <p:strVal val="#ppt_x"/>
-                                          </p:val>
-                                        </p:tav>
-                                        <p:tav tm="100000">
-                                          <p:val>
-                                            <p:strVal val="#ppt_x"/>
-                                          </p:val>
-                                        </p:tav>
-                                      </p:tavLst>
-                                    </p:anim>
-                                    <p:anim calcmode="lin" valueType="num">
-                                      <p:cBhvr additive="base">
-                                        <p:cTn id="20" dur="500" fill="hold"/>
-                                        <p:tgtEl>
-                                          <p:spTgt spid="7"/>
-                                        </p:tgtEl>
-                                        <p:attrNameLst>
-                                          <p:attrName>ppt_y</p:attrName>
-                                        </p:attrNameLst>
-                                      </p:cBhvr>
-                                      <p:tavLst>
-                                        <p:tav tm="0">
-                                          <p:val>
-                                            <p:strVal val="1+#ppt_h/2"/>
-                                          </p:val>
-                                        </p:tav>
-                                        <p:tav tm="100000">
-                                          <p:val>
-                                            <p:strVal val="#ppt_y"/>
-                                          </p:val>
-                                        </p:tav>
-                                      </p:tavLst>
-                                    </p:anim>
-                                  </p:childTnLst>
-                                </p:cTn>
-                              </p:par>
-                            </p:childTnLst>
-                          </p:cTn>
-                        </p:par>
-                      </p:childTnLst>
-                    </p:cTn>
-                  </p:par>
-                  <p:par>
-                    <p:cTn id="21" fill="hold">
-                      <p:stCondLst>
-                        <p:cond delay="indefinite"/>
-                      </p:stCondLst>
-                      <p:childTnLst>
-                        <p:par>
-                          <p:cTn id="22" fill="hold">
-                            <p:stCondLst>
-                              <p:cond delay="0"/>
-                            </p:stCondLst>
-                            <p:childTnLst>
-                              <p:par>
-                                <p:cTn id="23" presetID="2" presetClass="entr" presetSubtype="4" fill="hold" grpId="0" nodeType="clickEffect">
-                                  <p:stCondLst>
-                                    <p:cond delay="0"/>
-                                  </p:stCondLst>
-                                  <p:childTnLst>
-                                    <p:set>
-                                      <p:cBhvr>
-                                        <p:cTn id="24" dur="1" fill="hold">
-                                          <p:stCondLst>
-                                            <p:cond delay="0"/>
-                                          </p:stCondLst>
-                                        </p:cTn>
-                                        <p:tgtEl>
-                                          <p:spTgt spid="8"/>
-                                        </p:tgtEl>
-                                        <p:attrNameLst>
-                                          <p:attrName>style.visibility</p:attrName>
-                                        </p:attrNameLst>
-                                      </p:cBhvr>
-                                      <p:to>
-                                        <p:strVal val="visible"/>
-                                      </p:to>
-                                    </p:set>
-                                    <p:anim calcmode="lin" valueType="num">
-                                      <p:cBhvr additive="base">
-                                        <p:cTn id="25" dur="500" fill="hold"/>
-                                        <p:tgtEl>
-                                          <p:spTgt spid="8"/>
-                                        </p:tgtEl>
-                                        <p:attrNameLst>
-                                          <p:attrName>ppt_x</p:attrName>
-                                        </p:attrNameLst>
-                                      </p:cBhvr>
-                                      <p:tavLst>
-                                        <p:tav tm="0">
-                                          <p:val>
-                                            <p:strVal val="#ppt_x"/>
-                                          </p:val>
-                                        </p:tav>
-                                        <p:tav tm="100000">
-                                          <p:val>
-                                            <p:strVal val="#ppt_x"/>
-                                          </p:val>
-                                        </p:tav>
-                                      </p:tavLst>
-                                    </p:anim>
-                                    <p:anim calcmode="lin" valueType="num">
-                                      <p:cBhvr additive="base">
-                                        <p:cTn id="26" dur="500" fill="hold"/>
-                                        <p:tgtEl>
-                                          <p:spTgt spid="8"/>
-                                        </p:tgtEl>
-                                        <p:attrNameLst>
-                                          <p:attrName>ppt_y</p:attrName>
-                                        </p:attrNameLst>
-                                      </p:cBhvr>
-                                      <p:tavLst>
-                                        <p:tav tm="0">
-                                          <p:val>
-                                            <p:strVal val="1+#ppt_h/2"/>
-                                          </p:val>
-                                        </p:tav>
-                                        <p:tav tm="100000">
-                                          <p:val>
-                                            <p:strVal val="#ppt_y"/>
-                                          </p:val>
-                                        </p:tav>
-                                      </p:tavLst>
-                                    </p:anim>
-                                  </p:childTnLst>
-                                </p:cTn>
-                              </p:par>
-                            </p:childTnLst>
-                          </p:cTn>
-                        </p:par>
-                      </p:childTnLst>
-                    </p:cTn>
-                  </p:par>
-                  <p:par>
-                    <p:cTn id="27" fill="hold">
-                      <p:stCondLst>
-                        <p:cond delay="indefinite"/>
-                      </p:stCondLst>
-                      <p:childTnLst>
-                        <p:par>
-                          <p:cTn id="28" fill="hold">
-                            <p:stCondLst>
-                              <p:cond delay="0"/>
-                            </p:stCondLst>
-                            <p:childTnLst>
-                              <p:par>
-                                <p:cTn id="29" presetID="2" presetClass="entr" presetSubtype="4" fill="hold" grpId="0" nodeType="clickEffect">
-                                  <p:stCondLst>
-                                    <p:cond delay="0"/>
-                                  </p:stCondLst>
-                                  <p:childTnLst>
-                                    <p:set>
-                                      <p:cBhvr>
-                                        <p:cTn id="30" dur="1" fill="hold">
-                                          <p:stCondLst>
-                                            <p:cond delay="0"/>
-                                          </p:stCondLst>
-                                        </p:cTn>
-                                        <p:tgtEl>
-                                          <p:spTgt spid="9"/>
-                                        </p:tgtEl>
-                                        <p:attrNameLst>
-                                          <p:attrName>style.visibility</p:attrName>
-                                        </p:attrNameLst>
-                                      </p:cBhvr>
-                                      <p:to>
-                                        <p:strVal val="visible"/>
-                                      </p:to>
-                                    </p:set>
-                                    <p:anim calcmode="lin" valueType="num">
-                                      <p:cBhvr additive="base">
-                                        <p:cTn id="31" dur="500" fill="hold"/>
-                                        <p:tgtEl>
-                                          <p:spTgt spid="9"/>
-                                        </p:tgtEl>
-                                        <p:attrNameLst>
-                                          <p:attrName>ppt_x</p:attrName>
-                                        </p:attrNameLst>
-                                      </p:cBhvr>
-                                      <p:tavLst>
-                                        <p:tav tm="0">
-                                          <p:val>
-                                            <p:strVal val="#ppt_x"/>
-                                          </p:val>
-                                        </p:tav>
-                                        <p:tav tm="100000">
-                                          <p:val>
-                                            <p:strVal val="#ppt_x"/>
-                                          </p:val>
-                                        </p:tav>
-                                      </p:tavLst>
-                                    </p:anim>
-                                    <p:anim calcmode="lin" valueType="num">
-                                      <p:cBhvr additive="base">
-                                        <p:cTn id="32" dur="500" fill="hold"/>
-                                        <p:tgtEl>
-                                          <p:spTgt spid="9"/>
-                                        </p:tgtEl>
-                                        <p:attrNameLst>
-                                          <p:attrName>ppt_y</p:attrName>
-                                        </p:attrNameLst>
-                                      </p:cBhvr>
-                                      <p:tavLst>
-                                        <p:tav tm="0">
-                                          <p:val>
-                                            <p:strVal val="1+#ppt_h/2"/>
-                                          </p:val>
-                                        </p:tav>
-                                        <p:tav tm="100000">
-                                          <p:val>
-                                            <p:strVal val="#ppt_y"/>
-                                          </p:val>
-                                        </p:tav>
-                                      </p:tavLst>
-                                    </p:anim>
-                                  </p:childTnLst>
-                                </p:cTn>
-                              </p:par>
-                            </p:childTnLst>
-                          </p:cTn>
-                        </p:par>
-                      </p:childTnLst>
-                    </p:cTn>
-                  </p:par>
-                  <p:par>
-                    <p:cTn id="33" fill="hold">
-                      <p:stCondLst>
-                        <p:cond delay="indefinite"/>
-                      </p:stCondLst>
-                      <p:childTnLst>
-                        <p:par>
-                          <p:cTn id="34" fill="hold">
-                            <p:stCondLst>
-                              <p:cond delay="0"/>
-                            </p:stCondLst>
-                            <p:childTnLst>
-                              <p:par>
-                                <p:cTn id="35" presetID="2" presetClass="entr" presetSubtype="4" fill="hold" grpId="0" nodeType="clickEffect">
-                                  <p:stCondLst>
-                                    <p:cond delay="0"/>
-                                  </p:stCondLst>
-                                  <p:childTnLst>
-                                    <p:set>
-                                      <p:cBhvr>
-                                        <p:cTn id="36" dur="1" fill="hold">
-                                          <p:stCondLst>
-                                            <p:cond delay="0"/>
-                                          </p:stCondLst>
-                                        </p:cTn>
-                                        <p:tgtEl>
-                                          <p:spTgt spid="10"/>
-                                        </p:tgtEl>
-                                        <p:attrNameLst>
-                                          <p:attrName>style.visibility</p:attrName>
-                                        </p:attrNameLst>
-                                      </p:cBhvr>
-                                      <p:to>
-                                        <p:strVal val="visible"/>
-                                      </p:to>
-                                    </p:set>
-                                    <p:anim calcmode="lin" valueType="num">
-                                      <p:cBhvr additive="base">
-                                        <p:cTn id="37" dur="500" fill="hold"/>
-                                        <p:tgtEl>
-                                          <p:spTgt spid="10"/>
-                                        </p:tgtEl>
-                                        <p:attrNameLst>
-                                          <p:attrName>ppt_x</p:attrName>
-                                        </p:attrNameLst>
-                                      </p:cBhvr>
-                                      <p:tavLst>
-                                        <p:tav tm="0">
-                                          <p:val>
-                                            <p:strVal val="#ppt_x"/>
-                                          </p:val>
-                                        </p:tav>
-                                        <p:tav tm="100000">
-                                          <p:val>
-                                            <p:strVal val="#ppt_x"/>
-                                          </p:val>
-                                        </p:tav>
-                                      </p:tavLst>
-                                    </p:anim>
-                                    <p:anim calcmode="lin" valueType="num">
-                                      <p:cBhvr additive="base">
-                                        <p:cTn id="38" dur="500" fill="hold"/>
-                                        <p:tgtEl>
-                                          <p:spTgt spid="10"/>
-                                        </p:tgtEl>
-                                        <p:attrNameLst>
-                                          <p:attrName>ppt_y</p:attrName>
-                                        </p:attrNameLst>
-                                      </p:cBhvr>
-                                      <p:tavLst>
-                                        <p:tav tm="0">
-                                          <p:val>
-                                            <p:strVal val="1+#ppt_h/2"/>
-                                          </p:val>
-                                        </p:tav>
-                                        <p:tav tm="100000">
-                                          <p:val>
-                                            <p:strVal val="#ppt_y"/>
-                                          </p:val>
-                                        </p:tav>
-                                      </p:tavLst>
-                                    </p:anim>
-                                  </p:childTnLst>
-                                </p:cTn>
-                              </p:par>
-                            </p:childTnLst>
-                          </p:cTn>
-                        </p:par>
-                      </p:childTnLst>
-                    </p:cTn>
-                  </p:par>
-                  <p:par>
-                    <p:cTn id="39" fill="hold">
-                      <p:stCondLst>
-                        <p:cond delay="indefinite"/>
-                      </p:stCondLst>
-                      <p:childTnLst>
-                        <p:par>
-                          <p:cTn id="40" fill="hold">
-                            <p:stCondLst>
-                              <p:cond delay="0"/>
-                            </p:stCondLst>
-                            <p:childTnLst>
-                              <p:par>
-                                <p:cTn id="41" presetID="2" presetClass="entr" presetSubtype="4" fill="hold" grpId="0" nodeType="clickEffect">
-                                  <p:stCondLst>
-                                    <p:cond delay="0"/>
-                                  </p:stCondLst>
-                                  <p:childTnLst>
-                                    <p:set>
-                                      <p:cBhvr>
-                                        <p:cTn id="42" dur="1" fill="hold">
-                                          <p:stCondLst>
-                                            <p:cond delay="0"/>
-                                          </p:stCondLst>
-                                        </p:cTn>
-                                        <p:tgtEl>
-                                          <p:spTgt spid="11"/>
-                                        </p:tgtEl>
-                                        <p:attrNameLst>
-                                          <p:attrName>style.visibility</p:attrName>
-                                        </p:attrNameLst>
-                                      </p:cBhvr>
-                                      <p:to>
-                                        <p:strVal val="visible"/>
-                                      </p:to>
-                                    </p:set>
-                                    <p:anim calcmode="lin" valueType="num">
-                                      <p:cBhvr additive="base">
-                                        <p:cTn id="43" dur="500" fill="hold"/>
-                                        <p:tgtEl>
-                                          <p:spTgt spid="11"/>
-                                        </p:tgtEl>
-                                        <p:attrNameLst>
-                                          <p:attrName>ppt_x</p:attrName>
-                                        </p:attrNameLst>
-                                      </p:cBhvr>
-                                      <p:tavLst>
-                                        <p:tav tm="0">
-                                          <p:val>
-                                            <p:strVal val="#ppt_x"/>
-                                          </p:val>
-                                        </p:tav>
-                                        <p:tav tm="100000">
-                                          <p:val>
-                                            <p:strVal val="#ppt_x"/>
-                                          </p:val>
-                                        </p:tav>
-                                      </p:tavLst>
-                                    </p:anim>
-                                    <p:anim calcmode="lin" valueType="num">
-                                      <p:cBhvr additive="base">
-                                        <p:cTn id="44" dur="500" fill="hold"/>
-                                        <p:tgtEl>
-                                          <p:spTgt spid="11"/>
-                                        </p:tgtEl>
-                                        <p:attrNameLst>
-                                          <p:attrName>ppt_y</p:attrName>
-                                        </p:attrNameLst>
-                                      </p:cBhvr>
-                                      <p:tavLst>
-                                        <p:tav tm="0">
-                                          <p:val>
-                                            <p:strVal val="1+#ppt_h/2"/>
-                                          </p:val>
-                                        </p:tav>
-                                        <p:tav tm="100000">
-                                          <p:val>
-                                            <p:strVal val="#ppt_y"/>
-                                          </p:val>
-                                        </p:tav>
-                                      </p:tavLst>
-                                    </p:anim>
-                                  </p:childTnLst>
-                                </p:cTn>
-                              </p:par>
-                            </p:childTnLst>
-                          </p:cTn>
-                        </p:par>
-                      </p:childTnLst>
-                    </p:cTn>
-                  </p:par>
-                  <p:par>
-                    <p:cTn id="45" fill="hold">
-                      <p:stCondLst>
-                        <p:cond delay="indefinite"/>
-                      </p:stCondLst>
-                      <p:childTnLst>
-                        <p:par>
-                          <p:cTn id="46" fill="hold">
-                            <p:stCondLst>
-                              <p:cond delay="0"/>
-                            </p:stCondLst>
-                            <p:childTnLst>
-                              <p:par>
-                                <p:cTn id="47" presetID="2" presetClass="entr" presetSubtype="4" fill="hold" grpId="0" nodeType="clickEffect">
-                                  <p:stCondLst>
-                                    <p:cond delay="0"/>
-                                  </p:stCondLst>
-                                  <p:childTnLst>
-                                    <p:set>
-                                      <p:cBhvr>
-                                        <p:cTn id="48" dur="1" fill="hold">
-                                          <p:stCondLst>
-                                            <p:cond delay="0"/>
-                                          </p:stCondLst>
-                                        </p:cTn>
-                                        <p:tgtEl>
-                                          <p:spTgt spid="12"/>
-                                        </p:tgtEl>
-                                        <p:attrNameLst>
-                                          <p:attrName>style.visibility</p:attrName>
-                                        </p:attrNameLst>
-                                      </p:cBhvr>
-                                      <p:to>
-                                        <p:strVal val="visible"/>
-                                      </p:to>
-                                    </p:set>
-                                    <p:anim calcmode="lin" valueType="num">
-                                      <p:cBhvr additive="base">
-                                        <p:cTn id="49" dur="500" fill="hold"/>
-                                        <p:tgtEl>
-                                          <p:spTgt spid="12"/>
-                                        </p:tgtEl>
-                                        <p:attrNameLst>
-                                          <p:attrName>ppt_x</p:attrName>
-                                        </p:attrNameLst>
-                                      </p:cBhvr>
-                                      <p:tavLst>
-                                        <p:tav tm="0">
-                                          <p:val>
-                                            <p:strVal val="#ppt_x"/>
-                                          </p:val>
-                                        </p:tav>
-                                        <p:tav tm="100000">
-                                          <p:val>
-                                            <p:strVal val="#ppt_x"/>
-                                          </p:val>
-                                        </p:tav>
-                                      </p:tavLst>
-                                    </p:anim>
-                                    <p:anim calcmode="lin" valueType="num">
-                                      <p:cBhvr additive="base">
-                                        <p:cTn id="50" dur="500" fill="hold"/>
-                                        <p:tgtEl>
-                                          <p:spTgt spid="12"/>
-                                        </p:tgtEl>
-                                        <p:attrNameLst>
-                                          <p:attrName>ppt_y</p:attrName>
-                                        </p:attrNameLst>
-                                      </p:cBhvr>
-                                      <p:tavLst>
-                                        <p:tav tm="0">
-                                          <p:val>
-                                            <p:strVal val="1+#ppt_h/2"/>
-                                          </p:val>
-                                        </p:tav>
-                                        <p:tav tm="100000">
-                                          <p:val>
-                                            <p:strVal val="#ppt_y"/>
-                                          </p:val>
-                                        </p:tav>
-                                      </p:tavLst>
-                                    </p:anim>
-                                  </p:childTnLst>
-                                </p:cTn>
-                              </p:par>
-                            </p:childTnLst>
-                          </p:cTn>
-                        </p:par>
-                      </p:childTnLst>
-                    </p:cTn>
-                  </p:par>
-                </p:childTnLst>
-              </p:cTn>
-              <p:prevCondLst>
-                <p:cond evt="onPrev" delay="0">
-                  <p:tgtEl>
-                    <p:sldTgt/>
-                  </p:tgtEl>
-                </p:cond>
-              </p:prevCondLst>
-              <p:nextCondLst>
-                <p:cond evt="onNext" delay="0">
-                  <p:tgtEl>
-                    <p:sldTgt/>
-                  </p:tgtEl>
-                </p:cond>
-              </p:nextCondLst>
-            </p:seq>
-          </p:childTnLst>
-        </p:cTn>
-      </p:par>
-    </p:tnLst>
-    <p:bldLst>
-      <p:bldP spid="5" grpId="0" animBg="1"/>
-      <p:bldP spid="6" grpId="0" animBg="1"/>
-      <p:bldP spid="7" grpId="0" animBg="1"/>
-      <p:bldP spid="8" grpId="0" animBg="1"/>
-      <p:bldP spid="9" grpId="0" animBg="1"/>
-      <p:bldP spid="10" grpId="0" animBg="1"/>
-      <p:bldP spid="11" grpId="0" animBg="1"/>
-      <p:bldP spid="12" grpId="0" animBg="1"/>
-    </p:bldLst>
-  </p:timing>
 </p:sld>
 </file>
 
@@ -8824,7 +6135,7 @@
       </p:grpSpPr>
       <p:pic>
         <p:nvPicPr>
-          <p:cNvPr id="2050" name="Picture 2"/>
+          <p:cNvPr id="1026" name="Picture 2"/>
           <p:cNvPicPr>
             <a:picLocks noChangeAspect="1" noChangeArrowheads="1"/>
           </p:cNvPicPr>
@@ -8839,7 +6150,7 @@
         </p:blipFill>
         <p:spPr bwMode="auto">
           <a:xfrm>
-            <a:off x="914400" y="1412776"/>
+            <a:off x="913718" y="1417269"/>
             <a:ext cx="6366510" cy="5093208"/>
           </a:xfrm>
           <a:prstGeom prst="rect">
@@ -8857,7 +6168,7 @@
       </p:pic>
       <p:sp>
         <p:nvSpPr>
-          <p:cNvPr id="10" name="Rounded Rectangular Callout 9"/>
+          <p:cNvPr id="5" name="Rounded Rectangular Callout 4"/>
           <p:cNvSpPr/>
           <p:nvPr/>
         </p:nvSpPr>
@@ -8874,7 +6185,7 @@
             </a:avLst>
           </a:prstGeom>
           <a:solidFill>
-            <a:schemeClr val="accent1"/>
+            <a:srgbClr val="15965A"/>
           </a:solidFill>
           <a:ln>
             <a:noFill/>
@@ -8912,7 +6223,7 @@
       </p:sp>
       <p:sp>
         <p:nvSpPr>
-          <p:cNvPr id="11" name="Rounded Rectangular Callout 10"/>
+          <p:cNvPr id="6" name="Rounded Rectangular Callout 5"/>
           <p:cNvSpPr/>
           <p:nvPr/>
         </p:nvSpPr>
@@ -8929,7 +6240,7 @@
             </a:avLst>
           </a:prstGeom>
           <a:solidFill>
-            <a:schemeClr val="accent1"/>
+            <a:srgbClr val="15965A"/>
           </a:solidFill>
           <a:ln>
             <a:noFill/>
@@ -8967,7 +6278,7 @@
       </p:sp>
       <p:sp>
         <p:nvSpPr>
-          <p:cNvPr id="12" name="Rounded Rectangular Callout 11"/>
+          <p:cNvPr id="7" name="Rounded Rectangular Callout 6"/>
           <p:cNvSpPr/>
           <p:nvPr/>
         </p:nvSpPr>
@@ -8984,7 +6295,7 @@
             </a:avLst>
           </a:prstGeom>
           <a:solidFill>
-            <a:schemeClr val="accent1"/>
+            <a:srgbClr val="15965A"/>
           </a:solidFill>
           <a:ln>
             <a:noFill/>
@@ -9022,7 +6333,7 @@
       </p:sp>
       <p:sp>
         <p:nvSpPr>
-          <p:cNvPr id="13" name="Rounded Rectangular Callout 12"/>
+          <p:cNvPr id="8" name="Rounded Rectangular Callout 7"/>
           <p:cNvSpPr/>
           <p:nvPr/>
         </p:nvSpPr>
@@ -9039,7 +6350,7 @@
             </a:avLst>
           </a:prstGeom>
           <a:solidFill>
-            <a:schemeClr val="accent1"/>
+            <a:srgbClr val="15965A"/>
           </a:solidFill>
           <a:ln>
             <a:noFill/>
@@ -9071,6 +6382,116 @@
                 </a:solidFill>
               </a:rPr>
               <a:t>Cycle</a:t>
+            </a:r>
+          </a:p>
+        </p:txBody>
+      </p:sp>
+      <p:sp>
+        <p:nvSpPr>
+          <p:cNvPr id="9" name="Rounded Rectangular Callout 8"/>
+          <p:cNvSpPr/>
+          <p:nvPr/>
+        </p:nvSpPr>
+        <p:spPr>
+          <a:xfrm>
+            <a:off x="163279" y="1970113"/>
+            <a:ext cx="1534510" cy="616128"/>
+          </a:xfrm>
+          <a:prstGeom prst="wedgeRoundRectCallout">
+            <a:avLst>
+              <a:gd name="adj1" fmla="val 34848"/>
+              <a:gd name="adj2" fmla="val 91081"/>
+              <a:gd name="adj3" fmla="val 16667"/>
+            </a:avLst>
+          </a:prstGeom>
+          <a:solidFill>
+            <a:srgbClr val="15965A"/>
+          </a:solidFill>
+          <a:ln>
+            <a:noFill/>
+          </a:ln>
+        </p:spPr>
+        <p:style>
+          <a:lnRef idx="1">
+            <a:schemeClr val="accent1"/>
+          </a:lnRef>
+          <a:fillRef idx="3">
+            <a:schemeClr val="accent1"/>
+          </a:fillRef>
+          <a:effectRef idx="2">
+            <a:schemeClr val="accent1"/>
+          </a:effectRef>
+          <a:fontRef idx="minor">
+            <a:schemeClr val="lt1"/>
+          </a:fontRef>
+        </p:style>
+        <p:txBody>
+          <a:bodyPr rtlCol="0" anchor="ctr"/>
+          <a:lstStyle/>
+          <a:p>
+            <a:pPr algn="ctr"/>
+            <a:r>
+              <a:rPr lang="en-US" sz="1400" dirty="0">
+                <a:solidFill>
+                  <a:schemeClr val="bg1"/>
+                </a:solidFill>
+              </a:rPr>
+              <a:t>Many ingoing dependencies</a:t>
+            </a:r>
+          </a:p>
+        </p:txBody>
+      </p:sp>
+      <p:sp>
+        <p:nvSpPr>
+          <p:cNvPr id="12" name="Rounded Rectangular Callout 11"/>
+          <p:cNvSpPr/>
+          <p:nvPr/>
+        </p:nvSpPr>
+        <p:spPr>
+          <a:xfrm>
+            <a:off x="179045" y="3184058"/>
+            <a:ext cx="1571296" cy="616128"/>
+          </a:xfrm>
+          <a:prstGeom prst="wedgeRoundRectCallout">
+            <a:avLst>
+              <a:gd name="adj1" fmla="val 33836"/>
+              <a:gd name="adj2" fmla="val 79141"/>
+              <a:gd name="adj3" fmla="val 16667"/>
+            </a:avLst>
+          </a:prstGeom>
+          <a:solidFill>
+            <a:srgbClr val="15965A"/>
+          </a:solidFill>
+          <a:ln>
+            <a:noFill/>
+          </a:ln>
+        </p:spPr>
+        <p:style>
+          <a:lnRef idx="1">
+            <a:schemeClr val="accent1"/>
+          </a:lnRef>
+          <a:fillRef idx="3">
+            <a:schemeClr val="accent1"/>
+          </a:fillRef>
+          <a:effectRef idx="2">
+            <a:schemeClr val="accent1"/>
+          </a:effectRef>
+          <a:fontRef idx="minor">
+            <a:schemeClr val="lt1"/>
+          </a:fontRef>
+        </p:style>
+        <p:txBody>
+          <a:bodyPr rtlCol="0" anchor="ctr"/>
+          <a:lstStyle/>
+          <a:p>
+            <a:pPr algn="ctr"/>
+            <a:r>
+              <a:rPr lang="en-US" sz="1400" dirty="0">
+                <a:solidFill>
+                  <a:schemeClr val="bg1"/>
+                </a:solidFill>
+              </a:rPr>
+              <a:t>Many outgoing dependencies</a:t>
             </a:r>
           </a:p>
         </p:txBody>
@@ -9084,610 +6505,6 @@
 </file>
 
 <file path=ppt/slides/slide3.xml><?xml version="1.0" encoding="utf-8"?>
-<p:sld xmlns:a="http://schemas.openxmlformats.org/drawingml/2006/main" xmlns:r="http://schemas.openxmlformats.org/officeDocument/2006/relationships" xmlns:p="http://schemas.openxmlformats.org/presentationml/2006/main">
-  <p:cSld>
-    <p:spTree>
-      <p:nvGrpSpPr>
-        <p:cNvPr id="1" name=""/>
-        <p:cNvGrpSpPr/>
-        <p:nvPr/>
-      </p:nvGrpSpPr>
-      <p:grpSpPr>
-        <a:xfrm>
-          <a:off x="0" y="0"/>
-          <a:ext cx="0" cy="0"/>
-          <a:chOff x="0" y="0"/>
-          <a:chExt cx="0" cy="0"/>
-        </a:xfrm>
-      </p:grpSpPr>
-      <p:pic>
-        <p:nvPicPr>
-          <p:cNvPr id="1026" name="Picture 2"/>
-          <p:cNvPicPr>
-            <a:picLocks noChangeAspect="1" noChangeArrowheads="1"/>
-          </p:cNvPicPr>
-          <p:nvPr/>
-        </p:nvPicPr>
-        <p:blipFill>
-          <a:blip r:embed="rId2" cstate="print"/>
-          <a:srcRect/>
-          <a:stretch>
-            <a:fillRect/>
-          </a:stretch>
-        </p:blipFill>
-        <p:spPr bwMode="auto">
-          <a:xfrm>
-            <a:off x="913718" y="1417269"/>
-            <a:ext cx="6366510" cy="5093208"/>
-          </a:xfrm>
-          <a:prstGeom prst="rect">
-            <a:avLst/>
-          </a:prstGeom>
-          <a:noFill/>
-          <a:ln w="9525">
-            <a:noFill/>
-            <a:miter lim="800000"/>
-            <a:headEnd/>
-            <a:tailEnd/>
-          </a:ln>
-          <a:effectLst/>
-        </p:spPr>
-      </p:pic>
-      <p:sp>
-        <p:nvSpPr>
-          <p:cNvPr id="5" name="Rounded Rectangular Callout 4"/>
-          <p:cNvSpPr/>
-          <p:nvPr/>
-        </p:nvSpPr>
-        <p:spPr>
-          <a:xfrm>
-            <a:off x="7360116" y="4954352"/>
-            <a:ext cx="1266669" cy="612648"/>
-          </a:xfrm>
-          <a:prstGeom prst="wedgeRoundRectCallout">
-            <a:avLst>
-              <a:gd name="adj1" fmla="val -160859"/>
-              <a:gd name="adj2" fmla="val -158182"/>
-              <a:gd name="adj3" fmla="val 16667"/>
-            </a:avLst>
-          </a:prstGeom>
-          <a:solidFill>
-            <a:schemeClr val="accent1"/>
-          </a:solidFill>
-          <a:ln>
-            <a:noFill/>
-          </a:ln>
-        </p:spPr>
-        <p:style>
-          <a:lnRef idx="1">
-            <a:schemeClr val="accent1"/>
-          </a:lnRef>
-          <a:fillRef idx="3">
-            <a:schemeClr val="accent1"/>
-          </a:fillRef>
-          <a:effectRef idx="2">
-            <a:schemeClr val="accent1"/>
-          </a:effectRef>
-          <a:fontRef idx="minor">
-            <a:schemeClr val="lt1"/>
-          </a:fontRef>
-        </p:style>
-        <p:txBody>
-          <a:bodyPr rtlCol="0" anchor="ctr"/>
-          <a:lstStyle/>
-          <a:p>
-            <a:pPr algn="ctr"/>
-            <a:r>
-              <a:rPr lang="en-US" sz="1400">
-                <a:solidFill>
-                  <a:schemeClr val="bg1"/>
-                </a:solidFill>
-              </a:rPr>
-              <a:t>Not used</a:t>
-            </a:r>
-          </a:p>
-        </p:txBody>
-      </p:sp>
-      <p:sp>
-        <p:nvSpPr>
-          <p:cNvPr id="6" name="Rounded Rectangular Callout 5"/>
-          <p:cNvSpPr/>
-          <p:nvPr/>
-        </p:nvSpPr>
-        <p:spPr>
-          <a:xfrm>
-            <a:off x="7380314" y="4005064"/>
-            <a:ext cx="1266669" cy="612648"/>
-          </a:xfrm>
-          <a:prstGeom prst="wedgeRoundRectCallout">
-            <a:avLst>
-              <a:gd name="adj1" fmla="val -113893"/>
-              <a:gd name="adj2" fmla="val -7130"/>
-              <a:gd name="adj3" fmla="val 16667"/>
-            </a:avLst>
-          </a:prstGeom>
-          <a:solidFill>
-            <a:schemeClr val="accent1"/>
-          </a:solidFill>
-          <a:ln>
-            <a:noFill/>
-          </a:ln>
-        </p:spPr>
-        <p:style>
-          <a:lnRef idx="1">
-            <a:schemeClr val="accent1"/>
-          </a:lnRef>
-          <a:fillRef idx="3">
-            <a:schemeClr val="accent1"/>
-          </a:fillRef>
-          <a:effectRef idx="2">
-            <a:schemeClr val="accent1"/>
-          </a:effectRef>
-          <a:fontRef idx="minor">
-            <a:schemeClr val="lt1"/>
-          </a:fontRef>
-        </p:style>
-        <p:txBody>
-          <a:bodyPr rtlCol="0" anchor="ctr"/>
-          <a:lstStyle/>
-          <a:p>
-            <a:pPr algn="ctr"/>
-            <a:r>
-              <a:rPr lang="en-US" sz="1400">
-                <a:solidFill>
-                  <a:schemeClr val="bg1"/>
-                </a:solidFill>
-              </a:rPr>
-              <a:t>Skip layer</a:t>
-            </a:r>
-          </a:p>
-        </p:txBody>
-      </p:sp>
-      <p:sp>
-        <p:nvSpPr>
-          <p:cNvPr id="7" name="Rounded Rectangular Callout 6"/>
-          <p:cNvSpPr/>
-          <p:nvPr/>
-        </p:nvSpPr>
-        <p:spPr>
-          <a:xfrm>
-            <a:off x="7378476" y="2934593"/>
-            <a:ext cx="1266669" cy="612648"/>
-          </a:xfrm>
-          <a:prstGeom prst="wedgeRoundRectCallout">
-            <a:avLst>
-              <a:gd name="adj1" fmla="val -172166"/>
-              <a:gd name="adj2" fmla="val -73666"/>
-              <a:gd name="adj3" fmla="val 16667"/>
-            </a:avLst>
-          </a:prstGeom>
-          <a:solidFill>
-            <a:schemeClr val="accent1"/>
-          </a:solidFill>
-          <a:ln>
-            <a:noFill/>
-          </a:ln>
-        </p:spPr>
-        <p:style>
-          <a:lnRef idx="1">
-            <a:schemeClr val="accent1"/>
-          </a:lnRef>
-          <a:fillRef idx="3">
-            <a:schemeClr val="accent1"/>
-          </a:fillRef>
-          <a:effectRef idx="2">
-            <a:schemeClr val="accent1"/>
-          </a:effectRef>
-          <a:fontRef idx="minor">
-            <a:schemeClr val="lt1"/>
-          </a:fontRef>
-        </p:style>
-        <p:txBody>
-          <a:bodyPr rtlCol="0" anchor="ctr"/>
-          <a:lstStyle/>
-          <a:p>
-            <a:pPr algn="ctr"/>
-            <a:r>
-              <a:rPr lang="en-US" sz="1400">
-                <a:solidFill>
-                  <a:schemeClr val="bg1"/>
-                </a:solidFill>
-              </a:rPr>
-              <a:t>Wrong direction</a:t>
-            </a:r>
-          </a:p>
-        </p:txBody>
-      </p:sp>
-      <p:sp>
-        <p:nvSpPr>
-          <p:cNvPr id="8" name="Rounded Rectangular Callout 7"/>
-          <p:cNvSpPr/>
-          <p:nvPr/>
-        </p:nvSpPr>
-        <p:spPr>
-          <a:xfrm>
-            <a:off x="5221007" y="4787263"/>
-            <a:ext cx="1266669" cy="612648"/>
-          </a:xfrm>
-          <a:prstGeom prst="wedgeRoundRectCallout">
-            <a:avLst>
-              <a:gd name="adj1" fmla="val -73015"/>
-              <a:gd name="adj2" fmla="val -104235"/>
-              <a:gd name="adj3" fmla="val 16667"/>
-            </a:avLst>
-          </a:prstGeom>
-          <a:solidFill>
-            <a:schemeClr val="accent1"/>
-          </a:solidFill>
-          <a:ln>
-            <a:noFill/>
-          </a:ln>
-        </p:spPr>
-        <p:style>
-          <a:lnRef idx="1">
-            <a:schemeClr val="accent1"/>
-          </a:lnRef>
-          <a:fillRef idx="3">
-            <a:schemeClr val="accent1"/>
-          </a:fillRef>
-          <a:effectRef idx="2">
-            <a:schemeClr val="accent1"/>
-          </a:effectRef>
-          <a:fontRef idx="minor">
-            <a:schemeClr val="lt1"/>
-          </a:fontRef>
-        </p:style>
-        <p:txBody>
-          <a:bodyPr rtlCol="0" anchor="ctr"/>
-          <a:lstStyle/>
-          <a:p>
-            <a:pPr algn="ctr"/>
-            <a:r>
-              <a:rPr lang="en-US" sz="1400">
-                <a:solidFill>
-                  <a:schemeClr val="bg1"/>
-                </a:solidFill>
-              </a:rPr>
-              <a:t>Cycle</a:t>
-            </a:r>
-          </a:p>
-        </p:txBody>
-      </p:sp>
-      <p:sp>
-        <p:nvSpPr>
-          <p:cNvPr id="9" name="Rounded Rectangular Callout 8"/>
-          <p:cNvSpPr/>
-          <p:nvPr/>
-        </p:nvSpPr>
-        <p:spPr>
-          <a:xfrm>
-            <a:off x="163279" y="1970113"/>
-            <a:ext cx="1534510" cy="616128"/>
-          </a:xfrm>
-          <a:prstGeom prst="wedgeRoundRectCallout">
-            <a:avLst>
-              <a:gd name="adj1" fmla="val 34848"/>
-              <a:gd name="adj2" fmla="val 91081"/>
-              <a:gd name="adj3" fmla="val 16667"/>
-            </a:avLst>
-          </a:prstGeom>
-          <a:solidFill>
-            <a:schemeClr val="accent1"/>
-          </a:solidFill>
-          <a:ln>
-            <a:noFill/>
-          </a:ln>
-        </p:spPr>
-        <p:style>
-          <a:lnRef idx="1">
-            <a:schemeClr val="accent1"/>
-          </a:lnRef>
-          <a:fillRef idx="3">
-            <a:schemeClr val="accent1"/>
-          </a:fillRef>
-          <a:effectRef idx="2">
-            <a:schemeClr val="accent1"/>
-          </a:effectRef>
-          <a:fontRef idx="minor">
-            <a:schemeClr val="lt1"/>
-          </a:fontRef>
-        </p:style>
-        <p:txBody>
-          <a:bodyPr rtlCol="0" anchor="ctr"/>
-          <a:lstStyle/>
-          <a:p>
-            <a:pPr algn="ctr"/>
-            <a:r>
-              <a:rPr lang="en-US" sz="1400" dirty="0">
-                <a:solidFill>
-                  <a:schemeClr val="bg1"/>
-                </a:solidFill>
-              </a:rPr>
-              <a:t>Many ingoing dependencies</a:t>
-            </a:r>
-          </a:p>
-        </p:txBody>
-      </p:sp>
-      <p:sp>
-        <p:nvSpPr>
-          <p:cNvPr id="12" name="Rounded Rectangular Callout 11"/>
-          <p:cNvSpPr/>
-          <p:nvPr/>
-        </p:nvSpPr>
-        <p:spPr>
-          <a:xfrm>
-            <a:off x="179045" y="3184058"/>
-            <a:ext cx="1571296" cy="616128"/>
-          </a:xfrm>
-          <a:prstGeom prst="wedgeRoundRectCallout">
-            <a:avLst>
-              <a:gd name="adj1" fmla="val 33836"/>
-              <a:gd name="adj2" fmla="val 79141"/>
-              <a:gd name="adj3" fmla="val 16667"/>
-            </a:avLst>
-          </a:prstGeom>
-          <a:solidFill>
-            <a:schemeClr val="accent1"/>
-          </a:solidFill>
-          <a:ln>
-            <a:noFill/>
-          </a:ln>
-        </p:spPr>
-        <p:style>
-          <a:lnRef idx="1">
-            <a:schemeClr val="accent1"/>
-          </a:lnRef>
-          <a:fillRef idx="3">
-            <a:schemeClr val="accent1"/>
-          </a:fillRef>
-          <a:effectRef idx="2">
-            <a:schemeClr val="accent1"/>
-          </a:effectRef>
-          <a:fontRef idx="minor">
-            <a:schemeClr val="lt1"/>
-          </a:fontRef>
-        </p:style>
-        <p:txBody>
-          <a:bodyPr rtlCol="0" anchor="ctr"/>
-          <a:lstStyle/>
-          <a:p>
-            <a:pPr algn="ctr"/>
-            <a:r>
-              <a:rPr lang="en-US" sz="1400" dirty="0">
-                <a:solidFill>
-                  <a:schemeClr val="bg1"/>
-                </a:solidFill>
-              </a:rPr>
-              <a:t>Many outgoing dependencies</a:t>
-            </a:r>
-          </a:p>
-        </p:txBody>
-      </p:sp>
-    </p:spTree>
-  </p:cSld>
-  <p:clrMapOvr>
-    <a:masterClrMapping/>
-  </p:clrMapOvr>
-  <p:timing>
-    <p:tnLst>
-      <p:par>
-        <p:cTn id="1" dur="indefinite" restart="never" nodeType="tmRoot">
-          <p:childTnLst>
-            <p:seq concurrent="1" nextAc="seek">
-              <p:cTn id="2" dur="indefinite" nodeType="mainSeq">
-                <p:childTnLst>
-                  <p:par>
-                    <p:cTn id="3" fill="hold">
-                      <p:stCondLst>
-                        <p:cond delay="indefinite"/>
-                      </p:stCondLst>
-                      <p:childTnLst>
-                        <p:par>
-                          <p:cTn id="4" fill="hold">
-                            <p:stCondLst>
-                              <p:cond delay="0"/>
-                            </p:stCondLst>
-                            <p:childTnLst>
-                              <p:par>
-                                <p:cTn id="5" presetID="2" presetClass="entr" presetSubtype="4" fill="hold" grpId="0" nodeType="clickEffect">
-                                  <p:stCondLst>
-                                    <p:cond delay="0"/>
-                                  </p:stCondLst>
-                                  <p:childTnLst>
-                                    <p:set>
-                                      <p:cBhvr>
-                                        <p:cTn id="6" dur="1" fill="hold">
-                                          <p:stCondLst>
-                                            <p:cond delay="0"/>
-                                          </p:stCondLst>
-                                        </p:cTn>
-                                        <p:tgtEl>
-                                          <p:spTgt spid="9"/>
-                                        </p:tgtEl>
-                                        <p:attrNameLst>
-                                          <p:attrName>style.visibility</p:attrName>
-                                        </p:attrNameLst>
-                                      </p:cBhvr>
-                                      <p:to>
-                                        <p:strVal val="visible"/>
-                                      </p:to>
-                                    </p:set>
-                                    <p:anim calcmode="lin" valueType="num">
-                                      <p:cBhvr additive="base">
-                                        <p:cTn id="7" dur="500" fill="hold"/>
-                                        <p:tgtEl>
-                                          <p:spTgt spid="9"/>
-                                        </p:tgtEl>
-                                        <p:attrNameLst>
-                                          <p:attrName>ppt_x</p:attrName>
-                                        </p:attrNameLst>
-                                      </p:cBhvr>
-                                      <p:tavLst>
-                                        <p:tav tm="0">
-                                          <p:val>
-                                            <p:strVal val="#ppt_x"/>
-                                          </p:val>
-                                        </p:tav>
-                                        <p:tav tm="100000">
-                                          <p:val>
-                                            <p:strVal val="#ppt_x"/>
-                                          </p:val>
-                                        </p:tav>
-                                      </p:tavLst>
-                                    </p:anim>
-                                    <p:anim calcmode="lin" valueType="num">
-                                      <p:cBhvr additive="base">
-                                        <p:cTn id="8" dur="500" fill="hold"/>
-                                        <p:tgtEl>
-                                          <p:spTgt spid="9"/>
-                                        </p:tgtEl>
-                                        <p:attrNameLst>
-                                          <p:attrName>ppt_y</p:attrName>
-                                        </p:attrNameLst>
-                                      </p:cBhvr>
-                                      <p:tavLst>
-                                        <p:tav tm="0">
-                                          <p:val>
-                                            <p:strVal val="1+#ppt_h/2"/>
-                                          </p:val>
-                                        </p:tav>
-                                        <p:tav tm="100000">
-                                          <p:val>
-                                            <p:strVal val="#ppt_y"/>
-                                          </p:val>
-                                        </p:tav>
-                                      </p:tavLst>
-                                    </p:anim>
-                                  </p:childTnLst>
-                                </p:cTn>
-                              </p:par>
-                            </p:childTnLst>
-                          </p:cTn>
-                        </p:par>
-                      </p:childTnLst>
-                    </p:cTn>
-                  </p:par>
-                  <p:par>
-                    <p:cTn id="9" fill="hold">
-                      <p:stCondLst>
-                        <p:cond delay="indefinite"/>
-                      </p:stCondLst>
-                      <p:childTnLst>
-                        <p:par>
-                          <p:cTn id="10" fill="hold">
-                            <p:stCondLst>
-                              <p:cond delay="0"/>
-                            </p:stCondLst>
-                            <p:childTnLst>
-                              <p:par>
-                                <p:cTn id="11" presetID="2" presetClass="entr" presetSubtype="4" fill="hold" grpId="0" nodeType="clickEffect">
-                                  <p:stCondLst>
-                                    <p:cond delay="0"/>
-                                  </p:stCondLst>
-                                  <p:childTnLst>
-                                    <p:set>
-                                      <p:cBhvr>
-                                        <p:cTn id="12" dur="1" fill="hold">
-                                          <p:stCondLst>
-                                            <p:cond delay="0"/>
-                                          </p:stCondLst>
-                                        </p:cTn>
-                                        <p:tgtEl>
-                                          <p:spTgt spid="12"/>
-                                        </p:tgtEl>
-                                        <p:attrNameLst>
-                                          <p:attrName>style.visibility</p:attrName>
-                                        </p:attrNameLst>
-                                      </p:cBhvr>
-                                      <p:to>
-                                        <p:strVal val="visible"/>
-                                      </p:to>
-                                    </p:set>
-                                    <p:anim calcmode="lin" valueType="num">
-                                      <p:cBhvr additive="base">
-                                        <p:cTn id="13" dur="500" fill="hold"/>
-                                        <p:tgtEl>
-                                          <p:spTgt spid="12"/>
-                                        </p:tgtEl>
-                                        <p:attrNameLst>
-                                          <p:attrName>ppt_x</p:attrName>
-                                        </p:attrNameLst>
-                                      </p:cBhvr>
-                                      <p:tavLst>
-                                        <p:tav tm="0">
-                                          <p:val>
-                                            <p:strVal val="#ppt_x"/>
-                                          </p:val>
-                                        </p:tav>
-                                        <p:tav tm="100000">
-                                          <p:val>
-                                            <p:strVal val="#ppt_x"/>
-                                          </p:val>
-                                        </p:tav>
-                                      </p:tavLst>
-                                    </p:anim>
-                                    <p:anim calcmode="lin" valueType="num">
-                                      <p:cBhvr additive="base">
-                                        <p:cTn id="14" dur="500" fill="hold"/>
-                                        <p:tgtEl>
-                                          <p:spTgt spid="12"/>
-                                        </p:tgtEl>
-                                        <p:attrNameLst>
-                                          <p:attrName>ppt_y</p:attrName>
-                                        </p:attrNameLst>
-                                      </p:cBhvr>
-                                      <p:tavLst>
-                                        <p:tav tm="0">
-                                          <p:val>
-                                            <p:strVal val="1+#ppt_h/2"/>
-                                          </p:val>
-                                        </p:tav>
-                                        <p:tav tm="100000">
-                                          <p:val>
-                                            <p:strVal val="#ppt_y"/>
-                                          </p:val>
-                                        </p:tav>
-                                      </p:tavLst>
-                                    </p:anim>
-                                  </p:childTnLst>
-                                </p:cTn>
-                              </p:par>
-                            </p:childTnLst>
-                          </p:cTn>
-                        </p:par>
-                      </p:childTnLst>
-                    </p:cTn>
-                  </p:par>
-                </p:childTnLst>
-              </p:cTn>
-              <p:prevCondLst>
-                <p:cond evt="onPrev" delay="0">
-                  <p:tgtEl>
-                    <p:sldTgt/>
-                  </p:tgtEl>
-                </p:cond>
-              </p:prevCondLst>
-              <p:nextCondLst>
-                <p:cond evt="onNext" delay="0">
-                  <p:tgtEl>
-                    <p:sldTgt/>
-                  </p:tgtEl>
-                </p:cond>
-              </p:nextCondLst>
-            </p:seq>
-          </p:childTnLst>
-        </p:cTn>
-      </p:par>
-    </p:tnLst>
-    <p:bldLst>
-      <p:bldP spid="9" grpId="0" animBg="1"/>
-      <p:bldP spid="12" grpId="0" animBg="1"/>
-    </p:bldLst>
-  </p:timing>
-</p:sld>
-</file>
-
-<file path=ppt/slides/slide4.xml><?xml version="1.0" encoding="utf-8"?>
 <p:sld xmlns:a="http://schemas.openxmlformats.org/drawingml/2006/main" xmlns:r="http://schemas.openxmlformats.org/officeDocument/2006/relationships" xmlns:p="http://schemas.openxmlformats.org/presentationml/2006/main">
   <p:cSld>
     <p:spTree>
@@ -9797,7 +6614,7 @@
             </a:avLst>
           </a:prstGeom>
           <a:solidFill>
-            <a:schemeClr val="accent1"/>
+            <a:srgbClr val="15965A"/>
           </a:solidFill>
           <a:ln>
             <a:noFill/>
@@ -9841,18 +6658,18 @@
         </p:nvSpPr>
         <p:spPr>
           <a:xfrm>
-            <a:off x="2664271" y="5368828"/>
+            <a:off x="2664271" y="5675152"/>
             <a:ext cx="1345667" cy="612648"/>
           </a:xfrm>
           <a:prstGeom prst="wedgeRoundRectCallout">
             <a:avLst>
-              <a:gd name="adj1" fmla="val -77061"/>
-              <a:gd name="adj2" fmla="val -28890"/>
+              <a:gd name="adj1" fmla="val -83295"/>
+              <a:gd name="adj2" fmla="val -105571"/>
               <a:gd name="adj3" fmla="val 16667"/>
             </a:avLst>
           </a:prstGeom>
           <a:solidFill>
-            <a:schemeClr val="accent1"/>
+            <a:srgbClr val="15965A"/>
           </a:solidFill>
           <a:ln>
             <a:noFill/>
@@ -9907,7 +6724,7 @@
             </a:avLst>
           </a:prstGeom>
           <a:solidFill>
-            <a:schemeClr val="accent1"/>
+            <a:srgbClr val="15965A"/>
           </a:solidFill>
           <a:ln>
             <a:noFill/>
@@ -10043,7 +6860,7 @@
             </a:avLst>
           </a:prstGeom>
           <a:solidFill>
-            <a:schemeClr val="accent1"/>
+            <a:srgbClr val="15965A"/>
           </a:solidFill>
           <a:ln>
             <a:noFill/>
@@ -10098,7 +6915,7 @@
             </a:avLst>
           </a:prstGeom>
           <a:solidFill>
-            <a:schemeClr val="accent1"/>
+            <a:srgbClr val="15965A"/>
           </a:solidFill>
           <a:ln>
             <a:noFill/>
@@ -10124,7 +6941,7 @@
           <a:p>
             <a:pPr algn="ctr"/>
             <a:r>
-              <a:rPr lang="en-US" sz="1400">
+              <a:rPr lang="en-US" sz="1400" dirty="0">
                 <a:solidFill>
                   <a:schemeClr val="bg1"/>
                 </a:solidFill>
@@ -10318,869 +7135,10 @@
   <p:transition>
     <p:wipe dir="u"/>
   </p:transition>
-  <p:timing>
-    <p:tnLst>
-      <p:par>
-        <p:cTn id="1" dur="indefinite" restart="never" nodeType="tmRoot">
-          <p:childTnLst>
-            <p:seq concurrent="1" nextAc="seek">
-              <p:cTn id="2" dur="indefinite" nodeType="mainSeq">
-                <p:childTnLst>
-                  <p:par>
-                    <p:cTn id="3" fill="hold">
-                      <p:stCondLst>
-                        <p:cond delay="indefinite"/>
-                      </p:stCondLst>
-                      <p:childTnLst>
-                        <p:par>
-                          <p:cTn id="4" fill="hold">
-                            <p:stCondLst>
-                              <p:cond delay="0"/>
-                            </p:stCondLst>
-                            <p:childTnLst>
-                              <p:par>
-                                <p:cTn id="5" presetID="2" presetClass="entr" presetSubtype="4" fill="hold" grpId="0" nodeType="clickEffect">
-                                  <p:stCondLst>
-                                    <p:cond delay="0"/>
-                                  </p:stCondLst>
-                                  <p:childTnLst>
-                                    <p:set>
-                                      <p:cBhvr>
-                                        <p:cTn id="6" dur="1" fill="hold">
-                                          <p:stCondLst>
-                                            <p:cond delay="0"/>
-                                          </p:stCondLst>
-                                        </p:cTn>
-                                        <p:tgtEl>
-                                          <p:spTgt spid="14"/>
-                                        </p:tgtEl>
-                                        <p:attrNameLst>
-                                          <p:attrName>style.visibility</p:attrName>
-                                        </p:attrNameLst>
-                                      </p:cBhvr>
-                                      <p:to>
-                                        <p:strVal val="visible"/>
-                                      </p:to>
-                                    </p:set>
-                                    <p:anim calcmode="lin" valueType="num">
-                                      <p:cBhvr additive="base">
-                                        <p:cTn id="7" dur="500" fill="hold"/>
-                                        <p:tgtEl>
-                                          <p:spTgt spid="14"/>
-                                        </p:tgtEl>
-                                        <p:attrNameLst>
-                                          <p:attrName>ppt_x</p:attrName>
-                                        </p:attrNameLst>
-                                      </p:cBhvr>
-                                      <p:tavLst>
-                                        <p:tav tm="0">
-                                          <p:val>
-                                            <p:strVal val="#ppt_x"/>
-                                          </p:val>
-                                        </p:tav>
-                                        <p:tav tm="100000">
-                                          <p:val>
-                                            <p:strVal val="#ppt_x"/>
-                                          </p:val>
-                                        </p:tav>
-                                      </p:tavLst>
-                                    </p:anim>
-                                    <p:anim calcmode="lin" valueType="num">
-                                      <p:cBhvr additive="base">
-                                        <p:cTn id="8" dur="500" fill="hold"/>
-                                        <p:tgtEl>
-                                          <p:spTgt spid="14"/>
-                                        </p:tgtEl>
-                                        <p:attrNameLst>
-                                          <p:attrName>ppt_y</p:attrName>
-                                        </p:attrNameLst>
-                                      </p:cBhvr>
-                                      <p:tavLst>
-                                        <p:tav tm="0">
-                                          <p:val>
-                                            <p:strVal val="1+#ppt_h/2"/>
-                                          </p:val>
-                                        </p:tav>
-                                        <p:tav tm="100000">
-                                          <p:val>
-                                            <p:strVal val="#ppt_y"/>
-                                          </p:val>
-                                        </p:tav>
-                                      </p:tavLst>
-                                    </p:anim>
-                                  </p:childTnLst>
-                                </p:cTn>
-                              </p:par>
-                            </p:childTnLst>
-                          </p:cTn>
-                        </p:par>
-                      </p:childTnLst>
-                    </p:cTn>
-                  </p:par>
-                  <p:par>
-                    <p:cTn id="9" fill="hold">
-                      <p:stCondLst>
-                        <p:cond delay="indefinite"/>
-                      </p:stCondLst>
-                      <p:childTnLst>
-                        <p:par>
-                          <p:cTn id="10" fill="hold">
-                            <p:stCondLst>
-                              <p:cond delay="0"/>
-                            </p:stCondLst>
-                            <p:childTnLst>
-                              <p:par>
-                                <p:cTn id="11" presetID="2" presetClass="entr" presetSubtype="4" fill="hold" nodeType="clickEffect">
-                                  <p:stCondLst>
-                                    <p:cond delay="0"/>
-                                  </p:stCondLst>
-                                  <p:childTnLst>
-                                    <p:set>
-                                      <p:cBhvr>
-                                        <p:cTn id="12" dur="1" fill="hold">
-                                          <p:stCondLst>
-                                            <p:cond delay="0"/>
-                                          </p:stCondLst>
-                                        </p:cTn>
-                                        <p:tgtEl>
-                                          <p:spTgt spid="13"/>
-                                        </p:tgtEl>
-                                        <p:attrNameLst>
-                                          <p:attrName>style.visibility</p:attrName>
-                                        </p:attrNameLst>
-                                      </p:cBhvr>
-                                      <p:to>
-                                        <p:strVal val="visible"/>
-                                      </p:to>
-                                    </p:set>
-                                    <p:anim calcmode="lin" valueType="num">
-                                      <p:cBhvr additive="base">
-                                        <p:cTn id="13" dur="500" fill="hold"/>
-                                        <p:tgtEl>
-                                          <p:spTgt spid="13"/>
-                                        </p:tgtEl>
-                                        <p:attrNameLst>
-                                          <p:attrName>ppt_x</p:attrName>
-                                        </p:attrNameLst>
-                                      </p:cBhvr>
-                                      <p:tavLst>
-                                        <p:tav tm="0">
-                                          <p:val>
-                                            <p:strVal val="#ppt_x"/>
-                                          </p:val>
-                                        </p:tav>
-                                        <p:tav tm="100000">
-                                          <p:val>
-                                            <p:strVal val="#ppt_x"/>
-                                          </p:val>
-                                        </p:tav>
-                                      </p:tavLst>
-                                    </p:anim>
-                                    <p:anim calcmode="lin" valueType="num">
-                                      <p:cBhvr additive="base">
-                                        <p:cTn id="14" dur="500" fill="hold"/>
-                                        <p:tgtEl>
-                                          <p:spTgt spid="13"/>
-                                        </p:tgtEl>
-                                        <p:attrNameLst>
-                                          <p:attrName>ppt_y</p:attrName>
-                                        </p:attrNameLst>
-                                      </p:cBhvr>
-                                      <p:tavLst>
-                                        <p:tav tm="0">
-                                          <p:val>
-                                            <p:strVal val="1+#ppt_h/2"/>
-                                          </p:val>
-                                        </p:tav>
-                                        <p:tav tm="100000">
-                                          <p:val>
-                                            <p:strVal val="#ppt_y"/>
-                                          </p:val>
-                                        </p:tav>
-                                      </p:tavLst>
-                                    </p:anim>
-                                  </p:childTnLst>
-                                </p:cTn>
-                              </p:par>
-                            </p:childTnLst>
-                          </p:cTn>
-                        </p:par>
-                      </p:childTnLst>
-                    </p:cTn>
-                  </p:par>
-                  <p:par>
-                    <p:cTn id="15" fill="hold">
-                      <p:stCondLst>
-                        <p:cond delay="indefinite"/>
-                      </p:stCondLst>
-                      <p:childTnLst>
-                        <p:par>
-                          <p:cTn id="16" fill="hold">
-                            <p:stCondLst>
-                              <p:cond delay="0"/>
-                            </p:stCondLst>
-                            <p:childTnLst>
-                              <p:par>
-                                <p:cTn id="17" presetID="2" presetClass="entr" presetSubtype="4" fill="hold" grpId="0" nodeType="clickEffect">
-                                  <p:stCondLst>
-                                    <p:cond delay="0"/>
-                                  </p:stCondLst>
-                                  <p:childTnLst>
-                                    <p:set>
-                                      <p:cBhvr>
-                                        <p:cTn id="18" dur="1" fill="hold">
-                                          <p:stCondLst>
-                                            <p:cond delay="0"/>
-                                          </p:stCondLst>
-                                        </p:cTn>
-                                        <p:tgtEl>
-                                          <p:spTgt spid="21"/>
-                                        </p:tgtEl>
-                                        <p:attrNameLst>
-                                          <p:attrName>style.visibility</p:attrName>
-                                        </p:attrNameLst>
-                                      </p:cBhvr>
-                                      <p:to>
-                                        <p:strVal val="visible"/>
-                                      </p:to>
-                                    </p:set>
-                                    <p:anim calcmode="lin" valueType="num">
-                                      <p:cBhvr additive="base">
-                                        <p:cTn id="19" dur="500" fill="hold"/>
-                                        <p:tgtEl>
-                                          <p:spTgt spid="21"/>
-                                        </p:tgtEl>
-                                        <p:attrNameLst>
-                                          <p:attrName>ppt_x</p:attrName>
-                                        </p:attrNameLst>
-                                      </p:cBhvr>
-                                      <p:tavLst>
-                                        <p:tav tm="0">
-                                          <p:val>
-                                            <p:strVal val="#ppt_x"/>
-                                          </p:val>
-                                        </p:tav>
-                                        <p:tav tm="100000">
-                                          <p:val>
-                                            <p:strVal val="#ppt_x"/>
-                                          </p:val>
-                                        </p:tav>
-                                      </p:tavLst>
-                                    </p:anim>
-                                    <p:anim calcmode="lin" valueType="num">
-                                      <p:cBhvr additive="base">
-                                        <p:cTn id="20" dur="500" fill="hold"/>
-                                        <p:tgtEl>
-                                          <p:spTgt spid="21"/>
-                                        </p:tgtEl>
-                                        <p:attrNameLst>
-                                          <p:attrName>ppt_y</p:attrName>
-                                        </p:attrNameLst>
-                                      </p:cBhvr>
-                                      <p:tavLst>
-                                        <p:tav tm="0">
-                                          <p:val>
-                                            <p:strVal val="1+#ppt_h/2"/>
-                                          </p:val>
-                                        </p:tav>
-                                        <p:tav tm="100000">
-                                          <p:val>
-                                            <p:strVal val="#ppt_y"/>
-                                          </p:val>
-                                        </p:tav>
-                                      </p:tavLst>
-                                    </p:anim>
-                                  </p:childTnLst>
-                                </p:cTn>
-                              </p:par>
-                            </p:childTnLst>
-                          </p:cTn>
-                        </p:par>
-                      </p:childTnLst>
-                    </p:cTn>
-                  </p:par>
-                  <p:par>
-                    <p:cTn id="21" fill="hold">
-                      <p:stCondLst>
-                        <p:cond delay="indefinite"/>
-                      </p:stCondLst>
-                      <p:childTnLst>
-                        <p:par>
-                          <p:cTn id="22" fill="hold">
-                            <p:stCondLst>
-                              <p:cond delay="0"/>
-                            </p:stCondLst>
-                            <p:childTnLst>
-                              <p:par>
-                                <p:cTn id="23" presetID="2" presetClass="entr" presetSubtype="4" fill="hold" grpId="0" nodeType="clickEffect">
-                                  <p:stCondLst>
-                                    <p:cond delay="0"/>
-                                  </p:stCondLst>
-                                  <p:childTnLst>
-                                    <p:set>
-                                      <p:cBhvr>
-                                        <p:cTn id="24" dur="1" fill="hold">
-                                          <p:stCondLst>
-                                            <p:cond delay="0"/>
-                                          </p:stCondLst>
-                                        </p:cTn>
-                                        <p:tgtEl>
-                                          <p:spTgt spid="17"/>
-                                        </p:tgtEl>
-                                        <p:attrNameLst>
-                                          <p:attrName>style.visibility</p:attrName>
-                                        </p:attrNameLst>
-                                      </p:cBhvr>
-                                      <p:to>
-                                        <p:strVal val="visible"/>
-                                      </p:to>
-                                    </p:set>
-                                    <p:anim calcmode="lin" valueType="num">
-                                      <p:cBhvr additive="base">
-                                        <p:cTn id="25" dur="500" fill="hold"/>
-                                        <p:tgtEl>
-                                          <p:spTgt spid="17"/>
-                                        </p:tgtEl>
-                                        <p:attrNameLst>
-                                          <p:attrName>ppt_x</p:attrName>
-                                        </p:attrNameLst>
-                                      </p:cBhvr>
-                                      <p:tavLst>
-                                        <p:tav tm="0">
-                                          <p:val>
-                                            <p:strVal val="#ppt_x"/>
-                                          </p:val>
-                                        </p:tav>
-                                        <p:tav tm="100000">
-                                          <p:val>
-                                            <p:strVal val="#ppt_x"/>
-                                          </p:val>
-                                        </p:tav>
-                                      </p:tavLst>
-                                    </p:anim>
-                                    <p:anim calcmode="lin" valueType="num">
-                                      <p:cBhvr additive="base">
-                                        <p:cTn id="26" dur="500" fill="hold"/>
-                                        <p:tgtEl>
-                                          <p:spTgt spid="17"/>
-                                        </p:tgtEl>
-                                        <p:attrNameLst>
-                                          <p:attrName>ppt_y</p:attrName>
-                                        </p:attrNameLst>
-                                      </p:cBhvr>
-                                      <p:tavLst>
-                                        <p:tav tm="0">
-                                          <p:val>
-                                            <p:strVal val="1+#ppt_h/2"/>
-                                          </p:val>
-                                        </p:tav>
-                                        <p:tav tm="100000">
-                                          <p:val>
-                                            <p:strVal val="#ppt_y"/>
-                                          </p:val>
-                                        </p:tav>
-                                      </p:tavLst>
-                                    </p:anim>
-                                  </p:childTnLst>
-                                </p:cTn>
-                              </p:par>
-                            </p:childTnLst>
-                          </p:cTn>
-                        </p:par>
-                      </p:childTnLst>
-                    </p:cTn>
-                  </p:par>
-                  <p:par>
-                    <p:cTn id="27" fill="hold">
-                      <p:stCondLst>
-                        <p:cond delay="indefinite"/>
-                      </p:stCondLst>
-                      <p:childTnLst>
-                        <p:par>
-                          <p:cTn id="28" fill="hold">
-                            <p:stCondLst>
-                              <p:cond delay="0"/>
-                            </p:stCondLst>
-                            <p:childTnLst>
-                              <p:par>
-                                <p:cTn id="29" presetID="2" presetClass="entr" presetSubtype="4" fill="hold" grpId="0" nodeType="clickEffect">
-                                  <p:stCondLst>
-                                    <p:cond delay="0"/>
-                                  </p:stCondLst>
-                                  <p:childTnLst>
-                                    <p:set>
-                                      <p:cBhvr>
-                                        <p:cTn id="30" dur="1" fill="hold">
-                                          <p:stCondLst>
-                                            <p:cond delay="0"/>
-                                          </p:stCondLst>
-                                        </p:cTn>
-                                        <p:tgtEl>
-                                          <p:spTgt spid="11"/>
-                                        </p:tgtEl>
-                                        <p:attrNameLst>
-                                          <p:attrName>style.visibility</p:attrName>
-                                        </p:attrNameLst>
-                                      </p:cBhvr>
-                                      <p:to>
-                                        <p:strVal val="visible"/>
-                                      </p:to>
-                                    </p:set>
-                                    <p:anim calcmode="lin" valueType="num">
-                                      <p:cBhvr additive="base">
-                                        <p:cTn id="31" dur="500" fill="hold"/>
-                                        <p:tgtEl>
-                                          <p:spTgt spid="11"/>
-                                        </p:tgtEl>
-                                        <p:attrNameLst>
-                                          <p:attrName>ppt_x</p:attrName>
-                                        </p:attrNameLst>
-                                      </p:cBhvr>
-                                      <p:tavLst>
-                                        <p:tav tm="0">
-                                          <p:val>
-                                            <p:strVal val="#ppt_x"/>
-                                          </p:val>
-                                        </p:tav>
-                                        <p:tav tm="100000">
-                                          <p:val>
-                                            <p:strVal val="#ppt_x"/>
-                                          </p:val>
-                                        </p:tav>
-                                      </p:tavLst>
-                                    </p:anim>
-                                    <p:anim calcmode="lin" valueType="num">
-                                      <p:cBhvr additive="base">
-                                        <p:cTn id="32" dur="500" fill="hold"/>
-                                        <p:tgtEl>
-                                          <p:spTgt spid="11"/>
-                                        </p:tgtEl>
-                                        <p:attrNameLst>
-                                          <p:attrName>ppt_y</p:attrName>
-                                        </p:attrNameLst>
-                                      </p:cBhvr>
-                                      <p:tavLst>
-                                        <p:tav tm="0">
-                                          <p:val>
-                                            <p:strVal val="1+#ppt_h/2"/>
-                                          </p:val>
-                                        </p:tav>
-                                        <p:tav tm="100000">
-                                          <p:val>
-                                            <p:strVal val="#ppt_y"/>
-                                          </p:val>
-                                        </p:tav>
-                                      </p:tavLst>
-                                    </p:anim>
-                                  </p:childTnLst>
-                                </p:cTn>
-                              </p:par>
-                            </p:childTnLst>
-                          </p:cTn>
-                        </p:par>
-                      </p:childTnLst>
-                    </p:cTn>
-                  </p:par>
-                  <p:par>
-                    <p:cTn id="33" fill="hold">
-                      <p:stCondLst>
-                        <p:cond delay="indefinite"/>
-                      </p:stCondLst>
-                      <p:childTnLst>
-                        <p:par>
-                          <p:cTn id="34" fill="hold">
-                            <p:stCondLst>
-                              <p:cond delay="0"/>
-                            </p:stCondLst>
-                            <p:childTnLst>
-                              <p:par>
-                                <p:cTn id="35" presetID="2" presetClass="entr" presetSubtype="4" fill="hold" grpId="0" nodeType="clickEffect">
-                                  <p:stCondLst>
-                                    <p:cond delay="0"/>
-                                  </p:stCondLst>
-                                  <p:childTnLst>
-                                    <p:set>
-                                      <p:cBhvr>
-                                        <p:cTn id="36" dur="1" fill="hold">
-                                          <p:stCondLst>
-                                            <p:cond delay="0"/>
-                                          </p:stCondLst>
-                                        </p:cTn>
-                                        <p:tgtEl>
-                                          <p:spTgt spid="18"/>
-                                        </p:tgtEl>
-                                        <p:attrNameLst>
-                                          <p:attrName>style.visibility</p:attrName>
-                                        </p:attrNameLst>
-                                      </p:cBhvr>
-                                      <p:to>
-                                        <p:strVal val="visible"/>
-                                      </p:to>
-                                    </p:set>
-                                    <p:anim calcmode="lin" valueType="num">
-                                      <p:cBhvr additive="base">
-                                        <p:cTn id="37" dur="500" fill="hold"/>
-                                        <p:tgtEl>
-                                          <p:spTgt spid="18"/>
-                                        </p:tgtEl>
-                                        <p:attrNameLst>
-                                          <p:attrName>ppt_x</p:attrName>
-                                        </p:attrNameLst>
-                                      </p:cBhvr>
-                                      <p:tavLst>
-                                        <p:tav tm="0">
-                                          <p:val>
-                                            <p:strVal val="#ppt_x"/>
-                                          </p:val>
-                                        </p:tav>
-                                        <p:tav tm="100000">
-                                          <p:val>
-                                            <p:strVal val="#ppt_x"/>
-                                          </p:val>
-                                        </p:tav>
-                                      </p:tavLst>
-                                    </p:anim>
-                                    <p:anim calcmode="lin" valueType="num">
-                                      <p:cBhvr additive="base">
-                                        <p:cTn id="38" dur="500" fill="hold"/>
-                                        <p:tgtEl>
-                                          <p:spTgt spid="18"/>
-                                        </p:tgtEl>
-                                        <p:attrNameLst>
-                                          <p:attrName>ppt_y</p:attrName>
-                                        </p:attrNameLst>
-                                      </p:cBhvr>
-                                      <p:tavLst>
-                                        <p:tav tm="0">
-                                          <p:val>
-                                            <p:strVal val="1+#ppt_h/2"/>
-                                          </p:val>
-                                        </p:tav>
-                                        <p:tav tm="100000">
-                                          <p:val>
-                                            <p:strVal val="#ppt_y"/>
-                                          </p:val>
-                                        </p:tav>
-                                      </p:tavLst>
-                                    </p:anim>
-                                  </p:childTnLst>
-                                </p:cTn>
-                              </p:par>
-                            </p:childTnLst>
-                          </p:cTn>
-                        </p:par>
-                      </p:childTnLst>
-                    </p:cTn>
-                  </p:par>
-                  <p:par>
-                    <p:cTn id="39" fill="hold">
-                      <p:stCondLst>
-                        <p:cond delay="indefinite"/>
-                      </p:stCondLst>
-                      <p:childTnLst>
-                        <p:par>
-                          <p:cTn id="40" fill="hold">
-                            <p:stCondLst>
-                              <p:cond delay="0"/>
-                            </p:stCondLst>
-                            <p:childTnLst>
-                              <p:par>
-                                <p:cTn id="41" presetID="2" presetClass="entr" presetSubtype="4" fill="hold" grpId="0" nodeType="clickEffect">
-                                  <p:stCondLst>
-                                    <p:cond delay="0"/>
-                                  </p:stCondLst>
-                                  <p:childTnLst>
-                                    <p:set>
-                                      <p:cBhvr>
-                                        <p:cTn id="42" dur="1" fill="hold">
-                                          <p:stCondLst>
-                                            <p:cond delay="0"/>
-                                          </p:stCondLst>
-                                        </p:cTn>
-                                        <p:tgtEl>
-                                          <p:spTgt spid="27"/>
-                                        </p:tgtEl>
-                                        <p:attrNameLst>
-                                          <p:attrName>style.visibility</p:attrName>
-                                        </p:attrNameLst>
-                                      </p:cBhvr>
-                                      <p:to>
-                                        <p:strVal val="visible"/>
-                                      </p:to>
-                                    </p:set>
-                                    <p:anim calcmode="lin" valueType="num">
-                                      <p:cBhvr additive="base">
-                                        <p:cTn id="43" dur="500" fill="hold"/>
-                                        <p:tgtEl>
-                                          <p:spTgt spid="27"/>
-                                        </p:tgtEl>
-                                        <p:attrNameLst>
-                                          <p:attrName>ppt_x</p:attrName>
-                                        </p:attrNameLst>
-                                      </p:cBhvr>
-                                      <p:tavLst>
-                                        <p:tav tm="0">
-                                          <p:val>
-                                            <p:strVal val="#ppt_x"/>
-                                          </p:val>
-                                        </p:tav>
-                                        <p:tav tm="100000">
-                                          <p:val>
-                                            <p:strVal val="#ppt_x"/>
-                                          </p:val>
-                                        </p:tav>
-                                      </p:tavLst>
-                                    </p:anim>
-                                    <p:anim calcmode="lin" valueType="num">
-                                      <p:cBhvr additive="base">
-                                        <p:cTn id="44" dur="500" fill="hold"/>
-                                        <p:tgtEl>
-                                          <p:spTgt spid="27"/>
-                                        </p:tgtEl>
-                                        <p:attrNameLst>
-                                          <p:attrName>ppt_y</p:attrName>
-                                        </p:attrNameLst>
-                                      </p:cBhvr>
-                                      <p:tavLst>
-                                        <p:tav tm="0">
-                                          <p:val>
-                                            <p:strVal val="1+#ppt_h/2"/>
-                                          </p:val>
-                                        </p:tav>
-                                        <p:tav tm="100000">
-                                          <p:val>
-                                            <p:strVal val="#ppt_y"/>
-                                          </p:val>
-                                        </p:tav>
-                                      </p:tavLst>
-                                    </p:anim>
-                                  </p:childTnLst>
-                                </p:cTn>
-                              </p:par>
-                            </p:childTnLst>
-                          </p:cTn>
-                        </p:par>
-                      </p:childTnLst>
-                    </p:cTn>
-                  </p:par>
-                  <p:par>
-                    <p:cTn id="45" fill="hold">
-                      <p:stCondLst>
-                        <p:cond delay="indefinite"/>
-                      </p:stCondLst>
-                      <p:childTnLst>
-                        <p:par>
-                          <p:cTn id="46" fill="hold">
-                            <p:stCondLst>
-                              <p:cond delay="0"/>
-                            </p:stCondLst>
-                            <p:childTnLst>
-                              <p:par>
-                                <p:cTn id="47" presetID="2" presetClass="entr" presetSubtype="4" fill="hold" grpId="0" nodeType="clickEffect">
-                                  <p:stCondLst>
-                                    <p:cond delay="0"/>
-                                  </p:stCondLst>
-                                  <p:childTnLst>
-                                    <p:set>
-                                      <p:cBhvr>
-                                        <p:cTn id="48" dur="1" fill="hold">
-                                          <p:stCondLst>
-                                            <p:cond delay="0"/>
-                                          </p:stCondLst>
-                                        </p:cTn>
-                                        <p:tgtEl>
-                                          <p:spTgt spid="12"/>
-                                        </p:tgtEl>
-                                        <p:attrNameLst>
-                                          <p:attrName>style.visibility</p:attrName>
-                                        </p:attrNameLst>
-                                      </p:cBhvr>
-                                      <p:to>
-                                        <p:strVal val="visible"/>
-                                      </p:to>
-                                    </p:set>
-                                    <p:anim calcmode="lin" valueType="num">
-                                      <p:cBhvr additive="base">
-                                        <p:cTn id="49" dur="500" fill="hold"/>
-                                        <p:tgtEl>
-                                          <p:spTgt spid="12"/>
-                                        </p:tgtEl>
-                                        <p:attrNameLst>
-                                          <p:attrName>ppt_x</p:attrName>
-                                        </p:attrNameLst>
-                                      </p:cBhvr>
-                                      <p:tavLst>
-                                        <p:tav tm="0">
-                                          <p:val>
-                                            <p:strVal val="#ppt_x"/>
-                                          </p:val>
-                                        </p:tav>
-                                        <p:tav tm="100000">
-                                          <p:val>
-                                            <p:strVal val="#ppt_x"/>
-                                          </p:val>
-                                        </p:tav>
-                                      </p:tavLst>
-                                    </p:anim>
-                                    <p:anim calcmode="lin" valueType="num">
-                                      <p:cBhvr additive="base">
-                                        <p:cTn id="50" dur="500" fill="hold"/>
-                                        <p:tgtEl>
-                                          <p:spTgt spid="12"/>
-                                        </p:tgtEl>
-                                        <p:attrNameLst>
-                                          <p:attrName>ppt_y</p:attrName>
-                                        </p:attrNameLst>
-                                      </p:cBhvr>
-                                      <p:tavLst>
-                                        <p:tav tm="0">
-                                          <p:val>
-                                            <p:strVal val="1+#ppt_h/2"/>
-                                          </p:val>
-                                        </p:tav>
-                                        <p:tav tm="100000">
-                                          <p:val>
-                                            <p:strVal val="#ppt_y"/>
-                                          </p:val>
-                                        </p:tav>
-                                      </p:tavLst>
-                                    </p:anim>
-                                  </p:childTnLst>
-                                </p:cTn>
-                              </p:par>
-                            </p:childTnLst>
-                          </p:cTn>
-                        </p:par>
-                      </p:childTnLst>
-                    </p:cTn>
-                  </p:par>
-                  <p:par>
-                    <p:cTn id="51" fill="hold">
-                      <p:stCondLst>
-                        <p:cond delay="indefinite"/>
-                      </p:stCondLst>
-                      <p:childTnLst>
-                        <p:par>
-                          <p:cTn id="52" fill="hold">
-                            <p:stCondLst>
-                              <p:cond delay="0"/>
-                            </p:stCondLst>
-                            <p:childTnLst>
-                              <p:par>
-                                <p:cTn id="53" presetID="2" presetClass="entr" presetSubtype="4" fill="hold" grpId="0" nodeType="clickEffect">
-                                  <p:stCondLst>
-                                    <p:cond delay="0"/>
-                                  </p:stCondLst>
-                                  <p:childTnLst>
-                                    <p:set>
-                                      <p:cBhvr>
-                                        <p:cTn id="54" dur="1" fill="hold">
-                                          <p:stCondLst>
-                                            <p:cond delay="0"/>
-                                          </p:stCondLst>
-                                        </p:cTn>
-                                        <p:tgtEl>
-                                          <p:spTgt spid="15"/>
-                                        </p:tgtEl>
-                                        <p:attrNameLst>
-                                          <p:attrName>style.visibility</p:attrName>
-                                        </p:attrNameLst>
-                                      </p:cBhvr>
-                                      <p:to>
-                                        <p:strVal val="visible"/>
-                                      </p:to>
-                                    </p:set>
-                                    <p:anim calcmode="lin" valueType="num">
-                                      <p:cBhvr additive="base">
-                                        <p:cTn id="55" dur="500" fill="hold"/>
-                                        <p:tgtEl>
-                                          <p:spTgt spid="15"/>
-                                        </p:tgtEl>
-                                        <p:attrNameLst>
-                                          <p:attrName>ppt_x</p:attrName>
-                                        </p:attrNameLst>
-                                      </p:cBhvr>
-                                      <p:tavLst>
-                                        <p:tav tm="0">
-                                          <p:val>
-                                            <p:strVal val="#ppt_x"/>
-                                          </p:val>
-                                        </p:tav>
-                                        <p:tav tm="100000">
-                                          <p:val>
-                                            <p:strVal val="#ppt_x"/>
-                                          </p:val>
-                                        </p:tav>
-                                      </p:tavLst>
-                                    </p:anim>
-                                    <p:anim calcmode="lin" valueType="num">
-                                      <p:cBhvr additive="base">
-                                        <p:cTn id="56" dur="500" fill="hold"/>
-                                        <p:tgtEl>
-                                          <p:spTgt spid="15"/>
-                                        </p:tgtEl>
-                                        <p:attrNameLst>
-                                          <p:attrName>ppt_y</p:attrName>
-                                        </p:attrNameLst>
-                                      </p:cBhvr>
-                                      <p:tavLst>
-                                        <p:tav tm="0">
-                                          <p:val>
-                                            <p:strVal val="1+#ppt_h/2"/>
-                                          </p:val>
-                                        </p:tav>
-                                        <p:tav tm="100000">
-                                          <p:val>
-                                            <p:strVal val="#ppt_y"/>
-                                          </p:val>
-                                        </p:tav>
-                                      </p:tavLst>
-                                    </p:anim>
-                                  </p:childTnLst>
-                                </p:cTn>
-                              </p:par>
-                            </p:childTnLst>
-                          </p:cTn>
-                        </p:par>
-                      </p:childTnLst>
-                    </p:cTn>
-                  </p:par>
-                </p:childTnLst>
-              </p:cTn>
-              <p:prevCondLst>
-                <p:cond evt="onPrev" delay="0">
-                  <p:tgtEl>
-                    <p:sldTgt/>
-                  </p:tgtEl>
-                </p:cond>
-              </p:prevCondLst>
-              <p:nextCondLst>
-                <p:cond evt="onNext" delay="0">
-                  <p:tgtEl>
-                    <p:sldTgt/>
-                  </p:tgtEl>
-                </p:cond>
-              </p:nextCondLst>
-            </p:seq>
-          </p:childTnLst>
-        </p:cTn>
-      </p:par>
-    </p:tnLst>
-    <p:bldLst>
-      <p:bldP spid="11" grpId="0" animBg="1"/>
-      <p:bldP spid="12" grpId="0" animBg="1"/>
-      <p:bldP spid="17" grpId="0" animBg="1"/>
-      <p:bldP spid="21" grpId="0" animBg="1"/>
-      <p:bldP spid="27" grpId="0" animBg="1"/>
-      <p:bldP spid="14" grpId="0" animBg="1"/>
-      <p:bldP spid="15" grpId="0" animBg="1"/>
-      <p:bldP spid="18" grpId="0" animBg="1"/>
-    </p:bldLst>
-  </p:timing>
 </p:sld>
 </file>
 
-<file path=ppt/slides/slide5.xml><?xml version="1.0" encoding="utf-8"?>
+<file path=ppt/slides/slide4.xml><?xml version="1.0" encoding="utf-8"?>
 <p:sld xmlns:a="http://schemas.openxmlformats.org/drawingml/2006/main" xmlns:r="http://schemas.openxmlformats.org/officeDocument/2006/relationships" xmlns:p="http://schemas.openxmlformats.org/presentationml/2006/main">
   <p:cSld>
     <p:spTree>
@@ -11290,7 +7248,7 @@
             </a:avLst>
           </a:prstGeom>
           <a:solidFill>
-            <a:schemeClr val="accent1"/>
+            <a:srgbClr val="15965A"/>
           </a:solidFill>
           <a:ln>
             <a:noFill/>
@@ -11389,318 +7347,10 @@
   <p:transition>
     <p:wipe dir="u"/>
   </p:transition>
-  <p:timing>
-    <p:tnLst>
-      <p:par>
-        <p:cTn id="1" dur="indefinite" restart="never" nodeType="tmRoot">
-          <p:childTnLst>
-            <p:seq concurrent="1" nextAc="seek">
-              <p:cTn id="2" dur="indefinite" nodeType="mainSeq">
-                <p:childTnLst>
-                  <p:par>
-                    <p:cTn id="3" fill="hold">
-                      <p:stCondLst>
-                        <p:cond delay="indefinite"/>
-                      </p:stCondLst>
-                      <p:childTnLst>
-                        <p:par>
-                          <p:cTn id="4" fill="hold">
-                            <p:stCondLst>
-                              <p:cond delay="0"/>
-                            </p:stCondLst>
-                            <p:childTnLst>
-                              <p:par>
-                                <p:cTn id="5" presetID="2" presetClass="entr" presetSubtype="4" fill="hold" grpId="0" nodeType="clickEffect">
-                                  <p:stCondLst>
-                                    <p:cond delay="0"/>
-                                  </p:stCondLst>
-                                  <p:childTnLst>
-                                    <p:set>
-                                      <p:cBhvr>
-                                        <p:cTn id="6" dur="1" fill="hold">
-                                          <p:stCondLst>
-                                            <p:cond delay="0"/>
-                                          </p:stCondLst>
-                                        </p:cTn>
-                                        <p:tgtEl>
-                                          <p:spTgt spid="19"/>
-                                        </p:tgtEl>
-                                        <p:attrNameLst>
-                                          <p:attrName>style.visibility</p:attrName>
-                                        </p:attrNameLst>
-                                      </p:cBhvr>
-                                      <p:to>
-                                        <p:strVal val="visible"/>
-                                      </p:to>
-                                    </p:set>
-                                    <p:anim calcmode="lin" valueType="num">
-                                      <p:cBhvr additive="base">
-                                        <p:cTn id="7" dur="500" fill="hold"/>
-                                        <p:tgtEl>
-                                          <p:spTgt spid="19"/>
-                                        </p:tgtEl>
-                                        <p:attrNameLst>
-                                          <p:attrName>ppt_x</p:attrName>
-                                        </p:attrNameLst>
-                                      </p:cBhvr>
-                                      <p:tavLst>
-                                        <p:tav tm="0">
-                                          <p:val>
-                                            <p:strVal val="#ppt_x"/>
-                                          </p:val>
-                                        </p:tav>
-                                        <p:tav tm="100000">
-                                          <p:val>
-                                            <p:strVal val="#ppt_x"/>
-                                          </p:val>
-                                        </p:tav>
-                                      </p:tavLst>
-                                    </p:anim>
-                                    <p:anim calcmode="lin" valueType="num">
-                                      <p:cBhvr additive="base">
-                                        <p:cTn id="8" dur="500" fill="hold"/>
-                                        <p:tgtEl>
-                                          <p:spTgt spid="19"/>
-                                        </p:tgtEl>
-                                        <p:attrNameLst>
-                                          <p:attrName>ppt_y</p:attrName>
-                                        </p:attrNameLst>
-                                      </p:cBhvr>
-                                      <p:tavLst>
-                                        <p:tav tm="0">
-                                          <p:val>
-                                            <p:strVal val="1+#ppt_h/2"/>
-                                          </p:val>
-                                        </p:tav>
-                                        <p:tav tm="100000">
-                                          <p:val>
-                                            <p:strVal val="#ppt_y"/>
-                                          </p:val>
-                                        </p:tav>
-                                      </p:tavLst>
-                                    </p:anim>
-                                  </p:childTnLst>
-                                </p:cTn>
-                              </p:par>
-                            </p:childTnLst>
-                          </p:cTn>
-                        </p:par>
-                      </p:childTnLst>
-                    </p:cTn>
-                  </p:par>
-                  <p:par>
-                    <p:cTn id="9" fill="hold">
-                      <p:stCondLst>
-                        <p:cond delay="indefinite"/>
-                      </p:stCondLst>
-                      <p:childTnLst>
-                        <p:par>
-                          <p:cTn id="10" fill="hold">
-                            <p:stCondLst>
-                              <p:cond delay="0"/>
-                            </p:stCondLst>
-                            <p:childTnLst>
-                              <p:par>
-                                <p:cTn id="11" presetID="2" presetClass="entr" presetSubtype="4" fill="hold" grpId="0" nodeType="clickEffect">
-                                  <p:stCondLst>
-                                    <p:cond delay="0"/>
-                                  </p:stCondLst>
-                                  <p:childTnLst>
-                                    <p:set>
-                                      <p:cBhvr>
-                                        <p:cTn id="12" dur="1" fill="hold">
-                                          <p:stCondLst>
-                                            <p:cond delay="0"/>
-                                          </p:stCondLst>
-                                        </p:cTn>
-                                        <p:tgtEl>
-                                          <p:spTgt spid="20"/>
-                                        </p:tgtEl>
-                                        <p:attrNameLst>
-                                          <p:attrName>style.visibility</p:attrName>
-                                        </p:attrNameLst>
-                                      </p:cBhvr>
-                                      <p:to>
-                                        <p:strVal val="visible"/>
-                                      </p:to>
-                                    </p:set>
-                                    <p:anim calcmode="lin" valueType="num">
-                                      <p:cBhvr additive="base">
-                                        <p:cTn id="13" dur="500" fill="hold"/>
-                                        <p:tgtEl>
-                                          <p:spTgt spid="20"/>
-                                        </p:tgtEl>
-                                        <p:attrNameLst>
-                                          <p:attrName>ppt_x</p:attrName>
-                                        </p:attrNameLst>
-                                      </p:cBhvr>
-                                      <p:tavLst>
-                                        <p:tav tm="0">
-                                          <p:val>
-                                            <p:strVal val="#ppt_x"/>
-                                          </p:val>
-                                        </p:tav>
-                                        <p:tav tm="100000">
-                                          <p:val>
-                                            <p:strVal val="#ppt_x"/>
-                                          </p:val>
-                                        </p:tav>
-                                      </p:tavLst>
-                                    </p:anim>
-                                    <p:anim calcmode="lin" valueType="num">
-                                      <p:cBhvr additive="base">
-                                        <p:cTn id="14" dur="500" fill="hold"/>
-                                        <p:tgtEl>
-                                          <p:spTgt spid="20"/>
-                                        </p:tgtEl>
-                                        <p:attrNameLst>
-                                          <p:attrName>ppt_y</p:attrName>
-                                        </p:attrNameLst>
-                                      </p:cBhvr>
-                                      <p:tavLst>
-                                        <p:tav tm="0">
-                                          <p:val>
-                                            <p:strVal val="1+#ppt_h/2"/>
-                                          </p:val>
-                                        </p:tav>
-                                        <p:tav tm="100000">
-                                          <p:val>
-                                            <p:strVal val="#ppt_y"/>
-                                          </p:val>
-                                        </p:tav>
-                                      </p:tavLst>
-                                    </p:anim>
-                                  </p:childTnLst>
-                                </p:cTn>
-                              </p:par>
-                            </p:childTnLst>
-                          </p:cTn>
-                        </p:par>
-                      </p:childTnLst>
-                    </p:cTn>
-                  </p:par>
-                  <p:par>
-                    <p:cTn id="15" fill="hold">
-                      <p:stCondLst>
-                        <p:cond delay="indefinite"/>
-                      </p:stCondLst>
-                      <p:childTnLst>
-                        <p:par>
-                          <p:cTn id="16" fill="hold">
-                            <p:stCondLst>
-                              <p:cond delay="0"/>
-                            </p:stCondLst>
-                            <p:childTnLst>
-                              <p:par>
-                                <p:cTn id="17" presetID="2" presetClass="entr" presetSubtype="4" fill="hold" grpId="0" nodeType="clickEffect">
-                                  <p:stCondLst>
-                                    <p:cond delay="0"/>
-                                  </p:stCondLst>
-                                  <p:childTnLst>
-                                    <p:set>
-                                      <p:cBhvr>
-                                        <p:cTn id="18" dur="1" fill="hold">
-                                          <p:stCondLst>
-                                            <p:cond delay="0"/>
-                                          </p:stCondLst>
-                                        </p:cTn>
-                                        <p:tgtEl>
-                                          <p:spTgt spid="39"/>
-                                        </p:tgtEl>
-                                        <p:attrNameLst>
-                                          <p:attrName>style.visibility</p:attrName>
-                                        </p:attrNameLst>
-                                      </p:cBhvr>
-                                      <p:to>
-                                        <p:strVal val="visible"/>
-                                      </p:to>
-                                    </p:set>
-                                    <p:anim calcmode="lin" valueType="num">
-                                      <p:cBhvr additive="base">
-                                        <p:cTn id="19" dur="500" fill="hold"/>
-                                        <p:tgtEl>
-                                          <p:spTgt spid="39"/>
-                                        </p:tgtEl>
-                                        <p:attrNameLst>
-                                          <p:attrName>ppt_x</p:attrName>
-                                        </p:attrNameLst>
-                                      </p:cBhvr>
-                                      <p:tavLst>
-                                        <p:tav tm="0">
-                                          <p:val>
-                                            <p:strVal val="#ppt_x"/>
-                                          </p:val>
-                                        </p:tav>
-                                        <p:tav tm="100000">
-                                          <p:val>
-                                            <p:strVal val="#ppt_x"/>
-                                          </p:val>
-                                        </p:tav>
-                                      </p:tavLst>
-                                    </p:anim>
-                                    <p:anim calcmode="lin" valueType="num">
-                                      <p:cBhvr additive="base">
-                                        <p:cTn id="20" dur="500" fill="hold"/>
-                                        <p:tgtEl>
-                                          <p:spTgt spid="39"/>
-                                        </p:tgtEl>
-                                        <p:attrNameLst>
-                                          <p:attrName>ppt_y</p:attrName>
-                                        </p:attrNameLst>
-                                      </p:cBhvr>
-                                      <p:tavLst>
-                                        <p:tav tm="0">
-                                          <p:val>
-                                            <p:strVal val="1+#ppt_h/2"/>
-                                          </p:val>
-                                        </p:tav>
-                                        <p:tav tm="100000">
-                                          <p:val>
-                                            <p:strVal val="#ppt_y"/>
-                                          </p:val>
-                                        </p:tav>
-                                      </p:tavLst>
-                                    </p:anim>
-                                  </p:childTnLst>
-                                </p:cTn>
-                              </p:par>
-                            </p:childTnLst>
-                          </p:cTn>
-                        </p:par>
-                      </p:childTnLst>
-                    </p:cTn>
-                  </p:par>
-                </p:childTnLst>
-              </p:cTn>
-              <p:prevCondLst>
-                <p:cond evt="onPrev" delay="0">
-                  <p:tgtEl>
-                    <p:sldTgt/>
-                  </p:tgtEl>
-                </p:cond>
-              </p:prevCondLst>
-              <p:nextCondLst>
-                <p:cond evt="onNext" delay="0">
-                  <p:tgtEl>
-                    <p:sldTgt/>
-                  </p:tgtEl>
-                </p:cond>
-              </p:nextCondLst>
-            </p:seq>
-          </p:childTnLst>
-        </p:cTn>
-      </p:par>
-    </p:tnLst>
-    <p:bldLst>
-      <p:bldP spid="19" grpId="0" animBg="1"/>
-      <p:bldP spid="20" grpId="0" animBg="1"/>
-      <p:bldP spid="39" grpId="0" animBg="1"/>
-    </p:bldLst>
-  </p:timing>
 </p:sld>
 </file>
 
-<file path=ppt/slides/slide6.xml><?xml version="1.0" encoding="utf-8"?>
+<file path=ppt/slides/slide5.xml><?xml version="1.0" encoding="utf-8"?>
 <p:sld xmlns:a="http://schemas.openxmlformats.org/drawingml/2006/main" xmlns:r="http://schemas.openxmlformats.org/officeDocument/2006/relationships" xmlns:p="http://schemas.openxmlformats.org/presentationml/2006/main">
   <p:cSld>
     <p:spTree>
@@ -11766,7 +7416,7 @@
             </a:avLst>
           </a:prstGeom>
           <a:solidFill>
-            <a:schemeClr val="accent1"/>
+            <a:srgbClr val="15965A"/>
           </a:solidFill>
           <a:ln>
             <a:noFill/>
@@ -11906,318 +7556,10 @@
   <p:clrMapOvr>
     <a:masterClrMapping/>
   </p:clrMapOvr>
-  <p:timing>
-    <p:tnLst>
-      <p:par>
-        <p:cTn id="1" dur="indefinite" restart="never" nodeType="tmRoot">
-          <p:childTnLst>
-            <p:seq concurrent="1" nextAc="seek">
-              <p:cTn id="2" dur="indefinite" nodeType="mainSeq">
-                <p:childTnLst>
-                  <p:par>
-                    <p:cTn id="3" fill="hold">
-                      <p:stCondLst>
-                        <p:cond delay="indefinite"/>
-                      </p:stCondLst>
-                      <p:childTnLst>
-                        <p:par>
-                          <p:cTn id="4" fill="hold">
-                            <p:stCondLst>
-                              <p:cond delay="0"/>
-                            </p:stCondLst>
-                            <p:childTnLst>
-                              <p:par>
-                                <p:cTn id="5" presetID="2" presetClass="entr" presetSubtype="4" fill="hold" grpId="0" nodeType="clickEffect">
-                                  <p:stCondLst>
-                                    <p:cond delay="0"/>
-                                  </p:stCondLst>
-                                  <p:childTnLst>
-                                    <p:set>
-                                      <p:cBhvr>
-                                        <p:cTn id="6" dur="1" fill="hold">
-                                          <p:stCondLst>
-                                            <p:cond delay="0"/>
-                                          </p:stCondLst>
-                                        </p:cTn>
-                                        <p:tgtEl>
-                                          <p:spTgt spid="15"/>
-                                        </p:tgtEl>
-                                        <p:attrNameLst>
-                                          <p:attrName>style.visibility</p:attrName>
-                                        </p:attrNameLst>
-                                      </p:cBhvr>
-                                      <p:to>
-                                        <p:strVal val="visible"/>
-                                      </p:to>
-                                    </p:set>
-                                    <p:anim calcmode="lin" valueType="num">
-                                      <p:cBhvr additive="base">
-                                        <p:cTn id="7" dur="500" fill="hold"/>
-                                        <p:tgtEl>
-                                          <p:spTgt spid="15"/>
-                                        </p:tgtEl>
-                                        <p:attrNameLst>
-                                          <p:attrName>ppt_x</p:attrName>
-                                        </p:attrNameLst>
-                                      </p:cBhvr>
-                                      <p:tavLst>
-                                        <p:tav tm="0">
-                                          <p:val>
-                                            <p:strVal val="#ppt_x"/>
-                                          </p:val>
-                                        </p:tav>
-                                        <p:tav tm="100000">
-                                          <p:val>
-                                            <p:strVal val="#ppt_x"/>
-                                          </p:val>
-                                        </p:tav>
-                                      </p:tavLst>
-                                    </p:anim>
-                                    <p:anim calcmode="lin" valueType="num">
-                                      <p:cBhvr additive="base">
-                                        <p:cTn id="8" dur="500" fill="hold"/>
-                                        <p:tgtEl>
-                                          <p:spTgt spid="15"/>
-                                        </p:tgtEl>
-                                        <p:attrNameLst>
-                                          <p:attrName>ppt_y</p:attrName>
-                                        </p:attrNameLst>
-                                      </p:cBhvr>
-                                      <p:tavLst>
-                                        <p:tav tm="0">
-                                          <p:val>
-                                            <p:strVal val="1+#ppt_h/2"/>
-                                          </p:val>
-                                        </p:tav>
-                                        <p:tav tm="100000">
-                                          <p:val>
-                                            <p:strVal val="#ppt_y"/>
-                                          </p:val>
-                                        </p:tav>
-                                      </p:tavLst>
-                                    </p:anim>
-                                  </p:childTnLst>
-                                </p:cTn>
-                              </p:par>
-                            </p:childTnLst>
-                          </p:cTn>
-                        </p:par>
-                      </p:childTnLst>
-                    </p:cTn>
-                  </p:par>
-                  <p:par>
-                    <p:cTn id="9" fill="hold">
-                      <p:stCondLst>
-                        <p:cond delay="indefinite"/>
-                      </p:stCondLst>
-                      <p:childTnLst>
-                        <p:par>
-                          <p:cTn id="10" fill="hold">
-                            <p:stCondLst>
-                              <p:cond delay="0"/>
-                            </p:stCondLst>
-                            <p:childTnLst>
-                              <p:par>
-                                <p:cTn id="11" presetID="2" presetClass="entr" presetSubtype="4" fill="hold" grpId="0" nodeType="clickEffect">
-                                  <p:stCondLst>
-                                    <p:cond delay="0"/>
-                                  </p:stCondLst>
-                                  <p:childTnLst>
-                                    <p:set>
-                                      <p:cBhvr>
-                                        <p:cTn id="12" dur="1" fill="hold">
-                                          <p:stCondLst>
-                                            <p:cond delay="0"/>
-                                          </p:stCondLst>
-                                        </p:cTn>
-                                        <p:tgtEl>
-                                          <p:spTgt spid="18"/>
-                                        </p:tgtEl>
-                                        <p:attrNameLst>
-                                          <p:attrName>style.visibility</p:attrName>
-                                        </p:attrNameLst>
-                                      </p:cBhvr>
-                                      <p:to>
-                                        <p:strVal val="visible"/>
-                                      </p:to>
-                                    </p:set>
-                                    <p:anim calcmode="lin" valueType="num">
-                                      <p:cBhvr additive="base">
-                                        <p:cTn id="13" dur="500" fill="hold"/>
-                                        <p:tgtEl>
-                                          <p:spTgt spid="18"/>
-                                        </p:tgtEl>
-                                        <p:attrNameLst>
-                                          <p:attrName>ppt_x</p:attrName>
-                                        </p:attrNameLst>
-                                      </p:cBhvr>
-                                      <p:tavLst>
-                                        <p:tav tm="0">
-                                          <p:val>
-                                            <p:strVal val="#ppt_x"/>
-                                          </p:val>
-                                        </p:tav>
-                                        <p:tav tm="100000">
-                                          <p:val>
-                                            <p:strVal val="#ppt_x"/>
-                                          </p:val>
-                                        </p:tav>
-                                      </p:tavLst>
-                                    </p:anim>
-                                    <p:anim calcmode="lin" valueType="num">
-                                      <p:cBhvr additive="base">
-                                        <p:cTn id="14" dur="500" fill="hold"/>
-                                        <p:tgtEl>
-                                          <p:spTgt spid="18"/>
-                                        </p:tgtEl>
-                                        <p:attrNameLst>
-                                          <p:attrName>ppt_y</p:attrName>
-                                        </p:attrNameLst>
-                                      </p:cBhvr>
-                                      <p:tavLst>
-                                        <p:tav tm="0">
-                                          <p:val>
-                                            <p:strVal val="1+#ppt_h/2"/>
-                                          </p:val>
-                                        </p:tav>
-                                        <p:tav tm="100000">
-                                          <p:val>
-                                            <p:strVal val="#ppt_y"/>
-                                          </p:val>
-                                        </p:tav>
-                                      </p:tavLst>
-                                    </p:anim>
-                                  </p:childTnLst>
-                                </p:cTn>
-                              </p:par>
-                            </p:childTnLst>
-                          </p:cTn>
-                        </p:par>
-                      </p:childTnLst>
-                    </p:cTn>
-                  </p:par>
-                  <p:par>
-                    <p:cTn id="15" fill="hold">
-                      <p:stCondLst>
-                        <p:cond delay="indefinite"/>
-                      </p:stCondLst>
-                      <p:childTnLst>
-                        <p:par>
-                          <p:cTn id="16" fill="hold">
-                            <p:stCondLst>
-                              <p:cond delay="0"/>
-                            </p:stCondLst>
-                            <p:childTnLst>
-                              <p:par>
-                                <p:cTn id="17" presetID="2" presetClass="entr" presetSubtype="4" fill="hold" grpId="0" nodeType="clickEffect">
-                                  <p:stCondLst>
-                                    <p:cond delay="0"/>
-                                  </p:stCondLst>
-                                  <p:childTnLst>
-                                    <p:set>
-                                      <p:cBhvr>
-                                        <p:cTn id="18" dur="1" fill="hold">
-                                          <p:stCondLst>
-                                            <p:cond delay="0"/>
-                                          </p:stCondLst>
-                                        </p:cTn>
-                                        <p:tgtEl>
-                                          <p:spTgt spid="13"/>
-                                        </p:tgtEl>
-                                        <p:attrNameLst>
-                                          <p:attrName>style.visibility</p:attrName>
-                                        </p:attrNameLst>
-                                      </p:cBhvr>
-                                      <p:to>
-                                        <p:strVal val="visible"/>
-                                      </p:to>
-                                    </p:set>
-                                    <p:anim calcmode="lin" valueType="num">
-                                      <p:cBhvr additive="base">
-                                        <p:cTn id="19" dur="500" fill="hold"/>
-                                        <p:tgtEl>
-                                          <p:spTgt spid="13"/>
-                                        </p:tgtEl>
-                                        <p:attrNameLst>
-                                          <p:attrName>ppt_x</p:attrName>
-                                        </p:attrNameLst>
-                                      </p:cBhvr>
-                                      <p:tavLst>
-                                        <p:tav tm="0">
-                                          <p:val>
-                                            <p:strVal val="#ppt_x"/>
-                                          </p:val>
-                                        </p:tav>
-                                        <p:tav tm="100000">
-                                          <p:val>
-                                            <p:strVal val="#ppt_x"/>
-                                          </p:val>
-                                        </p:tav>
-                                      </p:tavLst>
-                                    </p:anim>
-                                    <p:anim calcmode="lin" valueType="num">
-                                      <p:cBhvr additive="base">
-                                        <p:cTn id="20" dur="500" fill="hold"/>
-                                        <p:tgtEl>
-                                          <p:spTgt spid="13"/>
-                                        </p:tgtEl>
-                                        <p:attrNameLst>
-                                          <p:attrName>ppt_y</p:attrName>
-                                        </p:attrNameLst>
-                                      </p:cBhvr>
-                                      <p:tavLst>
-                                        <p:tav tm="0">
-                                          <p:val>
-                                            <p:strVal val="1+#ppt_h/2"/>
-                                          </p:val>
-                                        </p:tav>
-                                        <p:tav tm="100000">
-                                          <p:val>
-                                            <p:strVal val="#ppt_y"/>
-                                          </p:val>
-                                        </p:tav>
-                                      </p:tavLst>
-                                    </p:anim>
-                                  </p:childTnLst>
-                                </p:cTn>
-                              </p:par>
-                            </p:childTnLst>
-                          </p:cTn>
-                        </p:par>
-                      </p:childTnLst>
-                    </p:cTn>
-                  </p:par>
-                </p:childTnLst>
-              </p:cTn>
-              <p:prevCondLst>
-                <p:cond evt="onPrev" delay="0">
-                  <p:tgtEl>
-                    <p:sldTgt/>
-                  </p:tgtEl>
-                </p:cond>
-              </p:prevCondLst>
-              <p:nextCondLst>
-                <p:cond evt="onNext" delay="0">
-                  <p:tgtEl>
-                    <p:sldTgt/>
-                  </p:tgtEl>
-                </p:cond>
-              </p:nextCondLst>
-            </p:seq>
-          </p:childTnLst>
-        </p:cTn>
-      </p:par>
-    </p:tnLst>
-    <p:bldLst>
-      <p:bldP spid="18" grpId="0" animBg="1"/>
-      <p:bldP spid="15" grpId="0" animBg="1"/>
-      <p:bldP spid="13" grpId="0" animBg="1"/>
-    </p:bldLst>
-  </p:timing>
 </p:sld>
 </file>
 
-<file path=ppt/slides/slide7.xml><?xml version="1.0" encoding="utf-8"?>
+<file path=ppt/slides/slide6.xml><?xml version="1.0" encoding="utf-8"?>
 <p:sld xmlns:a="http://schemas.openxmlformats.org/drawingml/2006/main" xmlns:r="http://schemas.openxmlformats.org/officeDocument/2006/relationships" xmlns:p="http://schemas.openxmlformats.org/presentationml/2006/main">
   <p:cSld>
     <p:spTree>
@@ -12371,7 +7713,7 @@
             </a:avLst>
           </a:prstGeom>
           <a:solidFill>
-            <a:schemeClr val="accent1"/>
+            <a:srgbClr val="15965A"/>
           </a:solidFill>
           <a:ln>
             <a:noFill/>
@@ -12412,318 +7754,10 @@
   <p:clrMapOvr>
     <a:masterClrMapping/>
   </p:clrMapOvr>
-  <p:timing>
-    <p:tnLst>
-      <p:par>
-        <p:cTn id="1" dur="indefinite" restart="never" nodeType="tmRoot">
-          <p:childTnLst>
-            <p:seq concurrent="1" nextAc="seek">
-              <p:cTn id="2" dur="indefinite" nodeType="mainSeq">
-                <p:childTnLst>
-                  <p:par>
-                    <p:cTn id="3" fill="hold">
-                      <p:stCondLst>
-                        <p:cond delay="indefinite"/>
-                      </p:stCondLst>
-                      <p:childTnLst>
-                        <p:par>
-                          <p:cTn id="4" fill="hold">
-                            <p:stCondLst>
-                              <p:cond delay="0"/>
-                            </p:stCondLst>
-                            <p:childTnLst>
-                              <p:par>
-                                <p:cTn id="5" presetID="2" presetClass="entr" presetSubtype="4" fill="hold" grpId="0" nodeType="clickEffect">
-                                  <p:stCondLst>
-                                    <p:cond delay="0"/>
-                                  </p:stCondLst>
-                                  <p:childTnLst>
-                                    <p:set>
-                                      <p:cBhvr>
-                                        <p:cTn id="6" dur="1" fill="hold">
-                                          <p:stCondLst>
-                                            <p:cond delay="0"/>
-                                          </p:stCondLst>
-                                        </p:cTn>
-                                        <p:tgtEl>
-                                          <p:spTgt spid="15"/>
-                                        </p:tgtEl>
-                                        <p:attrNameLst>
-                                          <p:attrName>style.visibility</p:attrName>
-                                        </p:attrNameLst>
-                                      </p:cBhvr>
-                                      <p:to>
-                                        <p:strVal val="visible"/>
-                                      </p:to>
-                                    </p:set>
-                                    <p:anim calcmode="lin" valueType="num">
-                                      <p:cBhvr additive="base">
-                                        <p:cTn id="7" dur="500" fill="hold"/>
-                                        <p:tgtEl>
-                                          <p:spTgt spid="15"/>
-                                        </p:tgtEl>
-                                        <p:attrNameLst>
-                                          <p:attrName>ppt_x</p:attrName>
-                                        </p:attrNameLst>
-                                      </p:cBhvr>
-                                      <p:tavLst>
-                                        <p:tav tm="0">
-                                          <p:val>
-                                            <p:strVal val="#ppt_x"/>
-                                          </p:val>
-                                        </p:tav>
-                                        <p:tav tm="100000">
-                                          <p:val>
-                                            <p:strVal val="#ppt_x"/>
-                                          </p:val>
-                                        </p:tav>
-                                      </p:tavLst>
-                                    </p:anim>
-                                    <p:anim calcmode="lin" valueType="num">
-                                      <p:cBhvr additive="base">
-                                        <p:cTn id="8" dur="500" fill="hold"/>
-                                        <p:tgtEl>
-                                          <p:spTgt spid="15"/>
-                                        </p:tgtEl>
-                                        <p:attrNameLst>
-                                          <p:attrName>ppt_y</p:attrName>
-                                        </p:attrNameLst>
-                                      </p:cBhvr>
-                                      <p:tavLst>
-                                        <p:tav tm="0">
-                                          <p:val>
-                                            <p:strVal val="1+#ppt_h/2"/>
-                                          </p:val>
-                                        </p:tav>
-                                        <p:tav tm="100000">
-                                          <p:val>
-                                            <p:strVal val="#ppt_y"/>
-                                          </p:val>
-                                        </p:tav>
-                                      </p:tavLst>
-                                    </p:anim>
-                                  </p:childTnLst>
-                                </p:cTn>
-                              </p:par>
-                            </p:childTnLst>
-                          </p:cTn>
-                        </p:par>
-                      </p:childTnLst>
-                    </p:cTn>
-                  </p:par>
-                  <p:par>
-                    <p:cTn id="9" fill="hold">
-                      <p:stCondLst>
-                        <p:cond delay="indefinite"/>
-                      </p:stCondLst>
-                      <p:childTnLst>
-                        <p:par>
-                          <p:cTn id="10" fill="hold">
-                            <p:stCondLst>
-                              <p:cond delay="0"/>
-                            </p:stCondLst>
-                            <p:childTnLst>
-                              <p:par>
-                                <p:cTn id="11" presetID="2" presetClass="entr" presetSubtype="4" fill="hold" grpId="0" nodeType="clickEffect">
-                                  <p:stCondLst>
-                                    <p:cond delay="0"/>
-                                  </p:stCondLst>
-                                  <p:childTnLst>
-                                    <p:set>
-                                      <p:cBhvr>
-                                        <p:cTn id="12" dur="1" fill="hold">
-                                          <p:stCondLst>
-                                            <p:cond delay="0"/>
-                                          </p:stCondLst>
-                                        </p:cTn>
-                                        <p:tgtEl>
-                                          <p:spTgt spid="19"/>
-                                        </p:tgtEl>
-                                        <p:attrNameLst>
-                                          <p:attrName>style.visibility</p:attrName>
-                                        </p:attrNameLst>
-                                      </p:cBhvr>
-                                      <p:to>
-                                        <p:strVal val="visible"/>
-                                      </p:to>
-                                    </p:set>
-                                    <p:anim calcmode="lin" valueType="num">
-                                      <p:cBhvr additive="base">
-                                        <p:cTn id="13" dur="500" fill="hold"/>
-                                        <p:tgtEl>
-                                          <p:spTgt spid="19"/>
-                                        </p:tgtEl>
-                                        <p:attrNameLst>
-                                          <p:attrName>ppt_x</p:attrName>
-                                        </p:attrNameLst>
-                                      </p:cBhvr>
-                                      <p:tavLst>
-                                        <p:tav tm="0">
-                                          <p:val>
-                                            <p:strVal val="#ppt_x"/>
-                                          </p:val>
-                                        </p:tav>
-                                        <p:tav tm="100000">
-                                          <p:val>
-                                            <p:strVal val="#ppt_x"/>
-                                          </p:val>
-                                        </p:tav>
-                                      </p:tavLst>
-                                    </p:anim>
-                                    <p:anim calcmode="lin" valueType="num">
-                                      <p:cBhvr additive="base">
-                                        <p:cTn id="14" dur="500" fill="hold"/>
-                                        <p:tgtEl>
-                                          <p:spTgt spid="19"/>
-                                        </p:tgtEl>
-                                        <p:attrNameLst>
-                                          <p:attrName>ppt_y</p:attrName>
-                                        </p:attrNameLst>
-                                      </p:cBhvr>
-                                      <p:tavLst>
-                                        <p:tav tm="0">
-                                          <p:val>
-                                            <p:strVal val="1+#ppt_h/2"/>
-                                          </p:val>
-                                        </p:tav>
-                                        <p:tav tm="100000">
-                                          <p:val>
-                                            <p:strVal val="#ppt_y"/>
-                                          </p:val>
-                                        </p:tav>
-                                      </p:tavLst>
-                                    </p:anim>
-                                  </p:childTnLst>
-                                </p:cTn>
-                              </p:par>
-                            </p:childTnLst>
-                          </p:cTn>
-                        </p:par>
-                      </p:childTnLst>
-                    </p:cTn>
-                  </p:par>
-                  <p:par>
-                    <p:cTn id="15" fill="hold">
-                      <p:stCondLst>
-                        <p:cond delay="indefinite"/>
-                      </p:stCondLst>
-                      <p:childTnLst>
-                        <p:par>
-                          <p:cTn id="16" fill="hold">
-                            <p:stCondLst>
-                              <p:cond delay="0"/>
-                            </p:stCondLst>
-                            <p:childTnLst>
-                              <p:par>
-                                <p:cTn id="17" presetID="2" presetClass="entr" presetSubtype="4" fill="hold" grpId="0" nodeType="clickEffect">
-                                  <p:stCondLst>
-                                    <p:cond delay="0"/>
-                                  </p:stCondLst>
-                                  <p:childTnLst>
-                                    <p:set>
-                                      <p:cBhvr>
-                                        <p:cTn id="18" dur="1" fill="hold">
-                                          <p:stCondLst>
-                                            <p:cond delay="0"/>
-                                          </p:stCondLst>
-                                        </p:cTn>
-                                        <p:tgtEl>
-                                          <p:spTgt spid="23"/>
-                                        </p:tgtEl>
-                                        <p:attrNameLst>
-                                          <p:attrName>style.visibility</p:attrName>
-                                        </p:attrNameLst>
-                                      </p:cBhvr>
-                                      <p:to>
-                                        <p:strVal val="visible"/>
-                                      </p:to>
-                                    </p:set>
-                                    <p:anim calcmode="lin" valueType="num">
-                                      <p:cBhvr additive="base">
-                                        <p:cTn id="19" dur="500" fill="hold"/>
-                                        <p:tgtEl>
-                                          <p:spTgt spid="23"/>
-                                        </p:tgtEl>
-                                        <p:attrNameLst>
-                                          <p:attrName>ppt_x</p:attrName>
-                                        </p:attrNameLst>
-                                      </p:cBhvr>
-                                      <p:tavLst>
-                                        <p:tav tm="0">
-                                          <p:val>
-                                            <p:strVal val="#ppt_x"/>
-                                          </p:val>
-                                        </p:tav>
-                                        <p:tav tm="100000">
-                                          <p:val>
-                                            <p:strVal val="#ppt_x"/>
-                                          </p:val>
-                                        </p:tav>
-                                      </p:tavLst>
-                                    </p:anim>
-                                    <p:anim calcmode="lin" valueType="num">
-                                      <p:cBhvr additive="base">
-                                        <p:cTn id="20" dur="500" fill="hold"/>
-                                        <p:tgtEl>
-                                          <p:spTgt spid="23"/>
-                                        </p:tgtEl>
-                                        <p:attrNameLst>
-                                          <p:attrName>ppt_y</p:attrName>
-                                        </p:attrNameLst>
-                                      </p:cBhvr>
-                                      <p:tavLst>
-                                        <p:tav tm="0">
-                                          <p:val>
-                                            <p:strVal val="1+#ppt_h/2"/>
-                                          </p:val>
-                                        </p:tav>
-                                        <p:tav tm="100000">
-                                          <p:val>
-                                            <p:strVal val="#ppt_y"/>
-                                          </p:val>
-                                        </p:tav>
-                                      </p:tavLst>
-                                    </p:anim>
-                                  </p:childTnLst>
-                                </p:cTn>
-                              </p:par>
-                            </p:childTnLst>
-                          </p:cTn>
-                        </p:par>
-                      </p:childTnLst>
-                    </p:cTn>
-                  </p:par>
-                </p:childTnLst>
-              </p:cTn>
-              <p:prevCondLst>
-                <p:cond evt="onPrev" delay="0">
-                  <p:tgtEl>
-                    <p:sldTgt/>
-                  </p:tgtEl>
-                </p:cond>
-              </p:prevCondLst>
-              <p:nextCondLst>
-                <p:cond evt="onNext" delay="0">
-                  <p:tgtEl>
-                    <p:sldTgt/>
-                  </p:tgtEl>
-                </p:cond>
-              </p:nextCondLst>
-            </p:seq>
-          </p:childTnLst>
-        </p:cTn>
-      </p:par>
-    </p:tnLst>
-    <p:bldLst>
-      <p:bldP spid="15" grpId="0" animBg="1"/>
-      <p:bldP spid="19" grpId="0" animBg="1"/>
-      <p:bldP spid="23" grpId="0" animBg="1"/>
-    </p:bldLst>
-  </p:timing>
 </p:sld>
 </file>
 
-<file path=ppt/slides/slide8.xml><?xml version="1.0" encoding="utf-8"?>
+<file path=ppt/slides/slide7.xml><?xml version="1.0" encoding="utf-8"?>
 <p:sld xmlns:a="http://schemas.openxmlformats.org/drawingml/2006/main" xmlns:r="http://schemas.openxmlformats.org/officeDocument/2006/relationships" xmlns:p="http://schemas.openxmlformats.org/presentationml/2006/main">
   <p:cSld>
     <p:spTree>
@@ -12789,7 +7823,7 @@
             </a:avLst>
           </a:prstGeom>
           <a:solidFill>
-            <a:schemeClr val="accent1"/>
+            <a:srgbClr val="15965A"/>
           </a:solidFill>
           <a:ln>
             <a:noFill/>
@@ -12830,134 +7864,10 @@
   <p:clrMapOvr>
     <a:masterClrMapping/>
   </p:clrMapOvr>
-  <p:timing>
-    <p:tnLst>
-      <p:par>
-        <p:cTn id="1" dur="indefinite" restart="never" nodeType="tmRoot">
-          <p:childTnLst>
-            <p:seq concurrent="1" nextAc="seek">
-              <p:cTn id="2" dur="indefinite" nodeType="mainSeq">
-                <p:childTnLst>
-                  <p:par>
-                    <p:cTn id="3" fill="hold">
-                      <p:stCondLst>
-                        <p:cond delay="indefinite"/>
-                      </p:stCondLst>
-                      <p:childTnLst>
-                        <p:par>
-                          <p:cTn id="4" fill="hold">
-                            <p:stCondLst>
-                              <p:cond delay="0"/>
-                            </p:stCondLst>
-                            <p:childTnLst>
-                              <p:par>
-                                <p:cTn id="5" presetID="2" presetClass="entr" presetSubtype="4" fill="hold" grpId="0" nodeType="clickEffect">
-                                  <p:stCondLst>
-                                    <p:cond delay="0"/>
-                                  </p:stCondLst>
-                                  <p:childTnLst>
-                                    <p:set>
-                                      <p:cBhvr>
-                                        <p:cTn id="6" dur="1" fill="hold">
-                                          <p:stCondLst>
-                                            <p:cond delay="0"/>
-                                          </p:stCondLst>
-                                        </p:cTn>
-                                        <p:tgtEl>
-                                          <p:spTgt spid="6"/>
-                                        </p:tgtEl>
-                                        <p:attrNameLst>
-                                          <p:attrName>style.visibility</p:attrName>
-                                        </p:attrNameLst>
-                                      </p:cBhvr>
-                                      <p:to>
-                                        <p:strVal val="visible"/>
-                                      </p:to>
-                                    </p:set>
-                                    <p:anim calcmode="lin" valueType="num">
-                                      <p:cBhvr additive="base">
-                                        <p:cTn id="7" dur="500" fill="hold"/>
-                                        <p:tgtEl>
-                                          <p:spTgt spid="6"/>
-                                        </p:tgtEl>
-                                        <p:attrNameLst>
-                                          <p:attrName>ppt_x</p:attrName>
-                                        </p:attrNameLst>
-                                      </p:cBhvr>
-                                      <p:tavLst>
-                                        <p:tav tm="0">
-                                          <p:val>
-                                            <p:strVal val="#ppt_x"/>
-                                          </p:val>
-                                        </p:tav>
-                                        <p:tav tm="100000">
-                                          <p:val>
-                                            <p:strVal val="#ppt_x"/>
-                                          </p:val>
-                                        </p:tav>
-                                      </p:tavLst>
-                                    </p:anim>
-                                    <p:anim calcmode="lin" valueType="num">
-                                      <p:cBhvr additive="base">
-                                        <p:cTn id="8" dur="500" fill="hold"/>
-                                        <p:tgtEl>
-                                          <p:spTgt spid="6"/>
-                                        </p:tgtEl>
-                                        <p:attrNameLst>
-                                          <p:attrName>ppt_y</p:attrName>
-                                        </p:attrNameLst>
-                                      </p:cBhvr>
-                                      <p:tavLst>
-                                        <p:tav tm="0">
-                                          <p:val>
-                                            <p:strVal val="1+#ppt_h/2"/>
-                                          </p:val>
-                                        </p:tav>
-                                        <p:tav tm="100000">
-                                          <p:val>
-                                            <p:strVal val="#ppt_y"/>
-                                          </p:val>
-                                        </p:tav>
-                                      </p:tavLst>
-                                    </p:anim>
-                                  </p:childTnLst>
-                                </p:cTn>
-                              </p:par>
-                            </p:childTnLst>
-                          </p:cTn>
-                        </p:par>
-                      </p:childTnLst>
-                    </p:cTn>
-                  </p:par>
-                </p:childTnLst>
-              </p:cTn>
-              <p:prevCondLst>
-                <p:cond evt="onPrev" delay="0">
-                  <p:tgtEl>
-                    <p:sldTgt/>
-                  </p:tgtEl>
-                </p:cond>
-              </p:prevCondLst>
-              <p:nextCondLst>
-                <p:cond evt="onNext" delay="0">
-                  <p:tgtEl>
-                    <p:sldTgt/>
-                  </p:tgtEl>
-                </p:cond>
-              </p:nextCondLst>
-            </p:seq>
-          </p:childTnLst>
-        </p:cTn>
-      </p:par>
-    </p:tnLst>
-    <p:bldLst>
-      <p:bldP spid="6" grpId="0" animBg="1"/>
-    </p:bldLst>
-  </p:timing>
 </p:sld>
 </file>
 
-<file path=ppt/slides/slide9.xml><?xml version="1.0" encoding="utf-8"?>
+<file path=ppt/slides/slide8.xml><?xml version="1.0" encoding="utf-8"?>
 <p:sld xmlns:a="http://schemas.openxmlformats.org/drawingml/2006/main" xmlns:r="http://schemas.openxmlformats.org/officeDocument/2006/relationships" xmlns:p="http://schemas.openxmlformats.org/presentationml/2006/main">
   <p:cSld>
     <p:spTree>
@@ -13012,18 +7922,18 @@
         </p:nvSpPr>
         <p:spPr>
           <a:xfrm>
-            <a:off x="2076028" y="1873968"/>
+            <a:off x="3608096" y="1868141"/>
             <a:ext cx="1798820" cy="772664"/>
           </a:xfrm>
           <a:prstGeom prst="wedgeRoundRectCallout">
             <a:avLst>
-              <a:gd name="adj1" fmla="val 20049"/>
-              <a:gd name="adj2" fmla="val 191040"/>
+              <a:gd name="adj1" fmla="val -69026"/>
+              <a:gd name="adj2" fmla="val 199726"/>
               <a:gd name="adj3" fmla="val 16667"/>
             </a:avLst>
           </a:prstGeom>
           <a:solidFill>
-            <a:schemeClr val="accent1"/>
+            <a:srgbClr val="15965A"/>
           </a:solidFill>
           <a:ln>
             <a:noFill/>
@@ -13067,18 +7977,18 @@
         </p:nvSpPr>
         <p:spPr>
           <a:xfrm>
-            <a:off x="2076028" y="5411905"/>
+            <a:off x="3578139" y="5164371"/>
             <a:ext cx="1798820" cy="768772"/>
           </a:xfrm>
           <a:prstGeom prst="wedgeRoundRectCallout">
             <a:avLst>
-              <a:gd name="adj1" fmla="val 22222"/>
-              <a:gd name="adj2" fmla="val -148342"/>
+              <a:gd name="adj1" fmla="val -66387"/>
+              <a:gd name="adj2" fmla="val -115605"/>
               <a:gd name="adj3" fmla="val 16667"/>
             </a:avLst>
           </a:prstGeom>
           <a:solidFill>
-            <a:schemeClr val="accent1"/>
+            <a:srgbClr val="15965A"/>
           </a:solidFill>
           <a:ln>
             <a:noFill/>
@@ -13475,7 +8385,7 @@
             </a:avLst>
           </a:prstGeom>
           <a:solidFill>
-            <a:schemeClr val="accent1"/>
+            <a:srgbClr val="15965A"/>
           </a:solidFill>
           <a:ln>
             <a:noFill/>
@@ -13516,314 +8426,386 @@
   <p:clrMapOvr>
     <a:masterClrMapping/>
   </p:clrMapOvr>
-  <p:timing>
-    <p:tnLst>
-      <p:par>
-        <p:cTn id="1" dur="indefinite" restart="never" nodeType="tmRoot">
-          <p:childTnLst>
-            <p:seq concurrent="1" nextAc="seek">
-              <p:cTn id="2" dur="indefinite" nodeType="mainSeq">
-                <p:childTnLst>
-                  <p:par>
-                    <p:cTn id="3" fill="hold">
-                      <p:stCondLst>
-                        <p:cond delay="indefinite"/>
-                      </p:stCondLst>
-                      <p:childTnLst>
-                        <p:par>
-                          <p:cTn id="4" fill="hold">
-                            <p:stCondLst>
-                              <p:cond delay="0"/>
-                            </p:stCondLst>
-                            <p:childTnLst>
-                              <p:par>
-                                <p:cTn id="5" presetID="2" presetClass="entr" presetSubtype="4" fill="hold" grpId="0" nodeType="clickEffect">
-                                  <p:stCondLst>
-                                    <p:cond delay="0"/>
-                                  </p:stCondLst>
-                                  <p:childTnLst>
-                                    <p:set>
-                                      <p:cBhvr>
-                                        <p:cTn id="6" dur="1" fill="hold">
-                                          <p:stCondLst>
-                                            <p:cond delay="0"/>
-                                          </p:stCondLst>
-                                        </p:cTn>
-                                        <p:tgtEl>
-                                          <p:spTgt spid="9"/>
-                                        </p:tgtEl>
-                                        <p:attrNameLst>
-                                          <p:attrName>style.visibility</p:attrName>
-                                        </p:attrNameLst>
-                                      </p:cBhvr>
-                                      <p:to>
-                                        <p:strVal val="visible"/>
-                                      </p:to>
-                                    </p:set>
-                                    <p:anim calcmode="lin" valueType="num">
-                                      <p:cBhvr additive="base">
-                                        <p:cTn id="7" dur="500" fill="hold"/>
-                                        <p:tgtEl>
-                                          <p:spTgt spid="9"/>
-                                        </p:tgtEl>
-                                        <p:attrNameLst>
-                                          <p:attrName>ppt_x</p:attrName>
-                                        </p:attrNameLst>
-                                      </p:cBhvr>
-                                      <p:tavLst>
-                                        <p:tav tm="0">
-                                          <p:val>
-                                            <p:strVal val="#ppt_x"/>
-                                          </p:val>
-                                        </p:tav>
-                                        <p:tav tm="100000">
-                                          <p:val>
-                                            <p:strVal val="#ppt_x"/>
-                                          </p:val>
-                                        </p:tav>
-                                      </p:tavLst>
-                                    </p:anim>
-                                    <p:anim calcmode="lin" valueType="num">
-                                      <p:cBhvr additive="base">
-                                        <p:cTn id="8" dur="500" fill="hold"/>
-                                        <p:tgtEl>
-                                          <p:spTgt spid="9"/>
-                                        </p:tgtEl>
-                                        <p:attrNameLst>
-                                          <p:attrName>ppt_y</p:attrName>
-                                        </p:attrNameLst>
-                                      </p:cBhvr>
-                                      <p:tavLst>
-                                        <p:tav tm="0">
-                                          <p:val>
-                                            <p:strVal val="1+#ppt_h/2"/>
-                                          </p:val>
-                                        </p:tav>
-                                        <p:tav tm="100000">
-                                          <p:val>
-                                            <p:strVal val="#ppt_y"/>
-                                          </p:val>
-                                        </p:tav>
-                                      </p:tavLst>
-                                    </p:anim>
-                                  </p:childTnLst>
-                                </p:cTn>
-                              </p:par>
-                            </p:childTnLst>
-                          </p:cTn>
-                        </p:par>
-                      </p:childTnLst>
-                    </p:cTn>
-                  </p:par>
-                  <p:par>
-                    <p:cTn id="9" fill="hold">
-                      <p:stCondLst>
-                        <p:cond delay="indefinite"/>
-                      </p:stCondLst>
-                      <p:childTnLst>
-                        <p:par>
-                          <p:cTn id="10" fill="hold">
-                            <p:stCondLst>
-                              <p:cond delay="0"/>
-                            </p:stCondLst>
-                            <p:childTnLst>
-                              <p:par>
-                                <p:cTn id="11" presetID="2" presetClass="entr" presetSubtype="4" fill="hold" grpId="0" nodeType="clickEffect">
-                                  <p:stCondLst>
-                                    <p:cond delay="0"/>
-                                  </p:stCondLst>
-                                  <p:childTnLst>
-                                    <p:set>
-                                      <p:cBhvr>
-                                        <p:cTn id="12" dur="1" fill="hold">
-                                          <p:stCondLst>
-                                            <p:cond delay="0"/>
-                                          </p:stCondLst>
-                                        </p:cTn>
-                                        <p:tgtEl>
-                                          <p:spTgt spid="10"/>
-                                        </p:tgtEl>
-                                        <p:attrNameLst>
-                                          <p:attrName>style.visibility</p:attrName>
-                                        </p:attrNameLst>
-                                      </p:cBhvr>
-                                      <p:to>
-                                        <p:strVal val="visible"/>
-                                      </p:to>
-                                    </p:set>
-                                    <p:anim calcmode="lin" valueType="num">
-                                      <p:cBhvr additive="base">
-                                        <p:cTn id="13" dur="500" fill="hold"/>
-                                        <p:tgtEl>
-                                          <p:spTgt spid="10"/>
-                                        </p:tgtEl>
-                                        <p:attrNameLst>
-                                          <p:attrName>ppt_x</p:attrName>
-                                        </p:attrNameLst>
-                                      </p:cBhvr>
-                                      <p:tavLst>
-                                        <p:tav tm="0">
-                                          <p:val>
-                                            <p:strVal val="#ppt_x"/>
-                                          </p:val>
-                                        </p:tav>
-                                        <p:tav tm="100000">
-                                          <p:val>
-                                            <p:strVal val="#ppt_x"/>
-                                          </p:val>
-                                        </p:tav>
-                                      </p:tavLst>
-                                    </p:anim>
-                                    <p:anim calcmode="lin" valueType="num">
-                                      <p:cBhvr additive="base">
-                                        <p:cTn id="14" dur="500" fill="hold"/>
-                                        <p:tgtEl>
-                                          <p:spTgt spid="10"/>
-                                        </p:tgtEl>
-                                        <p:attrNameLst>
-                                          <p:attrName>ppt_y</p:attrName>
-                                        </p:attrNameLst>
-                                      </p:cBhvr>
-                                      <p:tavLst>
-                                        <p:tav tm="0">
-                                          <p:val>
-                                            <p:strVal val="1+#ppt_h/2"/>
-                                          </p:val>
-                                        </p:tav>
-                                        <p:tav tm="100000">
-                                          <p:val>
-                                            <p:strVal val="#ppt_y"/>
-                                          </p:val>
-                                        </p:tav>
-                                      </p:tavLst>
-                                    </p:anim>
-                                  </p:childTnLst>
-                                </p:cTn>
-                              </p:par>
-                            </p:childTnLst>
-                          </p:cTn>
-                        </p:par>
-                      </p:childTnLst>
-                    </p:cTn>
-                  </p:par>
-                  <p:par>
-                    <p:cTn id="15" fill="hold">
-                      <p:stCondLst>
-                        <p:cond delay="indefinite"/>
-                      </p:stCondLst>
-                      <p:childTnLst>
-                        <p:par>
-                          <p:cTn id="16" fill="hold">
-                            <p:stCondLst>
-                              <p:cond delay="0"/>
-                            </p:stCondLst>
-                            <p:childTnLst>
-                              <p:par>
-                                <p:cTn id="17" presetID="2" presetClass="entr" presetSubtype="4" fill="hold" grpId="0" nodeType="clickEffect">
-                                  <p:stCondLst>
-                                    <p:cond delay="0"/>
-                                  </p:stCondLst>
-                                  <p:childTnLst>
-                                    <p:set>
-                                      <p:cBhvr>
-                                        <p:cTn id="18" dur="1" fill="hold">
-                                          <p:stCondLst>
-                                            <p:cond delay="0"/>
-                                          </p:stCondLst>
-                                        </p:cTn>
-                                        <p:tgtEl>
-                                          <p:spTgt spid="16"/>
-                                        </p:tgtEl>
-                                        <p:attrNameLst>
-                                          <p:attrName>style.visibility</p:attrName>
-                                        </p:attrNameLst>
-                                      </p:cBhvr>
-                                      <p:to>
-                                        <p:strVal val="visible"/>
-                                      </p:to>
-                                    </p:set>
-                                    <p:anim calcmode="lin" valueType="num">
-                                      <p:cBhvr additive="base">
-                                        <p:cTn id="19" dur="500" fill="hold"/>
-                                        <p:tgtEl>
-                                          <p:spTgt spid="16"/>
-                                        </p:tgtEl>
-                                        <p:attrNameLst>
-                                          <p:attrName>ppt_x</p:attrName>
-                                        </p:attrNameLst>
-                                      </p:cBhvr>
-                                      <p:tavLst>
-                                        <p:tav tm="0">
-                                          <p:val>
-                                            <p:strVal val="#ppt_x"/>
-                                          </p:val>
-                                        </p:tav>
-                                        <p:tav tm="100000">
-                                          <p:val>
-                                            <p:strVal val="#ppt_x"/>
-                                          </p:val>
-                                        </p:tav>
-                                      </p:tavLst>
-                                    </p:anim>
-                                    <p:anim calcmode="lin" valueType="num">
-                                      <p:cBhvr additive="base">
-                                        <p:cTn id="20" dur="500" fill="hold"/>
-                                        <p:tgtEl>
-                                          <p:spTgt spid="16"/>
-                                        </p:tgtEl>
-                                        <p:attrNameLst>
-                                          <p:attrName>ppt_y</p:attrName>
-                                        </p:attrNameLst>
-                                      </p:cBhvr>
-                                      <p:tavLst>
-                                        <p:tav tm="0">
-                                          <p:val>
-                                            <p:strVal val="1+#ppt_h/2"/>
-                                          </p:val>
-                                        </p:tav>
-                                        <p:tav tm="100000">
-                                          <p:val>
-                                            <p:strVal val="#ppt_y"/>
-                                          </p:val>
-                                        </p:tav>
-                                      </p:tavLst>
-                                    </p:anim>
-                                  </p:childTnLst>
-                                </p:cTn>
-                              </p:par>
-                            </p:childTnLst>
-                          </p:cTn>
-                        </p:par>
-                      </p:childTnLst>
-                    </p:cTn>
-                  </p:par>
-                </p:childTnLst>
-              </p:cTn>
-              <p:prevCondLst>
-                <p:cond evt="onPrev" delay="0">
-                  <p:tgtEl>
-                    <p:sldTgt/>
-                  </p:tgtEl>
-                </p:cond>
-              </p:prevCondLst>
-              <p:nextCondLst>
-                <p:cond evt="onNext" delay="0">
-                  <p:tgtEl>
-                    <p:sldTgt/>
-                  </p:tgtEl>
-                </p:cond>
-              </p:nextCondLst>
-            </p:seq>
-          </p:childTnLst>
-        </p:cTn>
-      </p:par>
-    </p:tnLst>
-    <p:bldLst>
-      <p:bldP spid="9" grpId="0" animBg="1"/>
-      <p:bldP spid="10" grpId="0" animBg="1"/>
-      <p:bldP spid="16" grpId="0" animBg="1"/>
-    </p:bldLst>
-  </p:timing>
+</p:sld>
+</file>
+
+<file path=ppt/slides/slide9.xml><?xml version="1.0" encoding="utf-8"?>
+<p:sld xmlns:a="http://schemas.openxmlformats.org/drawingml/2006/main" xmlns:r="http://schemas.openxmlformats.org/officeDocument/2006/relationships" xmlns:p="http://schemas.openxmlformats.org/presentationml/2006/main">
+  <p:cSld>
+    <p:spTree>
+      <p:nvGrpSpPr>
+        <p:cNvPr id="1" name=""/>
+        <p:cNvGrpSpPr/>
+        <p:nvPr/>
+      </p:nvGrpSpPr>
+      <p:grpSpPr>
+        <a:xfrm>
+          <a:off x="0" y="0"/>
+          <a:ext cx="0" cy="0"/>
+          <a:chOff x="0" y="0"/>
+          <a:chExt cx="0" cy="0"/>
+        </a:xfrm>
+      </p:grpSpPr>
+      <p:pic>
+        <p:nvPicPr>
+          <p:cNvPr id="2" name="Picture 1">
+            <a:extLst>
+              <a:ext uri="{FF2B5EF4-FFF2-40B4-BE49-F238E27FC236}">
+                <a16:creationId xmlns:a16="http://schemas.microsoft.com/office/drawing/2014/main" id="{A9D4C000-0032-45C3-892A-6BCC8506B079}"/>
+              </a:ext>
+            </a:extLst>
+          </p:cNvPr>
+          <p:cNvPicPr>
+            <a:picLocks noChangeAspect="1"/>
+          </p:cNvPicPr>
+          <p:nvPr/>
+        </p:nvPicPr>
+        <p:blipFill>
+          <a:blip r:embed="rId2"/>
+          <a:stretch>
+            <a:fillRect/>
+          </a:stretch>
+        </p:blipFill>
+        <p:spPr>
+          <a:xfrm>
+            <a:off x="2057400" y="1676400"/>
+            <a:ext cx="5029200" cy="3505200"/>
+          </a:xfrm>
+          <a:prstGeom prst="rect">
+            <a:avLst/>
+          </a:prstGeom>
+        </p:spPr>
+      </p:pic>
+      <p:sp>
+        <p:nvSpPr>
+          <p:cNvPr id="7" name="Rectangle 6"/>
+          <p:cNvSpPr/>
+          <p:nvPr/>
+        </p:nvSpPr>
+        <p:spPr>
+          <a:xfrm>
+            <a:off x="4333875" y="3953558"/>
+            <a:ext cx="266700" cy="582723"/>
+          </a:xfrm>
+          <a:prstGeom prst="rect">
+            <a:avLst/>
+          </a:prstGeom>
+          <a:noFill/>
+          <a:ln w="19050">
+            <a:solidFill>
+              <a:srgbClr val="FF0000"/>
+            </a:solidFill>
+          </a:ln>
+        </p:spPr>
+        <p:style>
+          <a:lnRef idx="1">
+            <a:schemeClr val="accent1"/>
+          </a:lnRef>
+          <a:fillRef idx="3">
+            <a:schemeClr val="accent1"/>
+          </a:fillRef>
+          <a:effectRef idx="2">
+            <a:schemeClr val="accent1"/>
+          </a:effectRef>
+          <a:fontRef idx="minor">
+            <a:schemeClr val="lt1"/>
+          </a:fontRef>
+        </p:style>
+        <p:txBody>
+          <a:bodyPr rtlCol="0" anchor="ctr"/>
+          <a:lstStyle/>
+          <a:p>
+            <a:pPr algn="ctr"/>
+            <a:endParaRPr lang="en-US"/>
+          </a:p>
+        </p:txBody>
+      </p:sp>
+      <p:sp>
+        <p:nvSpPr>
+          <p:cNvPr id="9" name="Rectangle 8"/>
+          <p:cNvSpPr/>
+          <p:nvPr/>
+        </p:nvSpPr>
+        <p:spPr>
+          <a:xfrm>
+            <a:off x="4626772" y="3015386"/>
+            <a:ext cx="1835942" cy="901770"/>
+          </a:xfrm>
+          <a:prstGeom prst="rect">
+            <a:avLst/>
+          </a:prstGeom>
+          <a:noFill/>
+          <a:ln w="19050">
+            <a:solidFill>
+              <a:srgbClr val="FF0000"/>
+            </a:solidFill>
+          </a:ln>
+        </p:spPr>
+        <p:style>
+          <a:lnRef idx="1">
+            <a:schemeClr val="accent1"/>
+          </a:lnRef>
+          <a:fillRef idx="3">
+            <a:schemeClr val="accent1"/>
+          </a:fillRef>
+          <a:effectRef idx="2">
+            <a:schemeClr val="accent1"/>
+          </a:effectRef>
+          <a:fontRef idx="minor">
+            <a:schemeClr val="lt1"/>
+          </a:fontRef>
+        </p:style>
+        <p:txBody>
+          <a:bodyPr rtlCol="0" anchor="ctr"/>
+          <a:lstStyle/>
+          <a:p>
+            <a:pPr algn="ctr"/>
+            <a:endParaRPr lang="en-US"/>
+          </a:p>
+        </p:txBody>
+      </p:sp>
+      <p:sp>
+        <p:nvSpPr>
+          <p:cNvPr id="11" name="Rounded Rectangular Callout 10"/>
+          <p:cNvSpPr/>
+          <p:nvPr/>
+        </p:nvSpPr>
+        <p:spPr>
+          <a:xfrm>
+            <a:off x="7423141" y="3429000"/>
+            <a:ext cx="1608945" cy="941881"/>
+          </a:xfrm>
+          <a:prstGeom prst="wedgeRoundRectCallout">
+            <a:avLst>
+              <a:gd name="adj1" fmla="val -126995"/>
+              <a:gd name="adj2" fmla="val -51167"/>
+              <a:gd name="adj3" fmla="val 16667"/>
+            </a:avLst>
+          </a:prstGeom>
+          <a:solidFill>
+            <a:srgbClr val="15965A"/>
+          </a:solidFill>
+          <a:ln>
+            <a:noFill/>
+          </a:ln>
+        </p:spPr>
+        <p:style>
+          <a:lnRef idx="1">
+            <a:schemeClr val="accent1"/>
+          </a:lnRef>
+          <a:fillRef idx="3">
+            <a:schemeClr val="accent1"/>
+          </a:fillRef>
+          <a:effectRef idx="2">
+            <a:schemeClr val="accent1"/>
+          </a:effectRef>
+          <a:fontRef idx="minor">
+            <a:schemeClr val="lt1"/>
+          </a:fontRef>
+        </p:style>
+        <p:txBody>
+          <a:bodyPr rtlCol="0" anchor="ctr"/>
+          <a:lstStyle/>
+          <a:p>
+            <a:pPr algn="ctr"/>
+            <a:r>
+              <a:rPr lang="en-US" sz="1400" dirty="0">
+                <a:solidFill>
+                  <a:schemeClr val="bg1"/>
+                </a:solidFill>
+              </a:rPr>
+              <a:t>Encapsulated</a:t>
+            </a:r>
+          </a:p>
+        </p:txBody>
+      </p:sp>
+      <p:sp>
+        <p:nvSpPr>
+          <p:cNvPr id="13" name="Rectangle 12"/>
+          <p:cNvSpPr/>
+          <p:nvPr/>
+        </p:nvSpPr>
+        <p:spPr>
+          <a:xfrm>
+            <a:off x="4333875" y="2708184"/>
+            <a:ext cx="2752725" cy="275502"/>
+          </a:xfrm>
+          <a:prstGeom prst="rect">
+            <a:avLst/>
+          </a:prstGeom>
+          <a:noFill/>
+          <a:ln w="19050">
+            <a:solidFill>
+              <a:srgbClr val="FF0000"/>
+            </a:solidFill>
+          </a:ln>
+        </p:spPr>
+        <p:style>
+          <a:lnRef idx="1">
+            <a:schemeClr val="accent1"/>
+          </a:lnRef>
+          <a:fillRef idx="3">
+            <a:schemeClr val="accent1"/>
+          </a:fillRef>
+          <a:effectRef idx="2">
+            <a:schemeClr val="accent1"/>
+          </a:effectRef>
+          <a:fontRef idx="minor">
+            <a:schemeClr val="lt1"/>
+          </a:fontRef>
+        </p:style>
+        <p:txBody>
+          <a:bodyPr rtlCol="0" anchor="ctr"/>
+          <a:lstStyle/>
+          <a:p>
+            <a:pPr algn="ctr"/>
+            <a:endParaRPr lang="en-US"/>
+          </a:p>
+        </p:txBody>
+      </p:sp>
+      <p:sp>
+        <p:nvSpPr>
+          <p:cNvPr id="12" name="Rounded Rectangular Callout 11"/>
+          <p:cNvSpPr/>
+          <p:nvPr/>
+        </p:nvSpPr>
+        <p:spPr>
+          <a:xfrm>
+            <a:off x="7423140" y="2162319"/>
+            <a:ext cx="1608945" cy="941881"/>
+          </a:xfrm>
+          <a:prstGeom prst="wedgeRoundRectCallout">
+            <a:avLst>
+              <a:gd name="adj1" fmla="val -84411"/>
+              <a:gd name="adj2" fmla="val 24016"/>
+              <a:gd name="adj3" fmla="val 16667"/>
+            </a:avLst>
+          </a:prstGeom>
+          <a:solidFill>
+            <a:srgbClr val="15965A"/>
+          </a:solidFill>
+          <a:ln>
+            <a:noFill/>
+          </a:ln>
+        </p:spPr>
+        <p:style>
+          <a:lnRef idx="1">
+            <a:schemeClr val="accent1"/>
+          </a:lnRef>
+          <a:fillRef idx="3">
+            <a:schemeClr val="accent1"/>
+          </a:fillRef>
+          <a:effectRef idx="2">
+            <a:schemeClr val="accent1"/>
+          </a:effectRef>
+          <a:fontRef idx="minor">
+            <a:schemeClr val="lt1"/>
+          </a:fontRef>
+        </p:style>
+        <p:txBody>
+          <a:bodyPr rtlCol="0" anchor="ctr"/>
+          <a:lstStyle/>
+          <a:p>
+            <a:pPr algn="ctr"/>
+            <a:r>
+              <a:rPr lang="en-US" sz="1400">
+                <a:solidFill>
+                  <a:schemeClr val="bg1"/>
+                </a:solidFill>
+              </a:rPr>
+              <a:t>Not used</a:t>
+            </a:r>
+          </a:p>
+        </p:txBody>
+      </p:sp>
+      <p:sp>
+        <p:nvSpPr>
+          <p:cNvPr id="16" name="Rounded Rectangular Callout 15"/>
+          <p:cNvSpPr/>
+          <p:nvPr/>
+        </p:nvSpPr>
+        <p:spPr>
+          <a:xfrm>
+            <a:off x="5477655" y="4313555"/>
+            <a:ext cx="1608945" cy="941881"/>
+          </a:xfrm>
+          <a:prstGeom prst="wedgeRoundRectCallout">
+            <a:avLst>
+              <a:gd name="adj1" fmla="val -109357"/>
+              <a:gd name="adj2" fmla="val -54515"/>
+              <a:gd name="adj3" fmla="val 16667"/>
+            </a:avLst>
+          </a:prstGeom>
+          <a:solidFill>
+            <a:srgbClr val="15965A"/>
+          </a:solidFill>
+          <a:ln>
+            <a:noFill/>
+          </a:ln>
+        </p:spPr>
+        <p:style>
+          <a:lnRef idx="1">
+            <a:schemeClr val="accent1"/>
+          </a:lnRef>
+          <a:fillRef idx="3">
+            <a:schemeClr val="accent1"/>
+          </a:fillRef>
+          <a:effectRef idx="2">
+            <a:schemeClr val="accent1"/>
+          </a:effectRef>
+          <a:fontRef idx="minor">
+            <a:schemeClr val="lt1"/>
+          </a:fontRef>
+        </p:style>
+        <p:txBody>
+          <a:bodyPr rtlCol="0" anchor="ctr"/>
+          <a:lstStyle/>
+          <a:p>
+            <a:pPr algn="ctr"/>
+            <a:r>
+              <a:rPr lang="en-US" sz="1400">
+                <a:solidFill>
+                  <a:schemeClr val="bg1"/>
+                </a:solidFill>
+              </a:rPr>
+              <a:t>Public interface</a:t>
+            </a:r>
+          </a:p>
+        </p:txBody>
+      </p:sp>
+      <p:sp>
+        <p:nvSpPr>
+          <p:cNvPr id="14" name="Rectangle 13"/>
+          <p:cNvSpPr/>
+          <p:nvPr/>
+        </p:nvSpPr>
+        <p:spPr>
+          <a:xfrm>
+            <a:off x="1370330" y="5992593"/>
+            <a:ext cx="2232919" cy="369332"/>
+          </a:xfrm>
+          <a:prstGeom prst="rect">
+            <a:avLst/>
+          </a:prstGeom>
+        </p:spPr>
+        <p:txBody>
+          <a:bodyPr wrap="none">
+            <a:spAutoFit/>
+          </a:bodyPr>
+          <a:lstStyle/>
+          <a:p>
+            <a:r>
+              <a:rPr lang="en-US" dirty="0"/>
+              <a:t>Encapsulation Pattern</a:t>
+            </a:r>
+          </a:p>
+        </p:txBody>
+      </p:sp>
+    </p:spTree>
+  </p:cSld>
+  <p:clrMapOvr>
+    <a:masterClrMapping/>
+  </p:clrMapOvr>
 </p:sld>
 </file>
 

--- a/assets/img/Images.pptx
+++ b/assets/img/Images.pptx
@@ -6150,8 +6150,8 @@
         </p:blipFill>
         <p:spPr bwMode="auto">
           <a:xfrm>
-            <a:off x="913718" y="1417269"/>
-            <a:ext cx="6366510" cy="5093208"/>
+            <a:off x="913717" y="1322548"/>
+            <a:ext cx="6159061" cy="4927249"/>
           </a:xfrm>
           <a:prstGeom prst="rect">
             <a:avLst/>
@@ -6174,13 +6174,13 @@
         </p:nvSpPr>
         <p:spPr>
           <a:xfrm>
-            <a:off x="7360116" y="4954352"/>
+            <a:off x="6583112" y="4648028"/>
             <a:ext cx="1266669" cy="612648"/>
           </a:xfrm>
           <a:prstGeom prst="wedgeRoundRectCallout">
             <a:avLst>
-              <a:gd name="adj1" fmla="val -160859"/>
-              <a:gd name="adj2" fmla="val -158182"/>
+              <a:gd name="adj1" fmla="val -103240"/>
+              <a:gd name="adj2" fmla="val -136273"/>
               <a:gd name="adj3" fmla="val 16667"/>
             </a:avLst>
           </a:prstGeom>
@@ -6229,13 +6229,13 @@
         </p:nvSpPr>
         <p:spPr>
           <a:xfrm>
-            <a:off x="7380314" y="4005064"/>
+            <a:off x="6583112" y="3657176"/>
             <a:ext cx="1266669" cy="612648"/>
           </a:xfrm>
           <a:prstGeom prst="wedgeRoundRectCallout">
             <a:avLst>
-              <a:gd name="adj1" fmla="val -113893"/>
-              <a:gd name="adj2" fmla="val -7130"/>
+              <a:gd name="adj1" fmla="val -62234"/>
+              <a:gd name="adj2" fmla="val -89288"/>
               <a:gd name="adj3" fmla="val 16667"/>
             </a:avLst>
           </a:prstGeom>
@@ -6284,13 +6284,13 @@
         </p:nvSpPr>
         <p:spPr>
           <a:xfrm>
-            <a:off x="7378476" y="2934593"/>
+            <a:off x="6583113" y="2666324"/>
             <a:ext cx="1266669" cy="612648"/>
           </a:xfrm>
           <a:prstGeom prst="wedgeRoundRectCallout">
             <a:avLst>
-              <a:gd name="adj1" fmla="val -172166"/>
-              <a:gd name="adj2" fmla="val -73666"/>
+              <a:gd name="adj1" fmla="val -117858"/>
+              <a:gd name="adj2" fmla="val -50388"/>
               <a:gd name="adj3" fmla="val 16667"/>
             </a:avLst>
           </a:prstGeom>
@@ -6339,13 +6339,13 @@
         </p:nvSpPr>
         <p:spPr>
           <a:xfrm>
-            <a:off x="5221007" y="4787263"/>
-            <a:ext cx="1266669" cy="612648"/>
+            <a:off x="5172774" y="4648028"/>
+            <a:ext cx="1135748" cy="612648"/>
           </a:xfrm>
           <a:prstGeom prst="wedgeRoundRectCallout">
             <a:avLst>
-              <a:gd name="adj1" fmla="val -73015"/>
-              <a:gd name="adj2" fmla="val -104235"/>
+              <a:gd name="adj1" fmla="val -67717"/>
+              <a:gd name="adj2" fmla="val -106974"/>
               <a:gd name="adj3" fmla="val 16667"/>
             </a:avLst>
           </a:prstGeom>
@@ -6394,13 +6394,13 @@
         </p:nvSpPr>
         <p:spPr>
           <a:xfrm>
-            <a:off x="163279" y="1970113"/>
+            <a:off x="536712" y="1810722"/>
             <a:ext cx="1534510" cy="616128"/>
           </a:xfrm>
           <a:prstGeom prst="wedgeRoundRectCallout">
             <a:avLst>
-              <a:gd name="adj1" fmla="val 34848"/>
-              <a:gd name="adj2" fmla="val 91081"/>
+              <a:gd name="adj1" fmla="val 65463"/>
+              <a:gd name="adj2" fmla="val 76104"/>
               <a:gd name="adj3" fmla="val 16667"/>
             </a:avLst>
           </a:prstGeom>
@@ -6436,62 +6436,7 @@
                   <a:schemeClr val="bg1"/>
                 </a:solidFill>
               </a:rPr>
-              <a:t>Many ingoing dependencies</a:t>
-            </a:r>
-          </a:p>
-        </p:txBody>
-      </p:sp>
-      <p:sp>
-        <p:nvSpPr>
-          <p:cNvPr id="12" name="Rounded Rectangular Callout 11"/>
-          <p:cNvSpPr/>
-          <p:nvPr/>
-        </p:nvSpPr>
-        <p:spPr>
-          <a:xfrm>
-            <a:off x="179045" y="3184058"/>
-            <a:ext cx="1571296" cy="616128"/>
-          </a:xfrm>
-          <a:prstGeom prst="wedgeRoundRectCallout">
-            <a:avLst>
-              <a:gd name="adj1" fmla="val 33836"/>
-              <a:gd name="adj2" fmla="val 79141"/>
-              <a:gd name="adj3" fmla="val 16667"/>
-            </a:avLst>
-          </a:prstGeom>
-          <a:solidFill>
-            <a:srgbClr val="15965A"/>
-          </a:solidFill>
-          <a:ln>
-            <a:noFill/>
-          </a:ln>
-        </p:spPr>
-        <p:style>
-          <a:lnRef idx="1">
-            <a:schemeClr val="accent1"/>
-          </a:lnRef>
-          <a:fillRef idx="3">
-            <a:schemeClr val="accent1"/>
-          </a:fillRef>
-          <a:effectRef idx="2">
-            <a:schemeClr val="accent1"/>
-          </a:effectRef>
-          <a:fontRef idx="minor">
-            <a:schemeClr val="lt1"/>
-          </a:fontRef>
-        </p:style>
-        <p:txBody>
-          <a:bodyPr rtlCol="0" anchor="ctr"/>
-          <a:lstStyle/>
-          <a:p>
-            <a:pPr algn="ctr"/>
-            <a:r>
-              <a:rPr lang="en-US" sz="1400" dirty="0">
-                <a:solidFill>
-                  <a:schemeClr val="bg1"/>
-                </a:solidFill>
-              </a:rPr>
-              <a:t>Many outgoing dependencies</a:t>
+              <a:t>Many dependencies</a:t>
             </a:r>
           </a:p>
         </p:txBody>

--- a/assets/img/Images.pptx
+++ b/assets/img/Images.pptx
@@ -5,24 +5,36 @@
     <p:sldMasterId id="2147483663" r:id="rId1"/>
   </p:sldMasterIdLst>
   <p:notesMasterIdLst>
-    <p:notesMasterId r:id="rId17"/>
+    <p:notesMasterId r:id="rId29"/>
   </p:notesMasterIdLst>
   <p:sldIdLst>
-    <p:sldId id="286" r:id="rId2"/>
-    <p:sldId id="269" r:id="rId3"/>
-    <p:sldId id="270" r:id="rId4"/>
-    <p:sldId id="271" r:id="rId5"/>
-    <p:sldId id="272" r:id="rId6"/>
-    <p:sldId id="274" r:id="rId7"/>
-    <p:sldId id="275" r:id="rId8"/>
-    <p:sldId id="276" r:id="rId9"/>
-    <p:sldId id="279" r:id="rId10"/>
-    <p:sldId id="280" r:id="rId11"/>
-    <p:sldId id="281" r:id="rId12"/>
-    <p:sldId id="283" r:id="rId13"/>
-    <p:sldId id="284" r:id="rId14"/>
-    <p:sldId id="285" r:id="rId15"/>
-    <p:sldId id="287" r:id="rId16"/>
+    <p:sldId id="288" r:id="rId2"/>
+    <p:sldId id="286" r:id="rId3"/>
+    <p:sldId id="269" r:id="rId4"/>
+    <p:sldId id="270" r:id="rId5"/>
+    <p:sldId id="271" r:id="rId6"/>
+    <p:sldId id="272" r:id="rId7"/>
+    <p:sldId id="274" r:id="rId8"/>
+    <p:sldId id="275" r:id="rId9"/>
+    <p:sldId id="276" r:id="rId10"/>
+    <p:sldId id="279" r:id="rId11"/>
+    <p:sldId id="280" r:id="rId12"/>
+    <p:sldId id="281" r:id="rId13"/>
+    <p:sldId id="283" r:id="rId14"/>
+    <p:sldId id="284" r:id="rId15"/>
+    <p:sldId id="285" r:id="rId16"/>
+    <p:sldId id="287" r:id="rId17"/>
+    <p:sldId id="289" r:id="rId18"/>
+    <p:sldId id="290" r:id="rId19"/>
+    <p:sldId id="291" r:id="rId20"/>
+    <p:sldId id="293" r:id="rId21"/>
+    <p:sldId id="297" r:id="rId22"/>
+    <p:sldId id="298" r:id="rId23"/>
+    <p:sldId id="292" r:id="rId24"/>
+    <p:sldId id="294" r:id="rId25"/>
+    <p:sldId id="295" r:id="rId26"/>
+    <p:sldId id="296" r:id="rId27"/>
+    <p:sldId id="299" r:id="rId28"/>
   </p:sldIdLst>
   <p:sldSz cx="9144000" cy="6858000" type="screen4x3"/>
   <p:notesSz cx="6858000" cy="9144000"/>
@@ -211,7 +223,7 @@
           <a:p>
             <a:fld id="{0CC1478D-87B6-451A-8696-61271112EFBC}" type="datetimeFigureOut">
               <a:rPr lang="en-US" smtClean="0"/>
-              <a:t>1/13/2021</a:t>
+              <a:t>1/17/2021</a:t>
             </a:fld>
             <a:endParaRPr lang="en-US"/>
           </a:p>
@@ -609,7 +621,7 @@
           <a:p>
             <a:fld id="{788667A8-8BE1-4384-8E52-CA6CA56C077B}" type="datetimeFigureOut">
               <a:rPr lang="en-US" smtClean="0"/>
-              <a:t>1/13/2021</a:t>
+              <a:t>1/17/2021</a:t>
             </a:fld>
             <a:endParaRPr lang="en-US"/>
           </a:p>
@@ -779,7 +791,7 @@
           <a:p>
             <a:fld id="{788667A8-8BE1-4384-8E52-CA6CA56C077B}" type="datetimeFigureOut">
               <a:rPr lang="en-US" smtClean="0"/>
-              <a:t>1/13/2021</a:t>
+              <a:t>1/17/2021</a:t>
             </a:fld>
             <a:endParaRPr lang="en-US"/>
           </a:p>
@@ -959,7 +971,7 @@
           <a:p>
             <a:fld id="{788667A8-8BE1-4384-8E52-CA6CA56C077B}" type="datetimeFigureOut">
               <a:rPr lang="en-US" smtClean="0"/>
-              <a:t>1/13/2021</a:t>
+              <a:t>1/17/2021</a:t>
             </a:fld>
             <a:endParaRPr lang="en-US"/>
           </a:p>
@@ -1189,7 +1201,7 @@
           <a:p>
             <a:fld id="{788667A8-8BE1-4384-8E52-CA6CA56C077B}" type="datetimeFigureOut">
               <a:rPr lang="en-US" smtClean="0"/>
-              <a:t>1/13/2021</a:t>
+              <a:t>1/17/2021</a:t>
             </a:fld>
             <a:endParaRPr lang="en-US"/>
           </a:p>
@@ -1433,7 +1445,7 @@
           <a:p>
             <a:fld id="{788667A8-8BE1-4384-8E52-CA6CA56C077B}" type="datetimeFigureOut">
               <a:rPr lang="en-US" smtClean="0"/>
-              <a:t>1/13/2021</a:t>
+              <a:t>1/17/2021</a:t>
             </a:fld>
             <a:endParaRPr lang="en-US"/>
           </a:p>
@@ -1665,7 +1677,7 @@
           <a:p>
             <a:fld id="{788667A8-8BE1-4384-8E52-CA6CA56C077B}" type="datetimeFigureOut">
               <a:rPr lang="en-US" smtClean="0"/>
-              <a:t>1/13/2021</a:t>
+              <a:t>1/17/2021</a:t>
             </a:fld>
             <a:endParaRPr lang="en-US"/>
           </a:p>
@@ -2032,7 +2044,7 @@
           <a:p>
             <a:fld id="{788667A8-8BE1-4384-8E52-CA6CA56C077B}" type="datetimeFigureOut">
               <a:rPr lang="en-US" smtClean="0"/>
-              <a:t>1/13/2021</a:t>
+              <a:t>1/17/2021</a:t>
             </a:fld>
             <a:endParaRPr lang="en-US"/>
           </a:p>
@@ -2150,7 +2162,7 @@
           <a:p>
             <a:fld id="{788667A8-8BE1-4384-8E52-CA6CA56C077B}" type="datetimeFigureOut">
               <a:rPr lang="en-US" smtClean="0"/>
-              <a:t>1/13/2021</a:t>
+              <a:t>1/17/2021</a:t>
             </a:fld>
             <a:endParaRPr lang="en-US"/>
           </a:p>
@@ -2245,7 +2257,7 @@
           <a:p>
             <a:fld id="{788667A8-8BE1-4384-8E52-CA6CA56C077B}" type="datetimeFigureOut">
               <a:rPr lang="en-US" smtClean="0"/>
-              <a:t>1/13/2021</a:t>
+              <a:t>1/17/2021</a:t>
             </a:fld>
             <a:endParaRPr lang="en-US"/>
           </a:p>
@@ -2522,7 +2534,7 @@
           <a:p>
             <a:fld id="{788667A8-8BE1-4384-8E52-CA6CA56C077B}" type="datetimeFigureOut">
               <a:rPr lang="en-US" smtClean="0"/>
-              <a:t>1/13/2021</a:t>
+              <a:t>1/17/2021</a:t>
             </a:fld>
             <a:endParaRPr lang="en-US"/>
           </a:p>
@@ -2779,7 +2791,7 @@
           <a:p>
             <a:fld id="{788667A8-8BE1-4384-8E52-CA6CA56C077B}" type="datetimeFigureOut">
               <a:rPr lang="en-US" smtClean="0"/>
-              <a:t>1/13/2021</a:t>
+              <a:t>1/17/2021</a:t>
             </a:fld>
             <a:endParaRPr lang="en-US"/>
           </a:p>
@@ -2992,7 +3004,7 @@
           <a:p>
             <a:fld id="{788667A8-8BE1-4384-8E52-CA6CA56C077B}" type="datetimeFigureOut">
               <a:rPr lang="en-US" smtClean="0"/>
-              <a:t>1/13/2021</a:t>
+              <a:t>1/17/2021</a:t>
             </a:fld>
             <a:endParaRPr lang="en-US"/>
           </a:p>
@@ -3400,975 +3412,61 @@
       </p:grpSpPr>
       <p:sp>
         <p:nvSpPr>
-          <p:cNvPr id="5" name="Rectangle 4"/>
-          <p:cNvSpPr/>
-          <p:nvPr/>
-        </p:nvSpPr>
-        <p:spPr>
-          <a:xfrm>
-            <a:off x="4707824" y="1975697"/>
-            <a:ext cx="685800" cy="685800"/>
-          </a:xfrm>
-          <a:prstGeom prst="rect">
-            <a:avLst/>
-          </a:prstGeom>
-        </p:spPr>
-        <p:style>
-          <a:lnRef idx="2">
-            <a:schemeClr val="accent1">
-              <a:shade val="50000"/>
-            </a:schemeClr>
-          </a:lnRef>
-          <a:fillRef idx="1">
-            <a:schemeClr val="accent1"/>
-          </a:fillRef>
-          <a:effectRef idx="0">
-            <a:schemeClr val="accent1"/>
-          </a:effectRef>
-          <a:fontRef idx="minor">
-            <a:schemeClr val="lt1"/>
-          </a:fontRef>
-        </p:style>
-        <p:txBody>
-          <a:bodyPr rtlCol="0" anchor="ctr"/>
-          <a:lstStyle/>
-          <a:p>
-            <a:pPr algn="ctr"/>
-            <a:r>
-              <a:rPr lang="en-US" sz="1350" dirty="0"/>
-              <a:t>Viewer</a:t>
-            </a:r>
-          </a:p>
-        </p:txBody>
-      </p:sp>
-      <p:sp>
-        <p:nvSpPr>
-          <p:cNvPr id="7" name="Rectangle 6"/>
-          <p:cNvSpPr/>
-          <p:nvPr/>
-        </p:nvSpPr>
-        <p:spPr>
-          <a:xfrm>
-            <a:off x="3188388" y="3230732"/>
-            <a:ext cx="754437" cy="685800"/>
-          </a:xfrm>
-          <a:prstGeom prst="rect">
-            <a:avLst/>
-          </a:prstGeom>
-          <a:solidFill>
-            <a:srgbClr val="7030A0"/>
-          </a:solidFill>
-          <a:ln>
-            <a:noFill/>
-          </a:ln>
-        </p:spPr>
-        <p:style>
-          <a:lnRef idx="2">
-            <a:schemeClr val="accent4">
-              <a:shade val="50000"/>
-            </a:schemeClr>
-          </a:lnRef>
-          <a:fillRef idx="1">
-            <a:schemeClr val="accent4"/>
-          </a:fillRef>
-          <a:effectRef idx="0">
-            <a:schemeClr val="accent4"/>
-          </a:effectRef>
-          <a:fontRef idx="minor">
-            <a:schemeClr val="lt1"/>
-          </a:fontRef>
-        </p:style>
-        <p:txBody>
-          <a:bodyPr rtlCol="0" anchor="ctr"/>
-          <a:lstStyle/>
-          <a:p>
-            <a:pPr algn="ctr"/>
-            <a:r>
-              <a:rPr lang="en-US" sz="1350" dirty="0"/>
-              <a:t>dsi.xsd</a:t>
-            </a:r>
-          </a:p>
-        </p:txBody>
-      </p:sp>
-      <p:sp>
-        <p:nvSpPr>
-          <p:cNvPr id="8" name="Rectangle 7"/>
-          <p:cNvSpPr/>
-          <p:nvPr/>
-        </p:nvSpPr>
-        <p:spPr>
-          <a:xfrm>
-            <a:off x="3188389" y="1987187"/>
-            <a:ext cx="748146" cy="685800"/>
-          </a:xfrm>
-          <a:prstGeom prst="rect">
-            <a:avLst/>
-          </a:prstGeom>
-          <a:solidFill>
-            <a:srgbClr val="7030A0"/>
-          </a:solidFill>
-          <a:ln>
-            <a:noFill/>
-          </a:ln>
-        </p:spPr>
-        <p:style>
-          <a:lnRef idx="2">
-            <a:schemeClr val="accent4">
-              <a:shade val="50000"/>
-            </a:schemeClr>
-          </a:lnRef>
-          <a:fillRef idx="1">
-            <a:schemeClr val="accent4"/>
-          </a:fillRef>
-          <a:effectRef idx="0">
-            <a:schemeClr val="accent4"/>
-          </a:effectRef>
-          <a:fontRef idx="minor">
-            <a:schemeClr val="lt1"/>
-          </a:fontRef>
-        </p:style>
-        <p:txBody>
-          <a:bodyPr rtlCol="0" anchor="ctr"/>
-          <a:lstStyle/>
-          <a:p>
-            <a:pPr algn="ctr"/>
-            <a:r>
-              <a:rPr lang="en-US" sz="1350" dirty="0"/>
-              <a:t>DSI</a:t>
-            </a:r>
-          </a:p>
-          <a:p>
-            <a:pPr algn="ctr"/>
-            <a:r>
-              <a:rPr lang="en-US" sz="1350" dirty="0"/>
-              <a:t>file</a:t>
-            </a:r>
-          </a:p>
-        </p:txBody>
-      </p:sp>
-      <p:sp>
-        <p:nvSpPr>
-          <p:cNvPr id="9" name="Rectangle 8"/>
-          <p:cNvSpPr/>
-          <p:nvPr/>
-        </p:nvSpPr>
-        <p:spPr>
-          <a:xfrm>
-            <a:off x="6249798" y="1975697"/>
-            <a:ext cx="685800" cy="685800"/>
-          </a:xfrm>
-          <a:prstGeom prst="rect">
-            <a:avLst/>
-          </a:prstGeom>
-          <a:solidFill>
-            <a:srgbClr val="7030A0"/>
-          </a:solidFill>
-          <a:ln>
-            <a:noFill/>
-          </a:ln>
-        </p:spPr>
-        <p:style>
-          <a:lnRef idx="2">
-            <a:schemeClr val="accent4">
-              <a:shade val="50000"/>
-            </a:schemeClr>
-          </a:lnRef>
-          <a:fillRef idx="1">
-            <a:schemeClr val="accent4"/>
-          </a:fillRef>
-          <a:effectRef idx="0">
-            <a:schemeClr val="accent4"/>
-          </a:effectRef>
-          <a:fontRef idx="minor">
-            <a:schemeClr val="lt1"/>
-          </a:fontRef>
-        </p:style>
-        <p:txBody>
-          <a:bodyPr rtlCol="0" anchor="ctr"/>
-          <a:lstStyle/>
-          <a:p>
-            <a:pPr algn="ctr"/>
-            <a:r>
-              <a:rPr lang="en-US" sz="1350" dirty="0"/>
-              <a:t>DSM </a:t>
-            </a:r>
-          </a:p>
-          <a:p>
-            <a:pPr algn="ctr"/>
-            <a:r>
-              <a:rPr lang="en-US" sz="1350" dirty="0"/>
-              <a:t>file</a:t>
-            </a:r>
-          </a:p>
-        </p:txBody>
-      </p:sp>
-      <p:sp>
-        <p:nvSpPr>
-          <p:cNvPr id="13" name="Rectangle 12"/>
-          <p:cNvSpPr/>
-          <p:nvPr/>
-        </p:nvSpPr>
-        <p:spPr>
-          <a:xfrm>
-            <a:off x="1117345" y="2010969"/>
-            <a:ext cx="1071155" cy="685800"/>
-          </a:xfrm>
-          <a:prstGeom prst="rect">
-            <a:avLst/>
-          </a:prstGeom>
-        </p:spPr>
-        <p:style>
-          <a:lnRef idx="2">
-            <a:schemeClr val="accent1">
-              <a:shade val="50000"/>
-            </a:schemeClr>
-          </a:lnRef>
-          <a:fillRef idx="1">
-            <a:schemeClr val="accent1"/>
-          </a:fillRef>
-          <a:effectRef idx="0">
-            <a:schemeClr val="accent1"/>
-          </a:effectRef>
-          <a:fontRef idx="minor">
-            <a:schemeClr val="lt1"/>
-          </a:fontRef>
-        </p:style>
-        <p:txBody>
-          <a:bodyPr rtlCol="0" anchor="ctr"/>
-          <a:lstStyle/>
-          <a:p>
-            <a:pPr algn="ctr"/>
-            <a:r>
-              <a:rPr lang="en-US" sz="1350" dirty="0"/>
-              <a:t>Analyzer</a:t>
-            </a:r>
-          </a:p>
-        </p:txBody>
-      </p:sp>
-      <p:sp>
-        <p:nvSpPr>
-          <p:cNvPr id="15" name="TextBox 14"/>
-          <p:cNvSpPr txBox="1"/>
-          <p:nvPr/>
-        </p:nvSpPr>
-        <p:spPr>
-          <a:xfrm>
-            <a:off x="665806" y="2808496"/>
-            <a:ext cx="1865594" cy="507831"/>
-          </a:xfrm>
-          <a:prstGeom prst="rect">
-            <a:avLst/>
-          </a:prstGeom>
-          <a:noFill/>
-        </p:spPr>
-        <p:txBody>
-          <a:bodyPr wrap="square" rtlCol="0">
-            <a:spAutoFit/>
-          </a:bodyPr>
-          <a:lstStyle/>
-          <a:p>
-            <a:r>
-              <a:rPr lang="en-US" sz="1350" dirty="0" err="1"/>
-              <a:t>.Net</a:t>
-            </a:r>
-            <a:r>
-              <a:rPr lang="en-US" sz="1350" dirty="0"/>
-              <a:t>, Java, C++, Visual Studio and UML</a:t>
-            </a:r>
-          </a:p>
-        </p:txBody>
-      </p:sp>
-      <p:sp>
-        <p:nvSpPr>
-          <p:cNvPr id="17" name="Rectangle 16"/>
-          <p:cNvSpPr/>
-          <p:nvPr/>
-        </p:nvSpPr>
-        <p:spPr>
-          <a:xfrm>
-            <a:off x="665805" y="3628592"/>
-            <a:ext cx="1124198" cy="685800"/>
-          </a:xfrm>
-          <a:prstGeom prst="rect">
-            <a:avLst/>
-          </a:prstGeom>
-          <a:solidFill>
-            <a:srgbClr val="00B050"/>
-          </a:solidFill>
-          <a:ln>
-            <a:noFill/>
-          </a:ln>
-        </p:spPr>
-        <p:style>
-          <a:lnRef idx="2">
-            <a:schemeClr val="accent1">
-              <a:shade val="50000"/>
-            </a:schemeClr>
-          </a:lnRef>
-          <a:fillRef idx="1">
-            <a:schemeClr val="accent1"/>
-          </a:fillRef>
-          <a:effectRef idx="0">
-            <a:schemeClr val="accent1"/>
-          </a:effectRef>
-          <a:fontRef idx="minor">
-            <a:schemeClr val="lt1"/>
-          </a:fontRef>
-        </p:style>
-        <p:txBody>
-          <a:bodyPr rtlCol="0" anchor="ctr"/>
-          <a:lstStyle/>
-          <a:p>
-            <a:pPr algn="ctr"/>
-            <a:r>
-              <a:rPr lang="en-US" sz="1350" dirty="0"/>
-              <a:t>Third Party Analyzer</a:t>
-            </a:r>
-          </a:p>
-        </p:txBody>
-      </p:sp>
-      <p:cxnSp>
-        <p:nvCxnSpPr>
-          <p:cNvPr id="19" name="Straight Arrow Connector 18"/>
-          <p:cNvCxnSpPr>
-            <a:cxnSpLocks/>
-            <a:stCxn id="5" idx="1"/>
-            <a:endCxn id="8" idx="3"/>
-          </p:cNvCxnSpPr>
-          <p:nvPr/>
-        </p:nvCxnSpPr>
-        <p:spPr>
-          <a:xfrm flipH="1">
-            <a:off x="3936535" y="2318597"/>
-            <a:ext cx="771289" cy="11490"/>
-          </a:xfrm>
-          <a:prstGeom prst="straightConnector1">
-            <a:avLst/>
-          </a:prstGeom>
-          <a:ln>
-            <a:tailEnd type="triangle"/>
-          </a:ln>
-        </p:spPr>
-        <p:style>
-          <a:lnRef idx="1">
-            <a:schemeClr val="accent1"/>
-          </a:lnRef>
-          <a:fillRef idx="0">
-            <a:schemeClr val="accent1"/>
-          </a:fillRef>
-          <a:effectRef idx="0">
-            <a:schemeClr val="accent1"/>
-          </a:effectRef>
-          <a:fontRef idx="minor">
-            <a:schemeClr val="tx1"/>
-          </a:fontRef>
-        </p:style>
-      </p:cxnSp>
-      <p:cxnSp>
-        <p:nvCxnSpPr>
-          <p:cNvPr id="30" name="Straight Arrow Connector 29"/>
-          <p:cNvCxnSpPr>
-            <a:cxnSpLocks/>
-            <a:stCxn id="8" idx="2"/>
-            <a:endCxn id="7" idx="0"/>
-          </p:cNvCxnSpPr>
-          <p:nvPr/>
-        </p:nvCxnSpPr>
-        <p:spPr>
-          <a:xfrm>
-            <a:off x="3562462" y="2672987"/>
-            <a:ext cx="3145" cy="557745"/>
-          </a:xfrm>
-          <a:prstGeom prst="straightConnector1">
-            <a:avLst/>
-          </a:prstGeom>
-          <a:ln>
-            <a:tailEnd type="triangle"/>
-          </a:ln>
-        </p:spPr>
-        <p:style>
-          <a:lnRef idx="1">
-            <a:schemeClr val="accent1"/>
-          </a:lnRef>
-          <a:fillRef idx="0">
-            <a:schemeClr val="accent1"/>
-          </a:fillRef>
-          <a:effectRef idx="0">
-            <a:schemeClr val="accent1"/>
-          </a:effectRef>
-          <a:fontRef idx="minor">
-            <a:schemeClr val="tx1"/>
-          </a:fontRef>
-        </p:style>
-      </p:cxnSp>
-      <p:sp>
-        <p:nvSpPr>
-          <p:cNvPr id="12" name="Rectangle 11"/>
-          <p:cNvSpPr/>
-          <p:nvPr/>
-        </p:nvSpPr>
-        <p:spPr>
-          <a:xfrm>
-            <a:off x="1003045" y="1896669"/>
-            <a:ext cx="1071155" cy="685800"/>
-          </a:xfrm>
-          <a:prstGeom prst="rect">
-            <a:avLst/>
-          </a:prstGeom>
-        </p:spPr>
-        <p:style>
-          <a:lnRef idx="2">
-            <a:schemeClr val="accent1">
-              <a:shade val="50000"/>
-            </a:schemeClr>
-          </a:lnRef>
-          <a:fillRef idx="1">
-            <a:schemeClr val="accent1"/>
-          </a:fillRef>
-          <a:effectRef idx="0">
-            <a:schemeClr val="accent1"/>
-          </a:effectRef>
-          <a:fontRef idx="minor">
-            <a:schemeClr val="lt1"/>
-          </a:fontRef>
-        </p:style>
-        <p:txBody>
-          <a:bodyPr rtlCol="0" anchor="ctr"/>
-          <a:lstStyle/>
-          <a:p>
-            <a:pPr algn="ctr"/>
-            <a:r>
-              <a:rPr lang="en-US" sz="1350" dirty="0"/>
-              <a:t>Analyzer</a:t>
-            </a:r>
-          </a:p>
-        </p:txBody>
-      </p:sp>
-      <p:sp>
-        <p:nvSpPr>
-          <p:cNvPr id="11" name="Rectangle 10"/>
-          <p:cNvSpPr/>
-          <p:nvPr/>
-        </p:nvSpPr>
-        <p:spPr>
-          <a:xfrm>
-            <a:off x="888745" y="1782369"/>
-            <a:ext cx="1071155" cy="685800"/>
-          </a:xfrm>
-          <a:prstGeom prst="rect">
-            <a:avLst/>
-          </a:prstGeom>
-        </p:spPr>
-        <p:style>
-          <a:lnRef idx="2">
-            <a:schemeClr val="accent1">
-              <a:shade val="50000"/>
-            </a:schemeClr>
-          </a:lnRef>
-          <a:fillRef idx="1">
-            <a:schemeClr val="accent1"/>
-          </a:fillRef>
-          <a:effectRef idx="0">
-            <a:schemeClr val="accent1"/>
-          </a:effectRef>
-          <a:fontRef idx="minor">
-            <a:schemeClr val="lt1"/>
-          </a:fontRef>
-        </p:style>
-        <p:txBody>
-          <a:bodyPr rtlCol="0" anchor="ctr"/>
-          <a:lstStyle/>
-          <a:p>
-            <a:pPr algn="ctr"/>
-            <a:r>
-              <a:rPr lang="en-US" sz="1350" dirty="0"/>
-              <a:t>Analyzer</a:t>
-            </a:r>
-          </a:p>
-        </p:txBody>
-      </p:sp>
-      <p:sp>
-        <p:nvSpPr>
-          <p:cNvPr id="10" name="Rectangle 9"/>
-          <p:cNvSpPr/>
-          <p:nvPr/>
-        </p:nvSpPr>
-        <p:spPr>
-          <a:xfrm>
-            <a:off x="774445" y="1668069"/>
-            <a:ext cx="1071155" cy="685800"/>
-          </a:xfrm>
-          <a:prstGeom prst="rect">
-            <a:avLst/>
-          </a:prstGeom>
-        </p:spPr>
-        <p:style>
-          <a:lnRef idx="2">
-            <a:schemeClr val="accent1">
-              <a:shade val="50000"/>
-            </a:schemeClr>
-          </a:lnRef>
-          <a:fillRef idx="1">
-            <a:schemeClr val="accent1"/>
-          </a:fillRef>
-          <a:effectRef idx="0">
-            <a:schemeClr val="accent1"/>
-          </a:effectRef>
-          <a:fontRef idx="minor">
-            <a:schemeClr val="lt1"/>
-          </a:fontRef>
-        </p:style>
-        <p:txBody>
-          <a:bodyPr rtlCol="0" anchor="ctr"/>
-          <a:lstStyle/>
-          <a:p>
-            <a:pPr algn="ctr"/>
-            <a:r>
-              <a:rPr lang="en-US" sz="1350" dirty="0"/>
-              <a:t>Analyzer</a:t>
-            </a:r>
-          </a:p>
-        </p:txBody>
-      </p:sp>
-      <p:sp>
-        <p:nvSpPr>
-          <p:cNvPr id="4" name="Rectangle 3"/>
-          <p:cNvSpPr/>
-          <p:nvPr/>
-        </p:nvSpPr>
-        <p:spPr>
-          <a:xfrm>
-            <a:off x="660145" y="1553769"/>
-            <a:ext cx="1071155" cy="685800"/>
-          </a:xfrm>
-          <a:prstGeom prst="rect">
-            <a:avLst/>
-          </a:prstGeom>
-        </p:spPr>
-        <p:style>
-          <a:lnRef idx="2">
-            <a:schemeClr val="accent1">
-              <a:shade val="50000"/>
-            </a:schemeClr>
-          </a:lnRef>
-          <a:fillRef idx="1">
-            <a:schemeClr val="accent1"/>
-          </a:fillRef>
-          <a:effectRef idx="0">
-            <a:schemeClr val="accent1"/>
-          </a:effectRef>
-          <a:fontRef idx="minor">
-            <a:schemeClr val="lt1"/>
-          </a:fontRef>
-        </p:style>
-        <p:txBody>
-          <a:bodyPr rtlCol="0" anchor="ctr"/>
-          <a:lstStyle/>
-          <a:p>
-            <a:pPr algn="ctr"/>
-            <a:r>
-              <a:rPr lang="en-US" sz="1350" dirty="0"/>
-              <a:t>Analyzer</a:t>
-            </a:r>
-          </a:p>
-        </p:txBody>
-      </p:sp>
-      <p:cxnSp>
-        <p:nvCxnSpPr>
-          <p:cNvPr id="33" name="Straight Arrow Connector 32"/>
-          <p:cNvCxnSpPr>
-            <a:stCxn id="13" idx="3"/>
-          </p:cNvCxnSpPr>
-          <p:nvPr/>
-        </p:nvCxnSpPr>
-        <p:spPr>
-          <a:xfrm flipV="1">
-            <a:off x="2188499" y="2330880"/>
-            <a:ext cx="999890" cy="22990"/>
-          </a:xfrm>
-          <a:prstGeom prst="straightConnector1">
-            <a:avLst/>
-          </a:prstGeom>
-          <a:ln>
-            <a:tailEnd type="triangle"/>
-          </a:ln>
-        </p:spPr>
-        <p:style>
-          <a:lnRef idx="1">
-            <a:schemeClr val="accent1"/>
-          </a:lnRef>
-          <a:fillRef idx="0">
-            <a:schemeClr val="accent1"/>
-          </a:fillRef>
-          <a:effectRef idx="0">
-            <a:schemeClr val="accent1"/>
-          </a:effectRef>
-          <a:fontRef idx="minor">
-            <a:schemeClr val="tx1"/>
-          </a:fontRef>
-        </p:style>
-      </p:cxnSp>
-      <p:cxnSp>
-        <p:nvCxnSpPr>
-          <p:cNvPr id="38" name="Straight Arrow Connector 37"/>
-          <p:cNvCxnSpPr/>
-          <p:nvPr/>
-        </p:nvCxnSpPr>
-        <p:spPr>
-          <a:xfrm flipV="1">
-            <a:off x="1775908" y="4039036"/>
-            <a:ext cx="912536" cy="11495"/>
-          </a:xfrm>
-          <a:prstGeom prst="straightConnector1">
-            <a:avLst/>
-          </a:prstGeom>
-          <a:ln>
-            <a:tailEnd type="none"/>
-          </a:ln>
-        </p:spPr>
-        <p:style>
-          <a:lnRef idx="1">
-            <a:schemeClr val="accent1"/>
-          </a:lnRef>
-          <a:fillRef idx="0">
-            <a:schemeClr val="accent1"/>
-          </a:fillRef>
-          <a:effectRef idx="0">
-            <a:schemeClr val="accent1"/>
-          </a:effectRef>
-          <a:fontRef idx="minor">
-            <a:schemeClr val="tx1"/>
-          </a:fontRef>
-        </p:style>
-      </p:cxnSp>
-      <p:cxnSp>
-        <p:nvCxnSpPr>
-          <p:cNvPr id="39" name="Straight Arrow Connector 38"/>
-          <p:cNvCxnSpPr/>
-          <p:nvPr/>
-        </p:nvCxnSpPr>
-        <p:spPr>
-          <a:xfrm flipH="1" flipV="1">
-            <a:off x="2688444" y="2353869"/>
-            <a:ext cx="13242" cy="1685166"/>
-          </a:xfrm>
-          <a:prstGeom prst="straightConnector1">
-            <a:avLst/>
-          </a:prstGeom>
-          <a:ln>
-            <a:tailEnd type="none"/>
-          </a:ln>
-        </p:spPr>
-        <p:style>
-          <a:lnRef idx="1">
-            <a:schemeClr val="accent1"/>
-          </a:lnRef>
-          <a:fillRef idx="0">
-            <a:schemeClr val="accent1"/>
-          </a:fillRef>
-          <a:effectRef idx="0">
-            <a:schemeClr val="accent1"/>
-          </a:effectRef>
-          <a:fontRef idx="minor">
-            <a:schemeClr val="tx1"/>
-          </a:fontRef>
-        </p:style>
-      </p:cxnSp>
-      <p:sp>
-        <p:nvSpPr>
-          <p:cNvPr id="44" name="TextBox 43"/>
-          <p:cNvSpPr txBox="1"/>
-          <p:nvPr/>
-        </p:nvSpPr>
-        <p:spPr>
-          <a:xfrm>
-            <a:off x="3531289" y="2813359"/>
-            <a:ext cx="1127624" cy="300082"/>
-          </a:xfrm>
-          <a:prstGeom prst="rect">
-            <a:avLst/>
-          </a:prstGeom>
-          <a:noFill/>
-        </p:spPr>
-        <p:txBody>
-          <a:bodyPr wrap="square" rtlCol="0">
-            <a:spAutoFit/>
-          </a:bodyPr>
-          <a:lstStyle/>
-          <a:p>
-            <a:r>
-              <a:rPr lang="en-US" sz="1350" dirty="0"/>
-              <a:t>Conforms To</a:t>
-            </a:r>
-          </a:p>
-        </p:txBody>
-      </p:sp>
-      <p:sp>
-        <p:nvSpPr>
-          <p:cNvPr id="45" name="TextBox 44"/>
-          <p:cNvSpPr txBox="1"/>
-          <p:nvPr/>
-        </p:nvSpPr>
-        <p:spPr>
-          <a:xfrm>
-            <a:off x="5378943" y="2019137"/>
-            <a:ext cx="891002" cy="300082"/>
-          </a:xfrm>
-          <a:prstGeom prst="rect">
-            <a:avLst/>
-          </a:prstGeom>
-          <a:noFill/>
-        </p:spPr>
-        <p:txBody>
-          <a:bodyPr wrap="square" rtlCol="0">
-            <a:spAutoFit/>
-          </a:bodyPr>
-          <a:lstStyle/>
-          <a:p>
-            <a:r>
-              <a:rPr lang="en-US" sz="1350" dirty="0"/>
-              <a:t>Visualizes</a:t>
-            </a:r>
-          </a:p>
-        </p:txBody>
-      </p:sp>
-      <p:sp>
-        <p:nvSpPr>
-          <p:cNvPr id="55" name="TextBox 54"/>
-          <p:cNvSpPr txBox="1"/>
-          <p:nvPr/>
-        </p:nvSpPr>
-        <p:spPr>
-          <a:xfrm>
-            <a:off x="3885227" y="2019137"/>
-            <a:ext cx="773686" cy="300082"/>
-          </a:xfrm>
-          <a:prstGeom prst="rect">
-            <a:avLst/>
-          </a:prstGeom>
-          <a:noFill/>
-        </p:spPr>
-        <p:txBody>
-          <a:bodyPr wrap="square" rtlCol="0">
-            <a:spAutoFit/>
-          </a:bodyPr>
-          <a:lstStyle/>
-          <a:p>
-            <a:r>
-              <a:rPr lang="en-US" sz="1350" dirty="0"/>
-              <a:t>Imports</a:t>
-            </a:r>
-          </a:p>
-        </p:txBody>
-      </p:sp>
-      <p:sp>
-        <p:nvSpPr>
-          <p:cNvPr id="58" name="TextBox 57"/>
-          <p:cNvSpPr txBox="1"/>
-          <p:nvPr/>
-        </p:nvSpPr>
-        <p:spPr>
-          <a:xfrm>
-            <a:off x="2339145" y="2025423"/>
-            <a:ext cx="711839" cy="300082"/>
-          </a:xfrm>
-          <a:prstGeom prst="rect">
-            <a:avLst/>
-          </a:prstGeom>
-          <a:noFill/>
-        </p:spPr>
-        <p:txBody>
-          <a:bodyPr wrap="square" rtlCol="0">
-            <a:spAutoFit/>
-          </a:bodyPr>
-          <a:lstStyle/>
-          <a:p>
-            <a:r>
-              <a:rPr lang="en-US" sz="1350" dirty="0"/>
-              <a:t>Exports</a:t>
-            </a:r>
-          </a:p>
-        </p:txBody>
-      </p:sp>
-      <p:sp>
-        <p:nvSpPr>
-          <p:cNvPr id="26" name="Rectangle 25">
+          <p:cNvPr id="2" name="Title 1">
             <a:extLst>
               <a:ext uri="{FF2B5EF4-FFF2-40B4-BE49-F238E27FC236}">
-                <a16:creationId xmlns:a16="http://schemas.microsoft.com/office/drawing/2014/main" id="{E41A7C78-39B6-48AC-AA40-776067CA3894}"/>
+                <a16:creationId xmlns:a16="http://schemas.microsoft.com/office/drawing/2014/main" id="{AE6ED60F-922F-4F44-88F5-B59063F0F0A9}"/>
               </a:ext>
             </a:extLst>
           </p:cNvPr>
-          <p:cNvSpPr/>
-          <p:nvPr/>
-        </p:nvSpPr>
-        <p:spPr>
-          <a:xfrm>
-            <a:off x="3028198" y="765287"/>
-            <a:ext cx="999890" cy="685800"/>
-          </a:xfrm>
-          <a:prstGeom prst="rect">
-            <a:avLst/>
-          </a:prstGeom>
-          <a:ln>
-            <a:solidFill>
-              <a:schemeClr val="accent1">
-                <a:shade val="50000"/>
-              </a:schemeClr>
-            </a:solidFill>
-          </a:ln>
-        </p:spPr>
-        <p:style>
-          <a:lnRef idx="2">
-            <a:schemeClr val="accent1">
-              <a:shade val="50000"/>
-            </a:schemeClr>
-          </a:lnRef>
-          <a:fillRef idx="1">
-            <a:schemeClr val="accent1"/>
-          </a:fillRef>
-          <a:effectRef idx="0">
-            <a:schemeClr val="accent1"/>
-          </a:effectRef>
-          <a:fontRef idx="minor">
-            <a:schemeClr val="lt1"/>
-          </a:fontRef>
-        </p:style>
-        <p:txBody>
-          <a:bodyPr rtlCol="0" anchor="ctr"/>
-          <a:lstStyle/>
-          <a:p>
-            <a:pPr algn="ctr"/>
-            <a:r>
-              <a:rPr lang="en-US" sz="1350" dirty="0"/>
-              <a:t>Comparer</a:t>
-            </a:r>
-          </a:p>
-        </p:txBody>
-      </p:sp>
-      <p:cxnSp>
-        <p:nvCxnSpPr>
-          <p:cNvPr id="27" name="Straight Arrow Connector 26">
+          <p:cNvSpPr>
+            <a:spLocks noGrp="1"/>
+          </p:cNvSpPr>
+          <p:nvPr>
+            <p:ph type="ctrTitle"/>
+          </p:nvPr>
+        </p:nvSpPr>
+        <p:spPr/>
+        <p:txBody>
+          <a:bodyPr/>
+          <a:lstStyle/>
+          <a:p>
+            <a:r>
+              <a:rPr lang="en-US" dirty="0"/>
+              <a:t>Overview</a:t>
+            </a:r>
+          </a:p>
+        </p:txBody>
+      </p:sp>
+      <p:sp>
+        <p:nvSpPr>
+          <p:cNvPr id="3" name="Subtitle 2">
             <a:extLst>
               <a:ext uri="{FF2B5EF4-FFF2-40B4-BE49-F238E27FC236}">
-                <a16:creationId xmlns:a16="http://schemas.microsoft.com/office/drawing/2014/main" id="{1080CBDA-3D8E-491B-B177-FE5C9DCDE901}"/>
+                <a16:creationId xmlns:a16="http://schemas.microsoft.com/office/drawing/2014/main" id="{3DF17BBB-0868-4FB6-804A-EA4B9B072E0B}"/>
               </a:ext>
             </a:extLst>
           </p:cNvPr>
-          <p:cNvCxnSpPr>
-            <a:cxnSpLocks/>
-          </p:cNvCxnSpPr>
-          <p:nvPr/>
-        </p:nvCxnSpPr>
-        <p:spPr>
-          <a:xfrm>
-            <a:off x="3528143" y="1453224"/>
-            <a:ext cx="3145" cy="557745"/>
-          </a:xfrm>
-          <a:prstGeom prst="straightConnector1">
-            <a:avLst/>
-          </a:prstGeom>
-          <a:ln>
-            <a:tailEnd type="triangle"/>
-          </a:ln>
-        </p:spPr>
-        <p:style>
-          <a:lnRef idx="1">
-            <a:schemeClr val="accent1"/>
-          </a:lnRef>
-          <a:fillRef idx="0">
-            <a:schemeClr val="accent1"/>
-          </a:fillRef>
-          <a:effectRef idx="0">
-            <a:schemeClr val="accent1"/>
-          </a:effectRef>
-          <a:fontRef idx="minor">
-            <a:schemeClr val="tx1"/>
-          </a:fontRef>
-        </p:style>
-      </p:cxnSp>
-      <p:cxnSp>
-        <p:nvCxnSpPr>
-          <p:cNvPr id="31" name="Straight Arrow Connector 30">
-            <a:extLst>
-              <a:ext uri="{FF2B5EF4-FFF2-40B4-BE49-F238E27FC236}">
-                <a16:creationId xmlns:a16="http://schemas.microsoft.com/office/drawing/2014/main" id="{E2569B88-1712-4258-B144-748201ABFDFD}"/>
-              </a:ext>
-            </a:extLst>
-          </p:cNvPr>
-          <p:cNvCxnSpPr>
-            <a:cxnSpLocks/>
-            <a:stCxn id="5" idx="3"/>
-            <a:endCxn id="9" idx="1"/>
-          </p:cNvCxnSpPr>
-          <p:nvPr/>
-        </p:nvCxnSpPr>
-        <p:spPr>
-          <a:xfrm>
-            <a:off x="5393624" y="2318597"/>
-            <a:ext cx="856174" cy="0"/>
-          </a:xfrm>
-          <a:prstGeom prst="straightConnector1">
-            <a:avLst/>
-          </a:prstGeom>
-          <a:ln>
-            <a:tailEnd type="triangle"/>
-          </a:ln>
-        </p:spPr>
-        <p:style>
-          <a:lnRef idx="1">
-            <a:schemeClr val="accent1"/>
-          </a:lnRef>
-          <a:fillRef idx="0">
-            <a:schemeClr val="accent1"/>
-          </a:fillRef>
-          <a:effectRef idx="0">
-            <a:schemeClr val="accent1"/>
-          </a:effectRef>
-          <a:fontRef idx="minor">
-            <a:schemeClr val="tx1"/>
-          </a:fontRef>
-        </p:style>
-      </p:cxnSp>
-      <p:sp>
-        <p:nvSpPr>
-          <p:cNvPr id="35" name="TextBox 34">
-            <a:extLst>
-              <a:ext uri="{FF2B5EF4-FFF2-40B4-BE49-F238E27FC236}">
-                <a16:creationId xmlns:a16="http://schemas.microsoft.com/office/drawing/2014/main" id="{17B0C379-9B45-44A0-A515-57F16875BB77}"/>
-              </a:ext>
-            </a:extLst>
-          </p:cNvPr>
-          <p:cNvSpPr txBox="1"/>
-          <p:nvPr/>
-        </p:nvSpPr>
-        <p:spPr>
-          <a:xfrm>
-            <a:off x="3528143" y="1603112"/>
-            <a:ext cx="891002" cy="300082"/>
-          </a:xfrm>
-          <a:prstGeom prst="rect">
-            <a:avLst/>
-          </a:prstGeom>
-          <a:noFill/>
-        </p:spPr>
-        <p:txBody>
-          <a:bodyPr wrap="square" rtlCol="0">
-            <a:spAutoFit/>
-          </a:bodyPr>
-          <a:lstStyle/>
-          <a:p>
-            <a:r>
-              <a:rPr lang="en-US" sz="1350" dirty="0"/>
-              <a:t>Compares</a:t>
-            </a:r>
+          <p:cNvSpPr>
+            <a:spLocks noGrp="1"/>
+          </p:cNvSpPr>
+          <p:nvPr>
+            <p:ph type="subTitle" idx="1"/>
+          </p:nvPr>
+        </p:nvSpPr>
+        <p:spPr/>
+        <p:txBody>
+          <a:bodyPr/>
+          <a:lstStyle/>
+          <a:p>
+            <a:endParaRPr lang="en-US" dirty="0"/>
           </a:p>
         </p:txBody>
       </p:sp>
     </p:spTree>
     <p:extLst>
       <p:ext uri="{BB962C8B-B14F-4D97-AF65-F5344CB8AC3E}">
-        <p14:creationId xmlns:p14="http://schemas.microsoft.com/office/powerpoint/2010/main" val="144400470"/>
+        <p14:creationId xmlns:p14="http://schemas.microsoft.com/office/powerpoint/2010/main" val="2877621875"/>
       </p:ext>
     </p:extLst>
   </p:cSld>
@@ -4397,10 +3495,10 @@
       </p:grpSpPr>
       <p:pic>
         <p:nvPicPr>
-          <p:cNvPr id="4" name="Picture 3">
+          <p:cNvPr id="2" name="Picture 1">
             <a:extLst>
               <a:ext uri="{FF2B5EF4-FFF2-40B4-BE49-F238E27FC236}">
-                <a16:creationId xmlns:a16="http://schemas.microsoft.com/office/drawing/2014/main" id="{0B44C10D-D730-4A29-8B49-890F150DCF1D}"/>
+                <a16:creationId xmlns:a16="http://schemas.microsoft.com/office/drawing/2014/main" id="{A9D4C000-0032-45C3-892A-6BCC8506B079}"/>
               </a:ext>
             </a:extLst>
           </p:cNvPr>
@@ -4417,8 +3515,8 @@
         </p:blipFill>
         <p:spPr>
           <a:xfrm>
-            <a:off x="1568963" y="1214437"/>
-            <a:ext cx="5648325" cy="4124325"/>
+            <a:off x="2057400" y="1676400"/>
+            <a:ext cx="5029200" cy="3505200"/>
           </a:xfrm>
           <a:prstGeom prst="rect">
             <a:avLst/>
@@ -4433,42 +3531,8 @@
         </p:nvSpPr>
         <p:spPr>
           <a:xfrm>
-            <a:off x="1359817" y="6003104"/>
-            <a:ext cx="1915909" cy="369332"/>
-          </a:xfrm>
-          <a:prstGeom prst="rect">
-            <a:avLst/>
-          </a:prstGeom>
-        </p:spPr>
-        <p:txBody>
-          <a:bodyPr wrap="none">
-            <a:spAutoFit/>
-          </a:bodyPr>
-          <a:lstStyle/>
-          <a:p>
-            <a:r>
-              <a:rPr lang="en-US" dirty="0"/>
-              <a:t>Bus/Utility Pattern</a:t>
-            </a:r>
-          </a:p>
-        </p:txBody>
-      </p:sp>
-      <p:sp>
-        <p:nvSpPr>
-          <p:cNvPr id="9" name="Rectangle 8">
-            <a:extLst>
-              <a:ext uri="{FF2B5EF4-FFF2-40B4-BE49-F238E27FC236}">
-                <a16:creationId xmlns:a16="http://schemas.microsoft.com/office/drawing/2014/main" id="{1C6ABFB2-1E65-45D9-BC49-AEBD18C1993F}"/>
-              </a:ext>
-            </a:extLst>
-          </p:cNvPr>
-          <p:cNvSpPr/>
-          <p:nvPr/>
-        </p:nvSpPr>
-        <p:spPr>
-          <a:xfrm>
-            <a:off x="3845722" y="4410075"/>
-            <a:ext cx="2135978" cy="928687"/>
+            <a:off x="4333875" y="3953558"/>
+            <a:ext cx="266700" cy="582723"/>
           </a:xfrm>
           <a:prstGeom prst="rect">
             <a:avLst/>
@@ -4505,19 +3569,63 @@
       </p:sp>
       <p:sp>
         <p:nvSpPr>
-          <p:cNvPr id="5" name="Rounded Rectangular Callout 4"/>
+          <p:cNvPr id="9" name="Rectangle 8"/>
           <p:cNvSpPr/>
           <p:nvPr/>
         </p:nvSpPr>
         <p:spPr>
           <a:xfrm>
-            <a:off x="7312538" y="3429000"/>
-            <a:ext cx="1608945" cy="1473686"/>
+            <a:off x="4626772" y="3015386"/>
+            <a:ext cx="1835942" cy="901770"/>
+          </a:xfrm>
+          <a:prstGeom prst="rect">
+            <a:avLst/>
+          </a:prstGeom>
+          <a:noFill/>
+          <a:ln w="19050">
+            <a:solidFill>
+              <a:srgbClr val="FF0000"/>
+            </a:solidFill>
+          </a:ln>
+        </p:spPr>
+        <p:style>
+          <a:lnRef idx="1">
+            <a:schemeClr val="accent1"/>
+          </a:lnRef>
+          <a:fillRef idx="3">
+            <a:schemeClr val="accent1"/>
+          </a:fillRef>
+          <a:effectRef idx="2">
+            <a:schemeClr val="accent1"/>
+          </a:effectRef>
+          <a:fontRef idx="minor">
+            <a:schemeClr val="lt1"/>
+          </a:fontRef>
+        </p:style>
+        <p:txBody>
+          <a:bodyPr rtlCol="0" anchor="ctr"/>
+          <a:lstStyle/>
+          <a:p>
+            <a:pPr algn="ctr"/>
+            <a:endParaRPr lang="en-US"/>
+          </a:p>
+        </p:txBody>
+      </p:sp>
+      <p:sp>
+        <p:nvSpPr>
+          <p:cNvPr id="11" name="Rounded Rectangular Callout 10"/>
+          <p:cNvSpPr/>
+          <p:nvPr/>
+        </p:nvSpPr>
+        <p:spPr>
+          <a:xfrm>
+            <a:off x="7423141" y="3429000"/>
+            <a:ext cx="1608945" cy="941881"/>
           </a:xfrm>
           <a:prstGeom prst="wedgeRoundRectCallout">
             <a:avLst>
-              <a:gd name="adj1" fmla="val -140898"/>
-              <a:gd name="adj2" fmla="val 52877"/>
+              <a:gd name="adj1" fmla="val -126995"/>
+              <a:gd name="adj2" fmla="val -51167"/>
               <a:gd name="adj3" fmla="val 16667"/>
             </a:avLst>
           </a:prstGeom>
@@ -4553,17 +3661,190 @@
                   <a:schemeClr val="bg1"/>
                 </a:solidFill>
               </a:rPr>
-              <a:t>Elements used in entire software</a:t>
-            </a:r>
-            <a:r>
-              <a:rPr lang="en-US" sz="1400" dirty="0"/>
-              <a:t> like utilities and data access objects</a:t>
-            </a:r>
-            <a:endParaRPr lang="en-US" sz="1400" dirty="0">
-              <a:solidFill>
-                <a:schemeClr val="bg1"/>
-              </a:solidFill>
-            </a:endParaRPr>
+              <a:t>Encapsulated</a:t>
+            </a:r>
+          </a:p>
+        </p:txBody>
+      </p:sp>
+      <p:sp>
+        <p:nvSpPr>
+          <p:cNvPr id="13" name="Rectangle 12"/>
+          <p:cNvSpPr/>
+          <p:nvPr/>
+        </p:nvSpPr>
+        <p:spPr>
+          <a:xfrm>
+            <a:off x="4333875" y="2708184"/>
+            <a:ext cx="2752725" cy="275502"/>
+          </a:xfrm>
+          <a:prstGeom prst="rect">
+            <a:avLst/>
+          </a:prstGeom>
+          <a:noFill/>
+          <a:ln w="19050">
+            <a:solidFill>
+              <a:srgbClr val="FF0000"/>
+            </a:solidFill>
+          </a:ln>
+        </p:spPr>
+        <p:style>
+          <a:lnRef idx="1">
+            <a:schemeClr val="accent1"/>
+          </a:lnRef>
+          <a:fillRef idx="3">
+            <a:schemeClr val="accent1"/>
+          </a:fillRef>
+          <a:effectRef idx="2">
+            <a:schemeClr val="accent1"/>
+          </a:effectRef>
+          <a:fontRef idx="minor">
+            <a:schemeClr val="lt1"/>
+          </a:fontRef>
+        </p:style>
+        <p:txBody>
+          <a:bodyPr rtlCol="0" anchor="ctr"/>
+          <a:lstStyle/>
+          <a:p>
+            <a:pPr algn="ctr"/>
+            <a:endParaRPr lang="en-US"/>
+          </a:p>
+        </p:txBody>
+      </p:sp>
+      <p:sp>
+        <p:nvSpPr>
+          <p:cNvPr id="12" name="Rounded Rectangular Callout 11"/>
+          <p:cNvSpPr/>
+          <p:nvPr/>
+        </p:nvSpPr>
+        <p:spPr>
+          <a:xfrm>
+            <a:off x="7423140" y="2162319"/>
+            <a:ext cx="1608945" cy="941881"/>
+          </a:xfrm>
+          <a:prstGeom prst="wedgeRoundRectCallout">
+            <a:avLst>
+              <a:gd name="adj1" fmla="val -84411"/>
+              <a:gd name="adj2" fmla="val 24016"/>
+              <a:gd name="adj3" fmla="val 16667"/>
+            </a:avLst>
+          </a:prstGeom>
+          <a:solidFill>
+            <a:srgbClr val="15965A"/>
+          </a:solidFill>
+          <a:ln>
+            <a:noFill/>
+          </a:ln>
+        </p:spPr>
+        <p:style>
+          <a:lnRef idx="1">
+            <a:schemeClr val="accent1"/>
+          </a:lnRef>
+          <a:fillRef idx="3">
+            <a:schemeClr val="accent1"/>
+          </a:fillRef>
+          <a:effectRef idx="2">
+            <a:schemeClr val="accent1"/>
+          </a:effectRef>
+          <a:fontRef idx="minor">
+            <a:schemeClr val="lt1"/>
+          </a:fontRef>
+        </p:style>
+        <p:txBody>
+          <a:bodyPr rtlCol="0" anchor="ctr"/>
+          <a:lstStyle/>
+          <a:p>
+            <a:pPr algn="ctr"/>
+            <a:r>
+              <a:rPr lang="en-US" sz="1400">
+                <a:solidFill>
+                  <a:schemeClr val="bg1"/>
+                </a:solidFill>
+              </a:rPr>
+              <a:t>Not used</a:t>
+            </a:r>
+          </a:p>
+        </p:txBody>
+      </p:sp>
+      <p:sp>
+        <p:nvSpPr>
+          <p:cNvPr id="16" name="Rounded Rectangular Callout 15"/>
+          <p:cNvSpPr/>
+          <p:nvPr/>
+        </p:nvSpPr>
+        <p:spPr>
+          <a:xfrm>
+            <a:off x="5477655" y="4313555"/>
+            <a:ext cx="1608945" cy="941881"/>
+          </a:xfrm>
+          <a:prstGeom prst="wedgeRoundRectCallout">
+            <a:avLst>
+              <a:gd name="adj1" fmla="val -109357"/>
+              <a:gd name="adj2" fmla="val -54515"/>
+              <a:gd name="adj3" fmla="val 16667"/>
+            </a:avLst>
+          </a:prstGeom>
+          <a:solidFill>
+            <a:srgbClr val="15965A"/>
+          </a:solidFill>
+          <a:ln>
+            <a:noFill/>
+          </a:ln>
+        </p:spPr>
+        <p:style>
+          <a:lnRef idx="1">
+            <a:schemeClr val="accent1"/>
+          </a:lnRef>
+          <a:fillRef idx="3">
+            <a:schemeClr val="accent1"/>
+          </a:fillRef>
+          <a:effectRef idx="2">
+            <a:schemeClr val="accent1"/>
+          </a:effectRef>
+          <a:fontRef idx="minor">
+            <a:schemeClr val="lt1"/>
+          </a:fontRef>
+        </p:style>
+        <p:txBody>
+          <a:bodyPr rtlCol="0" anchor="ctr"/>
+          <a:lstStyle/>
+          <a:p>
+            <a:pPr algn="ctr"/>
+            <a:r>
+              <a:rPr lang="en-US" sz="1400">
+                <a:solidFill>
+                  <a:schemeClr val="bg1"/>
+                </a:solidFill>
+              </a:rPr>
+              <a:t>Public interface</a:t>
+            </a:r>
+          </a:p>
+        </p:txBody>
+      </p:sp>
+      <p:sp>
+        <p:nvSpPr>
+          <p:cNvPr id="14" name="Rectangle 13"/>
+          <p:cNvSpPr/>
+          <p:nvPr/>
+        </p:nvSpPr>
+        <p:spPr>
+          <a:xfrm>
+            <a:off x="1370330" y="5992593"/>
+            <a:ext cx="2232919" cy="369332"/>
+          </a:xfrm>
+          <a:prstGeom prst="rect">
+            <a:avLst/>
+          </a:prstGeom>
+        </p:spPr>
+        <p:txBody>
+          <a:bodyPr wrap="none">
+            <a:spAutoFit/>
+          </a:bodyPr>
+          <a:lstStyle/>
+          <a:p>
+            <a:r>
+              <a:rPr lang="en-US" dirty="0"/>
+              <a:t>Encapsulation Pattern</a:t>
+            </a:r>
           </a:p>
         </p:txBody>
       </p:sp>
@@ -4597,7 +3878,7 @@
           <p:cNvPr id="4" name="Picture 3">
             <a:extLst>
               <a:ext uri="{FF2B5EF4-FFF2-40B4-BE49-F238E27FC236}">
-                <a16:creationId xmlns:a16="http://schemas.microsoft.com/office/drawing/2014/main" id="{41914C5B-C69A-43B9-B55A-1456254A94B0}"/>
+                <a16:creationId xmlns:a16="http://schemas.microsoft.com/office/drawing/2014/main" id="{0B44C10D-D730-4A29-8B49-890F150DCF1D}"/>
               </a:ext>
             </a:extLst>
           </p:cNvPr>
@@ -4614,7 +3895,7 @@
         </p:blipFill>
         <p:spPr>
           <a:xfrm>
-            <a:off x="1643062" y="1223962"/>
+            <a:off x="1568963" y="1214437"/>
             <a:ext cx="5648325" cy="4124325"/>
           </a:xfrm>
           <a:prstGeom prst="rect">
@@ -4624,14 +3905,14 @@
       </p:pic>
       <p:sp>
         <p:nvSpPr>
-          <p:cNvPr id="8" name="Rectangle 7"/>
+          <p:cNvPr id="7" name="Rectangle 6"/>
           <p:cNvSpPr/>
           <p:nvPr/>
         </p:nvSpPr>
         <p:spPr>
           <a:xfrm>
-            <a:off x="1349310" y="6045144"/>
-            <a:ext cx="2717539" cy="369332"/>
+            <a:off x="1359817" y="6003104"/>
+            <a:ext cx="1915909" cy="369332"/>
           </a:xfrm>
           <a:prstGeom prst="rect">
             <a:avLst/>
@@ -4645,17 +3926,17 @@
           <a:p>
             <a:r>
               <a:rPr lang="en-US" dirty="0"/>
-              <a:t>Change Propagator Pattern</a:t>
-            </a:r>
-          </a:p>
-        </p:txBody>
-      </p:sp>
-      <p:sp>
-        <p:nvSpPr>
-          <p:cNvPr id="10" name="Rectangle 9">
+              <a:t>Bus/Utility Pattern</a:t>
+            </a:r>
+          </a:p>
+        </p:txBody>
+      </p:sp>
+      <p:sp>
+        <p:nvSpPr>
+          <p:cNvPr id="9" name="Rectangle 8">
             <a:extLst>
               <a:ext uri="{FF2B5EF4-FFF2-40B4-BE49-F238E27FC236}">
-                <a16:creationId xmlns:a16="http://schemas.microsoft.com/office/drawing/2014/main" id="{5158BA36-F410-4C8A-B6E4-8F52D3DDF4FB}"/>
+                <a16:creationId xmlns:a16="http://schemas.microsoft.com/office/drawing/2014/main" id="{1C6ABFB2-1E65-45D9-BC49-AEBD18C1993F}"/>
               </a:ext>
             </a:extLst>
           </p:cNvPr>
@@ -4664,8 +3945,8 @@
         </p:nvSpPr>
         <p:spPr>
           <a:xfrm>
-            <a:off x="3905250" y="4731544"/>
-            <a:ext cx="3386137" cy="288130"/>
+            <a:off x="3845722" y="4410075"/>
+            <a:ext cx="2135978" cy="928687"/>
           </a:xfrm>
           <a:prstGeom prst="rect">
             <a:avLst/>
@@ -4702,69 +3983,19 @@
       </p:sp>
       <p:sp>
         <p:nvSpPr>
-          <p:cNvPr id="11" name="Rectangle 10">
-            <a:extLst>
-              <a:ext uri="{FF2B5EF4-FFF2-40B4-BE49-F238E27FC236}">
-                <a16:creationId xmlns:a16="http://schemas.microsoft.com/office/drawing/2014/main" id="{8FE3AE06-C51F-487F-B252-CAEAE70763F8}"/>
-              </a:ext>
-            </a:extLst>
-          </p:cNvPr>
+          <p:cNvPr id="5" name="Rounded Rectangular Callout 4"/>
           <p:cNvSpPr/>
           <p:nvPr/>
         </p:nvSpPr>
         <p:spPr>
           <a:xfrm>
-            <a:off x="6700837" y="1935956"/>
-            <a:ext cx="276225" cy="3371850"/>
-          </a:xfrm>
-          <a:prstGeom prst="rect">
-            <a:avLst/>
-          </a:prstGeom>
-          <a:noFill/>
-          <a:ln w="19050">
-            <a:solidFill>
-              <a:srgbClr val="FF0000"/>
-            </a:solidFill>
-          </a:ln>
-        </p:spPr>
-        <p:style>
-          <a:lnRef idx="1">
-            <a:schemeClr val="accent1"/>
-          </a:lnRef>
-          <a:fillRef idx="3">
-            <a:schemeClr val="accent1"/>
-          </a:fillRef>
-          <a:effectRef idx="2">
-            <a:schemeClr val="accent1"/>
-          </a:effectRef>
-          <a:fontRef idx="minor">
-            <a:schemeClr val="lt1"/>
-          </a:fontRef>
-        </p:style>
-        <p:txBody>
-          <a:bodyPr rtlCol="0" anchor="ctr"/>
-          <a:lstStyle/>
-          <a:p>
-            <a:pPr algn="ctr"/>
-            <a:endParaRPr lang="en-US"/>
-          </a:p>
-        </p:txBody>
-      </p:sp>
-      <p:sp>
-        <p:nvSpPr>
-          <p:cNvPr id="7" name="Rounded Rectangular Callout 6"/>
-          <p:cNvSpPr/>
-          <p:nvPr/>
-        </p:nvSpPr>
-        <p:spPr>
-          <a:xfrm>
-            <a:off x="7395043" y="1873575"/>
-            <a:ext cx="1608945" cy="941881"/>
+            <a:off x="7312538" y="3429000"/>
+            <a:ext cx="1608945" cy="1473686"/>
           </a:xfrm>
           <a:prstGeom prst="wedgeRoundRectCallout">
             <a:avLst>
-              <a:gd name="adj1" fmla="val -93390"/>
-              <a:gd name="adj2" fmla="val 85007"/>
+              <a:gd name="adj1" fmla="val -140898"/>
+              <a:gd name="adj2" fmla="val 52877"/>
               <a:gd name="adj3" fmla="val 16667"/>
             </a:avLst>
           </a:prstGeom>
@@ -4800,8 +4031,17 @@
                   <a:schemeClr val="bg1"/>
                 </a:solidFill>
               </a:rPr>
-              <a:t>U2 has many in and out going dependencies</a:t>
-            </a:r>
+              <a:t>Elements used in entire software</a:t>
+            </a:r>
+            <a:r>
+              <a:rPr lang="en-US" sz="1400" dirty="0"/>
+              <a:t> like utilities and data access objects</a:t>
+            </a:r>
+            <a:endParaRPr lang="en-US" sz="1400" dirty="0">
+              <a:solidFill>
+                <a:schemeClr val="bg1"/>
+              </a:solidFill>
+            </a:endParaRPr>
           </a:p>
         </p:txBody>
       </p:sp>
@@ -4832,10 +4072,10 @@
       </p:grpSpPr>
       <p:pic>
         <p:nvPicPr>
-          <p:cNvPr id="2" name="Picture 1">
+          <p:cNvPr id="4" name="Picture 3">
             <a:extLst>
               <a:ext uri="{FF2B5EF4-FFF2-40B4-BE49-F238E27FC236}">
-                <a16:creationId xmlns:a16="http://schemas.microsoft.com/office/drawing/2014/main" id="{40528D40-B51E-4FC0-B86A-000535293B6C}"/>
+                <a16:creationId xmlns:a16="http://schemas.microsoft.com/office/drawing/2014/main" id="{41914C5B-C69A-43B9-B55A-1456254A94B0}"/>
               </a:ext>
             </a:extLst>
           </p:cNvPr>
@@ -4852,8 +4092,8 @@
         </p:blipFill>
         <p:spPr>
           <a:xfrm>
-            <a:off x="1438275" y="1057275"/>
-            <a:ext cx="6267450" cy="4743450"/>
+            <a:off x="1643062" y="1223962"/>
+            <a:ext cx="5648325" cy="4124325"/>
           </a:xfrm>
           <a:prstGeom prst="rect">
             <a:avLst/>
@@ -4862,14 +4102,14 @@
       </p:pic>
       <p:sp>
         <p:nvSpPr>
-          <p:cNvPr id="11" name="Rectangle 10"/>
+          <p:cNvPr id="8" name="Rectangle 7"/>
           <p:cNvSpPr/>
           <p:nvPr/>
         </p:nvSpPr>
         <p:spPr>
           <a:xfrm>
-            <a:off x="1378010" y="6075866"/>
-            <a:ext cx="803105" cy="369332"/>
+            <a:off x="1349310" y="6045144"/>
+            <a:ext cx="2717539" cy="369332"/>
           </a:xfrm>
           <a:prstGeom prst="rect">
             <a:avLst/>
@@ -4883,21 +4123,27 @@
           <a:p>
             <a:r>
               <a:rPr lang="en-US" dirty="0"/>
-              <a:t>Before</a:t>
-            </a:r>
-          </a:p>
-        </p:txBody>
-      </p:sp>
-      <p:sp>
-        <p:nvSpPr>
-          <p:cNvPr id="12" name="Rectangle 11"/>
+              <a:t>Change Propagator Pattern</a:t>
+            </a:r>
+          </a:p>
+        </p:txBody>
+      </p:sp>
+      <p:sp>
+        <p:nvSpPr>
+          <p:cNvPr id="10" name="Rectangle 9">
+            <a:extLst>
+              <a:ext uri="{FF2B5EF4-FFF2-40B4-BE49-F238E27FC236}">
+                <a16:creationId xmlns:a16="http://schemas.microsoft.com/office/drawing/2014/main" id="{5158BA36-F410-4C8A-B6E4-8F52D3DDF4FB}"/>
+              </a:ext>
+            </a:extLst>
+          </p:cNvPr>
           <p:cNvSpPr/>
           <p:nvPr/>
         </p:nvSpPr>
         <p:spPr>
           <a:xfrm>
-            <a:off x="6178804" y="2396655"/>
-            <a:ext cx="283909" cy="279870"/>
+            <a:off x="3905250" y="4731544"/>
+            <a:ext cx="3386137" cy="288130"/>
           </a:xfrm>
           <a:prstGeom prst="rect">
             <a:avLst/>
@@ -4934,19 +4180,69 @@
       </p:sp>
       <p:sp>
         <p:nvSpPr>
-          <p:cNvPr id="13" name="Rounded Rectangular Callout 12"/>
+          <p:cNvPr id="11" name="Rectangle 10">
+            <a:extLst>
+              <a:ext uri="{FF2B5EF4-FFF2-40B4-BE49-F238E27FC236}">
+                <a16:creationId xmlns:a16="http://schemas.microsoft.com/office/drawing/2014/main" id="{8FE3AE06-C51F-487F-B252-CAEAE70763F8}"/>
+              </a:ext>
+            </a:extLst>
+          </p:cNvPr>
           <p:cNvSpPr/>
           <p:nvPr/>
         </p:nvSpPr>
         <p:spPr>
           <a:xfrm>
-            <a:off x="7162800" y="2286000"/>
-            <a:ext cx="1718872" cy="1303758"/>
+            <a:off x="6700837" y="1935956"/>
+            <a:ext cx="276225" cy="3371850"/>
+          </a:xfrm>
+          <a:prstGeom prst="rect">
+            <a:avLst/>
+          </a:prstGeom>
+          <a:noFill/>
+          <a:ln w="19050">
+            <a:solidFill>
+              <a:srgbClr val="FF0000"/>
+            </a:solidFill>
+          </a:ln>
+        </p:spPr>
+        <p:style>
+          <a:lnRef idx="1">
+            <a:schemeClr val="accent1"/>
+          </a:lnRef>
+          <a:fillRef idx="3">
+            <a:schemeClr val="accent1"/>
+          </a:fillRef>
+          <a:effectRef idx="2">
+            <a:schemeClr val="accent1"/>
+          </a:effectRef>
+          <a:fontRef idx="minor">
+            <a:schemeClr val="lt1"/>
+          </a:fontRef>
+        </p:style>
+        <p:txBody>
+          <a:bodyPr rtlCol="0" anchor="ctr"/>
+          <a:lstStyle/>
+          <a:p>
+            <a:pPr algn="ctr"/>
+            <a:endParaRPr lang="en-US"/>
+          </a:p>
+        </p:txBody>
+      </p:sp>
+      <p:sp>
+        <p:nvSpPr>
+          <p:cNvPr id="7" name="Rounded Rectangular Callout 6"/>
+          <p:cNvSpPr/>
+          <p:nvPr/>
+        </p:nvSpPr>
+        <p:spPr>
+          <a:xfrm>
+            <a:off x="7395043" y="1873575"/>
+            <a:ext cx="1608945" cy="941881"/>
           </a:xfrm>
           <a:prstGeom prst="wedgeRoundRectCallout">
             <a:avLst>
-              <a:gd name="adj1" fmla="val -88022"/>
-              <a:gd name="adj2" fmla="val -31130"/>
+              <a:gd name="adj1" fmla="val -93390"/>
+              <a:gd name="adj2" fmla="val 85007"/>
               <a:gd name="adj3" fmla="val 16667"/>
             </a:avLst>
           </a:prstGeom>
@@ -4982,74 +4278,8 @@
                   <a:schemeClr val="bg1"/>
                 </a:solidFill>
               </a:rPr>
-              <a:t>Hierarchical cycle due to </a:t>
-            </a:r>
-          </a:p>
-          <a:p>
-            <a:pPr algn="ctr"/>
-            <a:r>
-              <a:rPr lang="en-US" sz="1400" dirty="0">
-                <a:solidFill>
-                  <a:schemeClr val="bg1"/>
-                </a:solidFill>
-              </a:rPr>
-              <a:t>A3 using P3</a:t>
-            </a:r>
-          </a:p>
-          <a:p>
-            <a:pPr algn="ctr"/>
-            <a:r>
-              <a:rPr lang="en-US" sz="1400" dirty="0">
-                <a:solidFill>
-                  <a:schemeClr val="bg1"/>
-                </a:solidFill>
-              </a:rPr>
-              <a:t>which violates layering</a:t>
-            </a:r>
-          </a:p>
-        </p:txBody>
-      </p:sp>
-      <p:sp>
-        <p:nvSpPr>
-          <p:cNvPr id="8" name="Rectangle 7"/>
-          <p:cNvSpPr/>
-          <p:nvPr/>
-        </p:nvSpPr>
-        <p:spPr>
-          <a:xfrm>
-            <a:off x="2066928" y="2396655"/>
-            <a:ext cx="1564478" cy="287017"/>
-          </a:xfrm>
-          <a:prstGeom prst="rect">
-            <a:avLst/>
-          </a:prstGeom>
-          <a:noFill/>
-          <a:ln w="19050">
-            <a:solidFill>
-              <a:srgbClr val="FF0000"/>
-            </a:solidFill>
-          </a:ln>
-        </p:spPr>
-        <p:style>
-          <a:lnRef idx="1">
-            <a:schemeClr val="accent1"/>
-          </a:lnRef>
-          <a:fillRef idx="3">
-            <a:schemeClr val="accent1"/>
-          </a:fillRef>
-          <a:effectRef idx="2">
-            <a:schemeClr val="accent1"/>
-          </a:effectRef>
-          <a:fontRef idx="minor">
-            <a:schemeClr val="lt1"/>
-          </a:fontRef>
-        </p:style>
-        <p:txBody>
-          <a:bodyPr rtlCol="0" anchor="ctr"/>
-          <a:lstStyle/>
-          <a:p>
-            <a:pPr algn="ctr"/>
-            <a:endParaRPr lang="en-US"/>
+              <a:t>U2 has many in and out going dependencies</a:t>
+            </a:r>
           </a:p>
         </p:txBody>
       </p:sp>
@@ -5083,7 +4313,7 @@
           <p:cNvPr id="2" name="Picture 1">
             <a:extLst>
               <a:ext uri="{FF2B5EF4-FFF2-40B4-BE49-F238E27FC236}">
-                <a16:creationId xmlns:a16="http://schemas.microsoft.com/office/drawing/2014/main" id="{924E1183-7D24-41DA-A800-89D2791AE513}"/>
+                <a16:creationId xmlns:a16="http://schemas.microsoft.com/office/drawing/2014/main" id="{40528D40-B51E-4FC0-B86A-000535293B6C}"/>
               </a:ext>
             </a:extLst>
           </p:cNvPr>
@@ -5110,14 +4340,14 @@
       </p:pic>
       <p:sp>
         <p:nvSpPr>
-          <p:cNvPr id="10" name="Rectangle 9"/>
+          <p:cNvPr id="11" name="Rectangle 10"/>
           <p:cNvSpPr/>
           <p:nvPr/>
         </p:nvSpPr>
         <p:spPr>
           <a:xfrm>
-            <a:off x="1363025" y="6050990"/>
-            <a:ext cx="658257" cy="369332"/>
+            <a:off x="1378010" y="6075866"/>
+            <a:ext cx="803105" cy="369332"/>
           </a:xfrm>
           <a:prstGeom prst="rect">
             <a:avLst/>
@@ -5131,26 +4361,70 @@
           <a:p>
             <a:r>
               <a:rPr lang="en-US" dirty="0"/>
-              <a:t>After</a:t>
-            </a:r>
-          </a:p>
-        </p:txBody>
-      </p:sp>
-      <p:sp>
-        <p:nvSpPr>
-          <p:cNvPr id="11" name="Rounded Rectangular Callout 10"/>
+              <a:t>Before</a:t>
+            </a:r>
+          </a:p>
+        </p:txBody>
+      </p:sp>
+      <p:sp>
+        <p:nvSpPr>
+          <p:cNvPr id="12" name="Rectangle 11"/>
           <p:cNvSpPr/>
           <p:nvPr/>
         </p:nvSpPr>
         <p:spPr>
           <a:xfrm>
-            <a:off x="6850371" y="4371667"/>
-            <a:ext cx="1718872" cy="996215"/>
+            <a:off x="6178804" y="2396655"/>
+            <a:ext cx="283909" cy="279870"/>
+          </a:xfrm>
+          <a:prstGeom prst="rect">
+            <a:avLst/>
+          </a:prstGeom>
+          <a:noFill/>
+          <a:ln w="19050">
+            <a:solidFill>
+              <a:srgbClr val="FF0000"/>
+            </a:solidFill>
+          </a:ln>
+        </p:spPr>
+        <p:style>
+          <a:lnRef idx="1">
+            <a:schemeClr val="accent1"/>
+          </a:lnRef>
+          <a:fillRef idx="3">
+            <a:schemeClr val="accent1"/>
+          </a:fillRef>
+          <a:effectRef idx="2">
+            <a:schemeClr val="accent1"/>
+          </a:effectRef>
+          <a:fontRef idx="minor">
+            <a:schemeClr val="lt1"/>
+          </a:fontRef>
+        </p:style>
+        <p:txBody>
+          <a:bodyPr rtlCol="0" anchor="ctr"/>
+          <a:lstStyle/>
+          <a:p>
+            <a:pPr algn="ctr"/>
+            <a:endParaRPr lang="en-US"/>
+          </a:p>
+        </p:txBody>
+      </p:sp>
+      <p:sp>
+        <p:nvSpPr>
+          <p:cNvPr id="13" name="Rounded Rectangular Callout 12"/>
+          <p:cNvSpPr/>
+          <p:nvPr/>
+        </p:nvSpPr>
+        <p:spPr>
+          <a:xfrm>
+            <a:off x="7162800" y="2286000"/>
+            <a:ext cx="1718872" cy="1303758"/>
           </a:xfrm>
           <a:prstGeom prst="wedgeRoundRectCallout">
             <a:avLst>
-              <a:gd name="adj1" fmla="val -93844"/>
-              <a:gd name="adj2" fmla="val 18851"/>
+              <a:gd name="adj1" fmla="val -88022"/>
+              <a:gd name="adj2" fmla="val -31130"/>
               <a:gd name="adj3" fmla="val 16667"/>
             </a:avLst>
           </a:prstGeom>
@@ -5186,7 +4460,29 @@
                   <a:schemeClr val="bg1"/>
                 </a:solidFill>
               </a:rPr>
-              <a:t>Cycle removed by moving P3</a:t>
+              <a:t>Hierarchical cycle due to </a:t>
+            </a:r>
+          </a:p>
+          <a:p>
+            <a:pPr algn="ctr"/>
+            <a:r>
+              <a:rPr lang="en-US" sz="1400" dirty="0">
+                <a:solidFill>
+                  <a:schemeClr val="bg1"/>
+                </a:solidFill>
+              </a:rPr>
+              <a:t>A3 using P3</a:t>
+            </a:r>
+          </a:p>
+          <a:p>
+            <a:pPr algn="ctr"/>
+            <a:r>
+              <a:rPr lang="en-US" sz="1400" dirty="0">
+                <a:solidFill>
+                  <a:schemeClr val="bg1"/>
+                </a:solidFill>
+              </a:rPr>
+              <a:t>which violates layering</a:t>
             </a:r>
           </a:p>
         </p:txBody>
@@ -5199,52 +4495,8 @@
         </p:nvSpPr>
         <p:spPr>
           <a:xfrm>
-            <a:off x="5873837" y="4869774"/>
-            <a:ext cx="276932" cy="273726"/>
-          </a:xfrm>
-          <a:prstGeom prst="rect">
-            <a:avLst/>
-          </a:prstGeom>
-          <a:noFill/>
-          <a:ln w="19050">
-            <a:solidFill>
-              <a:srgbClr val="FF0000"/>
-            </a:solidFill>
-          </a:ln>
-        </p:spPr>
-        <p:style>
-          <a:lnRef idx="1">
-            <a:schemeClr val="accent1"/>
-          </a:lnRef>
-          <a:fillRef idx="3">
-            <a:schemeClr val="accent1"/>
-          </a:fillRef>
-          <a:effectRef idx="2">
-            <a:schemeClr val="accent1"/>
-          </a:effectRef>
-          <a:fontRef idx="minor">
-            <a:schemeClr val="lt1"/>
-          </a:fontRef>
-        </p:style>
-        <p:txBody>
-          <a:bodyPr rtlCol="0" anchor="ctr"/>
-          <a:lstStyle/>
-          <a:p>
-            <a:pPr algn="ctr"/>
-            <a:endParaRPr lang="en-US"/>
-          </a:p>
-        </p:txBody>
-      </p:sp>
-      <p:sp>
-        <p:nvSpPr>
-          <p:cNvPr id="9" name="Rectangle 8"/>
-          <p:cNvSpPr/>
-          <p:nvPr/>
-        </p:nvSpPr>
-        <p:spPr>
-          <a:xfrm>
-            <a:off x="2076451" y="4869774"/>
-            <a:ext cx="1552574" cy="285632"/>
+            <a:off x="2066928" y="2396655"/>
+            <a:ext cx="1564478" cy="287017"/>
           </a:xfrm>
           <a:prstGeom prst="rect">
             <a:avLst/>
@@ -5288,6 +4540,232 @@
 </file>
 
 <file path=ppt/slides/slide14.xml><?xml version="1.0" encoding="utf-8"?>
+<p:sld xmlns:a="http://schemas.openxmlformats.org/drawingml/2006/main" xmlns:r="http://schemas.openxmlformats.org/officeDocument/2006/relationships" xmlns:p="http://schemas.openxmlformats.org/presentationml/2006/main">
+  <p:cSld>
+    <p:spTree>
+      <p:nvGrpSpPr>
+        <p:cNvPr id="1" name=""/>
+        <p:cNvGrpSpPr/>
+        <p:nvPr/>
+      </p:nvGrpSpPr>
+      <p:grpSpPr>
+        <a:xfrm>
+          <a:off x="0" y="0"/>
+          <a:ext cx="0" cy="0"/>
+          <a:chOff x="0" y="0"/>
+          <a:chExt cx="0" cy="0"/>
+        </a:xfrm>
+      </p:grpSpPr>
+      <p:pic>
+        <p:nvPicPr>
+          <p:cNvPr id="2" name="Picture 1">
+            <a:extLst>
+              <a:ext uri="{FF2B5EF4-FFF2-40B4-BE49-F238E27FC236}">
+                <a16:creationId xmlns:a16="http://schemas.microsoft.com/office/drawing/2014/main" id="{924E1183-7D24-41DA-A800-89D2791AE513}"/>
+              </a:ext>
+            </a:extLst>
+          </p:cNvPr>
+          <p:cNvPicPr>
+            <a:picLocks noChangeAspect="1"/>
+          </p:cNvPicPr>
+          <p:nvPr/>
+        </p:nvPicPr>
+        <p:blipFill>
+          <a:blip r:embed="rId2"/>
+          <a:stretch>
+            <a:fillRect/>
+          </a:stretch>
+        </p:blipFill>
+        <p:spPr>
+          <a:xfrm>
+            <a:off x="1438275" y="1057275"/>
+            <a:ext cx="6267450" cy="4743450"/>
+          </a:xfrm>
+          <a:prstGeom prst="rect">
+            <a:avLst/>
+          </a:prstGeom>
+        </p:spPr>
+      </p:pic>
+      <p:sp>
+        <p:nvSpPr>
+          <p:cNvPr id="10" name="Rectangle 9"/>
+          <p:cNvSpPr/>
+          <p:nvPr/>
+        </p:nvSpPr>
+        <p:spPr>
+          <a:xfrm>
+            <a:off x="1363025" y="6050990"/>
+            <a:ext cx="658257" cy="369332"/>
+          </a:xfrm>
+          <a:prstGeom prst="rect">
+            <a:avLst/>
+          </a:prstGeom>
+        </p:spPr>
+        <p:txBody>
+          <a:bodyPr wrap="none">
+            <a:spAutoFit/>
+          </a:bodyPr>
+          <a:lstStyle/>
+          <a:p>
+            <a:r>
+              <a:rPr lang="en-US" dirty="0"/>
+              <a:t>After</a:t>
+            </a:r>
+          </a:p>
+        </p:txBody>
+      </p:sp>
+      <p:sp>
+        <p:nvSpPr>
+          <p:cNvPr id="11" name="Rounded Rectangular Callout 10"/>
+          <p:cNvSpPr/>
+          <p:nvPr/>
+        </p:nvSpPr>
+        <p:spPr>
+          <a:xfrm>
+            <a:off x="6850371" y="4371667"/>
+            <a:ext cx="1718872" cy="996215"/>
+          </a:xfrm>
+          <a:prstGeom prst="wedgeRoundRectCallout">
+            <a:avLst>
+              <a:gd name="adj1" fmla="val -93844"/>
+              <a:gd name="adj2" fmla="val 18851"/>
+              <a:gd name="adj3" fmla="val 16667"/>
+            </a:avLst>
+          </a:prstGeom>
+          <a:solidFill>
+            <a:srgbClr val="15965A"/>
+          </a:solidFill>
+          <a:ln>
+            <a:noFill/>
+          </a:ln>
+        </p:spPr>
+        <p:style>
+          <a:lnRef idx="1">
+            <a:schemeClr val="accent1"/>
+          </a:lnRef>
+          <a:fillRef idx="3">
+            <a:schemeClr val="accent1"/>
+          </a:fillRef>
+          <a:effectRef idx="2">
+            <a:schemeClr val="accent1"/>
+          </a:effectRef>
+          <a:fontRef idx="minor">
+            <a:schemeClr val="lt1"/>
+          </a:fontRef>
+        </p:style>
+        <p:txBody>
+          <a:bodyPr rtlCol="0" anchor="ctr"/>
+          <a:lstStyle/>
+          <a:p>
+            <a:pPr algn="ctr"/>
+            <a:r>
+              <a:rPr lang="en-US" sz="1400" dirty="0">
+                <a:solidFill>
+                  <a:schemeClr val="bg1"/>
+                </a:solidFill>
+              </a:rPr>
+              <a:t>Cycle removed by moving P3</a:t>
+            </a:r>
+          </a:p>
+        </p:txBody>
+      </p:sp>
+      <p:sp>
+        <p:nvSpPr>
+          <p:cNvPr id="8" name="Rectangle 7"/>
+          <p:cNvSpPr/>
+          <p:nvPr/>
+        </p:nvSpPr>
+        <p:spPr>
+          <a:xfrm>
+            <a:off x="5873837" y="4869774"/>
+            <a:ext cx="276932" cy="273726"/>
+          </a:xfrm>
+          <a:prstGeom prst="rect">
+            <a:avLst/>
+          </a:prstGeom>
+          <a:noFill/>
+          <a:ln w="19050">
+            <a:solidFill>
+              <a:srgbClr val="FF0000"/>
+            </a:solidFill>
+          </a:ln>
+        </p:spPr>
+        <p:style>
+          <a:lnRef idx="1">
+            <a:schemeClr val="accent1"/>
+          </a:lnRef>
+          <a:fillRef idx="3">
+            <a:schemeClr val="accent1"/>
+          </a:fillRef>
+          <a:effectRef idx="2">
+            <a:schemeClr val="accent1"/>
+          </a:effectRef>
+          <a:fontRef idx="minor">
+            <a:schemeClr val="lt1"/>
+          </a:fontRef>
+        </p:style>
+        <p:txBody>
+          <a:bodyPr rtlCol="0" anchor="ctr"/>
+          <a:lstStyle/>
+          <a:p>
+            <a:pPr algn="ctr"/>
+            <a:endParaRPr lang="en-US"/>
+          </a:p>
+        </p:txBody>
+      </p:sp>
+      <p:sp>
+        <p:nvSpPr>
+          <p:cNvPr id="9" name="Rectangle 8"/>
+          <p:cNvSpPr/>
+          <p:nvPr/>
+        </p:nvSpPr>
+        <p:spPr>
+          <a:xfrm>
+            <a:off x="2076451" y="4869774"/>
+            <a:ext cx="1552574" cy="285632"/>
+          </a:xfrm>
+          <a:prstGeom prst="rect">
+            <a:avLst/>
+          </a:prstGeom>
+          <a:noFill/>
+          <a:ln w="19050">
+            <a:solidFill>
+              <a:srgbClr val="FF0000"/>
+            </a:solidFill>
+          </a:ln>
+        </p:spPr>
+        <p:style>
+          <a:lnRef idx="1">
+            <a:schemeClr val="accent1"/>
+          </a:lnRef>
+          <a:fillRef idx="3">
+            <a:schemeClr val="accent1"/>
+          </a:fillRef>
+          <a:effectRef idx="2">
+            <a:schemeClr val="accent1"/>
+          </a:effectRef>
+          <a:fontRef idx="minor">
+            <a:schemeClr val="lt1"/>
+          </a:fontRef>
+        </p:style>
+        <p:txBody>
+          <a:bodyPr rtlCol="0" anchor="ctr"/>
+          <a:lstStyle/>
+          <a:p>
+            <a:pPr algn="ctr"/>
+            <a:endParaRPr lang="en-US"/>
+          </a:p>
+        </p:txBody>
+      </p:sp>
+    </p:spTree>
+  </p:cSld>
+  <p:clrMapOvr>
+    <a:masterClrMapping/>
+  </p:clrMapOvr>
+</p:sld>
+</file>
+
+<file path=ppt/slides/slide15.xml><?xml version="1.0" encoding="utf-8"?>
 <p:sld xmlns:a="http://schemas.openxmlformats.org/drawingml/2006/main" xmlns:r="http://schemas.openxmlformats.org/officeDocument/2006/relationships" xmlns:p="http://schemas.openxmlformats.org/presentationml/2006/main">
   <p:cSld>
     <p:spTree>
@@ -5612,7 +5090,7 @@
 </p:sld>
 </file>
 
-<file path=ppt/slides/slide15.xml><?xml version="1.0" encoding="utf-8"?>
+<file path=ppt/slides/slide16.xml><?xml version="1.0" encoding="utf-8"?>
 <p:sld xmlns:a="http://schemas.openxmlformats.org/drawingml/2006/main" xmlns:r="http://schemas.openxmlformats.org/officeDocument/2006/relationships" xmlns:p="http://schemas.openxmlformats.org/presentationml/2006/main">
   <p:cSld>
     <p:spTree>
@@ -6116,7 +5594,3365 @@
 </p:sld>
 </file>
 
+<file path=ppt/slides/slide17.xml><?xml version="1.0" encoding="utf-8"?>
+<p:sld xmlns:a="http://schemas.openxmlformats.org/drawingml/2006/main" xmlns:r="http://schemas.openxmlformats.org/officeDocument/2006/relationships" xmlns:p="http://schemas.openxmlformats.org/presentationml/2006/main">
+  <p:cSld>
+    <p:spTree>
+      <p:nvGrpSpPr>
+        <p:cNvPr id="1" name=""/>
+        <p:cNvGrpSpPr/>
+        <p:nvPr/>
+      </p:nvGrpSpPr>
+      <p:grpSpPr>
+        <a:xfrm>
+          <a:off x="0" y="0"/>
+          <a:ext cx="0" cy="0"/>
+          <a:chOff x="0" y="0"/>
+          <a:chExt cx="0" cy="0"/>
+        </a:xfrm>
+      </p:grpSpPr>
+      <p:sp>
+        <p:nvSpPr>
+          <p:cNvPr id="2" name="Title 1">
+            <a:extLst>
+              <a:ext uri="{FF2B5EF4-FFF2-40B4-BE49-F238E27FC236}">
+                <a16:creationId xmlns:a16="http://schemas.microsoft.com/office/drawing/2014/main" id="{AE6ED60F-922F-4F44-88F5-B59063F0F0A9}"/>
+              </a:ext>
+            </a:extLst>
+          </p:cNvPr>
+          <p:cNvSpPr>
+            <a:spLocks noGrp="1"/>
+          </p:cNvSpPr>
+          <p:nvPr>
+            <p:ph type="ctrTitle"/>
+          </p:nvPr>
+        </p:nvSpPr>
+        <p:spPr/>
+        <p:txBody>
+          <a:bodyPr/>
+          <a:lstStyle/>
+          <a:p>
+            <a:r>
+              <a:rPr lang="en-US" dirty="0"/>
+              <a:t>User Guide</a:t>
+            </a:r>
+          </a:p>
+        </p:txBody>
+      </p:sp>
+      <p:sp>
+        <p:nvSpPr>
+          <p:cNvPr id="3" name="Subtitle 2">
+            <a:extLst>
+              <a:ext uri="{FF2B5EF4-FFF2-40B4-BE49-F238E27FC236}">
+                <a16:creationId xmlns:a16="http://schemas.microsoft.com/office/drawing/2014/main" id="{3DF17BBB-0868-4FB6-804A-EA4B9B072E0B}"/>
+              </a:ext>
+            </a:extLst>
+          </p:cNvPr>
+          <p:cNvSpPr>
+            <a:spLocks noGrp="1"/>
+          </p:cNvSpPr>
+          <p:nvPr>
+            <p:ph type="subTitle" idx="1"/>
+          </p:nvPr>
+        </p:nvSpPr>
+        <p:spPr/>
+        <p:txBody>
+          <a:bodyPr/>
+          <a:lstStyle/>
+          <a:p>
+            <a:endParaRPr lang="en-US" dirty="0"/>
+          </a:p>
+        </p:txBody>
+      </p:sp>
+    </p:spTree>
+    <p:extLst>
+      <p:ext uri="{BB962C8B-B14F-4D97-AF65-F5344CB8AC3E}">
+        <p14:creationId xmlns:p14="http://schemas.microsoft.com/office/powerpoint/2010/main" val="2992980763"/>
+      </p:ext>
+    </p:extLst>
+  </p:cSld>
+  <p:clrMapOvr>
+    <a:masterClrMapping/>
+  </p:clrMapOvr>
+</p:sld>
+</file>
+
+<file path=ppt/slides/slide18.xml><?xml version="1.0" encoding="utf-8"?>
+<p:sld xmlns:a="http://schemas.openxmlformats.org/drawingml/2006/main" xmlns:r="http://schemas.openxmlformats.org/officeDocument/2006/relationships" xmlns:p="http://schemas.openxmlformats.org/presentationml/2006/main">
+  <p:cSld>
+    <p:spTree>
+      <p:nvGrpSpPr>
+        <p:cNvPr id="1" name=""/>
+        <p:cNvGrpSpPr/>
+        <p:nvPr/>
+      </p:nvGrpSpPr>
+      <p:grpSpPr>
+        <a:xfrm>
+          <a:off x="0" y="0"/>
+          <a:ext cx="0" cy="0"/>
+          <a:chOff x="0" y="0"/>
+          <a:chExt cx="0" cy="0"/>
+        </a:xfrm>
+      </p:grpSpPr>
+      <p:pic>
+        <p:nvPicPr>
+          <p:cNvPr id="6" name="Picture 5" descr="Chart, scatter chart&#10;&#10;Description automatically generated">
+            <a:extLst>
+              <a:ext uri="{FF2B5EF4-FFF2-40B4-BE49-F238E27FC236}">
+                <a16:creationId xmlns:a16="http://schemas.microsoft.com/office/drawing/2014/main" id="{9DBFB676-67E7-49BA-8D45-45C9E63BC31C}"/>
+              </a:ext>
+            </a:extLst>
+          </p:cNvPr>
+          <p:cNvPicPr>
+            <a:picLocks noChangeAspect="1"/>
+          </p:cNvPicPr>
+          <p:nvPr/>
+        </p:nvPicPr>
+        <p:blipFill>
+          <a:blip r:embed="rId2">
+            <a:extLst>
+              <a:ext uri="{28A0092B-C50C-407E-A947-70E740481C1C}">
+                <a14:useLocalDpi xmlns:a14="http://schemas.microsoft.com/office/drawing/2010/main" val="0"/>
+              </a:ext>
+            </a:extLst>
+          </a:blip>
+          <a:stretch>
+            <a:fillRect/>
+          </a:stretch>
+        </p:blipFill>
+        <p:spPr>
+          <a:xfrm>
+            <a:off x="276836" y="263832"/>
+            <a:ext cx="8074794" cy="5071566"/>
+          </a:xfrm>
+          <a:prstGeom prst="rect">
+            <a:avLst/>
+          </a:prstGeom>
+        </p:spPr>
+      </p:pic>
+      <p:sp>
+        <p:nvSpPr>
+          <p:cNvPr id="18" name="Rounded Rectangular Callout 8">
+            <a:extLst>
+              <a:ext uri="{FF2B5EF4-FFF2-40B4-BE49-F238E27FC236}">
+                <a16:creationId xmlns:a16="http://schemas.microsoft.com/office/drawing/2014/main" id="{533073E2-3B48-4DF8-8A22-0B46F1C76C8F}"/>
+              </a:ext>
+            </a:extLst>
+          </p:cNvPr>
+          <p:cNvSpPr/>
+          <p:nvPr/>
+        </p:nvSpPr>
+        <p:spPr>
+          <a:xfrm>
+            <a:off x="7046860" y="1946344"/>
+            <a:ext cx="1229757" cy="616128"/>
+          </a:xfrm>
+          <a:prstGeom prst="wedgeRoundRectCallout">
+            <a:avLst>
+              <a:gd name="adj1" fmla="val -99278"/>
+              <a:gd name="adj2" fmla="val 42064"/>
+              <a:gd name="adj3" fmla="val 16667"/>
+            </a:avLst>
+          </a:prstGeom>
+          <a:solidFill>
+            <a:srgbClr val="15965A"/>
+          </a:solidFill>
+          <a:ln>
+            <a:noFill/>
+          </a:ln>
+        </p:spPr>
+        <p:style>
+          <a:lnRef idx="1">
+            <a:schemeClr val="accent1"/>
+          </a:lnRef>
+          <a:fillRef idx="3">
+            <a:schemeClr val="accent1"/>
+          </a:fillRef>
+          <a:effectRef idx="2">
+            <a:schemeClr val="accent1"/>
+          </a:effectRef>
+          <a:fontRef idx="minor">
+            <a:schemeClr val="lt1"/>
+          </a:fontRef>
+        </p:style>
+        <p:txBody>
+          <a:bodyPr rtlCol="0" anchor="ctr"/>
+          <a:lstStyle/>
+          <a:p>
+            <a:pPr algn="ctr"/>
+            <a:r>
+              <a:rPr lang="en-US" sz="1400" dirty="0">
+                <a:solidFill>
+                  <a:schemeClr val="bg1"/>
+                </a:solidFill>
+              </a:rPr>
+              <a:t>Cell</a:t>
+            </a:r>
+          </a:p>
+          <a:p>
+            <a:pPr algn="ctr"/>
+            <a:r>
+              <a:rPr lang="en-US" sz="1400" dirty="0">
+                <a:solidFill>
+                  <a:schemeClr val="bg1"/>
+                </a:solidFill>
+              </a:rPr>
+              <a:t>hovered</a:t>
+            </a:r>
+          </a:p>
+        </p:txBody>
+      </p:sp>
+      <p:sp>
+        <p:nvSpPr>
+          <p:cNvPr id="19" name="Rounded Rectangular Callout 8">
+            <a:extLst>
+              <a:ext uri="{FF2B5EF4-FFF2-40B4-BE49-F238E27FC236}">
+                <a16:creationId xmlns:a16="http://schemas.microsoft.com/office/drawing/2014/main" id="{3A5D52FD-29CE-4DF7-B7D7-DB1474AB6418}"/>
+              </a:ext>
+            </a:extLst>
+          </p:cNvPr>
+          <p:cNvSpPr/>
+          <p:nvPr/>
+        </p:nvSpPr>
+        <p:spPr>
+          <a:xfrm>
+            <a:off x="6999843" y="951056"/>
+            <a:ext cx="1229757" cy="616128"/>
+          </a:xfrm>
+          <a:prstGeom prst="wedgeRoundRectCallout">
+            <a:avLst>
+              <a:gd name="adj1" fmla="val -97665"/>
+              <a:gd name="adj2" fmla="val 63850"/>
+              <a:gd name="adj3" fmla="val 16667"/>
+            </a:avLst>
+          </a:prstGeom>
+          <a:solidFill>
+            <a:srgbClr val="15965A"/>
+          </a:solidFill>
+          <a:ln>
+            <a:noFill/>
+          </a:ln>
+        </p:spPr>
+        <p:style>
+          <a:lnRef idx="1">
+            <a:schemeClr val="accent1"/>
+          </a:lnRef>
+          <a:fillRef idx="3">
+            <a:schemeClr val="accent1"/>
+          </a:fillRef>
+          <a:effectRef idx="2">
+            <a:schemeClr val="accent1"/>
+          </a:effectRef>
+          <a:fontRef idx="minor">
+            <a:schemeClr val="lt1"/>
+          </a:fontRef>
+        </p:style>
+        <p:txBody>
+          <a:bodyPr rtlCol="0" anchor="ctr"/>
+          <a:lstStyle/>
+          <a:p>
+            <a:pPr algn="ctr"/>
+            <a:r>
+              <a:rPr lang="en-US" sz="1400" dirty="0">
+                <a:solidFill>
+                  <a:schemeClr val="bg1"/>
+                </a:solidFill>
+              </a:rPr>
+              <a:t>Cell</a:t>
+            </a:r>
+          </a:p>
+          <a:p>
+            <a:pPr algn="ctr"/>
+            <a:r>
+              <a:rPr lang="en-US" sz="1400" dirty="0">
+                <a:solidFill>
+                  <a:schemeClr val="bg1"/>
+                </a:solidFill>
+              </a:rPr>
+              <a:t>selected</a:t>
+            </a:r>
+          </a:p>
+        </p:txBody>
+      </p:sp>
+      <p:sp>
+        <p:nvSpPr>
+          <p:cNvPr id="20" name="Rounded Rectangular Callout 8">
+            <a:extLst>
+              <a:ext uri="{FF2B5EF4-FFF2-40B4-BE49-F238E27FC236}">
+                <a16:creationId xmlns:a16="http://schemas.microsoft.com/office/drawing/2014/main" id="{57534A13-8EF6-4F92-A8F8-468A97ECCBAB}"/>
+              </a:ext>
+            </a:extLst>
+          </p:cNvPr>
+          <p:cNvSpPr/>
+          <p:nvPr/>
+        </p:nvSpPr>
+        <p:spPr>
+          <a:xfrm>
+            <a:off x="1469579" y="1729629"/>
+            <a:ext cx="1229757" cy="616128"/>
+          </a:xfrm>
+          <a:prstGeom prst="wedgeRoundRectCallout">
+            <a:avLst>
+              <a:gd name="adj1" fmla="val 44659"/>
+              <a:gd name="adj2" fmla="val 89719"/>
+              <a:gd name="adj3" fmla="val 16667"/>
+            </a:avLst>
+          </a:prstGeom>
+          <a:solidFill>
+            <a:srgbClr val="15965A"/>
+          </a:solidFill>
+          <a:ln>
+            <a:noFill/>
+          </a:ln>
+        </p:spPr>
+        <p:style>
+          <a:lnRef idx="1">
+            <a:schemeClr val="accent1"/>
+          </a:lnRef>
+          <a:fillRef idx="3">
+            <a:schemeClr val="accent1"/>
+          </a:fillRef>
+          <a:effectRef idx="2">
+            <a:schemeClr val="accent1"/>
+          </a:effectRef>
+          <a:fontRef idx="minor">
+            <a:schemeClr val="lt1"/>
+          </a:fontRef>
+        </p:style>
+        <p:txBody>
+          <a:bodyPr rtlCol="0" anchor="ctr"/>
+          <a:lstStyle/>
+          <a:p>
+            <a:pPr algn="ctr"/>
+            <a:r>
+              <a:rPr lang="en-US" sz="1400" dirty="0">
+                <a:solidFill>
+                  <a:schemeClr val="bg1"/>
+                </a:solidFill>
+              </a:rPr>
+              <a:t>Element Hierarchy</a:t>
+            </a:r>
+          </a:p>
+        </p:txBody>
+      </p:sp>
+    </p:spTree>
+    <p:extLst>
+      <p:ext uri="{BB962C8B-B14F-4D97-AF65-F5344CB8AC3E}">
+        <p14:creationId xmlns:p14="http://schemas.microsoft.com/office/powerpoint/2010/main" val="1506232427"/>
+      </p:ext>
+    </p:extLst>
+  </p:cSld>
+  <p:clrMapOvr>
+    <a:masterClrMapping/>
+  </p:clrMapOvr>
+</p:sld>
+</file>
+
+<file path=ppt/slides/slide19.xml><?xml version="1.0" encoding="utf-8"?>
+<p:sld xmlns:a="http://schemas.openxmlformats.org/drawingml/2006/main" xmlns:r="http://schemas.openxmlformats.org/officeDocument/2006/relationships" xmlns:p="http://schemas.openxmlformats.org/presentationml/2006/main">
+  <p:cSld>
+    <p:spTree>
+      <p:nvGrpSpPr>
+        <p:cNvPr id="1" name=""/>
+        <p:cNvGrpSpPr/>
+        <p:nvPr/>
+      </p:nvGrpSpPr>
+      <p:grpSpPr>
+        <a:xfrm>
+          <a:off x="0" y="0"/>
+          <a:ext cx="0" cy="0"/>
+          <a:chOff x="0" y="0"/>
+          <a:chExt cx="0" cy="0"/>
+        </a:xfrm>
+      </p:grpSpPr>
+      <p:pic>
+        <p:nvPicPr>
+          <p:cNvPr id="5" name="Picture 4" descr="Chart, scatter chart&#10;&#10;Description automatically generated">
+            <a:extLst>
+              <a:ext uri="{FF2B5EF4-FFF2-40B4-BE49-F238E27FC236}">
+                <a16:creationId xmlns:a16="http://schemas.microsoft.com/office/drawing/2014/main" id="{908253FE-E8F3-494A-B10F-87B2CEFB3DB8}"/>
+              </a:ext>
+            </a:extLst>
+          </p:cNvPr>
+          <p:cNvPicPr>
+            <a:picLocks noChangeAspect="1"/>
+          </p:cNvPicPr>
+          <p:nvPr/>
+        </p:nvPicPr>
+        <p:blipFill>
+          <a:blip r:embed="rId2">
+            <a:extLst>
+              <a:ext uri="{28A0092B-C50C-407E-A947-70E740481C1C}">
+                <a14:useLocalDpi xmlns:a14="http://schemas.microsoft.com/office/drawing/2010/main" val="0"/>
+              </a:ext>
+            </a:extLst>
+          </a:blip>
+          <a:stretch>
+            <a:fillRect/>
+          </a:stretch>
+        </p:blipFill>
+        <p:spPr>
+          <a:xfrm>
+            <a:off x="276836" y="284845"/>
+            <a:ext cx="8063128" cy="5071566"/>
+          </a:xfrm>
+          <a:prstGeom prst="rect">
+            <a:avLst/>
+          </a:prstGeom>
+        </p:spPr>
+      </p:pic>
+      <p:sp>
+        <p:nvSpPr>
+          <p:cNvPr id="11" name="Rounded Rectangular Callout 8">
+            <a:extLst>
+              <a:ext uri="{FF2B5EF4-FFF2-40B4-BE49-F238E27FC236}">
+                <a16:creationId xmlns:a16="http://schemas.microsoft.com/office/drawing/2014/main" id="{E092B841-74EE-4736-8251-8F34F8C9D305}"/>
+              </a:ext>
+            </a:extLst>
+          </p:cNvPr>
+          <p:cNvSpPr/>
+          <p:nvPr/>
+        </p:nvSpPr>
+        <p:spPr>
+          <a:xfrm>
+            <a:off x="834007" y="1927717"/>
+            <a:ext cx="1857551" cy="780042"/>
+          </a:xfrm>
+          <a:prstGeom prst="wedgeRoundRectCallout">
+            <a:avLst>
+              <a:gd name="adj1" fmla="val 65463"/>
+              <a:gd name="adj2" fmla="val 76104"/>
+              <a:gd name="adj3" fmla="val 16667"/>
+            </a:avLst>
+          </a:prstGeom>
+          <a:solidFill>
+            <a:srgbClr val="15965A"/>
+          </a:solidFill>
+          <a:ln>
+            <a:noFill/>
+          </a:ln>
+        </p:spPr>
+        <p:style>
+          <a:lnRef idx="1">
+            <a:schemeClr val="accent1"/>
+          </a:lnRef>
+          <a:fillRef idx="3">
+            <a:schemeClr val="accent1"/>
+          </a:fillRef>
+          <a:effectRef idx="2">
+            <a:schemeClr val="accent1"/>
+          </a:effectRef>
+          <a:fontRef idx="minor">
+            <a:schemeClr val="lt1"/>
+          </a:fontRef>
+        </p:style>
+        <p:txBody>
+          <a:bodyPr rtlCol="0" anchor="ctr"/>
+          <a:lstStyle/>
+          <a:p>
+            <a:pPr algn="ctr"/>
+            <a:r>
+              <a:rPr lang="en-US" sz="1400" dirty="0">
+                <a:solidFill>
+                  <a:schemeClr val="bg1"/>
+                </a:solidFill>
+              </a:rPr>
+              <a:t>Consumer/provider indicators</a:t>
+            </a:r>
+          </a:p>
+        </p:txBody>
+      </p:sp>
+      <p:sp>
+        <p:nvSpPr>
+          <p:cNvPr id="12" name="Rounded Rectangular Callout 8">
+            <a:extLst>
+              <a:ext uri="{FF2B5EF4-FFF2-40B4-BE49-F238E27FC236}">
+                <a16:creationId xmlns:a16="http://schemas.microsoft.com/office/drawing/2014/main" id="{FCD8A97C-BC14-40E4-A41F-D0454ED1D41F}"/>
+              </a:ext>
+            </a:extLst>
+          </p:cNvPr>
+          <p:cNvSpPr/>
+          <p:nvPr/>
+        </p:nvSpPr>
+        <p:spPr>
+          <a:xfrm>
+            <a:off x="4857225" y="2618887"/>
+            <a:ext cx="1317072" cy="616128"/>
+          </a:xfrm>
+          <a:prstGeom prst="wedgeRoundRectCallout">
+            <a:avLst>
+              <a:gd name="adj1" fmla="val 65463"/>
+              <a:gd name="adj2" fmla="val 76104"/>
+              <a:gd name="adj3" fmla="val 16667"/>
+            </a:avLst>
+          </a:prstGeom>
+          <a:solidFill>
+            <a:srgbClr val="15965A"/>
+          </a:solidFill>
+          <a:ln>
+            <a:noFill/>
+          </a:ln>
+        </p:spPr>
+        <p:style>
+          <a:lnRef idx="1">
+            <a:schemeClr val="accent1"/>
+          </a:lnRef>
+          <a:fillRef idx="3">
+            <a:schemeClr val="accent1"/>
+          </a:fillRef>
+          <a:effectRef idx="2">
+            <a:schemeClr val="accent1"/>
+          </a:effectRef>
+          <a:fontRef idx="minor">
+            <a:schemeClr val="lt1"/>
+          </a:fontRef>
+        </p:style>
+        <p:txBody>
+          <a:bodyPr rtlCol="0" anchor="ctr"/>
+          <a:lstStyle/>
+          <a:p>
+            <a:pPr algn="ctr"/>
+            <a:r>
+              <a:rPr lang="en-US" sz="1400" dirty="0">
+                <a:solidFill>
+                  <a:schemeClr val="bg1"/>
+                </a:solidFill>
+              </a:rPr>
+              <a:t>Normal dependency</a:t>
+            </a:r>
+          </a:p>
+        </p:txBody>
+      </p:sp>
+      <p:sp>
+        <p:nvSpPr>
+          <p:cNvPr id="13" name="Rounded Rectangular Callout 8">
+            <a:extLst>
+              <a:ext uri="{FF2B5EF4-FFF2-40B4-BE49-F238E27FC236}">
+                <a16:creationId xmlns:a16="http://schemas.microsoft.com/office/drawing/2014/main" id="{245A0126-245A-4E12-9D14-4AB8F6DFD8B4}"/>
+              </a:ext>
+            </a:extLst>
+          </p:cNvPr>
+          <p:cNvSpPr/>
+          <p:nvPr/>
+        </p:nvSpPr>
+        <p:spPr>
+          <a:xfrm>
+            <a:off x="3725927" y="3607814"/>
+            <a:ext cx="1317072" cy="616128"/>
+          </a:xfrm>
+          <a:prstGeom prst="wedgeRoundRectCallout">
+            <a:avLst>
+              <a:gd name="adj1" fmla="val 99858"/>
+              <a:gd name="adj2" fmla="val 50234"/>
+              <a:gd name="adj3" fmla="val 16667"/>
+            </a:avLst>
+          </a:prstGeom>
+          <a:solidFill>
+            <a:srgbClr val="15965A"/>
+          </a:solidFill>
+          <a:ln>
+            <a:noFill/>
+          </a:ln>
+        </p:spPr>
+        <p:style>
+          <a:lnRef idx="1">
+            <a:schemeClr val="accent1"/>
+          </a:lnRef>
+          <a:fillRef idx="3">
+            <a:schemeClr val="accent1"/>
+          </a:fillRef>
+          <a:effectRef idx="2">
+            <a:schemeClr val="accent1"/>
+          </a:effectRef>
+          <a:fontRef idx="minor">
+            <a:schemeClr val="lt1"/>
+          </a:fontRef>
+        </p:style>
+        <p:txBody>
+          <a:bodyPr rtlCol="0" anchor="ctr"/>
+          <a:lstStyle/>
+          <a:p>
+            <a:pPr algn="ctr"/>
+            <a:r>
+              <a:rPr lang="en-US" sz="1400" dirty="0">
+                <a:solidFill>
+                  <a:schemeClr val="bg1"/>
+                </a:solidFill>
+              </a:rPr>
+              <a:t>Cyclic dependency</a:t>
+            </a:r>
+          </a:p>
+        </p:txBody>
+      </p:sp>
+      <p:sp>
+        <p:nvSpPr>
+          <p:cNvPr id="14" name="Rounded Rectangular Callout 8">
+            <a:extLst>
+              <a:ext uri="{FF2B5EF4-FFF2-40B4-BE49-F238E27FC236}">
+                <a16:creationId xmlns:a16="http://schemas.microsoft.com/office/drawing/2014/main" id="{6BDCFED8-7BB3-4212-8885-85C45CA0A532}"/>
+              </a:ext>
+            </a:extLst>
+          </p:cNvPr>
+          <p:cNvSpPr/>
+          <p:nvPr/>
+        </p:nvSpPr>
+        <p:spPr>
+          <a:xfrm>
+            <a:off x="1401544" y="1064707"/>
+            <a:ext cx="1534510" cy="616128"/>
+          </a:xfrm>
+          <a:prstGeom prst="wedgeRoundRectCallout">
+            <a:avLst>
+              <a:gd name="adj1" fmla="val 123895"/>
+              <a:gd name="adj2" fmla="val -105447"/>
+              <a:gd name="adj3" fmla="val 16667"/>
+            </a:avLst>
+          </a:prstGeom>
+          <a:solidFill>
+            <a:srgbClr val="15965A"/>
+          </a:solidFill>
+          <a:ln>
+            <a:noFill/>
+          </a:ln>
+        </p:spPr>
+        <p:style>
+          <a:lnRef idx="1">
+            <a:schemeClr val="accent1"/>
+          </a:lnRef>
+          <a:fillRef idx="3">
+            <a:schemeClr val="accent1"/>
+          </a:fillRef>
+          <a:effectRef idx="2">
+            <a:schemeClr val="accent1"/>
+          </a:effectRef>
+          <a:fontRef idx="minor">
+            <a:schemeClr val="lt1"/>
+          </a:fontRef>
+        </p:style>
+        <p:txBody>
+          <a:bodyPr rtlCol="0" anchor="ctr"/>
+          <a:lstStyle/>
+          <a:p>
+            <a:pPr algn="ctr"/>
+            <a:r>
+              <a:rPr lang="en-US" sz="1400" dirty="0">
+                <a:solidFill>
+                  <a:schemeClr val="bg1"/>
+                </a:solidFill>
+              </a:rPr>
+              <a:t>Default mode</a:t>
+            </a:r>
+          </a:p>
+        </p:txBody>
+      </p:sp>
+    </p:spTree>
+    <p:extLst>
+      <p:ext uri="{BB962C8B-B14F-4D97-AF65-F5344CB8AC3E}">
+        <p14:creationId xmlns:p14="http://schemas.microsoft.com/office/powerpoint/2010/main" val="129139065"/>
+      </p:ext>
+    </p:extLst>
+  </p:cSld>
+  <p:clrMapOvr>
+    <a:masterClrMapping/>
+  </p:clrMapOvr>
+</p:sld>
+</file>
+
 <file path=ppt/slides/slide2.xml><?xml version="1.0" encoding="utf-8"?>
+<p:sld xmlns:a="http://schemas.openxmlformats.org/drawingml/2006/main" xmlns:r="http://schemas.openxmlformats.org/officeDocument/2006/relationships" xmlns:p="http://schemas.openxmlformats.org/presentationml/2006/main">
+  <p:cSld>
+    <p:spTree>
+      <p:nvGrpSpPr>
+        <p:cNvPr id="1" name=""/>
+        <p:cNvGrpSpPr/>
+        <p:nvPr/>
+      </p:nvGrpSpPr>
+      <p:grpSpPr>
+        <a:xfrm>
+          <a:off x="0" y="0"/>
+          <a:ext cx="0" cy="0"/>
+          <a:chOff x="0" y="0"/>
+          <a:chExt cx="0" cy="0"/>
+        </a:xfrm>
+      </p:grpSpPr>
+      <p:sp>
+        <p:nvSpPr>
+          <p:cNvPr id="5" name="Rectangle 4"/>
+          <p:cNvSpPr/>
+          <p:nvPr/>
+        </p:nvSpPr>
+        <p:spPr>
+          <a:xfrm>
+            <a:off x="4707824" y="1975697"/>
+            <a:ext cx="685800" cy="685800"/>
+          </a:xfrm>
+          <a:prstGeom prst="rect">
+            <a:avLst/>
+          </a:prstGeom>
+        </p:spPr>
+        <p:style>
+          <a:lnRef idx="2">
+            <a:schemeClr val="accent1">
+              <a:shade val="50000"/>
+            </a:schemeClr>
+          </a:lnRef>
+          <a:fillRef idx="1">
+            <a:schemeClr val="accent1"/>
+          </a:fillRef>
+          <a:effectRef idx="0">
+            <a:schemeClr val="accent1"/>
+          </a:effectRef>
+          <a:fontRef idx="minor">
+            <a:schemeClr val="lt1"/>
+          </a:fontRef>
+        </p:style>
+        <p:txBody>
+          <a:bodyPr rtlCol="0" anchor="ctr"/>
+          <a:lstStyle/>
+          <a:p>
+            <a:pPr algn="ctr"/>
+            <a:r>
+              <a:rPr lang="en-US" sz="1350" dirty="0"/>
+              <a:t>Viewer</a:t>
+            </a:r>
+          </a:p>
+        </p:txBody>
+      </p:sp>
+      <p:sp>
+        <p:nvSpPr>
+          <p:cNvPr id="7" name="Rectangle 6"/>
+          <p:cNvSpPr/>
+          <p:nvPr/>
+        </p:nvSpPr>
+        <p:spPr>
+          <a:xfrm>
+            <a:off x="3188388" y="3230732"/>
+            <a:ext cx="754437" cy="685800"/>
+          </a:xfrm>
+          <a:prstGeom prst="rect">
+            <a:avLst/>
+          </a:prstGeom>
+          <a:solidFill>
+            <a:srgbClr val="7030A0"/>
+          </a:solidFill>
+          <a:ln>
+            <a:noFill/>
+          </a:ln>
+        </p:spPr>
+        <p:style>
+          <a:lnRef idx="2">
+            <a:schemeClr val="accent4">
+              <a:shade val="50000"/>
+            </a:schemeClr>
+          </a:lnRef>
+          <a:fillRef idx="1">
+            <a:schemeClr val="accent4"/>
+          </a:fillRef>
+          <a:effectRef idx="0">
+            <a:schemeClr val="accent4"/>
+          </a:effectRef>
+          <a:fontRef idx="minor">
+            <a:schemeClr val="lt1"/>
+          </a:fontRef>
+        </p:style>
+        <p:txBody>
+          <a:bodyPr rtlCol="0" anchor="ctr"/>
+          <a:lstStyle/>
+          <a:p>
+            <a:pPr algn="ctr"/>
+            <a:r>
+              <a:rPr lang="en-US" sz="1350" dirty="0"/>
+              <a:t>dsi.xsd</a:t>
+            </a:r>
+          </a:p>
+        </p:txBody>
+      </p:sp>
+      <p:sp>
+        <p:nvSpPr>
+          <p:cNvPr id="8" name="Rectangle 7"/>
+          <p:cNvSpPr/>
+          <p:nvPr/>
+        </p:nvSpPr>
+        <p:spPr>
+          <a:xfrm>
+            <a:off x="3188389" y="1987187"/>
+            <a:ext cx="748146" cy="685800"/>
+          </a:xfrm>
+          <a:prstGeom prst="rect">
+            <a:avLst/>
+          </a:prstGeom>
+          <a:solidFill>
+            <a:srgbClr val="7030A0"/>
+          </a:solidFill>
+          <a:ln>
+            <a:noFill/>
+          </a:ln>
+        </p:spPr>
+        <p:style>
+          <a:lnRef idx="2">
+            <a:schemeClr val="accent4">
+              <a:shade val="50000"/>
+            </a:schemeClr>
+          </a:lnRef>
+          <a:fillRef idx="1">
+            <a:schemeClr val="accent4"/>
+          </a:fillRef>
+          <a:effectRef idx="0">
+            <a:schemeClr val="accent4"/>
+          </a:effectRef>
+          <a:fontRef idx="minor">
+            <a:schemeClr val="lt1"/>
+          </a:fontRef>
+        </p:style>
+        <p:txBody>
+          <a:bodyPr rtlCol="0" anchor="ctr"/>
+          <a:lstStyle/>
+          <a:p>
+            <a:pPr algn="ctr"/>
+            <a:r>
+              <a:rPr lang="en-US" sz="1350" dirty="0"/>
+              <a:t>DSI</a:t>
+            </a:r>
+          </a:p>
+          <a:p>
+            <a:pPr algn="ctr"/>
+            <a:r>
+              <a:rPr lang="en-US" sz="1350" dirty="0"/>
+              <a:t>file</a:t>
+            </a:r>
+          </a:p>
+        </p:txBody>
+      </p:sp>
+      <p:sp>
+        <p:nvSpPr>
+          <p:cNvPr id="9" name="Rectangle 8"/>
+          <p:cNvSpPr/>
+          <p:nvPr/>
+        </p:nvSpPr>
+        <p:spPr>
+          <a:xfrm>
+            <a:off x="6249798" y="1975697"/>
+            <a:ext cx="685800" cy="685800"/>
+          </a:xfrm>
+          <a:prstGeom prst="rect">
+            <a:avLst/>
+          </a:prstGeom>
+          <a:solidFill>
+            <a:srgbClr val="7030A0"/>
+          </a:solidFill>
+          <a:ln>
+            <a:noFill/>
+          </a:ln>
+        </p:spPr>
+        <p:style>
+          <a:lnRef idx="2">
+            <a:schemeClr val="accent4">
+              <a:shade val="50000"/>
+            </a:schemeClr>
+          </a:lnRef>
+          <a:fillRef idx="1">
+            <a:schemeClr val="accent4"/>
+          </a:fillRef>
+          <a:effectRef idx="0">
+            <a:schemeClr val="accent4"/>
+          </a:effectRef>
+          <a:fontRef idx="minor">
+            <a:schemeClr val="lt1"/>
+          </a:fontRef>
+        </p:style>
+        <p:txBody>
+          <a:bodyPr rtlCol="0" anchor="ctr"/>
+          <a:lstStyle/>
+          <a:p>
+            <a:pPr algn="ctr"/>
+            <a:r>
+              <a:rPr lang="en-US" sz="1350" dirty="0"/>
+              <a:t>DSM </a:t>
+            </a:r>
+          </a:p>
+          <a:p>
+            <a:pPr algn="ctr"/>
+            <a:r>
+              <a:rPr lang="en-US" sz="1350" dirty="0"/>
+              <a:t>file</a:t>
+            </a:r>
+          </a:p>
+        </p:txBody>
+      </p:sp>
+      <p:sp>
+        <p:nvSpPr>
+          <p:cNvPr id="13" name="Rectangle 12"/>
+          <p:cNvSpPr/>
+          <p:nvPr/>
+        </p:nvSpPr>
+        <p:spPr>
+          <a:xfrm>
+            <a:off x="1117345" y="2010969"/>
+            <a:ext cx="1071155" cy="685800"/>
+          </a:xfrm>
+          <a:prstGeom prst="rect">
+            <a:avLst/>
+          </a:prstGeom>
+        </p:spPr>
+        <p:style>
+          <a:lnRef idx="2">
+            <a:schemeClr val="accent1">
+              <a:shade val="50000"/>
+            </a:schemeClr>
+          </a:lnRef>
+          <a:fillRef idx="1">
+            <a:schemeClr val="accent1"/>
+          </a:fillRef>
+          <a:effectRef idx="0">
+            <a:schemeClr val="accent1"/>
+          </a:effectRef>
+          <a:fontRef idx="minor">
+            <a:schemeClr val="lt1"/>
+          </a:fontRef>
+        </p:style>
+        <p:txBody>
+          <a:bodyPr rtlCol="0" anchor="ctr"/>
+          <a:lstStyle/>
+          <a:p>
+            <a:pPr algn="ctr"/>
+            <a:r>
+              <a:rPr lang="en-US" sz="1350" dirty="0"/>
+              <a:t>Analyzer</a:t>
+            </a:r>
+          </a:p>
+        </p:txBody>
+      </p:sp>
+      <p:sp>
+        <p:nvSpPr>
+          <p:cNvPr id="15" name="TextBox 14"/>
+          <p:cNvSpPr txBox="1"/>
+          <p:nvPr/>
+        </p:nvSpPr>
+        <p:spPr>
+          <a:xfrm>
+            <a:off x="665806" y="2808496"/>
+            <a:ext cx="1865594" cy="507831"/>
+          </a:xfrm>
+          <a:prstGeom prst="rect">
+            <a:avLst/>
+          </a:prstGeom>
+          <a:noFill/>
+        </p:spPr>
+        <p:txBody>
+          <a:bodyPr wrap="square" rtlCol="0">
+            <a:spAutoFit/>
+          </a:bodyPr>
+          <a:lstStyle/>
+          <a:p>
+            <a:r>
+              <a:rPr lang="en-US" sz="1350" dirty="0" err="1"/>
+              <a:t>.Net</a:t>
+            </a:r>
+            <a:r>
+              <a:rPr lang="en-US" sz="1350" dirty="0"/>
+              <a:t>, Java, C++, Visual Studio and UML</a:t>
+            </a:r>
+          </a:p>
+        </p:txBody>
+      </p:sp>
+      <p:sp>
+        <p:nvSpPr>
+          <p:cNvPr id="17" name="Rectangle 16"/>
+          <p:cNvSpPr/>
+          <p:nvPr/>
+        </p:nvSpPr>
+        <p:spPr>
+          <a:xfrm>
+            <a:off x="665805" y="3628592"/>
+            <a:ext cx="1124198" cy="685800"/>
+          </a:xfrm>
+          <a:prstGeom prst="rect">
+            <a:avLst/>
+          </a:prstGeom>
+          <a:solidFill>
+            <a:srgbClr val="00B050"/>
+          </a:solidFill>
+          <a:ln>
+            <a:noFill/>
+          </a:ln>
+        </p:spPr>
+        <p:style>
+          <a:lnRef idx="2">
+            <a:schemeClr val="accent1">
+              <a:shade val="50000"/>
+            </a:schemeClr>
+          </a:lnRef>
+          <a:fillRef idx="1">
+            <a:schemeClr val="accent1"/>
+          </a:fillRef>
+          <a:effectRef idx="0">
+            <a:schemeClr val="accent1"/>
+          </a:effectRef>
+          <a:fontRef idx="minor">
+            <a:schemeClr val="lt1"/>
+          </a:fontRef>
+        </p:style>
+        <p:txBody>
+          <a:bodyPr rtlCol="0" anchor="ctr"/>
+          <a:lstStyle/>
+          <a:p>
+            <a:pPr algn="ctr"/>
+            <a:r>
+              <a:rPr lang="en-US" sz="1350" dirty="0"/>
+              <a:t>Third Party Analyzer</a:t>
+            </a:r>
+          </a:p>
+        </p:txBody>
+      </p:sp>
+      <p:cxnSp>
+        <p:nvCxnSpPr>
+          <p:cNvPr id="19" name="Straight Arrow Connector 18"/>
+          <p:cNvCxnSpPr>
+            <a:cxnSpLocks/>
+            <a:stCxn id="5" idx="1"/>
+            <a:endCxn id="8" idx="3"/>
+          </p:cNvCxnSpPr>
+          <p:nvPr/>
+        </p:nvCxnSpPr>
+        <p:spPr>
+          <a:xfrm flipH="1">
+            <a:off x="3936535" y="2318597"/>
+            <a:ext cx="771289" cy="11490"/>
+          </a:xfrm>
+          <a:prstGeom prst="straightConnector1">
+            <a:avLst/>
+          </a:prstGeom>
+          <a:ln>
+            <a:tailEnd type="triangle"/>
+          </a:ln>
+        </p:spPr>
+        <p:style>
+          <a:lnRef idx="1">
+            <a:schemeClr val="accent1"/>
+          </a:lnRef>
+          <a:fillRef idx="0">
+            <a:schemeClr val="accent1"/>
+          </a:fillRef>
+          <a:effectRef idx="0">
+            <a:schemeClr val="accent1"/>
+          </a:effectRef>
+          <a:fontRef idx="minor">
+            <a:schemeClr val="tx1"/>
+          </a:fontRef>
+        </p:style>
+      </p:cxnSp>
+      <p:cxnSp>
+        <p:nvCxnSpPr>
+          <p:cNvPr id="30" name="Straight Arrow Connector 29"/>
+          <p:cNvCxnSpPr>
+            <a:cxnSpLocks/>
+            <a:stCxn id="8" idx="2"/>
+            <a:endCxn id="7" idx="0"/>
+          </p:cNvCxnSpPr>
+          <p:nvPr/>
+        </p:nvCxnSpPr>
+        <p:spPr>
+          <a:xfrm>
+            <a:off x="3562462" y="2672987"/>
+            <a:ext cx="3145" cy="557745"/>
+          </a:xfrm>
+          <a:prstGeom prst="straightConnector1">
+            <a:avLst/>
+          </a:prstGeom>
+          <a:ln>
+            <a:tailEnd type="triangle"/>
+          </a:ln>
+        </p:spPr>
+        <p:style>
+          <a:lnRef idx="1">
+            <a:schemeClr val="accent1"/>
+          </a:lnRef>
+          <a:fillRef idx="0">
+            <a:schemeClr val="accent1"/>
+          </a:fillRef>
+          <a:effectRef idx="0">
+            <a:schemeClr val="accent1"/>
+          </a:effectRef>
+          <a:fontRef idx="minor">
+            <a:schemeClr val="tx1"/>
+          </a:fontRef>
+        </p:style>
+      </p:cxnSp>
+      <p:sp>
+        <p:nvSpPr>
+          <p:cNvPr id="12" name="Rectangle 11"/>
+          <p:cNvSpPr/>
+          <p:nvPr/>
+        </p:nvSpPr>
+        <p:spPr>
+          <a:xfrm>
+            <a:off x="1003045" y="1896669"/>
+            <a:ext cx="1071155" cy="685800"/>
+          </a:xfrm>
+          <a:prstGeom prst="rect">
+            <a:avLst/>
+          </a:prstGeom>
+        </p:spPr>
+        <p:style>
+          <a:lnRef idx="2">
+            <a:schemeClr val="accent1">
+              <a:shade val="50000"/>
+            </a:schemeClr>
+          </a:lnRef>
+          <a:fillRef idx="1">
+            <a:schemeClr val="accent1"/>
+          </a:fillRef>
+          <a:effectRef idx="0">
+            <a:schemeClr val="accent1"/>
+          </a:effectRef>
+          <a:fontRef idx="minor">
+            <a:schemeClr val="lt1"/>
+          </a:fontRef>
+        </p:style>
+        <p:txBody>
+          <a:bodyPr rtlCol="0" anchor="ctr"/>
+          <a:lstStyle/>
+          <a:p>
+            <a:pPr algn="ctr"/>
+            <a:r>
+              <a:rPr lang="en-US" sz="1350" dirty="0"/>
+              <a:t>Analyzer</a:t>
+            </a:r>
+          </a:p>
+        </p:txBody>
+      </p:sp>
+      <p:sp>
+        <p:nvSpPr>
+          <p:cNvPr id="11" name="Rectangle 10"/>
+          <p:cNvSpPr/>
+          <p:nvPr/>
+        </p:nvSpPr>
+        <p:spPr>
+          <a:xfrm>
+            <a:off x="888745" y="1782369"/>
+            <a:ext cx="1071155" cy="685800"/>
+          </a:xfrm>
+          <a:prstGeom prst="rect">
+            <a:avLst/>
+          </a:prstGeom>
+        </p:spPr>
+        <p:style>
+          <a:lnRef idx="2">
+            <a:schemeClr val="accent1">
+              <a:shade val="50000"/>
+            </a:schemeClr>
+          </a:lnRef>
+          <a:fillRef idx="1">
+            <a:schemeClr val="accent1"/>
+          </a:fillRef>
+          <a:effectRef idx="0">
+            <a:schemeClr val="accent1"/>
+          </a:effectRef>
+          <a:fontRef idx="minor">
+            <a:schemeClr val="lt1"/>
+          </a:fontRef>
+        </p:style>
+        <p:txBody>
+          <a:bodyPr rtlCol="0" anchor="ctr"/>
+          <a:lstStyle/>
+          <a:p>
+            <a:pPr algn="ctr"/>
+            <a:r>
+              <a:rPr lang="en-US" sz="1350" dirty="0"/>
+              <a:t>Analyzer</a:t>
+            </a:r>
+          </a:p>
+        </p:txBody>
+      </p:sp>
+      <p:sp>
+        <p:nvSpPr>
+          <p:cNvPr id="10" name="Rectangle 9"/>
+          <p:cNvSpPr/>
+          <p:nvPr/>
+        </p:nvSpPr>
+        <p:spPr>
+          <a:xfrm>
+            <a:off x="774445" y="1668069"/>
+            <a:ext cx="1071155" cy="685800"/>
+          </a:xfrm>
+          <a:prstGeom prst="rect">
+            <a:avLst/>
+          </a:prstGeom>
+        </p:spPr>
+        <p:style>
+          <a:lnRef idx="2">
+            <a:schemeClr val="accent1">
+              <a:shade val="50000"/>
+            </a:schemeClr>
+          </a:lnRef>
+          <a:fillRef idx="1">
+            <a:schemeClr val="accent1"/>
+          </a:fillRef>
+          <a:effectRef idx="0">
+            <a:schemeClr val="accent1"/>
+          </a:effectRef>
+          <a:fontRef idx="minor">
+            <a:schemeClr val="lt1"/>
+          </a:fontRef>
+        </p:style>
+        <p:txBody>
+          <a:bodyPr rtlCol="0" anchor="ctr"/>
+          <a:lstStyle/>
+          <a:p>
+            <a:pPr algn="ctr"/>
+            <a:r>
+              <a:rPr lang="en-US" sz="1350" dirty="0"/>
+              <a:t>Analyzer</a:t>
+            </a:r>
+          </a:p>
+        </p:txBody>
+      </p:sp>
+      <p:sp>
+        <p:nvSpPr>
+          <p:cNvPr id="4" name="Rectangle 3"/>
+          <p:cNvSpPr/>
+          <p:nvPr/>
+        </p:nvSpPr>
+        <p:spPr>
+          <a:xfrm>
+            <a:off x="660145" y="1553769"/>
+            <a:ext cx="1071155" cy="685800"/>
+          </a:xfrm>
+          <a:prstGeom prst="rect">
+            <a:avLst/>
+          </a:prstGeom>
+        </p:spPr>
+        <p:style>
+          <a:lnRef idx="2">
+            <a:schemeClr val="accent1">
+              <a:shade val="50000"/>
+            </a:schemeClr>
+          </a:lnRef>
+          <a:fillRef idx="1">
+            <a:schemeClr val="accent1"/>
+          </a:fillRef>
+          <a:effectRef idx="0">
+            <a:schemeClr val="accent1"/>
+          </a:effectRef>
+          <a:fontRef idx="minor">
+            <a:schemeClr val="lt1"/>
+          </a:fontRef>
+        </p:style>
+        <p:txBody>
+          <a:bodyPr rtlCol="0" anchor="ctr"/>
+          <a:lstStyle/>
+          <a:p>
+            <a:pPr algn="ctr"/>
+            <a:r>
+              <a:rPr lang="en-US" sz="1350" dirty="0"/>
+              <a:t>Analyzer</a:t>
+            </a:r>
+          </a:p>
+        </p:txBody>
+      </p:sp>
+      <p:cxnSp>
+        <p:nvCxnSpPr>
+          <p:cNvPr id="33" name="Straight Arrow Connector 32"/>
+          <p:cNvCxnSpPr>
+            <a:stCxn id="13" idx="3"/>
+          </p:cNvCxnSpPr>
+          <p:nvPr/>
+        </p:nvCxnSpPr>
+        <p:spPr>
+          <a:xfrm flipV="1">
+            <a:off x="2188499" y="2330880"/>
+            <a:ext cx="999890" cy="22990"/>
+          </a:xfrm>
+          <a:prstGeom prst="straightConnector1">
+            <a:avLst/>
+          </a:prstGeom>
+          <a:ln>
+            <a:tailEnd type="triangle"/>
+          </a:ln>
+        </p:spPr>
+        <p:style>
+          <a:lnRef idx="1">
+            <a:schemeClr val="accent1"/>
+          </a:lnRef>
+          <a:fillRef idx="0">
+            <a:schemeClr val="accent1"/>
+          </a:fillRef>
+          <a:effectRef idx="0">
+            <a:schemeClr val="accent1"/>
+          </a:effectRef>
+          <a:fontRef idx="minor">
+            <a:schemeClr val="tx1"/>
+          </a:fontRef>
+        </p:style>
+      </p:cxnSp>
+      <p:cxnSp>
+        <p:nvCxnSpPr>
+          <p:cNvPr id="38" name="Straight Arrow Connector 37"/>
+          <p:cNvCxnSpPr/>
+          <p:nvPr/>
+        </p:nvCxnSpPr>
+        <p:spPr>
+          <a:xfrm flipV="1">
+            <a:off x="1775908" y="4039036"/>
+            <a:ext cx="912536" cy="11495"/>
+          </a:xfrm>
+          <a:prstGeom prst="straightConnector1">
+            <a:avLst/>
+          </a:prstGeom>
+          <a:ln>
+            <a:tailEnd type="none"/>
+          </a:ln>
+        </p:spPr>
+        <p:style>
+          <a:lnRef idx="1">
+            <a:schemeClr val="accent1"/>
+          </a:lnRef>
+          <a:fillRef idx="0">
+            <a:schemeClr val="accent1"/>
+          </a:fillRef>
+          <a:effectRef idx="0">
+            <a:schemeClr val="accent1"/>
+          </a:effectRef>
+          <a:fontRef idx="minor">
+            <a:schemeClr val="tx1"/>
+          </a:fontRef>
+        </p:style>
+      </p:cxnSp>
+      <p:cxnSp>
+        <p:nvCxnSpPr>
+          <p:cNvPr id="39" name="Straight Arrow Connector 38"/>
+          <p:cNvCxnSpPr/>
+          <p:nvPr/>
+        </p:nvCxnSpPr>
+        <p:spPr>
+          <a:xfrm flipH="1" flipV="1">
+            <a:off x="2688444" y="2353869"/>
+            <a:ext cx="13242" cy="1685166"/>
+          </a:xfrm>
+          <a:prstGeom prst="straightConnector1">
+            <a:avLst/>
+          </a:prstGeom>
+          <a:ln>
+            <a:tailEnd type="none"/>
+          </a:ln>
+        </p:spPr>
+        <p:style>
+          <a:lnRef idx="1">
+            <a:schemeClr val="accent1"/>
+          </a:lnRef>
+          <a:fillRef idx="0">
+            <a:schemeClr val="accent1"/>
+          </a:fillRef>
+          <a:effectRef idx="0">
+            <a:schemeClr val="accent1"/>
+          </a:effectRef>
+          <a:fontRef idx="minor">
+            <a:schemeClr val="tx1"/>
+          </a:fontRef>
+        </p:style>
+      </p:cxnSp>
+      <p:sp>
+        <p:nvSpPr>
+          <p:cNvPr id="44" name="TextBox 43"/>
+          <p:cNvSpPr txBox="1"/>
+          <p:nvPr/>
+        </p:nvSpPr>
+        <p:spPr>
+          <a:xfrm>
+            <a:off x="3531289" y="2813359"/>
+            <a:ext cx="1127624" cy="300082"/>
+          </a:xfrm>
+          <a:prstGeom prst="rect">
+            <a:avLst/>
+          </a:prstGeom>
+          <a:noFill/>
+        </p:spPr>
+        <p:txBody>
+          <a:bodyPr wrap="square" rtlCol="0">
+            <a:spAutoFit/>
+          </a:bodyPr>
+          <a:lstStyle/>
+          <a:p>
+            <a:r>
+              <a:rPr lang="en-US" sz="1350" dirty="0"/>
+              <a:t>Conforms To</a:t>
+            </a:r>
+          </a:p>
+        </p:txBody>
+      </p:sp>
+      <p:sp>
+        <p:nvSpPr>
+          <p:cNvPr id="45" name="TextBox 44"/>
+          <p:cNvSpPr txBox="1"/>
+          <p:nvPr/>
+        </p:nvSpPr>
+        <p:spPr>
+          <a:xfrm>
+            <a:off x="5378943" y="2019137"/>
+            <a:ext cx="891002" cy="300082"/>
+          </a:xfrm>
+          <a:prstGeom prst="rect">
+            <a:avLst/>
+          </a:prstGeom>
+          <a:noFill/>
+        </p:spPr>
+        <p:txBody>
+          <a:bodyPr wrap="square" rtlCol="0">
+            <a:spAutoFit/>
+          </a:bodyPr>
+          <a:lstStyle/>
+          <a:p>
+            <a:r>
+              <a:rPr lang="en-US" sz="1350" dirty="0"/>
+              <a:t>Visualizes</a:t>
+            </a:r>
+          </a:p>
+        </p:txBody>
+      </p:sp>
+      <p:sp>
+        <p:nvSpPr>
+          <p:cNvPr id="55" name="TextBox 54"/>
+          <p:cNvSpPr txBox="1"/>
+          <p:nvPr/>
+        </p:nvSpPr>
+        <p:spPr>
+          <a:xfrm>
+            <a:off x="3885227" y="2019137"/>
+            <a:ext cx="773686" cy="300082"/>
+          </a:xfrm>
+          <a:prstGeom prst="rect">
+            <a:avLst/>
+          </a:prstGeom>
+          <a:noFill/>
+        </p:spPr>
+        <p:txBody>
+          <a:bodyPr wrap="square" rtlCol="0">
+            <a:spAutoFit/>
+          </a:bodyPr>
+          <a:lstStyle/>
+          <a:p>
+            <a:r>
+              <a:rPr lang="en-US" sz="1350" dirty="0"/>
+              <a:t>Imports</a:t>
+            </a:r>
+          </a:p>
+        </p:txBody>
+      </p:sp>
+      <p:sp>
+        <p:nvSpPr>
+          <p:cNvPr id="58" name="TextBox 57"/>
+          <p:cNvSpPr txBox="1"/>
+          <p:nvPr/>
+        </p:nvSpPr>
+        <p:spPr>
+          <a:xfrm>
+            <a:off x="2339145" y="2025423"/>
+            <a:ext cx="711839" cy="300082"/>
+          </a:xfrm>
+          <a:prstGeom prst="rect">
+            <a:avLst/>
+          </a:prstGeom>
+          <a:noFill/>
+        </p:spPr>
+        <p:txBody>
+          <a:bodyPr wrap="square" rtlCol="0">
+            <a:spAutoFit/>
+          </a:bodyPr>
+          <a:lstStyle/>
+          <a:p>
+            <a:r>
+              <a:rPr lang="en-US" sz="1350" dirty="0"/>
+              <a:t>Exports</a:t>
+            </a:r>
+          </a:p>
+        </p:txBody>
+      </p:sp>
+      <p:sp>
+        <p:nvSpPr>
+          <p:cNvPr id="26" name="Rectangle 25">
+            <a:extLst>
+              <a:ext uri="{FF2B5EF4-FFF2-40B4-BE49-F238E27FC236}">
+                <a16:creationId xmlns:a16="http://schemas.microsoft.com/office/drawing/2014/main" id="{E41A7C78-39B6-48AC-AA40-776067CA3894}"/>
+              </a:ext>
+            </a:extLst>
+          </p:cNvPr>
+          <p:cNvSpPr/>
+          <p:nvPr/>
+        </p:nvSpPr>
+        <p:spPr>
+          <a:xfrm>
+            <a:off x="3028198" y="765287"/>
+            <a:ext cx="999890" cy="685800"/>
+          </a:xfrm>
+          <a:prstGeom prst="rect">
+            <a:avLst/>
+          </a:prstGeom>
+          <a:ln>
+            <a:solidFill>
+              <a:schemeClr val="accent1">
+                <a:shade val="50000"/>
+              </a:schemeClr>
+            </a:solidFill>
+          </a:ln>
+        </p:spPr>
+        <p:style>
+          <a:lnRef idx="2">
+            <a:schemeClr val="accent1">
+              <a:shade val="50000"/>
+            </a:schemeClr>
+          </a:lnRef>
+          <a:fillRef idx="1">
+            <a:schemeClr val="accent1"/>
+          </a:fillRef>
+          <a:effectRef idx="0">
+            <a:schemeClr val="accent1"/>
+          </a:effectRef>
+          <a:fontRef idx="minor">
+            <a:schemeClr val="lt1"/>
+          </a:fontRef>
+        </p:style>
+        <p:txBody>
+          <a:bodyPr rtlCol="0" anchor="ctr"/>
+          <a:lstStyle/>
+          <a:p>
+            <a:pPr algn="ctr"/>
+            <a:r>
+              <a:rPr lang="en-US" sz="1350" dirty="0"/>
+              <a:t>Comparer</a:t>
+            </a:r>
+          </a:p>
+        </p:txBody>
+      </p:sp>
+      <p:cxnSp>
+        <p:nvCxnSpPr>
+          <p:cNvPr id="27" name="Straight Arrow Connector 26">
+            <a:extLst>
+              <a:ext uri="{FF2B5EF4-FFF2-40B4-BE49-F238E27FC236}">
+                <a16:creationId xmlns:a16="http://schemas.microsoft.com/office/drawing/2014/main" id="{1080CBDA-3D8E-491B-B177-FE5C9DCDE901}"/>
+              </a:ext>
+            </a:extLst>
+          </p:cNvPr>
+          <p:cNvCxnSpPr>
+            <a:cxnSpLocks/>
+          </p:cNvCxnSpPr>
+          <p:nvPr/>
+        </p:nvCxnSpPr>
+        <p:spPr>
+          <a:xfrm>
+            <a:off x="3528143" y="1453224"/>
+            <a:ext cx="3145" cy="557745"/>
+          </a:xfrm>
+          <a:prstGeom prst="straightConnector1">
+            <a:avLst/>
+          </a:prstGeom>
+          <a:ln>
+            <a:tailEnd type="triangle"/>
+          </a:ln>
+        </p:spPr>
+        <p:style>
+          <a:lnRef idx="1">
+            <a:schemeClr val="accent1"/>
+          </a:lnRef>
+          <a:fillRef idx="0">
+            <a:schemeClr val="accent1"/>
+          </a:fillRef>
+          <a:effectRef idx="0">
+            <a:schemeClr val="accent1"/>
+          </a:effectRef>
+          <a:fontRef idx="minor">
+            <a:schemeClr val="tx1"/>
+          </a:fontRef>
+        </p:style>
+      </p:cxnSp>
+      <p:cxnSp>
+        <p:nvCxnSpPr>
+          <p:cNvPr id="31" name="Straight Arrow Connector 30">
+            <a:extLst>
+              <a:ext uri="{FF2B5EF4-FFF2-40B4-BE49-F238E27FC236}">
+                <a16:creationId xmlns:a16="http://schemas.microsoft.com/office/drawing/2014/main" id="{E2569B88-1712-4258-B144-748201ABFDFD}"/>
+              </a:ext>
+            </a:extLst>
+          </p:cNvPr>
+          <p:cNvCxnSpPr>
+            <a:cxnSpLocks/>
+            <a:stCxn id="5" idx="3"/>
+            <a:endCxn id="9" idx="1"/>
+          </p:cNvCxnSpPr>
+          <p:nvPr/>
+        </p:nvCxnSpPr>
+        <p:spPr>
+          <a:xfrm>
+            <a:off x="5393624" y="2318597"/>
+            <a:ext cx="856174" cy="0"/>
+          </a:xfrm>
+          <a:prstGeom prst="straightConnector1">
+            <a:avLst/>
+          </a:prstGeom>
+          <a:ln>
+            <a:tailEnd type="triangle"/>
+          </a:ln>
+        </p:spPr>
+        <p:style>
+          <a:lnRef idx="1">
+            <a:schemeClr val="accent1"/>
+          </a:lnRef>
+          <a:fillRef idx="0">
+            <a:schemeClr val="accent1"/>
+          </a:fillRef>
+          <a:effectRef idx="0">
+            <a:schemeClr val="accent1"/>
+          </a:effectRef>
+          <a:fontRef idx="minor">
+            <a:schemeClr val="tx1"/>
+          </a:fontRef>
+        </p:style>
+      </p:cxnSp>
+      <p:sp>
+        <p:nvSpPr>
+          <p:cNvPr id="35" name="TextBox 34">
+            <a:extLst>
+              <a:ext uri="{FF2B5EF4-FFF2-40B4-BE49-F238E27FC236}">
+                <a16:creationId xmlns:a16="http://schemas.microsoft.com/office/drawing/2014/main" id="{17B0C379-9B45-44A0-A515-57F16875BB77}"/>
+              </a:ext>
+            </a:extLst>
+          </p:cNvPr>
+          <p:cNvSpPr txBox="1"/>
+          <p:nvPr/>
+        </p:nvSpPr>
+        <p:spPr>
+          <a:xfrm>
+            <a:off x="3528143" y="1603112"/>
+            <a:ext cx="891002" cy="300082"/>
+          </a:xfrm>
+          <a:prstGeom prst="rect">
+            <a:avLst/>
+          </a:prstGeom>
+          <a:noFill/>
+        </p:spPr>
+        <p:txBody>
+          <a:bodyPr wrap="square" rtlCol="0">
+            <a:spAutoFit/>
+          </a:bodyPr>
+          <a:lstStyle/>
+          <a:p>
+            <a:r>
+              <a:rPr lang="en-US" sz="1350" dirty="0"/>
+              <a:t>Compares</a:t>
+            </a:r>
+          </a:p>
+        </p:txBody>
+      </p:sp>
+    </p:spTree>
+    <p:extLst>
+      <p:ext uri="{BB962C8B-B14F-4D97-AF65-F5344CB8AC3E}">
+        <p14:creationId xmlns:p14="http://schemas.microsoft.com/office/powerpoint/2010/main" val="144400470"/>
+      </p:ext>
+    </p:extLst>
+  </p:cSld>
+  <p:clrMapOvr>
+    <a:masterClrMapping/>
+  </p:clrMapOvr>
+</p:sld>
+</file>
+
+<file path=ppt/slides/slide20.xml><?xml version="1.0" encoding="utf-8"?>
+<p:sld xmlns:a="http://schemas.openxmlformats.org/drawingml/2006/main" xmlns:r="http://schemas.openxmlformats.org/officeDocument/2006/relationships" xmlns:p="http://schemas.openxmlformats.org/presentationml/2006/main">
+  <p:cSld>
+    <p:spTree>
+      <p:nvGrpSpPr>
+        <p:cNvPr id="1" name=""/>
+        <p:cNvGrpSpPr/>
+        <p:nvPr/>
+      </p:nvGrpSpPr>
+      <p:grpSpPr>
+        <a:xfrm>
+          <a:off x="0" y="0"/>
+          <a:ext cx="0" cy="0"/>
+          <a:chOff x="0" y="0"/>
+          <a:chExt cx="0" cy="0"/>
+        </a:xfrm>
+      </p:grpSpPr>
+      <p:pic>
+        <p:nvPicPr>
+          <p:cNvPr id="2" name="Picture 1" descr="Chart, scatter chart&#10;&#10;Description automatically generated">
+            <a:extLst>
+              <a:ext uri="{FF2B5EF4-FFF2-40B4-BE49-F238E27FC236}">
+                <a16:creationId xmlns:a16="http://schemas.microsoft.com/office/drawing/2014/main" id="{541FA3DB-9E58-4AAC-8A60-2FCC3568171E}"/>
+              </a:ext>
+            </a:extLst>
+          </p:cNvPr>
+          <p:cNvPicPr>
+            <a:picLocks noChangeAspect="1"/>
+          </p:cNvPicPr>
+          <p:nvPr/>
+        </p:nvPicPr>
+        <p:blipFill>
+          <a:blip r:embed="rId2">
+            <a:extLst>
+              <a:ext uri="{28A0092B-C50C-407E-A947-70E740481C1C}">
+                <a14:useLocalDpi xmlns:a14="http://schemas.microsoft.com/office/drawing/2010/main" val="0"/>
+              </a:ext>
+            </a:extLst>
+          </a:blip>
+          <a:stretch>
+            <a:fillRect/>
+          </a:stretch>
+        </p:blipFill>
+        <p:spPr>
+          <a:xfrm>
+            <a:off x="234891" y="259691"/>
+            <a:ext cx="8056780" cy="5074618"/>
+          </a:xfrm>
+          <a:prstGeom prst="rect">
+            <a:avLst/>
+          </a:prstGeom>
+        </p:spPr>
+      </p:pic>
+      <p:sp>
+        <p:nvSpPr>
+          <p:cNvPr id="6" name="Rounded Rectangular Callout 8">
+            <a:extLst>
+              <a:ext uri="{FF2B5EF4-FFF2-40B4-BE49-F238E27FC236}">
+                <a16:creationId xmlns:a16="http://schemas.microsoft.com/office/drawing/2014/main" id="{C80096F7-B169-4C81-9251-E3911DB0E9DA}"/>
+              </a:ext>
+            </a:extLst>
+          </p:cNvPr>
+          <p:cNvSpPr/>
+          <p:nvPr/>
+        </p:nvSpPr>
+        <p:spPr>
+          <a:xfrm>
+            <a:off x="1088607" y="2180872"/>
+            <a:ext cx="1534510" cy="616128"/>
+          </a:xfrm>
+          <a:prstGeom prst="wedgeRoundRectCallout">
+            <a:avLst>
+              <a:gd name="adj1" fmla="val 69513"/>
+              <a:gd name="adj2" fmla="val -95361"/>
+              <a:gd name="adj3" fmla="val 16667"/>
+            </a:avLst>
+          </a:prstGeom>
+          <a:solidFill>
+            <a:srgbClr val="15965A"/>
+          </a:solidFill>
+          <a:ln>
+            <a:noFill/>
+          </a:ln>
+        </p:spPr>
+        <p:style>
+          <a:lnRef idx="1">
+            <a:schemeClr val="accent1"/>
+          </a:lnRef>
+          <a:fillRef idx="3">
+            <a:schemeClr val="accent1"/>
+          </a:fillRef>
+          <a:effectRef idx="2">
+            <a:schemeClr val="accent1"/>
+          </a:effectRef>
+          <a:fontRef idx="minor">
+            <a:schemeClr val="lt1"/>
+          </a:fontRef>
+        </p:style>
+        <p:txBody>
+          <a:bodyPr rtlCol="0" anchor="ctr"/>
+          <a:lstStyle/>
+          <a:p>
+            <a:pPr algn="ctr"/>
+            <a:r>
+              <a:rPr lang="en-US" sz="1400" dirty="0">
+                <a:solidFill>
+                  <a:schemeClr val="bg1"/>
+                </a:solidFill>
+              </a:rPr>
+              <a:t>Match indicator</a:t>
+            </a:r>
+          </a:p>
+        </p:txBody>
+      </p:sp>
+      <p:sp>
+        <p:nvSpPr>
+          <p:cNvPr id="7" name="Rounded Rectangular Callout 8">
+            <a:extLst>
+              <a:ext uri="{FF2B5EF4-FFF2-40B4-BE49-F238E27FC236}">
+                <a16:creationId xmlns:a16="http://schemas.microsoft.com/office/drawing/2014/main" id="{229742C2-D735-48BA-817D-6D35CA73D9CA}"/>
+              </a:ext>
+            </a:extLst>
+          </p:cNvPr>
+          <p:cNvSpPr/>
+          <p:nvPr/>
+        </p:nvSpPr>
+        <p:spPr>
+          <a:xfrm>
+            <a:off x="3625770" y="1123583"/>
+            <a:ext cx="1534510" cy="616128"/>
+          </a:xfrm>
+          <a:prstGeom prst="wedgeRoundRectCallout">
+            <a:avLst>
+              <a:gd name="adj1" fmla="val 81083"/>
+              <a:gd name="adj2" fmla="val -121297"/>
+              <a:gd name="adj3" fmla="val 16667"/>
+            </a:avLst>
+          </a:prstGeom>
+          <a:solidFill>
+            <a:srgbClr val="15965A"/>
+          </a:solidFill>
+          <a:ln>
+            <a:noFill/>
+          </a:ln>
+        </p:spPr>
+        <p:style>
+          <a:lnRef idx="1">
+            <a:schemeClr val="accent1"/>
+          </a:lnRef>
+          <a:fillRef idx="3">
+            <a:schemeClr val="accent1"/>
+          </a:fillRef>
+          <a:effectRef idx="2">
+            <a:schemeClr val="accent1"/>
+          </a:effectRef>
+          <a:fontRef idx="minor">
+            <a:schemeClr val="lt1"/>
+          </a:fontRef>
+        </p:style>
+        <p:txBody>
+          <a:bodyPr rtlCol="0" anchor="ctr"/>
+          <a:lstStyle/>
+          <a:p>
+            <a:pPr algn="ctr"/>
+            <a:r>
+              <a:rPr lang="en-US" sz="1400" dirty="0">
+                <a:solidFill>
+                  <a:schemeClr val="bg1"/>
+                </a:solidFill>
+              </a:rPr>
+              <a:t>Search text</a:t>
+            </a:r>
+          </a:p>
+        </p:txBody>
+      </p:sp>
+      <p:sp>
+        <p:nvSpPr>
+          <p:cNvPr id="8" name="Rounded Rectangular Callout 8">
+            <a:extLst>
+              <a:ext uri="{FF2B5EF4-FFF2-40B4-BE49-F238E27FC236}">
+                <a16:creationId xmlns:a16="http://schemas.microsoft.com/office/drawing/2014/main" id="{E4FE2576-57A8-4C0F-BBCB-C524C725ED1C}"/>
+              </a:ext>
+            </a:extLst>
+          </p:cNvPr>
+          <p:cNvSpPr/>
+          <p:nvPr/>
+        </p:nvSpPr>
+        <p:spPr>
+          <a:xfrm>
+            <a:off x="5849996" y="1114705"/>
+            <a:ext cx="1534510" cy="616128"/>
+          </a:xfrm>
+          <a:prstGeom prst="wedgeRoundRectCallout">
+            <a:avLst>
+              <a:gd name="adj1" fmla="val 63149"/>
+              <a:gd name="adj2" fmla="val -115532"/>
+              <a:gd name="adj3" fmla="val 16667"/>
+            </a:avLst>
+          </a:prstGeom>
+          <a:solidFill>
+            <a:srgbClr val="15965A"/>
+          </a:solidFill>
+          <a:ln>
+            <a:noFill/>
+          </a:ln>
+        </p:spPr>
+        <p:style>
+          <a:lnRef idx="1">
+            <a:schemeClr val="accent1"/>
+          </a:lnRef>
+          <a:fillRef idx="3">
+            <a:schemeClr val="accent1"/>
+          </a:fillRef>
+          <a:effectRef idx="2">
+            <a:schemeClr val="accent1"/>
+          </a:effectRef>
+          <a:fontRef idx="minor">
+            <a:schemeClr val="lt1"/>
+          </a:fontRef>
+        </p:style>
+        <p:txBody>
+          <a:bodyPr rtlCol="0" anchor="ctr"/>
+          <a:lstStyle/>
+          <a:p>
+            <a:pPr algn="ctr"/>
+            <a:r>
+              <a:rPr lang="en-US" sz="1400" dirty="0">
+                <a:solidFill>
+                  <a:schemeClr val="bg1"/>
+                </a:solidFill>
+              </a:rPr>
+              <a:t>Elements found</a:t>
+            </a:r>
+          </a:p>
+        </p:txBody>
+      </p:sp>
+      <p:sp>
+        <p:nvSpPr>
+          <p:cNvPr id="9" name="Rounded Rectangular Callout 8">
+            <a:extLst>
+              <a:ext uri="{FF2B5EF4-FFF2-40B4-BE49-F238E27FC236}">
+                <a16:creationId xmlns:a16="http://schemas.microsoft.com/office/drawing/2014/main" id="{EEFD5DF4-D7D4-447D-9E97-7A0ADBCBB39C}"/>
+              </a:ext>
+            </a:extLst>
+          </p:cNvPr>
+          <p:cNvSpPr/>
+          <p:nvPr/>
+        </p:nvSpPr>
+        <p:spPr>
+          <a:xfrm>
+            <a:off x="1401544" y="1064707"/>
+            <a:ext cx="1534510" cy="616128"/>
+          </a:xfrm>
+          <a:prstGeom prst="wedgeRoundRectCallout">
+            <a:avLst>
+              <a:gd name="adj1" fmla="val 123895"/>
+              <a:gd name="adj2" fmla="val -105447"/>
+              <a:gd name="adj3" fmla="val 16667"/>
+            </a:avLst>
+          </a:prstGeom>
+          <a:solidFill>
+            <a:srgbClr val="15965A"/>
+          </a:solidFill>
+          <a:ln>
+            <a:noFill/>
+          </a:ln>
+        </p:spPr>
+        <p:style>
+          <a:lnRef idx="1">
+            <a:schemeClr val="accent1"/>
+          </a:lnRef>
+          <a:fillRef idx="3">
+            <a:schemeClr val="accent1"/>
+          </a:fillRef>
+          <a:effectRef idx="2">
+            <a:schemeClr val="accent1"/>
+          </a:effectRef>
+          <a:fontRef idx="minor">
+            <a:schemeClr val="lt1"/>
+          </a:fontRef>
+        </p:style>
+        <p:txBody>
+          <a:bodyPr rtlCol="0" anchor="ctr"/>
+          <a:lstStyle/>
+          <a:p>
+            <a:pPr algn="ctr"/>
+            <a:r>
+              <a:rPr lang="en-US" sz="1400" dirty="0">
+                <a:solidFill>
+                  <a:schemeClr val="bg1"/>
+                </a:solidFill>
+              </a:rPr>
+              <a:t>Search mode</a:t>
+            </a:r>
+          </a:p>
+        </p:txBody>
+      </p:sp>
+    </p:spTree>
+    <p:extLst>
+      <p:ext uri="{BB962C8B-B14F-4D97-AF65-F5344CB8AC3E}">
+        <p14:creationId xmlns:p14="http://schemas.microsoft.com/office/powerpoint/2010/main" val="2878889973"/>
+      </p:ext>
+    </p:extLst>
+  </p:cSld>
+  <p:clrMapOvr>
+    <a:masterClrMapping/>
+  </p:clrMapOvr>
+</p:sld>
+</file>
+
+<file path=ppt/slides/slide21.xml><?xml version="1.0" encoding="utf-8"?>
+<p:sld xmlns:a="http://schemas.openxmlformats.org/drawingml/2006/main" xmlns:r="http://schemas.openxmlformats.org/officeDocument/2006/relationships" xmlns:p="http://schemas.openxmlformats.org/presentationml/2006/main">
+  <p:cSld>
+    <p:spTree>
+      <p:nvGrpSpPr>
+        <p:cNvPr id="1" name=""/>
+        <p:cNvGrpSpPr/>
+        <p:nvPr/>
+      </p:nvGrpSpPr>
+      <p:grpSpPr>
+        <a:xfrm>
+          <a:off x="0" y="0"/>
+          <a:ext cx="0" cy="0"/>
+          <a:chOff x="0" y="0"/>
+          <a:chExt cx="0" cy="0"/>
+        </a:xfrm>
+      </p:grpSpPr>
+      <p:pic>
+        <p:nvPicPr>
+          <p:cNvPr id="9" name="Picture 8">
+            <a:extLst>
+              <a:ext uri="{FF2B5EF4-FFF2-40B4-BE49-F238E27FC236}">
+                <a16:creationId xmlns:a16="http://schemas.microsoft.com/office/drawing/2014/main" id="{D11BA649-EBEE-4E74-B6C3-8685C1E95B3C}"/>
+              </a:ext>
+            </a:extLst>
+          </p:cNvPr>
+          <p:cNvPicPr>
+            <a:picLocks noChangeAspect="1"/>
+          </p:cNvPicPr>
+          <p:nvPr/>
+        </p:nvPicPr>
+        <p:blipFill>
+          <a:blip r:embed="rId2"/>
+          <a:stretch>
+            <a:fillRect/>
+          </a:stretch>
+        </p:blipFill>
+        <p:spPr>
+          <a:xfrm>
+            <a:off x="363738" y="752665"/>
+            <a:ext cx="8091150" cy="5071566"/>
+          </a:xfrm>
+          <a:prstGeom prst="rect">
+            <a:avLst/>
+          </a:prstGeom>
+        </p:spPr>
+      </p:pic>
+      <p:sp>
+        <p:nvSpPr>
+          <p:cNvPr id="7" name="Rounded Rectangular Callout 8">
+            <a:extLst>
+              <a:ext uri="{FF2B5EF4-FFF2-40B4-BE49-F238E27FC236}">
+                <a16:creationId xmlns:a16="http://schemas.microsoft.com/office/drawing/2014/main" id="{D5197673-61FE-4E63-8138-E1FD9859A7AA}"/>
+              </a:ext>
+            </a:extLst>
+          </p:cNvPr>
+          <p:cNvSpPr/>
+          <p:nvPr/>
+        </p:nvSpPr>
+        <p:spPr>
+          <a:xfrm>
+            <a:off x="1187742" y="3625497"/>
+            <a:ext cx="1534510" cy="616128"/>
+          </a:xfrm>
+          <a:prstGeom prst="wedgeRoundRectCallout">
+            <a:avLst>
+              <a:gd name="adj1" fmla="val 65463"/>
+              <a:gd name="adj2" fmla="val 76104"/>
+              <a:gd name="adj3" fmla="val 16667"/>
+            </a:avLst>
+          </a:prstGeom>
+          <a:solidFill>
+            <a:srgbClr val="15965A"/>
+          </a:solidFill>
+          <a:ln>
+            <a:noFill/>
+          </a:ln>
+        </p:spPr>
+        <p:style>
+          <a:lnRef idx="1">
+            <a:schemeClr val="accent1"/>
+          </a:lnRef>
+          <a:fillRef idx="3">
+            <a:schemeClr val="accent1"/>
+          </a:fillRef>
+          <a:effectRef idx="2">
+            <a:schemeClr val="accent1"/>
+          </a:effectRef>
+          <a:fontRef idx="minor">
+            <a:schemeClr val="lt1"/>
+          </a:fontRef>
+        </p:style>
+        <p:txBody>
+          <a:bodyPr rtlCol="0" anchor="ctr"/>
+          <a:lstStyle/>
+          <a:p>
+            <a:pPr algn="ctr"/>
+            <a:r>
+              <a:rPr lang="en-US" sz="1400" dirty="0">
+                <a:solidFill>
+                  <a:schemeClr val="bg1"/>
+                </a:solidFill>
+              </a:rPr>
+              <a:t>Bookmarked</a:t>
+            </a:r>
+          </a:p>
+          <a:p>
+            <a:pPr algn="ctr"/>
+            <a:r>
+              <a:rPr lang="en-US" sz="1400" dirty="0">
+                <a:solidFill>
+                  <a:schemeClr val="bg1"/>
+                </a:solidFill>
+              </a:rPr>
+              <a:t>indicator</a:t>
+            </a:r>
+          </a:p>
+        </p:txBody>
+      </p:sp>
+      <p:sp>
+        <p:nvSpPr>
+          <p:cNvPr id="8" name="Rounded Rectangular Callout 8">
+            <a:extLst>
+              <a:ext uri="{FF2B5EF4-FFF2-40B4-BE49-F238E27FC236}">
+                <a16:creationId xmlns:a16="http://schemas.microsoft.com/office/drawing/2014/main" id="{79DCDE01-6D6E-47CE-9DC5-A64A55588F20}"/>
+              </a:ext>
+            </a:extLst>
+          </p:cNvPr>
+          <p:cNvSpPr/>
+          <p:nvPr/>
+        </p:nvSpPr>
+        <p:spPr>
+          <a:xfrm>
+            <a:off x="2615411" y="1426763"/>
+            <a:ext cx="1534510" cy="616128"/>
+          </a:xfrm>
+          <a:prstGeom prst="wedgeRoundRectCallout">
+            <a:avLst>
+              <a:gd name="adj1" fmla="val 59678"/>
+              <a:gd name="adj2" fmla="val -86716"/>
+              <a:gd name="adj3" fmla="val 16667"/>
+            </a:avLst>
+          </a:prstGeom>
+          <a:solidFill>
+            <a:srgbClr val="15965A"/>
+          </a:solidFill>
+          <a:ln>
+            <a:noFill/>
+          </a:ln>
+        </p:spPr>
+        <p:style>
+          <a:lnRef idx="1">
+            <a:schemeClr val="accent1"/>
+          </a:lnRef>
+          <a:fillRef idx="3">
+            <a:schemeClr val="accent1"/>
+          </a:fillRef>
+          <a:effectRef idx="2">
+            <a:schemeClr val="accent1"/>
+          </a:effectRef>
+          <a:fontRef idx="minor">
+            <a:schemeClr val="lt1"/>
+          </a:fontRef>
+        </p:style>
+        <p:txBody>
+          <a:bodyPr rtlCol="0" anchor="ctr"/>
+          <a:lstStyle/>
+          <a:p>
+            <a:pPr algn="ctr"/>
+            <a:r>
+              <a:rPr lang="en-US" sz="1400" dirty="0">
+                <a:solidFill>
+                  <a:schemeClr val="bg1"/>
+                </a:solidFill>
+              </a:rPr>
+              <a:t>Bookmark mode</a:t>
+            </a:r>
+          </a:p>
+        </p:txBody>
+      </p:sp>
+    </p:spTree>
+    <p:extLst>
+      <p:ext uri="{BB962C8B-B14F-4D97-AF65-F5344CB8AC3E}">
+        <p14:creationId xmlns:p14="http://schemas.microsoft.com/office/powerpoint/2010/main" val="2441035341"/>
+      </p:ext>
+    </p:extLst>
+  </p:cSld>
+  <p:clrMapOvr>
+    <a:masterClrMapping/>
+  </p:clrMapOvr>
+</p:sld>
+</file>
+
+<file path=ppt/slides/slide22.xml><?xml version="1.0" encoding="utf-8"?>
+<p:sld xmlns:a="http://schemas.openxmlformats.org/drawingml/2006/main" xmlns:r="http://schemas.openxmlformats.org/officeDocument/2006/relationships" xmlns:p="http://schemas.openxmlformats.org/presentationml/2006/main">
+  <p:cSld>
+    <p:spTree>
+      <p:nvGrpSpPr>
+        <p:cNvPr id="1" name=""/>
+        <p:cNvGrpSpPr/>
+        <p:nvPr/>
+      </p:nvGrpSpPr>
+      <p:grpSpPr>
+        <a:xfrm>
+          <a:off x="0" y="0"/>
+          <a:ext cx="0" cy="0"/>
+          <a:chOff x="0" y="0"/>
+          <a:chExt cx="0" cy="0"/>
+        </a:xfrm>
+      </p:grpSpPr>
+      <p:pic>
+        <p:nvPicPr>
+          <p:cNvPr id="4" name="Picture 3" descr="A picture containing graphical user interface&#10;&#10;Description automatically generated">
+            <a:extLst>
+              <a:ext uri="{FF2B5EF4-FFF2-40B4-BE49-F238E27FC236}">
+                <a16:creationId xmlns:a16="http://schemas.microsoft.com/office/drawing/2014/main" id="{0C48544A-CCCE-4843-B799-254EE7965316}"/>
+              </a:ext>
+            </a:extLst>
+          </p:cNvPr>
+          <p:cNvPicPr>
+            <a:picLocks noChangeAspect="1"/>
+          </p:cNvPicPr>
+          <p:nvPr/>
+        </p:nvPicPr>
+        <p:blipFill>
+          <a:blip r:embed="rId2">
+            <a:extLst>
+              <a:ext uri="{28A0092B-C50C-407E-A947-70E740481C1C}">
+                <a14:useLocalDpi xmlns:a14="http://schemas.microsoft.com/office/drawing/2010/main" val="0"/>
+              </a:ext>
+            </a:extLst>
+          </a:blip>
+          <a:stretch>
+            <a:fillRect/>
+          </a:stretch>
+        </p:blipFill>
+        <p:spPr>
+          <a:xfrm>
+            <a:off x="320762" y="1274640"/>
+            <a:ext cx="8081188" cy="5068283"/>
+          </a:xfrm>
+          <a:prstGeom prst="rect">
+            <a:avLst/>
+          </a:prstGeom>
+        </p:spPr>
+      </p:pic>
+      <p:sp>
+        <p:nvSpPr>
+          <p:cNvPr id="6" name="Rounded Rectangular Callout 8">
+            <a:extLst>
+              <a:ext uri="{FF2B5EF4-FFF2-40B4-BE49-F238E27FC236}">
+                <a16:creationId xmlns:a16="http://schemas.microsoft.com/office/drawing/2014/main" id="{A4748BB1-1DB8-42C7-998B-B46242365F19}"/>
+              </a:ext>
+            </a:extLst>
+          </p:cNvPr>
+          <p:cNvSpPr/>
+          <p:nvPr/>
+        </p:nvSpPr>
+        <p:spPr>
+          <a:xfrm>
+            <a:off x="1303967" y="3384494"/>
+            <a:ext cx="1534510" cy="616128"/>
+          </a:xfrm>
+          <a:prstGeom prst="wedgeRoundRectCallout">
+            <a:avLst>
+              <a:gd name="adj1" fmla="val 65463"/>
+              <a:gd name="adj2" fmla="val 76104"/>
+              <a:gd name="adj3" fmla="val 16667"/>
+            </a:avLst>
+          </a:prstGeom>
+          <a:solidFill>
+            <a:srgbClr val="15965A"/>
+          </a:solidFill>
+          <a:ln>
+            <a:noFill/>
+          </a:ln>
+        </p:spPr>
+        <p:style>
+          <a:lnRef idx="1">
+            <a:schemeClr val="accent1"/>
+          </a:lnRef>
+          <a:fillRef idx="3">
+            <a:schemeClr val="accent1"/>
+          </a:fillRef>
+          <a:effectRef idx="2">
+            <a:schemeClr val="accent1"/>
+          </a:effectRef>
+          <a:fontRef idx="minor">
+            <a:schemeClr val="lt1"/>
+          </a:fontRef>
+        </p:style>
+        <p:txBody>
+          <a:bodyPr rtlCol="0" anchor="ctr"/>
+          <a:lstStyle/>
+          <a:p>
+            <a:pPr algn="ctr"/>
+            <a:r>
+              <a:rPr lang="en-US" sz="1400" dirty="0">
+                <a:solidFill>
+                  <a:schemeClr val="bg1"/>
+                </a:solidFill>
+              </a:rPr>
+              <a:t>Annotated</a:t>
+            </a:r>
+          </a:p>
+          <a:p>
+            <a:pPr algn="ctr"/>
+            <a:r>
+              <a:rPr lang="en-US" sz="1400" dirty="0">
+                <a:solidFill>
+                  <a:schemeClr val="bg1"/>
+                </a:solidFill>
+              </a:rPr>
+              <a:t>indicator</a:t>
+            </a:r>
+          </a:p>
+        </p:txBody>
+      </p:sp>
+      <p:sp>
+        <p:nvSpPr>
+          <p:cNvPr id="7" name="Rounded Rectangular Callout 8">
+            <a:extLst>
+              <a:ext uri="{FF2B5EF4-FFF2-40B4-BE49-F238E27FC236}">
+                <a16:creationId xmlns:a16="http://schemas.microsoft.com/office/drawing/2014/main" id="{5B489C54-089A-47F9-92E2-2C312C2989CC}"/>
+              </a:ext>
+            </a:extLst>
+          </p:cNvPr>
+          <p:cNvSpPr/>
+          <p:nvPr/>
+        </p:nvSpPr>
+        <p:spPr>
+          <a:xfrm>
+            <a:off x="2732456" y="1963122"/>
+            <a:ext cx="1534510" cy="616128"/>
+          </a:xfrm>
+          <a:prstGeom prst="wedgeRoundRectCallout">
+            <a:avLst>
+              <a:gd name="adj1" fmla="val 56206"/>
+              <a:gd name="adj2" fmla="val -80952"/>
+              <a:gd name="adj3" fmla="val 16667"/>
+            </a:avLst>
+          </a:prstGeom>
+          <a:solidFill>
+            <a:srgbClr val="15965A"/>
+          </a:solidFill>
+          <a:ln>
+            <a:noFill/>
+          </a:ln>
+        </p:spPr>
+        <p:style>
+          <a:lnRef idx="1">
+            <a:schemeClr val="accent1"/>
+          </a:lnRef>
+          <a:fillRef idx="3">
+            <a:schemeClr val="accent1"/>
+          </a:fillRef>
+          <a:effectRef idx="2">
+            <a:schemeClr val="accent1"/>
+          </a:effectRef>
+          <a:fontRef idx="minor">
+            <a:schemeClr val="lt1"/>
+          </a:fontRef>
+        </p:style>
+        <p:txBody>
+          <a:bodyPr rtlCol="0" anchor="ctr"/>
+          <a:lstStyle/>
+          <a:p>
+            <a:pPr algn="ctr"/>
+            <a:r>
+              <a:rPr lang="en-US" sz="1400" dirty="0">
+                <a:solidFill>
+                  <a:schemeClr val="bg1"/>
+                </a:solidFill>
+              </a:rPr>
+              <a:t>Annotation mode</a:t>
+            </a:r>
+          </a:p>
+        </p:txBody>
+      </p:sp>
+    </p:spTree>
+    <p:extLst>
+      <p:ext uri="{BB962C8B-B14F-4D97-AF65-F5344CB8AC3E}">
+        <p14:creationId xmlns:p14="http://schemas.microsoft.com/office/powerpoint/2010/main" val="172380663"/>
+      </p:ext>
+    </p:extLst>
+  </p:cSld>
+  <p:clrMapOvr>
+    <a:masterClrMapping/>
+  </p:clrMapOvr>
+</p:sld>
+</file>
+
+<file path=ppt/slides/slide23.xml><?xml version="1.0" encoding="utf-8"?>
+<p:sld xmlns:a="http://schemas.openxmlformats.org/drawingml/2006/main" xmlns:r="http://schemas.openxmlformats.org/officeDocument/2006/relationships" xmlns:p="http://schemas.openxmlformats.org/presentationml/2006/main">
+  <p:cSld>
+    <p:spTree>
+      <p:nvGrpSpPr>
+        <p:cNvPr id="1" name=""/>
+        <p:cNvGrpSpPr/>
+        <p:nvPr/>
+      </p:nvGrpSpPr>
+      <p:grpSpPr>
+        <a:xfrm>
+          <a:off x="0" y="0"/>
+          <a:ext cx="0" cy="0"/>
+          <a:chOff x="0" y="0"/>
+          <a:chExt cx="0" cy="0"/>
+        </a:xfrm>
+      </p:grpSpPr>
+      <p:pic>
+        <p:nvPicPr>
+          <p:cNvPr id="2" name="Picture 1">
+            <a:extLst>
+              <a:ext uri="{FF2B5EF4-FFF2-40B4-BE49-F238E27FC236}">
+                <a16:creationId xmlns:a16="http://schemas.microsoft.com/office/drawing/2014/main" id="{AD0BE601-146E-4482-AA3E-F0919A67A756}"/>
+              </a:ext>
+            </a:extLst>
+          </p:cNvPr>
+          <p:cNvPicPr>
+            <a:picLocks noChangeAspect="1"/>
+          </p:cNvPicPr>
+          <p:nvPr/>
+        </p:nvPicPr>
+        <p:blipFill>
+          <a:blip r:embed="rId2">
+            <a:extLst>
+              <a:ext uri="{28A0092B-C50C-407E-A947-70E740481C1C}">
+                <a14:useLocalDpi xmlns:a14="http://schemas.microsoft.com/office/drawing/2010/main" val="0"/>
+              </a:ext>
+            </a:extLst>
+          </a:blip>
+          <a:stretch>
+            <a:fillRect/>
+          </a:stretch>
+        </p:blipFill>
+        <p:spPr>
+          <a:xfrm>
+            <a:off x="461394" y="712387"/>
+            <a:ext cx="8056780" cy="5071566"/>
+          </a:xfrm>
+          <a:prstGeom prst="rect">
+            <a:avLst/>
+          </a:prstGeom>
+        </p:spPr>
+      </p:pic>
+      <p:sp>
+        <p:nvSpPr>
+          <p:cNvPr id="6" name="Rounded Rectangular Callout 8">
+            <a:extLst>
+              <a:ext uri="{FF2B5EF4-FFF2-40B4-BE49-F238E27FC236}">
+                <a16:creationId xmlns:a16="http://schemas.microsoft.com/office/drawing/2014/main" id="{9500AE7B-6F4A-44AC-A598-6B68C85A51F8}"/>
+              </a:ext>
+            </a:extLst>
+          </p:cNvPr>
+          <p:cNvSpPr/>
+          <p:nvPr/>
+        </p:nvSpPr>
+        <p:spPr>
+          <a:xfrm>
+            <a:off x="1535450" y="2940106"/>
+            <a:ext cx="1534510" cy="616128"/>
+          </a:xfrm>
+          <a:prstGeom prst="wedgeRoundRectCallout">
+            <a:avLst>
+              <a:gd name="adj1" fmla="val 86290"/>
+              <a:gd name="adj2" fmla="val -6026"/>
+              <a:gd name="adj3" fmla="val 16667"/>
+            </a:avLst>
+          </a:prstGeom>
+          <a:solidFill>
+            <a:srgbClr val="15965A"/>
+          </a:solidFill>
+          <a:ln>
+            <a:noFill/>
+          </a:ln>
+        </p:spPr>
+        <p:style>
+          <a:lnRef idx="1">
+            <a:schemeClr val="accent1"/>
+          </a:lnRef>
+          <a:fillRef idx="3">
+            <a:schemeClr val="accent1"/>
+          </a:fillRef>
+          <a:effectRef idx="2">
+            <a:schemeClr val="accent1"/>
+          </a:effectRef>
+          <a:fontRef idx="minor">
+            <a:schemeClr val="lt1"/>
+          </a:fontRef>
+        </p:style>
+        <p:txBody>
+          <a:bodyPr rtlCol="0" anchor="ctr"/>
+          <a:lstStyle/>
+          <a:p>
+            <a:pPr algn="ctr"/>
+            <a:r>
+              <a:rPr lang="en-US" sz="1400" dirty="0">
+                <a:solidFill>
+                  <a:schemeClr val="bg1"/>
+                </a:solidFill>
+              </a:rPr>
+              <a:t>Metrics values</a:t>
+            </a:r>
+          </a:p>
+        </p:txBody>
+      </p:sp>
+      <p:sp>
+        <p:nvSpPr>
+          <p:cNvPr id="7" name="Rounded Rectangular Callout 8">
+            <a:extLst>
+              <a:ext uri="{FF2B5EF4-FFF2-40B4-BE49-F238E27FC236}">
+                <a16:creationId xmlns:a16="http://schemas.microsoft.com/office/drawing/2014/main" id="{4DC65709-CA56-47D1-B7D8-37E6CC317F62}"/>
+              </a:ext>
+            </a:extLst>
+          </p:cNvPr>
+          <p:cNvSpPr/>
+          <p:nvPr/>
+        </p:nvSpPr>
+        <p:spPr>
+          <a:xfrm>
+            <a:off x="4308384" y="1939309"/>
+            <a:ext cx="1534510" cy="616128"/>
+          </a:xfrm>
+          <a:prstGeom prst="wedgeRoundRectCallout">
+            <a:avLst>
+              <a:gd name="adj1" fmla="val -85534"/>
+              <a:gd name="adj2" fmla="val -88156"/>
+              <a:gd name="adj3" fmla="val 16667"/>
+            </a:avLst>
+          </a:prstGeom>
+          <a:solidFill>
+            <a:srgbClr val="15965A"/>
+          </a:solidFill>
+          <a:ln>
+            <a:noFill/>
+          </a:ln>
+        </p:spPr>
+        <p:style>
+          <a:lnRef idx="1">
+            <a:schemeClr val="accent1"/>
+          </a:lnRef>
+          <a:fillRef idx="3">
+            <a:schemeClr val="accent1"/>
+          </a:fillRef>
+          <a:effectRef idx="2">
+            <a:schemeClr val="accent1"/>
+          </a:effectRef>
+          <a:fontRef idx="minor">
+            <a:schemeClr val="lt1"/>
+          </a:fontRef>
+        </p:style>
+        <p:txBody>
+          <a:bodyPr rtlCol="0" anchor="ctr"/>
+          <a:lstStyle/>
+          <a:p>
+            <a:pPr algn="ctr"/>
+            <a:r>
+              <a:rPr lang="en-US" sz="1400" dirty="0">
+                <a:solidFill>
+                  <a:schemeClr val="bg1"/>
+                </a:solidFill>
+              </a:rPr>
+              <a:t>Metrics selection</a:t>
+            </a:r>
+          </a:p>
+        </p:txBody>
+      </p:sp>
+      <p:sp>
+        <p:nvSpPr>
+          <p:cNvPr id="8" name="Rounded Rectangular Callout 8">
+            <a:extLst>
+              <a:ext uri="{FF2B5EF4-FFF2-40B4-BE49-F238E27FC236}">
+                <a16:creationId xmlns:a16="http://schemas.microsoft.com/office/drawing/2014/main" id="{BC87CCAF-D9A4-470F-A7FD-F01D0954DB04}"/>
+              </a:ext>
+            </a:extLst>
+          </p:cNvPr>
+          <p:cNvSpPr/>
+          <p:nvPr/>
+        </p:nvSpPr>
+        <p:spPr>
+          <a:xfrm>
+            <a:off x="1535450" y="1939309"/>
+            <a:ext cx="1534510" cy="616128"/>
+          </a:xfrm>
+          <a:prstGeom prst="wedgeRoundRectCallout">
+            <a:avLst>
+              <a:gd name="adj1" fmla="val 55049"/>
+              <a:gd name="adj2" fmla="val -106887"/>
+              <a:gd name="adj3" fmla="val 16667"/>
+            </a:avLst>
+          </a:prstGeom>
+          <a:solidFill>
+            <a:srgbClr val="15965A"/>
+          </a:solidFill>
+          <a:ln>
+            <a:noFill/>
+          </a:ln>
+        </p:spPr>
+        <p:style>
+          <a:lnRef idx="1">
+            <a:schemeClr val="accent1"/>
+          </a:lnRef>
+          <a:fillRef idx="3">
+            <a:schemeClr val="accent1"/>
+          </a:fillRef>
+          <a:effectRef idx="2">
+            <a:schemeClr val="accent1"/>
+          </a:effectRef>
+          <a:fontRef idx="minor">
+            <a:schemeClr val="lt1"/>
+          </a:fontRef>
+        </p:style>
+        <p:txBody>
+          <a:bodyPr rtlCol="0" anchor="ctr"/>
+          <a:lstStyle/>
+          <a:p>
+            <a:pPr algn="ctr"/>
+            <a:r>
+              <a:rPr lang="en-US" sz="1400" dirty="0">
+                <a:solidFill>
+                  <a:schemeClr val="bg1"/>
+                </a:solidFill>
+              </a:rPr>
+              <a:t>Expand / collapse</a:t>
+            </a:r>
+          </a:p>
+        </p:txBody>
+      </p:sp>
+    </p:spTree>
+    <p:extLst>
+      <p:ext uri="{BB962C8B-B14F-4D97-AF65-F5344CB8AC3E}">
+        <p14:creationId xmlns:p14="http://schemas.microsoft.com/office/powerpoint/2010/main" val="1440563898"/>
+      </p:ext>
+    </p:extLst>
+  </p:cSld>
+  <p:clrMapOvr>
+    <a:masterClrMapping/>
+  </p:clrMapOvr>
+</p:sld>
+</file>
+
+<file path=ppt/slides/slide24.xml><?xml version="1.0" encoding="utf-8"?>
+<p:sld xmlns:a="http://schemas.openxmlformats.org/drawingml/2006/main" xmlns:r="http://schemas.openxmlformats.org/officeDocument/2006/relationships" xmlns:p="http://schemas.openxmlformats.org/presentationml/2006/main">
+  <p:cSld>
+    <p:spTree>
+      <p:nvGrpSpPr>
+        <p:cNvPr id="1" name=""/>
+        <p:cNvGrpSpPr/>
+        <p:nvPr/>
+      </p:nvGrpSpPr>
+      <p:grpSpPr>
+        <a:xfrm>
+          <a:off x="0" y="0"/>
+          <a:ext cx="0" cy="0"/>
+          <a:chOff x="0" y="0"/>
+          <a:chExt cx="0" cy="0"/>
+        </a:xfrm>
+      </p:grpSpPr>
+      <p:pic>
+        <p:nvPicPr>
+          <p:cNvPr id="2" name="Picture 1" descr="Table&#10;&#10;Description automatically generated">
+            <a:extLst>
+              <a:ext uri="{FF2B5EF4-FFF2-40B4-BE49-F238E27FC236}">
+                <a16:creationId xmlns:a16="http://schemas.microsoft.com/office/drawing/2014/main" id="{13B5278B-82D0-4077-B509-5B613861006E}"/>
+              </a:ext>
+            </a:extLst>
+          </p:cNvPr>
+          <p:cNvPicPr>
+            <a:picLocks noChangeAspect="1"/>
+          </p:cNvPicPr>
+          <p:nvPr/>
+        </p:nvPicPr>
+        <p:blipFill>
+          <a:blip r:embed="rId2">
+            <a:extLst>
+              <a:ext uri="{28A0092B-C50C-407E-A947-70E740481C1C}">
+                <a14:useLocalDpi xmlns:a14="http://schemas.microsoft.com/office/drawing/2010/main" val="0"/>
+              </a:ext>
+            </a:extLst>
+          </a:blip>
+          <a:stretch>
+            <a:fillRect/>
+          </a:stretch>
+        </p:blipFill>
+        <p:spPr>
+          <a:xfrm>
+            <a:off x="293614" y="304886"/>
+            <a:ext cx="8074759" cy="5074618"/>
+          </a:xfrm>
+          <a:prstGeom prst="rect">
+            <a:avLst/>
+          </a:prstGeom>
+        </p:spPr>
+      </p:pic>
+      <p:sp>
+        <p:nvSpPr>
+          <p:cNvPr id="5" name="Rounded Rectangular Callout 8">
+            <a:extLst>
+              <a:ext uri="{FF2B5EF4-FFF2-40B4-BE49-F238E27FC236}">
+                <a16:creationId xmlns:a16="http://schemas.microsoft.com/office/drawing/2014/main" id="{EB5C2412-2B81-49B5-8CF5-C09004BF9254}"/>
+              </a:ext>
+            </a:extLst>
+          </p:cNvPr>
+          <p:cNvSpPr/>
+          <p:nvPr/>
+        </p:nvSpPr>
+        <p:spPr>
+          <a:xfrm>
+            <a:off x="3804745" y="1042194"/>
+            <a:ext cx="1534510" cy="616128"/>
+          </a:xfrm>
+          <a:prstGeom prst="wedgeRoundRectCallout">
+            <a:avLst>
+              <a:gd name="adj1" fmla="val -48508"/>
+              <a:gd name="adj2" fmla="val -82393"/>
+              <a:gd name="adj3" fmla="val 16667"/>
+            </a:avLst>
+          </a:prstGeom>
+          <a:solidFill>
+            <a:srgbClr val="15965A"/>
+          </a:solidFill>
+          <a:ln>
+            <a:noFill/>
+          </a:ln>
+        </p:spPr>
+        <p:style>
+          <a:lnRef idx="1">
+            <a:schemeClr val="accent1"/>
+          </a:lnRef>
+          <a:fillRef idx="3">
+            <a:schemeClr val="accent1"/>
+          </a:fillRef>
+          <a:effectRef idx="2">
+            <a:schemeClr val="accent1"/>
+          </a:effectRef>
+          <a:fontRef idx="minor">
+            <a:schemeClr val="lt1"/>
+          </a:fontRef>
+        </p:style>
+        <p:txBody>
+          <a:bodyPr rtlCol="0" anchor="ctr"/>
+          <a:lstStyle/>
+          <a:p>
+            <a:pPr algn="ctr"/>
+            <a:r>
+              <a:rPr lang="en-US" sz="1400" dirty="0">
+                <a:solidFill>
+                  <a:schemeClr val="bg1"/>
+                </a:solidFill>
+              </a:rPr>
+              <a:t>Screenshot</a:t>
+            </a:r>
+          </a:p>
+        </p:txBody>
+      </p:sp>
+      <p:sp>
+        <p:nvSpPr>
+          <p:cNvPr id="6" name="Rounded Rectangular Callout 8">
+            <a:extLst>
+              <a:ext uri="{FF2B5EF4-FFF2-40B4-BE49-F238E27FC236}">
+                <a16:creationId xmlns:a16="http://schemas.microsoft.com/office/drawing/2014/main" id="{9D27D278-A7E7-47AB-8559-DEFD29E911E1}"/>
+              </a:ext>
+            </a:extLst>
+          </p:cNvPr>
+          <p:cNvSpPr/>
+          <p:nvPr/>
+        </p:nvSpPr>
+        <p:spPr>
+          <a:xfrm>
+            <a:off x="1456367" y="1042194"/>
+            <a:ext cx="1534510" cy="616128"/>
+          </a:xfrm>
+          <a:prstGeom prst="wedgeRoundRectCallout">
+            <a:avLst>
+              <a:gd name="adj1" fmla="val 87447"/>
+              <a:gd name="adj2" fmla="val -80952"/>
+              <a:gd name="adj3" fmla="val 16667"/>
+            </a:avLst>
+          </a:prstGeom>
+          <a:solidFill>
+            <a:srgbClr val="15965A"/>
+          </a:solidFill>
+          <a:ln>
+            <a:noFill/>
+          </a:ln>
+        </p:spPr>
+        <p:style>
+          <a:lnRef idx="1">
+            <a:schemeClr val="accent1"/>
+          </a:lnRef>
+          <a:fillRef idx="3">
+            <a:schemeClr val="accent1"/>
+          </a:fillRef>
+          <a:effectRef idx="2">
+            <a:schemeClr val="accent1"/>
+          </a:effectRef>
+          <a:fontRef idx="minor">
+            <a:schemeClr val="lt1"/>
+          </a:fontRef>
+        </p:style>
+        <p:txBody>
+          <a:bodyPr rtlCol="0" anchor="ctr"/>
+          <a:lstStyle/>
+          <a:p>
+            <a:pPr algn="ctr"/>
+            <a:r>
+              <a:rPr lang="en-US" sz="1400" dirty="0">
+                <a:solidFill>
+                  <a:schemeClr val="bg1"/>
+                </a:solidFill>
+              </a:rPr>
+              <a:t>Zoom in/out</a:t>
+            </a:r>
+          </a:p>
+        </p:txBody>
+      </p:sp>
+    </p:spTree>
+    <p:extLst>
+      <p:ext uri="{BB962C8B-B14F-4D97-AF65-F5344CB8AC3E}">
+        <p14:creationId xmlns:p14="http://schemas.microsoft.com/office/powerpoint/2010/main" val="196343269"/>
+      </p:ext>
+    </p:extLst>
+  </p:cSld>
+  <p:clrMapOvr>
+    <a:masterClrMapping/>
+  </p:clrMapOvr>
+</p:sld>
+</file>
+
+<file path=ppt/slides/slide25.xml><?xml version="1.0" encoding="utf-8"?>
+<p:sld xmlns:a="http://schemas.openxmlformats.org/drawingml/2006/main" xmlns:r="http://schemas.openxmlformats.org/officeDocument/2006/relationships" xmlns:p="http://schemas.openxmlformats.org/presentationml/2006/main">
+  <p:cSld>
+    <p:spTree>
+      <p:nvGrpSpPr>
+        <p:cNvPr id="1" name=""/>
+        <p:cNvGrpSpPr/>
+        <p:nvPr/>
+      </p:nvGrpSpPr>
+      <p:grpSpPr>
+        <a:xfrm>
+          <a:off x="0" y="0"/>
+          <a:ext cx="0" cy="0"/>
+          <a:chOff x="0" y="0"/>
+          <a:chExt cx="0" cy="0"/>
+        </a:xfrm>
+      </p:grpSpPr>
+      <p:pic>
+        <p:nvPicPr>
+          <p:cNvPr id="4" name="Picture 3" descr="Chart&#10;&#10;Description automatically generated">
+            <a:extLst>
+              <a:ext uri="{FF2B5EF4-FFF2-40B4-BE49-F238E27FC236}">
+                <a16:creationId xmlns:a16="http://schemas.microsoft.com/office/drawing/2014/main" id="{0E979DBA-619D-4D52-B43B-D1F85A60D7C6}"/>
+              </a:ext>
+            </a:extLst>
+          </p:cNvPr>
+          <p:cNvPicPr>
+            <a:picLocks noChangeAspect="1"/>
+          </p:cNvPicPr>
+          <p:nvPr/>
+        </p:nvPicPr>
+        <p:blipFill>
+          <a:blip r:embed="rId2">
+            <a:extLst>
+              <a:ext uri="{28A0092B-C50C-407E-A947-70E740481C1C}">
+                <a14:useLocalDpi xmlns:a14="http://schemas.microsoft.com/office/drawing/2010/main" val="0"/>
+              </a:ext>
+            </a:extLst>
+          </a:blip>
+          <a:stretch>
+            <a:fillRect/>
+          </a:stretch>
+        </p:blipFill>
+        <p:spPr>
+          <a:xfrm>
+            <a:off x="339225" y="294755"/>
+            <a:ext cx="8079655" cy="5074619"/>
+          </a:xfrm>
+          <a:prstGeom prst="rect">
+            <a:avLst/>
+          </a:prstGeom>
+        </p:spPr>
+      </p:pic>
+      <p:sp>
+        <p:nvSpPr>
+          <p:cNvPr id="11" name="Rounded Rectangular Callout 8">
+            <a:extLst>
+              <a:ext uri="{FF2B5EF4-FFF2-40B4-BE49-F238E27FC236}">
+                <a16:creationId xmlns:a16="http://schemas.microsoft.com/office/drawing/2014/main" id="{22F834D4-7EF2-4FC1-9639-531582D1508D}"/>
+              </a:ext>
+            </a:extLst>
+          </p:cNvPr>
+          <p:cNvSpPr/>
+          <p:nvPr/>
+        </p:nvSpPr>
+        <p:spPr>
+          <a:xfrm>
+            <a:off x="3611797" y="3946648"/>
+            <a:ext cx="1534510" cy="616128"/>
+          </a:xfrm>
+          <a:prstGeom prst="wedgeRoundRectCallout">
+            <a:avLst>
+              <a:gd name="adj1" fmla="val -79171"/>
+              <a:gd name="adj2" fmla="val -118415"/>
+              <a:gd name="adj3" fmla="val 16667"/>
+            </a:avLst>
+          </a:prstGeom>
+          <a:solidFill>
+            <a:srgbClr val="15965A"/>
+          </a:solidFill>
+          <a:ln>
+            <a:noFill/>
+          </a:ln>
+        </p:spPr>
+        <p:style>
+          <a:lnRef idx="1">
+            <a:schemeClr val="accent1"/>
+          </a:lnRef>
+          <a:fillRef idx="3">
+            <a:schemeClr val="accent1"/>
+          </a:fillRef>
+          <a:effectRef idx="2">
+            <a:schemeClr val="accent1"/>
+          </a:effectRef>
+          <a:fontRef idx="minor">
+            <a:schemeClr val="lt1"/>
+          </a:fontRef>
+        </p:style>
+        <p:txBody>
+          <a:bodyPr rtlCol="0" anchor="ctr"/>
+          <a:lstStyle/>
+          <a:p>
+            <a:pPr algn="ctr"/>
+            <a:r>
+              <a:rPr lang="en-US" sz="1400" dirty="0">
+                <a:solidFill>
+                  <a:schemeClr val="bg1"/>
+                </a:solidFill>
+              </a:rPr>
+              <a:t>Element context menu</a:t>
+            </a:r>
+          </a:p>
+        </p:txBody>
+      </p:sp>
+    </p:spTree>
+    <p:extLst>
+      <p:ext uri="{BB962C8B-B14F-4D97-AF65-F5344CB8AC3E}">
+        <p14:creationId xmlns:p14="http://schemas.microsoft.com/office/powerpoint/2010/main" val="596038315"/>
+      </p:ext>
+    </p:extLst>
+  </p:cSld>
+  <p:clrMapOvr>
+    <a:masterClrMapping/>
+  </p:clrMapOvr>
+</p:sld>
+</file>
+
+<file path=ppt/slides/slide26.xml><?xml version="1.0" encoding="utf-8"?>
+<p:sld xmlns:a="http://schemas.openxmlformats.org/drawingml/2006/main" xmlns:r="http://schemas.openxmlformats.org/officeDocument/2006/relationships" xmlns:p="http://schemas.openxmlformats.org/presentationml/2006/main">
+  <p:cSld>
+    <p:spTree>
+      <p:nvGrpSpPr>
+        <p:cNvPr id="1" name=""/>
+        <p:cNvGrpSpPr/>
+        <p:nvPr/>
+      </p:nvGrpSpPr>
+      <p:grpSpPr>
+        <a:xfrm>
+          <a:off x="0" y="0"/>
+          <a:ext cx="0" cy="0"/>
+          <a:chOff x="0" y="0"/>
+          <a:chExt cx="0" cy="0"/>
+        </a:xfrm>
+      </p:grpSpPr>
+      <p:pic>
+        <p:nvPicPr>
+          <p:cNvPr id="4" name="Picture 3">
+            <a:extLst>
+              <a:ext uri="{FF2B5EF4-FFF2-40B4-BE49-F238E27FC236}">
+                <a16:creationId xmlns:a16="http://schemas.microsoft.com/office/drawing/2014/main" id="{D7F85468-F0BD-40B6-9504-8A82F70FE89A}"/>
+              </a:ext>
+            </a:extLst>
+          </p:cNvPr>
+          <p:cNvPicPr>
+            <a:picLocks noChangeAspect="1"/>
+          </p:cNvPicPr>
+          <p:nvPr/>
+        </p:nvPicPr>
+        <p:blipFill>
+          <a:blip r:embed="rId2">
+            <a:extLst>
+              <a:ext uri="{28A0092B-C50C-407E-A947-70E740481C1C}">
+                <a14:useLocalDpi xmlns:a14="http://schemas.microsoft.com/office/drawing/2010/main" val="0"/>
+              </a:ext>
+            </a:extLst>
+          </a:blip>
+          <a:stretch>
+            <a:fillRect/>
+          </a:stretch>
+        </p:blipFill>
+        <p:spPr>
+          <a:xfrm>
+            <a:off x="320762" y="335503"/>
+            <a:ext cx="8083026" cy="5074620"/>
+          </a:xfrm>
+          <a:prstGeom prst="rect">
+            <a:avLst/>
+          </a:prstGeom>
+        </p:spPr>
+      </p:pic>
+      <p:sp>
+        <p:nvSpPr>
+          <p:cNvPr id="14" name="Rounded Rectangular Callout 8">
+            <a:extLst>
+              <a:ext uri="{FF2B5EF4-FFF2-40B4-BE49-F238E27FC236}">
+                <a16:creationId xmlns:a16="http://schemas.microsoft.com/office/drawing/2014/main" id="{4518AAEE-EB08-4168-B672-CE2212AEFD76}"/>
+              </a:ext>
+            </a:extLst>
+          </p:cNvPr>
+          <p:cNvSpPr/>
+          <p:nvPr/>
+        </p:nvSpPr>
+        <p:spPr>
+          <a:xfrm>
+            <a:off x="3595020" y="2812872"/>
+            <a:ext cx="1534510" cy="616128"/>
+          </a:xfrm>
+          <a:prstGeom prst="wedgeRoundRectCallout">
+            <a:avLst>
+              <a:gd name="adj1" fmla="val 69513"/>
+              <a:gd name="adj2" fmla="val -46371"/>
+              <a:gd name="adj3" fmla="val 16667"/>
+            </a:avLst>
+          </a:prstGeom>
+          <a:solidFill>
+            <a:srgbClr val="15965A"/>
+          </a:solidFill>
+          <a:ln>
+            <a:noFill/>
+          </a:ln>
+        </p:spPr>
+        <p:style>
+          <a:lnRef idx="1">
+            <a:schemeClr val="accent1"/>
+          </a:lnRef>
+          <a:fillRef idx="3">
+            <a:schemeClr val="accent1"/>
+          </a:fillRef>
+          <a:effectRef idx="2">
+            <a:schemeClr val="accent1"/>
+          </a:effectRef>
+          <a:fontRef idx="minor">
+            <a:schemeClr val="lt1"/>
+          </a:fontRef>
+        </p:style>
+        <p:txBody>
+          <a:bodyPr rtlCol="0" anchor="ctr"/>
+          <a:lstStyle/>
+          <a:p>
+            <a:pPr algn="ctr"/>
+            <a:r>
+              <a:rPr lang="en-US" sz="1400" dirty="0">
+                <a:solidFill>
+                  <a:schemeClr val="bg1"/>
+                </a:solidFill>
+              </a:rPr>
+              <a:t>Relation context menu</a:t>
+            </a:r>
+          </a:p>
+        </p:txBody>
+      </p:sp>
+    </p:spTree>
+    <p:extLst>
+      <p:ext uri="{BB962C8B-B14F-4D97-AF65-F5344CB8AC3E}">
+        <p14:creationId xmlns:p14="http://schemas.microsoft.com/office/powerpoint/2010/main" val="2203274940"/>
+      </p:ext>
+    </p:extLst>
+  </p:cSld>
+  <p:clrMapOvr>
+    <a:masterClrMapping/>
+  </p:clrMapOvr>
+</p:sld>
+</file>
+
+<file path=ppt/slides/slide27.xml><?xml version="1.0" encoding="utf-8"?>
+<p:sld xmlns:a="http://schemas.openxmlformats.org/drawingml/2006/main" xmlns:r="http://schemas.openxmlformats.org/officeDocument/2006/relationships" xmlns:p="http://schemas.openxmlformats.org/presentationml/2006/main">
+  <p:cSld>
+    <p:spTree>
+      <p:nvGrpSpPr>
+        <p:cNvPr id="1" name=""/>
+        <p:cNvGrpSpPr/>
+        <p:nvPr/>
+      </p:nvGrpSpPr>
+      <p:grpSpPr>
+        <a:xfrm>
+          <a:off x="0" y="0"/>
+          <a:ext cx="0" cy="0"/>
+          <a:chOff x="0" y="0"/>
+          <a:chExt cx="0" cy="0"/>
+        </a:xfrm>
+      </p:grpSpPr>
+      <p:pic>
+        <p:nvPicPr>
+          <p:cNvPr id="9" name="Picture 8">
+            <a:extLst>
+              <a:ext uri="{FF2B5EF4-FFF2-40B4-BE49-F238E27FC236}">
+                <a16:creationId xmlns:a16="http://schemas.microsoft.com/office/drawing/2014/main" id="{F00CCD77-D451-4B17-BD1C-D2F8718F0484}"/>
+              </a:ext>
+            </a:extLst>
+          </p:cNvPr>
+          <p:cNvPicPr>
+            <a:picLocks noChangeAspect="1"/>
+          </p:cNvPicPr>
+          <p:nvPr/>
+        </p:nvPicPr>
+        <p:blipFill>
+          <a:blip r:embed="rId2"/>
+          <a:stretch>
+            <a:fillRect/>
+          </a:stretch>
+        </p:blipFill>
+        <p:spPr>
+          <a:xfrm>
+            <a:off x="320762" y="997176"/>
+            <a:ext cx="8083026" cy="5084082"/>
+          </a:xfrm>
+          <a:prstGeom prst="rect">
+            <a:avLst/>
+          </a:prstGeom>
+        </p:spPr>
+      </p:pic>
+      <p:sp>
+        <p:nvSpPr>
+          <p:cNvPr id="5" name="Rounded Rectangular Callout 8">
+            <a:extLst>
+              <a:ext uri="{FF2B5EF4-FFF2-40B4-BE49-F238E27FC236}">
+                <a16:creationId xmlns:a16="http://schemas.microsoft.com/office/drawing/2014/main" id="{C0012889-741E-4134-880E-38AAB8CBCA05}"/>
+              </a:ext>
+            </a:extLst>
+          </p:cNvPr>
+          <p:cNvSpPr/>
+          <p:nvPr/>
+        </p:nvSpPr>
+        <p:spPr>
+          <a:xfrm>
+            <a:off x="1979496" y="1881327"/>
+            <a:ext cx="1268567" cy="616128"/>
+          </a:xfrm>
+          <a:prstGeom prst="wedgeRoundRectCallout">
+            <a:avLst>
+              <a:gd name="adj1" fmla="val -80533"/>
+              <a:gd name="adj2" fmla="val -112651"/>
+              <a:gd name="adj3" fmla="val 16667"/>
+            </a:avLst>
+          </a:prstGeom>
+          <a:solidFill>
+            <a:srgbClr val="15965A"/>
+          </a:solidFill>
+          <a:ln>
+            <a:noFill/>
+          </a:ln>
+        </p:spPr>
+        <p:style>
+          <a:lnRef idx="1">
+            <a:schemeClr val="accent1"/>
+          </a:lnRef>
+          <a:fillRef idx="3">
+            <a:schemeClr val="accent1"/>
+          </a:fillRef>
+          <a:effectRef idx="2">
+            <a:schemeClr val="accent1"/>
+          </a:effectRef>
+          <a:fontRef idx="minor">
+            <a:schemeClr val="lt1"/>
+          </a:fontRef>
+        </p:style>
+        <p:txBody>
+          <a:bodyPr rtlCol="0" anchor="ctr"/>
+          <a:lstStyle/>
+          <a:p>
+            <a:pPr algn="ctr"/>
+            <a:r>
+              <a:rPr lang="en-US" sz="1400" dirty="0">
+                <a:solidFill>
+                  <a:schemeClr val="bg1"/>
+                </a:solidFill>
+              </a:rPr>
+              <a:t>Sort</a:t>
+            </a:r>
+          </a:p>
+        </p:txBody>
+      </p:sp>
+      <p:sp>
+        <p:nvSpPr>
+          <p:cNvPr id="7" name="Rounded Rectangular Callout 8">
+            <a:extLst>
+              <a:ext uri="{FF2B5EF4-FFF2-40B4-BE49-F238E27FC236}">
+                <a16:creationId xmlns:a16="http://schemas.microsoft.com/office/drawing/2014/main" id="{0D2BA53B-19CC-47DA-B715-6BF81E345C1C}"/>
+              </a:ext>
+            </a:extLst>
+          </p:cNvPr>
+          <p:cNvSpPr/>
+          <p:nvPr/>
+        </p:nvSpPr>
+        <p:spPr>
+          <a:xfrm>
+            <a:off x="3595020" y="1881327"/>
+            <a:ext cx="1534510" cy="616128"/>
+          </a:xfrm>
+          <a:prstGeom prst="wedgeRoundRectCallout">
+            <a:avLst>
+              <a:gd name="adj1" fmla="val -90163"/>
+              <a:gd name="adj2" fmla="val -118414"/>
+              <a:gd name="adj3" fmla="val 16667"/>
+            </a:avLst>
+          </a:prstGeom>
+          <a:solidFill>
+            <a:srgbClr val="15965A"/>
+          </a:solidFill>
+          <a:ln>
+            <a:noFill/>
+          </a:ln>
+        </p:spPr>
+        <p:style>
+          <a:lnRef idx="1">
+            <a:schemeClr val="accent1"/>
+          </a:lnRef>
+          <a:fillRef idx="3">
+            <a:schemeClr val="accent1"/>
+          </a:fillRef>
+          <a:effectRef idx="2">
+            <a:schemeClr val="accent1"/>
+          </a:effectRef>
+          <a:fontRef idx="minor">
+            <a:schemeClr val="lt1"/>
+          </a:fontRef>
+        </p:style>
+        <p:txBody>
+          <a:bodyPr rtlCol="0" anchor="ctr"/>
+          <a:lstStyle/>
+          <a:p>
+            <a:pPr algn="ctr"/>
+            <a:r>
+              <a:rPr lang="en-US" sz="1400" dirty="0">
+                <a:solidFill>
+                  <a:schemeClr val="bg1"/>
+                </a:solidFill>
+              </a:rPr>
+              <a:t>Undo/redo and history</a:t>
+            </a:r>
+          </a:p>
+        </p:txBody>
+      </p:sp>
+      <p:sp>
+        <p:nvSpPr>
+          <p:cNvPr id="8" name="Rounded Rectangular Callout 8">
+            <a:extLst>
+              <a:ext uri="{FF2B5EF4-FFF2-40B4-BE49-F238E27FC236}">
+                <a16:creationId xmlns:a16="http://schemas.microsoft.com/office/drawing/2014/main" id="{C251AAC0-FB6B-4330-B4E6-2C0985E73DE0}"/>
+              </a:ext>
+            </a:extLst>
+          </p:cNvPr>
+          <p:cNvSpPr/>
+          <p:nvPr/>
+        </p:nvSpPr>
+        <p:spPr>
+          <a:xfrm>
+            <a:off x="568886" y="1881327"/>
+            <a:ext cx="1268567" cy="616128"/>
+          </a:xfrm>
+          <a:prstGeom prst="wedgeRoundRectCallout">
+            <a:avLst>
+              <a:gd name="adj1" fmla="val -3104"/>
+              <a:gd name="adj2" fmla="val -114092"/>
+              <a:gd name="adj3" fmla="val 16667"/>
+            </a:avLst>
+          </a:prstGeom>
+          <a:solidFill>
+            <a:srgbClr val="15965A"/>
+          </a:solidFill>
+          <a:ln>
+            <a:noFill/>
+          </a:ln>
+        </p:spPr>
+        <p:style>
+          <a:lnRef idx="1">
+            <a:schemeClr val="accent1"/>
+          </a:lnRef>
+          <a:fillRef idx="3">
+            <a:schemeClr val="accent1"/>
+          </a:fillRef>
+          <a:effectRef idx="2">
+            <a:schemeClr val="accent1"/>
+          </a:effectRef>
+          <a:fontRef idx="minor">
+            <a:schemeClr val="lt1"/>
+          </a:fontRef>
+        </p:style>
+        <p:txBody>
+          <a:bodyPr rtlCol="0" anchor="ctr"/>
+          <a:lstStyle/>
+          <a:p>
+            <a:pPr algn="ctr"/>
+            <a:r>
+              <a:rPr lang="en-US" sz="1400" dirty="0">
+                <a:solidFill>
+                  <a:schemeClr val="bg1"/>
+                </a:solidFill>
+              </a:rPr>
+              <a:t>Move up/down</a:t>
+            </a:r>
+          </a:p>
+        </p:txBody>
+      </p:sp>
+      <p:sp>
+        <p:nvSpPr>
+          <p:cNvPr id="10" name="Rounded Rectangular Callout 8">
+            <a:extLst>
+              <a:ext uri="{FF2B5EF4-FFF2-40B4-BE49-F238E27FC236}">
+                <a16:creationId xmlns:a16="http://schemas.microsoft.com/office/drawing/2014/main" id="{9BB1AF35-7D7E-401A-BE9F-0041B92C7B23}"/>
+              </a:ext>
+            </a:extLst>
+          </p:cNvPr>
+          <p:cNvSpPr/>
+          <p:nvPr/>
+        </p:nvSpPr>
+        <p:spPr>
+          <a:xfrm>
+            <a:off x="1430560" y="3381606"/>
+            <a:ext cx="1268567" cy="616128"/>
+          </a:xfrm>
+          <a:prstGeom prst="wedgeRoundRectCallout">
+            <a:avLst>
+              <a:gd name="adj1" fmla="val -80533"/>
+              <a:gd name="adj2" fmla="val -112651"/>
+              <a:gd name="adj3" fmla="val 16667"/>
+            </a:avLst>
+          </a:prstGeom>
+          <a:solidFill>
+            <a:srgbClr val="15965A"/>
+          </a:solidFill>
+          <a:ln>
+            <a:noFill/>
+          </a:ln>
+        </p:spPr>
+        <p:style>
+          <a:lnRef idx="1">
+            <a:schemeClr val="accent1"/>
+          </a:lnRef>
+          <a:fillRef idx="3">
+            <a:schemeClr val="accent1"/>
+          </a:fillRef>
+          <a:effectRef idx="2">
+            <a:schemeClr val="accent1"/>
+          </a:effectRef>
+          <a:fontRef idx="minor">
+            <a:schemeClr val="lt1"/>
+          </a:fontRef>
+        </p:style>
+        <p:txBody>
+          <a:bodyPr rtlCol="0" anchor="ctr"/>
+          <a:lstStyle/>
+          <a:p>
+            <a:pPr algn="ctr"/>
+            <a:r>
+              <a:rPr lang="en-US" sz="1400" dirty="0">
+                <a:solidFill>
+                  <a:schemeClr val="bg1"/>
+                </a:solidFill>
+              </a:rPr>
+              <a:t>Drag and drop to move</a:t>
+            </a:r>
+          </a:p>
+        </p:txBody>
+      </p:sp>
+    </p:spTree>
+    <p:extLst>
+      <p:ext uri="{BB962C8B-B14F-4D97-AF65-F5344CB8AC3E}">
+        <p14:creationId xmlns:p14="http://schemas.microsoft.com/office/powerpoint/2010/main" val="178932204"/>
+      </p:ext>
+    </p:extLst>
+  </p:cSld>
+  <p:clrMapOvr>
+    <a:masterClrMapping/>
+  </p:clrMapOvr>
+</p:sld>
+</file>
+
+<file path=ppt/slides/slide3.xml><?xml version="1.0" encoding="utf-8"?>
 <p:sld xmlns:a="http://schemas.openxmlformats.org/drawingml/2006/main" xmlns:r="http://schemas.openxmlformats.org/officeDocument/2006/relationships" xmlns:p="http://schemas.openxmlformats.org/presentationml/2006/main">
   <p:cSld>
     <p:spTree>
@@ -6449,7 +9285,7 @@
 </p:sld>
 </file>
 
-<file path=ppt/slides/slide3.xml><?xml version="1.0" encoding="utf-8"?>
+<file path=ppt/slides/slide4.xml><?xml version="1.0" encoding="utf-8"?>
 <p:sld xmlns:a="http://schemas.openxmlformats.org/drawingml/2006/main" xmlns:r="http://schemas.openxmlformats.org/officeDocument/2006/relationships" xmlns:p="http://schemas.openxmlformats.org/presentationml/2006/main">
   <p:cSld>
     <p:spTree>
@@ -7072,218 +9908,6 @@
           </a:fontRef>
         </p:style>
       </p:cxnSp>
-    </p:spTree>
-  </p:cSld>
-  <p:clrMapOvr>
-    <a:masterClrMapping/>
-  </p:clrMapOvr>
-  <p:transition>
-    <p:wipe dir="u"/>
-  </p:transition>
-</p:sld>
-</file>
-
-<file path=ppt/slides/slide4.xml><?xml version="1.0" encoding="utf-8"?>
-<p:sld xmlns:a="http://schemas.openxmlformats.org/drawingml/2006/main" xmlns:r="http://schemas.openxmlformats.org/officeDocument/2006/relationships" xmlns:p="http://schemas.openxmlformats.org/presentationml/2006/main">
-  <p:cSld>
-    <p:spTree>
-      <p:nvGrpSpPr>
-        <p:cNvPr id="1" name=""/>
-        <p:cNvGrpSpPr/>
-        <p:nvPr/>
-      </p:nvGrpSpPr>
-      <p:grpSpPr>
-        <a:xfrm>
-          <a:off x="0" y="0"/>
-          <a:ext cx="0" cy="0"/>
-          <a:chOff x="0" y="0"/>
-          <a:chExt cx="0" cy="0"/>
-        </a:xfrm>
-      </p:grpSpPr>
-      <p:pic>
-        <p:nvPicPr>
-          <p:cNvPr id="3" name="Picture 2">
-            <a:extLst>
-              <a:ext uri="{FF2B5EF4-FFF2-40B4-BE49-F238E27FC236}">
-                <a16:creationId xmlns:a16="http://schemas.microsoft.com/office/drawing/2014/main" id="{45FF8766-E39D-4045-BFE2-F1237FBC9377}"/>
-              </a:ext>
-            </a:extLst>
-          </p:cNvPr>
-          <p:cNvPicPr>
-            <a:picLocks noChangeAspect="1"/>
-          </p:cNvPicPr>
-          <p:nvPr/>
-        </p:nvPicPr>
-        <p:blipFill>
-          <a:blip r:embed="rId2"/>
-          <a:stretch>
-            <a:fillRect/>
-          </a:stretch>
-        </p:blipFill>
-        <p:spPr>
-          <a:xfrm>
-            <a:off x="819150" y="438150"/>
-            <a:ext cx="7505700" cy="5981700"/>
-          </a:xfrm>
-          <a:prstGeom prst="rect">
-            <a:avLst/>
-          </a:prstGeom>
-        </p:spPr>
-      </p:pic>
-      <p:sp>
-        <p:nvSpPr>
-          <p:cNvPr id="19" name="Rectangle 18"/>
-          <p:cNvSpPr/>
-          <p:nvPr/>
-        </p:nvSpPr>
-        <p:spPr>
-          <a:xfrm>
-            <a:off x="8036653" y="1165201"/>
-            <a:ext cx="288197" cy="890100"/>
-          </a:xfrm>
-          <a:prstGeom prst="rect">
-            <a:avLst/>
-          </a:prstGeom>
-          <a:noFill/>
-          <a:ln w="19050">
-            <a:solidFill>
-              <a:srgbClr val="FF0000"/>
-            </a:solidFill>
-          </a:ln>
-        </p:spPr>
-        <p:style>
-          <a:lnRef idx="1">
-            <a:schemeClr val="accent1"/>
-          </a:lnRef>
-          <a:fillRef idx="3">
-            <a:schemeClr val="accent1"/>
-          </a:fillRef>
-          <a:effectRef idx="2">
-            <a:schemeClr val="accent1"/>
-          </a:effectRef>
-          <a:fontRef idx="minor">
-            <a:schemeClr val="lt1"/>
-          </a:fontRef>
-        </p:style>
-        <p:txBody>
-          <a:bodyPr rtlCol="0" anchor="ctr"/>
-          <a:lstStyle/>
-          <a:p>
-            <a:pPr algn="ctr"/>
-            <a:endParaRPr lang="en-US"/>
-          </a:p>
-        </p:txBody>
-      </p:sp>
-      <p:sp>
-        <p:nvSpPr>
-          <p:cNvPr id="20" name="Rounded Rectangular Callout 19"/>
-          <p:cNvSpPr/>
-          <p:nvPr/>
-        </p:nvSpPr>
-        <p:spPr>
-          <a:xfrm>
-            <a:off x="5458185" y="1924250"/>
-            <a:ext cx="1843200" cy="996215"/>
-          </a:xfrm>
-          <a:prstGeom prst="wedgeRoundRectCallout">
-            <a:avLst>
-              <a:gd name="adj1" fmla="val 86847"/>
-              <a:gd name="adj2" fmla="val -51926"/>
-              <a:gd name="adj3" fmla="val 16667"/>
-            </a:avLst>
-          </a:prstGeom>
-          <a:solidFill>
-            <a:srgbClr val="15965A"/>
-          </a:solidFill>
-          <a:ln>
-            <a:noFill/>
-          </a:ln>
-        </p:spPr>
-        <p:style>
-          <a:lnRef idx="1">
-            <a:schemeClr val="accent1"/>
-          </a:lnRef>
-          <a:fillRef idx="3">
-            <a:schemeClr val="accent1"/>
-          </a:fillRef>
-          <a:effectRef idx="2">
-            <a:schemeClr val="accent1"/>
-          </a:effectRef>
-          <a:fontRef idx="minor">
-            <a:schemeClr val="lt1"/>
-          </a:fontRef>
-        </p:style>
-        <p:txBody>
-          <a:bodyPr rtlCol="0" anchor="ctr"/>
-          <a:lstStyle/>
-          <a:p>
-            <a:pPr algn="ctr"/>
-            <a:r>
-              <a:rPr lang="en-US" sz="1400" dirty="0">
-                <a:solidFill>
-                  <a:schemeClr val="bg1"/>
-                </a:solidFill>
-              </a:rPr>
-              <a:t>Dependencies from A1 to U1, U2 and U3</a:t>
-            </a:r>
-          </a:p>
-          <a:p>
-            <a:pPr algn="ctr"/>
-            <a:r>
-              <a:rPr lang="en-US" sz="1400" dirty="0">
-                <a:solidFill>
-                  <a:schemeClr val="bg1"/>
-                </a:solidFill>
-              </a:rPr>
-              <a:t>individually</a:t>
-            </a:r>
-          </a:p>
-        </p:txBody>
-      </p:sp>
-      <p:sp>
-        <p:nvSpPr>
-          <p:cNvPr id="39" name="Rectangle 38"/>
-          <p:cNvSpPr/>
-          <p:nvPr/>
-        </p:nvSpPr>
-        <p:spPr>
-          <a:xfrm>
-            <a:off x="1447818" y="1165201"/>
-            <a:ext cx="1563830" cy="890101"/>
-          </a:xfrm>
-          <a:prstGeom prst="rect">
-            <a:avLst/>
-          </a:prstGeom>
-          <a:noFill/>
-          <a:ln w="19050">
-            <a:solidFill>
-              <a:srgbClr val="FF0000"/>
-            </a:solidFill>
-          </a:ln>
-        </p:spPr>
-        <p:style>
-          <a:lnRef idx="1">
-            <a:schemeClr val="accent1"/>
-          </a:lnRef>
-          <a:fillRef idx="3">
-            <a:schemeClr val="accent1"/>
-          </a:fillRef>
-          <a:effectRef idx="2">
-            <a:schemeClr val="accent1"/>
-          </a:effectRef>
-          <a:fontRef idx="minor">
-            <a:schemeClr val="lt1"/>
-          </a:fontRef>
-        </p:style>
-        <p:txBody>
-          <a:bodyPr rtlCol="0" anchor="ctr"/>
-          <a:lstStyle/>
-          <a:p>
-            <a:pPr algn="ctr"/>
-            <a:endParaRPr lang="en-US"/>
-          </a:p>
-        </p:txBody>
-      </p:sp>
     </p:spTree>
   </p:cSld>
   <p:clrMapOvr>
@@ -7317,7 +9941,7 @@
           <p:cNvPr id="3" name="Picture 2">
             <a:extLst>
               <a:ext uri="{FF2B5EF4-FFF2-40B4-BE49-F238E27FC236}">
-                <a16:creationId xmlns:a16="http://schemas.microsoft.com/office/drawing/2014/main" id="{09EAAFAE-74C1-41FF-B727-7BBE1B8385FF}"/>
+                <a16:creationId xmlns:a16="http://schemas.microsoft.com/office/drawing/2014/main" id="{45FF8766-E39D-4045-BFE2-F1237FBC9377}"/>
               </a:ext>
             </a:extLst>
           </p:cNvPr>
@@ -7334,8 +9958,8 @@
         </p:blipFill>
         <p:spPr>
           <a:xfrm>
-            <a:off x="1128712" y="747712"/>
-            <a:ext cx="6886575" cy="5362575"/>
+            <a:off x="819150" y="438150"/>
+            <a:ext cx="7505700" cy="5981700"/>
           </a:xfrm>
           <a:prstGeom prst="rect">
             <a:avLst/>
@@ -7344,19 +9968,63 @@
       </p:pic>
       <p:sp>
         <p:nvSpPr>
-          <p:cNvPr id="18" name="Rounded Rectangular Callout 17"/>
+          <p:cNvPr id="19" name="Rectangle 18"/>
           <p:cNvSpPr/>
           <p:nvPr/>
         </p:nvSpPr>
         <p:spPr>
           <a:xfrm>
-            <a:off x="5806644" y="1956241"/>
+            <a:off x="8036653" y="1165201"/>
+            <a:ext cx="288197" cy="890100"/>
+          </a:xfrm>
+          <a:prstGeom prst="rect">
+            <a:avLst/>
+          </a:prstGeom>
+          <a:noFill/>
+          <a:ln w="19050">
+            <a:solidFill>
+              <a:srgbClr val="FF0000"/>
+            </a:solidFill>
+          </a:ln>
+        </p:spPr>
+        <p:style>
+          <a:lnRef idx="1">
+            <a:schemeClr val="accent1"/>
+          </a:lnRef>
+          <a:fillRef idx="3">
+            <a:schemeClr val="accent1"/>
+          </a:fillRef>
+          <a:effectRef idx="2">
+            <a:schemeClr val="accent1"/>
+          </a:effectRef>
+          <a:fontRef idx="minor">
+            <a:schemeClr val="lt1"/>
+          </a:fontRef>
+        </p:style>
+        <p:txBody>
+          <a:bodyPr rtlCol="0" anchor="ctr"/>
+          <a:lstStyle/>
+          <a:p>
+            <a:pPr algn="ctr"/>
+            <a:endParaRPr lang="en-US"/>
+          </a:p>
+        </p:txBody>
+      </p:sp>
+      <p:sp>
+        <p:nvSpPr>
+          <p:cNvPr id="20" name="Rounded Rectangular Callout 19"/>
+          <p:cNvSpPr/>
+          <p:nvPr/>
+        </p:nvSpPr>
+        <p:spPr>
+          <a:xfrm>
+            <a:off x="5458185" y="1924250"/>
             <a:ext cx="1843200" cy="996215"/>
           </a:xfrm>
           <a:prstGeom prst="wedgeRoundRectCallout">
             <a:avLst>
-              <a:gd name="adj1" fmla="val 58608"/>
-              <a:gd name="adj2" fmla="val -68709"/>
+              <a:gd name="adj1" fmla="val 86847"/>
+              <a:gd name="adj2" fmla="val -51926"/>
               <a:gd name="adj3" fmla="val 16667"/>
             </a:avLst>
           </a:prstGeom>
@@ -7403,21 +10071,21 @@
                   <a:schemeClr val="bg1"/>
                 </a:solidFill>
               </a:rPr>
-              <a:t>aggregated</a:t>
-            </a:r>
-          </a:p>
-        </p:txBody>
-      </p:sp>
-      <p:sp>
-        <p:nvSpPr>
-          <p:cNvPr id="15" name="Rectangle 14"/>
+              <a:t>individually</a:t>
+            </a:r>
+          </a:p>
+        </p:txBody>
+      </p:sp>
+      <p:sp>
+        <p:nvSpPr>
+          <p:cNvPr id="39" name="Rectangle 38"/>
           <p:cNvSpPr/>
           <p:nvPr/>
         </p:nvSpPr>
         <p:spPr>
           <a:xfrm>
-            <a:off x="7709483" y="1479948"/>
-            <a:ext cx="305804" cy="256573"/>
+            <a:off x="1447818" y="1165201"/>
+            <a:ext cx="1563830" cy="890101"/>
           </a:xfrm>
           <a:prstGeom prst="rect">
             <a:avLst/>
@@ -7452,55 +10120,14 @@
           </a:p>
         </p:txBody>
       </p:sp>
-      <p:sp>
-        <p:nvSpPr>
-          <p:cNvPr id="13" name="Rectangle 12"/>
-          <p:cNvSpPr/>
-          <p:nvPr/>
-        </p:nvSpPr>
-        <p:spPr>
-          <a:xfrm>
-            <a:off x="1434517" y="1479948"/>
-            <a:ext cx="1907824" cy="256573"/>
-          </a:xfrm>
-          <a:prstGeom prst="rect">
-            <a:avLst/>
-          </a:prstGeom>
-          <a:noFill/>
-          <a:ln w="19050">
-            <a:solidFill>
-              <a:srgbClr val="FF0000"/>
-            </a:solidFill>
-          </a:ln>
-        </p:spPr>
-        <p:style>
-          <a:lnRef idx="1">
-            <a:schemeClr val="accent1"/>
-          </a:lnRef>
-          <a:fillRef idx="3">
-            <a:schemeClr val="accent1"/>
-          </a:fillRef>
-          <a:effectRef idx="2">
-            <a:schemeClr val="accent1"/>
-          </a:effectRef>
-          <a:fontRef idx="minor">
-            <a:schemeClr val="lt1"/>
-          </a:fontRef>
-        </p:style>
-        <p:txBody>
-          <a:bodyPr rtlCol="0" anchor="ctr"/>
-          <a:lstStyle/>
-          <a:p>
-            <a:pPr algn="ctr"/>
-            <a:endParaRPr lang="en-US"/>
-          </a:p>
-        </p:txBody>
-      </p:sp>
     </p:spTree>
   </p:cSld>
   <p:clrMapOvr>
     <a:masterClrMapping/>
   </p:clrMapOvr>
+  <p:transition>
+    <p:wipe dir="u"/>
+  </p:transition>
 </p:sld>
 </file>
 
@@ -7523,10 +10150,10 @@
       </p:grpSpPr>
       <p:pic>
         <p:nvPicPr>
-          <p:cNvPr id="2" name="Picture 1">
+          <p:cNvPr id="3" name="Picture 2">
             <a:extLst>
               <a:ext uri="{FF2B5EF4-FFF2-40B4-BE49-F238E27FC236}">
-                <a16:creationId xmlns:a16="http://schemas.microsoft.com/office/drawing/2014/main" id="{7118D8A2-1880-4A5D-87D3-485F882C9273}"/>
+                <a16:creationId xmlns:a16="http://schemas.microsoft.com/office/drawing/2014/main" id="{09EAAFAE-74C1-41FF-B727-7BBE1B8385FF}"/>
               </a:ext>
             </a:extLst>
           </p:cNvPr>
@@ -7543,8 +10170,8 @@
         </p:blipFill>
         <p:spPr>
           <a:xfrm>
-            <a:off x="1537020" y="1104575"/>
-            <a:ext cx="3486150" cy="1952625"/>
+            <a:off x="1128712" y="747712"/>
+            <a:ext cx="6886575" cy="5362575"/>
           </a:xfrm>
           <a:prstGeom prst="rect">
             <a:avLst/>
@@ -7553,14 +10180,80 @@
       </p:pic>
       <p:sp>
         <p:nvSpPr>
+          <p:cNvPr id="18" name="Rounded Rectangular Callout 17"/>
+          <p:cNvSpPr/>
+          <p:nvPr/>
+        </p:nvSpPr>
+        <p:spPr>
+          <a:xfrm>
+            <a:off x="5806644" y="1956241"/>
+            <a:ext cx="1843200" cy="996215"/>
+          </a:xfrm>
+          <a:prstGeom prst="wedgeRoundRectCallout">
+            <a:avLst>
+              <a:gd name="adj1" fmla="val 58608"/>
+              <a:gd name="adj2" fmla="val -68709"/>
+              <a:gd name="adj3" fmla="val 16667"/>
+            </a:avLst>
+          </a:prstGeom>
+          <a:solidFill>
+            <a:srgbClr val="15965A"/>
+          </a:solidFill>
+          <a:ln>
+            <a:noFill/>
+          </a:ln>
+        </p:spPr>
+        <p:style>
+          <a:lnRef idx="1">
+            <a:schemeClr val="accent1"/>
+          </a:lnRef>
+          <a:fillRef idx="3">
+            <a:schemeClr val="accent1"/>
+          </a:fillRef>
+          <a:effectRef idx="2">
+            <a:schemeClr val="accent1"/>
+          </a:effectRef>
+          <a:fontRef idx="minor">
+            <a:schemeClr val="lt1"/>
+          </a:fontRef>
+        </p:style>
+        <p:txBody>
+          <a:bodyPr rtlCol="0" anchor="ctr"/>
+          <a:lstStyle/>
+          <a:p>
+            <a:pPr algn="ctr"/>
+            <a:r>
+              <a:rPr lang="en-US" sz="1400" dirty="0">
+                <a:solidFill>
+                  <a:schemeClr val="bg1"/>
+                </a:solidFill>
+              </a:rPr>
+              <a:t>Dependencies from A1 to U1, U2 and U3</a:t>
+            </a:r>
+          </a:p>
+          <a:p>
+            <a:pPr algn="ctr"/>
+            <a:r>
+              <a:rPr lang="en-US" sz="1400" dirty="0">
+                <a:solidFill>
+                  <a:schemeClr val="bg1"/>
+                </a:solidFill>
+              </a:rPr>
+              <a:t>aggregated</a:t>
+            </a:r>
+          </a:p>
+        </p:txBody>
+      </p:sp>
+      <p:sp>
+        <p:nvSpPr>
           <p:cNvPr id="15" name="Rectangle 14"/>
           <p:cNvSpPr/>
           <p:nvPr/>
         </p:nvSpPr>
         <p:spPr>
-          <a:xfrm flipV="1">
-            <a:off x="4723001" y="1823709"/>
-            <a:ext cx="300169" cy="281924"/>
+          <a:xfrm>
+            <a:off x="7709483" y="1479948"/>
+            <a:ext cx="305804" cy="256573"/>
           </a:xfrm>
           <a:prstGeom prst="rect">
             <a:avLst/>
@@ -7597,14 +10290,14 @@
       </p:sp>
       <p:sp>
         <p:nvSpPr>
-          <p:cNvPr id="19" name="Rectangle 18"/>
+          <p:cNvPr id="13" name="Rectangle 12"/>
           <p:cNvSpPr/>
           <p:nvPr/>
         </p:nvSpPr>
         <p:spPr>
-          <a:xfrm flipV="1">
-            <a:off x="1853966" y="1823709"/>
-            <a:ext cx="1876340" cy="281925"/>
+          <a:xfrm>
+            <a:off x="1434517" y="1479948"/>
+            <a:ext cx="1907824" cy="256573"/>
           </a:xfrm>
           <a:prstGeom prst="rect">
             <a:avLst/>
@@ -7636,61 +10329,6 @@
           <a:p>
             <a:pPr algn="ctr"/>
             <a:endParaRPr lang="en-US"/>
-          </a:p>
-        </p:txBody>
-      </p:sp>
-      <p:sp>
-        <p:nvSpPr>
-          <p:cNvPr id="23" name="Rounded Rectangular Callout 22"/>
-          <p:cNvSpPr/>
-          <p:nvPr/>
-        </p:nvSpPr>
-        <p:spPr>
-          <a:xfrm>
-            <a:off x="5533157" y="1823709"/>
-            <a:ext cx="1798820" cy="1054859"/>
-          </a:xfrm>
-          <a:prstGeom prst="wedgeRoundRectCallout">
-            <a:avLst>
-              <a:gd name="adj1" fmla="val -76665"/>
-              <a:gd name="adj2" fmla="val -37072"/>
-              <a:gd name="adj3" fmla="val 16667"/>
-            </a:avLst>
-          </a:prstGeom>
-          <a:solidFill>
-            <a:srgbClr val="15965A"/>
-          </a:solidFill>
-          <a:ln>
-            <a:noFill/>
-          </a:ln>
-        </p:spPr>
-        <p:style>
-          <a:lnRef idx="1">
-            <a:schemeClr val="accent1"/>
-          </a:lnRef>
-          <a:fillRef idx="3">
-            <a:schemeClr val="accent1"/>
-          </a:fillRef>
-          <a:effectRef idx="2">
-            <a:schemeClr val="accent1"/>
-          </a:effectRef>
-          <a:fontRef idx="minor">
-            <a:schemeClr val="lt1"/>
-          </a:fontRef>
-        </p:style>
-        <p:txBody>
-          <a:bodyPr rtlCol="0" anchor="ctr"/>
-          <a:lstStyle/>
-          <a:p>
-            <a:pPr algn="ctr"/>
-            <a:r>
-              <a:rPr lang="en-US" sz="1400" dirty="0">
-                <a:solidFill>
-                  <a:schemeClr val="bg1"/>
-                </a:solidFill>
-              </a:rPr>
-              <a:t>All dependencies between Application and Utility collapsed</a:t>
-            </a:r>
           </a:p>
         </p:txBody>
       </p:sp>
@@ -7724,7 +10362,7 @@
           <p:cNvPr id="2" name="Picture 1">
             <a:extLst>
               <a:ext uri="{FF2B5EF4-FFF2-40B4-BE49-F238E27FC236}">
-                <a16:creationId xmlns:a16="http://schemas.microsoft.com/office/drawing/2014/main" id="{0837A558-58E1-49BC-AFBA-DAD0EF43E29C}"/>
+                <a16:creationId xmlns:a16="http://schemas.microsoft.com/office/drawing/2014/main" id="{7118D8A2-1880-4A5D-87D3-485F882C9273}"/>
               </a:ext>
             </a:extLst>
           </p:cNvPr>
@@ -7741,7 +10379,7 @@
         </p:blipFill>
         <p:spPr>
           <a:xfrm>
-            <a:off x="1897747" y="867168"/>
+            <a:off x="1537020" y="1104575"/>
             <a:ext cx="3486150" cy="1952625"/>
           </a:xfrm>
           <a:prstGeom prst="rect">
@@ -7751,19 +10389,107 @@
       </p:pic>
       <p:sp>
         <p:nvSpPr>
-          <p:cNvPr id="6" name="Rounded Rectangular Callout 5"/>
+          <p:cNvPr id="15" name="Rectangle 14"/>
           <p:cNvSpPr/>
           <p:nvPr/>
         </p:nvSpPr>
         <p:spPr>
-          <a:xfrm>
-            <a:off x="5925611" y="962074"/>
-            <a:ext cx="1798820" cy="772664"/>
+          <a:xfrm flipV="1">
+            <a:off x="4723001" y="1823709"/>
+            <a:ext cx="300169" cy="281924"/>
+          </a:xfrm>
+          <a:prstGeom prst="rect">
+            <a:avLst/>
+          </a:prstGeom>
+          <a:noFill/>
+          <a:ln w="19050">
+            <a:solidFill>
+              <a:srgbClr val="FF0000"/>
+            </a:solidFill>
+          </a:ln>
+        </p:spPr>
+        <p:style>
+          <a:lnRef idx="1">
+            <a:schemeClr val="accent1"/>
+          </a:lnRef>
+          <a:fillRef idx="3">
+            <a:schemeClr val="accent1"/>
+          </a:fillRef>
+          <a:effectRef idx="2">
+            <a:schemeClr val="accent1"/>
+          </a:effectRef>
+          <a:fontRef idx="minor">
+            <a:schemeClr val="lt1"/>
+          </a:fontRef>
+        </p:style>
+        <p:txBody>
+          <a:bodyPr rtlCol="0" anchor="ctr"/>
+          <a:lstStyle/>
+          <a:p>
+            <a:pPr algn="ctr"/>
+            <a:endParaRPr lang="en-US"/>
+          </a:p>
+        </p:txBody>
+      </p:sp>
+      <p:sp>
+        <p:nvSpPr>
+          <p:cNvPr id="19" name="Rectangle 18"/>
+          <p:cNvSpPr/>
+          <p:nvPr/>
+        </p:nvSpPr>
+        <p:spPr>
+          <a:xfrm flipV="1">
+            <a:off x="1853966" y="1823709"/>
+            <a:ext cx="1876340" cy="281925"/>
+          </a:xfrm>
+          <a:prstGeom prst="rect">
+            <a:avLst/>
+          </a:prstGeom>
+          <a:noFill/>
+          <a:ln w="19050">
+            <a:solidFill>
+              <a:srgbClr val="FF0000"/>
+            </a:solidFill>
+          </a:ln>
+        </p:spPr>
+        <p:style>
+          <a:lnRef idx="1">
+            <a:schemeClr val="accent1"/>
+          </a:lnRef>
+          <a:fillRef idx="3">
+            <a:schemeClr val="accent1"/>
+          </a:fillRef>
+          <a:effectRef idx="2">
+            <a:schemeClr val="accent1"/>
+          </a:effectRef>
+          <a:fontRef idx="minor">
+            <a:schemeClr val="lt1"/>
+          </a:fontRef>
+        </p:style>
+        <p:txBody>
+          <a:bodyPr rtlCol="0" anchor="ctr"/>
+          <a:lstStyle/>
+          <a:p>
+            <a:pPr algn="ctr"/>
+            <a:endParaRPr lang="en-US"/>
+          </a:p>
+        </p:txBody>
+      </p:sp>
+      <p:sp>
+        <p:nvSpPr>
+          <p:cNvPr id="23" name="Rounded Rectangular Callout 22"/>
+          <p:cNvSpPr/>
+          <p:nvPr/>
+        </p:nvSpPr>
+        <p:spPr>
+          <a:xfrm>
+            <a:off x="5533157" y="1823709"/>
+            <a:ext cx="1798820" cy="1054859"/>
           </a:xfrm>
           <a:prstGeom prst="wedgeRoundRectCallout">
             <a:avLst>
-              <a:gd name="adj1" fmla="val -85300"/>
-              <a:gd name="adj2" fmla="val 81108"/>
+              <a:gd name="adj1" fmla="val -76665"/>
+              <a:gd name="adj2" fmla="val -37072"/>
               <a:gd name="adj3" fmla="val 16667"/>
             </a:avLst>
           </a:prstGeom>
@@ -7799,7 +10525,7 @@
                   <a:schemeClr val="bg1"/>
                 </a:solidFill>
               </a:rPr>
-              <a:t>Many dependencies above identity line</a:t>
+              <a:t>All dependencies between Application and Utility collapsed</a:t>
             </a:r>
           </a:p>
         </p:txBody>
@@ -7813,6 +10539,116 @@
 </file>
 
 <file path=ppt/slides/slide8.xml><?xml version="1.0" encoding="utf-8"?>
+<p:sld xmlns:a="http://schemas.openxmlformats.org/drawingml/2006/main" xmlns:r="http://schemas.openxmlformats.org/officeDocument/2006/relationships" xmlns:p="http://schemas.openxmlformats.org/presentationml/2006/main">
+  <p:cSld>
+    <p:spTree>
+      <p:nvGrpSpPr>
+        <p:cNvPr id="1" name=""/>
+        <p:cNvGrpSpPr/>
+        <p:nvPr/>
+      </p:nvGrpSpPr>
+      <p:grpSpPr>
+        <a:xfrm>
+          <a:off x="0" y="0"/>
+          <a:ext cx="0" cy="0"/>
+          <a:chOff x="0" y="0"/>
+          <a:chExt cx="0" cy="0"/>
+        </a:xfrm>
+      </p:grpSpPr>
+      <p:pic>
+        <p:nvPicPr>
+          <p:cNvPr id="2" name="Picture 1">
+            <a:extLst>
+              <a:ext uri="{FF2B5EF4-FFF2-40B4-BE49-F238E27FC236}">
+                <a16:creationId xmlns:a16="http://schemas.microsoft.com/office/drawing/2014/main" id="{0837A558-58E1-49BC-AFBA-DAD0EF43E29C}"/>
+              </a:ext>
+            </a:extLst>
+          </p:cNvPr>
+          <p:cNvPicPr>
+            <a:picLocks noChangeAspect="1"/>
+          </p:cNvPicPr>
+          <p:nvPr/>
+        </p:nvPicPr>
+        <p:blipFill>
+          <a:blip r:embed="rId2"/>
+          <a:stretch>
+            <a:fillRect/>
+          </a:stretch>
+        </p:blipFill>
+        <p:spPr>
+          <a:xfrm>
+            <a:off x="1897747" y="867168"/>
+            <a:ext cx="3486150" cy="1952625"/>
+          </a:xfrm>
+          <a:prstGeom prst="rect">
+            <a:avLst/>
+          </a:prstGeom>
+        </p:spPr>
+      </p:pic>
+      <p:sp>
+        <p:nvSpPr>
+          <p:cNvPr id="6" name="Rounded Rectangular Callout 5"/>
+          <p:cNvSpPr/>
+          <p:nvPr/>
+        </p:nvSpPr>
+        <p:spPr>
+          <a:xfrm>
+            <a:off x="5925611" y="962074"/>
+            <a:ext cx="1798820" cy="772664"/>
+          </a:xfrm>
+          <a:prstGeom prst="wedgeRoundRectCallout">
+            <a:avLst>
+              <a:gd name="adj1" fmla="val -85300"/>
+              <a:gd name="adj2" fmla="val 81108"/>
+              <a:gd name="adj3" fmla="val 16667"/>
+            </a:avLst>
+          </a:prstGeom>
+          <a:solidFill>
+            <a:srgbClr val="15965A"/>
+          </a:solidFill>
+          <a:ln>
+            <a:noFill/>
+          </a:ln>
+        </p:spPr>
+        <p:style>
+          <a:lnRef idx="1">
+            <a:schemeClr val="accent1"/>
+          </a:lnRef>
+          <a:fillRef idx="3">
+            <a:schemeClr val="accent1"/>
+          </a:fillRef>
+          <a:effectRef idx="2">
+            <a:schemeClr val="accent1"/>
+          </a:effectRef>
+          <a:fontRef idx="minor">
+            <a:schemeClr val="lt1"/>
+          </a:fontRef>
+        </p:style>
+        <p:txBody>
+          <a:bodyPr rtlCol="0" anchor="ctr"/>
+          <a:lstStyle/>
+          <a:p>
+            <a:pPr algn="ctr"/>
+            <a:r>
+              <a:rPr lang="en-US" sz="1400" dirty="0">
+                <a:solidFill>
+                  <a:schemeClr val="bg1"/>
+                </a:solidFill>
+              </a:rPr>
+              <a:t>Many dependencies above identity line</a:t>
+            </a:r>
+          </a:p>
+        </p:txBody>
+      </p:sp>
+    </p:spTree>
+  </p:cSld>
+  <p:clrMapOvr>
+    <a:masterClrMapping/>
+  </p:clrMapOvr>
+</p:sld>
+</file>
+
+<file path=ppt/slides/slide9.xml><?xml version="1.0" encoding="utf-8"?>
 <p:sld xmlns:a="http://schemas.openxmlformats.org/drawingml/2006/main" xmlns:r="http://schemas.openxmlformats.org/officeDocument/2006/relationships" xmlns:p="http://schemas.openxmlformats.org/presentationml/2006/main">
   <p:cSld>
     <p:spTree>
@@ -8362,386 +11198,6 @@
                 </a:solidFill>
               </a:rPr>
               <a:t>Cycle easily visible</a:t>
-            </a:r>
-          </a:p>
-        </p:txBody>
-      </p:sp>
-    </p:spTree>
-  </p:cSld>
-  <p:clrMapOvr>
-    <a:masterClrMapping/>
-  </p:clrMapOvr>
-</p:sld>
-</file>
-
-<file path=ppt/slides/slide9.xml><?xml version="1.0" encoding="utf-8"?>
-<p:sld xmlns:a="http://schemas.openxmlformats.org/drawingml/2006/main" xmlns:r="http://schemas.openxmlformats.org/officeDocument/2006/relationships" xmlns:p="http://schemas.openxmlformats.org/presentationml/2006/main">
-  <p:cSld>
-    <p:spTree>
-      <p:nvGrpSpPr>
-        <p:cNvPr id="1" name=""/>
-        <p:cNvGrpSpPr/>
-        <p:nvPr/>
-      </p:nvGrpSpPr>
-      <p:grpSpPr>
-        <a:xfrm>
-          <a:off x="0" y="0"/>
-          <a:ext cx="0" cy="0"/>
-          <a:chOff x="0" y="0"/>
-          <a:chExt cx="0" cy="0"/>
-        </a:xfrm>
-      </p:grpSpPr>
-      <p:pic>
-        <p:nvPicPr>
-          <p:cNvPr id="2" name="Picture 1">
-            <a:extLst>
-              <a:ext uri="{FF2B5EF4-FFF2-40B4-BE49-F238E27FC236}">
-                <a16:creationId xmlns:a16="http://schemas.microsoft.com/office/drawing/2014/main" id="{A9D4C000-0032-45C3-892A-6BCC8506B079}"/>
-              </a:ext>
-            </a:extLst>
-          </p:cNvPr>
-          <p:cNvPicPr>
-            <a:picLocks noChangeAspect="1"/>
-          </p:cNvPicPr>
-          <p:nvPr/>
-        </p:nvPicPr>
-        <p:blipFill>
-          <a:blip r:embed="rId2"/>
-          <a:stretch>
-            <a:fillRect/>
-          </a:stretch>
-        </p:blipFill>
-        <p:spPr>
-          <a:xfrm>
-            <a:off x="2057400" y="1676400"/>
-            <a:ext cx="5029200" cy="3505200"/>
-          </a:xfrm>
-          <a:prstGeom prst="rect">
-            <a:avLst/>
-          </a:prstGeom>
-        </p:spPr>
-      </p:pic>
-      <p:sp>
-        <p:nvSpPr>
-          <p:cNvPr id="7" name="Rectangle 6"/>
-          <p:cNvSpPr/>
-          <p:nvPr/>
-        </p:nvSpPr>
-        <p:spPr>
-          <a:xfrm>
-            <a:off x="4333875" y="3953558"/>
-            <a:ext cx="266700" cy="582723"/>
-          </a:xfrm>
-          <a:prstGeom prst="rect">
-            <a:avLst/>
-          </a:prstGeom>
-          <a:noFill/>
-          <a:ln w="19050">
-            <a:solidFill>
-              <a:srgbClr val="FF0000"/>
-            </a:solidFill>
-          </a:ln>
-        </p:spPr>
-        <p:style>
-          <a:lnRef idx="1">
-            <a:schemeClr val="accent1"/>
-          </a:lnRef>
-          <a:fillRef idx="3">
-            <a:schemeClr val="accent1"/>
-          </a:fillRef>
-          <a:effectRef idx="2">
-            <a:schemeClr val="accent1"/>
-          </a:effectRef>
-          <a:fontRef idx="minor">
-            <a:schemeClr val="lt1"/>
-          </a:fontRef>
-        </p:style>
-        <p:txBody>
-          <a:bodyPr rtlCol="0" anchor="ctr"/>
-          <a:lstStyle/>
-          <a:p>
-            <a:pPr algn="ctr"/>
-            <a:endParaRPr lang="en-US"/>
-          </a:p>
-        </p:txBody>
-      </p:sp>
-      <p:sp>
-        <p:nvSpPr>
-          <p:cNvPr id="9" name="Rectangle 8"/>
-          <p:cNvSpPr/>
-          <p:nvPr/>
-        </p:nvSpPr>
-        <p:spPr>
-          <a:xfrm>
-            <a:off x="4626772" y="3015386"/>
-            <a:ext cx="1835942" cy="901770"/>
-          </a:xfrm>
-          <a:prstGeom prst="rect">
-            <a:avLst/>
-          </a:prstGeom>
-          <a:noFill/>
-          <a:ln w="19050">
-            <a:solidFill>
-              <a:srgbClr val="FF0000"/>
-            </a:solidFill>
-          </a:ln>
-        </p:spPr>
-        <p:style>
-          <a:lnRef idx="1">
-            <a:schemeClr val="accent1"/>
-          </a:lnRef>
-          <a:fillRef idx="3">
-            <a:schemeClr val="accent1"/>
-          </a:fillRef>
-          <a:effectRef idx="2">
-            <a:schemeClr val="accent1"/>
-          </a:effectRef>
-          <a:fontRef idx="minor">
-            <a:schemeClr val="lt1"/>
-          </a:fontRef>
-        </p:style>
-        <p:txBody>
-          <a:bodyPr rtlCol="0" anchor="ctr"/>
-          <a:lstStyle/>
-          <a:p>
-            <a:pPr algn="ctr"/>
-            <a:endParaRPr lang="en-US"/>
-          </a:p>
-        </p:txBody>
-      </p:sp>
-      <p:sp>
-        <p:nvSpPr>
-          <p:cNvPr id="11" name="Rounded Rectangular Callout 10"/>
-          <p:cNvSpPr/>
-          <p:nvPr/>
-        </p:nvSpPr>
-        <p:spPr>
-          <a:xfrm>
-            <a:off x="7423141" y="3429000"/>
-            <a:ext cx="1608945" cy="941881"/>
-          </a:xfrm>
-          <a:prstGeom prst="wedgeRoundRectCallout">
-            <a:avLst>
-              <a:gd name="adj1" fmla="val -126995"/>
-              <a:gd name="adj2" fmla="val -51167"/>
-              <a:gd name="adj3" fmla="val 16667"/>
-            </a:avLst>
-          </a:prstGeom>
-          <a:solidFill>
-            <a:srgbClr val="15965A"/>
-          </a:solidFill>
-          <a:ln>
-            <a:noFill/>
-          </a:ln>
-        </p:spPr>
-        <p:style>
-          <a:lnRef idx="1">
-            <a:schemeClr val="accent1"/>
-          </a:lnRef>
-          <a:fillRef idx="3">
-            <a:schemeClr val="accent1"/>
-          </a:fillRef>
-          <a:effectRef idx="2">
-            <a:schemeClr val="accent1"/>
-          </a:effectRef>
-          <a:fontRef idx="minor">
-            <a:schemeClr val="lt1"/>
-          </a:fontRef>
-        </p:style>
-        <p:txBody>
-          <a:bodyPr rtlCol="0" anchor="ctr"/>
-          <a:lstStyle/>
-          <a:p>
-            <a:pPr algn="ctr"/>
-            <a:r>
-              <a:rPr lang="en-US" sz="1400" dirty="0">
-                <a:solidFill>
-                  <a:schemeClr val="bg1"/>
-                </a:solidFill>
-              </a:rPr>
-              <a:t>Encapsulated</a:t>
-            </a:r>
-          </a:p>
-        </p:txBody>
-      </p:sp>
-      <p:sp>
-        <p:nvSpPr>
-          <p:cNvPr id="13" name="Rectangle 12"/>
-          <p:cNvSpPr/>
-          <p:nvPr/>
-        </p:nvSpPr>
-        <p:spPr>
-          <a:xfrm>
-            <a:off x="4333875" y="2708184"/>
-            <a:ext cx="2752725" cy="275502"/>
-          </a:xfrm>
-          <a:prstGeom prst="rect">
-            <a:avLst/>
-          </a:prstGeom>
-          <a:noFill/>
-          <a:ln w="19050">
-            <a:solidFill>
-              <a:srgbClr val="FF0000"/>
-            </a:solidFill>
-          </a:ln>
-        </p:spPr>
-        <p:style>
-          <a:lnRef idx="1">
-            <a:schemeClr val="accent1"/>
-          </a:lnRef>
-          <a:fillRef idx="3">
-            <a:schemeClr val="accent1"/>
-          </a:fillRef>
-          <a:effectRef idx="2">
-            <a:schemeClr val="accent1"/>
-          </a:effectRef>
-          <a:fontRef idx="minor">
-            <a:schemeClr val="lt1"/>
-          </a:fontRef>
-        </p:style>
-        <p:txBody>
-          <a:bodyPr rtlCol="0" anchor="ctr"/>
-          <a:lstStyle/>
-          <a:p>
-            <a:pPr algn="ctr"/>
-            <a:endParaRPr lang="en-US"/>
-          </a:p>
-        </p:txBody>
-      </p:sp>
-      <p:sp>
-        <p:nvSpPr>
-          <p:cNvPr id="12" name="Rounded Rectangular Callout 11"/>
-          <p:cNvSpPr/>
-          <p:nvPr/>
-        </p:nvSpPr>
-        <p:spPr>
-          <a:xfrm>
-            <a:off x="7423140" y="2162319"/>
-            <a:ext cx="1608945" cy="941881"/>
-          </a:xfrm>
-          <a:prstGeom prst="wedgeRoundRectCallout">
-            <a:avLst>
-              <a:gd name="adj1" fmla="val -84411"/>
-              <a:gd name="adj2" fmla="val 24016"/>
-              <a:gd name="adj3" fmla="val 16667"/>
-            </a:avLst>
-          </a:prstGeom>
-          <a:solidFill>
-            <a:srgbClr val="15965A"/>
-          </a:solidFill>
-          <a:ln>
-            <a:noFill/>
-          </a:ln>
-        </p:spPr>
-        <p:style>
-          <a:lnRef idx="1">
-            <a:schemeClr val="accent1"/>
-          </a:lnRef>
-          <a:fillRef idx="3">
-            <a:schemeClr val="accent1"/>
-          </a:fillRef>
-          <a:effectRef idx="2">
-            <a:schemeClr val="accent1"/>
-          </a:effectRef>
-          <a:fontRef idx="minor">
-            <a:schemeClr val="lt1"/>
-          </a:fontRef>
-        </p:style>
-        <p:txBody>
-          <a:bodyPr rtlCol="0" anchor="ctr"/>
-          <a:lstStyle/>
-          <a:p>
-            <a:pPr algn="ctr"/>
-            <a:r>
-              <a:rPr lang="en-US" sz="1400">
-                <a:solidFill>
-                  <a:schemeClr val="bg1"/>
-                </a:solidFill>
-              </a:rPr>
-              <a:t>Not used</a:t>
-            </a:r>
-          </a:p>
-        </p:txBody>
-      </p:sp>
-      <p:sp>
-        <p:nvSpPr>
-          <p:cNvPr id="16" name="Rounded Rectangular Callout 15"/>
-          <p:cNvSpPr/>
-          <p:nvPr/>
-        </p:nvSpPr>
-        <p:spPr>
-          <a:xfrm>
-            <a:off x="5477655" y="4313555"/>
-            <a:ext cx="1608945" cy="941881"/>
-          </a:xfrm>
-          <a:prstGeom prst="wedgeRoundRectCallout">
-            <a:avLst>
-              <a:gd name="adj1" fmla="val -109357"/>
-              <a:gd name="adj2" fmla="val -54515"/>
-              <a:gd name="adj3" fmla="val 16667"/>
-            </a:avLst>
-          </a:prstGeom>
-          <a:solidFill>
-            <a:srgbClr val="15965A"/>
-          </a:solidFill>
-          <a:ln>
-            <a:noFill/>
-          </a:ln>
-        </p:spPr>
-        <p:style>
-          <a:lnRef idx="1">
-            <a:schemeClr val="accent1"/>
-          </a:lnRef>
-          <a:fillRef idx="3">
-            <a:schemeClr val="accent1"/>
-          </a:fillRef>
-          <a:effectRef idx="2">
-            <a:schemeClr val="accent1"/>
-          </a:effectRef>
-          <a:fontRef idx="minor">
-            <a:schemeClr val="lt1"/>
-          </a:fontRef>
-        </p:style>
-        <p:txBody>
-          <a:bodyPr rtlCol="0" anchor="ctr"/>
-          <a:lstStyle/>
-          <a:p>
-            <a:pPr algn="ctr"/>
-            <a:r>
-              <a:rPr lang="en-US" sz="1400">
-                <a:solidFill>
-                  <a:schemeClr val="bg1"/>
-                </a:solidFill>
-              </a:rPr>
-              <a:t>Public interface</a:t>
-            </a:r>
-          </a:p>
-        </p:txBody>
-      </p:sp>
-      <p:sp>
-        <p:nvSpPr>
-          <p:cNvPr id="14" name="Rectangle 13"/>
-          <p:cNvSpPr/>
-          <p:nvPr/>
-        </p:nvSpPr>
-        <p:spPr>
-          <a:xfrm>
-            <a:off x="1370330" y="5992593"/>
-            <a:ext cx="2232919" cy="369332"/>
-          </a:xfrm>
-          <a:prstGeom prst="rect">
-            <a:avLst/>
-          </a:prstGeom>
-        </p:spPr>
-        <p:txBody>
-          <a:bodyPr wrap="none">
-            <a:spAutoFit/>
-          </a:bodyPr>
-          <a:lstStyle/>
-          <a:p>
-            <a:r>
-              <a:rPr lang="en-US" dirty="0"/>
-              <a:t>Encapsulation Pattern</a:t>
             </a:r>
           </a:p>
         </p:txBody>

--- a/assets/img/Images.pptx
+++ b/assets/img/Images.pptx
@@ -8892,13 +8892,13 @@
         </p:nvSpPr>
         <p:spPr>
           <a:xfrm>
-            <a:off x="1430560" y="3381606"/>
-            <a:ext cx="1268567" cy="616128"/>
+            <a:off x="1581480" y="3606637"/>
+            <a:ext cx="1454683" cy="753909"/>
           </a:xfrm>
           <a:prstGeom prst="wedgeRoundRectCallout">
             <a:avLst>
-              <a:gd name="adj1" fmla="val -80533"/>
-              <a:gd name="adj2" fmla="val -112651"/>
+              <a:gd name="adj1" fmla="val -78702"/>
+              <a:gd name="adj2" fmla="val -104408"/>
               <a:gd name="adj3" fmla="val 16667"/>
             </a:avLst>
           </a:prstGeom>
@@ -8934,7 +8934,129 @@
                   <a:schemeClr val="bg1"/>
                 </a:solidFill>
               </a:rPr>
-              <a:t>Drag and drop to move</a:t>
+              <a:t>Move element using drag and drop</a:t>
+            </a:r>
+          </a:p>
+        </p:txBody>
+      </p:sp>
+      <p:sp>
+        <p:nvSpPr>
+          <p:cNvPr id="11" name="Rounded Rectangular Callout 8">
+            <a:extLst>
+              <a:ext uri="{FF2B5EF4-FFF2-40B4-BE49-F238E27FC236}">
+                <a16:creationId xmlns:a16="http://schemas.microsoft.com/office/drawing/2014/main" id="{CFF66A14-77D3-4B72-B85F-EFE0F456A3C0}"/>
+              </a:ext>
+            </a:extLst>
+          </p:cNvPr>
+          <p:cNvSpPr/>
+          <p:nvPr/>
+        </p:nvSpPr>
+        <p:spPr>
+          <a:xfrm>
+            <a:off x="1581481" y="4881884"/>
+            <a:ext cx="1454683" cy="753909"/>
+          </a:xfrm>
+          <a:prstGeom prst="wedgeRoundRectCallout">
+            <a:avLst>
+              <a:gd name="adj1" fmla="val -80533"/>
+              <a:gd name="adj2" fmla="val -76147"/>
+              <a:gd name="adj3" fmla="val 16667"/>
+            </a:avLst>
+          </a:prstGeom>
+          <a:solidFill>
+            <a:srgbClr val="15965A"/>
+          </a:solidFill>
+          <a:ln>
+            <a:noFill/>
+          </a:ln>
+        </p:spPr>
+        <p:style>
+          <a:lnRef idx="1">
+            <a:schemeClr val="accent1"/>
+          </a:lnRef>
+          <a:fillRef idx="3">
+            <a:schemeClr val="accent1"/>
+          </a:fillRef>
+          <a:effectRef idx="2">
+            <a:schemeClr val="accent1"/>
+          </a:effectRef>
+          <a:fontRef idx="minor">
+            <a:schemeClr val="lt1"/>
+          </a:fontRef>
+        </p:style>
+        <p:txBody>
+          <a:bodyPr rtlCol="0" anchor="ctr"/>
+          <a:lstStyle/>
+          <a:p>
+            <a:pPr algn="ctr"/>
+            <a:r>
+              <a:rPr lang="en-US" sz="1400" dirty="0">
+                <a:solidFill>
+                  <a:schemeClr val="bg1"/>
+                </a:solidFill>
+              </a:rPr>
+              <a:t>Edit element using cell context menu</a:t>
+            </a:r>
+          </a:p>
+        </p:txBody>
+      </p:sp>
+      <p:sp>
+        <p:nvSpPr>
+          <p:cNvPr id="12" name="Rounded Rectangular Callout 8">
+            <a:extLst>
+              <a:ext uri="{FF2B5EF4-FFF2-40B4-BE49-F238E27FC236}">
+                <a16:creationId xmlns:a16="http://schemas.microsoft.com/office/drawing/2014/main" id="{BBA7835A-1D2D-49AE-AB28-43A61F2179DB}"/>
+              </a:ext>
+            </a:extLst>
+          </p:cNvPr>
+          <p:cNvSpPr/>
+          <p:nvPr/>
+        </p:nvSpPr>
+        <p:spPr>
+          <a:xfrm>
+            <a:off x="4815976" y="4283992"/>
+            <a:ext cx="1268567" cy="753909"/>
+          </a:xfrm>
+          <a:prstGeom prst="wedgeRoundRectCallout">
+            <a:avLst>
+              <a:gd name="adj1" fmla="val 80425"/>
+              <a:gd name="adj2" fmla="val -70259"/>
+              <a:gd name="adj3" fmla="val 16667"/>
+            </a:avLst>
+          </a:prstGeom>
+          <a:solidFill>
+            <a:srgbClr val="15965A"/>
+          </a:solidFill>
+          <a:ln>
+            <a:noFill/>
+          </a:ln>
+        </p:spPr>
+        <p:style>
+          <a:lnRef idx="1">
+            <a:schemeClr val="accent1"/>
+          </a:lnRef>
+          <a:fillRef idx="3">
+            <a:schemeClr val="accent1"/>
+          </a:fillRef>
+          <a:effectRef idx="2">
+            <a:schemeClr val="accent1"/>
+          </a:effectRef>
+          <a:fontRef idx="minor">
+            <a:schemeClr val="lt1"/>
+          </a:fontRef>
+        </p:style>
+        <p:txBody>
+          <a:bodyPr rtlCol="0" anchor="ctr"/>
+          <a:lstStyle/>
+          <a:p>
+            <a:pPr algn="ctr"/>
+            <a:r>
+              <a:rPr lang="en-US" sz="1400" dirty="0">
+                <a:solidFill>
+                  <a:schemeClr val="bg1"/>
+                </a:solidFill>
+              </a:rPr>
+              <a:t>Edit relation using cell context menu</a:t>
             </a:r>
           </a:p>
         </p:txBody>

--- a/assets/img/Images.pptx
+++ b/assets/img/Images.pptx
@@ -223,7 +223,7 @@
           <a:p>
             <a:fld id="{0CC1478D-87B6-451A-8696-61271112EFBC}" type="datetimeFigureOut">
               <a:rPr lang="en-US" smtClean="0"/>
-              <a:t>1/17/2021</a:t>
+              <a:t>1/18/2021</a:t>
             </a:fld>
             <a:endParaRPr lang="en-US"/>
           </a:p>
@@ -621,7 +621,7 @@
           <a:p>
             <a:fld id="{788667A8-8BE1-4384-8E52-CA6CA56C077B}" type="datetimeFigureOut">
               <a:rPr lang="en-US" smtClean="0"/>
-              <a:t>1/17/2021</a:t>
+              <a:t>1/18/2021</a:t>
             </a:fld>
             <a:endParaRPr lang="en-US"/>
           </a:p>
@@ -791,7 +791,7 @@
           <a:p>
             <a:fld id="{788667A8-8BE1-4384-8E52-CA6CA56C077B}" type="datetimeFigureOut">
               <a:rPr lang="en-US" smtClean="0"/>
-              <a:t>1/17/2021</a:t>
+              <a:t>1/18/2021</a:t>
             </a:fld>
             <a:endParaRPr lang="en-US"/>
           </a:p>
@@ -971,7 +971,7 @@
           <a:p>
             <a:fld id="{788667A8-8BE1-4384-8E52-CA6CA56C077B}" type="datetimeFigureOut">
               <a:rPr lang="en-US" smtClean="0"/>
-              <a:t>1/17/2021</a:t>
+              <a:t>1/18/2021</a:t>
             </a:fld>
             <a:endParaRPr lang="en-US"/>
           </a:p>
@@ -1201,7 +1201,7 @@
           <a:p>
             <a:fld id="{788667A8-8BE1-4384-8E52-CA6CA56C077B}" type="datetimeFigureOut">
               <a:rPr lang="en-US" smtClean="0"/>
-              <a:t>1/17/2021</a:t>
+              <a:t>1/18/2021</a:t>
             </a:fld>
             <a:endParaRPr lang="en-US"/>
           </a:p>
@@ -1445,7 +1445,7 @@
           <a:p>
             <a:fld id="{788667A8-8BE1-4384-8E52-CA6CA56C077B}" type="datetimeFigureOut">
               <a:rPr lang="en-US" smtClean="0"/>
-              <a:t>1/17/2021</a:t>
+              <a:t>1/18/2021</a:t>
             </a:fld>
             <a:endParaRPr lang="en-US"/>
           </a:p>
@@ -1677,7 +1677,7 @@
           <a:p>
             <a:fld id="{788667A8-8BE1-4384-8E52-CA6CA56C077B}" type="datetimeFigureOut">
               <a:rPr lang="en-US" smtClean="0"/>
-              <a:t>1/17/2021</a:t>
+              <a:t>1/18/2021</a:t>
             </a:fld>
             <a:endParaRPr lang="en-US"/>
           </a:p>
@@ -2044,7 +2044,7 @@
           <a:p>
             <a:fld id="{788667A8-8BE1-4384-8E52-CA6CA56C077B}" type="datetimeFigureOut">
               <a:rPr lang="en-US" smtClean="0"/>
-              <a:t>1/17/2021</a:t>
+              <a:t>1/18/2021</a:t>
             </a:fld>
             <a:endParaRPr lang="en-US"/>
           </a:p>
@@ -2162,7 +2162,7 @@
           <a:p>
             <a:fld id="{788667A8-8BE1-4384-8E52-CA6CA56C077B}" type="datetimeFigureOut">
               <a:rPr lang="en-US" smtClean="0"/>
-              <a:t>1/17/2021</a:t>
+              <a:t>1/18/2021</a:t>
             </a:fld>
             <a:endParaRPr lang="en-US"/>
           </a:p>
@@ -2257,7 +2257,7 @@
           <a:p>
             <a:fld id="{788667A8-8BE1-4384-8E52-CA6CA56C077B}" type="datetimeFigureOut">
               <a:rPr lang="en-US" smtClean="0"/>
-              <a:t>1/17/2021</a:t>
+              <a:t>1/18/2021</a:t>
             </a:fld>
             <a:endParaRPr lang="en-US"/>
           </a:p>
@@ -2534,7 +2534,7 @@
           <a:p>
             <a:fld id="{788667A8-8BE1-4384-8E52-CA6CA56C077B}" type="datetimeFigureOut">
               <a:rPr lang="en-US" smtClean="0"/>
-              <a:t>1/17/2021</a:t>
+              <a:t>1/18/2021</a:t>
             </a:fld>
             <a:endParaRPr lang="en-US"/>
           </a:p>
@@ -2791,7 +2791,7 @@
           <a:p>
             <a:fld id="{788667A8-8BE1-4384-8E52-CA6CA56C077B}" type="datetimeFigureOut">
               <a:rPr lang="en-US" smtClean="0"/>
-              <a:t>1/17/2021</a:t>
+              <a:t>1/18/2021</a:t>
             </a:fld>
             <a:endParaRPr lang="en-US"/>
           </a:p>
@@ -3004,7 +3004,7 @@
           <a:p>
             <a:fld id="{788667A8-8BE1-4384-8E52-CA6CA56C077B}" type="datetimeFigureOut">
               <a:rPr lang="en-US" smtClean="0"/>
-              <a:t>1/17/2021</a:t>
+              <a:t>1/18/2021</a:t>
             </a:fld>
             <a:endParaRPr lang="en-US"/>
           </a:p>
@@ -5744,7 +5744,7 @@
         </p:nvSpPr>
         <p:spPr>
           <a:xfrm>
-            <a:off x="7046860" y="1946344"/>
+            <a:off x="4910604" y="1910833"/>
             <a:ext cx="1229757" cy="616128"/>
           </a:xfrm>
           <a:prstGeom prst="wedgeRoundRectCallout">
@@ -5816,7 +5816,7 @@
         </p:nvSpPr>
         <p:spPr>
           <a:xfrm>
-            <a:off x="6999843" y="951056"/>
+            <a:off x="4034701" y="968811"/>
             <a:ext cx="1229757" cy="616128"/>
           </a:xfrm>
           <a:prstGeom prst="wedgeRoundRectCallout">
